--- a/presentation/gb_mv_gamma.pptx
+++ b/presentation/gb_mv_gamma.pptx
@@ -15419,10 +15419,10 @@
       </p:grpSpPr>
       <p:pic>
         <p:nvPicPr>
-          <p:cNvPr id="125" name="Kép 124">
+          <p:cNvPr id="36" name="Kép 35">
             <a:extLst>
               <a:ext uri="{FF2B5EF4-FFF2-40B4-BE49-F238E27FC236}">
-                <a16:creationId xmlns:a16="http://schemas.microsoft.com/office/drawing/2014/main" id="{A3720140-34FD-43E4-B903-DD4712577FEF}"/>
+                <a16:creationId xmlns:a16="http://schemas.microsoft.com/office/drawing/2014/main" id="{6B611BEE-0803-410F-AFDB-07E49B269631}"/>
               </a:ext>
             </a:extLst>
           </p:cNvPr>
@@ -15439,8 +15439,44 @@
         </p:blipFill>
         <p:spPr>
           <a:xfrm>
-            <a:off x="4054470" y="1562"/>
-            <a:ext cx="5089530" cy="3372527"/>
+            <a:off x="197" y="3374089"/>
+            <a:ext cx="5330085" cy="3484579"/>
+          </a:xfrm>
+          <a:prstGeom prst="rect">
+            <a:avLst/>
+          </a:prstGeom>
+        </p:spPr>
+      </p:pic>
+      <p:pic>
+        <p:nvPicPr>
+          <p:cNvPr id="3" name="Kép 2" descr="A képen képernyőkép látható&#10;&#10;A leírás nagyon megbízható">
+            <a:extLst>
+              <a:ext uri="{FF2B5EF4-FFF2-40B4-BE49-F238E27FC236}">
+                <a16:creationId xmlns:a16="http://schemas.microsoft.com/office/drawing/2014/main" id="{107218EF-74B0-485B-BA6A-ACA1AFBD7326}"/>
+              </a:ext>
+            </a:extLst>
+          </p:cNvPr>
+          <p:cNvPicPr>
+            <a:picLocks noChangeAspect="1"/>
+          </p:cNvPicPr>
+          <p:nvPr/>
+        </p:nvPicPr>
+        <p:blipFill>
+          <a:blip r:embed="rId4" cstate="print">
+            <a:extLst>
+              <a:ext uri="{28A0092B-C50C-407E-A947-70E740481C1C}">
+                <a14:useLocalDpi xmlns:a14="http://schemas.microsoft.com/office/drawing/2010/main" val="0"/>
+              </a:ext>
+            </a:extLst>
+          </a:blip>
+          <a:stretch>
+            <a:fillRect/>
+          </a:stretch>
+        </p:blipFill>
+        <p:spPr>
+          <a:xfrm>
+            <a:off x="4208888" y="5076"/>
+            <a:ext cx="4935908" cy="3348000"/>
           </a:xfrm>
           <a:prstGeom prst="rect">
             <a:avLst/>
@@ -15476,36 +15512,6 @@
           </a:p>
         </p:txBody>
       </p:sp>
-      <p:pic>
-        <p:nvPicPr>
-          <p:cNvPr id="36" name="Kép 35">
-            <a:extLst>
-              <a:ext uri="{FF2B5EF4-FFF2-40B4-BE49-F238E27FC236}">
-                <a16:creationId xmlns:a16="http://schemas.microsoft.com/office/drawing/2014/main" id="{6B611BEE-0803-410F-AFDB-07E49B269631}"/>
-              </a:ext>
-            </a:extLst>
-          </p:cNvPr>
-          <p:cNvPicPr>
-            <a:picLocks noChangeAspect="1"/>
-          </p:cNvPicPr>
-          <p:nvPr/>
-        </p:nvPicPr>
-        <p:blipFill>
-          <a:blip r:embed="rId4"/>
-          <a:stretch>
-            <a:fillRect/>
-          </a:stretch>
-        </p:blipFill>
-        <p:spPr>
-          <a:xfrm>
-            <a:off x="197" y="3374089"/>
-            <a:ext cx="5330085" cy="3484579"/>
-          </a:xfrm>
-          <a:prstGeom prst="rect">
-            <a:avLst/>
-          </a:prstGeom>
-        </p:spPr>
-      </p:pic>
       <p:sp>
         <p:nvSpPr>
           <p:cNvPr id="94" name="Cím 1">
@@ -15587,8 +15593,8 @@
         </p:nvCxnSpPr>
         <p:spPr>
           <a:xfrm flipV="1">
-            <a:off x="2797773" y="1048215"/>
-            <a:ext cx="1309521" cy="3311912"/>
+            <a:off x="2797773" y="1092640"/>
+            <a:ext cx="1372783" cy="3267488"/>
           </a:xfrm>
           <a:prstGeom prst="straightConnector1">
             <a:avLst/>
@@ -15635,8 +15641,8 @@
         </p:nvCxnSpPr>
         <p:spPr>
           <a:xfrm flipV="1">
-            <a:off x="3153439" y="2026599"/>
-            <a:ext cx="929196" cy="2442118"/>
+            <a:off x="3153439" y="1903859"/>
+            <a:ext cx="1017117" cy="2564858"/>
           </a:xfrm>
           <a:prstGeom prst="straightConnector1">
             <a:avLst/>
@@ -15683,8 +15689,8 @@
         </p:nvCxnSpPr>
         <p:spPr>
           <a:xfrm flipV="1">
-            <a:off x="3503206" y="2026599"/>
-            <a:ext cx="5406618" cy="2602161"/>
+            <a:off x="3503206" y="1903859"/>
+            <a:ext cx="5506979" cy="2724903"/>
           </a:xfrm>
           <a:prstGeom prst="straightConnector1">
             <a:avLst/>
@@ -16381,10 +16387,10 @@
       </p:grpSpPr>
       <p:pic>
         <p:nvPicPr>
-          <p:cNvPr id="31" name="Kép 30">
+          <p:cNvPr id="24" name="Kép 23" descr="A képen képernyőkép látható&#10;&#10;A leírás nagyon megbízható">
             <a:extLst>
               <a:ext uri="{FF2B5EF4-FFF2-40B4-BE49-F238E27FC236}">
-                <a16:creationId xmlns:a16="http://schemas.microsoft.com/office/drawing/2014/main" id="{E7A3584D-8BE5-4219-8B37-D697AEB353C2}"/>
+                <a16:creationId xmlns:a16="http://schemas.microsoft.com/office/drawing/2014/main" id="{53A3B5DB-4D6D-4315-8D5E-092F59DCB893}"/>
               </a:ext>
             </a:extLst>
           </p:cNvPr>
@@ -16394,15 +16400,21 @@
           <p:nvPr/>
         </p:nvPicPr>
         <p:blipFill>
-          <a:blip r:embed="rId3"/>
+          <a:blip r:embed="rId3" cstate="print">
+            <a:extLst>
+              <a:ext uri="{28A0092B-C50C-407E-A947-70E740481C1C}">
+                <a14:useLocalDpi xmlns:a14="http://schemas.microsoft.com/office/drawing/2010/main" val="0"/>
+              </a:ext>
+            </a:extLst>
+          </a:blip>
           <a:stretch>
             <a:fillRect/>
           </a:stretch>
         </p:blipFill>
         <p:spPr>
           <a:xfrm>
-            <a:off x="4054470" y="1562"/>
-            <a:ext cx="5089530" cy="3372527"/>
+            <a:off x="4208888" y="5076"/>
+            <a:ext cx="4935908" cy="3348000"/>
           </a:xfrm>
           <a:prstGeom prst="rect">
             <a:avLst/>
@@ -17214,10 +17226,10 @@
       </p:grpSpPr>
       <p:pic>
         <p:nvPicPr>
-          <p:cNvPr id="20" name="Kép 19">
+          <p:cNvPr id="21" name="Kép 20" descr="A képen képernyőkép látható&#10;&#10;A leírás nagyon megbízható">
             <a:extLst>
               <a:ext uri="{FF2B5EF4-FFF2-40B4-BE49-F238E27FC236}">
-                <a16:creationId xmlns:a16="http://schemas.microsoft.com/office/drawing/2014/main" id="{03C1A9D4-4FA5-4FCC-8336-0B160B42EE69}"/>
+                <a16:creationId xmlns:a16="http://schemas.microsoft.com/office/drawing/2014/main" id="{C70CA7D5-9A40-4BA4-B695-D5440106DD62}"/>
               </a:ext>
             </a:extLst>
           </p:cNvPr>
@@ -17227,15 +17239,21 @@
           <p:nvPr/>
         </p:nvPicPr>
         <p:blipFill>
-          <a:blip r:embed="rId3"/>
+          <a:blip r:embed="rId3" cstate="print">
+            <a:extLst>
+              <a:ext uri="{28A0092B-C50C-407E-A947-70E740481C1C}">
+                <a14:useLocalDpi xmlns:a14="http://schemas.microsoft.com/office/drawing/2010/main" val="0"/>
+              </a:ext>
+            </a:extLst>
+          </a:blip>
           <a:stretch>
             <a:fillRect/>
           </a:stretch>
         </p:blipFill>
         <p:spPr>
           <a:xfrm>
-            <a:off x="4054470" y="1562"/>
-            <a:ext cx="5089530" cy="3372527"/>
+            <a:off x="4208888" y="5076"/>
+            <a:ext cx="4935908" cy="3348000"/>
           </a:xfrm>
           <a:prstGeom prst="rect">
             <a:avLst/>
@@ -17430,8 +17448,8 @@
         </p:nvCxnSpPr>
         <p:spPr>
           <a:xfrm flipV="1">
-            <a:off x="3824868" y="1984917"/>
-            <a:ext cx="1109276" cy="3672000"/>
+            <a:off x="3824868" y="1817649"/>
+            <a:ext cx="1137425" cy="3839268"/>
           </a:xfrm>
           <a:prstGeom prst="straightConnector1">
             <a:avLst/>
@@ -17478,8 +17496,8 @@
         </p:nvCxnSpPr>
         <p:spPr>
           <a:xfrm flipV="1">
-            <a:off x="4059044" y="1951881"/>
-            <a:ext cx="4058846" cy="3902610"/>
+            <a:off x="4059044" y="1817649"/>
+            <a:ext cx="4248615" cy="4036842"/>
           </a:xfrm>
           <a:prstGeom prst="straightConnector1">
             <a:avLst/>
@@ -18047,10 +18065,10 @@
       </p:grpSpPr>
       <p:pic>
         <p:nvPicPr>
-          <p:cNvPr id="26" name="Kép 25">
+          <p:cNvPr id="21" name="Kép 20" descr="A képen képernyőkép látható&#10;&#10;A leírás nagyon megbízható">
             <a:extLst>
               <a:ext uri="{FF2B5EF4-FFF2-40B4-BE49-F238E27FC236}">
-                <a16:creationId xmlns:a16="http://schemas.microsoft.com/office/drawing/2014/main" id="{002C1D62-2B92-4BB6-8697-7770FF7A1315}"/>
+                <a16:creationId xmlns:a16="http://schemas.microsoft.com/office/drawing/2014/main" id="{0CAF6A74-30CC-49F2-8F89-B8A056918EDB}"/>
               </a:ext>
             </a:extLst>
           </p:cNvPr>
@@ -18060,15 +18078,21 @@
           <p:nvPr/>
         </p:nvPicPr>
         <p:blipFill>
-          <a:blip r:embed="rId3"/>
+          <a:blip r:embed="rId3" cstate="print">
+            <a:extLst>
+              <a:ext uri="{28A0092B-C50C-407E-A947-70E740481C1C}">
+                <a14:useLocalDpi xmlns:a14="http://schemas.microsoft.com/office/drawing/2010/main" val="0"/>
+              </a:ext>
+            </a:extLst>
+          </a:blip>
           <a:stretch>
             <a:fillRect/>
           </a:stretch>
         </p:blipFill>
         <p:spPr>
           <a:xfrm>
-            <a:off x="4054470" y="1562"/>
-            <a:ext cx="5089530" cy="3372527"/>
+            <a:off x="4208888" y="5076"/>
+            <a:ext cx="4935908" cy="3348000"/>
           </a:xfrm>
           <a:prstGeom prst="rect">
             <a:avLst/>

--- a/presentation/gb_mv_gamma.pptx
+++ b/presentation/gb_mv_gamma.pptx
@@ -6,7 +6,7 @@
     <p:sldMasterId id="2147483656" r:id="rId2"/>
   </p:sldMasterIdLst>
   <p:notesMasterIdLst>
-    <p:notesMasterId r:id="rId29"/>
+    <p:notesMasterId r:id="rId28"/>
   </p:notesMasterIdLst>
   <p:sldIdLst>
     <p:sldId id="265" r:id="rId3"/>
@@ -31,10 +31,9 @@
     <p:sldId id="294" r:id="rId22"/>
     <p:sldId id="295" r:id="rId23"/>
     <p:sldId id="279" r:id="rId24"/>
-    <p:sldId id="287" r:id="rId25"/>
-    <p:sldId id="308" r:id="rId26"/>
-    <p:sldId id="298" r:id="rId27"/>
-    <p:sldId id="297" r:id="rId28"/>
+    <p:sldId id="308" r:id="rId25"/>
+    <p:sldId id="298" r:id="rId26"/>
+    <p:sldId id="297" r:id="rId27"/>
   </p:sldIdLst>
   <p:sldSz cx="9144000" cy="6858000" type="screen4x3"/>
   <p:notesSz cx="6858000" cy="9144000"/>
@@ -557,7 +556,7 @@
               <a:defRPr/>
             </a:pPr>
             <a:r>
-              <a:rPr lang="hu-HU" sz="1200" kern="1200" dirty="0" err="1">
+              <a:rPr lang="hu-HU" sz="1200" kern="1200" dirty="0">
                 <a:solidFill>
                   <a:schemeClr val="tx1"/>
                 </a:solidFill>
@@ -566,10 +565,10 @@
                 <a:ea typeface="+mn-ea"/>
                 <a:cs typeface="+mn-cs"/>
               </a:rPr>
-              <a:t>Üdvözlök</a:t>
-            </a:r>
-            <a:r>
-              <a:rPr lang="hu-HU" sz="1200" kern="1200" dirty="0">
+              <a:t>Good </a:t>
+            </a:r>
+            <a:r>
+              <a:rPr lang="hu-HU" sz="1200" kern="1200" dirty="0" err="1">
                 <a:solidFill>
                   <a:schemeClr val="tx1"/>
                 </a:solidFill>
@@ -578,10 +577,10 @@
                 <a:ea typeface="+mn-ea"/>
                 <a:cs typeface="+mn-cs"/>
               </a:rPr>
-              <a:t> mindenkit! </a:t>
-            </a:r>
-            <a:r>
-              <a:rPr lang="hu-HU" sz="1200" kern="1200" dirty="0" err="1">
+              <a:t>morning</a:t>
+            </a:r>
+            <a:r>
+              <a:rPr lang="hu-HU" sz="1200" kern="1200" dirty="0">
                 <a:solidFill>
                   <a:schemeClr val="tx1"/>
                 </a:solidFill>
@@ -590,10 +589,10 @@
                 <a:ea typeface="+mn-ea"/>
                 <a:cs typeface="+mn-cs"/>
               </a:rPr>
-              <a:t>Graics</a:t>
-            </a:r>
-            <a:r>
-              <a:rPr lang="hu-HU" sz="1200" kern="1200" dirty="0">
+              <a:t> </a:t>
+            </a:r>
+            <a:r>
+              <a:rPr lang="hu-HU" sz="1200" kern="1200" dirty="0" err="1">
                 <a:solidFill>
                   <a:schemeClr val="tx1"/>
                 </a:solidFill>
@@ -602,10 +601,10 @@
                 <a:ea typeface="+mn-ea"/>
                 <a:cs typeface="+mn-cs"/>
               </a:rPr>
-              <a:t> Bence vagyok.</a:t>
-            </a:r>
-            <a:r>
-              <a:rPr lang="hu-HU" sz="1200" kern="1200" baseline="0" dirty="0">
+              <a:t>everyone</a:t>
+            </a:r>
+            <a:r>
+              <a:rPr lang="hu-HU" sz="1200" kern="1200" dirty="0">
                 <a:solidFill>
                   <a:schemeClr val="tx1"/>
                 </a:solidFill>
@@ -614,10 +613,10 @@
                 <a:ea typeface="+mn-ea"/>
                 <a:cs typeface="+mn-cs"/>
               </a:rPr>
-              <a:t> Munkám során a Gamma modellezési </a:t>
-            </a:r>
-            <a:r>
-              <a:rPr lang="hu-HU" sz="1200" kern="1200" dirty="0">
+              <a:t>! </a:t>
+            </a:r>
+            <a:r>
+              <a:rPr lang="hu-HU" sz="1200" kern="1200" dirty="0" err="1">
                 <a:solidFill>
                   <a:schemeClr val="tx1"/>
                 </a:solidFill>
@@ -626,10 +625,10 @@
                 <a:ea typeface="+mn-ea"/>
                 <a:cs typeface="+mn-cs"/>
               </a:rPr>
-              <a:t>keretrendszert fejlesztettem tovább.  („SZÜNET”) A Gamma komponens-alapú reaktív rendszerek tervezésére és ellenőrzésére szolgáló modellezési keretrendszer, amelynek célja a </a:t>
-            </a:r>
-            <a:r>
-              <a:rPr lang="hu-HU" sz="1200" kern="1200" dirty="0" err="1">
+              <a:t>My</a:t>
+            </a:r>
+            <a:r>
+              <a:rPr lang="hu-HU" sz="1200" kern="1200" dirty="0">
                 <a:solidFill>
                   <a:schemeClr val="tx1"/>
                 </a:solidFill>
@@ -638,10 +637,10 @@
                 <a:ea typeface="+mn-ea"/>
                 <a:cs typeface="+mn-cs"/>
               </a:rPr>
-              <a:t>modellvezérelt</a:t>
-            </a:r>
-            <a:r>
-              <a:rPr lang="hu-HU" sz="1200" kern="1200" dirty="0">
+              <a:t> </a:t>
+            </a:r>
+            <a:r>
+              <a:rPr lang="hu-HU" sz="1200" kern="1200" dirty="0" err="1">
                 <a:solidFill>
                   <a:schemeClr val="tx1"/>
                 </a:solidFill>
@@ -650,7 +649,739 @@
                 <a:ea typeface="+mn-ea"/>
                 <a:cs typeface="+mn-cs"/>
               </a:rPr>
-              <a:t> fejlesztés támogatása. TDK munkám fő eredménye, hogy bevezettem a Gammába a vegyes szinkron/aszinkron kompozíciót.</a:t>
+              <a:t>name</a:t>
+            </a:r>
+            <a:r>
+              <a:rPr lang="hu-HU" sz="1200" kern="1200" dirty="0">
+                <a:solidFill>
+                  <a:schemeClr val="tx1"/>
+                </a:solidFill>
+                <a:effectLst/>
+                <a:latin typeface="+mn-lt"/>
+                <a:ea typeface="+mn-ea"/>
+                <a:cs typeface="+mn-cs"/>
+              </a:rPr>
+              <a:t> is Bence </a:t>
+            </a:r>
+            <a:r>
+              <a:rPr lang="hu-HU" sz="1200" kern="1200" dirty="0" err="1">
+                <a:solidFill>
+                  <a:schemeClr val="tx1"/>
+                </a:solidFill>
+                <a:effectLst/>
+                <a:latin typeface="+mn-lt"/>
+                <a:ea typeface="+mn-ea"/>
+                <a:cs typeface="+mn-cs"/>
+              </a:rPr>
+              <a:t>Graics</a:t>
+            </a:r>
+            <a:r>
+              <a:rPr lang="hu-HU" sz="1200" kern="1200" dirty="0">
+                <a:solidFill>
+                  <a:schemeClr val="tx1"/>
+                </a:solidFill>
+                <a:effectLst/>
+                <a:latin typeface="+mn-lt"/>
+                <a:ea typeface="+mn-ea"/>
+                <a:cs typeface="+mn-cs"/>
+              </a:rPr>
+              <a:t> and I am </a:t>
+            </a:r>
+            <a:r>
+              <a:rPr lang="hu-HU" sz="1200" kern="1200" dirty="0" err="1">
+                <a:solidFill>
+                  <a:schemeClr val="tx1"/>
+                </a:solidFill>
+                <a:effectLst/>
+                <a:latin typeface="+mn-lt"/>
+                <a:ea typeface="+mn-ea"/>
+                <a:cs typeface="+mn-cs"/>
+              </a:rPr>
+              <a:t>going</a:t>
+            </a:r>
+            <a:r>
+              <a:rPr lang="hu-HU" sz="1200" kern="1200" dirty="0">
+                <a:solidFill>
+                  <a:schemeClr val="tx1"/>
+                </a:solidFill>
+                <a:effectLst/>
+                <a:latin typeface="+mn-lt"/>
+                <a:ea typeface="+mn-ea"/>
+                <a:cs typeface="+mn-cs"/>
+              </a:rPr>
+              <a:t> </a:t>
+            </a:r>
+            <a:r>
+              <a:rPr lang="hu-HU" sz="1200" kern="1200" dirty="0" err="1">
+                <a:solidFill>
+                  <a:schemeClr val="tx1"/>
+                </a:solidFill>
+                <a:effectLst/>
+                <a:latin typeface="+mn-lt"/>
+                <a:ea typeface="+mn-ea"/>
+                <a:cs typeface="+mn-cs"/>
+              </a:rPr>
+              <a:t>to</a:t>
+            </a:r>
+            <a:r>
+              <a:rPr lang="hu-HU" sz="1200" kern="1200" dirty="0">
+                <a:solidFill>
+                  <a:schemeClr val="tx1"/>
+                </a:solidFill>
+                <a:effectLst/>
+                <a:latin typeface="+mn-lt"/>
+                <a:ea typeface="+mn-ea"/>
+                <a:cs typeface="+mn-cs"/>
+              </a:rPr>
+              <a:t> </a:t>
+            </a:r>
+            <a:r>
+              <a:rPr lang="hu-HU" sz="1200" kern="1200" dirty="0" err="1">
+                <a:solidFill>
+                  <a:schemeClr val="tx1"/>
+                </a:solidFill>
+                <a:effectLst/>
+                <a:latin typeface="+mn-lt"/>
+                <a:ea typeface="+mn-ea"/>
+                <a:cs typeface="+mn-cs"/>
+              </a:rPr>
+              <a:t>talk</a:t>
+            </a:r>
+            <a:r>
+              <a:rPr lang="hu-HU" sz="1200" kern="1200" dirty="0">
+                <a:solidFill>
+                  <a:schemeClr val="tx1"/>
+                </a:solidFill>
+                <a:effectLst/>
+                <a:latin typeface="+mn-lt"/>
+                <a:ea typeface="+mn-ea"/>
+                <a:cs typeface="+mn-cs"/>
+              </a:rPr>
+              <a:t> </a:t>
+            </a:r>
+            <a:r>
+              <a:rPr lang="hu-HU" sz="1200" kern="1200" dirty="0" err="1">
+                <a:solidFill>
+                  <a:schemeClr val="tx1"/>
+                </a:solidFill>
+                <a:effectLst/>
+                <a:latin typeface="+mn-lt"/>
+                <a:ea typeface="+mn-ea"/>
+                <a:cs typeface="+mn-cs"/>
+              </a:rPr>
+              <a:t>about</a:t>
+            </a:r>
+            <a:r>
+              <a:rPr lang="hu-HU" sz="1200" kern="1200" dirty="0">
+                <a:solidFill>
+                  <a:schemeClr val="tx1"/>
+                </a:solidFill>
+                <a:effectLst/>
+                <a:latin typeface="+mn-lt"/>
+                <a:ea typeface="+mn-ea"/>
+                <a:cs typeface="+mn-cs"/>
+              </a:rPr>
+              <a:t> </a:t>
+            </a:r>
+            <a:r>
+              <a:rPr lang="hu-HU" sz="1200" kern="1200" dirty="0" err="1">
+                <a:solidFill>
+                  <a:schemeClr val="tx1"/>
+                </a:solidFill>
+                <a:effectLst/>
+                <a:latin typeface="+mn-lt"/>
+                <a:ea typeface="+mn-ea"/>
+                <a:cs typeface="+mn-cs"/>
+              </a:rPr>
+              <a:t>the</a:t>
+            </a:r>
+            <a:r>
+              <a:rPr lang="hu-HU" sz="1200" kern="1200" dirty="0">
+                <a:solidFill>
+                  <a:schemeClr val="tx1"/>
+                </a:solidFill>
+                <a:effectLst/>
+                <a:latin typeface="+mn-lt"/>
+                <a:ea typeface="+mn-ea"/>
+                <a:cs typeface="+mn-cs"/>
+              </a:rPr>
+              <a:t> Gamma </a:t>
+            </a:r>
+            <a:r>
+              <a:rPr lang="hu-HU" sz="1200" kern="1200" dirty="0" err="1">
+                <a:solidFill>
+                  <a:schemeClr val="tx1"/>
+                </a:solidFill>
+                <a:effectLst/>
+                <a:latin typeface="+mn-lt"/>
+                <a:ea typeface="+mn-ea"/>
+                <a:cs typeface="+mn-cs"/>
+              </a:rPr>
+              <a:t>Statechart</a:t>
+            </a:r>
+            <a:r>
+              <a:rPr lang="hu-HU" sz="1200" kern="1200" dirty="0">
+                <a:solidFill>
+                  <a:schemeClr val="tx1"/>
+                </a:solidFill>
+                <a:effectLst/>
+                <a:latin typeface="+mn-lt"/>
+                <a:ea typeface="+mn-ea"/>
+                <a:cs typeface="+mn-cs"/>
+              </a:rPr>
+              <a:t> </a:t>
+            </a:r>
+            <a:r>
+              <a:rPr lang="hu-HU" sz="1200" kern="1200" dirty="0" err="1">
+                <a:solidFill>
+                  <a:schemeClr val="tx1"/>
+                </a:solidFill>
+                <a:effectLst/>
+                <a:latin typeface="+mn-lt"/>
+                <a:ea typeface="+mn-ea"/>
+                <a:cs typeface="+mn-cs"/>
+              </a:rPr>
+              <a:t>Composition</a:t>
+            </a:r>
+            <a:r>
+              <a:rPr lang="hu-HU" sz="1200" kern="1200" dirty="0">
+                <a:solidFill>
+                  <a:schemeClr val="tx1"/>
+                </a:solidFill>
+                <a:effectLst/>
+                <a:latin typeface="+mn-lt"/>
+                <a:ea typeface="+mn-ea"/>
+                <a:cs typeface="+mn-cs"/>
+              </a:rPr>
+              <a:t> Framework. Gamma is a </a:t>
+            </a:r>
+            <a:r>
+              <a:rPr lang="hu-HU" sz="1200" kern="1200" dirty="0" err="1">
+                <a:solidFill>
+                  <a:schemeClr val="tx1"/>
+                </a:solidFill>
+                <a:effectLst/>
+                <a:latin typeface="+mn-lt"/>
+                <a:ea typeface="+mn-ea"/>
+                <a:cs typeface="+mn-cs"/>
+              </a:rPr>
+              <a:t>modeling</a:t>
+            </a:r>
+            <a:r>
+              <a:rPr lang="hu-HU" sz="1200" kern="1200" dirty="0">
+                <a:solidFill>
+                  <a:schemeClr val="tx1"/>
+                </a:solidFill>
+                <a:effectLst/>
+                <a:latin typeface="+mn-lt"/>
+                <a:ea typeface="+mn-ea"/>
+                <a:cs typeface="+mn-cs"/>
+              </a:rPr>
+              <a:t> </a:t>
+            </a:r>
+            <a:r>
+              <a:rPr lang="hu-HU" sz="1200" kern="1200" dirty="0" err="1">
+                <a:solidFill>
+                  <a:schemeClr val="tx1"/>
+                </a:solidFill>
+                <a:effectLst/>
+                <a:latin typeface="+mn-lt"/>
+                <a:ea typeface="+mn-ea"/>
+                <a:cs typeface="+mn-cs"/>
+              </a:rPr>
+              <a:t>framework</a:t>
+            </a:r>
+            <a:r>
+              <a:rPr lang="hu-HU" sz="1200" kern="1200" dirty="0">
+                <a:solidFill>
+                  <a:schemeClr val="tx1"/>
+                </a:solidFill>
+                <a:effectLst/>
+                <a:latin typeface="+mn-lt"/>
+                <a:ea typeface="+mn-ea"/>
+                <a:cs typeface="+mn-cs"/>
+              </a:rPr>
+              <a:t> </a:t>
+            </a:r>
+            <a:r>
+              <a:rPr lang="hu-HU" sz="1200" kern="1200" dirty="0" err="1">
+                <a:solidFill>
+                  <a:schemeClr val="tx1"/>
+                </a:solidFill>
+                <a:effectLst/>
+                <a:latin typeface="+mn-lt"/>
+                <a:ea typeface="+mn-ea"/>
+                <a:cs typeface="+mn-cs"/>
+              </a:rPr>
+              <a:t>for</a:t>
+            </a:r>
+            <a:r>
+              <a:rPr lang="hu-HU" sz="1200" kern="1200" dirty="0">
+                <a:solidFill>
+                  <a:schemeClr val="tx1"/>
+                </a:solidFill>
+                <a:effectLst/>
+                <a:latin typeface="+mn-lt"/>
+                <a:ea typeface="+mn-ea"/>
+                <a:cs typeface="+mn-cs"/>
+              </a:rPr>
+              <a:t> </a:t>
+            </a:r>
+            <a:r>
+              <a:rPr lang="hu-HU" sz="1200" kern="1200" dirty="0" err="1">
+                <a:solidFill>
+                  <a:schemeClr val="tx1"/>
+                </a:solidFill>
+                <a:effectLst/>
+                <a:latin typeface="+mn-lt"/>
+                <a:ea typeface="+mn-ea"/>
+                <a:cs typeface="+mn-cs"/>
+              </a:rPr>
+              <a:t>the</a:t>
+            </a:r>
+            <a:r>
+              <a:rPr lang="hu-HU" sz="1200" kern="1200" dirty="0">
+                <a:solidFill>
+                  <a:schemeClr val="tx1"/>
+                </a:solidFill>
+                <a:effectLst/>
+                <a:latin typeface="+mn-lt"/>
+                <a:ea typeface="+mn-ea"/>
+                <a:cs typeface="+mn-cs"/>
+              </a:rPr>
+              <a:t> </a:t>
+            </a:r>
+            <a:r>
+              <a:rPr lang="hu-HU" sz="1200" kern="1200" dirty="0" err="1">
+                <a:solidFill>
+                  <a:schemeClr val="tx1"/>
+                </a:solidFill>
+                <a:effectLst/>
+                <a:latin typeface="+mn-lt"/>
+                <a:ea typeface="+mn-ea"/>
+                <a:cs typeface="+mn-cs"/>
+              </a:rPr>
+              <a:t>development</a:t>
+            </a:r>
+            <a:r>
+              <a:rPr lang="hu-HU" sz="1200" kern="1200" dirty="0">
+                <a:solidFill>
+                  <a:schemeClr val="tx1"/>
+                </a:solidFill>
+                <a:effectLst/>
+                <a:latin typeface="+mn-lt"/>
+                <a:ea typeface="+mn-ea"/>
+                <a:cs typeface="+mn-cs"/>
+              </a:rPr>
+              <a:t> and </a:t>
+            </a:r>
+            <a:r>
+              <a:rPr lang="hu-HU" sz="1200" kern="1200" dirty="0" err="1">
+                <a:solidFill>
+                  <a:schemeClr val="tx1"/>
+                </a:solidFill>
+                <a:effectLst/>
+                <a:latin typeface="+mn-lt"/>
+                <a:ea typeface="+mn-ea"/>
+                <a:cs typeface="+mn-cs"/>
+              </a:rPr>
+              <a:t>analysis</a:t>
+            </a:r>
+            <a:r>
+              <a:rPr lang="hu-HU" sz="1200" kern="1200" dirty="0">
+                <a:solidFill>
+                  <a:schemeClr val="tx1"/>
+                </a:solidFill>
+                <a:effectLst/>
+                <a:latin typeface="+mn-lt"/>
+                <a:ea typeface="+mn-ea"/>
+                <a:cs typeface="+mn-cs"/>
+              </a:rPr>
+              <a:t> of </a:t>
+            </a:r>
+            <a:r>
+              <a:rPr lang="hu-HU" sz="1200" kern="1200" dirty="0" err="1">
+                <a:solidFill>
+                  <a:schemeClr val="tx1"/>
+                </a:solidFill>
+                <a:effectLst/>
+                <a:latin typeface="+mn-lt"/>
+                <a:ea typeface="+mn-ea"/>
+                <a:cs typeface="+mn-cs"/>
+              </a:rPr>
+              <a:t>component-based</a:t>
+            </a:r>
+            <a:r>
+              <a:rPr lang="hu-HU" sz="1200" kern="1200" dirty="0">
+                <a:solidFill>
+                  <a:schemeClr val="tx1"/>
+                </a:solidFill>
+                <a:effectLst/>
+                <a:latin typeface="+mn-lt"/>
+                <a:ea typeface="+mn-ea"/>
+                <a:cs typeface="+mn-cs"/>
+              </a:rPr>
+              <a:t> </a:t>
+            </a:r>
+            <a:r>
+              <a:rPr lang="hu-HU" sz="1200" kern="1200" dirty="0" err="1">
+                <a:solidFill>
+                  <a:schemeClr val="tx1"/>
+                </a:solidFill>
+                <a:effectLst/>
+                <a:latin typeface="+mn-lt"/>
+                <a:ea typeface="+mn-ea"/>
+                <a:cs typeface="+mn-cs"/>
+              </a:rPr>
+              <a:t>reactive</a:t>
+            </a:r>
+            <a:r>
+              <a:rPr lang="hu-HU" sz="1200" kern="1200" dirty="0">
+                <a:solidFill>
+                  <a:schemeClr val="tx1"/>
+                </a:solidFill>
+                <a:effectLst/>
+                <a:latin typeface="+mn-lt"/>
+                <a:ea typeface="+mn-ea"/>
+                <a:cs typeface="+mn-cs"/>
+              </a:rPr>
+              <a:t> </a:t>
+            </a:r>
+            <a:r>
+              <a:rPr lang="hu-HU" sz="1200" kern="1200" dirty="0" err="1">
+                <a:solidFill>
+                  <a:schemeClr val="tx1"/>
+                </a:solidFill>
+                <a:effectLst/>
+                <a:latin typeface="+mn-lt"/>
+                <a:ea typeface="+mn-ea"/>
+                <a:cs typeface="+mn-cs"/>
+              </a:rPr>
+              <a:t>systems</a:t>
+            </a:r>
+            <a:r>
+              <a:rPr lang="hu-HU" sz="1200" kern="1200" dirty="0">
+                <a:solidFill>
+                  <a:schemeClr val="tx1"/>
+                </a:solidFill>
+                <a:effectLst/>
+                <a:latin typeface="+mn-lt"/>
+                <a:ea typeface="+mn-ea"/>
+                <a:cs typeface="+mn-cs"/>
+              </a:rPr>
+              <a:t>, </a:t>
+            </a:r>
+            <a:r>
+              <a:rPr lang="hu-HU" sz="1200" kern="1200" dirty="0" err="1">
+                <a:solidFill>
+                  <a:schemeClr val="tx1"/>
+                </a:solidFill>
+                <a:effectLst/>
+                <a:latin typeface="+mn-lt"/>
+                <a:ea typeface="+mn-ea"/>
+                <a:cs typeface="+mn-cs"/>
+              </a:rPr>
+              <a:t>thus</a:t>
+            </a:r>
+            <a:r>
+              <a:rPr lang="hu-HU" sz="1200" kern="1200" dirty="0">
+                <a:solidFill>
+                  <a:schemeClr val="tx1"/>
+                </a:solidFill>
+                <a:effectLst/>
+                <a:latin typeface="+mn-lt"/>
+                <a:ea typeface="+mn-ea"/>
+                <a:cs typeface="+mn-cs"/>
+              </a:rPr>
+              <a:t> </a:t>
+            </a:r>
+            <a:r>
+              <a:rPr lang="hu-HU" sz="1200" kern="1200" dirty="0" err="1">
+                <a:solidFill>
+                  <a:schemeClr val="tx1"/>
+                </a:solidFill>
+                <a:effectLst/>
+                <a:latin typeface="+mn-lt"/>
+                <a:ea typeface="+mn-ea"/>
+                <a:cs typeface="+mn-cs"/>
+              </a:rPr>
+              <a:t>supporting</a:t>
+            </a:r>
+            <a:r>
+              <a:rPr lang="hu-HU" sz="1200" kern="1200" dirty="0">
+                <a:solidFill>
+                  <a:schemeClr val="tx1"/>
+                </a:solidFill>
+                <a:effectLst/>
+                <a:latin typeface="+mn-lt"/>
+                <a:ea typeface="+mn-ea"/>
+                <a:cs typeface="+mn-cs"/>
+              </a:rPr>
+              <a:t> </a:t>
+            </a:r>
+            <a:r>
+              <a:rPr lang="hu-HU" sz="1200" kern="1200" dirty="0" err="1">
+                <a:solidFill>
+                  <a:schemeClr val="tx1"/>
+                </a:solidFill>
+                <a:effectLst/>
+                <a:latin typeface="+mn-lt"/>
+                <a:ea typeface="+mn-ea"/>
+                <a:cs typeface="+mn-cs"/>
+              </a:rPr>
+              <a:t>model-driven</a:t>
+            </a:r>
+            <a:r>
+              <a:rPr lang="hu-HU" sz="1200" kern="1200" dirty="0">
+                <a:solidFill>
+                  <a:schemeClr val="tx1"/>
+                </a:solidFill>
+                <a:effectLst/>
+                <a:latin typeface="+mn-lt"/>
+                <a:ea typeface="+mn-ea"/>
+                <a:cs typeface="+mn-cs"/>
+              </a:rPr>
+              <a:t> </a:t>
+            </a:r>
+            <a:r>
+              <a:rPr lang="hu-HU" sz="1200" kern="1200" dirty="0" err="1">
+                <a:solidFill>
+                  <a:schemeClr val="tx1"/>
+                </a:solidFill>
+                <a:effectLst/>
+                <a:latin typeface="+mn-lt"/>
+                <a:ea typeface="+mn-ea"/>
+                <a:cs typeface="+mn-cs"/>
+              </a:rPr>
+              <a:t>development</a:t>
+            </a:r>
+            <a:r>
+              <a:rPr lang="hu-HU" sz="1200" kern="1200" dirty="0">
+                <a:solidFill>
+                  <a:schemeClr val="tx1"/>
+                </a:solidFill>
+                <a:effectLst/>
+                <a:latin typeface="+mn-lt"/>
+                <a:ea typeface="+mn-ea"/>
+                <a:cs typeface="+mn-cs"/>
+              </a:rPr>
+              <a:t>. </a:t>
+            </a:r>
+            <a:r>
+              <a:rPr lang="hu-HU" sz="1200" kern="1200" dirty="0" err="1">
+                <a:solidFill>
+                  <a:schemeClr val="tx1"/>
+                </a:solidFill>
+                <a:effectLst/>
+                <a:latin typeface="+mn-lt"/>
+                <a:ea typeface="+mn-ea"/>
+                <a:cs typeface="+mn-cs"/>
+              </a:rPr>
+              <a:t>This</a:t>
+            </a:r>
+            <a:r>
+              <a:rPr lang="hu-HU" sz="1200" kern="1200" dirty="0">
+                <a:solidFill>
+                  <a:schemeClr val="tx1"/>
+                </a:solidFill>
+                <a:effectLst/>
+                <a:latin typeface="+mn-lt"/>
+                <a:ea typeface="+mn-ea"/>
+                <a:cs typeface="+mn-cs"/>
+              </a:rPr>
+              <a:t> </a:t>
+            </a:r>
+            <a:r>
+              <a:rPr lang="hu-HU" sz="1200" kern="1200" dirty="0" err="1">
+                <a:solidFill>
+                  <a:schemeClr val="tx1"/>
+                </a:solidFill>
+                <a:effectLst/>
+                <a:latin typeface="+mn-lt"/>
+                <a:ea typeface="+mn-ea"/>
+                <a:cs typeface="+mn-cs"/>
+              </a:rPr>
+              <a:t>presentation</a:t>
+            </a:r>
+            <a:r>
+              <a:rPr lang="hu-HU" sz="1200" kern="1200" dirty="0">
+                <a:solidFill>
+                  <a:schemeClr val="tx1"/>
+                </a:solidFill>
+                <a:effectLst/>
+                <a:latin typeface="+mn-lt"/>
+                <a:ea typeface="+mn-ea"/>
+                <a:cs typeface="+mn-cs"/>
+              </a:rPr>
+              <a:t> is </a:t>
+            </a:r>
+            <a:r>
+              <a:rPr lang="hu-HU" sz="1200" kern="1200" dirty="0" err="1">
+                <a:solidFill>
+                  <a:schemeClr val="tx1"/>
+                </a:solidFill>
+                <a:effectLst/>
+                <a:latin typeface="+mn-lt"/>
+                <a:ea typeface="+mn-ea"/>
+                <a:cs typeface="+mn-cs"/>
+              </a:rPr>
+              <a:t>about</a:t>
+            </a:r>
+            <a:r>
+              <a:rPr lang="hu-HU" sz="1200" kern="1200" dirty="0">
+                <a:solidFill>
+                  <a:schemeClr val="tx1"/>
+                </a:solidFill>
+                <a:effectLst/>
+                <a:latin typeface="+mn-lt"/>
+                <a:ea typeface="+mn-ea"/>
+                <a:cs typeface="+mn-cs"/>
+              </a:rPr>
+              <a:t> </a:t>
+            </a:r>
+            <a:r>
+              <a:rPr lang="hu-HU" sz="1200" kern="1200" dirty="0" err="1">
+                <a:solidFill>
+                  <a:schemeClr val="tx1"/>
+                </a:solidFill>
+                <a:effectLst/>
+                <a:latin typeface="+mn-lt"/>
+                <a:ea typeface="+mn-ea"/>
+                <a:cs typeface="+mn-cs"/>
+              </a:rPr>
+              <a:t>the</a:t>
+            </a:r>
+            <a:r>
+              <a:rPr lang="hu-HU" sz="1200" kern="1200" dirty="0">
+                <a:solidFill>
+                  <a:schemeClr val="tx1"/>
+                </a:solidFill>
+                <a:effectLst/>
+                <a:latin typeface="+mn-lt"/>
+                <a:ea typeface="+mn-ea"/>
+                <a:cs typeface="+mn-cs"/>
+              </a:rPr>
+              <a:t> </a:t>
+            </a:r>
+            <a:r>
+              <a:rPr lang="hu-HU" sz="1200" kern="1200" dirty="0" err="1">
+                <a:solidFill>
+                  <a:schemeClr val="tx1"/>
+                </a:solidFill>
+                <a:effectLst/>
+                <a:latin typeface="+mn-lt"/>
+                <a:ea typeface="+mn-ea"/>
+                <a:cs typeface="+mn-cs"/>
+              </a:rPr>
+              <a:t>new</a:t>
+            </a:r>
+            <a:r>
+              <a:rPr lang="hu-HU" sz="1200" kern="1200" dirty="0">
+                <a:solidFill>
+                  <a:schemeClr val="tx1"/>
+                </a:solidFill>
+                <a:effectLst/>
+                <a:latin typeface="+mn-lt"/>
+                <a:ea typeface="+mn-ea"/>
+                <a:cs typeface="+mn-cs"/>
+              </a:rPr>
+              <a:t> </a:t>
+            </a:r>
+            <a:r>
+              <a:rPr lang="hu-HU" sz="1200" kern="1200" dirty="0" err="1">
+                <a:solidFill>
+                  <a:schemeClr val="tx1"/>
+                </a:solidFill>
+                <a:effectLst/>
+                <a:latin typeface="+mn-lt"/>
+                <a:ea typeface="+mn-ea"/>
+                <a:cs typeface="+mn-cs"/>
+              </a:rPr>
+              <a:t>synchronous</a:t>
+            </a:r>
+            <a:r>
+              <a:rPr lang="hu-HU" sz="1200" kern="1200" dirty="0">
+                <a:solidFill>
+                  <a:schemeClr val="tx1"/>
+                </a:solidFill>
+                <a:effectLst/>
+                <a:latin typeface="+mn-lt"/>
+                <a:ea typeface="+mn-ea"/>
+                <a:cs typeface="+mn-cs"/>
+              </a:rPr>
+              <a:t> and </a:t>
+            </a:r>
+            <a:r>
+              <a:rPr lang="hu-HU" sz="1200" kern="1200" dirty="0" err="1">
+                <a:solidFill>
+                  <a:schemeClr val="tx1"/>
+                </a:solidFill>
+                <a:effectLst/>
+                <a:latin typeface="+mn-lt"/>
+                <a:ea typeface="+mn-ea"/>
+                <a:cs typeface="+mn-cs"/>
+              </a:rPr>
+              <a:t>asynchronous</a:t>
+            </a:r>
+            <a:r>
+              <a:rPr lang="hu-HU" sz="1200" kern="1200" dirty="0">
+                <a:solidFill>
+                  <a:schemeClr val="tx1"/>
+                </a:solidFill>
+                <a:effectLst/>
+                <a:latin typeface="+mn-lt"/>
+                <a:ea typeface="+mn-ea"/>
+                <a:cs typeface="+mn-cs"/>
+              </a:rPr>
+              <a:t> </a:t>
+            </a:r>
+            <a:r>
+              <a:rPr lang="hu-HU" sz="1200" kern="1200" dirty="0" err="1">
+                <a:solidFill>
+                  <a:schemeClr val="tx1"/>
+                </a:solidFill>
+                <a:effectLst/>
+                <a:latin typeface="+mn-lt"/>
+                <a:ea typeface="+mn-ea"/>
+                <a:cs typeface="+mn-cs"/>
+              </a:rPr>
+              <a:t>composition</a:t>
+            </a:r>
+            <a:r>
+              <a:rPr lang="hu-HU" sz="1200" kern="1200" dirty="0">
+                <a:solidFill>
+                  <a:schemeClr val="tx1"/>
+                </a:solidFill>
+                <a:effectLst/>
+                <a:latin typeface="+mn-lt"/>
+                <a:ea typeface="+mn-ea"/>
+                <a:cs typeface="+mn-cs"/>
+              </a:rPr>
+              <a:t> </a:t>
+            </a:r>
+            <a:r>
+              <a:rPr lang="hu-HU" sz="1200" kern="1200" dirty="0" err="1">
+                <a:solidFill>
+                  <a:schemeClr val="tx1"/>
+                </a:solidFill>
+                <a:effectLst/>
+                <a:latin typeface="+mn-lt"/>
+                <a:ea typeface="+mn-ea"/>
+                <a:cs typeface="+mn-cs"/>
+              </a:rPr>
+              <a:t>semantics</a:t>
+            </a:r>
+            <a:r>
+              <a:rPr lang="hu-HU" sz="1200" kern="1200" dirty="0">
+                <a:solidFill>
+                  <a:schemeClr val="tx1"/>
+                </a:solidFill>
+                <a:effectLst/>
+                <a:latin typeface="+mn-lt"/>
+                <a:ea typeface="+mn-ea"/>
+                <a:cs typeface="+mn-cs"/>
+              </a:rPr>
+              <a:t> of Gamma.</a:t>
             </a:r>
             <a:endParaRPr lang="en-US" dirty="0"/>
           </a:p>
@@ -2032,7 +2763,7 @@
           <a:lstStyle/>
           <a:p>
             <a:r>
-              <a:rPr lang="hu-HU" sz="1200" kern="1200" dirty="0">
+              <a:rPr lang="hu-HU" sz="1200" kern="1200" dirty="0" err="1">
                 <a:solidFill>
                   <a:schemeClr val="tx1"/>
                 </a:solidFill>
@@ -2041,10 +2772,10 @@
                 <a:ea typeface="+mn-ea"/>
                 <a:cs typeface="+mn-cs"/>
               </a:rPr>
-              <a:t>Napjainkban a </a:t>
-            </a:r>
-            <a:r>
-              <a:rPr lang="hu-HU" sz="1200" kern="1200" dirty="0" err="1">
+              <a:t>Nowaydays</a:t>
+            </a:r>
+            <a:r>
+              <a:rPr lang="hu-HU" sz="1200" kern="1200" dirty="0">
                 <a:solidFill>
                   <a:schemeClr val="tx1"/>
                 </a:solidFill>
@@ -2053,10 +2784,10 @@
                 <a:ea typeface="+mn-ea"/>
                 <a:cs typeface="+mn-cs"/>
               </a:rPr>
-              <a:t>modellvezérelt</a:t>
-            </a:r>
-            <a:r>
-              <a:rPr lang="hu-HU" sz="1200" kern="1200" dirty="0">
+              <a:t>, </a:t>
+            </a:r>
+            <a:r>
+              <a:rPr lang="hu-HU" sz="1200" kern="1200" dirty="0" err="1">
                 <a:solidFill>
                   <a:schemeClr val="tx1"/>
                 </a:solidFill>
@@ -2065,10 +2796,10 @@
                 <a:ea typeface="+mn-ea"/>
                 <a:cs typeface="+mn-cs"/>
               </a:rPr>
-              <a:t> fejlesztési</a:t>
-            </a:r>
-            <a:r>
-              <a:rPr lang="hu-HU" sz="1200" kern="1200" baseline="0" dirty="0">
+              <a:t>the</a:t>
+            </a:r>
+            <a:r>
+              <a:rPr lang="hu-HU" sz="1200" kern="1200" dirty="0">
                 <a:solidFill>
                   <a:schemeClr val="tx1"/>
                 </a:solidFill>
@@ -2077,10 +2808,10 @@
                 <a:ea typeface="+mn-ea"/>
                 <a:cs typeface="+mn-cs"/>
               </a:rPr>
-              <a:t> paradigmát gyakran alkalmazzák elosztott, beágyazott rendszerek fejlesztésekor.</a:t>
-            </a:r>
-            <a:br>
-              <a:rPr lang="hu-HU" sz="1200" kern="1200" baseline="0" dirty="0">
+              <a:t> </a:t>
+            </a:r>
+            <a:r>
+              <a:rPr lang="hu-HU" sz="1200" kern="1200" dirty="0" err="1">
                 <a:solidFill>
                   <a:schemeClr val="tx1"/>
                 </a:solidFill>
@@ -2089,9 +2820,10 @@
                 <a:ea typeface="+mn-ea"/>
                 <a:cs typeface="+mn-cs"/>
               </a:rPr>
-            </a:br>
-            <a:r>
-              <a:rPr lang="hu-HU" sz="1200" kern="1200" baseline="0" dirty="0">
+              <a:t>model-driven</a:t>
+            </a:r>
+            <a:r>
+              <a:rPr lang="hu-HU" sz="1200" kern="1200" dirty="0">
                 <a:solidFill>
                   <a:schemeClr val="tx1"/>
                 </a:solidFill>
@@ -2100,12 +2832,10 @@
                 <a:ea typeface="+mn-ea"/>
                 <a:cs typeface="+mn-cs"/>
               </a:rPr>
-              <a:t>Olyan kritikus szakterületek tartoznak ide, mint például az autóipari és a vasúti rendszerek.</a:t>
-            </a:r>
-          </a:p>
-          <a:p>
-            <a:r>
-              <a:rPr lang="hu-HU" sz="1200" kern="1200" baseline="0" dirty="0">
+              <a:t> </a:t>
+            </a:r>
+            <a:r>
+              <a:rPr lang="hu-HU" sz="1200" kern="1200" dirty="0" err="1">
                 <a:solidFill>
                   <a:schemeClr val="tx1"/>
                 </a:solidFill>
@@ -2114,10 +2844,10 @@
                 <a:ea typeface="+mn-ea"/>
                 <a:cs typeface="+mn-cs"/>
               </a:rPr>
-              <a:t>Ezen rendszerek komplexek, többféle kommunikáló komponensből épülhetnek fel, amelyek különböző szemantikák szerint működnek. Emiatt heterogén rendszereknek tekinthetők.</a:t>
-            </a:r>
-            <a:br>
-              <a:rPr lang="hu-HU" sz="1200" kern="1200" baseline="0" dirty="0">
+              <a:t>paradigm</a:t>
+            </a:r>
+            <a:r>
+              <a:rPr lang="hu-HU" sz="1200" kern="1200" dirty="0">
                 <a:solidFill>
                   <a:schemeClr val="tx1"/>
                 </a:solidFill>
@@ -2126,9 +2856,10 @@
                 <a:ea typeface="+mn-ea"/>
                 <a:cs typeface="+mn-cs"/>
               </a:rPr>
-            </a:br>
-            <a:r>
-              <a:rPr lang="hu-HU" sz="1200" kern="1200" baseline="0" dirty="0">
+              <a:t> is </a:t>
+            </a:r>
+            <a:r>
+              <a:rPr lang="hu-HU" sz="1200" kern="1200" dirty="0" err="1">
                 <a:solidFill>
                   <a:schemeClr val="tx1"/>
                 </a:solidFill>
@@ -2137,7 +2868,1165 @@
                 <a:ea typeface="+mn-ea"/>
                 <a:cs typeface="+mn-cs"/>
               </a:rPr>
-              <a:t>A komplexitás kezelése modellekkel lehetséges, amelyek a tervek ellenőrizhetőségét is lehetővé teszik.</a:t>
+              <a:t>frequently</a:t>
+            </a:r>
+            <a:r>
+              <a:rPr lang="hu-HU" sz="1200" kern="1200" dirty="0">
+                <a:solidFill>
+                  <a:schemeClr val="tx1"/>
+                </a:solidFill>
+                <a:effectLst/>
+                <a:latin typeface="+mn-lt"/>
+                <a:ea typeface="+mn-ea"/>
+                <a:cs typeface="+mn-cs"/>
+              </a:rPr>
+              <a:t> </a:t>
+            </a:r>
+            <a:r>
+              <a:rPr lang="hu-HU" sz="1200" kern="1200" dirty="0" err="1">
+                <a:solidFill>
+                  <a:schemeClr val="tx1"/>
+                </a:solidFill>
+                <a:effectLst/>
+                <a:latin typeface="+mn-lt"/>
+                <a:ea typeface="+mn-ea"/>
+                <a:cs typeface="+mn-cs"/>
+              </a:rPr>
+              <a:t>applied</a:t>
+            </a:r>
+            <a:r>
+              <a:rPr lang="hu-HU" sz="1200" kern="1200" dirty="0">
+                <a:solidFill>
+                  <a:schemeClr val="tx1"/>
+                </a:solidFill>
+                <a:effectLst/>
+                <a:latin typeface="+mn-lt"/>
+                <a:ea typeface="+mn-ea"/>
+                <a:cs typeface="+mn-cs"/>
+              </a:rPr>
+              <a:t> </a:t>
+            </a:r>
+            <a:r>
+              <a:rPr lang="hu-HU" sz="1200" kern="1200" dirty="0" err="1">
+                <a:solidFill>
+                  <a:schemeClr val="tx1"/>
+                </a:solidFill>
+                <a:effectLst/>
+                <a:latin typeface="+mn-lt"/>
+                <a:ea typeface="+mn-ea"/>
+                <a:cs typeface="+mn-cs"/>
+              </a:rPr>
+              <a:t>during</a:t>
+            </a:r>
+            <a:r>
+              <a:rPr lang="hu-HU" sz="1200" kern="1200" dirty="0">
+                <a:solidFill>
+                  <a:schemeClr val="tx1"/>
+                </a:solidFill>
+                <a:effectLst/>
+                <a:latin typeface="+mn-lt"/>
+                <a:ea typeface="+mn-ea"/>
+                <a:cs typeface="+mn-cs"/>
+              </a:rPr>
+              <a:t> </a:t>
+            </a:r>
+            <a:r>
+              <a:rPr lang="hu-HU" sz="1200" kern="1200" dirty="0" err="1">
+                <a:solidFill>
+                  <a:schemeClr val="tx1"/>
+                </a:solidFill>
+                <a:effectLst/>
+                <a:latin typeface="+mn-lt"/>
+                <a:ea typeface="+mn-ea"/>
+                <a:cs typeface="+mn-cs"/>
+              </a:rPr>
+              <a:t>the</a:t>
+            </a:r>
+            <a:r>
+              <a:rPr lang="hu-HU" sz="1200" kern="1200" dirty="0">
+                <a:solidFill>
+                  <a:schemeClr val="tx1"/>
+                </a:solidFill>
+                <a:effectLst/>
+                <a:latin typeface="+mn-lt"/>
+                <a:ea typeface="+mn-ea"/>
+                <a:cs typeface="+mn-cs"/>
+              </a:rPr>
+              <a:t> </a:t>
+            </a:r>
+            <a:r>
+              <a:rPr lang="hu-HU" sz="1200" kern="1200" dirty="0" err="1">
+                <a:solidFill>
+                  <a:schemeClr val="tx1"/>
+                </a:solidFill>
+                <a:effectLst/>
+                <a:latin typeface="+mn-lt"/>
+                <a:ea typeface="+mn-ea"/>
+                <a:cs typeface="+mn-cs"/>
+              </a:rPr>
+              <a:t>development</a:t>
+            </a:r>
+            <a:r>
+              <a:rPr lang="hu-HU" sz="1200" kern="1200" dirty="0">
+                <a:solidFill>
+                  <a:schemeClr val="tx1"/>
+                </a:solidFill>
+                <a:effectLst/>
+                <a:latin typeface="+mn-lt"/>
+                <a:ea typeface="+mn-ea"/>
+                <a:cs typeface="+mn-cs"/>
+              </a:rPr>
+              <a:t> of </a:t>
+            </a:r>
+            <a:r>
+              <a:rPr lang="hu-HU" sz="1200" kern="1200" dirty="0" err="1">
+                <a:solidFill>
+                  <a:schemeClr val="tx1"/>
+                </a:solidFill>
+                <a:effectLst/>
+                <a:latin typeface="+mn-lt"/>
+                <a:ea typeface="+mn-ea"/>
+                <a:cs typeface="+mn-cs"/>
+              </a:rPr>
+              <a:t>distributed</a:t>
+            </a:r>
+            <a:r>
+              <a:rPr lang="hu-HU" sz="1200" kern="1200" dirty="0">
+                <a:solidFill>
+                  <a:schemeClr val="tx1"/>
+                </a:solidFill>
+                <a:effectLst/>
+                <a:latin typeface="+mn-lt"/>
+                <a:ea typeface="+mn-ea"/>
+                <a:cs typeface="+mn-cs"/>
+              </a:rPr>
+              <a:t>, </a:t>
+            </a:r>
+            <a:r>
+              <a:rPr lang="hu-HU" sz="1200" kern="1200" dirty="0" err="1">
+                <a:solidFill>
+                  <a:schemeClr val="tx1"/>
+                </a:solidFill>
+                <a:effectLst/>
+                <a:latin typeface="+mn-lt"/>
+                <a:ea typeface="+mn-ea"/>
+                <a:cs typeface="+mn-cs"/>
+              </a:rPr>
+              <a:t>embedded</a:t>
+            </a:r>
+            <a:r>
+              <a:rPr lang="hu-HU" sz="1200" kern="1200" dirty="0">
+                <a:solidFill>
+                  <a:schemeClr val="tx1"/>
+                </a:solidFill>
+                <a:effectLst/>
+                <a:latin typeface="+mn-lt"/>
+                <a:ea typeface="+mn-ea"/>
+                <a:cs typeface="+mn-cs"/>
+              </a:rPr>
+              <a:t> </a:t>
+            </a:r>
+            <a:r>
+              <a:rPr lang="hu-HU" sz="1200" kern="1200" dirty="0" err="1">
+                <a:solidFill>
+                  <a:schemeClr val="tx1"/>
+                </a:solidFill>
+                <a:effectLst/>
+                <a:latin typeface="+mn-lt"/>
+                <a:ea typeface="+mn-ea"/>
+                <a:cs typeface="+mn-cs"/>
+              </a:rPr>
+              <a:t>systems</a:t>
+            </a:r>
+            <a:r>
+              <a:rPr lang="hu-HU" sz="1200" kern="1200" dirty="0">
+                <a:solidFill>
+                  <a:schemeClr val="tx1"/>
+                </a:solidFill>
+                <a:effectLst/>
+                <a:latin typeface="+mn-lt"/>
+                <a:ea typeface="+mn-ea"/>
+                <a:cs typeface="+mn-cs"/>
+              </a:rPr>
+              <a:t>.</a:t>
+            </a:r>
+          </a:p>
+          <a:p>
+            <a:r>
+              <a:rPr lang="hu-HU" sz="1200" kern="1200" dirty="0">
+                <a:solidFill>
+                  <a:schemeClr val="tx1"/>
+                </a:solidFill>
+                <a:effectLst/>
+                <a:latin typeface="+mn-lt"/>
+                <a:ea typeface="+mn-ea"/>
+                <a:cs typeface="+mn-cs"/>
+              </a:rPr>
+              <a:t>Here </a:t>
+            </a:r>
+            <a:r>
+              <a:rPr lang="hu-HU" sz="1200" kern="1200" dirty="0" err="1">
+                <a:solidFill>
+                  <a:schemeClr val="tx1"/>
+                </a:solidFill>
+                <a:effectLst/>
+                <a:latin typeface="+mn-lt"/>
+                <a:ea typeface="+mn-ea"/>
+                <a:cs typeface="+mn-cs"/>
+              </a:rPr>
+              <a:t>critical</a:t>
+            </a:r>
+            <a:r>
+              <a:rPr lang="hu-HU" sz="1200" kern="1200" dirty="0">
+                <a:solidFill>
+                  <a:schemeClr val="tx1"/>
+                </a:solidFill>
+                <a:effectLst/>
+                <a:latin typeface="+mn-lt"/>
+                <a:ea typeface="+mn-ea"/>
+                <a:cs typeface="+mn-cs"/>
+              </a:rPr>
+              <a:t> </a:t>
+            </a:r>
+            <a:r>
+              <a:rPr lang="hu-HU" sz="1200" kern="1200" dirty="0" err="1">
+                <a:solidFill>
+                  <a:schemeClr val="tx1"/>
+                </a:solidFill>
+                <a:effectLst/>
+                <a:latin typeface="+mn-lt"/>
+                <a:ea typeface="+mn-ea"/>
+                <a:cs typeface="+mn-cs"/>
+              </a:rPr>
+              <a:t>domains</a:t>
+            </a:r>
+            <a:r>
+              <a:rPr lang="hu-HU" sz="1200" kern="1200" dirty="0">
+                <a:solidFill>
+                  <a:schemeClr val="tx1"/>
+                </a:solidFill>
+                <a:effectLst/>
+                <a:latin typeface="+mn-lt"/>
+                <a:ea typeface="+mn-ea"/>
+                <a:cs typeface="+mn-cs"/>
+              </a:rPr>
+              <a:t> </a:t>
+            </a:r>
+            <a:r>
+              <a:rPr lang="hu-HU" sz="1200" kern="1200" dirty="0" err="1">
+                <a:solidFill>
+                  <a:schemeClr val="tx1"/>
+                </a:solidFill>
+                <a:effectLst/>
+                <a:latin typeface="+mn-lt"/>
+                <a:ea typeface="+mn-ea"/>
+                <a:cs typeface="+mn-cs"/>
+              </a:rPr>
+              <a:t>are</a:t>
+            </a:r>
+            <a:r>
+              <a:rPr lang="hu-HU" sz="1200" kern="1200" dirty="0">
+                <a:solidFill>
+                  <a:schemeClr val="tx1"/>
+                </a:solidFill>
+                <a:effectLst/>
+                <a:latin typeface="+mn-lt"/>
+                <a:ea typeface="+mn-ea"/>
+                <a:cs typeface="+mn-cs"/>
+              </a:rPr>
+              <a:t> </a:t>
+            </a:r>
+            <a:r>
+              <a:rPr lang="hu-HU" sz="1200" kern="1200" dirty="0" err="1">
+                <a:solidFill>
+                  <a:schemeClr val="tx1"/>
+                </a:solidFill>
+                <a:effectLst/>
+                <a:latin typeface="+mn-lt"/>
+                <a:ea typeface="+mn-ea"/>
+                <a:cs typeface="+mn-cs"/>
+              </a:rPr>
+              <a:t>included</a:t>
+            </a:r>
+            <a:r>
+              <a:rPr lang="hu-HU" sz="1200" kern="1200" dirty="0">
+                <a:solidFill>
+                  <a:schemeClr val="tx1"/>
+                </a:solidFill>
+                <a:effectLst/>
+                <a:latin typeface="+mn-lt"/>
+                <a:ea typeface="+mn-ea"/>
+                <a:cs typeface="+mn-cs"/>
+              </a:rPr>
+              <a:t>, </a:t>
+            </a:r>
+            <a:r>
+              <a:rPr lang="hu-HU" sz="1200" kern="1200" dirty="0" err="1">
+                <a:solidFill>
+                  <a:schemeClr val="tx1"/>
+                </a:solidFill>
+                <a:effectLst/>
+                <a:latin typeface="+mn-lt"/>
+                <a:ea typeface="+mn-ea"/>
+                <a:cs typeface="+mn-cs"/>
+              </a:rPr>
+              <a:t>such</a:t>
+            </a:r>
+            <a:r>
+              <a:rPr lang="hu-HU" sz="1200" kern="1200" dirty="0">
+                <a:solidFill>
+                  <a:schemeClr val="tx1"/>
+                </a:solidFill>
+                <a:effectLst/>
+                <a:latin typeface="+mn-lt"/>
+                <a:ea typeface="+mn-ea"/>
+                <a:cs typeface="+mn-cs"/>
+              </a:rPr>
+              <a:t> </a:t>
+            </a:r>
+            <a:r>
+              <a:rPr lang="hu-HU" sz="1200" kern="1200" dirty="0" err="1">
+                <a:solidFill>
+                  <a:schemeClr val="tx1"/>
+                </a:solidFill>
+                <a:effectLst/>
+                <a:latin typeface="+mn-lt"/>
+                <a:ea typeface="+mn-ea"/>
+                <a:cs typeface="+mn-cs"/>
+              </a:rPr>
+              <a:t>as</a:t>
+            </a:r>
+            <a:r>
+              <a:rPr lang="hu-HU" sz="1200" kern="1200" dirty="0">
+                <a:solidFill>
+                  <a:schemeClr val="tx1"/>
+                </a:solidFill>
+                <a:effectLst/>
+                <a:latin typeface="+mn-lt"/>
+                <a:ea typeface="+mn-ea"/>
+                <a:cs typeface="+mn-cs"/>
+              </a:rPr>
+              <a:t> </a:t>
+            </a:r>
+            <a:r>
+              <a:rPr lang="hu-HU" sz="1200" kern="1200" dirty="0" err="1">
+                <a:solidFill>
+                  <a:schemeClr val="tx1"/>
+                </a:solidFill>
+                <a:effectLst/>
+                <a:latin typeface="+mn-lt"/>
+                <a:ea typeface="+mn-ea"/>
+                <a:cs typeface="+mn-cs"/>
+              </a:rPr>
+              <a:t>automotive</a:t>
+            </a:r>
+            <a:r>
+              <a:rPr lang="hu-HU" sz="1200" kern="1200" dirty="0">
+                <a:solidFill>
+                  <a:schemeClr val="tx1"/>
+                </a:solidFill>
+                <a:effectLst/>
+                <a:latin typeface="+mn-lt"/>
+                <a:ea typeface="+mn-ea"/>
+                <a:cs typeface="+mn-cs"/>
+              </a:rPr>
+              <a:t> and </a:t>
+            </a:r>
+            <a:r>
+              <a:rPr lang="hu-HU" sz="1200" kern="1200" dirty="0" err="1">
+                <a:solidFill>
+                  <a:schemeClr val="tx1"/>
+                </a:solidFill>
+                <a:effectLst/>
+                <a:latin typeface="+mn-lt"/>
+                <a:ea typeface="+mn-ea"/>
+                <a:cs typeface="+mn-cs"/>
+              </a:rPr>
+              <a:t>railway</a:t>
+            </a:r>
+            <a:r>
+              <a:rPr lang="hu-HU" sz="1200" kern="1200" dirty="0">
+                <a:solidFill>
+                  <a:schemeClr val="tx1"/>
+                </a:solidFill>
+                <a:effectLst/>
+                <a:latin typeface="+mn-lt"/>
+                <a:ea typeface="+mn-ea"/>
+                <a:cs typeface="+mn-cs"/>
+              </a:rPr>
+              <a:t> </a:t>
+            </a:r>
+            <a:r>
+              <a:rPr lang="hu-HU" sz="1200" kern="1200" dirty="0" err="1">
+                <a:solidFill>
+                  <a:schemeClr val="tx1"/>
+                </a:solidFill>
+                <a:effectLst/>
+                <a:latin typeface="+mn-lt"/>
+                <a:ea typeface="+mn-ea"/>
+                <a:cs typeface="+mn-cs"/>
+              </a:rPr>
+              <a:t>systems</a:t>
+            </a:r>
+            <a:r>
+              <a:rPr lang="hu-HU" sz="1200" kern="1200" dirty="0">
+                <a:solidFill>
+                  <a:schemeClr val="tx1"/>
+                </a:solidFill>
+                <a:effectLst/>
+                <a:latin typeface="+mn-lt"/>
+                <a:ea typeface="+mn-ea"/>
+                <a:cs typeface="+mn-cs"/>
+              </a:rPr>
+              <a:t>.</a:t>
+            </a:r>
+          </a:p>
+          <a:p>
+            <a:r>
+              <a:rPr lang="hu-HU" sz="1200" kern="1200" baseline="0" dirty="0" err="1">
+                <a:solidFill>
+                  <a:schemeClr val="tx1"/>
+                </a:solidFill>
+                <a:effectLst/>
+                <a:latin typeface="+mn-lt"/>
+                <a:ea typeface="+mn-ea"/>
+                <a:cs typeface="+mn-cs"/>
+              </a:rPr>
+              <a:t>These</a:t>
+            </a:r>
+            <a:r>
+              <a:rPr lang="hu-HU" sz="1200" kern="1200" baseline="0" dirty="0">
+                <a:solidFill>
+                  <a:schemeClr val="tx1"/>
+                </a:solidFill>
+                <a:effectLst/>
+                <a:latin typeface="+mn-lt"/>
+                <a:ea typeface="+mn-ea"/>
+                <a:cs typeface="+mn-cs"/>
+              </a:rPr>
+              <a:t> </a:t>
+            </a:r>
+            <a:r>
+              <a:rPr lang="hu-HU" sz="1200" kern="1200" baseline="0" dirty="0" err="1">
+                <a:solidFill>
+                  <a:schemeClr val="tx1"/>
+                </a:solidFill>
+                <a:effectLst/>
+                <a:latin typeface="+mn-lt"/>
+                <a:ea typeface="+mn-ea"/>
+                <a:cs typeface="+mn-cs"/>
+              </a:rPr>
+              <a:t>systems</a:t>
+            </a:r>
+            <a:r>
+              <a:rPr lang="hu-HU" sz="1200" kern="1200" baseline="0" dirty="0">
+                <a:solidFill>
+                  <a:schemeClr val="tx1"/>
+                </a:solidFill>
+                <a:effectLst/>
+                <a:latin typeface="+mn-lt"/>
+                <a:ea typeface="+mn-ea"/>
+                <a:cs typeface="+mn-cs"/>
+              </a:rPr>
+              <a:t> </a:t>
+            </a:r>
+            <a:r>
+              <a:rPr lang="hu-HU" sz="1200" kern="1200" baseline="0" dirty="0" err="1">
+                <a:solidFill>
+                  <a:schemeClr val="tx1"/>
+                </a:solidFill>
+                <a:effectLst/>
+                <a:latin typeface="+mn-lt"/>
+                <a:ea typeface="+mn-ea"/>
+                <a:cs typeface="+mn-cs"/>
+              </a:rPr>
+              <a:t>are</a:t>
+            </a:r>
+            <a:r>
+              <a:rPr lang="hu-HU" sz="1200" kern="1200" baseline="0" dirty="0">
+                <a:solidFill>
+                  <a:schemeClr val="tx1"/>
+                </a:solidFill>
+                <a:effectLst/>
+                <a:latin typeface="+mn-lt"/>
+                <a:ea typeface="+mn-ea"/>
+                <a:cs typeface="+mn-cs"/>
+              </a:rPr>
+              <a:t> </a:t>
+            </a:r>
+            <a:r>
+              <a:rPr lang="hu-HU" sz="1200" kern="1200" baseline="0" dirty="0" err="1">
+                <a:solidFill>
+                  <a:schemeClr val="tx1"/>
+                </a:solidFill>
+                <a:effectLst/>
+                <a:latin typeface="+mn-lt"/>
+                <a:ea typeface="+mn-ea"/>
+                <a:cs typeface="+mn-cs"/>
+              </a:rPr>
+              <a:t>complex</a:t>
+            </a:r>
+            <a:r>
+              <a:rPr lang="hu-HU" sz="1200" kern="1200" baseline="0" dirty="0">
+                <a:solidFill>
+                  <a:schemeClr val="tx1"/>
+                </a:solidFill>
+                <a:effectLst/>
+                <a:latin typeface="+mn-lt"/>
+                <a:ea typeface="+mn-ea"/>
+                <a:cs typeface="+mn-cs"/>
+              </a:rPr>
+              <a:t>, and </a:t>
+            </a:r>
+            <a:r>
+              <a:rPr lang="hu-HU" sz="1200" kern="1200" baseline="0" dirty="0" err="1">
+                <a:solidFill>
+                  <a:schemeClr val="tx1"/>
+                </a:solidFill>
+                <a:effectLst/>
+                <a:latin typeface="+mn-lt"/>
+                <a:ea typeface="+mn-ea"/>
+                <a:cs typeface="+mn-cs"/>
+              </a:rPr>
+              <a:t>consist</a:t>
+            </a:r>
+            <a:r>
+              <a:rPr lang="hu-HU" sz="1200" kern="1200" baseline="0" dirty="0">
+                <a:solidFill>
+                  <a:schemeClr val="tx1"/>
+                </a:solidFill>
+                <a:effectLst/>
+                <a:latin typeface="+mn-lt"/>
+                <a:ea typeface="+mn-ea"/>
+                <a:cs typeface="+mn-cs"/>
+              </a:rPr>
+              <a:t> of </a:t>
+            </a:r>
+            <a:r>
+              <a:rPr lang="hu-HU" sz="1200" kern="1200" baseline="0" dirty="0" err="1">
+                <a:solidFill>
+                  <a:schemeClr val="tx1"/>
+                </a:solidFill>
+                <a:effectLst/>
+                <a:latin typeface="+mn-lt"/>
+                <a:ea typeface="+mn-ea"/>
+                <a:cs typeface="+mn-cs"/>
+              </a:rPr>
+              <a:t>multiple</a:t>
+            </a:r>
+            <a:r>
+              <a:rPr lang="hu-HU" sz="1200" kern="1200" baseline="0" dirty="0">
+                <a:solidFill>
+                  <a:schemeClr val="tx1"/>
+                </a:solidFill>
+                <a:effectLst/>
+                <a:latin typeface="+mn-lt"/>
+                <a:ea typeface="+mn-ea"/>
+                <a:cs typeface="+mn-cs"/>
+              </a:rPr>
+              <a:t> </a:t>
+            </a:r>
+            <a:r>
+              <a:rPr lang="hu-HU" sz="1200" kern="1200" baseline="0" dirty="0" err="1">
+                <a:solidFill>
+                  <a:schemeClr val="tx1"/>
+                </a:solidFill>
+                <a:effectLst/>
+                <a:latin typeface="+mn-lt"/>
+                <a:ea typeface="+mn-ea"/>
+                <a:cs typeface="+mn-cs"/>
+              </a:rPr>
+              <a:t>communicating</a:t>
+            </a:r>
+            <a:r>
+              <a:rPr lang="hu-HU" sz="1200" kern="1200" baseline="0" dirty="0">
+                <a:solidFill>
+                  <a:schemeClr val="tx1"/>
+                </a:solidFill>
+                <a:effectLst/>
+                <a:latin typeface="+mn-lt"/>
+                <a:ea typeface="+mn-ea"/>
+                <a:cs typeface="+mn-cs"/>
+              </a:rPr>
+              <a:t> </a:t>
+            </a:r>
+            <a:r>
+              <a:rPr lang="hu-HU" sz="1200" kern="1200" baseline="0" dirty="0" err="1">
+                <a:solidFill>
+                  <a:schemeClr val="tx1"/>
+                </a:solidFill>
+                <a:effectLst/>
+                <a:latin typeface="+mn-lt"/>
+                <a:ea typeface="+mn-ea"/>
+                <a:cs typeface="+mn-cs"/>
+              </a:rPr>
+              <a:t>components</a:t>
+            </a:r>
+            <a:r>
+              <a:rPr lang="hu-HU" sz="1200" kern="1200" baseline="0" dirty="0">
+                <a:solidFill>
+                  <a:schemeClr val="tx1"/>
+                </a:solidFill>
+                <a:effectLst/>
+                <a:latin typeface="+mn-lt"/>
+                <a:ea typeface="+mn-ea"/>
+                <a:cs typeface="+mn-cs"/>
+              </a:rPr>
+              <a:t> </a:t>
+            </a:r>
+            <a:r>
+              <a:rPr lang="hu-HU" sz="1200" kern="1200" baseline="0" dirty="0" err="1">
+                <a:solidFill>
+                  <a:schemeClr val="tx1"/>
+                </a:solidFill>
+                <a:effectLst/>
+                <a:latin typeface="+mn-lt"/>
+                <a:ea typeface="+mn-ea"/>
+                <a:cs typeface="+mn-cs"/>
+              </a:rPr>
+              <a:t>that</a:t>
+            </a:r>
+            <a:r>
+              <a:rPr lang="hu-HU" sz="1200" kern="1200" baseline="0" dirty="0">
+                <a:solidFill>
+                  <a:schemeClr val="tx1"/>
+                </a:solidFill>
+                <a:effectLst/>
+                <a:latin typeface="+mn-lt"/>
+                <a:ea typeface="+mn-ea"/>
+                <a:cs typeface="+mn-cs"/>
+              </a:rPr>
+              <a:t> </a:t>
+            </a:r>
+            <a:r>
+              <a:rPr lang="hu-HU" sz="1200" kern="1200" baseline="0" dirty="0" err="1">
+                <a:solidFill>
+                  <a:schemeClr val="tx1"/>
+                </a:solidFill>
+                <a:effectLst/>
+                <a:latin typeface="+mn-lt"/>
+                <a:ea typeface="+mn-ea"/>
+                <a:cs typeface="+mn-cs"/>
+              </a:rPr>
+              <a:t>adhere</a:t>
+            </a:r>
+            <a:r>
+              <a:rPr lang="hu-HU" sz="1200" kern="1200" baseline="0" dirty="0">
+                <a:solidFill>
+                  <a:schemeClr val="tx1"/>
+                </a:solidFill>
+                <a:effectLst/>
+                <a:latin typeface="+mn-lt"/>
+                <a:ea typeface="+mn-ea"/>
+                <a:cs typeface="+mn-cs"/>
+              </a:rPr>
+              <a:t> </a:t>
+            </a:r>
+            <a:r>
+              <a:rPr lang="hu-HU" sz="1200" kern="1200" baseline="0" dirty="0" err="1">
+                <a:solidFill>
+                  <a:schemeClr val="tx1"/>
+                </a:solidFill>
+                <a:effectLst/>
+                <a:latin typeface="+mn-lt"/>
+                <a:ea typeface="+mn-ea"/>
+                <a:cs typeface="+mn-cs"/>
+              </a:rPr>
+              <a:t>to</a:t>
+            </a:r>
+            <a:r>
+              <a:rPr lang="hu-HU" sz="1200" kern="1200" baseline="0" dirty="0">
+                <a:solidFill>
+                  <a:schemeClr val="tx1"/>
+                </a:solidFill>
+                <a:effectLst/>
+                <a:latin typeface="+mn-lt"/>
+                <a:ea typeface="+mn-ea"/>
+                <a:cs typeface="+mn-cs"/>
+              </a:rPr>
+              <a:t> </a:t>
+            </a:r>
+            <a:r>
+              <a:rPr lang="hu-HU" sz="1200" kern="1200" baseline="0" dirty="0" err="1">
+                <a:solidFill>
+                  <a:schemeClr val="tx1"/>
+                </a:solidFill>
+                <a:effectLst/>
+                <a:latin typeface="+mn-lt"/>
+                <a:ea typeface="+mn-ea"/>
+                <a:cs typeface="+mn-cs"/>
+              </a:rPr>
+              <a:t>different</a:t>
+            </a:r>
+            <a:r>
+              <a:rPr lang="hu-HU" sz="1200" kern="1200" baseline="0" dirty="0">
+                <a:solidFill>
+                  <a:schemeClr val="tx1"/>
+                </a:solidFill>
+                <a:effectLst/>
+                <a:latin typeface="+mn-lt"/>
+                <a:ea typeface="+mn-ea"/>
+                <a:cs typeface="+mn-cs"/>
+              </a:rPr>
+              <a:t> </a:t>
+            </a:r>
+            <a:r>
+              <a:rPr lang="hu-HU" sz="1200" kern="1200" baseline="0" dirty="0" err="1">
+                <a:solidFill>
+                  <a:schemeClr val="tx1"/>
+                </a:solidFill>
+                <a:effectLst/>
+                <a:latin typeface="+mn-lt"/>
+                <a:ea typeface="+mn-ea"/>
+                <a:cs typeface="+mn-cs"/>
+              </a:rPr>
+              <a:t>semantics</a:t>
+            </a:r>
+            <a:r>
+              <a:rPr lang="hu-HU" sz="1200" kern="1200" baseline="0" dirty="0">
+                <a:solidFill>
+                  <a:schemeClr val="tx1"/>
+                </a:solidFill>
+                <a:effectLst/>
+                <a:latin typeface="+mn-lt"/>
+                <a:ea typeface="+mn-ea"/>
+                <a:cs typeface="+mn-cs"/>
+              </a:rPr>
+              <a:t>. </a:t>
+            </a:r>
+            <a:r>
+              <a:rPr lang="hu-HU" sz="1200" kern="1200" baseline="0" dirty="0" err="1">
+                <a:solidFill>
+                  <a:schemeClr val="tx1"/>
+                </a:solidFill>
+                <a:effectLst/>
+                <a:latin typeface="+mn-lt"/>
+                <a:ea typeface="+mn-ea"/>
+                <a:cs typeface="+mn-cs"/>
+              </a:rPr>
+              <a:t>Therefore</a:t>
+            </a:r>
+            <a:r>
+              <a:rPr lang="hu-HU" sz="1200" kern="1200" baseline="0" dirty="0">
+                <a:solidFill>
+                  <a:schemeClr val="tx1"/>
+                </a:solidFill>
+                <a:effectLst/>
+                <a:latin typeface="+mn-lt"/>
+                <a:ea typeface="+mn-ea"/>
+                <a:cs typeface="+mn-cs"/>
+              </a:rPr>
+              <a:t>, </a:t>
+            </a:r>
+            <a:r>
+              <a:rPr lang="hu-HU" sz="1200" kern="1200" baseline="0" dirty="0" err="1">
+                <a:solidFill>
+                  <a:schemeClr val="tx1"/>
+                </a:solidFill>
+                <a:effectLst/>
+                <a:latin typeface="+mn-lt"/>
+                <a:ea typeface="+mn-ea"/>
+                <a:cs typeface="+mn-cs"/>
+              </a:rPr>
+              <a:t>they</a:t>
+            </a:r>
+            <a:r>
+              <a:rPr lang="hu-HU" sz="1200" kern="1200" baseline="0" dirty="0">
+                <a:solidFill>
+                  <a:schemeClr val="tx1"/>
+                </a:solidFill>
+                <a:effectLst/>
+                <a:latin typeface="+mn-lt"/>
+                <a:ea typeface="+mn-ea"/>
+                <a:cs typeface="+mn-cs"/>
+              </a:rPr>
+              <a:t> </a:t>
+            </a:r>
+            <a:r>
+              <a:rPr lang="hu-HU" sz="1200" kern="1200" baseline="0" dirty="0" err="1">
+                <a:solidFill>
+                  <a:schemeClr val="tx1"/>
+                </a:solidFill>
+                <a:effectLst/>
+                <a:latin typeface="+mn-lt"/>
+                <a:ea typeface="+mn-ea"/>
+                <a:cs typeface="+mn-cs"/>
+              </a:rPr>
+              <a:t>are</a:t>
+            </a:r>
+            <a:r>
+              <a:rPr lang="hu-HU" sz="1200" kern="1200" baseline="0" dirty="0">
+                <a:solidFill>
+                  <a:schemeClr val="tx1"/>
+                </a:solidFill>
+                <a:effectLst/>
+                <a:latin typeface="+mn-lt"/>
+                <a:ea typeface="+mn-ea"/>
+                <a:cs typeface="+mn-cs"/>
+              </a:rPr>
+              <a:t> </a:t>
+            </a:r>
+            <a:r>
+              <a:rPr lang="hu-HU" sz="1200" kern="1200" baseline="0" dirty="0" err="1">
+                <a:solidFill>
+                  <a:schemeClr val="tx1"/>
+                </a:solidFill>
+                <a:effectLst/>
+                <a:latin typeface="+mn-lt"/>
+                <a:ea typeface="+mn-ea"/>
+                <a:cs typeface="+mn-cs"/>
+              </a:rPr>
+              <a:t>considered</a:t>
+            </a:r>
+            <a:r>
+              <a:rPr lang="hu-HU" sz="1200" kern="1200" baseline="0" dirty="0">
+                <a:solidFill>
+                  <a:schemeClr val="tx1"/>
+                </a:solidFill>
+                <a:effectLst/>
+                <a:latin typeface="+mn-lt"/>
+                <a:ea typeface="+mn-ea"/>
+                <a:cs typeface="+mn-cs"/>
+              </a:rPr>
+              <a:t> </a:t>
+            </a:r>
+            <a:r>
+              <a:rPr lang="hu-HU" sz="1200" kern="1200" baseline="0" dirty="0" err="1">
+                <a:solidFill>
+                  <a:schemeClr val="tx1"/>
+                </a:solidFill>
+                <a:effectLst/>
+                <a:latin typeface="+mn-lt"/>
+                <a:ea typeface="+mn-ea"/>
+                <a:cs typeface="+mn-cs"/>
+              </a:rPr>
+              <a:t>heterogeneous</a:t>
+            </a:r>
+            <a:r>
+              <a:rPr lang="hu-HU" sz="1200" kern="1200" baseline="0" dirty="0">
+                <a:solidFill>
+                  <a:schemeClr val="tx1"/>
+                </a:solidFill>
+                <a:effectLst/>
+                <a:latin typeface="+mn-lt"/>
+                <a:ea typeface="+mn-ea"/>
+                <a:cs typeface="+mn-cs"/>
+              </a:rPr>
+              <a:t> </a:t>
+            </a:r>
+            <a:r>
+              <a:rPr lang="hu-HU" sz="1200" kern="1200" baseline="0" dirty="0" err="1">
+                <a:solidFill>
+                  <a:schemeClr val="tx1"/>
+                </a:solidFill>
+                <a:effectLst/>
+                <a:latin typeface="+mn-lt"/>
+                <a:ea typeface="+mn-ea"/>
+                <a:cs typeface="+mn-cs"/>
+              </a:rPr>
+              <a:t>systems</a:t>
+            </a:r>
+            <a:r>
+              <a:rPr lang="hu-HU" sz="1200" kern="1200" baseline="0" dirty="0">
+                <a:solidFill>
+                  <a:schemeClr val="tx1"/>
+                </a:solidFill>
+                <a:effectLst/>
+                <a:latin typeface="+mn-lt"/>
+                <a:ea typeface="+mn-ea"/>
+                <a:cs typeface="+mn-cs"/>
+              </a:rPr>
+              <a:t>.</a:t>
+            </a:r>
+          </a:p>
+          <a:p>
+            <a:r>
+              <a:rPr lang="hu-HU" sz="1200" kern="1200" baseline="0" dirty="0" err="1">
+                <a:solidFill>
+                  <a:schemeClr val="tx1"/>
+                </a:solidFill>
+                <a:effectLst/>
+                <a:latin typeface="+mn-lt"/>
+                <a:ea typeface="+mn-ea"/>
+                <a:cs typeface="+mn-cs"/>
+              </a:rPr>
+              <a:t>Complexity</a:t>
+            </a:r>
+            <a:r>
+              <a:rPr lang="hu-HU" sz="1200" kern="1200" baseline="0" dirty="0">
+                <a:solidFill>
+                  <a:schemeClr val="tx1"/>
+                </a:solidFill>
+                <a:effectLst/>
+                <a:latin typeface="+mn-lt"/>
+                <a:ea typeface="+mn-ea"/>
+                <a:cs typeface="+mn-cs"/>
+              </a:rPr>
+              <a:t> </a:t>
+            </a:r>
+            <a:r>
+              <a:rPr lang="hu-HU" sz="1200" kern="1200" baseline="0" dirty="0" err="1">
+                <a:solidFill>
+                  <a:schemeClr val="tx1"/>
+                </a:solidFill>
+                <a:effectLst/>
+                <a:latin typeface="+mn-lt"/>
+                <a:ea typeface="+mn-ea"/>
+                <a:cs typeface="+mn-cs"/>
+              </a:rPr>
+              <a:t>can</a:t>
+            </a:r>
+            <a:r>
+              <a:rPr lang="hu-HU" sz="1200" kern="1200" baseline="0" dirty="0">
+                <a:solidFill>
+                  <a:schemeClr val="tx1"/>
+                </a:solidFill>
+                <a:effectLst/>
+                <a:latin typeface="+mn-lt"/>
+                <a:ea typeface="+mn-ea"/>
+                <a:cs typeface="+mn-cs"/>
+              </a:rPr>
+              <a:t> be </a:t>
+            </a:r>
+            <a:r>
+              <a:rPr lang="hu-HU" sz="1200" kern="1200" baseline="0" dirty="0" err="1">
+                <a:solidFill>
+                  <a:schemeClr val="tx1"/>
+                </a:solidFill>
+                <a:effectLst/>
+                <a:latin typeface="+mn-lt"/>
+                <a:ea typeface="+mn-ea"/>
+                <a:cs typeface="+mn-cs"/>
+              </a:rPr>
+              <a:t>handled</a:t>
+            </a:r>
+            <a:r>
+              <a:rPr lang="hu-HU" sz="1200" kern="1200" baseline="0" dirty="0">
+                <a:solidFill>
+                  <a:schemeClr val="tx1"/>
+                </a:solidFill>
+                <a:effectLst/>
+                <a:latin typeface="+mn-lt"/>
+                <a:ea typeface="+mn-ea"/>
+                <a:cs typeface="+mn-cs"/>
+              </a:rPr>
+              <a:t> </a:t>
+            </a:r>
+            <a:r>
+              <a:rPr lang="hu-HU" sz="1200" kern="1200" baseline="0" dirty="0" err="1">
+                <a:solidFill>
+                  <a:schemeClr val="tx1"/>
+                </a:solidFill>
+                <a:effectLst/>
+                <a:latin typeface="+mn-lt"/>
+                <a:ea typeface="+mn-ea"/>
+                <a:cs typeface="+mn-cs"/>
+              </a:rPr>
+              <a:t>using</a:t>
+            </a:r>
+            <a:r>
+              <a:rPr lang="hu-HU" sz="1200" kern="1200" baseline="0" dirty="0">
+                <a:solidFill>
+                  <a:schemeClr val="tx1"/>
+                </a:solidFill>
+                <a:effectLst/>
+                <a:latin typeface="+mn-lt"/>
+                <a:ea typeface="+mn-ea"/>
+                <a:cs typeface="+mn-cs"/>
+              </a:rPr>
+              <a:t> </a:t>
+            </a:r>
+            <a:r>
+              <a:rPr lang="hu-HU" sz="1200" kern="1200" baseline="0" dirty="0" err="1">
+                <a:solidFill>
+                  <a:schemeClr val="tx1"/>
+                </a:solidFill>
+                <a:effectLst/>
+                <a:latin typeface="+mn-lt"/>
+                <a:ea typeface="+mn-ea"/>
+                <a:cs typeface="+mn-cs"/>
+              </a:rPr>
+              <a:t>models</a:t>
+            </a:r>
+            <a:r>
+              <a:rPr lang="hu-HU" sz="1200" kern="1200" baseline="0" dirty="0">
+                <a:solidFill>
+                  <a:schemeClr val="tx1"/>
+                </a:solidFill>
+                <a:effectLst/>
+                <a:latin typeface="+mn-lt"/>
+                <a:ea typeface="+mn-ea"/>
+                <a:cs typeface="+mn-cs"/>
+              </a:rPr>
+              <a:t>, </a:t>
+            </a:r>
+            <a:r>
+              <a:rPr lang="hu-HU" sz="1200" kern="1200" baseline="0" dirty="0" err="1">
+                <a:solidFill>
+                  <a:schemeClr val="tx1"/>
+                </a:solidFill>
+                <a:effectLst/>
+                <a:latin typeface="+mn-lt"/>
+                <a:ea typeface="+mn-ea"/>
+                <a:cs typeface="+mn-cs"/>
+              </a:rPr>
+              <a:t>which</a:t>
+            </a:r>
+            <a:r>
+              <a:rPr lang="hu-HU" sz="1200" kern="1200" baseline="0" dirty="0">
+                <a:solidFill>
+                  <a:schemeClr val="tx1"/>
+                </a:solidFill>
+                <a:effectLst/>
+                <a:latin typeface="+mn-lt"/>
+                <a:ea typeface="+mn-ea"/>
+                <a:cs typeface="+mn-cs"/>
+              </a:rPr>
+              <a:t> </a:t>
+            </a:r>
+            <a:r>
+              <a:rPr lang="hu-HU" sz="1200" kern="1200" baseline="0" dirty="0" err="1">
+                <a:solidFill>
+                  <a:schemeClr val="tx1"/>
+                </a:solidFill>
+                <a:effectLst/>
+                <a:latin typeface="+mn-lt"/>
+                <a:ea typeface="+mn-ea"/>
+                <a:cs typeface="+mn-cs"/>
+              </a:rPr>
+              <a:t>also</a:t>
+            </a:r>
+            <a:r>
+              <a:rPr lang="hu-HU" sz="1200" kern="1200" baseline="0" dirty="0">
+                <a:solidFill>
+                  <a:schemeClr val="tx1"/>
+                </a:solidFill>
+                <a:effectLst/>
+                <a:latin typeface="+mn-lt"/>
+                <a:ea typeface="+mn-ea"/>
+                <a:cs typeface="+mn-cs"/>
+              </a:rPr>
+              <a:t> </a:t>
+            </a:r>
+            <a:r>
+              <a:rPr lang="hu-HU" sz="1200" kern="1200" baseline="0" dirty="0" err="1">
+                <a:solidFill>
+                  <a:schemeClr val="tx1"/>
+                </a:solidFill>
+                <a:effectLst/>
+                <a:latin typeface="+mn-lt"/>
+                <a:ea typeface="+mn-ea"/>
+                <a:cs typeface="+mn-cs"/>
+              </a:rPr>
+              <a:t>enable</a:t>
+            </a:r>
+            <a:r>
+              <a:rPr lang="hu-HU" sz="1200" kern="1200" baseline="0" dirty="0">
+                <a:solidFill>
+                  <a:schemeClr val="tx1"/>
+                </a:solidFill>
+                <a:effectLst/>
+                <a:latin typeface="+mn-lt"/>
+                <a:ea typeface="+mn-ea"/>
+                <a:cs typeface="+mn-cs"/>
+              </a:rPr>
+              <a:t> </a:t>
+            </a:r>
+            <a:r>
+              <a:rPr lang="hu-HU" sz="1200" kern="1200" baseline="0" dirty="0" err="1">
+                <a:solidFill>
+                  <a:schemeClr val="tx1"/>
+                </a:solidFill>
+                <a:effectLst/>
+                <a:latin typeface="+mn-lt"/>
+                <a:ea typeface="+mn-ea"/>
+                <a:cs typeface="+mn-cs"/>
+              </a:rPr>
+              <a:t>the</a:t>
+            </a:r>
+            <a:r>
+              <a:rPr lang="hu-HU" sz="1200" kern="1200" baseline="0" dirty="0">
+                <a:solidFill>
+                  <a:schemeClr val="tx1"/>
+                </a:solidFill>
+                <a:effectLst/>
+                <a:latin typeface="+mn-lt"/>
+                <a:ea typeface="+mn-ea"/>
+                <a:cs typeface="+mn-cs"/>
+              </a:rPr>
+              <a:t> </a:t>
+            </a:r>
+            <a:r>
+              <a:rPr lang="hu-HU" sz="1200" kern="1200" baseline="0" dirty="0" err="1">
+                <a:solidFill>
+                  <a:schemeClr val="tx1"/>
+                </a:solidFill>
+                <a:effectLst/>
+                <a:latin typeface="+mn-lt"/>
+                <a:ea typeface="+mn-ea"/>
+                <a:cs typeface="+mn-cs"/>
+              </a:rPr>
+              <a:t>analysis</a:t>
+            </a:r>
+            <a:r>
+              <a:rPr lang="hu-HU" sz="1200" kern="1200" baseline="0" dirty="0">
+                <a:solidFill>
+                  <a:schemeClr val="tx1"/>
+                </a:solidFill>
+                <a:effectLst/>
+                <a:latin typeface="+mn-lt"/>
+                <a:ea typeface="+mn-ea"/>
+                <a:cs typeface="+mn-cs"/>
+              </a:rPr>
+              <a:t> of </a:t>
+            </a:r>
+            <a:r>
+              <a:rPr lang="hu-HU" sz="1200" kern="1200" baseline="0" dirty="0" err="1">
+                <a:solidFill>
+                  <a:schemeClr val="tx1"/>
+                </a:solidFill>
+                <a:effectLst/>
+                <a:latin typeface="+mn-lt"/>
+                <a:ea typeface="+mn-ea"/>
+                <a:cs typeface="+mn-cs"/>
+              </a:rPr>
+              <a:t>system</a:t>
+            </a:r>
+            <a:r>
+              <a:rPr lang="hu-HU" sz="1200" kern="1200" baseline="0" dirty="0">
+                <a:solidFill>
+                  <a:schemeClr val="tx1"/>
+                </a:solidFill>
+                <a:effectLst/>
+                <a:latin typeface="+mn-lt"/>
+                <a:ea typeface="+mn-ea"/>
+                <a:cs typeface="+mn-cs"/>
+              </a:rPr>
+              <a:t> and </a:t>
+            </a:r>
+            <a:r>
+              <a:rPr lang="hu-HU" sz="1200" kern="1200" baseline="0" dirty="0" err="1">
+                <a:solidFill>
+                  <a:schemeClr val="tx1"/>
+                </a:solidFill>
+                <a:effectLst/>
+                <a:latin typeface="+mn-lt"/>
+                <a:ea typeface="+mn-ea"/>
+                <a:cs typeface="+mn-cs"/>
+              </a:rPr>
+              <a:t>component</a:t>
+            </a:r>
+            <a:r>
+              <a:rPr lang="hu-HU" sz="1200" kern="1200" baseline="0" dirty="0">
+                <a:solidFill>
+                  <a:schemeClr val="tx1"/>
+                </a:solidFill>
+                <a:effectLst/>
+                <a:latin typeface="+mn-lt"/>
+                <a:ea typeface="+mn-ea"/>
+                <a:cs typeface="+mn-cs"/>
+              </a:rPr>
+              <a:t> design.</a:t>
             </a:r>
             <a:endParaRPr lang="en-US" dirty="0"/>
           </a:p>
@@ -2583,147 +4472,67 @@
           <a:p>
             <a:r>
               <a:rPr lang="hu-HU" dirty="0"/>
-              <a:t>A Gamma keretrendszer gyakorlati felhasználhatóságát több területen is bizonyítottuk.</a:t>
-            </a:r>
-          </a:p>
-          <a:p>
-            <a:pPr marL="0" marR="0" lvl="0" indent="0" algn="l" defTabSz="914400" rtl="0" eaLnBrk="1" fontAlgn="auto" latinLnBrk="0" hangingPunct="1">
-              <a:lnSpc>
-                <a:spcPct val="100000"/>
-              </a:lnSpc>
-              <a:spcBef>
-                <a:spcPts val="0"/>
-              </a:spcBef>
-              <a:spcAft>
-                <a:spcPts val="0"/>
-              </a:spcAft>
-              <a:buClrTx/>
-              <a:buSzTx/>
-              <a:buFontTx/>
-              <a:buNone/>
-              <a:tabLst/>
-              <a:defRPr/>
-            </a:pPr>
+              <a:t>Összefoglalva az eredményeimet. A TDK dolgozat keretein belül kiterjesztettem a Gamma keretrendszert, amely komponens alapú reaktív rendszerek fejlesztését támogatja.</a:t>
+            </a:r>
+          </a:p>
+          <a:p>
             <a:r>
               <a:rPr lang="hu-HU" dirty="0"/>
-              <a:t>Hivatalos! eszköz volt a </a:t>
+              <a:t>Fő eredményem a kompozíciós nyelv kibővítése aszinkron, szinkron és kaszkád kompozíció szerint.</a:t>
+            </a:r>
+          </a:p>
+          <a:p>
+            <a:r>
+              <a:rPr lang="hu-HU" dirty="0"/>
+              <a:t>Továbbá megterveztem a kódgenerátort, amely az előbb említett kompozíciós modellekből képes, illetve lesz képes forráskódot generálni.</a:t>
+            </a:r>
+          </a:p>
+          <a:p>
+            <a:r>
+              <a:rPr lang="hu-HU" dirty="0"/>
+              <a:t>További eredményem, hogy a modellellenőrzést elrejtettem a felhasználó elöl egy grafikus felület létrehozásával, amely segít a követelmények formalizálásában, illetve a tüzelési </a:t>
             </a:r>
             <a:r>
               <a:rPr lang="hu-HU" dirty="0" err="1"/>
-              <a:t>McGill</a:t>
+              <a:t>szekvenciék</a:t>
             </a:r>
             <a:r>
               <a:rPr lang="hu-HU" dirty="0"/>
-              <a:t> kanadai egyetem nyári PhD iskolájában, mind az idei őszi félév </a:t>
-            </a:r>
-            <a:r>
-              <a:rPr lang="hu-HU" sz="1200" dirty="0" err="1">
-                <a:solidFill>
-                  <a:schemeClr val="accent2"/>
-                </a:solidFill>
-              </a:rPr>
-              <a:t>Introduction</a:t>
-            </a:r>
-            <a:r>
-              <a:rPr lang="hu-HU" sz="1200" dirty="0">
-                <a:solidFill>
-                  <a:schemeClr val="accent2"/>
-                </a:solidFill>
-              </a:rPr>
+              <a:t> visszavetítését is automatizáltam.</a:t>
+            </a:r>
+          </a:p>
+          <a:p>
+            <a:endParaRPr lang="hu-HU" dirty="0"/>
+          </a:p>
+          <a:p>
+            <a:r>
+              <a:rPr lang="hu-HU" dirty="0"/>
+              <a:t>A Gamma </a:t>
+            </a:r>
+            <a:r>
+              <a:rPr lang="hu-HU" dirty="0" err="1"/>
+              <a:t>jelelenlegi</a:t>
+            </a:r>
+            <a:r>
+              <a:rPr lang="hu-HU" dirty="0"/>
               <a:t> </a:t>
             </a:r>
             <a:r>
-              <a:rPr lang="hu-HU" sz="1200" dirty="0" err="1">
-                <a:solidFill>
-                  <a:schemeClr val="accent2"/>
-                </a:solidFill>
-              </a:rPr>
-              <a:t>to</a:t>
-            </a:r>
-            <a:r>
-              <a:rPr lang="hu-HU" sz="1200" dirty="0">
-                <a:solidFill>
-                  <a:schemeClr val="accent2"/>
-                </a:solidFill>
-              </a:rPr>
-              <a:t> Software </a:t>
-            </a:r>
-            <a:r>
-              <a:rPr lang="hu-HU" sz="1200" dirty="0" err="1">
-                <a:solidFill>
-                  <a:schemeClr val="accent2"/>
-                </a:solidFill>
-              </a:rPr>
-              <a:t>Engineering</a:t>
-            </a:r>
-            <a:r>
-              <a:rPr lang="hu-HU" sz="1200" dirty="0"/>
-              <a:t>, </a:t>
-            </a:r>
-            <a:r>
-              <a:rPr lang="hu-HU" sz="1200" dirty="0" err="1"/>
-              <a:t>laboratóriumjában</a:t>
-            </a:r>
-            <a:r>
-              <a:rPr lang="hu-HU" sz="1200" dirty="0"/>
-              <a:t>. Emellett a BME-n is felhasználtuk a témalabor során.</a:t>
-            </a:r>
-          </a:p>
-          <a:p>
-            <a:pPr marL="0" marR="0" lvl="0" indent="0" algn="l" defTabSz="914400" rtl="0" eaLnBrk="1" fontAlgn="auto" latinLnBrk="0" hangingPunct="1">
-              <a:lnSpc>
-                <a:spcPct val="100000"/>
-              </a:lnSpc>
-              <a:spcBef>
-                <a:spcPts val="0"/>
-              </a:spcBef>
-              <a:spcAft>
-                <a:spcPts val="0"/>
-              </a:spcAft>
-              <a:buClrTx/>
-              <a:buSzTx/>
-              <a:buFontTx/>
-              <a:buNone/>
-              <a:tabLst/>
-              <a:defRPr/>
-            </a:pPr>
-            <a:r>
-              <a:rPr lang="hu-HU" sz="1200" dirty="0"/>
-              <a:t>Sikeresen használtuk a ModeS3 vasúti demonstrátor biztonsági logikájának fejlesztésében is, ez esettanulmányként a dolgozatomba is bekerült.</a:t>
-            </a:r>
-          </a:p>
-          <a:p>
-            <a:pPr marL="0" marR="0" lvl="0" indent="0" algn="l" defTabSz="914400" rtl="0" eaLnBrk="1" fontAlgn="auto" latinLnBrk="0" hangingPunct="1">
-              <a:lnSpc>
-                <a:spcPct val="100000"/>
-              </a:lnSpc>
-              <a:spcBef>
-                <a:spcPts val="0"/>
-              </a:spcBef>
-              <a:spcAft>
-                <a:spcPts val="0"/>
-              </a:spcAft>
-              <a:buClrTx/>
-              <a:buSzTx/>
-              <a:buFontTx/>
-              <a:buNone/>
-              <a:tabLst/>
-              <a:defRPr/>
-            </a:pPr>
-            <a:r>
-              <a:rPr lang="hu-HU" sz="1200" dirty="0"/>
-              <a:t>Ezeken felül a keretrendszert sikeresen! bemutattuk az idei </a:t>
-            </a:r>
-            <a:r>
-              <a:rPr lang="hu-HU" sz="1200" dirty="0" err="1"/>
-              <a:t>EclipseCon</a:t>
-            </a:r>
-            <a:r>
-              <a:rPr lang="hu-HU" sz="1200" dirty="0"/>
-              <a:t> konferencián.</a:t>
-            </a:r>
-          </a:p>
-          <a:p>
+              <a:rPr lang="hu-HU" dirty="0" err="1"/>
+              <a:t>veziója</a:t>
+            </a:r>
+            <a:r>
+              <a:rPr lang="hu-HU" dirty="0"/>
+              <a:t> és egy </a:t>
+            </a:r>
+            <a:r>
+              <a:rPr lang="hu-HU" dirty="0" err="1"/>
+              <a:t>tutorial</a:t>
+            </a:r>
+            <a:r>
+              <a:rPr lang="hu-HU" dirty="0"/>
+              <a:t>…</a:t>
+            </a:r>
             <a:endParaRPr lang="en-US" dirty="0"/>
           </a:p>
         </p:txBody>
@@ -2754,7 +4563,7 @@
     </p:spTree>
     <p:extLst>
       <p:ext uri="{BB962C8B-B14F-4D97-AF65-F5344CB8AC3E}">
-        <p14:creationId xmlns:p14="http://schemas.microsoft.com/office/powerpoint/2010/main" val="1654673733"/>
+        <p14:creationId xmlns:p14="http://schemas.microsoft.com/office/powerpoint/2010/main" val="3546852453"/>
       </p:ext>
     </p:extLst>
   </p:cSld>
@@ -2810,39 +4619,49 @@
           <a:p>
             <a:r>
               <a:rPr lang="hu-HU" dirty="0"/>
-              <a:t>Összefoglalva az eredményeimet. A TDK dolgozat keretein belül kiterjesztettem a Gamma keretrendszert, amely komponens alapú reaktív rendszerek fejlesztését támogatja.</a:t>
-            </a:r>
-          </a:p>
-          <a:p>
-            <a:r>
+              <a:t>Milyen jövőbeli terveink vannak?</a:t>
+            </a:r>
+            <a:br>
               <a:rPr lang="hu-HU" dirty="0"/>
-              <a:t>Fő eredményem a kompozíciós nyelv kibővítése aszinkron, szinkron és kaszkád kompozíció szerint.</a:t>
-            </a:r>
-          </a:p>
-          <a:p>
+            </a:br>
             <a:r>
               <a:rPr lang="hu-HU" dirty="0"/>
-              <a:t>Továbbá megterveztem a kódgenerátort, amely az előbb említett kompozíciós modellekből képes, illetve lesz képes forráskódot generálni.</a:t>
+              <a:t>A kódgenerátor implementálása aszinkron kompozícióra jelenleg is zajlik.</a:t>
             </a:r>
           </a:p>
           <a:p>
             <a:r>
               <a:rPr lang="hu-HU" dirty="0"/>
-              <a:t>További eredményem, hogy a modellellenőrzést elrejtettem a felhasználó elöl egy grafikus felület létrehozásával, amely segít a követelmények formalizálásában, illetve a tüzelési </a:t>
-            </a:r>
-            <a:r>
-              <a:rPr lang="hu-HU" dirty="0" err="1"/>
-              <a:t>szekvenciék</a:t>
-            </a:r>
+              <a:t>Továbbá, szeretnénk a modellellenőrzést lehetővé tenni az aszinkron kompozícióra is, ez a terület jelenleg is kutatás alatt áll.</a:t>
+            </a:r>
+          </a:p>
+          <a:p>
             <a:r>
               <a:rPr lang="hu-HU" dirty="0"/>
-              <a:t> visszavetítését is automatizáltam.</a:t>
+              <a:t>Távolabbi terveink között szerepel további nyelvek, pl. C++ támogatása, illetve további mérnöki és analízis eszközök keretrendszerhez integrálása.</a:t>
             </a:r>
           </a:p>
           <a:p>
             <a:endParaRPr lang="hu-HU" dirty="0"/>
           </a:p>
           <a:p>
+            <a:pPr marL="0" marR="0" lvl="0" indent="0" algn="l" defTabSz="914400" rtl="0" eaLnBrk="1" fontAlgn="auto" latinLnBrk="0" hangingPunct="1">
+              <a:lnSpc>
+                <a:spcPct val="100000"/>
+              </a:lnSpc>
+              <a:spcBef>
+                <a:spcPts val="0"/>
+              </a:spcBef>
+              <a:spcAft>
+                <a:spcPts val="0"/>
+              </a:spcAft>
+              <a:buClrTx/>
+              <a:buSzTx/>
+              <a:buFontTx/>
+              <a:buNone/>
+              <a:tabLst/>
+              <a:defRPr/>
+            </a:pPr>
             <a:r>
               <a:rPr lang="hu-HU" dirty="0"/>
               <a:t>A Gamma </a:t>
@@ -2871,6 +4690,9 @@
               <a:rPr lang="hu-HU" dirty="0"/>
               <a:t>…</a:t>
             </a:r>
+            <a:endParaRPr lang="en-US" dirty="0"/>
+          </a:p>
+          <a:p>
             <a:endParaRPr lang="en-US" dirty="0"/>
           </a:p>
         </p:txBody>
@@ -2901,7 +4723,7 @@
     </p:spTree>
     <p:extLst>
       <p:ext uri="{BB962C8B-B14F-4D97-AF65-F5344CB8AC3E}">
-        <p14:creationId xmlns:p14="http://schemas.microsoft.com/office/powerpoint/2010/main" val="3546852453"/>
+        <p14:creationId xmlns:p14="http://schemas.microsoft.com/office/powerpoint/2010/main" val="821154064"/>
       </p:ext>
     </p:extLst>
   </p:cSld>
@@ -2957,68 +4779,7 @@
           <a:p>
             <a:r>
               <a:rPr lang="hu-HU" dirty="0"/>
-              <a:t>Milyen jövőbeli terveink vannak?</a:t>
-            </a:r>
-            <a:br>
-              <a:rPr lang="hu-HU" dirty="0"/>
-            </a:br>
-            <a:r>
-              <a:rPr lang="hu-HU" dirty="0"/>
-              <a:t>A kódgenerátor implementálása aszinkron kompozícióra jelenleg is zajlik.</a:t>
-            </a:r>
-          </a:p>
-          <a:p>
-            <a:r>
-              <a:rPr lang="hu-HU" dirty="0"/>
-              <a:t>Továbbá, szeretnénk a modellellenőrzést lehetővé tenni az aszinkron kompozícióra is, ez a terület jelenleg is kutatás alatt áll.</a:t>
-            </a:r>
-          </a:p>
-          <a:p>
-            <a:r>
-              <a:rPr lang="hu-HU" dirty="0"/>
-              <a:t>Távolabbi terveink között szerepel további nyelvek, pl. C++ támogatása, illetve további mérnöki és analízis eszközök keretrendszerhez integrálása.</a:t>
-            </a:r>
-          </a:p>
-          <a:p>
-            <a:endParaRPr lang="hu-HU" dirty="0"/>
-          </a:p>
-          <a:p>
-            <a:pPr marL="0" marR="0" lvl="0" indent="0" algn="l" defTabSz="914400" rtl="0" eaLnBrk="1" fontAlgn="auto" latinLnBrk="0" hangingPunct="1">
-              <a:lnSpc>
-                <a:spcPct val="100000"/>
-              </a:lnSpc>
-              <a:spcBef>
-                <a:spcPts val="0"/>
-              </a:spcBef>
-              <a:spcAft>
-                <a:spcPts val="0"/>
-              </a:spcAft>
-              <a:buClrTx/>
-              <a:buSzTx/>
-              <a:buFontTx/>
-              <a:buNone/>
-              <a:tabLst/>
-              <a:defRPr/>
-            </a:pPr>
-            <a:r>
-              <a:rPr lang="hu-HU" dirty="0"/>
-              <a:t>A Gamma </a:t>
-            </a:r>
-            <a:r>
-              <a:rPr lang="hu-HU" dirty="0" err="1"/>
-              <a:t>jelelenlegi</a:t>
-            </a:r>
-            <a:r>
-              <a:rPr lang="hu-HU" dirty="0"/>
-              <a:t> </a:t>
-            </a:r>
-            <a:r>
-              <a:rPr lang="hu-HU" dirty="0" err="1"/>
-              <a:t>veziója</a:t>
-            </a:r>
-            <a:r>
-              <a:rPr lang="hu-HU" dirty="0"/>
-              <a:t> és egy </a:t>
+              <a:t>A Gamma működő verziója és hozzá egy </a:t>
             </a:r>
             <a:r>
               <a:rPr lang="hu-HU" dirty="0" err="1"/>
@@ -3026,11 +4787,8 @@
             </a:r>
             <a:r>
               <a:rPr lang="hu-HU" dirty="0"/>
-              <a:t>…</a:t>
-            </a:r>
-            <a:endParaRPr lang="en-US" dirty="0"/>
-          </a:p>
-          <a:p>
+              <a:t> megtalálható a fenti linken!</a:t>
+            </a:r>
             <a:endParaRPr lang="en-US" dirty="0"/>
           </a:p>
         </p:txBody>
@@ -3053,102 +4811,6 @@
             <a:fld id="{F73ECD87-3D6E-4E2D-938C-1EC7D95CEC8A}" type="slidenum">
               <a:rPr lang="en-US" smtClean="0"/>
               <a:t>25</a:t>
-            </a:fld>
-            <a:endParaRPr lang="en-US"/>
-          </a:p>
-        </p:txBody>
-      </p:sp>
-    </p:spTree>
-    <p:extLst>
-      <p:ext uri="{BB962C8B-B14F-4D97-AF65-F5344CB8AC3E}">
-        <p14:creationId xmlns:p14="http://schemas.microsoft.com/office/powerpoint/2010/main" val="821154064"/>
-      </p:ext>
-    </p:extLst>
-  </p:cSld>
-  <p:clrMapOvr>
-    <a:masterClrMapping/>
-  </p:clrMapOvr>
-</p:notes>
-</file>
-
-<file path=ppt/notesSlides/notesSlide26.xml><?xml version="1.0" encoding="utf-8"?>
-<p:notes xmlns:a="http://schemas.openxmlformats.org/drawingml/2006/main" xmlns:r="http://schemas.openxmlformats.org/officeDocument/2006/relationships" xmlns:p="http://schemas.openxmlformats.org/presentationml/2006/main">
-  <p:cSld>
-    <p:spTree>
-      <p:nvGrpSpPr>
-        <p:cNvPr id="1" name=""/>
-        <p:cNvGrpSpPr/>
-        <p:nvPr/>
-      </p:nvGrpSpPr>
-      <p:grpSpPr>
-        <a:xfrm>
-          <a:off x="0" y="0"/>
-          <a:ext cx="0" cy="0"/>
-          <a:chOff x="0" y="0"/>
-          <a:chExt cx="0" cy="0"/>
-        </a:xfrm>
-      </p:grpSpPr>
-      <p:sp>
-        <p:nvSpPr>
-          <p:cNvPr id="2" name="Diakép helye 1"/>
-          <p:cNvSpPr>
-            <a:spLocks noGrp="1" noRot="1" noChangeAspect="1"/>
-          </p:cNvSpPr>
-          <p:nvPr>
-            <p:ph type="sldImg"/>
-          </p:nvPr>
-        </p:nvSpPr>
-        <p:spPr/>
-      </p:sp>
-      <p:sp>
-        <p:nvSpPr>
-          <p:cNvPr id="3" name="Jegyzetek helye 2"/>
-          <p:cNvSpPr>
-            <a:spLocks noGrp="1"/>
-          </p:cNvSpPr>
-          <p:nvPr>
-            <p:ph type="body" idx="1"/>
-          </p:nvPr>
-        </p:nvSpPr>
-        <p:spPr/>
-        <p:txBody>
-          <a:bodyPr/>
-          <a:lstStyle/>
-          <a:p>
-            <a:r>
-              <a:rPr lang="hu-HU" dirty="0"/>
-              <a:t>A Gamma működő verziója és hozzá egy </a:t>
-            </a:r>
-            <a:r>
-              <a:rPr lang="hu-HU" dirty="0" err="1"/>
-              <a:t>tutorial</a:t>
-            </a:r>
-            <a:r>
-              <a:rPr lang="hu-HU" dirty="0"/>
-              <a:t> megtalálható a fenti linken!</a:t>
-            </a:r>
-            <a:endParaRPr lang="en-US" dirty="0"/>
-          </a:p>
-        </p:txBody>
-      </p:sp>
-      <p:sp>
-        <p:nvSpPr>
-          <p:cNvPr id="4" name="Dia számának helye 3"/>
-          <p:cNvSpPr>
-            <a:spLocks noGrp="1"/>
-          </p:cNvSpPr>
-          <p:nvPr>
-            <p:ph type="sldNum" sz="quarter" idx="10"/>
-          </p:nvPr>
-        </p:nvSpPr>
-        <p:spPr/>
-        <p:txBody>
-          <a:bodyPr/>
-          <a:lstStyle/>
-          <a:p>
-            <a:fld id="{F73ECD87-3D6E-4E2D-938C-1EC7D95CEC8A}" type="slidenum">
-              <a:rPr lang="en-US" smtClean="0"/>
-              <a:t>26</a:t>
             </a:fld>
             <a:endParaRPr lang="en-US"/>
           </a:p>
@@ -3213,19 +4875,363 @@
           <a:p>
             <a:r>
               <a:rPr lang="hu-HU" dirty="0"/>
-              <a:t>Modellek hatékony definiálásához egy magas szintű modellezési nyelvre van szükség, amely támogatja a komponens alapú tervezést, és komponensek hierarchikus kompozícióját.</a:t>
-            </a:r>
-          </a:p>
-          <a:p>
+              <a:t>The </a:t>
+            </a:r>
+            <a:r>
+              <a:rPr lang="hu-HU" dirty="0" err="1"/>
+              <a:t>definition</a:t>
+            </a:r>
             <a:r>
               <a:rPr lang="hu-HU" dirty="0"/>
-              <a:t>A nyelvnek formális szemantikája kell, hogy legyen, hogy a modellek ellenőrizhetők legyenek.</a:t>
-            </a:r>
-          </a:p>
-          <a:p>
+              <a:t> of </a:t>
+            </a:r>
+            <a:r>
+              <a:rPr lang="hu-HU" dirty="0" err="1"/>
+              <a:t>models</a:t>
+            </a:r>
             <a:r>
               <a:rPr lang="hu-HU" dirty="0"/>
-              <a:t>Ha ez adott, egy nyelvet támogató modellező eszköz képes lehet modellek validációjára, a kész modell verifikációjára, és forráskód generálására.</a:t>
+              <a:t> </a:t>
+            </a:r>
+            <a:r>
+              <a:rPr lang="hu-HU" dirty="0" err="1"/>
+              <a:t>can</a:t>
+            </a:r>
+            <a:r>
+              <a:rPr lang="hu-HU" dirty="0"/>
+              <a:t> be </a:t>
+            </a:r>
+            <a:r>
+              <a:rPr lang="hu-HU" dirty="0" err="1"/>
+              <a:t>aided</a:t>
+            </a:r>
+            <a:r>
+              <a:rPr lang="hu-HU" dirty="0"/>
+              <a:t> </a:t>
+            </a:r>
+            <a:r>
+              <a:rPr lang="hu-HU" dirty="0" err="1"/>
+              <a:t>with</a:t>
+            </a:r>
+            <a:r>
+              <a:rPr lang="hu-HU" dirty="0"/>
+              <a:t> </a:t>
+            </a:r>
+            <a:r>
+              <a:rPr lang="hu-HU" dirty="0" err="1"/>
+              <a:t>high-level</a:t>
+            </a:r>
+            <a:r>
+              <a:rPr lang="hu-HU" dirty="0"/>
+              <a:t> </a:t>
+            </a:r>
+            <a:r>
+              <a:rPr lang="hu-HU" dirty="0" err="1"/>
+              <a:t>modeling</a:t>
+            </a:r>
+            <a:r>
+              <a:rPr lang="hu-HU" dirty="0"/>
+              <a:t> </a:t>
+            </a:r>
+            <a:r>
+              <a:rPr lang="hu-HU" dirty="0" err="1"/>
+              <a:t>languages</a:t>
+            </a:r>
+            <a:r>
+              <a:rPr lang="hu-HU" dirty="0"/>
+              <a:t> </a:t>
+            </a:r>
+            <a:r>
+              <a:rPr lang="hu-HU" dirty="0" err="1"/>
+              <a:t>that</a:t>
+            </a:r>
+            <a:r>
+              <a:rPr lang="hu-HU" dirty="0"/>
+              <a:t> </a:t>
+            </a:r>
+            <a:r>
+              <a:rPr lang="hu-HU" dirty="0" err="1"/>
+              <a:t>support</a:t>
+            </a:r>
+            <a:r>
+              <a:rPr lang="hu-HU" dirty="0"/>
+              <a:t> </a:t>
+            </a:r>
+            <a:r>
+              <a:rPr lang="hu-HU" dirty="0" err="1"/>
+              <a:t>component-based</a:t>
+            </a:r>
+            <a:r>
+              <a:rPr lang="hu-HU" dirty="0"/>
+              <a:t>, </a:t>
+            </a:r>
+            <a:r>
+              <a:rPr lang="hu-HU" dirty="0" err="1"/>
+              <a:t>hierarchical</a:t>
+            </a:r>
+            <a:r>
+              <a:rPr lang="hu-HU" dirty="0"/>
+              <a:t> design.</a:t>
+            </a:r>
+          </a:p>
+          <a:p>
+            <a:r>
+              <a:rPr lang="hu-HU" dirty="0"/>
+              <a:t>The </a:t>
+            </a:r>
+            <a:r>
+              <a:rPr lang="hu-HU" dirty="0" err="1"/>
+              <a:t>language</a:t>
+            </a:r>
+            <a:r>
+              <a:rPr lang="hu-HU" dirty="0"/>
+              <a:t> must </a:t>
+            </a:r>
+            <a:r>
+              <a:rPr lang="hu-HU" dirty="0" err="1"/>
+              <a:t>have</a:t>
+            </a:r>
+            <a:r>
+              <a:rPr lang="hu-HU" dirty="0"/>
+              <a:t> a </a:t>
+            </a:r>
+            <a:r>
+              <a:rPr lang="hu-HU" dirty="0" err="1"/>
+              <a:t>formal</a:t>
+            </a:r>
+            <a:r>
+              <a:rPr lang="hu-HU" dirty="0"/>
+              <a:t> </a:t>
+            </a:r>
+            <a:r>
+              <a:rPr lang="hu-HU" dirty="0" err="1"/>
+              <a:t>semantics</a:t>
+            </a:r>
+            <a:r>
+              <a:rPr lang="hu-HU" dirty="0"/>
+              <a:t> </a:t>
+            </a:r>
+            <a:r>
+              <a:rPr lang="hu-HU" dirty="0" err="1"/>
+              <a:t>to</a:t>
+            </a:r>
+            <a:r>
+              <a:rPr lang="hu-HU" dirty="0"/>
+              <a:t> </a:t>
+            </a:r>
+            <a:r>
+              <a:rPr lang="hu-HU" dirty="0" err="1"/>
+              <a:t>enable</a:t>
+            </a:r>
+            <a:r>
+              <a:rPr lang="hu-HU" dirty="0"/>
+              <a:t> </a:t>
+            </a:r>
+            <a:r>
+              <a:rPr lang="hu-HU" dirty="0" err="1"/>
+              <a:t>the</a:t>
+            </a:r>
+            <a:r>
+              <a:rPr lang="hu-HU" dirty="0"/>
+              <a:t> </a:t>
+            </a:r>
+            <a:r>
+              <a:rPr lang="hu-HU" dirty="0" err="1"/>
+              <a:t>analysis</a:t>
+            </a:r>
+            <a:r>
+              <a:rPr lang="hu-HU" dirty="0"/>
+              <a:t> of </a:t>
+            </a:r>
+            <a:r>
+              <a:rPr lang="hu-HU" dirty="0" err="1"/>
+              <a:t>created</a:t>
+            </a:r>
+            <a:r>
+              <a:rPr lang="hu-HU" dirty="0"/>
+              <a:t> </a:t>
+            </a:r>
+            <a:r>
+              <a:rPr lang="hu-HU" dirty="0" err="1"/>
+              <a:t>models</a:t>
+            </a:r>
+            <a:r>
+              <a:rPr lang="hu-HU" dirty="0"/>
+              <a:t>.</a:t>
+            </a:r>
+          </a:p>
+          <a:p>
+            <a:r>
+              <a:rPr lang="hu-HU" dirty="0"/>
+              <a:t>In </a:t>
+            </a:r>
+            <a:r>
+              <a:rPr lang="hu-HU" dirty="0" err="1"/>
+              <a:t>such</a:t>
+            </a:r>
+            <a:r>
+              <a:rPr lang="hu-HU" dirty="0"/>
+              <a:t> </a:t>
+            </a:r>
+            <a:r>
+              <a:rPr lang="hu-HU" dirty="0" err="1"/>
+              <a:t>cases</a:t>
+            </a:r>
+            <a:r>
+              <a:rPr lang="hu-HU" dirty="0"/>
+              <a:t> </a:t>
+            </a:r>
+            <a:r>
+              <a:rPr lang="hu-HU" dirty="0" err="1"/>
+              <a:t>the</a:t>
+            </a:r>
+            <a:r>
+              <a:rPr lang="hu-HU" dirty="0"/>
+              <a:t> </a:t>
+            </a:r>
+            <a:r>
+              <a:rPr lang="hu-HU" dirty="0" err="1"/>
+              <a:t>modeling</a:t>
+            </a:r>
+            <a:r>
+              <a:rPr lang="hu-HU" dirty="0"/>
+              <a:t> </a:t>
+            </a:r>
+            <a:r>
+              <a:rPr lang="hu-HU" dirty="0" err="1"/>
+              <a:t>tools</a:t>
+            </a:r>
+            <a:r>
+              <a:rPr lang="hu-HU" dirty="0"/>
+              <a:t> </a:t>
+            </a:r>
+            <a:r>
+              <a:rPr lang="hu-HU" dirty="0" err="1"/>
+              <a:t>supporting</a:t>
+            </a:r>
+            <a:r>
+              <a:rPr lang="hu-HU" dirty="0"/>
+              <a:t> </a:t>
+            </a:r>
+            <a:r>
+              <a:rPr lang="hu-HU" dirty="0" err="1"/>
+              <a:t>the</a:t>
+            </a:r>
+            <a:r>
+              <a:rPr lang="hu-HU" dirty="0"/>
+              <a:t> </a:t>
+            </a:r>
+            <a:r>
+              <a:rPr lang="hu-HU" dirty="0" err="1"/>
+              <a:t>language</a:t>
+            </a:r>
+            <a:r>
+              <a:rPr lang="hu-HU" dirty="0"/>
+              <a:t> </a:t>
+            </a:r>
+            <a:r>
+              <a:rPr lang="hu-HU" dirty="0" err="1"/>
+              <a:t>can</a:t>
+            </a:r>
+            <a:r>
+              <a:rPr lang="hu-HU" dirty="0"/>
+              <a:t> be </a:t>
+            </a:r>
+            <a:r>
+              <a:rPr lang="hu-HU" dirty="0" err="1"/>
+              <a:t>capable</a:t>
+            </a:r>
+            <a:r>
+              <a:rPr lang="hu-HU" dirty="0"/>
+              <a:t> of </a:t>
+            </a:r>
+            <a:r>
+              <a:rPr lang="hu-HU" dirty="0" err="1"/>
+              <a:t>validating</a:t>
+            </a:r>
+            <a:r>
+              <a:rPr lang="hu-HU" dirty="0"/>
+              <a:t> and </a:t>
+            </a:r>
+            <a:r>
+              <a:rPr lang="hu-HU" dirty="0" err="1"/>
+              <a:t>verifying</a:t>
+            </a:r>
+            <a:r>
+              <a:rPr lang="hu-HU" dirty="0"/>
+              <a:t> </a:t>
+            </a:r>
+            <a:r>
+              <a:rPr lang="hu-HU" dirty="0" err="1"/>
+              <a:t>the</a:t>
+            </a:r>
+            <a:r>
+              <a:rPr lang="hu-HU" dirty="0"/>
+              <a:t> </a:t>
+            </a:r>
+            <a:r>
+              <a:rPr lang="hu-HU" dirty="0" err="1"/>
+              <a:t>created</a:t>
+            </a:r>
+            <a:r>
+              <a:rPr lang="hu-HU" dirty="0"/>
+              <a:t> </a:t>
+            </a:r>
+            <a:r>
+              <a:rPr lang="hu-HU" dirty="0" err="1"/>
+              <a:t>models</a:t>
+            </a:r>
+            <a:r>
+              <a:rPr lang="hu-HU" dirty="0"/>
+              <a:t>. </a:t>
+            </a:r>
+            <a:r>
+              <a:rPr lang="hu-HU" dirty="0" err="1"/>
+              <a:t>Also</a:t>
+            </a:r>
+            <a:r>
+              <a:rPr lang="hu-HU" dirty="0"/>
+              <a:t> </a:t>
+            </a:r>
+            <a:r>
+              <a:rPr lang="hu-HU" dirty="0" err="1"/>
+              <a:t>source</a:t>
+            </a:r>
+            <a:r>
+              <a:rPr lang="hu-HU" dirty="0"/>
+              <a:t> </a:t>
+            </a:r>
+            <a:r>
+              <a:rPr lang="hu-HU" dirty="0" err="1"/>
+              <a:t>code</a:t>
+            </a:r>
+            <a:r>
+              <a:rPr lang="hu-HU" dirty="0"/>
+              <a:t> </a:t>
+            </a:r>
+            <a:r>
+              <a:rPr lang="hu-HU" dirty="0" err="1"/>
+              <a:t>generation</a:t>
+            </a:r>
+            <a:r>
+              <a:rPr lang="hu-HU" dirty="0"/>
+              <a:t> </a:t>
+            </a:r>
+            <a:r>
+              <a:rPr lang="hu-HU" dirty="0" err="1"/>
+              <a:t>can</a:t>
+            </a:r>
+            <a:r>
+              <a:rPr lang="hu-HU" dirty="0"/>
+              <a:t> be </a:t>
+            </a:r>
+            <a:r>
+              <a:rPr lang="hu-HU" dirty="0" err="1"/>
+              <a:t>supported</a:t>
+            </a:r>
+            <a:r>
+              <a:rPr lang="hu-HU" dirty="0"/>
+              <a:t>.</a:t>
             </a:r>
           </a:p>
         </p:txBody>
@@ -9544,16 +11550,20 @@
           <a:lstStyle/>
           <a:p>
             <a:r>
+              <a:rPr lang="hu-HU" b="1" dirty="0"/>
+              <a:t>Bence </a:t>
+            </a:r>
+            <a:r>
               <a:rPr lang="hu-HU" b="1" dirty="0" err="1"/>
               <a:t>Graics</a:t>
             </a:r>
             <a:r>
               <a:rPr lang="hu-HU" b="1" dirty="0"/>
-              <a:t> Bence, </a:t>
+              <a:t>, </a:t>
             </a:r>
             <a:r>
               <a:rPr lang="hu-HU" dirty="0"/>
-              <a:t> Molnár Vince</a:t>
+              <a:t>Vince Molnár</a:t>
             </a:r>
             <a:endParaRPr lang="en-US" dirty="0"/>
           </a:p>
@@ -20551,7 +22561,7 @@
                   <a:srgbClr val="EA700D"/>
                 </a:solidFill>
               </a:rPr>
-              <a:t>system</a:t>
+              <a:t>systems</a:t>
             </a:r>
             <a:r>
               <a:rPr lang="hu-HU" sz="2200" dirty="0"/>
@@ -27480,11 +29490,7 @@
           <a:p>
             <a:r>
               <a:rPr lang="hu-HU" dirty="0" err="1"/>
-              <a:t>Application</a:t>
-            </a:r>
-            <a:r>
-              <a:rPr lang="hu-HU" dirty="0"/>
-              <a:t> of Gamma</a:t>
+              <a:t>Summary</a:t>
             </a:r>
             <a:endParaRPr lang="en-US" dirty="0"/>
           </a:p>
@@ -27502,307 +29508,148 @@
         </p:nvSpPr>
         <p:spPr>
           <a:xfrm>
-            <a:off x="628650" y="1455938"/>
-            <a:ext cx="7886700" cy="4732140"/>
+            <a:off x="628649" y="1455938"/>
+            <a:ext cx="8013545" cy="4732140"/>
           </a:xfrm>
         </p:spPr>
         <p:txBody>
           <a:bodyPr>
-            <a:normAutofit lnSpcReduction="10000"/>
+            <a:normAutofit/>
           </a:bodyPr>
           <a:lstStyle/>
           <a:p>
             <a:r>
-              <a:rPr lang="hu-HU" sz="2800" dirty="0" err="1"/>
-              <a:t>McGill</a:t>
-            </a:r>
-            <a:r>
-              <a:rPr lang="hu-HU" sz="2800" dirty="0"/>
-              <a:t> University (</a:t>
-            </a:r>
-            <a:r>
-              <a:rPr lang="hu-HU" sz="2800" dirty="0" err="1"/>
-              <a:t>Canada</a:t>
-            </a:r>
-            <a:r>
-              <a:rPr lang="hu-HU" sz="2800" dirty="0"/>
-              <a:t>) </a:t>
-            </a:r>
-            <a:r>
-              <a:rPr lang="hu-HU" sz="2800" dirty="0" err="1"/>
-              <a:t>official</a:t>
-            </a:r>
-            <a:r>
-              <a:rPr lang="hu-HU" sz="2800" dirty="0"/>
+              <a:rPr lang="hu-HU" dirty="0"/>
+              <a:t>Gamma </a:t>
+            </a:r>
+            <a:r>
+              <a:rPr lang="hu-HU" dirty="0" err="1"/>
+              <a:t>Statechart</a:t>
+            </a:r>
+            <a:r>
+              <a:rPr lang="hu-HU" dirty="0"/>
               <a:t> </a:t>
             </a:r>
             <a:r>
-              <a:rPr lang="hu-HU" sz="2800" dirty="0" err="1"/>
-              <a:t>tool</a:t>
-            </a:r>
-            <a:endParaRPr lang="hu-HU" sz="2800" dirty="0"/>
+              <a:rPr lang="hu-HU" dirty="0" err="1"/>
+              <a:t>Composition</a:t>
+            </a:r>
+            <a:r>
+              <a:rPr lang="hu-HU" dirty="0"/>
+              <a:t> Framework</a:t>
+            </a:r>
           </a:p>
           <a:p>
             <a:pPr lvl="1"/>
             <a:r>
-              <a:rPr lang="en-US" sz="2400" dirty="0">
-                <a:solidFill>
-                  <a:schemeClr val="accent2"/>
-                </a:solidFill>
-              </a:rPr>
-              <a:t>DSM TP 2017</a:t>
-            </a:r>
-            <a:r>
-              <a:rPr lang="hu-HU" sz="2400" dirty="0"/>
-              <a:t>, PhD </a:t>
-            </a:r>
+              <a:rPr lang="hu-HU" dirty="0"/>
+              <a:t>Design </a:t>
+            </a:r>
+            <a:r>
+              <a:rPr lang="hu-HU" dirty="0" err="1"/>
+              <a:t>support</a:t>
+            </a:r>
+            <a:endParaRPr lang="hu-HU" dirty="0"/>
+          </a:p>
+          <a:p>
+            <a:pPr lvl="1"/>
+            <a:r>
+              <a:rPr lang="hu-HU" dirty="0" err="1"/>
+              <a:t>Code</a:t>
+            </a:r>
+            <a:r>
+              <a:rPr lang="hu-HU" dirty="0"/>
+              <a:t> </a:t>
+            </a:r>
+            <a:r>
+              <a:rPr lang="hu-HU" dirty="0" err="1"/>
+              <a:t>generation</a:t>
+            </a:r>
+            <a:endParaRPr lang="hu-HU" dirty="0"/>
+          </a:p>
+          <a:p>
+            <a:pPr lvl="1"/>
+            <a:r>
+              <a:rPr lang="hu-HU" dirty="0"/>
+              <a:t>V&amp;V (</a:t>
+            </a:r>
+            <a:r>
+              <a:rPr lang="hu-HU" dirty="0" err="1"/>
+              <a:t>formal</a:t>
+            </a:r>
+            <a:r>
+              <a:rPr lang="hu-HU" dirty="0"/>
+              <a:t> </a:t>
+            </a:r>
+            <a:r>
+              <a:rPr lang="hu-HU" dirty="0" err="1"/>
+              <a:t>analysis</a:t>
+            </a:r>
+            <a:r>
+              <a:rPr lang="hu-HU" dirty="0"/>
+              <a:t>)</a:t>
+            </a:r>
+          </a:p>
+          <a:p>
+            <a:r>
+              <a:rPr lang="hu-HU" dirty="0" err="1"/>
+              <a:t>Extension</a:t>
+            </a:r>
+            <a:r>
+              <a:rPr lang="hu-HU" dirty="0"/>
+              <a:t> of </a:t>
+            </a:r>
+            <a:r>
+              <a:rPr lang="hu-HU" dirty="0" err="1"/>
+              <a:t>the</a:t>
+            </a:r>
+            <a:r>
+              <a:rPr lang="hu-HU" dirty="0"/>
+              <a:t> </a:t>
+            </a:r>
+            <a:r>
+              <a:rPr lang="hu-HU" dirty="0" err="1"/>
+              <a:t>compsosititon</a:t>
+            </a:r>
+            <a:r>
+              <a:rPr lang="hu-HU" dirty="0"/>
+              <a:t> </a:t>
+            </a:r>
+            <a:r>
+              <a:rPr lang="hu-HU" dirty="0" err="1"/>
+              <a:t>language</a:t>
+            </a:r>
+            <a:endParaRPr lang="hu-HU" dirty="0"/>
+          </a:p>
+          <a:p>
+            <a:pPr lvl="1"/>
             <a:r>
               <a:rPr lang="hu-HU" sz="2400" dirty="0" err="1"/>
-              <a:t>school</a:t>
+              <a:t>Asynchronous</a:t>
             </a:r>
             <a:endParaRPr lang="hu-HU" sz="2400" dirty="0"/>
           </a:p>
           <a:p>
             <a:pPr lvl="1"/>
             <a:r>
-              <a:rPr lang="hu-HU" sz="2400" dirty="0" err="1">
-                <a:solidFill>
-                  <a:schemeClr val="accent2"/>
-                </a:solidFill>
-              </a:rPr>
-              <a:t>Introduction</a:t>
-            </a:r>
-            <a:r>
-              <a:rPr lang="hu-HU" sz="2400" dirty="0">
-                <a:solidFill>
-                  <a:schemeClr val="accent2"/>
-                </a:solidFill>
-              </a:rPr>
-              <a:t> </a:t>
-            </a:r>
-            <a:r>
-              <a:rPr lang="hu-HU" sz="2400" dirty="0" err="1">
-                <a:solidFill>
-                  <a:schemeClr val="accent2"/>
-                </a:solidFill>
-              </a:rPr>
-              <a:t>to</a:t>
-            </a:r>
-            <a:r>
-              <a:rPr lang="hu-HU" sz="2400" dirty="0">
-                <a:solidFill>
-                  <a:schemeClr val="accent2"/>
-                </a:solidFill>
-              </a:rPr>
-              <a:t> Software </a:t>
-            </a:r>
-            <a:r>
-              <a:rPr lang="hu-HU" sz="2400" dirty="0" err="1">
-                <a:solidFill>
-                  <a:schemeClr val="accent2"/>
-                </a:solidFill>
-              </a:rPr>
-              <a:t>Engineering</a:t>
-            </a:r>
-            <a:r>
-              <a:rPr lang="hu-HU" sz="2400" dirty="0"/>
-              <a:t>, </a:t>
-            </a:r>
-            <a:r>
               <a:rPr lang="hu-HU" sz="2400" dirty="0" err="1"/>
-              <a:t>laboratory</a:t>
+              <a:t>Synchronous</a:t>
             </a:r>
             <a:endParaRPr lang="hu-HU" sz="2400" dirty="0"/>
           </a:p>
           <a:p>
-            <a:pPr>
-              <a:spcBef>
-                <a:spcPts val="3000"/>
-              </a:spcBef>
-            </a:pPr>
-            <a:r>
-              <a:rPr lang="hu-HU" sz="2800" dirty="0"/>
-              <a:t>BUTE project </a:t>
-            </a:r>
-            <a:r>
-              <a:rPr lang="hu-HU" sz="2800" dirty="0" err="1"/>
-              <a:t>laboratory</a:t>
-            </a:r>
-            <a:endParaRPr lang="hu-HU" sz="2800" dirty="0"/>
-          </a:p>
-          <a:p>
-            <a:pPr>
-              <a:spcBef>
-                <a:spcPts val="3000"/>
-              </a:spcBef>
-            </a:pPr>
-            <a:r>
-              <a:rPr lang="hu-HU" sz="2800" dirty="0" err="1"/>
-              <a:t>Railways</a:t>
-            </a:r>
-            <a:r>
-              <a:rPr lang="hu-HU" sz="2800" dirty="0"/>
-              <a:t> </a:t>
-            </a:r>
-            <a:r>
-              <a:rPr lang="hu-HU" sz="2800" dirty="0" err="1"/>
-              <a:t>demonstrator</a:t>
-            </a:r>
-            <a:endParaRPr lang="hu-HU" sz="2800" dirty="0"/>
-          </a:p>
-          <a:p>
             <a:pPr lvl="1"/>
             <a:r>
-              <a:rPr lang="hu-HU" sz="2400" dirty="0"/>
-              <a:t>MoDeS</a:t>
-            </a:r>
-            <a:r>
-              <a:rPr lang="hu-HU" sz="2400" baseline="30000" dirty="0"/>
-              <a:t>3</a:t>
-            </a:r>
-          </a:p>
-          <a:p>
-            <a:pPr>
-              <a:spcBef>
-                <a:spcPts val="3000"/>
-              </a:spcBef>
-            </a:pPr>
-            <a:r>
-              <a:rPr lang="hu-HU" sz="2800" dirty="0" err="1"/>
-              <a:t>Industrial</a:t>
-            </a:r>
-            <a:r>
-              <a:rPr lang="hu-HU" sz="2800" dirty="0"/>
-              <a:t> </a:t>
-            </a:r>
-            <a:r>
-              <a:rPr lang="hu-HU" sz="2800" dirty="0" err="1"/>
-              <a:t>conference</a:t>
-            </a:r>
-            <a:endParaRPr lang="hu-HU" sz="2800" dirty="0"/>
-          </a:p>
-          <a:p>
-            <a:pPr lvl="1"/>
-            <a:r>
               <a:rPr lang="hu-HU" sz="2400" dirty="0" err="1"/>
-              <a:t>EclipseCon</a:t>
-            </a:r>
-            <a:r>
-              <a:rPr lang="hu-HU" sz="2400" dirty="0"/>
-              <a:t> 2017</a:t>
-            </a:r>
-            <a:endParaRPr lang="hu-HU" sz="2400" baseline="30000" dirty="0"/>
+              <a:t>Cascade</a:t>
+            </a:r>
+            <a:endParaRPr lang="hu-HU" sz="2400" dirty="0"/>
+          </a:p>
+          <a:p>
+            <a:endParaRPr lang="hu-HU" dirty="0"/>
           </a:p>
         </p:txBody>
       </p:sp>
-      <p:pic>
-        <p:nvPicPr>
-          <p:cNvPr id="4" name="Kép 3" descr="A képen objektum látható&#10;&#10;A leírás teljesen megbízható">
-            <a:extLst>
-              <a:ext uri="{FF2B5EF4-FFF2-40B4-BE49-F238E27FC236}">
-                <a16:creationId xmlns:a16="http://schemas.microsoft.com/office/drawing/2014/main" id="{524049C4-29EC-4F23-8A9E-D8CECCD4588E}"/>
-              </a:ext>
-            </a:extLst>
-          </p:cNvPr>
-          <p:cNvPicPr>
-            <a:picLocks noChangeAspect="1"/>
-          </p:cNvPicPr>
-          <p:nvPr/>
-        </p:nvPicPr>
-        <p:blipFill>
-          <a:blip r:embed="rId3" cstate="print">
-            <a:extLst>
-              <a:ext uri="{28A0092B-C50C-407E-A947-70E740481C1C}">
-                <a14:useLocalDpi xmlns:a14="http://schemas.microsoft.com/office/drawing/2010/main" val="0"/>
-              </a:ext>
-            </a:extLst>
-          </a:blip>
-          <a:stretch>
-            <a:fillRect/>
-          </a:stretch>
-        </p:blipFill>
-        <p:spPr>
-          <a:xfrm>
-            <a:off x="7879028" y="1668123"/>
-            <a:ext cx="834911" cy="1057072"/>
-          </a:xfrm>
-          <a:prstGeom prst="rect">
-            <a:avLst/>
-          </a:prstGeom>
-        </p:spPr>
-      </p:pic>
-      <p:pic>
-        <p:nvPicPr>
-          <p:cNvPr id="5" name="Kép 4">
-            <a:extLst>
-              <a:ext uri="{FF2B5EF4-FFF2-40B4-BE49-F238E27FC236}">
-                <a16:creationId xmlns:a16="http://schemas.microsoft.com/office/drawing/2014/main" id="{601EEA10-A3F9-450D-8B3D-8285D2FBF548}"/>
-              </a:ext>
-            </a:extLst>
-          </p:cNvPr>
-          <p:cNvPicPr>
-            <a:picLocks noChangeAspect="1"/>
-          </p:cNvPicPr>
-          <p:nvPr/>
-        </p:nvPicPr>
-        <p:blipFill>
-          <a:blip r:embed="rId4" cstate="print">
-            <a:extLst>
-              <a:ext uri="{28A0092B-C50C-407E-A947-70E740481C1C}">
-                <a14:useLocalDpi xmlns:a14="http://schemas.microsoft.com/office/drawing/2010/main" val="0"/>
-              </a:ext>
-            </a:extLst>
-          </a:blip>
-          <a:stretch>
-            <a:fillRect/>
-          </a:stretch>
-        </p:blipFill>
-        <p:spPr>
-          <a:xfrm>
-            <a:off x="4784148" y="4883826"/>
-            <a:ext cx="3675300" cy="1837650"/>
-          </a:xfrm>
-          <a:prstGeom prst="rect">
-            <a:avLst/>
-          </a:prstGeom>
-        </p:spPr>
-      </p:pic>
-      <p:pic>
-        <p:nvPicPr>
-          <p:cNvPr id="7" name="Kép 6" descr="A képen képernyőkép látható&#10;&#10;A leírás teljesen megbízható">
-            <a:extLst>
-              <a:ext uri="{FF2B5EF4-FFF2-40B4-BE49-F238E27FC236}">
-                <a16:creationId xmlns:a16="http://schemas.microsoft.com/office/drawing/2014/main" id="{F8B787B0-BEAA-4CF3-A531-5C84C61E45E2}"/>
-              </a:ext>
-            </a:extLst>
-          </p:cNvPr>
-          <p:cNvPicPr>
-            <a:picLocks noChangeAspect="1"/>
-          </p:cNvPicPr>
-          <p:nvPr/>
-        </p:nvPicPr>
-        <p:blipFill>
-          <a:blip r:embed="rId5" cstate="print">
-            <a:extLst>
-              <a:ext uri="{28A0092B-C50C-407E-A947-70E740481C1C}">
-                <a14:useLocalDpi xmlns:a14="http://schemas.microsoft.com/office/drawing/2010/main" val="0"/>
-              </a:ext>
-            </a:extLst>
-          </a:blip>
-          <a:stretch>
-            <a:fillRect/>
-          </a:stretch>
-        </p:blipFill>
-        <p:spPr>
-          <a:xfrm>
-            <a:off x="6102800" y="4044929"/>
-            <a:ext cx="1037995" cy="1037995"/>
-          </a:xfrm>
-          <a:prstGeom prst="rect">
-            <a:avLst/>
-          </a:prstGeom>
-        </p:spPr>
-      </p:pic>
       <p:sp>
         <p:nvSpPr>
           <p:cNvPr id="8" name="Dia számának helye 7">
@@ -27835,7 +29682,7 @@
     </p:spTree>
     <p:extLst>
       <p:ext uri="{BB962C8B-B14F-4D97-AF65-F5344CB8AC3E}">
-        <p14:creationId xmlns:p14="http://schemas.microsoft.com/office/powerpoint/2010/main" val="4158926185"/>
+        <p14:creationId xmlns:p14="http://schemas.microsoft.com/office/powerpoint/2010/main" val="1935620616"/>
       </p:ext>
     </p:extLst>
   </p:cSld>
@@ -27884,247 +29731,6 @@
           <a:p>
             <a:r>
               <a:rPr lang="hu-HU" dirty="0" err="1"/>
-              <a:t>Summary</a:t>
-            </a:r>
-            <a:endParaRPr lang="en-US" dirty="0"/>
-          </a:p>
-        </p:txBody>
-      </p:sp>
-      <p:sp>
-        <p:nvSpPr>
-          <p:cNvPr id="3" name="Szöveg helye 2"/>
-          <p:cNvSpPr>
-            <a:spLocks noGrp="1"/>
-          </p:cNvSpPr>
-          <p:nvPr>
-            <p:ph type="body" sz="quarter" idx="13"/>
-          </p:nvPr>
-        </p:nvSpPr>
-        <p:spPr>
-          <a:xfrm>
-            <a:off x="628649" y="1455938"/>
-            <a:ext cx="8013545" cy="4732140"/>
-          </a:xfrm>
-        </p:spPr>
-        <p:txBody>
-          <a:bodyPr>
-            <a:normAutofit/>
-          </a:bodyPr>
-          <a:lstStyle/>
-          <a:p>
-            <a:r>
-              <a:rPr lang="hu-HU" dirty="0"/>
-              <a:t>Gamma </a:t>
-            </a:r>
-            <a:r>
-              <a:rPr lang="hu-HU" dirty="0" err="1"/>
-              <a:t>Statechart</a:t>
-            </a:r>
-            <a:r>
-              <a:rPr lang="hu-HU" dirty="0"/>
-              <a:t> </a:t>
-            </a:r>
-            <a:r>
-              <a:rPr lang="hu-HU" dirty="0" err="1"/>
-              <a:t>Composition</a:t>
-            </a:r>
-            <a:r>
-              <a:rPr lang="hu-HU" dirty="0"/>
-              <a:t> Framework</a:t>
-            </a:r>
-          </a:p>
-          <a:p>
-            <a:pPr lvl="1"/>
-            <a:r>
-              <a:rPr lang="hu-HU" dirty="0"/>
-              <a:t>Design </a:t>
-            </a:r>
-            <a:r>
-              <a:rPr lang="hu-HU" dirty="0" err="1"/>
-              <a:t>support</a:t>
-            </a:r>
-            <a:endParaRPr lang="hu-HU" dirty="0"/>
-          </a:p>
-          <a:p>
-            <a:pPr lvl="1"/>
-            <a:r>
-              <a:rPr lang="hu-HU" dirty="0" err="1"/>
-              <a:t>Code</a:t>
-            </a:r>
-            <a:r>
-              <a:rPr lang="hu-HU" dirty="0"/>
-              <a:t> </a:t>
-            </a:r>
-            <a:r>
-              <a:rPr lang="hu-HU" dirty="0" err="1"/>
-              <a:t>generation</a:t>
-            </a:r>
-            <a:endParaRPr lang="hu-HU" dirty="0"/>
-          </a:p>
-          <a:p>
-            <a:pPr lvl="1"/>
-            <a:r>
-              <a:rPr lang="hu-HU" dirty="0"/>
-              <a:t>V&amp;V (</a:t>
-            </a:r>
-            <a:r>
-              <a:rPr lang="hu-HU" dirty="0" err="1"/>
-              <a:t>formal</a:t>
-            </a:r>
-            <a:r>
-              <a:rPr lang="hu-HU" dirty="0"/>
-              <a:t> </a:t>
-            </a:r>
-            <a:r>
-              <a:rPr lang="hu-HU" dirty="0" err="1"/>
-              <a:t>analysis</a:t>
-            </a:r>
-            <a:r>
-              <a:rPr lang="hu-HU" dirty="0"/>
-              <a:t>)</a:t>
-            </a:r>
-          </a:p>
-          <a:p>
-            <a:r>
-              <a:rPr lang="hu-HU" dirty="0" err="1"/>
-              <a:t>Extension</a:t>
-            </a:r>
-            <a:r>
-              <a:rPr lang="hu-HU" dirty="0"/>
-              <a:t> of </a:t>
-            </a:r>
-            <a:r>
-              <a:rPr lang="hu-HU" dirty="0" err="1"/>
-              <a:t>the</a:t>
-            </a:r>
-            <a:r>
-              <a:rPr lang="hu-HU" dirty="0"/>
-              <a:t> </a:t>
-            </a:r>
-            <a:r>
-              <a:rPr lang="hu-HU" dirty="0" err="1"/>
-              <a:t>compsosititon</a:t>
-            </a:r>
-            <a:r>
-              <a:rPr lang="hu-HU" dirty="0"/>
-              <a:t> </a:t>
-            </a:r>
-            <a:r>
-              <a:rPr lang="hu-HU" dirty="0" err="1"/>
-              <a:t>language</a:t>
-            </a:r>
-            <a:endParaRPr lang="hu-HU" dirty="0"/>
-          </a:p>
-          <a:p>
-            <a:pPr lvl="1"/>
-            <a:r>
-              <a:rPr lang="hu-HU" sz="2400" dirty="0" err="1"/>
-              <a:t>Asynchronous</a:t>
-            </a:r>
-            <a:endParaRPr lang="hu-HU" sz="2400" dirty="0"/>
-          </a:p>
-          <a:p>
-            <a:pPr lvl="1"/>
-            <a:r>
-              <a:rPr lang="hu-HU" sz="2400" dirty="0" err="1"/>
-              <a:t>Synchronous</a:t>
-            </a:r>
-            <a:endParaRPr lang="hu-HU" sz="2400" dirty="0"/>
-          </a:p>
-          <a:p>
-            <a:pPr lvl="1"/>
-            <a:r>
-              <a:rPr lang="hu-HU" sz="2400" dirty="0" err="1"/>
-              <a:t>Cascade</a:t>
-            </a:r>
-            <a:endParaRPr lang="hu-HU" sz="2400" dirty="0"/>
-          </a:p>
-          <a:p>
-            <a:endParaRPr lang="hu-HU" dirty="0"/>
-          </a:p>
-        </p:txBody>
-      </p:sp>
-      <p:sp>
-        <p:nvSpPr>
-          <p:cNvPr id="8" name="Dia számának helye 7">
-            <a:extLst>
-              <a:ext uri="{FF2B5EF4-FFF2-40B4-BE49-F238E27FC236}">
-                <a16:creationId xmlns:a16="http://schemas.microsoft.com/office/drawing/2014/main" id="{21242BF0-91F6-4FCB-B17E-595A1837653F}"/>
-              </a:ext>
-            </a:extLst>
-          </p:cNvPr>
-          <p:cNvSpPr>
-            <a:spLocks noGrp="1"/>
-          </p:cNvSpPr>
-          <p:nvPr>
-            <p:ph type="sldNum" sz="quarter" idx="12"/>
-          </p:nvPr>
-        </p:nvSpPr>
-        <p:spPr/>
-        <p:txBody>
-          <a:bodyPr/>
-          <a:lstStyle/>
-          <a:p>
-            <a:fld id="{8B04355B-F8E2-45B6-9C9F-1BA606DD0B1C}" type="slidenum">
-              <a:rPr lang="en-US" smtClean="0"/>
-              <a:t>24</a:t>
-            </a:fld>
-            <a:endParaRPr lang="en-US"/>
-          </a:p>
-        </p:txBody>
-      </p:sp>
-    </p:spTree>
-    <p:extLst>
-      <p:ext uri="{BB962C8B-B14F-4D97-AF65-F5344CB8AC3E}">
-        <p14:creationId xmlns:p14="http://schemas.microsoft.com/office/powerpoint/2010/main" val="1935620616"/>
-      </p:ext>
-    </p:extLst>
-  </p:cSld>
-  <p:clrMapOvr>
-    <a:masterClrMapping/>
-  </p:clrMapOvr>
-</p:sld>
-</file>
-
-<file path=ppt/slides/slide25.xml><?xml version="1.0" encoding="utf-8"?>
-<p:sld xmlns:a="http://schemas.openxmlformats.org/drawingml/2006/main" xmlns:r="http://schemas.openxmlformats.org/officeDocument/2006/relationships" xmlns:p="http://schemas.openxmlformats.org/presentationml/2006/main">
-  <p:cSld>
-    <p:spTree>
-      <p:nvGrpSpPr>
-        <p:cNvPr id="1" name=""/>
-        <p:cNvGrpSpPr/>
-        <p:nvPr/>
-      </p:nvGrpSpPr>
-      <p:grpSpPr>
-        <a:xfrm>
-          <a:off x="0" y="0"/>
-          <a:ext cx="0" cy="0"/>
-          <a:chOff x="0" y="0"/>
-          <a:chExt cx="0" cy="0"/>
-        </a:xfrm>
-      </p:grpSpPr>
-      <p:sp>
-        <p:nvSpPr>
-          <p:cNvPr id="2" name="Cím 1"/>
-          <p:cNvSpPr>
-            <a:spLocks noGrp="1"/>
-          </p:cNvSpPr>
-          <p:nvPr>
-            <p:ph type="title"/>
-          </p:nvPr>
-        </p:nvSpPr>
-        <p:spPr>
-          <a:xfrm>
-            <a:off x="628651" y="365127"/>
-            <a:ext cx="7886699" cy="877748"/>
-          </a:xfrm>
-        </p:spPr>
-        <p:txBody>
-          <a:bodyPr/>
-          <a:lstStyle/>
-          <a:p>
-            <a:r>
-              <a:rPr lang="hu-HU" dirty="0" err="1"/>
               <a:t>Future</a:t>
             </a:r>
             <a:r>
@@ -28359,7 +29965,7 @@
           <a:p>
             <a:fld id="{8B04355B-F8E2-45B6-9C9F-1BA606DD0B1C}" type="slidenum">
               <a:rPr lang="en-US" smtClean="0"/>
-              <a:t>25</a:t>
+              <a:t>24</a:t>
             </a:fld>
             <a:endParaRPr lang="en-US"/>
           </a:p>
@@ -28378,7 +29984,7 @@
 </p:sld>
 </file>
 
-<file path=ppt/slides/slide26.xml><?xml version="1.0" encoding="utf-8"?>
+<file path=ppt/slides/slide25.xml><?xml version="1.0" encoding="utf-8"?>
 <p:sld xmlns:a="http://schemas.openxmlformats.org/drawingml/2006/main" xmlns:r="http://schemas.openxmlformats.org/officeDocument/2006/relationships" xmlns:p="http://schemas.openxmlformats.org/presentationml/2006/main">
   <p:cSld>
     <p:spTree>
@@ -28507,15 +30113,7 @@
           <a:p>
             <a:r>
               <a:rPr lang="hu-HU" sz="2600" dirty="0" err="1"/>
-              <a:t>High</a:t>
-            </a:r>
-            <a:r>
-              <a:rPr lang="hu-HU" sz="2600" dirty="0"/>
-              <a:t> </a:t>
-            </a:r>
-            <a:r>
-              <a:rPr lang="hu-HU" sz="2600" dirty="0" err="1"/>
-              <a:t>level</a:t>
+              <a:t>High-level</a:t>
             </a:r>
             <a:r>
               <a:rPr lang="hu-HU" sz="2600" dirty="0"/>

--- a/presentation/gb_mv_gamma.pptx
+++ b/presentation/gb_mv_gamma.pptx
@@ -226,7 +226,7 @@
           <a:p>
             <a:fld id="{4C323C46-F233-4B17-B388-1A010B10AB11}" type="datetimeFigureOut">
               <a:rPr lang="en-US" smtClean="0"/>
-              <a:t>1/27/2018</a:t>
+              <a:t>1/28/2018</a:t>
             </a:fld>
             <a:endParaRPr lang="en-US"/>
           </a:p>
@@ -1468,31 +1468,438 @@
           <a:lstStyle/>
           <a:p>
             <a:r>
+              <a:rPr lang="hu-HU" dirty="0" err="1"/>
+              <a:t>Cascade</a:t>
+            </a:r>
+            <a:r>
               <a:rPr lang="hu-HU" dirty="0"/>
-              <a:t>Kaszkád kompozícióval speciális szinkron-jellegű komponenseket lehet létrehozni. Ezesetben a komponensek szekvenciálisan kerülnek végrehajtásra.</a:t>
-            </a:r>
-          </a:p>
-          <a:p>
+              <a:t> </a:t>
+            </a:r>
+            <a:r>
+              <a:rPr lang="hu-HU" dirty="0" err="1"/>
+              <a:t>composition</a:t>
+            </a:r>
             <a:r>
               <a:rPr lang="hu-HU" dirty="0"/>
-              <a:t>Ez azt jelenti, hogy egy kaszkád komponensben a kommunikáció egyirányú: a tartalmazott komponensek által kiadott jeleket a később végrehajtott komponensek dolgozhatják csak fel, ahogy az animáció mutatja. </a:t>
-            </a:r>
-            <a:r>
-              <a:rPr lang="hu-HU" sz="1200" dirty="0"/>
-              <a:t>(2 X „ANIMÁCIÓ”) </a:t>
-            </a:r>
-            <a:endParaRPr lang="hu-HU" dirty="0"/>
-          </a:p>
-          <a:p>
+              <a:t> </a:t>
+            </a:r>
+            <a:r>
+              <a:rPr lang="hu-HU" dirty="0" err="1"/>
+              <a:t>can</a:t>
+            </a:r>
             <a:r>
               <a:rPr lang="hu-HU" dirty="0"/>
-              <a:t> </a:t>
-            </a:r>
-          </a:p>
-          <a:p>
+              <a:t> be </a:t>
+            </a:r>
+            <a:r>
+              <a:rPr lang="hu-HU" dirty="0" err="1"/>
+              <a:t>used</a:t>
+            </a:r>
             <a:r>
               <a:rPr lang="hu-HU" dirty="0"/>
-              <a:t>Ez a szemantika </a:t>
+              <a:t> </a:t>
+            </a:r>
+            <a:r>
+              <a:rPr lang="hu-HU" dirty="0" err="1"/>
+              <a:t>to</a:t>
+            </a:r>
+            <a:r>
+              <a:rPr lang="hu-HU" dirty="0"/>
+              <a:t> </a:t>
+            </a:r>
+            <a:r>
+              <a:rPr lang="hu-HU" dirty="0" err="1"/>
+              <a:t>create</a:t>
+            </a:r>
+            <a:r>
+              <a:rPr lang="hu-HU" dirty="0"/>
+              <a:t> </a:t>
+            </a:r>
+            <a:r>
+              <a:rPr lang="hu-HU" dirty="0" err="1"/>
+              <a:t>synchronous</a:t>
+            </a:r>
+            <a:r>
+              <a:rPr lang="hu-HU" dirty="0"/>
+              <a:t>-like </a:t>
+            </a:r>
+            <a:r>
+              <a:rPr lang="hu-HU" dirty="0" err="1"/>
+              <a:t>components</a:t>
+            </a:r>
+            <a:r>
+              <a:rPr lang="hu-HU" dirty="0"/>
+              <a:t>. In </a:t>
+            </a:r>
+            <a:r>
+              <a:rPr lang="hu-HU" dirty="0" err="1"/>
+              <a:t>such</a:t>
+            </a:r>
+            <a:r>
+              <a:rPr lang="hu-HU" dirty="0"/>
+              <a:t> </a:t>
+            </a:r>
+            <a:r>
+              <a:rPr lang="hu-HU" dirty="0" err="1"/>
+              <a:t>models</a:t>
+            </a:r>
+            <a:r>
+              <a:rPr lang="hu-HU" dirty="0"/>
+              <a:t> </a:t>
+            </a:r>
+            <a:r>
+              <a:rPr lang="hu-HU" dirty="0" err="1"/>
+              <a:t>components</a:t>
+            </a:r>
+            <a:r>
+              <a:rPr lang="hu-HU" dirty="0"/>
+              <a:t> </a:t>
+            </a:r>
+            <a:r>
+              <a:rPr lang="hu-HU" dirty="0" err="1"/>
+              <a:t>are</a:t>
+            </a:r>
+            <a:r>
+              <a:rPr lang="hu-HU" dirty="0"/>
+              <a:t> </a:t>
+            </a:r>
+            <a:r>
+              <a:rPr lang="hu-HU" dirty="0" err="1"/>
+              <a:t>executed</a:t>
+            </a:r>
+            <a:r>
+              <a:rPr lang="hu-HU" dirty="0"/>
+              <a:t> </a:t>
+            </a:r>
+            <a:r>
+              <a:rPr lang="hu-HU" dirty="0" err="1"/>
+              <a:t>sequentially</a:t>
+            </a:r>
+            <a:r>
+              <a:rPr lang="hu-HU" dirty="0"/>
+              <a:t>.</a:t>
+            </a:r>
+          </a:p>
+          <a:p>
+            <a:r>
+              <a:rPr lang="hu-HU" dirty="0" err="1"/>
+              <a:t>This</a:t>
+            </a:r>
+            <a:r>
+              <a:rPr lang="hu-HU" dirty="0"/>
+              <a:t> </a:t>
+            </a:r>
+            <a:r>
+              <a:rPr lang="hu-HU" dirty="0" err="1"/>
+              <a:t>means</a:t>
+            </a:r>
+            <a:r>
+              <a:rPr lang="hu-HU" dirty="0"/>
+              <a:t> </a:t>
+            </a:r>
+            <a:r>
+              <a:rPr lang="hu-HU" dirty="0" err="1"/>
+              <a:t>that</a:t>
+            </a:r>
+            <a:r>
+              <a:rPr lang="hu-HU" dirty="0"/>
+              <a:t> </a:t>
+            </a:r>
+            <a:r>
+              <a:rPr lang="hu-HU" dirty="0" err="1"/>
+              <a:t>signals</a:t>
+            </a:r>
+            <a:r>
+              <a:rPr lang="hu-HU" dirty="0"/>
+              <a:t> </a:t>
+            </a:r>
+            <a:r>
+              <a:rPr lang="hu-HU" dirty="0" err="1"/>
+              <a:t>dispatched</a:t>
+            </a:r>
+            <a:r>
+              <a:rPr lang="hu-HU" dirty="0"/>
+              <a:t> </a:t>
+            </a:r>
+            <a:r>
+              <a:rPr lang="hu-HU" dirty="0" err="1"/>
+              <a:t>by</a:t>
+            </a:r>
+            <a:r>
+              <a:rPr lang="hu-HU" dirty="0"/>
+              <a:t> a </a:t>
+            </a:r>
+            <a:r>
+              <a:rPr lang="hu-HU" dirty="0" err="1"/>
+              <a:t>component</a:t>
+            </a:r>
+            <a:r>
+              <a:rPr lang="hu-HU" dirty="0"/>
+              <a:t> </a:t>
+            </a:r>
+            <a:r>
+              <a:rPr lang="hu-HU" dirty="0" err="1"/>
+              <a:t>can</a:t>
+            </a:r>
+            <a:r>
+              <a:rPr lang="hu-HU" dirty="0"/>
+              <a:t> be </a:t>
+            </a:r>
+            <a:r>
+              <a:rPr lang="hu-HU" dirty="0" err="1"/>
+              <a:t>processed</a:t>
+            </a:r>
+            <a:r>
+              <a:rPr lang="hu-HU" dirty="0"/>
+              <a:t> </a:t>
+            </a:r>
+            <a:r>
+              <a:rPr lang="hu-HU" dirty="0" err="1"/>
+              <a:t>immediately</a:t>
+            </a:r>
+            <a:r>
+              <a:rPr lang="hu-HU" dirty="0"/>
+              <a:t> </a:t>
+            </a:r>
+            <a:r>
+              <a:rPr lang="hu-HU" dirty="0" err="1"/>
+              <a:t>by</a:t>
+            </a:r>
+            <a:r>
+              <a:rPr lang="hu-HU" dirty="0"/>
+              <a:t> </a:t>
+            </a:r>
+            <a:r>
+              <a:rPr lang="hu-HU" dirty="0" err="1"/>
+              <a:t>components</a:t>
+            </a:r>
+            <a:r>
+              <a:rPr lang="hu-HU" dirty="0"/>
+              <a:t> </a:t>
+            </a:r>
+            <a:r>
+              <a:rPr lang="hu-HU" dirty="0" err="1"/>
+              <a:t>that</a:t>
+            </a:r>
+            <a:r>
+              <a:rPr lang="hu-HU" dirty="0"/>
+              <a:t> </a:t>
+            </a:r>
+            <a:r>
+              <a:rPr lang="hu-HU" dirty="0" err="1"/>
+              <a:t>are</a:t>
+            </a:r>
+            <a:r>
+              <a:rPr lang="hu-HU" dirty="0"/>
+              <a:t> </a:t>
+            </a:r>
+            <a:r>
+              <a:rPr lang="hu-HU" dirty="0" err="1"/>
+              <a:t>executed</a:t>
+            </a:r>
+            <a:r>
+              <a:rPr lang="hu-HU" dirty="0"/>
+              <a:t> </a:t>
+            </a:r>
+            <a:r>
+              <a:rPr lang="hu-HU" dirty="0" err="1"/>
+              <a:t>after</a:t>
+            </a:r>
+            <a:r>
+              <a:rPr lang="hu-HU" dirty="0"/>
+              <a:t> </a:t>
+            </a:r>
+            <a:r>
+              <a:rPr lang="hu-HU" dirty="0" err="1"/>
+              <a:t>that</a:t>
+            </a:r>
+            <a:r>
+              <a:rPr lang="hu-HU" dirty="0"/>
+              <a:t> </a:t>
+            </a:r>
+            <a:r>
+              <a:rPr lang="hu-HU" dirty="0" err="1"/>
+              <a:t>certain</a:t>
+            </a:r>
+            <a:r>
+              <a:rPr lang="hu-HU" dirty="0"/>
+              <a:t> </a:t>
+            </a:r>
+            <a:r>
+              <a:rPr lang="hu-HU" dirty="0" err="1"/>
+              <a:t>component</a:t>
+            </a:r>
+            <a:r>
+              <a:rPr lang="hu-HU" dirty="0"/>
+              <a:t>. </a:t>
+            </a:r>
+            <a:r>
+              <a:rPr lang="hu-HU" dirty="0" err="1"/>
+              <a:t>This</a:t>
+            </a:r>
+            <a:r>
+              <a:rPr lang="hu-HU" dirty="0"/>
+              <a:t> </a:t>
+            </a:r>
+            <a:r>
+              <a:rPr lang="hu-HU" dirty="0" err="1"/>
+              <a:t>way</a:t>
+            </a:r>
+            <a:r>
+              <a:rPr lang="hu-HU" dirty="0"/>
+              <a:t>, </a:t>
+            </a:r>
+            <a:r>
+              <a:rPr lang="hu-HU" dirty="0" err="1"/>
+              <a:t>signals</a:t>
+            </a:r>
+            <a:r>
+              <a:rPr lang="hu-HU" dirty="0"/>
+              <a:t> </a:t>
+            </a:r>
+            <a:r>
+              <a:rPr lang="hu-HU" dirty="0" err="1"/>
+              <a:t>are</a:t>
+            </a:r>
+            <a:r>
+              <a:rPr lang="hu-HU" dirty="0"/>
+              <a:t> </a:t>
+            </a:r>
+            <a:r>
+              <a:rPr lang="hu-HU" dirty="0" err="1"/>
+              <a:t>not</a:t>
+            </a:r>
+            <a:r>
+              <a:rPr lang="hu-HU" dirty="0"/>
+              <a:t> </a:t>
+            </a:r>
+            <a:r>
+              <a:rPr lang="hu-HU" dirty="0" err="1"/>
+              <a:t>delayed</a:t>
+            </a:r>
+            <a:r>
+              <a:rPr lang="hu-HU" dirty="0"/>
+              <a:t> </a:t>
+            </a:r>
+            <a:r>
+              <a:rPr lang="hu-HU" dirty="0" err="1"/>
+              <a:t>to</a:t>
+            </a:r>
+            <a:r>
+              <a:rPr lang="hu-HU" dirty="0"/>
+              <a:t> </a:t>
+            </a:r>
+            <a:r>
+              <a:rPr lang="hu-HU" dirty="0" err="1"/>
+              <a:t>ensure</a:t>
+            </a:r>
+            <a:r>
+              <a:rPr lang="hu-HU" dirty="0"/>
+              <a:t> </a:t>
+            </a:r>
+            <a:r>
+              <a:rPr lang="hu-HU" dirty="0" err="1"/>
+              <a:t>concurrent</a:t>
+            </a:r>
+            <a:r>
+              <a:rPr lang="hu-HU" dirty="0"/>
+              <a:t> </a:t>
+            </a:r>
+            <a:r>
+              <a:rPr lang="hu-HU" dirty="0" err="1"/>
+              <a:t>behavior</a:t>
+            </a:r>
+            <a:r>
+              <a:rPr lang="hu-HU" dirty="0"/>
+              <a:t> </a:t>
+            </a:r>
+            <a:r>
+              <a:rPr lang="hu-HU" dirty="0" err="1"/>
+              <a:t>unlike</a:t>
+            </a:r>
+            <a:r>
+              <a:rPr lang="hu-HU" dirty="0"/>
+              <a:t> in </a:t>
+            </a:r>
+            <a:r>
+              <a:rPr lang="hu-HU" dirty="0" err="1"/>
+              <a:t>pure</a:t>
+            </a:r>
+            <a:r>
+              <a:rPr lang="hu-HU" dirty="0"/>
+              <a:t> </a:t>
+            </a:r>
+            <a:r>
+              <a:rPr lang="hu-HU" dirty="0" err="1"/>
+              <a:t>synchronous</a:t>
+            </a:r>
+            <a:r>
+              <a:rPr lang="hu-HU" dirty="0"/>
+              <a:t> </a:t>
+            </a:r>
+            <a:r>
+              <a:rPr lang="hu-HU" dirty="0" err="1"/>
+              <a:t>semantics</a:t>
+            </a:r>
+            <a:r>
+              <a:rPr lang="hu-HU" dirty="0"/>
+              <a:t>.</a:t>
+            </a:r>
+          </a:p>
+          <a:p>
+            <a:r>
+              <a:rPr lang="hu-HU" dirty="0"/>
+              <a:t> („ANIMATION”)X4</a:t>
+            </a:r>
+          </a:p>
+          <a:p>
+            <a:r>
+              <a:rPr lang="hu-HU" dirty="0" err="1"/>
+              <a:t>This</a:t>
+            </a:r>
+            <a:r>
+              <a:rPr lang="hu-HU" dirty="0"/>
+              <a:t> </a:t>
+            </a:r>
+            <a:r>
+              <a:rPr lang="hu-HU" dirty="0" err="1"/>
+              <a:t>semantics</a:t>
+            </a:r>
+            <a:r>
+              <a:rPr lang="hu-HU" dirty="0"/>
+              <a:t> is </a:t>
+            </a:r>
+            <a:r>
+              <a:rPr lang="hu-HU" dirty="0" err="1"/>
+              <a:t>suitable</a:t>
+            </a:r>
+            <a:r>
+              <a:rPr lang="hu-HU" dirty="0"/>
+              <a:t> </a:t>
+            </a:r>
+            <a:r>
+              <a:rPr lang="hu-HU" dirty="0" err="1"/>
+              <a:t>for</a:t>
+            </a:r>
+            <a:r>
+              <a:rPr lang="hu-HU" dirty="0"/>
+              <a:t> </a:t>
+            </a:r>
+            <a:r>
+              <a:rPr lang="hu-HU" dirty="0" err="1"/>
+              <a:t>the</a:t>
+            </a:r>
+            <a:r>
+              <a:rPr lang="hu-HU" dirty="0"/>
+              <a:t> </a:t>
+            </a:r>
+            <a:r>
+              <a:rPr lang="hu-HU" dirty="0" err="1"/>
+              <a:t>description</a:t>
+            </a:r>
+            <a:r>
+              <a:rPr lang="hu-HU" dirty="0"/>
+              <a:t> of </a:t>
             </a:r>
             <a:r>
               <a:rPr lang="hu-HU" dirty="0" err="1"/>
@@ -1500,16 +1907,327 @@
             </a:r>
             <a:r>
               <a:rPr lang="hu-HU" dirty="0"/>
-              <a:t> jellegű rendszerek leírására alkalmas, ahol a komponensek mint szűrők szerepelnek. Tehát ilyen modellekben lényegében adatfolyam definiálása, adatfeldolgozás történik.</a:t>
-            </a:r>
-          </a:p>
-          <a:p>
-            <a:endParaRPr lang="hu-HU" dirty="0"/>
-          </a:p>
-          <a:p>
+              <a:t>-like </a:t>
+            </a:r>
+            <a:r>
+              <a:rPr lang="hu-HU" dirty="0" err="1"/>
+              <a:t>systems</a:t>
+            </a:r>
             <a:r>
               <a:rPr lang="hu-HU" dirty="0"/>
-              <a:t>Ilyen szemantikával modellezhető egy modern autó szenzor adatainak a transzformálása és továbbítása. Az ilyen adatok több feldolgozó csomóponton haladhatnak keresztül és több célpontjuk is lehet.</a:t>
+              <a:t> </a:t>
+            </a:r>
+            <a:r>
+              <a:rPr lang="hu-HU" dirty="0" err="1"/>
+              <a:t>where</a:t>
+            </a:r>
+            <a:r>
+              <a:rPr lang="hu-HU" dirty="0"/>
+              <a:t> </a:t>
+            </a:r>
+            <a:r>
+              <a:rPr lang="hu-HU" dirty="0" err="1"/>
+              <a:t>the</a:t>
+            </a:r>
+            <a:r>
+              <a:rPr lang="hu-HU" dirty="0"/>
+              <a:t> </a:t>
+            </a:r>
+            <a:r>
+              <a:rPr lang="hu-HU" dirty="0" err="1"/>
+              <a:t>components</a:t>
+            </a:r>
+            <a:r>
+              <a:rPr lang="hu-HU" dirty="0"/>
+              <a:t> </a:t>
+            </a:r>
+            <a:r>
+              <a:rPr lang="hu-HU" dirty="0" err="1"/>
+              <a:t>serve</a:t>
+            </a:r>
+            <a:r>
+              <a:rPr lang="hu-HU" dirty="0"/>
+              <a:t> </a:t>
+            </a:r>
+            <a:r>
+              <a:rPr lang="hu-HU" dirty="0" err="1"/>
+              <a:t>as</a:t>
+            </a:r>
+            <a:r>
+              <a:rPr lang="hu-HU" dirty="0"/>
+              <a:t> filters. </a:t>
+            </a:r>
+            <a:r>
+              <a:rPr lang="hu-HU" dirty="0" err="1"/>
+              <a:t>Thus</a:t>
+            </a:r>
+            <a:r>
+              <a:rPr lang="hu-HU" dirty="0"/>
+              <a:t>, </a:t>
+            </a:r>
+            <a:r>
+              <a:rPr lang="hu-HU" dirty="0" err="1"/>
+              <a:t>such</a:t>
+            </a:r>
+            <a:r>
+              <a:rPr lang="hu-HU" dirty="0"/>
+              <a:t> </a:t>
+            </a:r>
+            <a:r>
+              <a:rPr lang="hu-HU" dirty="0" err="1"/>
+              <a:t>models</a:t>
+            </a:r>
+            <a:r>
+              <a:rPr lang="hu-HU" dirty="0"/>
+              <a:t> </a:t>
+            </a:r>
+            <a:r>
+              <a:rPr lang="hu-HU" dirty="0" err="1"/>
+              <a:t>define</a:t>
+            </a:r>
+            <a:r>
+              <a:rPr lang="hu-HU" dirty="0"/>
+              <a:t> </a:t>
+            </a:r>
+            <a:r>
+              <a:rPr lang="hu-HU" dirty="0" err="1"/>
+              <a:t>data</a:t>
+            </a:r>
+            <a:r>
+              <a:rPr lang="hu-HU" dirty="0"/>
+              <a:t>-flow </a:t>
+            </a:r>
+            <a:r>
+              <a:rPr lang="hu-HU" dirty="0" err="1"/>
+              <a:t>or</a:t>
+            </a:r>
+            <a:r>
+              <a:rPr lang="hu-HU" dirty="0"/>
+              <a:t> </a:t>
+            </a:r>
+            <a:r>
+              <a:rPr lang="hu-HU" dirty="0" err="1"/>
+              <a:t>data-process</a:t>
+            </a:r>
+            <a:r>
+              <a:rPr lang="hu-HU" dirty="0"/>
+              <a:t>.</a:t>
+            </a:r>
+          </a:p>
+          <a:p>
+            <a:r>
+              <a:rPr lang="hu-HU" dirty="0"/>
+              <a:t> („ANIMATION”)</a:t>
+            </a:r>
+          </a:p>
+          <a:p>
+            <a:r>
+              <a:rPr lang="hu-HU" dirty="0" err="1"/>
+              <a:t>This</a:t>
+            </a:r>
+            <a:r>
+              <a:rPr lang="hu-HU" dirty="0"/>
+              <a:t> </a:t>
+            </a:r>
+            <a:r>
+              <a:rPr lang="hu-HU" dirty="0" err="1"/>
+              <a:t>semantics</a:t>
+            </a:r>
+            <a:r>
+              <a:rPr lang="hu-HU" dirty="0"/>
+              <a:t> </a:t>
+            </a:r>
+            <a:r>
+              <a:rPr lang="hu-HU" dirty="0" err="1"/>
+              <a:t>could</a:t>
+            </a:r>
+            <a:r>
+              <a:rPr lang="hu-HU" dirty="0"/>
+              <a:t> be </a:t>
+            </a:r>
+            <a:r>
+              <a:rPr lang="hu-HU" dirty="0" err="1"/>
+              <a:t>used</a:t>
+            </a:r>
+            <a:r>
+              <a:rPr lang="hu-HU" dirty="0"/>
+              <a:t> </a:t>
+            </a:r>
+            <a:r>
+              <a:rPr lang="hu-HU" dirty="0" err="1"/>
+              <a:t>to</a:t>
+            </a:r>
+            <a:r>
+              <a:rPr lang="hu-HU" dirty="0"/>
+              <a:t> </a:t>
+            </a:r>
+            <a:r>
+              <a:rPr lang="hu-HU" dirty="0" err="1"/>
+              <a:t>model</a:t>
+            </a:r>
+            <a:r>
+              <a:rPr lang="hu-HU" dirty="0"/>
+              <a:t> </a:t>
+            </a:r>
+            <a:r>
+              <a:rPr lang="hu-HU" dirty="0" err="1"/>
+              <a:t>the</a:t>
+            </a:r>
+            <a:r>
+              <a:rPr lang="hu-HU" dirty="0"/>
+              <a:t> </a:t>
+            </a:r>
+            <a:r>
+              <a:rPr lang="hu-HU" dirty="0" err="1"/>
+              <a:t>dispatch</a:t>
+            </a:r>
+            <a:r>
+              <a:rPr lang="hu-HU" dirty="0"/>
+              <a:t> and </a:t>
+            </a:r>
+            <a:r>
+              <a:rPr lang="hu-HU" dirty="0" err="1"/>
+              <a:t>transformation</a:t>
+            </a:r>
+            <a:r>
+              <a:rPr lang="hu-HU" dirty="0"/>
+              <a:t> of </a:t>
+            </a:r>
+            <a:r>
+              <a:rPr lang="hu-HU" dirty="0" err="1"/>
+              <a:t>data</a:t>
+            </a:r>
+            <a:r>
+              <a:rPr lang="hu-HU" dirty="0"/>
+              <a:t> </a:t>
+            </a:r>
+            <a:r>
+              <a:rPr lang="hu-HU" dirty="0" err="1"/>
+              <a:t>originating</a:t>
+            </a:r>
+            <a:r>
+              <a:rPr lang="hu-HU" dirty="0"/>
+              <a:t> </a:t>
+            </a:r>
+            <a:r>
+              <a:rPr lang="hu-HU" dirty="0" err="1"/>
+              <a:t>from</a:t>
+            </a:r>
+            <a:r>
+              <a:rPr lang="hu-HU" dirty="0"/>
+              <a:t> </a:t>
+            </a:r>
+            <a:r>
+              <a:rPr lang="hu-HU" dirty="0" err="1"/>
+              <a:t>the</a:t>
+            </a:r>
+            <a:r>
+              <a:rPr lang="hu-HU" dirty="0"/>
+              <a:t> </a:t>
+            </a:r>
+            <a:r>
+              <a:rPr lang="hu-HU" dirty="0" err="1"/>
+              <a:t>sensors</a:t>
+            </a:r>
+            <a:r>
+              <a:rPr lang="hu-HU" dirty="0"/>
+              <a:t> of a modern </a:t>
+            </a:r>
+            <a:r>
+              <a:rPr lang="hu-HU" dirty="0" err="1"/>
+              <a:t>car</a:t>
+            </a:r>
+            <a:r>
+              <a:rPr lang="hu-HU" dirty="0"/>
+              <a:t>. </a:t>
+            </a:r>
+            <a:r>
+              <a:rPr lang="hu-HU" dirty="0" err="1"/>
+              <a:t>Such</a:t>
+            </a:r>
+            <a:r>
+              <a:rPr lang="hu-HU" dirty="0"/>
+              <a:t> </a:t>
+            </a:r>
+            <a:r>
+              <a:rPr lang="hu-HU" dirty="0" err="1"/>
+              <a:t>data</a:t>
+            </a:r>
+            <a:r>
+              <a:rPr lang="hu-HU" dirty="0"/>
+              <a:t> </a:t>
+            </a:r>
+            <a:r>
+              <a:rPr lang="hu-HU" dirty="0" err="1"/>
+              <a:t>travel</a:t>
+            </a:r>
+            <a:r>
+              <a:rPr lang="hu-HU" dirty="0"/>
+              <a:t> </a:t>
+            </a:r>
+            <a:r>
+              <a:rPr lang="hu-HU" dirty="0" err="1"/>
+              <a:t>thorugh</a:t>
+            </a:r>
+            <a:r>
+              <a:rPr lang="hu-HU" dirty="0"/>
+              <a:t> </a:t>
+            </a:r>
+            <a:r>
+              <a:rPr lang="hu-HU" dirty="0" err="1"/>
+              <a:t>multiple</a:t>
+            </a:r>
+            <a:r>
+              <a:rPr lang="hu-HU" dirty="0"/>
+              <a:t> </a:t>
+            </a:r>
+            <a:r>
+              <a:rPr lang="hu-HU" dirty="0" err="1"/>
+              <a:t>processing</a:t>
+            </a:r>
+            <a:r>
+              <a:rPr lang="hu-HU" dirty="0"/>
+              <a:t> </a:t>
+            </a:r>
+            <a:r>
+              <a:rPr lang="hu-HU" dirty="0" err="1"/>
+              <a:t>nodes</a:t>
+            </a:r>
+            <a:r>
+              <a:rPr lang="hu-HU" dirty="0"/>
+              <a:t> and </a:t>
+            </a:r>
+            <a:r>
+              <a:rPr lang="hu-HU" dirty="0" err="1"/>
+              <a:t>can</a:t>
+            </a:r>
+            <a:r>
+              <a:rPr lang="hu-HU" dirty="0"/>
+              <a:t> </a:t>
+            </a:r>
+            <a:r>
+              <a:rPr lang="hu-HU" dirty="0" err="1"/>
+              <a:t>have</a:t>
+            </a:r>
+            <a:r>
+              <a:rPr lang="hu-HU" dirty="0"/>
+              <a:t> </a:t>
+            </a:r>
+            <a:r>
+              <a:rPr lang="hu-HU" dirty="0" err="1"/>
+              <a:t>multiple</a:t>
+            </a:r>
+            <a:r>
+              <a:rPr lang="hu-HU" dirty="0"/>
+              <a:t> </a:t>
+            </a:r>
+            <a:r>
+              <a:rPr lang="hu-HU" dirty="0" err="1"/>
+              <a:t>targets</a:t>
+            </a:r>
+            <a:r>
+              <a:rPr lang="hu-HU" dirty="0"/>
+              <a:t>..</a:t>
             </a:r>
             <a:endParaRPr lang="en-US" dirty="0"/>
           </a:p>
@@ -5317,8 +6035,100 @@
           <a:lstStyle/>
           <a:p>
             <a:r>
+              <a:rPr lang="hu-HU" dirty="0" err="1"/>
+              <a:t>There</a:t>
+            </a:r>
+            <a:r>
               <a:rPr lang="hu-HU" dirty="0"/>
-              <a:t>Több modellezési nyelv létezik, amely a komponens alapú tervezést támogatja. A TDK dolgozatomban a </a:t>
+              <a:t> </a:t>
+            </a:r>
+            <a:r>
+              <a:rPr lang="hu-HU" dirty="0" err="1"/>
+              <a:t>are</a:t>
+            </a:r>
+            <a:r>
+              <a:rPr lang="hu-HU" dirty="0"/>
+              <a:t> </a:t>
+            </a:r>
+            <a:r>
+              <a:rPr lang="hu-HU" dirty="0" err="1"/>
+              <a:t>several</a:t>
+            </a:r>
+            <a:r>
+              <a:rPr lang="hu-HU" dirty="0"/>
+              <a:t> </a:t>
+            </a:r>
+            <a:r>
+              <a:rPr lang="hu-HU" dirty="0" err="1"/>
+              <a:t>modeling</a:t>
+            </a:r>
+            <a:r>
+              <a:rPr lang="hu-HU" dirty="0"/>
+              <a:t> </a:t>
+            </a:r>
+            <a:r>
+              <a:rPr lang="hu-HU" dirty="0" err="1"/>
+              <a:t>languages</a:t>
+            </a:r>
+            <a:r>
+              <a:rPr lang="hu-HU" dirty="0"/>
+              <a:t> </a:t>
+            </a:r>
+            <a:r>
+              <a:rPr lang="hu-HU" dirty="0" err="1"/>
+              <a:t>that</a:t>
+            </a:r>
+            <a:r>
+              <a:rPr lang="hu-HU" dirty="0"/>
+              <a:t> </a:t>
+            </a:r>
+            <a:r>
+              <a:rPr lang="hu-HU" dirty="0" err="1"/>
+              <a:t>support</a:t>
+            </a:r>
+            <a:r>
+              <a:rPr lang="hu-HU" dirty="0"/>
+              <a:t> </a:t>
+            </a:r>
+            <a:r>
+              <a:rPr lang="hu-HU" dirty="0" err="1"/>
+              <a:t>component-based</a:t>
+            </a:r>
+            <a:r>
+              <a:rPr lang="hu-HU" dirty="0"/>
+              <a:t> design. Here I am </a:t>
+            </a:r>
+            <a:r>
+              <a:rPr lang="hu-HU" dirty="0" err="1"/>
+              <a:t>going</a:t>
+            </a:r>
+            <a:r>
+              <a:rPr lang="hu-HU" dirty="0"/>
+              <a:t> </a:t>
+            </a:r>
+            <a:r>
+              <a:rPr lang="hu-HU" dirty="0" err="1"/>
+              <a:t>to</a:t>
+            </a:r>
+            <a:r>
+              <a:rPr lang="hu-HU" dirty="0"/>
+              <a:t> </a:t>
+            </a:r>
+            <a:r>
+              <a:rPr lang="hu-HU" dirty="0" err="1"/>
+              <a:t>talk</a:t>
+            </a:r>
+            <a:r>
+              <a:rPr lang="hu-HU" dirty="0"/>
+              <a:t> </a:t>
+            </a:r>
+            <a:r>
+              <a:rPr lang="hu-HU" dirty="0" err="1"/>
+              <a:t>about</a:t>
+            </a:r>
+            <a:r>
+              <a:rPr lang="hu-HU" dirty="0"/>
+              <a:t> </a:t>
             </a:r>
             <a:r>
               <a:rPr lang="hu-HU" dirty="0" err="1"/>
@@ -5326,7 +6136,7 @@
             </a:r>
             <a:r>
               <a:rPr lang="hu-HU" dirty="0"/>
-              <a:t>, BIP és </a:t>
+              <a:t>, BIP, and </a:t>
             </a:r>
             <a:r>
               <a:rPr lang="hu-HU" dirty="0" err="1"/>
@@ -5334,27 +6144,271 @@
             </a:r>
             <a:r>
               <a:rPr lang="hu-HU" dirty="0"/>
-              <a:t> nyelveket mutattam be.</a:t>
-            </a:r>
-          </a:p>
-          <a:p>
-            <a:r>
-              <a:rPr lang="hu-HU" dirty="0"/>
-              <a:t>A </a:t>
-            </a:r>
+              <a:t>. </a:t>
+            </a:r>
+          </a:p>
+          <a:p>
             <a:r>
               <a:rPr lang="hu-HU" dirty="0" err="1"/>
               <a:t>Ptolemy</a:t>
             </a:r>
             <a:r>
               <a:rPr lang="hu-HU" dirty="0"/>
-              <a:t> többféle hierarchikus kompozíciót is támogat, illetve ezeknek a vegyítését. Sajnos kódgenerálást nem biztosít.</a:t>
-            </a:r>
-          </a:p>
-          <a:p>
+              <a:t> </a:t>
+            </a:r>
+            <a:r>
+              <a:rPr lang="hu-HU" dirty="0" err="1"/>
+              <a:t>supports</a:t>
+            </a:r>
             <a:r>
               <a:rPr lang="hu-HU" dirty="0"/>
-              <a:t>A BIP formális verifikációt támogat a Petri-háló formalizmusra építve, és lehetővé teszi többféle modell, pl. </a:t>
+              <a:t> </a:t>
+            </a:r>
+            <a:r>
+              <a:rPr lang="hu-HU" dirty="0" err="1"/>
+              <a:t>hierarchical</a:t>
+            </a:r>
+            <a:r>
+              <a:rPr lang="hu-HU" dirty="0"/>
+              <a:t> </a:t>
+            </a:r>
+            <a:r>
+              <a:rPr lang="hu-HU" dirty="0" err="1"/>
+              <a:t>composition</a:t>
+            </a:r>
+            <a:r>
+              <a:rPr lang="hu-HU" dirty="0"/>
+              <a:t> </a:t>
+            </a:r>
+            <a:r>
+              <a:rPr lang="hu-HU" dirty="0" err="1"/>
+              <a:t>with</a:t>
+            </a:r>
+            <a:r>
+              <a:rPr lang="hu-HU" dirty="0"/>
+              <a:t> </a:t>
+            </a:r>
+            <a:r>
+              <a:rPr lang="hu-HU" dirty="0" err="1"/>
+              <a:t>multiple</a:t>
+            </a:r>
+            <a:r>
+              <a:rPr lang="hu-HU" dirty="0"/>
+              <a:t> </a:t>
+            </a:r>
+            <a:r>
+              <a:rPr lang="hu-HU" dirty="0" err="1"/>
+              <a:t>semantics</a:t>
+            </a:r>
+            <a:r>
+              <a:rPr lang="hu-HU" dirty="0"/>
+              <a:t>. </a:t>
+            </a:r>
+            <a:r>
+              <a:rPr lang="hu-HU" dirty="0" err="1"/>
+              <a:t>Unfortunately</a:t>
+            </a:r>
+            <a:r>
+              <a:rPr lang="hu-HU" dirty="0"/>
+              <a:t>, </a:t>
+            </a:r>
+            <a:r>
+              <a:rPr lang="hu-HU" dirty="0" err="1"/>
+              <a:t>it</a:t>
+            </a:r>
+            <a:r>
+              <a:rPr lang="hu-HU" dirty="0"/>
+              <a:t> </a:t>
+            </a:r>
+            <a:r>
+              <a:rPr lang="hu-HU" dirty="0" err="1"/>
+              <a:t>does</a:t>
+            </a:r>
+            <a:r>
+              <a:rPr lang="hu-HU" dirty="0"/>
+              <a:t> </a:t>
+            </a:r>
+            <a:r>
+              <a:rPr lang="hu-HU" dirty="0" err="1"/>
+              <a:t>not</a:t>
+            </a:r>
+            <a:r>
+              <a:rPr lang="hu-HU" dirty="0"/>
+              <a:t> </a:t>
+            </a:r>
+            <a:r>
+              <a:rPr lang="hu-HU" dirty="0" err="1"/>
+              <a:t>support</a:t>
+            </a:r>
+            <a:r>
+              <a:rPr lang="hu-HU" dirty="0"/>
+              <a:t> </a:t>
+            </a:r>
+            <a:r>
+              <a:rPr lang="hu-HU" dirty="0" err="1"/>
+              <a:t>code</a:t>
+            </a:r>
+            <a:r>
+              <a:rPr lang="hu-HU" dirty="0"/>
+              <a:t> </a:t>
+            </a:r>
+            <a:r>
+              <a:rPr lang="hu-HU" dirty="0" err="1"/>
+              <a:t>generation</a:t>
+            </a:r>
+            <a:r>
+              <a:rPr lang="hu-HU" dirty="0"/>
+              <a:t>.</a:t>
+            </a:r>
+          </a:p>
+          <a:p>
+            <a:r>
+              <a:rPr lang="hu-HU" dirty="0"/>
+              <a:t>BIP </a:t>
+            </a:r>
+            <a:r>
+              <a:rPr lang="hu-HU" dirty="0" err="1"/>
+              <a:t>supports</a:t>
+            </a:r>
+            <a:r>
+              <a:rPr lang="hu-HU" dirty="0"/>
+              <a:t> </a:t>
+            </a:r>
+            <a:r>
+              <a:rPr lang="hu-HU" dirty="0" err="1"/>
+              <a:t>formal</a:t>
+            </a:r>
+            <a:r>
+              <a:rPr lang="hu-HU" dirty="0"/>
+              <a:t> </a:t>
+            </a:r>
+            <a:r>
+              <a:rPr lang="hu-HU" dirty="0" err="1"/>
+              <a:t>verification</a:t>
+            </a:r>
+            <a:r>
+              <a:rPr lang="hu-HU" dirty="0"/>
+              <a:t> </a:t>
+            </a:r>
+            <a:r>
+              <a:rPr lang="hu-HU" dirty="0" err="1"/>
+              <a:t>on</a:t>
+            </a:r>
+            <a:r>
+              <a:rPr lang="hu-HU" dirty="0"/>
+              <a:t> </a:t>
+            </a:r>
+            <a:r>
+              <a:rPr lang="hu-HU" dirty="0" err="1"/>
+              <a:t>the</a:t>
+            </a:r>
+            <a:r>
+              <a:rPr lang="hu-HU" dirty="0"/>
+              <a:t> </a:t>
+            </a:r>
+            <a:r>
+              <a:rPr lang="hu-HU" dirty="0" err="1"/>
+              <a:t>basis</a:t>
+            </a:r>
+            <a:r>
+              <a:rPr lang="hu-HU" dirty="0"/>
+              <a:t> of Petri-</a:t>
+            </a:r>
+            <a:r>
+              <a:rPr lang="hu-HU" dirty="0" err="1"/>
+              <a:t>Nets</a:t>
+            </a:r>
+            <a:r>
+              <a:rPr lang="hu-HU" dirty="0"/>
+              <a:t>. Moreover, </a:t>
+            </a:r>
+            <a:r>
+              <a:rPr lang="hu-HU" dirty="0" err="1"/>
+              <a:t>it</a:t>
+            </a:r>
+            <a:r>
+              <a:rPr lang="hu-HU" dirty="0"/>
+              <a:t> </a:t>
+            </a:r>
+            <a:r>
+              <a:rPr lang="hu-HU" dirty="0" err="1"/>
+              <a:t>enables</a:t>
+            </a:r>
+            <a:r>
+              <a:rPr lang="hu-HU" dirty="0"/>
+              <a:t> </a:t>
+            </a:r>
+            <a:r>
+              <a:rPr lang="hu-HU" dirty="0" err="1"/>
+              <a:t>the</a:t>
+            </a:r>
+            <a:r>
+              <a:rPr lang="hu-HU" dirty="0"/>
+              <a:t> import of </a:t>
+            </a:r>
+            <a:r>
+              <a:rPr lang="hu-HU" dirty="0" err="1"/>
+              <a:t>models</a:t>
+            </a:r>
+            <a:r>
+              <a:rPr lang="hu-HU" dirty="0"/>
+              <a:t> </a:t>
+            </a:r>
+            <a:r>
+              <a:rPr lang="hu-HU" dirty="0" err="1"/>
+              <a:t>from</a:t>
+            </a:r>
+            <a:r>
+              <a:rPr lang="hu-HU" dirty="0"/>
+              <a:t> </a:t>
+            </a:r>
+            <a:r>
+              <a:rPr lang="hu-HU" dirty="0" err="1"/>
+              <a:t>other</a:t>
+            </a:r>
+            <a:r>
+              <a:rPr lang="hu-HU" dirty="0"/>
+              <a:t> </a:t>
+            </a:r>
+            <a:r>
+              <a:rPr lang="hu-HU" dirty="0" err="1"/>
+              <a:t>engineering</a:t>
+            </a:r>
+            <a:r>
+              <a:rPr lang="hu-HU" dirty="0"/>
+              <a:t> </a:t>
+            </a:r>
+            <a:r>
+              <a:rPr lang="hu-HU" dirty="0" err="1"/>
+              <a:t>modeling</a:t>
+            </a:r>
+            <a:r>
+              <a:rPr lang="hu-HU" dirty="0"/>
+              <a:t> </a:t>
+            </a:r>
+            <a:r>
+              <a:rPr lang="hu-HU" dirty="0" err="1"/>
+              <a:t>languages</a:t>
+            </a:r>
+            <a:r>
+              <a:rPr lang="hu-HU" dirty="0"/>
+              <a:t>, </a:t>
+            </a:r>
+            <a:r>
+              <a:rPr lang="hu-HU" dirty="0" err="1"/>
+              <a:t>for</a:t>
+            </a:r>
+            <a:r>
+              <a:rPr lang="hu-HU" dirty="0"/>
+              <a:t> </a:t>
+            </a:r>
+            <a:r>
+              <a:rPr lang="hu-HU" dirty="0" err="1"/>
+              <a:t>example</a:t>
+            </a:r>
+            <a:r>
+              <a:rPr lang="hu-HU" dirty="0"/>
+              <a:t> </a:t>
             </a:r>
             <a:r>
               <a:rPr lang="hu-HU" dirty="0" err="1"/>
@@ -5362,30 +6416,401 @@
             </a:r>
             <a:r>
               <a:rPr lang="hu-HU" dirty="0"/>
-              <a:t>, AADL modellek importálását is. A Petri-háló alacsony szintű formalizmus, így komplex modellek leírására, mérnöki tervezésre kevésbé alkalmas.</a:t>
-            </a:r>
-          </a:p>
-          <a:p>
+              <a:t> and AADL. Petri-</a:t>
+            </a:r>
+            <a:r>
+              <a:rPr lang="hu-HU" dirty="0" err="1"/>
+              <a:t>Nets</a:t>
+            </a:r>
             <a:r>
               <a:rPr lang="hu-HU" dirty="0"/>
-              <a:t>A </a:t>
-            </a:r>
+              <a:t> is a </a:t>
+            </a:r>
+            <a:r>
+              <a:rPr lang="hu-HU" dirty="0" err="1"/>
+              <a:t>low-level</a:t>
+            </a:r>
+            <a:r>
+              <a:rPr lang="hu-HU" dirty="0"/>
+              <a:t> </a:t>
+            </a:r>
+            <a:r>
+              <a:rPr lang="hu-HU" dirty="0" err="1"/>
+              <a:t>formalism</a:t>
+            </a:r>
+            <a:r>
+              <a:rPr lang="hu-HU" dirty="0"/>
+              <a:t> </a:t>
+            </a:r>
+            <a:r>
+              <a:rPr lang="hu-HU" dirty="0" err="1"/>
+              <a:t>not</a:t>
+            </a:r>
+            <a:r>
+              <a:rPr lang="hu-HU" dirty="0"/>
+              <a:t> </a:t>
+            </a:r>
+            <a:r>
+              <a:rPr lang="hu-HU" dirty="0" err="1"/>
+              <a:t>suitable</a:t>
+            </a:r>
+            <a:r>
+              <a:rPr lang="hu-HU" dirty="0"/>
+              <a:t> </a:t>
+            </a:r>
+            <a:r>
+              <a:rPr lang="hu-HU" dirty="0" err="1"/>
+              <a:t>for</a:t>
+            </a:r>
+            <a:r>
+              <a:rPr lang="hu-HU" dirty="0"/>
+              <a:t> </a:t>
+            </a:r>
+            <a:r>
+              <a:rPr lang="hu-HU" dirty="0" err="1"/>
+              <a:t>the</a:t>
+            </a:r>
+            <a:r>
+              <a:rPr lang="hu-HU" dirty="0"/>
+              <a:t> </a:t>
+            </a:r>
+            <a:r>
+              <a:rPr lang="hu-HU" dirty="0" err="1"/>
+              <a:t>definition</a:t>
+            </a:r>
+            <a:r>
+              <a:rPr lang="hu-HU" dirty="0"/>
+              <a:t> of </a:t>
+            </a:r>
+            <a:r>
+              <a:rPr lang="hu-HU" dirty="0" err="1"/>
+              <a:t>complex</a:t>
+            </a:r>
+            <a:r>
+              <a:rPr lang="hu-HU" dirty="0"/>
+              <a:t> </a:t>
+            </a:r>
+            <a:r>
+              <a:rPr lang="hu-HU" dirty="0" err="1"/>
+              <a:t>models</a:t>
+            </a:r>
+            <a:r>
+              <a:rPr lang="hu-HU" dirty="0"/>
+              <a:t>. </a:t>
+            </a:r>
+          </a:p>
+          <a:p>
             <a:r>
               <a:rPr lang="hu-HU" dirty="0" err="1"/>
               <a:t>Stateflow</a:t>
             </a:r>
             <a:r>
               <a:rPr lang="hu-HU" dirty="0"/>
-              <a:t> állapotgépek kompozícióját, a kapott modellek szimulációját, és kódgenerálást támogat. Sajnos ez egy kommerciális eszköz, és nem bővíthető.</a:t>
-            </a:r>
-          </a:p>
-          <a:p>
-            <a:endParaRPr lang="hu-HU" dirty="0"/>
-          </a:p>
-          <a:p>
+              <a:t> </a:t>
+            </a:r>
+            <a:r>
+              <a:rPr lang="hu-HU" dirty="0" err="1"/>
+              <a:t>supports</a:t>
+            </a:r>
             <a:r>
               <a:rPr lang="hu-HU" dirty="0"/>
-              <a:t>A célom a jelen előadásban bemutatott Gamma keretrendszerrel a fenti eszközök erőségeiből ihletet merítve egy állapotgép alapú hierarchikus kompozíciót támogató modellezési keretrendszer létrehozása.</a:t>
+              <a:t> </a:t>
+            </a:r>
+            <a:r>
+              <a:rPr lang="hu-HU" dirty="0" err="1"/>
+              <a:t>the</a:t>
+            </a:r>
+            <a:r>
+              <a:rPr lang="hu-HU" dirty="0"/>
+              <a:t> </a:t>
+            </a:r>
+            <a:r>
+              <a:rPr lang="hu-HU" dirty="0" err="1"/>
+              <a:t>composition</a:t>
+            </a:r>
+            <a:r>
+              <a:rPr lang="hu-HU" dirty="0"/>
+              <a:t> of </a:t>
+            </a:r>
+            <a:r>
+              <a:rPr lang="hu-HU" dirty="0" err="1"/>
+              <a:t>statcharts</a:t>
+            </a:r>
+            <a:r>
+              <a:rPr lang="hu-HU" dirty="0"/>
+              <a:t>, </a:t>
+            </a:r>
+            <a:r>
+              <a:rPr lang="hu-HU" dirty="0" err="1"/>
+              <a:t>the</a:t>
+            </a:r>
+            <a:r>
+              <a:rPr lang="hu-HU" dirty="0"/>
+              <a:t> </a:t>
+            </a:r>
+            <a:r>
+              <a:rPr lang="hu-HU" dirty="0" err="1"/>
+              <a:t>simulation</a:t>
+            </a:r>
+            <a:r>
+              <a:rPr lang="hu-HU" dirty="0"/>
+              <a:t> of </a:t>
+            </a:r>
+            <a:r>
+              <a:rPr lang="hu-HU" dirty="0" err="1"/>
+              <a:t>the</a:t>
+            </a:r>
+            <a:r>
+              <a:rPr lang="hu-HU" dirty="0"/>
+              <a:t> </a:t>
+            </a:r>
+            <a:r>
+              <a:rPr lang="hu-HU" dirty="0" err="1"/>
+              <a:t>resulting</a:t>
+            </a:r>
+            <a:r>
+              <a:rPr lang="hu-HU" dirty="0"/>
+              <a:t> </a:t>
+            </a:r>
+            <a:r>
+              <a:rPr lang="hu-HU" dirty="0" err="1"/>
+              <a:t>models</a:t>
+            </a:r>
+            <a:r>
+              <a:rPr lang="hu-HU" dirty="0"/>
+              <a:t> and </a:t>
+            </a:r>
+            <a:r>
+              <a:rPr lang="hu-HU" dirty="0" err="1"/>
+              <a:t>code</a:t>
+            </a:r>
+            <a:r>
+              <a:rPr lang="hu-HU" dirty="0"/>
+              <a:t> </a:t>
+            </a:r>
+            <a:r>
+              <a:rPr lang="hu-HU" dirty="0" err="1"/>
+              <a:t>generation</a:t>
+            </a:r>
+            <a:r>
+              <a:rPr lang="hu-HU" dirty="0"/>
+              <a:t>. </a:t>
+            </a:r>
+            <a:r>
+              <a:rPr lang="hu-HU" dirty="0" err="1"/>
+              <a:t>Unfortunately</a:t>
+            </a:r>
+            <a:r>
+              <a:rPr lang="hu-HU" dirty="0"/>
+              <a:t>, </a:t>
+            </a:r>
+            <a:r>
+              <a:rPr lang="hu-HU" dirty="0" err="1"/>
+              <a:t>Stateflow</a:t>
+            </a:r>
+            <a:r>
+              <a:rPr lang="hu-HU" dirty="0"/>
+              <a:t> is a </a:t>
+            </a:r>
+            <a:r>
+              <a:rPr lang="hu-HU" dirty="0" err="1"/>
+              <a:t>commercial</a:t>
+            </a:r>
+            <a:r>
+              <a:rPr lang="hu-HU" dirty="0"/>
+              <a:t> </a:t>
+            </a:r>
+            <a:r>
+              <a:rPr lang="hu-HU" dirty="0" err="1"/>
+              <a:t>tool</a:t>
+            </a:r>
+            <a:r>
+              <a:rPr lang="hu-HU" dirty="0"/>
+              <a:t>, and is </a:t>
+            </a:r>
+            <a:r>
+              <a:rPr lang="hu-HU" dirty="0" err="1"/>
+              <a:t>not</a:t>
+            </a:r>
+            <a:r>
+              <a:rPr lang="hu-HU" dirty="0"/>
+              <a:t> </a:t>
+            </a:r>
+            <a:r>
+              <a:rPr lang="hu-HU" dirty="0" err="1"/>
+              <a:t>extensible</a:t>
+            </a:r>
+            <a:r>
+              <a:rPr lang="hu-HU" dirty="0"/>
+              <a:t>.</a:t>
+            </a:r>
+          </a:p>
+          <a:p>
+            <a:r>
+              <a:rPr lang="hu-HU" sz="1200" dirty="0"/>
+              <a:t>(„ANIMATION”)</a:t>
+            </a:r>
+          </a:p>
+          <a:p>
+            <a:r>
+              <a:rPr lang="hu-HU" dirty="0" err="1"/>
+              <a:t>Our</a:t>
+            </a:r>
+            <a:r>
+              <a:rPr lang="hu-HU" dirty="0"/>
+              <a:t> </a:t>
+            </a:r>
+            <a:r>
+              <a:rPr lang="hu-HU" dirty="0" err="1"/>
+              <a:t>goal</a:t>
+            </a:r>
+            <a:r>
+              <a:rPr lang="hu-HU" dirty="0"/>
+              <a:t> </a:t>
+            </a:r>
+            <a:r>
+              <a:rPr lang="hu-HU" dirty="0" err="1"/>
+              <a:t>with</a:t>
+            </a:r>
+            <a:r>
+              <a:rPr lang="hu-HU" dirty="0"/>
+              <a:t> Gamma, </a:t>
+            </a:r>
+            <a:r>
+              <a:rPr lang="hu-HU" dirty="0" err="1"/>
+              <a:t>inspired</a:t>
+            </a:r>
+            <a:r>
+              <a:rPr lang="hu-HU" dirty="0"/>
+              <a:t> </a:t>
+            </a:r>
+            <a:r>
+              <a:rPr lang="hu-HU" dirty="0" err="1"/>
+              <a:t>by</a:t>
+            </a:r>
+            <a:r>
+              <a:rPr lang="hu-HU" dirty="0"/>
+              <a:t> </a:t>
+            </a:r>
+            <a:r>
+              <a:rPr lang="hu-HU" dirty="0" err="1"/>
+              <a:t>the</a:t>
+            </a:r>
+            <a:r>
+              <a:rPr lang="hu-HU" dirty="0"/>
+              <a:t> </a:t>
+            </a:r>
+            <a:r>
+              <a:rPr lang="hu-HU" dirty="0" err="1"/>
+              <a:t>above</a:t>
+            </a:r>
+            <a:r>
+              <a:rPr lang="hu-HU" dirty="0"/>
+              <a:t> </a:t>
+            </a:r>
+            <a:r>
+              <a:rPr lang="hu-HU" dirty="0" err="1"/>
+              <a:t>tools</a:t>
+            </a:r>
+            <a:r>
+              <a:rPr lang="hu-HU" dirty="0"/>
+              <a:t>, is </a:t>
+            </a:r>
+            <a:r>
+              <a:rPr lang="hu-HU" dirty="0" err="1"/>
+              <a:t>to</a:t>
+            </a:r>
+            <a:r>
+              <a:rPr lang="hu-HU" dirty="0"/>
+              <a:t> </a:t>
+            </a:r>
+            <a:r>
+              <a:rPr lang="hu-HU" dirty="0" err="1"/>
+              <a:t>create</a:t>
+            </a:r>
+            <a:r>
+              <a:rPr lang="hu-HU" dirty="0"/>
+              <a:t> a </a:t>
+            </a:r>
+            <a:r>
+              <a:rPr lang="hu-HU" dirty="0" err="1"/>
+              <a:t>modeling</a:t>
+            </a:r>
+            <a:r>
+              <a:rPr lang="hu-HU" dirty="0"/>
+              <a:t> </a:t>
+            </a:r>
+            <a:r>
+              <a:rPr lang="hu-HU" dirty="0" err="1"/>
+              <a:t>framework</a:t>
+            </a:r>
+            <a:r>
+              <a:rPr lang="hu-HU" dirty="0"/>
+              <a:t> </a:t>
+            </a:r>
+            <a:r>
+              <a:rPr lang="hu-HU" dirty="0" err="1"/>
+              <a:t>that</a:t>
+            </a:r>
+            <a:r>
+              <a:rPr lang="hu-HU" dirty="0"/>
+              <a:t> </a:t>
+            </a:r>
+            <a:r>
+              <a:rPr lang="hu-HU" dirty="0" err="1"/>
+              <a:t>supports</a:t>
+            </a:r>
+            <a:r>
+              <a:rPr lang="hu-HU" dirty="0"/>
+              <a:t> </a:t>
+            </a:r>
+            <a:r>
+              <a:rPr lang="hu-HU" dirty="0" err="1"/>
+              <a:t>hierarchical</a:t>
+            </a:r>
+            <a:r>
+              <a:rPr lang="hu-HU" dirty="0"/>
+              <a:t> </a:t>
+            </a:r>
+            <a:r>
+              <a:rPr lang="hu-HU" dirty="0" err="1"/>
+              <a:t>compositional</a:t>
+            </a:r>
+            <a:r>
+              <a:rPr lang="hu-HU" dirty="0"/>
+              <a:t> </a:t>
+            </a:r>
+            <a:r>
+              <a:rPr lang="hu-HU" dirty="0" err="1"/>
+              <a:t>modeling</a:t>
+            </a:r>
+            <a:r>
+              <a:rPr lang="hu-HU" dirty="0"/>
+              <a:t> </a:t>
+            </a:r>
+            <a:r>
+              <a:rPr lang="hu-HU" dirty="0" err="1"/>
+              <a:t>based</a:t>
+            </a:r>
+            <a:r>
+              <a:rPr lang="hu-HU" dirty="0"/>
+              <a:t> </a:t>
+            </a:r>
+            <a:r>
+              <a:rPr lang="hu-HU" dirty="0" err="1"/>
+              <a:t>on</a:t>
+            </a:r>
+            <a:r>
+              <a:rPr lang="hu-HU" dirty="0"/>
+              <a:t> </a:t>
+            </a:r>
+            <a:r>
+              <a:rPr lang="hu-HU" dirty="0" err="1"/>
+              <a:t>statecharts</a:t>
+            </a:r>
+            <a:r>
+              <a:rPr lang="hu-HU" dirty="0"/>
+              <a:t>.</a:t>
             </a:r>
             <a:endParaRPr lang="en-US" dirty="0"/>
           </a:p>
@@ -5472,88 +6897,2053 @@
           <a:lstStyle/>
           <a:p>
             <a:r>
+              <a:rPr lang="hu-HU" sz="4000" dirty="0" err="1">
+                <a:solidFill>
+                  <a:srgbClr val="EA700D"/>
+                </a:solidFill>
+              </a:rPr>
+              <a:t>To</a:t>
+            </a:r>
+            <a:r>
               <a:rPr lang="hu-HU" sz="4000" dirty="0">
                 <a:solidFill>
                   <a:srgbClr val="EA700D"/>
                 </a:solidFill>
               </a:rPr>
-              <a:t>Hogy explicitté tegyem jelenlegi munkám eredményeit, röviden bemutatnám a Gamma keretrendszer időbeni fejlődését. A Gamma története közel 3 évre nyúlik vissza.</a:t>
-            </a:r>
-          </a:p>
-          <a:p>
-            <a:endParaRPr lang="hu-HU" sz="4000" dirty="0">
-              <a:solidFill>
-                <a:srgbClr val="EA700D"/>
-              </a:solidFill>
-            </a:endParaRPr>
-          </a:p>
-          <a:p>
+              <a:t> </a:t>
+            </a:r>
+            <a:r>
+              <a:rPr lang="hu-HU" sz="4000" dirty="0" err="1">
+                <a:solidFill>
+                  <a:srgbClr val="EA700D"/>
+                </a:solidFill>
+              </a:rPr>
+              <a:t>make</a:t>
+            </a:r>
             <a:r>
               <a:rPr lang="hu-HU" sz="4000" dirty="0">
                 <a:solidFill>
                   <a:srgbClr val="EA700D"/>
                 </a:solidFill>
               </a:rPr>
-              <a:t>Első munkám validációs szabályok definiálása volt egy állapotgép nyelvhez (ez jelenleg a Gamma állapotgép nyelv). A validáció olyan statikus ellenőrzési technika, amely tervezési időben képes visszajelzést adni a készülő modellekről.  Ezen szabályok többek között képesek nemdeterminizmust, illetve versenyhelyzeteket jelezni állapotátmenetekre vonatkozóan.</a:t>
-            </a:r>
-          </a:p>
-          <a:p>
-            <a:endParaRPr lang="hu-HU" sz="4000" dirty="0">
-              <a:solidFill>
-                <a:srgbClr val="EA700D"/>
-              </a:solidFill>
-            </a:endParaRPr>
-          </a:p>
-          <a:p>
+              <a:t> </a:t>
+            </a:r>
+            <a:r>
+              <a:rPr lang="hu-HU" sz="4000" dirty="0" err="1">
+                <a:solidFill>
+                  <a:srgbClr val="EA700D"/>
+                </a:solidFill>
+              </a:rPr>
+              <a:t>the</a:t>
+            </a:r>
             <a:r>
               <a:rPr lang="hu-HU" sz="4000" dirty="0">
                 <a:solidFill>
                   <a:srgbClr val="EA700D"/>
                 </a:solidFill>
               </a:rPr>
-              <a:t>Második munkám egy modell transzformáció megvalósítása volt, amely Gamma állapotgépeket tudott leképezni formális modellé, konkrétabban időzített automatákká, így téve lehetővé a modellellenőrzést.</a:t>
-            </a:r>
-          </a:p>
-          <a:p>
-            <a:endParaRPr lang="hu-HU" sz="4000" dirty="0">
-              <a:solidFill>
-                <a:srgbClr val="EA700D"/>
-              </a:solidFill>
-            </a:endParaRPr>
-          </a:p>
-          <a:p>
-            <a:pPr marL="0" marR="0" lvl="0" indent="0" algn="l" defTabSz="914400" rtl="0" eaLnBrk="1" fontAlgn="auto" latinLnBrk="0" hangingPunct="1">
-              <a:lnSpc>
-                <a:spcPct val="100000"/>
-              </a:lnSpc>
-              <a:spcBef>
-                <a:spcPts val="0"/>
-              </a:spcBef>
-              <a:spcAft>
-                <a:spcPts val="0"/>
-              </a:spcAft>
-              <a:buClrTx/>
-              <a:buSzTx/>
-              <a:buFontTx/>
-              <a:buNone/>
-              <a:tabLst/>
-              <a:defRPr/>
-            </a:pPr>
+              <a:t> </a:t>
+            </a:r>
+            <a:r>
+              <a:rPr lang="hu-HU" sz="4000" dirty="0" err="1">
+                <a:solidFill>
+                  <a:srgbClr val="EA700D"/>
+                </a:solidFill>
+              </a:rPr>
+              <a:t>results</a:t>
+            </a:r>
             <a:r>
               <a:rPr lang="hu-HU" sz="4000" dirty="0">
                 <a:solidFill>
                   <a:srgbClr val="EA700D"/>
                 </a:solidFill>
               </a:rPr>
-              <a:t>A modellellenőrzés egy formális, tehát matematikai eszközöket felhasználó ellenőrzési technika. Egy modellellenőrző képes a beadott modell teljes állapotterének feltárására, és megvizsgálni, hogy bizonyos felhasználó által hibásnak vélt állapotok elérhetők-e. Elérhetőség esetén képes egy tüzelési szekvencia visszaadására, amely megmutatja, mely állapotátmeneteket kell eltüzelni, hogy a hibás állapotba jusson a modell. Előnye a teszteléssel szemben, hogy a hibák hiányát is képes bizonyítani, nem csak a meglétüket.</a:t>
-            </a:r>
-          </a:p>
-          <a:p>
-            <a:endParaRPr lang="hu-HU" sz="4000" dirty="0">
-              <a:solidFill>
-                <a:srgbClr val="EA700D"/>
-              </a:solidFill>
-            </a:endParaRPr>
+              <a:t> of </a:t>
+            </a:r>
+            <a:r>
+              <a:rPr lang="hu-HU" sz="4000" dirty="0" err="1">
+                <a:solidFill>
+                  <a:srgbClr val="EA700D"/>
+                </a:solidFill>
+              </a:rPr>
+              <a:t>our</a:t>
+            </a:r>
+            <a:r>
+              <a:rPr lang="hu-HU" sz="4000" dirty="0">
+                <a:solidFill>
+                  <a:srgbClr val="EA700D"/>
+                </a:solidFill>
+              </a:rPr>
+              <a:t> </a:t>
+            </a:r>
+            <a:r>
+              <a:rPr lang="hu-HU" sz="4000" dirty="0" err="1">
+                <a:solidFill>
+                  <a:srgbClr val="EA700D"/>
+                </a:solidFill>
+              </a:rPr>
+              <a:t>current</a:t>
+            </a:r>
+            <a:r>
+              <a:rPr lang="hu-HU" sz="4000" dirty="0">
+                <a:solidFill>
+                  <a:srgbClr val="EA700D"/>
+                </a:solidFill>
+              </a:rPr>
+              <a:t> </a:t>
+            </a:r>
+            <a:r>
+              <a:rPr lang="hu-HU" sz="4000" dirty="0" err="1">
+                <a:solidFill>
+                  <a:srgbClr val="EA700D"/>
+                </a:solidFill>
+              </a:rPr>
+              <a:t>work</a:t>
+            </a:r>
+            <a:r>
+              <a:rPr lang="hu-HU" sz="4000" dirty="0">
+                <a:solidFill>
+                  <a:srgbClr val="EA700D"/>
+                </a:solidFill>
+              </a:rPr>
+              <a:t> explicit, I </a:t>
+            </a:r>
+            <a:r>
+              <a:rPr lang="hu-HU" sz="4000" dirty="0" err="1">
+                <a:solidFill>
+                  <a:srgbClr val="EA700D"/>
+                </a:solidFill>
+              </a:rPr>
+              <a:t>would</a:t>
+            </a:r>
+            <a:r>
+              <a:rPr lang="hu-HU" sz="4000" dirty="0">
+                <a:solidFill>
+                  <a:srgbClr val="EA700D"/>
+                </a:solidFill>
+              </a:rPr>
+              <a:t> like </a:t>
+            </a:r>
+            <a:r>
+              <a:rPr lang="hu-HU" sz="4000" dirty="0" err="1">
+                <a:solidFill>
+                  <a:srgbClr val="EA700D"/>
+                </a:solidFill>
+              </a:rPr>
+              <a:t>to</a:t>
+            </a:r>
+            <a:r>
+              <a:rPr lang="hu-HU" sz="4000" dirty="0">
+                <a:solidFill>
+                  <a:srgbClr val="EA700D"/>
+                </a:solidFill>
+              </a:rPr>
+              <a:t> </a:t>
+            </a:r>
+            <a:r>
+              <a:rPr lang="hu-HU" sz="4000" dirty="0" err="1">
+                <a:solidFill>
+                  <a:srgbClr val="EA700D"/>
+                </a:solidFill>
+              </a:rPr>
+              <a:t>shortly</a:t>
+            </a:r>
+            <a:r>
+              <a:rPr lang="hu-HU" sz="4000" dirty="0">
+                <a:solidFill>
+                  <a:srgbClr val="EA700D"/>
+                </a:solidFill>
+              </a:rPr>
+              <a:t> </a:t>
+            </a:r>
+            <a:r>
+              <a:rPr lang="hu-HU" sz="4000" dirty="0" err="1">
+                <a:solidFill>
+                  <a:srgbClr val="EA700D"/>
+                </a:solidFill>
+              </a:rPr>
+              <a:t>present</a:t>
+            </a:r>
+            <a:r>
+              <a:rPr lang="hu-HU" sz="4000" dirty="0">
+                <a:solidFill>
+                  <a:srgbClr val="EA700D"/>
+                </a:solidFill>
+              </a:rPr>
+              <a:t> </a:t>
+            </a:r>
+            <a:r>
+              <a:rPr lang="hu-HU" sz="4000" dirty="0" err="1">
+                <a:solidFill>
+                  <a:srgbClr val="EA700D"/>
+                </a:solidFill>
+              </a:rPr>
+              <a:t>the</a:t>
+            </a:r>
+            <a:r>
+              <a:rPr lang="hu-HU" sz="4000" dirty="0">
+                <a:solidFill>
+                  <a:srgbClr val="EA700D"/>
+                </a:solidFill>
+              </a:rPr>
+              <a:t> </a:t>
+            </a:r>
+            <a:r>
+              <a:rPr lang="hu-HU" sz="4000" dirty="0" err="1">
+                <a:solidFill>
+                  <a:srgbClr val="EA700D"/>
+                </a:solidFill>
+              </a:rPr>
+              <a:t>evolvement</a:t>
+            </a:r>
+            <a:r>
+              <a:rPr lang="hu-HU" sz="4000" dirty="0">
+                <a:solidFill>
+                  <a:srgbClr val="EA700D"/>
+                </a:solidFill>
+              </a:rPr>
+              <a:t> of </a:t>
+            </a:r>
+            <a:r>
+              <a:rPr lang="hu-HU" sz="4000" dirty="0" err="1">
+                <a:solidFill>
+                  <a:srgbClr val="EA700D"/>
+                </a:solidFill>
+              </a:rPr>
+              <a:t>the</a:t>
+            </a:r>
+            <a:r>
+              <a:rPr lang="hu-HU" sz="4000" dirty="0">
+                <a:solidFill>
+                  <a:srgbClr val="EA700D"/>
+                </a:solidFill>
+              </a:rPr>
+              <a:t> Gamma </a:t>
+            </a:r>
+            <a:r>
+              <a:rPr lang="hu-HU" sz="4000" dirty="0" err="1">
+                <a:solidFill>
+                  <a:srgbClr val="EA700D"/>
+                </a:solidFill>
+              </a:rPr>
+              <a:t>framework</a:t>
+            </a:r>
+            <a:r>
+              <a:rPr lang="hu-HU" sz="4000" dirty="0">
+                <a:solidFill>
+                  <a:srgbClr val="EA700D"/>
+                </a:solidFill>
+              </a:rPr>
+              <a:t>. The story of Gamma </a:t>
+            </a:r>
+            <a:r>
+              <a:rPr lang="hu-HU" sz="4000" dirty="0" err="1">
+                <a:solidFill>
+                  <a:srgbClr val="EA700D"/>
+                </a:solidFill>
+              </a:rPr>
+              <a:t>started</a:t>
+            </a:r>
+            <a:r>
+              <a:rPr lang="hu-HU" sz="4000" dirty="0">
+                <a:solidFill>
+                  <a:srgbClr val="EA700D"/>
+                </a:solidFill>
+              </a:rPr>
+              <a:t> 3 </a:t>
+            </a:r>
+            <a:r>
+              <a:rPr lang="hu-HU" sz="4000" dirty="0" err="1">
+                <a:solidFill>
+                  <a:srgbClr val="EA700D"/>
+                </a:solidFill>
+              </a:rPr>
+              <a:t>years</a:t>
+            </a:r>
+            <a:r>
+              <a:rPr lang="hu-HU" sz="4000" dirty="0">
+                <a:solidFill>
+                  <a:srgbClr val="EA700D"/>
+                </a:solidFill>
+              </a:rPr>
+              <a:t> </a:t>
+            </a:r>
+            <a:r>
+              <a:rPr lang="hu-HU" sz="4000" dirty="0" err="1">
+                <a:solidFill>
+                  <a:srgbClr val="EA700D"/>
+                </a:solidFill>
+              </a:rPr>
+              <a:t>ago</a:t>
+            </a:r>
+            <a:r>
+              <a:rPr lang="hu-HU" sz="4000" dirty="0">
+                <a:solidFill>
+                  <a:srgbClr val="EA700D"/>
+                </a:solidFill>
+              </a:rPr>
+              <a:t>.</a:t>
+            </a:r>
+          </a:p>
+          <a:p>
+            <a:r>
+              <a:rPr lang="hu-HU" sz="4000" dirty="0"/>
+              <a:t>(„ANIMATION”)</a:t>
+            </a:r>
+          </a:p>
+          <a:p>
+            <a:r>
+              <a:rPr lang="hu-HU" sz="4000" dirty="0">
+                <a:solidFill>
+                  <a:srgbClr val="EA700D"/>
+                </a:solidFill>
+              </a:rPr>
+              <a:t>Gamma </a:t>
+            </a:r>
+            <a:r>
+              <a:rPr lang="hu-HU" sz="4000" dirty="0" err="1">
+                <a:solidFill>
+                  <a:srgbClr val="EA700D"/>
+                </a:solidFill>
+              </a:rPr>
+              <a:t>started</a:t>
+            </a:r>
+            <a:r>
+              <a:rPr lang="hu-HU" sz="4000" dirty="0">
+                <a:solidFill>
+                  <a:srgbClr val="EA700D"/>
+                </a:solidFill>
+              </a:rPr>
+              <a:t> </a:t>
+            </a:r>
+            <a:r>
+              <a:rPr lang="hu-HU" sz="4000" dirty="0" err="1">
+                <a:solidFill>
+                  <a:srgbClr val="EA700D"/>
+                </a:solidFill>
+              </a:rPr>
+              <a:t>with</a:t>
+            </a:r>
+            <a:r>
+              <a:rPr lang="hu-HU" sz="4000" dirty="0">
+                <a:solidFill>
+                  <a:srgbClr val="EA700D"/>
+                </a:solidFill>
+              </a:rPr>
+              <a:t> </a:t>
+            </a:r>
+            <a:r>
+              <a:rPr lang="hu-HU" sz="4000" dirty="0" err="1">
+                <a:solidFill>
+                  <a:srgbClr val="EA700D"/>
+                </a:solidFill>
+              </a:rPr>
+              <a:t>the</a:t>
+            </a:r>
+            <a:r>
+              <a:rPr lang="hu-HU" sz="4000" dirty="0">
+                <a:solidFill>
+                  <a:srgbClr val="EA700D"/>
+                </a:solidFill>
+              </a:rPr>
+              <a:t> </a:t>
+            </a:r>
+            <a:r>
+              <a:rPr lang="hu-HU" sz="4000" dirty="0" err="1">
+                <a:solidFill>
+                  <a:srgbClr val="EA700D"/>
+                </a:solidFill>
+              </a:rPr>
+              <a:t>definition</a:t>
+            </a:r>
+            <a:r>
+              <a:rPr lang="hu-HU" sz="4000" dirty="0">
+                <a:solidFill>
+                  <a:srgbClr val="EA700D"/>
+                </a:solidFill>
+              </a:rPr>
+              <a:t> of </a:t>
+            </a:r>
+            <a:r>
+              <a:rPr lang="hu-HU" sz="4000" dirty="0" err="1">
+                <a:solidFill>
+                  <a:srgbClr val="EA700D"/>
+                </a:solidFill>
+              </a:rPr>
+              <a:t>validation</a:t>
+            </a:r>
+            <a:r>
+              <a:rPr lang="hu-HU" sz="4000" dirty="0">
+                <a:solidFill>
+                  <a:srgbClr val="EA700D"/>
+                </a:solidFill>
+              </a:rPr>
+              <a:t> </a:t>
+            </a:r>
+            <a:r>
+              <a:rPr lang="hu-HU" sz="4000" dirty="0" err="1">
+                <a:solidFill>
+                  <a:srgbClr val="EA700D"/>
+                </a:solidFill>
+              </a:rPr>
+              <a:t>rules</a:t>
+            </a:r>
+            <a:r>
+              <a:rPr lang="hu-HU" sz="4000" dirty="0">
+                <a:solidFill>
+                  <a:srgbClr val="EA700D"/>
+                </a:solidFill>
+              </a:rPr>
+              <a:t> </a:t>
+            </a:r>
+            <a:r>
+              <a:rPr lang="hu-HU" sz="4000" dirty="0" err="1">
+                <a:solidFill>
+                  <a:srgbClr val="EA700D"/>
+                </a:solidFill>
+              </a:rPr>
+              <a:t>for</a:t>
+            </a:r>
+            <a:r>
+              <a:rPr lang="hu-HU" sz="4000" dirty="0">
+                <a:solidFill>
+                  <a:srgbClr val="EA700D"/>
+                </a:solidFill>
+              </a:rPr>
+              <a:t> a </a:t>
+            </a:r>
+            <a:r>
+              <a:rPr lang="hu-HU" sz="4000" dirty="0" err="1">
+                <a:solidFill>
+                  <a:srgbClr val="EA700D"/>
+                </a:solidFill>
+              </a:rPr>
+              <a:t>statechart</a:t>
+            </a:r>
+            <a:r>
+              <a:rPr lang="hu-HU" sz="4000" dirty="0">
+                <a:solidFill>
+                  <a:srgbClr val="EA700D"/>
+                </a:solidFill>
+              </a:rPr>
+              <a:t> </a:t>
+            </a:r>
+            <a:r>
+              <a:rPr lang="hu-HU" sz="4000" dirty="0" err="1">
+                <a:solidFill>
+                  <a:srgbClr val="EA700D"/>
+                </a:solidFill>
+              </a:rPr>
+              <a:t>langauge</a:t>
+            </a:r>
+            <a:r>
+              <a:rPr lang="hu-HU" sz="4000" dirty="0">
+                <a:solidFill>
+                  <a:srgbClr val="EA700D"/>
+                </a:solidFill>
+              </a:rPr>
+              <a:t>. (</a:t>
+            </a:r>
+            <a:r>
+              <a:rPr lang="hu-HU" sz="4000" dirty="0" err="1">
+                <a:solidFill>
+                  <a:srgbClr val="EA700D"/>
+                </a:solidFill>
+              </a:rPr>
+              <a:t>This</a:t>
+            </a:r>
+            <a:r>
+              <a:rPr lang="hu-HU" sz="4000" dirty="0">
+                <a:solidFill>
+                  <a:srgbClr val="EA700D"/>
+                </a:solidFill>
+              </a:rPr>
+              <a:t> is </a:t>
+            </a:r>
+            <a:r>
+              <a:rPr lang="hu-HU" sz="4000" dirty="0" err="1">
+                <a:solidFill>
+                  <a:srgbClr val="EA700D"/>
+                </a:solidFill>
+              </a:rPr>
+              <a:t>now</a:t>
+            </a:r>
+            <a:r>
+              <a:rPr lang="hu-HU" sz="4000" dirty="0">
+                <a:solidFill>
+                  <a:srgbClr val="EA700D"/>
+                </a:solidFill>
+              </a:rPr>
+              <a:t> </a:t>
+            </a:r>
+            <a:r>
+              <a:rPr lang="hu-HU" sz="4000" dirty="0" err="1">
+                <a:solidFill>
+                  <a:srgbClr val="EA700D"/>
+                </a:solidFill>
+              </a:rPr>
+              <a:t>the</a:t>
+            </a:r>
+            <a:r>
+              <a:rPr lang="hu-HU" sz="4000" dirty="0">
+                <a:solidFill>
+                  <a:srgbClr val="EA700D"/>
+                </a:solidFill>
+              </a:rPr>
+              <a:t> Gamma </a:t>
+            </a:r>
+            <a:r>
+              <a:rPr lang="hu-HU" sz="4000" dirty="0" err="1">
+                <a:solidFill>
+                  <a:srgbClr val="EA700D"/>
+                </a:solidFill>
+              </a:rPr>
+              <a:t>Statechart</a:t>
+            </a:r>
+            <a:r>
+              <a:rPr lang="hu-HU" sz="4000" dirty="0">
+                <a:solidFill>
+                  <a:srgbClr val="EA700D"/>
+                </a:solidFill>
+              </a:rPr>
+              <a:t> </a:t>
+            </a:r>
+            <a:r>
+              <a:rPr lang="hu-HU" sz="4000" dirty="0" err="1">
+                <a:solidFill>
+                  <a:srgbClr val="EA700D"/>
+                </a:solidFill>
+              </a:rPr>
+              <a:t>Language</a:t>
+            </a:r>
+            <a:r>
+              <a:rPr lang="hu-HU" sz="4000" dirty="0">
+                <a:solidFill>
+                  <a:srgbClr val="EA700D"/>
+                </a:solidFill>
+              </a:rPr>
+              <a:t>). </a:t>
+            </a:r>
+            <a:r>
+              <a:rPr lang="hu-HU" sz="4000" dirty="0" err="1">
+                <a:solidFill>
+                  <a:srgbClr val="EA700D"/>
+                </a:solidFill>
+              </a:rPr>
+              <a:t>Validation</a:t>
+            </a:r>
+            <a:r>
+              <a:rPr lang="hu-HU" sz="4000" dirty="0">
+                <a:solidFill>
+                  <a:srgbClr val="EA700D"/>
+                </a:solidFill>
+              </a:rPr>
+              <a:t> is a </a:t>
+            </a:r>
+            <a:r>
+              <a:rPr lang="hu-HU" sz="4000" dirty="0" err="1">
+                <a:solidFill>
+                  <a:srgbClr val="EA700D"/>
+                </a:solidFill>
+              </a:rPr>
+              <a:t>static</a:t>
+            </a:r>
+            <a:r>
+              <a:rPr lang="hu-HU" sz="4000" dirty="0">
+                <a:solidFill>
+                  <a:srgbClr val="EA700D"/>
+                </a:solidFill>
+              </a:rPr>
+              <a:t> </a:t>
+            </a:r>
+            <a:r>
+              <a:rPr lang="hu-HU" sz="4000" dirty="0" err="1">
+                <a:solidFill>
+                  <a:srgbClr val="EA700D"/>
+                </a:solidFill>
+              </a:rPr>
+              <a:t>analysis</a:t>
+            </a:r>
+            <a:r>
+              <a:rPr lang="hu-HU" sz="4000" dirty="0">
+                <a:solidFill>
+                  <a:srgbClr val="EA700D"/>
+                </a:solidFill>
+              </a:rPr>
+              <a:t> </a:t>
+            </a:r>
+            <a:r>
+              <a:rPr lang="hu-HU" sz="4000" dirty="0" err="1">
+                <a:solidFill>
+                  <a:srgbClr val="EA700D"/>
+                </a:solidFill>
+              </a:rPr>
+              <a:t>technique</a:t>
+            </a:r>
+            <a:r>
+              <a:rPr lang="hu-HU" sz="4000" dirty="0">
+                <a:solidFill>
+                  <a:srgbClr val="EA700D"/>
+                </a:solidFill>
+              </a:rPr>
+              <a:t>, </a:t>
+            </a:r>
+            <a:r>
+              <a:rPr lang="hu-HU" sz="4000" dirty="0" err="1">
+                <a:solidFill>
+                  <a:srgbClr val="EA700D"/>
+                </a:solidFill>
+              </a:rPr>
+              <a:t>which</a:t>
+            </a:r>
+            <a:r>
+              <a:rPr lang="hu-HU" sz="4000" dirty="0">
+                <a:solidFill>
+                  <a:srgbClr val="EA700D"/>
+                </a:solidFill>
+              </a:rPr>
+              <a:t> </a:t>
+            </a:r>
+            <a:r>
+              <a:rPr lang="hu-HU" sz="4000" dirty="0" err="1">
+                <a:solidFill>
+                  <a:srgbClr val="EA700D"/>
+                </a:solidFill>
+              </a:rPr>
+              <a:t>gives</a:t>
+            </a:r>
+            <a:r>
+              <a:rPr lang="hu-HU" sz="4000" dirty="0">
+                <a:solidFill>
+                  <a:srgbClr val="EA700D"/>
+                </a:solidFill>
+              </a:rPr>
+              <a:t> </a:t>
+            </a:r>
+            <a:r>
+              <a:rPr lang="hu-HU" sz="4000" dirty="0" err="1">
+                <a:solidFill>
+                  <a:srgbClr val="EA700D"/>
+                </a:solidFill>
+              </a:rPr>
+              <a:t>feedback</a:t>
+            </a:r>
+            <a:r>
+              <a:rPr lang="hu-HU" sz="4000" dirty="0">
+                <a:solidFill>
+                  <a:srgbClr val="EA700D"/>
+                </a:solidFill>
+              </a:rPr>
+              <a:t> </a:t>
+            </a:r>
+            <a:r>
+              <a:rPr lang="hu-HU" sz="4000" dirty="0" err="1">
+                <a:solidFill>
+                  <a:srgbClr val="EA700D"/>
+                </a:solidFill>
+              </a:rPr>
+              <a:t>on</a:t>
+            </a:r>
+            <a:r>
+              <a:rPr lang="hu-HU" sz="4000" dirty="0">
+                <a:solidFill>
+                  <a:srgbClr val="EA700D"/>
+                </a:solidFill>
+              </a:rPr>
+              <a:t> </a:t>
+            </a:r>
+            <a:r>
+              <a:rPr lang="hu-HU" sz="4000" dirty="0" err="1">
+                <a:solidFill>
+                  <a:srgbClr val="EA700D"/>
+                </a:solidFill>
+              </a:rPr>
+              <a:t>the</a:t>
+            </a:r>
+            <a:r>
+              <a:rPr lang="hu-HU" sz="4000" dirty="0">
+                <a:solidFill>
+                  <a:srgbClr val="EA700D"/>
+                </a:solidFill>
+              </a:rPr>
+              <a:t> </a:t>
+            </a:r>
+            <a:r>
+              <a:rPr lang="hu-HU" sz="4000" dirty="0" err="1">
+                <a:solidFill>
+                  <a:srgbClr val="EA700D"/>
+                </a:solidFill>
+              </a:rPr>
+              <a:t>quality</a:t>
+            </a:r>
+            <a:r>
+              <a:rPr lang="hu-HU" sz="4000" dirty="0">
+                <a:solidFill>
+                  <a:srgbClr val="EA700D"/>
+                </a:solidFill>
+              </a:rPr>
+              <a:t> of </a:t>
+            </a:r>
+            <a:r>
+              <a:rPr lang="hu-HU" sz="4000" dirty="0" err="1">
+                <a:solidFill>
+                  <a:srgbClr val="EA700D"/>
+                </a:solidFill>
+              </a:rPr>
+              <a:t>created</a:t>
+            </a:r>
+            <a:r>
+              <a:rPr lang="hu-HU" sz="4000" dirty="0">
+                <a:solidFill>
+                  <a:srgbClr val="EA700D"/>
+                </a:solidFill>
+              </a:rPr>
+              <a:t> </a:t>
+            </a:r>
+            <a:r>
+              <a:rPr lang="hu-HU" sz="4000" dirty="0" err="1">
+                <a:solidFill>
+                  <a:srgbClr val="EA700D"/>
+                </a:solidFill>
+              </a:rPr>
+              <a:t>models</a:t>
+            </a:r>
+            <a:r>
+              <a:rPr lang="hu-HU" sz="4000" dirty="0">
+                <a:solidFill>
+                  <a:srgbClr val="EA700D"/>
+                </a:solidFill>
+              </a:rPr>
+              <a:t> </a:t>
+            </a:r>
+            <a:r>
+              <a:rPr lang="hu-HU" sz="4000" dirty="0" err="1">
+                <a:solidFill>
+                  <a:srgbClr val="EA700D"/>
+                </a:solidFill>
+              </a:rPr>
+              <a:t>at</a:t>
+            </a:r>
+            <a:r>
+              <a:rPr lang="hu-HU" sz="4000" dirty="0">
+                <a:solidFill>
+                  <a:srgbClr val="EA700D"/>
+                </a:solidFill>
+              </a:rPr>
+              <a:t> </a:t>
+            </a:r>
+            <a:r>
+              <a:rPr lang="hu-HU" sz="4000" dirty="0" err="1">
+                <a:solidFill>
+                  <a:srgbClr val="EA700D"/>
+                </a:solidFill>
+              </a:rPr>
+              <a:t>runtime</a:t>
+            </a:r>
+            <a:r>
+              <a:rPr lang="hu-HU" sz="4000" dirty="0">
+                <a:solidFill>
+                  <a:srgbClr val="EA700D"/>
+                </a:solidFill>
+              </a:rPr>
+              <a:t>. </a:t>
+            </a:r>
+            <a:r>
+              <a:rPr lang="hu-HU" sz="4000" dirty="0" err="1">
+                <a:solidFill>
+                  <a:srgbClr val="EA700D"/>
+                </a:solidFill>
+              </a:rPr>
+              <a:t>These</a:t>
+            </a:r>
+            <a:r>
+              <a:rPr lang="hu-HU" sz="4000" dirty="0">
+                <a:solidFill>
+                  <a:srgbClr val="EA700D"/>
+                </a:solidFill>
+              </a:rPr>
+              <a:t> </a:t>
+            </a:r>
+            <a:r>
+              <a:rPr lang="hu-HU" sz="4000" dirty="0" err="1">
+                <a:solidFill>
+                  <a:srgbClr val="EA700D"/>
+                </a:solidFill>
+              </a:rPr>
+              <a:t>rules</a:t>
+            </a:r>
+            <a:r>
+              <a:rPr lang="hu-HU" sz="4000" dirty="0">
+                <a:solidFill>
+                  <a:srgbClr val="EA700D"/>
+                </a:solidFill>
+              </a:rPr>
+              <a:t> </a:t>
+            </a:r>
+            <a:r>
+              <a:rPr lang="hu-HU" sz="4000" dirty="0" err="1">
+                <a:solidFill>
+                  <a:srgbClr val="EA700D"/>
+                </a:solidFill>
+              </a:rPr>
+              <a:t>include</a:t>
+            </a:r>
+            <a:r>
+              <a:rPr lang="hu-HU" sz="4000" dirty="0">
+                <a:solidFill>
+                  <a:srgbClr val="EA700D"/>
+                </a:solidFill>
+              </a:rPr>
+              <a:t> </a:t>
+            </a:r>
+            <a:r>
+              <a:rPr lang="hu-HU" sz="4000" dirty="0" err="1">
+                <a:solidFill>
+                  <a:srgbClr val="EA700D"/>
+                </a:solidFill>
+              </a:rPr>
+              <a:t>for</a:t>
+            </a:r>
+            <a:r>
+              <a:rPr lang="hu-HU" sz="4000" dirty="0">
+                <a:solidFill>
+                  <a:srgbClr val="EA700D"/>
+                </a:solidFill>
+              </a:rPr>
+              <a:t> </a:t>
+            </a:r>
+            <a:r>
+              <a:rPr lang="hu-HU" sz="4000" dirty="0" err="1">
+                <a:solidFill>
+                  <a:srgbClr val="EA700D"/>
+                </a:solidFill>
+              </a:rPr>
+              <a:t>example</a:t>
+            </a:r>
+            <a:r>
+              <a:rPr lang="hu-HU" sz="4000" dirty="0">
+                <a:solidFill>
+                  <a:srgbClr val="EA700D"/>
+                </a:solidFill>
+              </a:rPr>
+              <a:t> non-</a:t>
+            </a:r>
+            <a:r>
+              <a:rPr lang="hu-HU" sz="4000" dirty="0" err="1">
+                <a:solidFill>
+                  <a:srgbClr val="EA700D"/>
+                </a:solidFill>
+              </a:rPr>
+              <a:t>determinism</a:t>
+            </a:r>
+            <a:r>
+              <a:rPr lang="hu-HU" sz="4000" dirty="0">
+                <a:solidFill>
+                  <a:srgbClr val="EA700D"/>
+                </a:solidFill>
+              </a:rPr>
+              <a:t> and </a:t>
+            </a:r>
+            <a:r>
+              <a:rPr lang="hu-HU" sz="4000" dirty="0" err="1">
+                <a:solidFill>
+                  <a:srgbClr val="EA700D"/>
+                </a:solidFill>
+              </a:rPr>
+              <a:t>race-conditions</a:t>
+            </a:r>
+            <a:r>
+              <a:rPr lang="hu-HU" sz="4000" dirty="0">
+                <a:solidFill>
+                  <a:srgbClr val="EA700D"/>
+                </a:solidFill>
+              </a:rPr>
+              <a:t> in </a:t>
+            </a:r>
+            <a:r>
+              <a:rPr lang="hu-HU" sz="4000" dirty="0" err="1">
+                <a:solidFill>
+                  <a:srgbClr val="EA700D"/>
+                </a:solidFill>
+              </a:rPr>
+              <a:t>terms</a:t>
+            </a:r>
+            <a:r>
+              <a:rPr lang="hu-HU" sz="4000" dirty="0">
+                <a:solidFill>
+                  <a:srgbClr val="EA700D"/>
+                </a:solidFill>
+              </a:rPr>
+              <a:t> of </a:t>
+            </a:r>
+            <a:r>
+              <a:rPr lang="hu-HU" sz="4000" dirty="0" err="1">
+                <a:solidFill>
+                  <a:srgbClr val="EA700D"/>
+                </a:solidFill>
+              </a:rPr>
+              <a:t>transitions</a:t>
+            </a:r>
+            <a:r>
+              <a:rPr lang="hu-HU" sz="4000" dirty="0">
+                <a:solidFill>
+                  <a:srgbClr val="EA700D"/>
+                </a:solidFill>
+              </a:rPr>
+              <a:t>.</a:t>
+            </a:r>
+          </a:p>
+          <a:p>
+            <a:r>
+              <a:rPr lang="hu-HU" sz="4000" dirty="0"/>
+              <a:t>(„ANIMATION”)</a:t>
+            </a:r>
+          </a:p>
+          <a:p>
+            <a:r>
+              <a:rPr lang="hu-HU" sz="4000" dirty="0" err="1">
+                <a:solidFill>
+                  <a:srgbClr val="EA700D"/>
+                </a:solidFill>
+              </a:rPr>
+              <a:t>Next</a:t>
+            </a:r>
+            <a:r>
+              <a:rPr lang="hu-HU" sz="4000" dirty="0">
+                <a:solidFill>
+                  <a:srgbClr val="EA700D"/>
+                </a:solidFill>
+              </a:rPr>
+              <a:t>, </a:t>
+            </a:r>
+            <a:r>
+              <a:rPr lang="hu-HU" sz="4000" dirty="0" err="1">
+                <a:solidFill>
+                  <a:srgbClr val="EA700D"/>
+                </a:solidFill>
+              </a:rPr>
+              <a:t>we</a:t>
+            </a:r>
+            <a:r>
+              <a:rPr lang="hu-HU" sz="4000" dirty="0">
+                <a:solidFill>
+                  <a:srgbClr val="EA700D"/>
+                </a:solidFill>
+              </a:rPr>
+              <a:t> </a:t>
+            </a:r>
+            <a:r>
+              <a:rPr lang="hu-HU" sz="4000" dirty="0" err="1">
+                <a:solidFill>
+                  <a:srgbClr val="EA700D"/>
+                </a:solidFill>
+              </a:rPr>
+              <a:t>implemented</a:t>
+            </a:r>
+            <a:r>
+              <a:rPr lang="hu-HU" sz="4000" dirty="0">
+                <a:solidFill>
+                  <a:srgbClr val="EA700D"/>
+                </a:solidFill>
+              </a:rPr>
+              <a:t> a </a:t>
+            </a:r>
+            <a:r>
+              <a:rPr lang="hu-HU" sz="4000" dirty="0" err="1">
+                <a:solidFill>
+                  <a:srgbClr val="EA700D"/>
+                </a:solidFill>
+              </a:rPr>
+              <a:t>model-transformation</a:t>
+            </a:r>
+            <a:r>
+              <a:rPr lang="hu-HU" sz="4000" dirty="0">
+                <a:solidFill>
+                  <a:srgbClr val="EA700D"/>
+                </a:solidFill>
+              </a:rPr>
+              <a:t> </a:t>
+            </a:r>
+            <a:r>
+              <a:rPr lang="hu-HU" sz="4000" dirty="0" err="1">
+                <a:solidFill>
+                  <a:srgbClr val="EA700D"/>
+                </a:solidFill>
+              </a:rPr>
+              <a:t>that</a:t>
+            </a:r>
+            <a:r>
+              <a:rPr lang="hu-HU" sz="4000" dirty="0">
+                <a:solidFill>
+                  <a:srgbClr val="EA700D"/>
+                </a:solidFill>
+              </a:rPr>
+              <a:t> </a:t>
+            </a:r>
+            <a:r>
+              <a:rPr lang="hu-HU" sz="4000" dirty="0" err="1">
+                <a:solidFill>
+                  <a:srgbClr val="EA700D"/>
+                </a:solidFill>
+              </a:rPr>
+              <a:t>maps</a:t>
+            </a:r>
+            <a:r>
+              <a:rPr lang="hu-HU" sz="4000" dirty="0">
+                <a:solidFill>
+                  <a:srgbClr val="EA700D"/>
+                </a:solidFill>
+              </a:rPr>
+              <a:t> Gamma </a:t>
+            </a:r>
+            <a:r>
+              <a:rPr lang="hu-HU" sz="4000" dirty="0" err="1">
+                <a:solidFill>
+                  <a:srgbClr val="EA700D"/>
+                </a:solidFill>
+              </a:rPr>
+              <a:t>statecharts</a:t>
+            </a:r>
+            <a:r>
+              <a:rPr lang="hu-HU" sz="4000" dirty="0">
+                <a:solidFill>
+                  <a:srgbClr val="EA700D"/>
+                </a:solidFill>
+              </a:rPr>
+              <a:t> </a:t>
+            </a:r>
+            <a:r>
+              <a:rPr lang="hu-HU" sz="4000" dirty="0" err="1">
+                <a:solidFill>
+                  <a:srgbClr val="EA700D"/>
+                </a:solidFill>
+              </a:rPr>
+              <a:t>to</a:t>
+            </a:r>
+            <a:r>
+              <a:rPr lang="hu-HU" sz="4000" dirty="0">
+                <a:solidFill>
+                  <a:srgbClr val="EA700D"/>
+                </a:solidFill>
+              </a:rPr>
+              <a:t> </a:t>
+            </a:r>
+            <a:r>
+              <a:rPr lang="hu-HU" sz="4000" dirty="0" err="1">
+                <a:solidFill>
+                  <a:srgbClr val="EA700D"/>
+                </a:solidFill>
+              </a:rPr>
+              <a:t>analysis</a:t>
+            </a:r>
+            <a:r>
+              <a:rPr lang="hu-HU" sz="4000" dirty="0">
+                <a:solidFill>
+                  <a:srgbClr val="EA700D"/>
+                </a:solidFill>
+              </a:rPr>
+              <a:t> </a:t>
+            </a:r>
+            <a:r>
+              <a:rPr lang="hu-HU" sz="4000" dirty="0" err="1">
+                <a:solidFill>
+                  <a:srgbClr val="EA700D"/>
+                </a:solidFill>
+              </a:rPr>
+              <a:t>models</a:t>
+            </a:r>
+            <a:r>
+              <a:rPr lang="hu-HU" sz="4000" dirty="0">
+                <a:solidFill>
+                  <a:srgbClr val="EA700D"/>
+                </a:solidFill>
+              </a:rPr>
+              <a:t>, more </a:t>
+            </a:r>
+            <a:r>
+              <a:rPr lang="hu-HU" sz="4000" dirty="0" err="1">
+                <a:solidFill>
+                  <a:srgbClr val="EA700D"/>
+                </a:solidFill>
+              </a:rPr>
+              <a:t>specifically</a:t>
+            </a:r>
+            <a:r>
+              <a:rPr lang="hu-HU" sz="4000" dirty="0">
+                <a:solidFill>
+                  <a:srgbClr val="EA700D"/>
+                </a:solidFill>
+              </a:rPr>
+              <a:t> </a:t>
+            </a:r>
+            <a:r>
+              <a:rPr lang="hu-HU" sz="4000" dirty="0" err="1">
+                <a:solidFill>
+                  <a:srgbClr val="EA700D"/>
+                </a:solidFill>
+              </a:rPr>
+              <a:t>timed</a:t>
+            </a:r>
+            <a:r>
+              <a:rPr lang="hu-HU" sz="4000" dirty="0">
+                <a:solidFill>
+                  <a:srgbClr val="EA700D"/>
+                </a:solidFill>
+              </a:rPr>
+              <a:t> automata, </a:t>
+            </a:r>
+            <a:r>
+              <a:rPr lang="hu-HU" sz="4000" dirty="0" err="1">
+                <a:solidFill>
+                  <a:srgbClr val="EA700D"/>
+                </a:solidFill>
+              </a:rPr>
+              <a:t>making</a:t>
+            </a:r>
+            <a:r>
+              <a:rPr lang="hu-HU" sz="4000" dirty="0">
+                <a:solidFill>
+                  <a:srgbClr val="EA700D"/>
+                </a:solidFill>
+              </a:rPr>
+              <a:t> </a:t>
+            </a:r>
+            <a:r>
+              <a:rPr lang="hu-HU" sz="4000" dirty="0" err="1">
+                <a:solidFill>
+                  <a:srgbClr val="EA700D"/>
+                </a:solidFill>
+              </a:rPr>
+              <a:t>model-checking</a:t>
+            </a:r>
+            <a:r>
+              <a:rPr lang="hu-HU" sz="4000" dirty="0">
+                <a:solidFill>
+                  <a:srgbClr val="EA700D"/>
+                </a:solidFill>
+              </a:rPr>
+              <a:t> </a:t>
+            </a:r>
+            <a:r>
+              <a:rPr lang="hu-HU" sz="4000" dirty="0" err="1">
+                <a:solidFill>
+                  <a:srgbClr val="EA700D"/>
+                </a:solidFill>
+              </a:rPr>
+              <a:t>feasible</a:t>
+            </a:r>
+            <a:r>
+              <a:rPr lang="hu-HU" sz="4000" dirty="0">
+                <a:solidFill>
+                  <a:srgbClr val="EA700D"/>
+                </a:solidFill>
+              </a:rPr>
+              <a:t>. </a:t>
+            </a:r>
+          </a:p>
+          <a:p>
+            <a:r>
+              <a:rPr lang="hu-HU" sz="4000" dirty="0"/>
+              <a:t>(„ANIMATION”)</a:t>
+            </a:r>
+          </a:p>
+          <a:p>
+            <a:r>
+              <a:rPr lang="hu-HU" sz="4000" dirty="0" err="1">
+                <a:solidFill>
+                  <a:srgbClr val="EA700D"/>
+                </a:solidFill>
+              </a:rPr>
+              <a:t>Model-checking</a:t>
+            </a:r>
+            <a:r>
+              <a:rPr lang="hu-HU" sz="4000" dirty="0">
+                <a:solidFill>
+                  <a:srgbClr val="EA700D"/>
+                </a:solidFill>
+              </a:rPr>
+              <a:t> is a </a:t>
+            </a:r>
+            <a:r>
+              <a:rPr lang="hu-HU" sz="4000" dirty="0" err="1">
+                <a:solidFill>
+                  <a:srgbClr val="EA700D"/>
+                </a:solidFill>
+              </a:rPr>
+              <a:t>formal</a:t>
+            </a:r>
+            <a:r>
+              <a:rPr lang="hu-HU" sz="4000" dirty="0">
+                <a:solidFill>
+                  <a:srgbClr val="EA700D"/>
+                </a:solidFill>
+              </a:rPr>
+              <a:t> </a:t>
+            </a:r>
+            <a:r>
+              <a:rPr lang="hu-HU" sz="4000" dirty="0" err="1">
+                <a:solidFill>
+                  <a:srgbClr val="EA700D"/>
+                </a:solidFill>
+              </a:rPr>
+              <a:t>analyis</a:t>
+            </a:r>
+            <a:r>
+              <a:rPr lang="hu-HU" sz="4000" dirty="0">
+                <a:solidFill>
+                  <a:srgbClr val="EA700D"/>
+                </a:solidFill>
+              </a:rPr>
+              <a:t> </a:t>
+            </a:r>
+            <a:r>
+              <a:rPr lang="hu-HU" sz="4000" dirty="0" err="1">
+                <a:solidFill>
+                  <a:srgbClr val="EA700D"/>
+                </a:solidFill>
+              </a:rPr>
+              <a:t>technique</a:t>
+            </a:r>
+            <a:r>
+              <a:rPr lang="hu-HU" sz="4000" dirty="0">
+                <a:solidFill>
+                  <a:srgbClr val="EA700D"/>
+                </a:solidFill>
+              </a:rPr>
+              <a:t>. A </a:t>
+            </a:r>
+            <a:r>
+              <a:rPr lang="hu-HU" sz="4000" dirty="0" err="1">
+                <a:solidFill>
+                  <a:srgbClr val="EA700D"/>
+                </a:solidFill>
+              </a:rPr>
+              <a:t>model-checker</a:t>
+            </a:r>
+            <a:r>
+              <a:rPr lang="hu-HU" sz="4000" dirty="0">
+                <a:solidFill>
+                  <a:srgbClr val="EA700D"/>
+                </a:solidFill>
+              </a:rPr>
+              <a:t> is </a:t>
+            </a:r>
+            <a:r>
+              <a:rPr lang="hu-HU" sz="4000" dirty="0" err="1">
+                <a:solidFill>
+                  <a:srgbClr val="EA700D"/>
+                </a:solidFill>
+              </a:rPr>
+              <a:t>capable</a:t>
+            </a:r>
+            <a:r>
+              <a:rPr lang="hu-HU" sz="4000" dirty="0">
+                <a:solidFill>
+                  <a:srgbClr val="EA700D"/>
+                </a:solidFill>
+              </a:rPr>
+              <a:t> of </a:t>
+            </a:r>
+            <a:r>
+              <a:rPr lang="hu-HU" sz="4000" dirty="0" err="1">
+                <a:solidFill>
+                  <a:srgbClr val="EA700D"/>
+                </a:solidFill>
+              </a:rPr>
+              <a:t>exploring</a:t>
+            </a:r>
+            <a:r>
+              <a:rPr lang="hu-HU" sz="4000" dirty="0">
+                <a:solidFill>
+                  <a:srgbClr val="EA700D"/>
+                </a:solidFill>
+              </a:rPr>
+              <a:t> </a:t>
+            </a:r>
+            <a:r>
+              <a:rPr lang="hu-HU" sz="4000" dirty="0" err="1">
+                <a:solidFill>
+                  <a:srgbClr val="EA700D"/>
+                </a:solidFill>
+              </a:rPr>
+              <a:t>the</a:t>
+            </a:r>
+            <a:r>
+              <a:rPr lang="hu-HU" sz="4000" dirty="0">
+                <a:solidFill>
+                  <a:srgbClr val="EA700D"/>
+                </a:solidFill>
+              </a:rPr>
+              <a:t> </a:t>
+            </a:r>
+            <a:r>
+              <a:rPr lang="hu-HU" sz="4000" dirty="0" err="1">
+                <a:solidFill>
+                  <a:srgbClr val="EA700D"/>
+                </a:solidFill>
+              </a:rPr>
+              <a:t>entire</a:t>
+            </a:r>
+            <a:r>
+              <a:rPr lang="hu-HU" sz="4000" dirty="0">
+                <a:solidFill>
+                  <a:srgbClr val="EA700D"/>
+                </a:solidFill>
+              </a:rPr>
+              <a:t> </a:t>
+            </a:r>
+            <a:r>
+              <a:rPr lang="hu-HU" sz="4000" dirty="0" err="1">
+                <a:solidFill>
+                  <a:srgbClr val="EA700D"/>
+                </a:solidFill>
+              </a:rPr>
+              <a:t>state-space</a:t>
+            </a:r>
+            <a:r>
+              <a:rPr lang="hu-HU" sz="4000" dirty="0">
+                <a:solidFill>
+                  <a:srgbClr val="EA700D"/>
+                </a:solidFill>
+              </a:rPr>
+              <a:t> of </a:t>
+            </a:r>
+            <a:r>
+              <a:rPr lang="hu-HU" sz="4000" dirty="0" err="1">
+                <a:solidFill>
+                  <a:srgbClr val="EA700D"/>
+                </a:solidFill>
+              </a:rPr>
+              <a:t>the</a:t>
+            </a:r>
+            <a:r>
+              <a:rPr lang="hu-HU" sz="4000" dirty="0">
+                <a:solidFill>
+                  <a:srgbClr val="EA700D"/>
+                </a:solidFill>
+              </a:rPr>
+              <a:t> input </a:t>
+            </a:r>
+            <a:r>
+              <a:rPr lang="hu-HU" sz="4000" dirty="0" err="1">
+                <a:solidFill>
+                  <a:srgbClr val="EA700D"/>
+                </a:solidFill>
+              </a:rPr>
+              <a:t>model</a:t>
+            </a:r>
+            <a:r>
+              <a:rPr lang="hu-HU" sz="4000" dirty="0">
+                <a:solidFill>
+                  <a:srgbClr val="EA700D"/>
+                </a:solidFill>
+              </a:rPr>
+              <a:t> and </a:t>
+            </a:r>
+            <a:r>
+              <a:rPr lang="hu-HU" sz="4000" dirty="0" err="1">
+                <a:solidFill>
+                  <a:srgbClr val="EA700D"/>
+                </a:solidFill>
+              </a:rPr>
+              <a:t>investigating</a:t>
+            </a:r>
+            <a:r>
+              <a:rPr lang="hu-HU" sz="4000" dirty="0">
+                <a:solidFill>
+                  <a:srgbClr val="EA700D"/>
+                </a:solidFill>
+              </a:rPr>
+              <a:t> </a:t>
+            </a:r>
+            <a:r>
+              <a:rPr lang="hu-HU" sz="4000" dirty="0" err="1">
+                <a:solidFill>
+                  <a:srgbClr val="EA700D"/>
+                </a:solidFill>
+              </a:rPr>
+              <a:t>whether</a:t>
+            </a:r>
+            <a:r>
+              <a:rPr lang="hu-HU" sz="4000" dirty="0">
+                <a:solidFill>
+                  <a:srgbClr val="EA700D"/>
+                </a:solidFill>
+              </a:rPr>
+              <a:t> </a:t>
+            </a:r>
+            <a:r>
+              <a:rPr lang="hu-HU" sz="4000" dirty="0" err="1">
+                <a:solidFill>
+                  <a:srgbClr val="EA700D"/>
+                </a:solidFill>
+              </a:rPr>
+              <a:t>certain</a:t>
+            </a:r>
+            <a:r>
+              <a:rPr lang="hu-HU" sz="4000" dirty="0">
+                <a:solidFill>
+                  <a:srgbClr val="EA700D"/>
+                </a:solidFill>
+              </a:rPr>
+              <a:t> </a:t>
+            </a:r>
+            <a:r>
+              <a:rPr lang="hu-HU" sz="4000" dirty="0" err="1">
+                <a:solidFill>
+                  <a:srgbClr val="EA700D"/>
+                </a:solidFill>
+              </a:rPr>
+              <a:t>erroneous</a:t>
+            </a:r>
+            <a:r>
+              <a:rPr lang="hu-HU" sz="4000" dirty="0">
+                <a:solidFill>
+                  <a:srgbClr val="EA700D"/>
+                </a:solidFill>
+              </a:rPr>
+              <a:t> </a:t>
+            </a:r>
+            <a:r>
+              <a:rPr lang="hu-HU" sz="4000" dirty="0" err="1">
+                <a:solidFill>
+                  <a:srgbClr val="EA700D"/>
+                </a:solidFill>
+              </a:rPr>
+              <a:t>states</a:t>
+            </a:r>
+            <a:r>
+              <a:rPr lang="hu-HU" sz="4000" dirty="0">
+                <a:solidFill>
+                  <a:srgbClr val="EA700D"/>
+                </a:solidFill>
+              </a:rPr>
+              <a:t> </a:t>
+            </a:r>
+            <a:r>
+              <a:rPr lang="hu-HU" sz="4000" dirty="0" err="1">
+                <a:solidFill>
+                  <a:srgbClr val="EA700D"/>
+                </a:solidFill>
+              </a:rPr>
+              <a:t>are</a:t>
+            </a:r>
+            <a:r>
+              <a:rPr lang="hu-HU" sz="4000" dirty="0">
+                <a:solidFill>
+                  <a:srgbClr val="EA700D"/>
+                </a:solidFill>
+              </a:rPr>
+              <a:t> </a:t>
+            </a:r>
+            <a:r>
+              <a:rPr lang="hu-HU" sz="4000" dirty="0" err="1">
+                <a:solidFill>
+                  <a:srgbClr val="EA700D"/>
+                </a:solidFill>
+              </a:rPr>
+              <a:t>reachable</a:t>
+            </a:r>
+            <a:r>
+              <a:rPr lang="hu-HU" sz="4000" dirty="0">
+                <a:solidFill>
+                  <a:srgbClr val="EA700D"/>
+                </a:solidFill>
+              </a:rPr>
+              <a:t>. </a:t>
+            </a:r>
+            <a:r>
+              <a:rPr lang="hu-HU" sz="4000" dirty="0" err="1">
+                <a:solidFill>
+                  <a:srgbClr val="EA700D"/>
+                </a:solidFill>
+              </a:rPr>
+              <a:t>If</a:t>
+            </a:r>
+            <a:r>
+              <a:rPr lang="hu-HU" sz="4000" dirty="0">
+                <a:solidFill>
+                  <a:srgbClr val="EA700D"/>
+                </a:solidFill>
+              </a:rPr>
+              <a:t> </a:t>
+            </a:r>
+            <a:r>
+              <a:rPr lang="hu-HU" sz="4000" dirty="0" err="1">
+                <a:solidFill>
+                  <a:srgbClr val="EA700D"/>
+                </a:solidFill>
+              </a:rPr>
+              <a:t>so</a:t>
+            </a:r>
+            <a:r>
+              <a:rPr lang="hu-HU" sz="4000" dirty="0">
+                <a:solidFill>
+                  <a:srgbClr val="EA700D"/>
+                </a:solidFill>
+              </a:rPr>
+              <a:t>, </a:t>
+            </a:r>
+            <a:r>
+              <a:rPr lang="hu-HU" sz="4000" dirty="0" err="1">
+                <a:solidFill>
+                  <a:srgbClr val="EA700D"/>
+                </a:solidFill>
+              </a:rPr>
+              <a:t>the</a:t>
+            </a:r>
+            <a:r>
+              <a:rPr lang="hu-HU" sz="4000" dirty="0">
+                <a:solidFill>
+                  <a:srgbClr val="EA700D"/>
+                </a:solidFill>
+              </a:rPr>
+              <a:t> </a:t>
+            </a:r>
+            <a:r>
+              <a:rPr lang="hu-HU" sz="4000" dirty="0" err="1">
+                <a:solidFill>
+                  <a:srgbClr val="EA700D"/>
+                </a:solidFill>
+              </a:rPr>
+              <a:t>model-checker</a:t>
+            </a:r>
+            <a:r>
+              <a:rPr lang="hu-HU" sz="4000" dirty="0">
+                <a:solidFill>
+                  <a:srgbClr val="EA700D"/>
+                </a:solidFill>
+              </a:rPr>
+              <a:t> </a:t>
+            </a:r>
+            <a:r>
+              <a:rPr lang="hu-HU" sz="4000" dirty="0" err="1">
+                <a:solidFill>
+                  <a:srgbClr val="EA700D"/>
+                </a:solidFill>
+              </a:rPr>
+              <a:t>returns</a:t>
+            </a:r>
+            <a:r>
+              <a:rPr lang="hu-HU" sz="4000" dirty="0">
+                <a:solidFill>
+                  <a:srgbClr val="EA700D"/>
+                </a:solidFill>
+              </a:rPr>
+              <a:t> a firing </a:t>
+            </a:r>
+            <a:r>
+              <a:rPr lang="hu-HU" sz="4000" dirty="0" err="1">
+                <a:solidFill>
+                  <a:srgbClr val="EA700D"/>
+                </a:solidFill>
+              </a:rPr>
+              <a:t>sequence</a:t>
+            </a:r>
+            <a:r>
+              <a:rPr lang="hu-HU" sz="4000" dirty="0">
+                <a:solidFill>
+                  <a:srgbClr val="EA700D"/>
+                </a:solidFill>
+              </a:rPr>
+              <a:t> </a:t>
+            </a:r>
+            <a:r>
+              <a:rPr lang="hu-HU" sz="4000" dirty="0" err="1">
+                <a:solidFill>
+                  <a:srgbClr val="EA700D"/>
+                </a:solidFill>
+              </a:rPr>
+              <a:t>that</a:t>
+            </a:r>
+            <a:r>
+              <a:rPr lang="hu-HU" sz="4000" dirty="0">
+                <a:solidFill>
+                  <a:srgbClr val="EA700D"/>
+                </a:solidFill>
+              </a:rPr>
+              <a:t> </a:t>
+            </a:r>
+            <a:r>
+              <a:rPr lang="hu-HU" sz="4000" dirty="0" err="1">
+                <a:solidFill>
+                  <a:srgbClr val="EA700D"/>
+                </a:solidFill>
+              </a:rPr>
+              <a:t>specifies</a:t>
+            </a:r>
+            <a:r>
+              <a:rPr lang="hu-HU" sz="4000" dirty="0">
+                <a:solidFill>
+                  <a:srgbClr val="EA700D"/>
+                </a:solidFill>
+              </a:rPr>
+              <a:t> </a:t>
+            </a:r>
+            <a:r>
+              <a:rPr lang="hu-HU" sz="4000" dirty="0" err="1">
+                <a:solidFill>
+                  <a:srgbClr val="EA700D"/>
+                </a:solidFill>
+              </a:rPr>
+              <a:t>the</a:t>
+            </a:r>
+            <a:r>
+              <a:rPr lang="hu-HU" sz="4000" dirty="0">
+                <a:solidFill>
+                  <a:srgbClr val="EA700D"/>
+                </a:solidFill>
+              </a:rPr>
+              <a:t> </a:t>
+            </a:r>
+            <a:r>
+              <a:rPr lang="hu-HU" sz="4000" dirty="0" err="1">
+                <a:solidFill>
+                  <a:srgbClr val="EA700D"/>
+                </a:solidFill>
+              </a:rPr>
+              <a:t>transitions</a:t>
+            </a:r>
+            <a:r>
+              <a:rPr lang="hu-HU" sz="4000" dirty="0">
+                <a:solidFill>
+                  <a:srgbClr val="EA700D"/>
+                </a:solidFill>
+              </a:rPr>
+              <a:t> </a:t>
+            </a:r>
+            <a:r>
+              <a:rPr lang="hu-HU" sz="4000" dirty="0" err="1">
+                <a:solidFill>
+                  <a:srgbClr val="EA700D"/>
+                </a:solidFill>
+              </a:rPr>
+              <a:t>that</a:t>
+            </a:r>
+            <a:r>
+              <a:rPr lang="hu-HU" sz="4000" dirty="0">
+                <a:solidFill>
+                  <a:srgbClr val="EA700D"/>
+                </a:solidFill>
+              </a:rPr>
+              <a:t> </a:t>
+            </a:r>
+            <a:r>
+              <a:rPr lang="hu-HU" sz="4000" dirty="0" err="1">
+                <a:solidFill>
+                  <a:srgbClr val="EA700D"/>
+                </a:solidFill>
+              </a:rPr>
+              <a:t>have</a:t>
+            </a:r>
+            <a:r>
+              <a:rPr lang="hu-HU" sz="4000" dirty="0">
+                <a:solidFill>
+                  <a:srgbClr val="EA700D"/>
+                </a:solidFill>
+              </a:rPr>
+              <a:t> </a:t>
+            </a:r>
+            <a:r>
+              <a:rPr lang="hu-HU" sz="4000" dirty="0" err="1">
+                <a:solidFill>
+                  <a:srgbClr val="EA700D"/>
+                </a:solidFill>
+              </a:rPr>
+              <a:t>to</a:t>
+            </a:r>
+            <a:r>
+              <a:rPr lang="hu-HU" sz="4000" dirty="0">
+                <a:solidFill>
+                  <a:srgbClr val="EA700D"/>
+                </a:solidFill>
+              </a:rPr>
+              <a:t> be </a:t>
+            </a:r>
+            <a:r>
+              <a:rPr lang="hu-HU" sz="4000" dirty="0" err="1">
+                <a:solidFill>
+                  <a:srgbClr val="EA700D"/>
+                </a:solidFill>
+              </a:rPr>
+              <a:t>fired</a:t>
+            </a:r>
+            <a:r>
+              <a:rPr lang="hu-HU" sz="4000" dirty="0">
+                <a:solidFill>
+                  <a:srgbClr val="EA700D"/>
+                </a:solidFill>
+              </a:rPr>
+              <a:t> </a:t>
+            </a:r>
+            <a:r>
+              <a:rPr lang="hu-HU" sz="4000" dirty="0" err="1">
+                <a:solidFill>
+                  <a:srgbClr val="EA700D"/>
+                </a:solidFill>
+              </a:rPr>
+              <a:t>so</a:t>
+            </a:r>
+            <a:r>
+              <a:rPr lang="hu-HU" sz="4000" dirty="0">
+                <a:solidFill>
+                  <a:srgbClr val="EA700D"/>
+                </a:solidFill>
+              </a:rPr>
+              <a:t> </a:t>
+            </a:r>
+            <a:r>
+              <a:rPr lang="hu-HU" sz="4000" dirty="0" err="1">
+                <a:solidFill>
+                  <a:srgbClr val="EA700D"/>
+                </a:solidFill>
+              </a:rPr>
+              <a:t>the</a:t>
+            </a:r>
+            <a:r>
+              <a:rPr lang="hu-HU" sz="4000" dirty="0">
+                <a:solidFill>
+                  <a:srgbClr val="EA700D"/>
+                </a:solidFill>
+              </a:rPr>
+              <a:t> </a:t>
+            </a:r>
+            <a:r>
+              <a:rPr lang="hu-HU" sz="4000" dirty="0" err="1">
+                <a:solidFill>
+                  <a:srgbClr val="EA700D"/>
+                </a:solidFill>
+              </a:rPr>
+              <a:t>model</a:t>
+            </a:r>
+            <a:r>
+              <a:rPr lang="hu-HU" sz="4000" dirty="0">
+                <a:solidFill>
+                  <a:srgbClr val="EA700D"/>
+                </a:solidFill>
+              </a:rPr>
+              <a:t> </a:t>
+            </a:r>
+            <a:r>
+              <a:rPr lang="hu-HU" sz="4000" dirty="0" err="1">
+                <a:solidFill>
+                  <a:srgbClr val="EA700D"/>
+                </a:solidFill>
+              </a:rPr>
+              <a:t>gets</a:t>
+            </a:r>
+            <a:r>
+              <a:rPr lang="hu-HU" sz="4000" dirty="0">
+                <a:solidFill>
+                  <a:srgbClr val="EA700D"/>
+                </a:solidFill>
+              </a:rPr>
+              <a:t> </a:t>
+            </a:r>
+            <a:r>
+              <a:rPr lang="hu-HU" sz="4000" dirty="0" err="1">
+                <a:solidFill>
+                  <a:srgbClr val="EA700D"/>
+                </a:solidFill>
+              </a:rPr>
+              <a:t>into</a:t>
+            </a:r>
+            <a:r>
+              <a:rPr lang="hu-HU" sz="4000" dirty="0">
+                <a:solidFill>
+                  <a:srgbClr val="EA700D"/>
+                </a:solidFill>
+              </a:rPr>
+              <a:t> </a:t>
+            </a:r>
+            <a:r>
+              <a:rPr lang="hu-HU" sz="4000" dirty="0" err="1">
+                <a:solidFill>
+                  <a:srgbClr val="EA700D"/>
+                </a:solidFill>
+              </a:rPr>
+              <a:t>the</a:t>
+            </a:r>
+            <a:r>
+              <a:rPr lang="hu-HU" sz="4000" dirty="0">
+                <a:solidFill>
+                  <a:srgbClr val="EA700D"/>
+                </a:solidFill>
+              </a:rPr>
+              <a:t> </a:t>
+            </a:r>
+            <a:r>
+              <a:rPr lang="hu-HU" sz="4000" dirty="0" err="1">
+                <a:solidFill>
+                  <a:srgbClr val="EA700D"/>
+                </a:solidFill>
+              </a:rPr>
+              <a:t>certain</a:t>
+            </a:r>
+            <a:r>
+              <a:rPr lang="hu-HU" sz="4000" dirty="0">
+                <a:solidFill>
+                  <a:srgbClr val="EA700D"/>
+                </a:solidFill>
+              </a:rPr>
+              <a:t> </a:t>
+            </a:r>
+            <a:r>
+              <a:rPr lang="hu-HU" sz="4000" dirty="0" err="1">
+                <a:solidFill>
+                  <a:srgbClr val="EA700D"/>
+                </a:solidFill>
+              </a:rPr>
+              <a:t>erroneous</a:t>
+            </a:r>
+            <a:r>
+              <a:rPr lang="hu-HU" sz="4000" dirty="0">
+                <a:solidFill>
+                  <a:srgbClr val="EA700D"/>
+                </a:solidFill>
+              </a:rPr>
+              <a:t> </a:t>
+            </a:r>
+            <a:r>
+              <a:rPr lang="hu-HU" sz="4000" dirty="0" err="1">
+                <a:solidFill>
+                  <a:srgbClr val="EA700D"/>
+                </a:solidFill>
+              </a:rPr>
+              <a:t>state</a:t>
+            </a:r>
+            <a:r>
+              <a:rPr lang="hu-HU" sz="4000" dirty="0">
+                <a:solidFill>
+                  <a:srgbClr val="EA700D"/>
+                </a:solidFill>
+              </a:rPr>
+              <a:t>. </a:t>
+            </a:r>
+            <a:r>
+              <a:rPr lang="hu-HU" sz="4000" dirty="0" err="1">
+                <a:solidFill>
+                  <a:srgbClr val="EA700D"/>
+                </a:solidFill>
+              </a:rPr>
+              <a:t>Its</a:t>
+            </a:r>
+            <a:r>
+              <a:rPr lang="hu-HU" sz="4000" dirty="0">
+                <a:solidFill>
+                  <a:srgbClr val="EA700D"/>
+                </a:solidFill>
+              </a:rPr>
+              <a:t> </a:t>
+            </a:r>
+            <a:r>
+              <a:rPr lang="hu-HU" sz="4000" dirty="0" err="1">
+                <a:solidFill>
+                  <a:srgbClr val="EA700D"/>
+                </a:solidFill>
+              </a:rPr>
+              <a:t>advantage</a:t>
+            </a:r>
+            <a:r>
+              <a:rPr lang="hu-HU" sz="4000" dirty="0">
+                <a:solidFill>
+                  <a:srgbClr val="EA700D"/>
+                </a:solidFill>
+              </a:rPr>
+              <a:t> </a:t>
+            </a:r>
+            <a:r>
+              <a:rPr lang="hu-HU" sz="4000" dirty="0" err="1">
+                <a:solidFill>
+                  <a:srgbClr val="EA700D"/>
+                </a:solidFill>
+              </a:rPr>
+              <a:t>against</a:t>
+            </a:r>
+            <a:r>
+              <a:rPr lang="hu-HU" sz="4000" dirty="0">
+                <a:solidFill>
+                  <a:srgbClr val="EA700D"/>
+                </a:solidFill>
+              </a:rPr>
+              <a:t> testing is </a:t>
+            </a:r>
+            <a:r>
+              <a:rPr lang="hu-HU" sz="4000" dirty="0" err="1">
+                <a:solidFill>
+                  <a:srgbClr val="EA700D"/>
+                </a:solidFill>
+              </a:rPr>
+              <a:t>that</a:t>
+            </a:r>
+            <a:r>
+              <a:rPr lang="hu-HU" sz="4000" dirty="0">
+                <a:solidFill>
+                  <a:srgbClr val="EA700D"/>
+                </a:solidFill>
+              </a:rPr>
+              <a:t> </a:t>
+            </a:r>
+            <a:r>
+              <a:rPr lang="hu-HU" sz="4000" dirty="0" err="1">
+                <a:solidFill>
+                  <a:srgbClr val="EA700D"/>
+                </a:solidFill>
+              </a:rPr>
+              <a:t>model-checking</a:t>
+            </a:r>
+            <a:r>
+              <a:rPr lang="hu-HU" sz="4000" dirty="0">
+                <a:solidFill>
+                  <a:srgbClr val="EA700D"/>
+                </a:solidFill>
+              </a:rPr>
+              <a:t> </a:t>
+            </a:r>
+            <a:r>
+              <a:rPr lang="hu-HU" sz="4000" dirty="0" err="1">
+                <a:solidFill>
+                  <a:srgbClr val="EA700D"/>
+                </a:solidFill>
+              </a:rPr>
+              <a:t>can</a:t>
+            </a:r>
+            <a:r>
+              <a:rPr lang="hu-HU" sz="4000" dirty="0">
+                <a:solidFill>
+                  <a:srgbClr val="EA700D"/>
+                </a:solidFill>
+              </a:rPr>
+              <a:t> </a:t>
+            </a:r>
+            <a:r>
+              <a:rPr lang="hu-HU" sz="4000" dirty="0" err="1">
+                <a:solidFill>
+                  <a:srgbClr val="EA700D"/>
+                </a:solidFill>
+              </a:rPr>
+              <a:t>prove</a:t>
+            </a:r>
+            <a:r>
+              <a:rPr lang="hu-HU" sz="4000" dirty="0">
+                <a:solidFill>
+                  <a:srgbClr val="EA700D"/>
+                </a:solidFill>
+              </a:rPr>
+              <a:t> </a:t>
+            </a:r>
+            <a:r>
+              <a:rPr lang="hu-HU" sz="4000" dirty="0" err="1">
+                <a:solidFill>
+                  <a:srgbClr val="EA700D"/>
+                </a:solidFill>
+              </a:rPr>
+              <a:t>the</a:t>
+            </a:r>
+            <a:r>
+              <a:rPr lang="hu-HU" sz="4000" dirty="0">
+                <a:solidFill>
+                  <a:srgbClr val="EA700D"/>
+                </a:solidFill>
+              </a:rPr>
+              <a:t> </a:t>
+            </a:r>
+            <a:r>
+              <a:rPr lang="hu-HU" sz="4000" dirty="0" err="1">
+                <a:solidFill>
+                  <a:srgbClr val="EA700D"/>
+                </a:solidFill>
+              </a:rPr>
+              <a:t>absence</a:t>
+            </a:r>
+            <a:r>
+              <a:rPr lang="hu-HU" sz="4000" dirty="0">
+                <a:solidFill>
+                  <a:srgbClr val="EA700D"/>
+                </a:solidFill>
+              </a:rPr>
+              <a:t> of </a:t>
+            </a:r>
+            <a:r>
+              <a:rPr lang="hu-HU" sz="4000" dirty="0" err="1">
+                <a:solidFill>
+                  <a:srgbClr val="EA700D"/>
+                </a:solidFill>
+              </a:rPr>
+              <a:t>faults</a:t>
+            </a:r>
+            <a:r>
+              <a:rPr lang="hu-HU" sz="4000" dirty="0">
+                <a:solidFill>
+                  <a:srgbClr val="EA700D"/>
+                </a:solidFill>
+              </a:rPr>
+              <a:t> in </a:t>
+            </a:r>
+            <a:r>
+              <a:rPr lang="hu-HU" sz="4000" dirty="0" err="1">
+                <a:solidFill>
+                  <a:srgbClr val="EA700D"/>
+                </a:solidFill>
+              </a:rPr>
+              <a:t>addition</a:t>
+            </a:r>
+            <a:r>
+              <a:rPr lang="hu-HU" sz="4000" dirty="0">
+                <a:solidFill>
+                  <a:srgbClr val="EA700D"/>
+                </a:solidFill>
+              </a:rPr>
+              <a:t> </a:t>
+            </a:r>
+            <a:r>
+              <a:rPr lang="hu-HU" sz="4000" dirty="0" err="1">
+                <a:solidFill>
+                  <a:srgbClr val="EA700D"/>
+                </a:solidFill>
+              </a:rPr>
+              <a:t>to</a:t>
+            </a:r>
+            <a:r>
+              <a:rPr lang="hu-HU" sz="4000" dirty="0">
+                <a:solidFill>
+                  <a:srgbClr val="EA700D"/>
+                </a:solidFill>
+              </a:rPr>
+              <a:t> </a:t>
+            </a:r>
+            <a:r>
+              <a:rPr lang="hu-HU" sz="4000" dirty="0" err="1">
+                <a:solidFill>
+                  <a:srgbClr val="EA700D"/>
+                </a:solidFill>
+              </a:rPr>
+              <a:t>their</a:t>
+            </a:r>
+            <a:r>
+              <a:rPr lang="hu-HU" sz="4000" dirty="0">
+                <a:solidFill>
+                  <a:srgbClr val="EA700D"/>
+                </a:solidFill>
+              </a:rPr>
+              <a:t> </a:t>
+            </a:r>
+            <a:r>
+              <a:rPr lang="hu-HU" sz="4000" dirty="0" err="1">
+                <a:solidFill>
+                  <a:srgbClr val="EA700D"/>
+                </a:solidFill>
+              </a:rPr>
+              <a:t>presence</a:t>
+            </a:r>
+            <a:r>
+              <a:rPr lang="hu-HU" sz="4000" dirty="0">
+                <a:solidFill>
+                  <a:srgbClr val="EA700D"/>
+                </a:solidFill>
+              </a:rPr>
+              <a:t>.</a:t>
+            </a:r>
           </a:p>
           <a:p>
             <a:endParaRPr lang="hu-HU" sz="4000" dirty="0">
@@ -5657,35 +9047,934 @@
                   <a:srgbClr val="EA700D"/>
                 </a:solidFill>
               </a:rPr>
-              <a:t>A következő lépés a Gamma fejlődésében egy kompozíciós nyelv megalkotása volt, amely támogatta a mérnöki állapotgépek kompozícióját egy szinkron szemantika szerint. Hogy a mérnöki modellek komponálhatók legyenek, az állapotgép nyelvet fel kellett ruházni interfészekkel és portokkal, amelyek a kommunikációt segítik.</a:t>
-            </a:r>
-          </a:p>
-          <a:p>
+              <a:t>The </a:t>
+            </a:r>
+            <a:r>
+              <a:rPr lang="hu-HU" sz="4000" dirty="0" err="1">
+                <a:solidFill>
+                  <a:srgbClr val="EA700D"/>
+                </a:solidFill>
+              </a:rPr>
+              <a:t>next</a:t>
+            </a:r>
             <a:r>
               <a:rPr lang="hu-HU" sz="4000" dirty="0">
                 <a:solidFill>
                   <a:srgbClr val="EA700D"/>
                 </a:solidFill>
               </a:rPr>
-              <a:t>A kompozíciós nyelven történő tervezést ezen a szinten is validációs szabályok segítették.</a:t>
-            </a:r>
-          </a:p>
-          <a:p>
+              <a:t> </a:t>
+            </a:r>
+            <a:r>
+              <a:rPr lang="hu-HU" sz="4000" dirty="0" err="1">
+                <a:solidFill>
+                  <a:srgbClr val="EA700D"/>
+                </a:solidFill>
+              </a:rPr>
+              <a:t>step</a:t>
+            </a:r>
             <a:r>
               <a:rPr lang="hu-HU" sz="4000" dirty="0">
                 <a:solidFill>
                   <a:srgbClr val="EA700D"/>
                 </a:solidFill>
               </a:rPr>
-              <a:t>Az elkészített kompozíciós modellből forráskódot lehetett generálni, illetve formális modellt is, de a verifikációs folyamat még NEM volt automatizálva.</a:t>
-            </a:r>
-          </a:p>
-          <a:p>
-            <a:endParaRPr lang="hu-HU" sz="4000" dirty="0">
-              <a:solidFill>
-                <a:srgbClr val="EA700D"/>
-              </a:solidFill>
-            </a:endParaRPr>
+              <a:t> </a:t>
+            </a:r>
+            <a:r>
+              <a:rPr lang="hu-HU" sz="4000" dirty="0" err="1">
+                <a:solidFill>
+                  <a:srgbClr val="EA700D"/>
+                </a:solidFill>
+              </a:rPr>
+              <a:t>regarding</a:t>
+            </a:r>
+            <a:r>
+              <a:rPr lang="hu-HU" sz="4000" dirty="0">
+                <a:solidFill>
+                  <a:srgbClr val="EA700D"/>
+                </a:solidFill>
+              </a:rPr>
+              <a:t> </a:t>
+            </a:r>
+            <a:r>
+              <a:rPr lang="hu-HU" sz="4000" dirty="0" err="1">
+                <a:solidFill>
+                  <a:srgbClr val="EA700D"/>
+                </a:solidFill>
+              </a:rPr>
+              <a:t>the</a:t>
+            </a:r>
+            <a:r>
+              <a:rPr lang="hu-HU" sz="4000" dirty="0">
+                <a:solidFill>
+                  <a:srgbClr val="EA700D"/>
+                </a:solidFill>
+              </a:rPr>
+              <a:t> </a:t>
+            </a:r>
+            <a:r>
+              <a:rPr lang="hu-HU" sz="4000" dirty="0" err="1">
+                <a:solidFill>
+                  <a:srgbClr val="EA700D"/>
+                </a:solidFill>
+              </a:rPr>
+              <a:t>evolvement</a:t>
+            </a:r>
+            <a:r>
+              <a:rPr lang="hu-HU" sz="4000" dirty="0">
+                <a:solidFill>
+                  <a:srgbClr val="EA700D"/>
+                </a:solidFill>
+              </a:rPr>
+              <a:t> of Gamma </a:t>
+            </a:r>
+            <a:r>
+              <a:rPr lang="hu-HU" sz="4000" dirty="0" err="1">
+                <a:solidFill>
+                  <a:srgbClr val="EA700D"/>
+                </a:solidFill>
+              </a:rPr>
+              <a:t>was</a:t>
+            </a:r>
+            <a:r>
+              <a:rPr lang="hu-HU" sz="4000" dirty="0">
+                <a:solidFill>
+                  <a:srgbClr val="EA700D"/>
+                </a:solidFill>
+              </a:rPr>
+              <a:t> </a:t>
+            </a:r>
+            <a:r>
+              <a:rPr lang="hu-HU" sz="4000" dirty="0" err="1">
+                <a:solidFill>
+                  <a:srgbClr val="EA700D"/>
+                </a:solidFill>
+              </a:rPr>
+              <a:t>the</a:t>
+            </a:r>
+            <a:r>
+              <a:rPr lang="hu-HU" sz="4000" dirty="0">
+                <a:solidFill>
+                  <a:srgbClr val="EA700D"/>
+                </a:solidFill>
+              </a:rPr>
+              <a:t> </a:t>
+            </a:r>
+            <a:r>
+              <a:rPr lang="hu-HU" sz="4000" dirty="0" err="1">
+                <a:solidFill>
+                  <a:srgbClr val="EA700D"/>
+                </a:solidFill>
+              </a:rPr>
+              <a:t>creation</a:t>
+            </a:r>
+            <a:r>
+              <a:rPr lang="hu-HU" sz="4000" dirty="0">
+                <a:solidFill>
+                  <a:srgbClr val="EA700D"/>
+                </a:solidFill>
+              </a:rPr>
+              <a:t> of a </a:t>
+            </a:r>
+            <a:r>
+              <a:rPr lang="hu-HU" sz="4000" dirty="0" err="1">
+                <a:solidFill>
+                  <a:srgbClr val="EA700D"/>
+                </a:solidFill>
+              </a:rPr>
+              <a:t>composition</a:t>
+            </a:r>
+            <a:r>
+              <a:rPr lang="hu-HU" sz="4000" dirty="0">
+                <a:solidFill>
+                  <a:srgbClr val="EA700D"/>
+                </a:solidFill>
+              </a:rPr>
+              <a:t> </a:t>
+            </a:r>
+            <a:r>
+              <a:rPr lang="hu-HU" sz="4000" dirty="0" err="1">
+                <a:solidFill>
+                  <a:srgbClr val="EA700D"/>
+                </a:solidFill>
+              </a:rPr>
+              <a:t>language</a:t>
+            </a:r>
+            <a:r>
+              <a:rPr lang="hu-HU" sz="4000" dirty="0">
+                <a:solidFill>
+                  <a:srgbClr val="EA700D"/>
+                </a:solidFill>
+              </a:rPr>
+              <a:t>, </a:t>
+            </a:r>
+            <a:r>
+              <a:rPr lang="hu-HU" sz="4000" dirty="0" err="1">
+                <a:solidFill>
+                  <a:srgbClr val="EA700D"/>
+                </a:solidFill>
+              </a:rPr>
+              <a:t>which</a:t>
+            </a:r>
+            <a:r>
+              <a:rPr lang="hu-HU" sz="4000" dirty="0">
+                <a:solidFill>
+                  <a:srgbClr val="EA700D"/>
+                </a:solidFill>
+              </a:rPr>
+              <a:t> </a:t>
+            </a:r>
+            <a:r>
+              <a:rPr lang="hu-HU" sz="4000" dirty="0" err="1">
+                <a:solidFill>
+                  <a:srgbClr val="EA700D"/>
+                </a:solidFill>
+              </a:rPr>
+              <a:t>supported</a:t>
+            </a:r>
+            <a:r>
+              <a:rPr lang="hu-HU" sz="4000" dirty="0">
+                <a:solidFill>
+                  <a:srgbClr val="EA700D"/>
+                </a:solidFill>
+              </a:rPr>
+              <a:t> </a:t>
+            </a:r>
+            <a:r>
+              <a:rPr lang="hu-HU" sz="4000" dirty="0" err="1">
+                <a:solidFill>
+                  <a:srgbClr val="EA700D"/>
+                </a:solidFill>
+              </a:rPr>
+              <a:t>the</a:t>
+            </a:r>
+            <a:r>
+              <a:rPr lang="hu-HU" sz="4000" dirty="0">
+                <a:solidFill>
+                  <a:srgbClr val="EA700D"/>
+                </a:solidFill>
+              </a:rPr>
+              <a:t> </a:t>
+            </a:r>
+            <a:r>
+              <a:rPr lang="hu-HU" sz="4000" dirty="0" err="1">
+                <a:solidFill>
+                  <a:srgbClr val="EA700D"/>
+                </a:solidFill>
+              </a:rPr>
+              <a:t>composition</a:t>
+            </a:r>
+            <a:r>
+              <a:rPr lang="hu-HU" sz="4000" dirty="0">
+                <a:solidFill>
+                  <a:srgbClr val="EA700D"/>
+                </a:solidFill>
+              </a:rPr>
+              <a:t> of </a:t>
+            </a:r>
+            <a:r>
+              <a:rPr lang="hu-HU" sz="4000" dirty="0" err="1">
+                <a:solidFill>
+                  <a:srgbClr val="EA700D"/>
+                </a:solidFill>
+              </a:rPr>
+              <a:t>statecharts</a:t>
+            </a:r>
+            <a:r>
+              <a:rPr lang="hu-HU" sz="4000" dirty="0">
+                <a:solidFill>
+                  <a:srgbClr val="EA700D"/>
+                </a:solidFill>
+              </a:rPr>
+              <a:t> in </a:t>
+            </a:r>
+            <a:r>
+              <a:rPr lang="hu-HU" sz="4000" dirty="0" err="1">
+                <a:solidFill>
+                  <a:srgbClr val="EA700D"/>
+                </a:solidFill>
+              </a:rPr>
+              <a:t>accordance</a:t>
+            </a:r>
+            <a:r>
+              <a:rPr lang="hu-HU" sz="4000" dirty="0">
+                <a:solidFill>
+                  <a:srgbClr val="EA700D"/>
+                </a:solidFill>
+              </a:rPr>
+              <a:t> </a:t>
+            </a:r>
+            <a:r>
+              <a:rPr lang="hu-HU" sz="4000" dirty="0" err="1">
+                <a:solidFill>
+                  <a:srgbClr val="EA700D"/>
+                </a:solidFill>
+              </a:rPr>
+              <a:t>with</a:t>
+            </a:r>
+            <a:r>
+              <a:rPr lang="hu-HU" sz="4000" dirty="0">
+                <a:solidFill>
+                  <a:srgbClr val="EA700D"/>
+                </a:solidFill>
+              </a:rPr>
+              <a:t> a </a:t>
+            </a:r>
+            <a:r>
+              <a:rPr lang="hu-HU" sz="4000" dirty="0" err="1">
+                <a:solidFill>
+                  <a:srgbClr val="EA700D"/>
+                </a:solidFill>
+              </a:rPr>
+              <a:t>synchronous</a:t>
+            </a:r>
+            <a:r>
+              <a:rPr lang="hu-HU" sz="4000" dirty="0">
+                <a:solidFill>
+                  <a:srgbClr val="EA700D"/>
+                </a:solidFill>
+              </a:rPr>
+              <a:t> </a:t>
+            </a:r>
+            <a:r>
+              <a:rPr lang="hu-HU" sz="4000" dirty="0" err="1">
+                <a:solidFill>
+                  <a:srgbClr val="EA700D"/>
+                </a:solidFill>
+              </a:rPr>
+              <a:t>semantics</a:t>
+            </a:r>
+            <a:r>
+              <a:rPr lang="hu-HU" sz="4000" dirty="0">
+                <a:solidFill>
+                  <a:srgbClr val="EA700D"/>
+                </a:solidFill>
+              </a:rPr>
+              <a:t>.</a:t>
+            </a:r>
+          </a:p>
+          <a:p>
+            <a:r>
+              <a:rPr lang="hu-HU" sz="4000" dirty="0" err="1">
+                <a:solidFill>
+                  <a:srgbClr val="EA700D"/>
+                </a:solidFill>
+              </a:rPr>
+              <a:t>To</a:t>
+            </a:r>
+            <a:r>
+              <a:rPr lang="hu-HU" sz="4000" dirty="0">
+                <a:solidFill>
+                  <a:srgbClr val="EA700D"/>
+                </a:solidFill>
+              </a:rPr>
+              <a:t> </a:t>
+            </a:r>
+            <a:r>
+              <a:rPr lang="hu-HU" sz="4000" dirty="0" err="1">
+                <a:solidFill>
+                  <a:srgbClr val="EA700D"/>
+                </a:solidFill>
+              </a:rPr>
+              <a:t>enable</a:t>
+            </a:r>
+            <a:r>
+              <a:rPr lang="hu-HU" sz="4000" dirty="0">
+                <a:solidFill>
+                  <a:srgbClr val="EA700D"/>
+                </a:solidFill>
+              </a:rPr>
+              <a:t> </a:t>
+            </a:r>
+            <a:r>
+              <a:rPr lang="hu-HU" sz="4000" dirty="0" err="1">
+                <a:solidFill>
+                  <a:srgbClr val="EA700D"/>
+                </a:solidFill>
+              </a:rPr>
+              <a:t>the</a:t>
+            </a:r>
+            <a:r>
+              <a:rPr lang="hu-HU" sz="4000" dirty="0">
+                <a:solidFill>
+                  <a:srgbClr val="EA700D"/>
+                </a:solidFill>
+              </a:rPr>
+              <a:t> </a:t>
+            </a:r>
+            <a:r>
+              <a:rPr lang="hu-HU" sz="4000" dirty="0" err="1">
+                <a:solidFill>
+                  <a:srgbClr val="EA700D"/>
+                </a:solidFill>
+              </a:rPr>
+              <a:t>composition</a:t>
+            </a:r>
+            <a:r>
+              <a:rPr lang="hu-HU" sz="4000" dirty="0">
+                <a:solidFill>
+                  <a:srgbClr val="EA700D"/>
+                </a:solidFill>
+              </a:rPr>
+              <a:t> of </a:t>
+            </a:r>
+            <a:r>
+              <a:rPr lang="hu-HU" sz="4000" dirty="0" err="1">
+                <a:solidFill>
+                  <a:srgbClr val="EA700D"/>
+                </a:solidFill>
+              </a:rPr>
+              <a:t>statecharts</a:t>
+            </a:r>
+            <a:r>
+              <a:rPr lang="hu-HU" sz="4000" dirty="0">
+                <a:solidFill>
+                  <a:srgbClr val="EA700D"/>
+                </a:solidFill>
+              </a:rPr>
+              <a:t>, </a:t>
+            </a:r>
+            <a:r>
+              <a:rPr lang="hu-HU" sz="4000" dirty="0" err="1">
+                <a:solidFill>
+                  <a:srgbClr val="EA700D"/>
+                </a:solidFill>
+              </a:rPr>
+              <a:t>the</a:t>
+            </a:r>
+            <a:r>
+              <a:rPr lang="hu-HU" sz="4000" dirty="0">
+                <a:solidFill>
+                  <a:srgbClr val="EA700D"/>
+                </a:solidFill>
+              </a:rPr>
+              <a:t> </a:t>
+            </a:r>
+            <a:r>
+              <a:rPr lang="hu-HU" sz="4000" dirty="0" err="1">
+                <a:solidFill>
+                  <a:srgbClr val="EA700D"/>
+                </a:solidFill>
+              </a:rPr>
+              <a:t>statechart</a:t>
+            </a:r>
+            <a:r>
+              <a:rPr lang="hu-HU" sz="4000" dirty="0">
+                <a:solidFill>
+                  <a:srgbClr val="EA700D"/>
+                </a:solidFill>
+              </a:rPr>
+              <a:t> </a:t>
+            </a:r>
+            <a:r>
+              <a:rPr lang="hu-HU" sz="4000" dirty="0" err="1">
+                <a:solidFill>
+                  <a:srgbClr val="EA700D"/>
+                </a:solidFill>
+              </a:rPr>
+              <a:t>language</a:t>
+            </a:r>
+            <a:r>
+              <a:rPr lang="hu-HU" sz="4000" dirty="0">
+                <a:solidFill>
+                  <a:srgbClr val="EA700D"/>
+                </a:solidFill>
+              </a:rPr>
+              <a:t> had </a:t>
+            </a:r>
+            <a:r>
+              <a:rPr lang="hu-HU" sz="4000" dirty="0" err="1">
+                <a:solidFill>
+                  <a:srgbClr val="EA700D"/>
+                </a:solidFill>
+              </a:rPr>
+              <a:t>to</a:t>
+            </a:r>
+            <a:r>
+              <a:rPr lang="hu-HU" sz="4000" dirty="0">
+                <a:solidFill>
+                  <a:srgbClr val="EA700D"/>
+                </a:solidFill>
+              </a:rPr>
+              <a:t> be </a:t>
+            </a:r>
+            <a:r>
+              <a:rPr lang="hu-HU" sz="4000" dirty="0" err="1">
+                <a:solidFill>
+                  <a:srgbClr val="EA700D"/>
+                </a:solidFill>
+              </a:rPr>
+              <a:t>extended</a:t>
+            </a:r>
+            <a:r>
+              <a:rPr lang="hu-HU" sz="4000" dirty="0">
+                <a:solidFill>
+                  <a:srgbClr val="EA700D"/>
+                </a:solidFill>
+              </a:rPr>
+              <a:t> </a:t>
+            </a:r>
+            <a:r>
+              <a:rPr lang="hu-HU" sz="4000" dirty="0" err="1">
+                <a:solidFill>
+                  <a:srgbClr val="EA700D"/>
+                </a:solidFill>
+              </a:rPr>
+              <a:t>with</a:t>
+            </a:r>
+            <a:r>
+              <a:rPr lang="hu-HU" sz="4000" dirty="0">
+                <a:solidFill>
+                  <a:srgbClr val="EA700D"/>
+                </a:solidFill>
+              </a:rPr>
+              <a:t> </a:t>
+            </a:r>
+            <a:r>
+              <a:rPr lang="hu-HU" sz="4000" dirty="0" err="1">
+                <a:solidFill>
+                  <a:srgbClr val="EA700D"/>
+                </a:solidFill>
+              </a:rPr>
+              <a:t>interfaces</a:t>
+            </a:r>
+            <a:r>
+              <a:rPr lang="hu-HU" sz="4000" dirty="0">
+                <a:solidFill>
+                  <a:srgbClr val="EA700D"/>
+                </a:solidFill>
+              </a:rPr>
+              <a:t> and </a:t>
+            </a:r>
+            <a:r>
+              <a:rPr lang="hu-HU" sz="4000" dirty="0" err="1">
+                <a:solidFill>
+                  <a:srgbClr val="EA700D"/>
+                </a:solidFill>
+              </a:rPr>
+              <a:t>ports</a:t>
+            </a:r>
+            <a:r>
+              <a:rPr lang="hu-HU" sz="4000" dirty="0">
+                <a:solidFill>
+                  <a:srgbClr val="EA700D"/>
+                </a:solidFill>
+              </a:rPr>
+              <a:t>.</a:t>
+            </a:r>
+          </a:p>
+          <a:p>
+            <a:r>
+              <a:rPr lang="hu-HU" sz="4000" dirty="0">
+                <a:solidFill>
+                  <a:srgbClr val="EA700D"/>
+                </a:solidFill>
+              </a:rPr>
+              <a:t>System-</a:t>
+            </a:r>
+            <a:r>
+              <a:rPr lang="hu-HU" sz="4000" dirty="0" err="1">
+                <a:solidFill>
+                  <a:srgbClr val="EA700D"/>
+                </a:solidFill>
+              </a:rPr>
+              <a:t>level</a:t>
+            </a:r>
+            <a:r>
+              <a:rPr lang="hu-HU" sz="4000" dirty="0">
+                <a:solidFill>
+                  <a:srgbClr val="EA700D"/>
+                </a:solidFill>
+              </a:rPr>
+              <a:t> design </a:t>
+            </a:r>
+            <a:r>
+              <a:rPr lang="hu-HU" sz="4000" dirty="0" err="1">
+                <a:solidFill>
+                  <a:srgbClr val="EA700D"/>
+                </a:solidFill>
+              </a:rPr>
+              <a:t>was</a:t>
+            </a:r>
+            <a:r>
+              <a:rPr lang="hu-HU" sz="4000" dirty="0">
+                <a:solidFill>
+                  <a:srgbClr val="EA700D"/>
+                </a:solidFill>
+              </a:rPr>
+              <a:t> </a:t>
+            </a:r>
+            <a:r>
+              <a:rPr lang="hu-HU" sz="4000" dirty="0" err="1">
+                <a:solidFill>
+                  <a:srgbClr val="EA700D"/>
+                </a:solidFill>
+              </a:rPr>
+              <a:t>also</a:t>
+            </a:r>
+            <a:r>
+              <a:rPr lang="hu-HU" sz="4000" dirty="0">
+                <a:solidFill>
+                  <a:srgbClr val="EA700D"/>
+                </a:solidFill>
+              </a:rPr>
+              <a:t> </a:t>
+            </a:r>
+            <a:r>
+              <a:rPr lang="hu-HU" sz="4000" dirty="0" err="1">
+                <a:solidFill>
+                  <a:srgbClr val="EA700D"/>
+                </a:solidFill>
+              </a:rPr>
+              <a:t>aided</a:t>
+            </a:r>
+            <a:r>
+              <a:rPr lang="hu-HU" sz="4000" dirty="0">
+                <a:solidFill>
+                  <a:srgbClr val="EA700D"/>
+                </a:solidFill>
+              </a:rPr>
+              <a:t> </a:t>
+            </a:r>
+            <a:r>
+              <a:rPr lang="hu-HU" sz="4000" dirty="0" err="1">
+                <a:solidFill>
+                  <a:srgbClr val="EA700D"/>
+                </a:solidFill>
+              </a:rPr>
+              <a:t>with</a:t>
+            </a:r>
+            <a:r>
+              <a:rPr lang="hu-HU" sz="4000" dirty="0">
+                <a:solidFill>
+                  <a:srgbClr val="EA700D"/>
+                </a:solidFill>
+              </a:rPr>
+              <a:t> </a:t>
+            </a:r>
+            <a:r>
+              <a:rPr lang="hu-HU" sz="4000" dirty="0" err="1">
+                <a:solidFill>
+                  <a:srgbClr val="EA700D"/>
+                </a:solidFill>
+              </a:rPr>
+              <a:t>validation</a:t>
+            </a:r>
+            <a:r>
+              <a:rPr lang="hu-HU" sz="4000" dirty="0">
+                <a:solidFill>
+                  <a:srgbClr val="EA700D"/>
+                </a:solidFill>
+              </a:rPr>
+              <a:t> </a:t>
+            </a:r>
+            <a:r>
+              <a:rPr lang="hu-HU" sz="4000" dirty="0" err="1">
+                <a:solidFill>
+                  <a:srgbClr val="EA700D"/>
+                </a:solidFill>
+              </a:rPr>
+              <a:t>rules</a:t>
+            </a:r>
+            <a:r>
+              <a:rPr lang="hu-HU" sz="4000" dirty="0">
+                <a:solidFill>
+                  <a:srgbClr val="EA700D"/>
+                </a:solidFill>
+              </a:rPr>
+              <a:t>.</a:t>
+            </a:r>
+          </a:p>
+          <a:p>
+            <a:r>
+              <a:rPr lang="hu-HU" sz="4000" dirty="0" err="1">
+                <a:solidFill>
+                  <a:srgbClr val="EA700D"/>
+                </a:solidFill>
+              </a:rPr>
+              <a:t>Source</a:t>
+            </a:r>
+            <a:r>
+              <a:rPr lang="hu-HU" sz="4000" dirty="0">
+                <a:solidFill>
+                  <a:srgbClr val="EA700D"/>
+                </a:solidFill>
+              </a:rPr>
+              <a:t> </a:t>
+            </a:r>
+            <a:r>
+              <a:rPr lang="hu-HU" sz="4000" dirty="0" err="1">
+                <a:solidFill>
+                  <a:srgbClr val="EA700D"/>
+                </a:solidFill>
+              </a:rPr>
+              <a:t>code</a:t>
+            </a:r>
+            <a:r>
+              <a:rPr lang="hu-HU" sz="4000" dirty="0">
+                <a:solidFill>
+                  <a:srgbClr val="EA700D"/>
+                </a:solidFill>
+              </a:rPr>
+              <a:t> and </a:t>
+            </a:r>
+            <a:r>
+              <a:rPr lang="hu-HU" sz="4000" dirty="0" err="1">
+                <a:solidFill>
+                  <a:srgbClr val="EA700D"/>
+                </a:solidFill>
+              </a:rPr>
+              <a:t>formal</a:t>
+            </a:r>
+            <a:r>
+              <a:rPr lang="hu-HU" sz="4000" dirty="0">
+                <a:solidFill>
+                  <a:srgbClr val="EA700D"/>
+                </a:solidFill>
+              </a:rPr>
+              <a:t> </a:t>
+            </a:r>
+            <a:r>
+              <a:rPr lang="hu-HU" sz="4000" dirty="0" err="1">
+                <a:solidFill>
+                  <a:srgbClr val="EA700D"/>
+                </a:solidFill>
+              </a:rPr>
+              <a:t>model</a:t>
+            </a:r>
+            <a:r>
+              <a:rPr lang="hu-HU" sz="4000" dirty="0">
+                <a:solidFill>
+                  <a:srgbClr val="EA700D"/>
+                </a:solidFill>
+              </a:rPr>
+              <a:t> </a:t>
+            </a:r>
+            <a:r>
+              <a:rPr lang="hu-HU" sz="4000" dirty="0" err="1">
+                <a:solidFill>
+                  <a:srgbClr val="EA700D"/>
+                </a:solidFill>
+              </a:rPr>
+              <a:t>could</a:t>
+            </a:r>
+            <a:r>
+              <a:rPr lang="hu-HU" sz="4000" dirty="0">
+                <a:solidFill>
+                  <a:srgbClr val="EA700D"/>
+                </a:solidFill>
+              </a:rPr>
+              <a:t> be </a:t>
+            </a:r>
+            <a:r>
+              <a:rPr lang="hu-HU" sz="4000" dirty="0" err="1">
+                <a:solidFill>
+                  <a:srgbClr val="EA700D"/>
+                </a:solidFill>
+              </a:rPr>
+              <a:t>generated</a:t>
+            </a:r>
+            <a:r>
+              <a:rPr lang="hu-HU" sz="4000" dirty="0">
+                <a:solidFill>
+                  <a:srgbClr val="EA700D"/>
+                </a:solidFill>
+              </a:rPr>
+              <a:t> </a:t>
+            </a:r>
+            <a:r>
+              <a:rPr lang="hu-HU" sz="4000" dirty="0" err="1">
+                <a:solidFill>
+                  <a:srgbClr val="EA700D"/>
+                </a:solidFill>
+              </a:rPr>
+              <a:t>from</a:t>
+            </a:r>
+            <a:r>
+              <a:rPr lang="hu-HU" sz="4000" dirty="0">
+                <a:solidFill>
+                  <a:srgbClr val="EA700D"/>
+                </a:solidFill>
+              </a:rPr>
+              <a:t> </a:t>
+            </a:r>
+            <a:r>
+              <a:rPr lang="hu-HU" sz="4000" dirty="0" err="1">
+                <a:solidFill>
+                  <a:srgbClr val="EA700D"/>
+                </a:solidFill>
+              </a:rPr>
+              <a:t>the</a:t>
+            </a:r>
+            <a:r>
+              <a:rPr lang="hu-HU" sz="4000" dirty="0">
+                <a:solidFill>
+                  <a:srgbClr val="EA700D"/>
+                </a:solidFill>
+              </a:rPr>
+              <a:t> </a:t>
+            </a:r>
+            <a:r>
+              <a:rPr lang="hu-HU" sz="4000" dirty="0" err="1">
+                <a:solidFill>
+                  <a:srgbClr val="EA700D"/>
+                </a:solidFill>
+              </a:rPr>
+              <a:t>composition</a:t>
+            </a:r>
+            <a:r>
+              <a:rPr lang="hu-HU" sz="4000" dirty="0">
+                <a:solidFill>
+                  <a:srgbClr val="EA700D"/>
+                </a:solidFill>
+              </a:rPr>
+              <a:t> </a:t>
+            </a:r>
+            <a:r>
+              <a:rPr lang="hu-HU" sz="4000" dirty="0" err="1">
+                <a:solidFill>
+                  <a:srgbClr val="EA700D"/>
+                </a:solidFill>
+              </a:rPr>
+              <a:t>model</a:t>
+            </a:r>
+            <a:r>
+              <a:rPr lang="hu-HU" sz="4000" dirty="0">
+                <a:solidFill>
+                  <a:srgbClr val="EA700D"/>
+                </a:solidFill>
+              </a:rPr>
+              <a:t>, </a:t>
+            </a:r>
+            <a:r>
+              <a:rPr lang="hu-HU" sz="4000" dirty="0" err="1">
+                <a:solidFill>
+                  <a:srgbClr val="EA700D"/>
+                </a:solidFill>
+              </a:rPr>
+              <a:t>but</a:t>
+            </a:r>
+            <a:r>
+              <a:rPr lang="hu-HU" sz="4000" dirty="0">
+                <a:solidFill>
+                  <a:srgbClr val="EA700D"/>
+                </a:solidFill>
+              </a:rPr>
+              <a:t> </a:t>
+            </a:r>
+            <a:r>
+              <a:rPr lang="hu-HU" sz="4000" dirty="0" err="1">
+                <a:solidFill>
+                  <a:srgbClr val="EA700D"/>
+                </a:solidFill>
+              </a:rPr>
+              <a:t>the</a:t>
+            </a:r>
+            <a:r>
+              <a:rPr lang="hu-HU" sz="4000" dirty="0">
+                <a:solidFill>
+                  <a:srgbClr val="EA700D"/>
+                </a:solidFill>
+              </a:rPr>
+              <a:t> </a:t>
+            </a:r>
+            <a:r>
+              <a:rPr lang="hu-HU" sz="4000" dirty="0" err="1">
+                <a:solidFill>
+                  <a:srgbClr val="EA700D"/>
+                </a:solidFill>
+              </a:rPr>
+              <a:t>formal</a:t>
+            </a:r>
+            <a:r>
+              <a:rPr lang="hu-HU" sz="4000" dirty="0">
+                <a:solidFill>
+                  <a:srgbClr val="EA700D"/>
+                </a:solidFill>
+              </a:rPr>
+              <a:t> </a:t>
+            </a:r>
+            <a:r>
+              <a:rPr lang="hu-HU" sz="4000" dirty="0" err="1">
+                <a:solidFill>
+                  <a:srgbClr val="EA700D"/>
+                </a:solidFill>
+              </a:rPr>
+              <a:t>verification</a:t>
+            </a:r>
+            <a:r>
+              <a:rPr lang="hu-HU" sz="4000" dirty="0">
+                <a:solidFill>
+                  <a:srgbClr val="EA700D"/>
+                </a:solidFill>
+              </a:rPr>
+              <a:t> </a:t>
+            </a:r>
+            <a:r>
+              <a:rPr lang="hu-HU" sz="4000" dirty="0" err="1">
+                <a:solidFill>
+                  <a:srgbClr val="EA700D"/>
+                </a:solidFill>
+              </a:rPr>
+              <a:t>process</a:t>
+            </a:r>
+            <a:r>
+              <a:rPr lang="hu-HU" sz="4000" dirty="0">
+                <a:solidFill>
+                  <a:srgbClr val="EA700D"/>
+                </a:solidFill>
+              </a:rPr>
+              <a:t> </a:t>
+            </a:r>
+            <a:r>
+              <a:rPr lang="hu-HU" sz="4000" dirty="0" err="1">
+                <a:solidFill>
+                  <a:srgbClr val="EA700D"/>
+                </a:solidFill>
+              </a:rPr>
+              <a:t>was</a:t>
+            </a:r>
+            <a:r>
+              <a:rPr lang="hu-HU" sz="4000" dirty="0">
+                <a:solidFill>
+                  <a:srgbClr val="EA700D"/>
+                </a:solidFill>
+              </a:rPr>
+              <a:t> NOT </a:t>
+            </a:r>
+            <a:r>
+              <a:rPr lang="hu-HU" sz="4000" dirty="0" err="1">
+                <a:solidFill>
+                  <a:srgbClr val="EA700D"/>
+                </a:solidFill>
+              </a:rPr>
+              <a:t>yet</a:t>
+            </a:r>
+            <a:r>
+              <a:rPr lang="hu-HU" sz="4000" dirty="0">
+                <a:solidFill>
+                  <a:srgbClr val="EA700D"/>
+                </a:solidFill>
+              </a:rPr>
+              <a:t> </a:t>
+            </a:r>
+            <a:r>
+              <a:rPr lang="hu-HU" sz="4000" dirty="0" err="1">
+                <a:solidFill>
+                  <a:srgbClr val="EA700D"/>
+                </a:solidFill>
+              </a:rPr>
+              <a:t>automatized</a:t>
+            </a:r>
+            <a:r>
+              <a:rPr lang="hu-HU" sz="4000" dirty="0">
+                <a:solidFill>
+                  <a:srgbClr val="EA700D"/>
+                </a:solidFill>
+              </a:rPr>
+              <a:t>.</a:t>
+            </a:r>
           </a:p>
           <a:p>
             <a:endParaRPr lang="en-US" sz="2800" dirty="0"/>
@@ -5795,7 +10084,7 @@
                   <a:srgbClr val="EA700D"/>
                 </a:solidFill>
               </a:rPr>
-              <a:t>A TDK dolgozatom elsődleges eredménye a kompozíciós nyelv </a:t>
+              <a:t>The </a:t>
             </a:r>
             <a:r>
               <a:rPr lang="hu-HU" sz="4000" dirty="0" err="1">
@@ -5803,7 +10092,7 @@
                   <a:srgbClr val="EA700D"/>
                 </a:solidFill>
               </a:rPr>
-              <a:t>újratervezése</a:t>
+              <a:t>results</a:t>
             </a:r>
             <a:r>
               <a:rPr lang="hu-HU" sz="4000" dirty="0">
@@ -5811,11 +10100,187 @@
                   <a:srgbClr val="EA700D"/>
                 </a:solidFill>
               </a:rPr>
-              <a:t> és kompozíciós szemantikák </a:t>
+              <a:t> of </a:t>
+            </a:r>
+            <a:r>
+              <a:rPr lang="hu-HU" sz="4000" dirty="0" err="1">
+                <a:solidFill>
+                  <a:srgbClr val="EA700D"/>
+                </a:solidFill>
+              </a:rPr>
+              <a:t>our</a:t>
+            </a:r>
+            <a:r>
+              <a:rPr lang="hu-HU" sz="4000" dirty="0">
+                <a:solidFill>
+                  <a:srgbClr val="EA700D"/>
+                </a:solidFill>
+              </a:rPr>
+              <a:t> </a:t>
+            </a:r>
+            <a:r>
+              <a:rPr lang="hu-HU" sz="4000" dirty="0" err="1">
+                <a:solidFill>
+                  <a:srgbClr val="EA700D"/>
+                </a:solidFill>
+              </a:rPr>
+              <a:t>current</a:t>
+            </a:r>
+            <a:r>
+              <a:rPr lang="hu-HU" sz="4000" dirty="0">
+                <a:solidFill>
+                  <a:srgbClr val="EA700D"/>
+                </a:solidFill>
+              </a:rPr>
+              <a:t> </a:t>
+            </a:r>
+            <a:r>
+              <a:rPr lang="hu-HU" sz="4000" dirty="0" err="1">
+                <a:solidFill>
+                  <a:srgbClr val="EA700D"/>
+                </a:solidFill>
+              </a:rPr>
+              <a:t>research</a:t>
+            </a:r>
+            <a:r>
+              <a:rPr lang="hu-HU" sz="4000" dirty="0">
+                <a:solidFill>
+                  <a:srgbClr val="EA700D"/>
+                </a:solidFill>
+              </a:rPr>
+              <a:t> is </a:t>
+            </a:r>
+            <a:r>
+              <a:rPr lang="hu-HU" sz="4000" dirty="0" err="1">
+                <a:solidFill>
+                  <a:srgbClr val="EA700D"/>
+                </a:solidFill>
+              </a:rPr>
+              <a:t>the</a:t>
+            </a:r>
+            <a:r>
+              <a:rPr lang="hu-HU" sz="4000" dirty="0">
+                <a:solidFill>
+                  <a:srgbClr val="EA700D"/>
+                </a:solidFill>
+              </a:rPr>
+              <a:t> </a:t>
+            </a:r>
+            <a:r>
+              <a:rPr lang="hu-HU" sz="4000" dirty="0" err="1">
+                <a:solidFill>
+                  <a:srgbClr val="EA700D"/>
+                </a:solidFill>
+              </a:rPr>
+              <a:t>redesign</a:t>
+            </a:r>
+            <a:r>
+              <a:rPr lang="hu-HU" sz="4000" dirty="0">
+                <a:solidFill>
+                  <a:srgbClr val="EA700D"/>
+                </a:solidFill>
+              </a:rPr>
+              <a:t> of </a:t>
+            </a:r>
+            <a:r>
+              <a:rPr lang="hu-HU" sz="4000" dirty="0" err="1">
+                <a:solidFill>
+                  <a:srgbClr val="EA700D"/>
+                </a:solidFill>
+              </a:rPr>
+              <a:t>the</a:t>
+            </a:r>
+            <a:r>
+              <a:rPr lang="hu-HU" sz="4000" dirty="0">
+                <a:solidFill>
+                  <a:srgbClr val="EA700D"/>
+                </a:solidFill>
+              </a:rPr>
+              <a:t> Gamma </a:t>
+            </a:r>
+            <a:r>
+              <a:rPr lang="hu-HU" sz="4000" dirty="0" err="1">
+                <a:solidFill>
+                  <a:srgbClr val="EA700D"/>
+                </a:solidFill>
+              </a:rPr>
+              <a:t>Composition</a:t>
+            </a:r>
+            <a:r>
+              <a:rPr lang="hu-HU" sz="4000" dirty="0">
+                <a:solidFill>
+                  <a:srgbClr val="EA700D"/>
+                </a:solidFill>
+              </a:rPr>
+              <a:t> </a:t>
+            </a:r>
+            <a:r>
+              <a:rPr lang="hu-HU" sz="4000" dirty="0" err="1">
+                <a:solidFill>
+                  <a:srgbClr val="EA700D"/>
+                </a:solidFill>
+              </a:rPr>
+              <a:t>Language</a:t>
+            </a:r>
+            <a:r>
+              <a:rPr lang="hu-HU" sz="4000" dirty="0">
+                <a:solidFill>
+                  <a:srgbClr val="EA700D"/>
+                </a:solidFill>
+              </a:rPr>
+              <a:t> and </a:t>
+            </a:r>
+            <a:r>
+              <a:rPr lang="hu-HU" sz="4000" dirty="0" err="1">
+                <a:solidFill>
+                  <a:srgbClr val="EA700D"/>
+                </a:solidFill>
+              </a:rPr>
+              <a:t>the</a:t>
+            </a:r>
+            <a:r>
+              <a:rPr lang="hu-HU" sz="4000" dirty="0">
+                <a:solidFill>
+                  <a:srgbClr val="EA700D"/>
+                </a:solidFill>
+              </a:rPr>
+              <a:t> </a:t>
+            </a:r>
+            <a:r>
+              <a:rPr lang="hu-HU" sz="4000" dirty="0" err="1">
+                <a:solidFill>
+                  <a:srgbClr val="EA700D"/>
+                </a:solidFill>
+              </a:rPr>
+              <a:t>formal</a:t>
+            </a:r>
+            <a:r>
+              <a:rPr lang="hu-HU" sz="4000" dirty="0">
+                <a:solidFill>
+                  <a:srgbClr val="EA700D"/>
+                </a:solidFill>
+              </a:rPr>
+              <a:t> </a:t>
+            </a:r>
+            <a:r>
+              <a:rPr lang="hu-HU" sz="4000" dirty="0" err="1">
+                <a:solidFill>
+                  <a:srgbClr val="EA700D"/>
+                </a:solidFill>
+              </a:rPr>
+              <a:t>definition</a:t>
+            </a:r>
+            <a:r>
+              <a:rPr lang="hu-HU" sz="4000" dirty="0">
+                <a:solidFill>
+                  <a:srgbClr val="EA700D"/>
+                </a:solidFill>
+              </a:rPr>
+              <a:t> </a:t>
             </a:r>
             <a:r>
               <a:rPr lang="hu-HU" sz="4000" dirty="0"/>
-              <a:t>(„ANIMÁCIÓ”) </a:t>
+              <a:t>(„ANIMATION”) </a:t>
             </a:r>
             <a:r>
               <a:rPr lang="hu-HU" sz="4000" dirty="0">
@@ -5823,11 +10288,315 @@
                   <a:srgbClr val="EA700D"/>
                 </a:solidFill>
               </a:rPr>
-              <a:t> formális definíciója; ezek az aszinkron, szinkron és kaszkád szemantikák. További eredményem a szemantikák alapján a keretrendszer kódgenerátorának kiterjesztése </a:t>
+              <a:t>of </a:t>
+            </a:r>
+            <a:r>
+              <a:rPr lang="hu-HU" sz="4000" dirty="0" err="1">
+                <a:solidFill>
+                  <a:srgbClr val="EA700D"/>
+                </a:solidFill>
+              </a:rPr>
+              <a:t>the</a:t>
+            </a:r>
+            <a:r>
+              <a:rPr lang="hu-HU" sz="4000" dirty="0">
+                <a:solidFill>
+                  <a:srgbClr val="EA700D"/>
+                </a:solidFill>
+              </a:rPr>
+              <a:t> </a:t>
+            </a:r>
+            <a:r>
+              <a:rPr lang="hu-HU" sz="4000" dirty="0" err="1">
+                <a:solidFill>
+                  <a:srgbClr val="EA700D"/>
+                </a:solidFill>
+              </a:rPr>
+              <a:t>composition</a:t>
+            </a:r>
+            <a:r>
+              <a:rPr lang="hu-HU" sz="4000" dirty="0">
+                <a:solidFill>
+                  <a:srgbClr val="EA700D"/>
+                </a:solidFill>
+              </a:rPr>
+              <a:t> </a:t>
+            </a:r>
+            <a:r>
+              <a:rPr lang="hu-HU" sz="4000" dirty="0" err="1">
+                <a:solidFill>
+                  <a:srgbClr val="EA700D"/>
+                </a:solidFill>
+              </a:rPr>
+              <a:t>semantics</a:t>
+            </a:r>
+            <a:r>
+              <a:rPr lang="hu-HU" sz="4000" dirty="0">
+                <a:solidFill>
+                  <a:srgbClr val="EA700D"/>
+                </a:solidFill>
+              </a:rPr>
+              <a:t>. </a:t>
+            </a:r>
+            <a:r>
+              <a:rPr lang="hu-HU" sz="4000" dirty="0" err="1">
+                <a:solidFill>
+                  <a:srgbClr val="EA700D"/>
+                </a:solidFill>
+              </a:rPr>
+              <a:t>These</a:t>
+            </a:r>
+            <a:r>
+              <a:rPr lang="hu-HU" sz="4000" dirty="0">
+                <a:solidFill>
+                  <a:srgbClr val="EA700D"/>
+                </a:solidFill>
+              </a:rPr>
+              <a:t> </a:t>
+            </a:r>
+            <a:r>
+              <a:rPr lang="hu-HU" sz="4000" dirty="0" err="1">
+                <a:solidFill>
+                  <a:srgbClr val="EA700D"/>
+                </a:solidFill>
+              </a:rPr>
+              <a:t>are</a:t>
+            </a:r>
+            <a:r>
+              <a:rPr lang="hu-HU" sz="4000" dirty="0">
+                <a:solidFill>
+                  <a:srgbClr val="EA700D"/>
+                </a:solidFill>
+              </a:rPr>
+              <a:t> </a:t>
+            </a:r>
+            <a:r>
+              <a:rPr lang="hu-HU" sz="4000" dirty="0" err="1">
+                <a:solidFill>
+                  <a:srgbClr val="EA700D"/>
+                </a:solidFill>
+              </a:rPr>
+              <a:t>the</a:t>
+            </a:r>
+            <a:r>
+              <a:rPr lang="hu-HU" sz="4000" dirty="0">
+                <a:solidFill>
+                  <a:srgbClr val="EA700D"/>
+                </a:solidFill>
+              </a:rPr>
+              <a:t> </a:t>
+            </a:r>
+            <a:r>
+              <a:rPr lang="hu-HU" sz="4000" dirty="0" err="1">
+                <a:solidFill>
+                  <a:srgbClr val="EA700D"/>
+                </a:solidFill>
+              </a:rPr>
+              <a:t>asynchronous</a:t>
+            </a:r>
+            <a:r>
+              <a:rPr lang="hu-HU" sz="4000" dirty="0">
+                <a:solidFill>
+                  <a:srgbClr val="EA700D"/>
+                </a:solidFill>
+              </a:rPr>
+              <a:t>, </a:t>
+            </a:r>
+            <a:r>
+              <a:rPr lang="hu-HU" sz="4000" dirty="0" err="1">
+                <a:solidFill>
+                  <a:srgbClr val="EA700D"/>
+                </a:solidFill>
+              </a:rPr>
+              <a:t>synchronous</a:t>
+            </a:r>
+            <a:r>
+              <a:rPr lang="hu-HU" sz="4000" dirty="0">
+                <a:solidFill>
+                  <a:srgbClr val="EA700D"/>
+                </a:solidFill>
+              </a:rPr>
+              <a:t> and </a:t>
+            </a:r>
+            <a:r>
+              <a:rPr lang="hu-HU" sz="4000" dirty="0" err="1">
+                <a:solidFill>
+                  <a:srgbClr val="EA700D"/>
+                </a:solidFill>
+              </a:rPr>
+              <a:t>cascade</a:t>
+            </a:r>
+            <a:r>
+              <a:rPr lang="hu-HU" sz="4000" dirty="0">
+                <a:solidFill>
+                  <a:srgbClr val="EA700D"/>
+                </a:solidFill>
+              </a:rPr>
+              <a:t> </a:t>
+            </a:r>
+            <a:r>
+              <a:rPr lang="hu-HU" sz="4000" dirty="0" err="1">
+                <a:solidFill>
+                  <a:srgbClr val="EA700D"/>
+                </a:solidFill>
+              </a:rPr>
+              <a:t>semantics</a:t>
+            </a:r>
+            <a:r>
+              <a:rPr lang="hu-HU" sz="4000" dirty="0">
+                <a:solidFill>
+                  <a:srgbClr val="EA700D"/>
+                </a:solidFill>
+              </a:rPr>
+              <a:t>. </a:t>
+            </a:r>
+            <a:r>
+              <a:rPr lang="hu-HU" sz="4000" dirty="0" err="1">
+                <a:solidFill>
+                  <a:srgbClr val="EA700D"/>
+                </a:solidFill>
+              </a:rPr>
+              <a:t>We</a:t>
+            </a:r>
+            <a:r>
+              <a:rPr lang="hu-HU" sz="4000" dirty="0">
+                <a:solidFill>
+                  <a:srgbClr val="EA700D"/>
+                </a:solidFill>
+              </a:rPr>
+              <a:t> </a:t>
+            </a:r>
+            <a:r>
+              <a:rPr lang="hu-HU" sz="4000" dirty="0" err="1">
+                <a:solidFill>
+                  <a:srgbClr val="EA700D"/>
+                </a:solidFill>
+              </a:rPr>
+              <a:t>are</a:t>
+            </a:r>
+            <a:r>
+              <a:rPr lang="hu-HU" sz="4000" dirty="0">
+                <a:solidFill>
+                  <a:srgbClr val="EA700D"/>
+                </a:solidFill>
+              </a:rPr>
+              <a:t> </a:t>
+            </a:r>
+            <a:r>
+              <a:rPr lang="hu-HU" sz="4000" dirty="0" err="1">
+                <a:solidFill>
+                  <a:srgbClr val="EA700D"/>
+                </a:solidFill>
+              </a:rPr>
+              <a:t>currently</a:t>
+            </a:r>
+            <a:r>
+              <a:rPr lang="hu-HU" sz="4000" dirty="0">
+                <a:solidFill>
+                  <a:srgbClr val="EA700D"/>
+                </a:solidFill>
+              </a:rPr>
+              <a:t> </a:t>
+            </a:r>
+            <a:r>
+              <a:rPr lang="hu-HU" sz="4000" dirty="0" err="1">
+                <a:solidFill>
+                  <a:srgbClr val="EA700D"/>
+                </a:solidFill>
+              </a:rPr>
+              <a:t>working</a:t>
+            </a:r>
+            <a:r>
+              <a:rPr lang="hu-HU" sz="4000" dirty="0">
+                <a:solidFill>
+                  <a:srgbClr val="EA700D"/>
+                </a:solidFill>
+              </a:rPr>
+              <a:t> </a:t>
+            </a:r>
+            <a:r>
+              <a:rPr lang="hu-HU" sz="4000" dirty="0" err="1">
+                <a:solidFill>
+                  <a:srgbClr val="EA700D"/>
+                </a:solidFill>
+              </a:rPr>
+              <a:t>on</a:t>
+            </a:r>
+            <a:r>
+              <a:rPr lang="hu-HU" sz="4000" dirty="0">
+                <a:solidFill>
+                  <a:srgbClr val="EA700D"/>
+                </a:solidFill>
+              </a:rPr>
+              <a:t> </a:t>
+            </a:r>
+            <a:r>
+              <a:rPr lang="hu-HU" sz="4000" dirty="0" err="1">
+                <a:solidFill>
+                  <a:srgbClr val="EA700D"/>
+                </a:solidFill>
+              </a:rPr>
+              <a:t>extending</a:t>
+            </a:r>
+            <a:r>
+              <a:rPr lang="hu-HU" sz="4000" dirty="0">
+                <a:solidFill>
+                  <a:srgbClr val="EA700D"/>
+                </a:solidFill>
+              </a:rPr>
+              <a:t> </a:t>
+            </a:r>
+            <a:r>
+              <a:rPr lang="hu-HU" sz="4000" dirty="0" err="1">
+                <a:solidFill>
+                  <a:srgbClr val="EA700D"/>
+                </a:solidFill>
+              </a:rPr>
+              <a:t>the</a:t>
+            </a:r>
+            <a:r>
+              <a:rPr lang="hu-HU" sz="4000" dirty="0">
+                <a:solidFill>
+                  <a:srgbClr val="EA700D"/>
+                </a:solidFill>
+              </a:rPr>
+              <a:t> </a:t>
+            </a:r>
+            <a:r>
+              <a:rPr lang="hu-HU" sz="4000" dirty="0" err="1">
+                <a:solidFill>
+                  <a:srgbClr val="EA700D"/>
+                </a:solidFill>
+              </a:rPr>
+              <a:t>code</a:t>
+            </a:r>
+            <a:r>
+              <a:rPr lang="hu-HU" sz="4000" dirty="0">
+                <a:solidFill>
+                  <a:srgbClr val="EA700D"/>
+                </a:solidFill>
+              </a:rPr>
+              <a:t> </a:t>
+            </a:r>
+            <a:r>
+              <a:rPr lang="hu-HU" sz="4000" dirty="0" err="1">
+                <a:solidFill>
+                  <a:srgbClr val="EA700D"/>
+                </a:solidFill>
+              </a:rPr>
+              <a:t>generation</a:t>
+            </a:r>
+            <a:r>
+              <a:rPr lang="hu-HU" sz="4000" dirty="0">
+                <a:solidFill>
+                  <a:srgbClr val="EA700D"/>
+                </a:solidFill>
+              </a:rPr>
+              <a:t> </a:t>
             </a:r>
             <a:r>
               <a:rPr lang="hu-HU" sz="4000" dirty="0"/>
-              <a:t>(„ANIMÁCIÓ”)</a:t>
+              <a:t>(„ANIMATION”)  </a:t>
             </a:r>
             <a:r>
               <a:rPr lang="hu-HU" sz="4000" dirty="0">
@@ -5835,11 +10604,63 @@
                   <a:srgbClr val="EA700D"/>
                 </a:solidFill>
               </a:rPr>
-              <a:t>, illetve formális verifikációs lehetőségeinek automatizálása </a:t>
+              <a:t>and </a:t>
+            </a:r>
+            <a:r>
+              <a:rPr lang="hu-HU" sz="4000" dirty="0" err="1">
+                <a:solidFill>
+                  <a:srgbClr val="EA700D"/>
+                </a:solidFill>
+              </a:rPr>
+              <a:t>automatic</a:t>
+            </a:r>
+            <a:r>
+              <a:rPr lang="hu-HU" sz="4000" dirty="0">
+                <a:solidFill>
+                  <a:srgbClr val="EA700D"/>
+                </a:solidFill>
+              </a:rPr>
+              <a:t> </a:t>
+            </a:r>
+            <a:r>
+              <a:rPr lang="hu-HU" sz="4000" dirty="0" err="1">
+                <a:solidFill>
+                  <a:srgbClr val="EA700D"/>
+                </a:solidFill>
+              </a:rPr>
+              <a:t>formal</a:t>
+            </a:r>
+            <a:r>
+              <a:rPr lang="hu-HU" sz="4000" dirty="0">
+                <a:solidFill>
+                  <a:srgbClr val="EA700D"/>
+                </a:solidFill>
+              </a:rPr>
+              <a:t> </a:t>
+            </a:r>
+            <a:r>
+              <a:rPr lang="hu-HU" sz="4000" dirty="0" err="1">
+                <a:solidFill>
+                  <a:srgbClr val="EA700D"/>
+                </a:solidFill>
+              </a:rPr>
+              <a:t>verification</a:t>
+            </a:r>
+            <a:r>
+              <a:rPr lang="hu-HU" sz="4000" dirty="0">
+                <a:solidFill>
+                  <a:srgbClr val="EA700D"/>
+                </a:solidFill>
+              </a:rPr>
+              <a:t> </a:t>
             </a:r>
             <a:r>
               <a:rPr lang="hu-HU" sz="4000" dirty="0"/>
-              <a:t>(„ANIMÁCIÓ”) </a:t>
+              <a:t>(„ANIMATION”) </a:t>
+            </a:r>
+            <a:r>
+              <a:rPr lang="hu-HU" sz="4000" dirty="0" err="1"/>
+              <a:t>functionalities</a:t>
             </a:r>
             <a:r>
               <a:rPr lang="hu-HU" sz="4000" dirty="0">
@@ -5847,17 +10668,242 @@
                   <a:srgbClr val="EA700D"/>
                 </a:solidFill>
               </a:rPr>
-              <a:t>egy grafikus felülettel, és a kiadott tüzelési szekvenciák automatikus visszavetítésével.</a:t>
-            </a:r>
-          </a:p>
-          <a:p>
+              <a:t> </a:t>
+            </a:r>
+            <a:r>
+              <a:rPr lang="hu-HU" sz="4000" dirty="0" err="1">
+                <a:solidFill>
+                  <a:srgbClr val="EA700D"/>
+                </a:solidFill>
+              </a:rPr>
+              <a:t>to</a:t>
+            </a:r>
             <a:r>
               <a:rPr lang="hu-HU" sz="4000" dirty="0">
                 <a:solidFill>
                   <a:srgbClr val="EA700D"/>
                 </a:solidFill>
               </a:rPr>
-              <a:t>Először a kompozíciós szemantikákat szeretném részletesebben bemutatni.</a:t>
+              <a:t> </a:t>
+            </a:r>
+            <a:r>
+              <a:rPr lang="hu-HU" sz="4000" dirty="0" err="1">
+                <a:solidFill>
+                  <a:srgbClr val="EA700D"/>
+                </a:solidFill>
+              </a:rPr>
+              <a:t>the</a:t>
+            </a:r>
+            <a:r>
+              <a:rPr lang="hu-HU" sz="4000" dirty="0">
+                <a:solidFill>
+                  <a:srgbClr val="EA700D"/>
+                </a:solidFill>
+              </a:rPr>
+              <a:t> </a:t>
+            </a:r>
+            <a:r>
+              <a:rPr lang="hu-HU" sz="4000" dirty="0" err="1">
+                <a:solidFill>
+                  <a:srgbClr val="EA700D"/>
+                </a:solidFill>
+              </a:rPr>
+              <a:t>new</a:t>
+            </a:r>
+            <a:r>
+              <a:rPr lang="hu-HU" sz="4000" dirty="0">
+                <a:solidFill>
+                  <a:srgbClr val="EA700D"/>
+                </a:solidFill>
+              </a:rPr>
+              <a:t> </a:t>
+            </a:r>
+            <a:r>
+              <a:rPr lang="hu-HU" sz="4000" dirty="0" err="1">
+                <a:solidFill>
+                  <a:srgbClr val="EA700D"/>
+                </a:solidFill>
+              </a:rPr>
+              <a:t>semantics</a:t>
+            </a:r>
+            <a:r>
+              <a:rPr lang="hu-HU" sz="4000" dirty="0">
+                <a:solidFill>
+                  <a:srgbClr val="EA700D"/>
+                </a:solidFill>
+              </a:rPr>
+              <a:t>. </a:t>
+            </a:r>
+          </a:p>
+          <a:p>
+            <a:pPr marL="0" marR="0" lvl="0" indent="0" algn="l" defTabSz="914400" rtl="0" eaLnBrk="1" fontAlgn="auto" latinLnBrk="0" hangingPunct="1">
+              <a:lnSpc>
+                <a:spcPct val="100000"/>
+              </a:lnSpc>
+              <a:spcBef>
+                <a:spcPts val="0"/>
+              </a:spcBef>
+              <a:spcAft>
+                <a:spcPts val="0"/>
+              </a:spcAft>
+              <a:buClrTx/>
+              <a:buSzTx/>
+              <a:buFontTx/>
+              <a:buNone/>
+              <a:tabLst/>
+              <a:defRPr/>
+            </a:pPr>
+            <a:r>
+              <a:rPr lang="hu-HU" sz="4000" dirty="0">
+                <a:solidFill>
+                  <a:srgbClr val="EA700D"/>
+                </a:solidFill>
+              </a:rPr>
+              <a:t>In </a:t>
+            </a:r>
+            <a:r>
+              <a:rPr lang="hu-HU" sz="4000" dirty="0" err="1">
+                <a:solidFill>
+                  <a:srgbClr val="EA700D"/>
+                </a:solidFill>
+              </a:rPr>
+              <a:t>the</a:t>
+            </a:r>
+            <a:r>
+              <a:rPr lang="hu-HU" sz="4000" dirty="0">
+                <a:solidFill>
+                  <a:srgbClr val="EA700D"/>
+                </a:solidFill>
+              </a:rPr>
+              <a:t> </a:t>
+            </a:r>
+            <a:r>
+              <a:rPr lang="hu-HU" sz="4000" dirty="0" err="1">
+                <a:solidFill>
+                  <a:srgbClr val="EA700D"/>
+                </a:solidFill>
+              </a:rPr>
+              <a:t>following</a:t>
+            </a:r>
+            <a:r>
+              <a:rPr lang="hu-HU" sz="4000" dirty="0">
+                <a:solidFill>
+                  <a:srgbClr val="EA700D"/>
+                </a:solidFill>
+              </a:rPr>
+              <a:t> </a:t>
+            </a:r>
+            <a:r>
+              <a:rPr lang="hu-HU" sz="4000" dirty="0" err="1">
+                <a:solidFill>
+                  <a:srgbClr val="EA700D"/>
+                </a:solidFill>
+              </a:rPr>
+              <a:t>slides</a:t>
+            </a:r>
+            <a:r>
+              <a:rPr lang="hu-HU" sz="4000" dirty="0">
+                <a:solidFill>
+                  <a:srgbClr val="EA700D"/>
+                </a:solidFill>
+              </a:rPr>
+              <a:t> I </a:t>
+            </a:r>
+            <a:r>
+              <a:rPr lang="hu-HU" sz="4000" dirty="0" err="1">
+                <a:solidFill>
+                  <a:srgbClr val="EA700D"/>
+                </a:solidFill>
+              </a:rPr>
+              <a:t>would</a:t>
+            </a:r>
+            <a:r>
+              <a:rPr lang="hu-HU" sz="4000" dirty="0">
+                <a:solidFill>
+                  <a:srgbClr val="EA700D"/>
+                </a:solidFill>
+              </a:rPr>
+              <a:t> like </a:t>
+            </a:r>
+            <a:r>
+              <a:rPr lang="hu-HU" sz="4000" dirty="0" err="1">
+                <a:solidFill>
+                  <a:srgbClr val="EA700D"/>
+                </a:solidFill>
+              </a:rPr>
+              <a:t>to</a:t>
+            </a:r>
+            <a:r>
+              <a:rPr lang="hu-HU" sz="4000" dirty="0">
+                <a:solidFill>
+                  <a:srgbClr val="EA700D"/>
+                </a:solidFill>
+              </a:rPr>
+              <a:t> </a:t>
+            </a:r>
+            <a:r>
+              <a:rPr lang="hu-HU" sz="4000" dirty="0" err="1">
+                <a:solidFill>
+                  <a:srgbClr val="EA700D"/>
+                </a:solidFill>
+              </a:rPr>
+              <a:t>introduce</a:t>
+            </a:r>
+            <a:r>
+              <a:rPr lang="hu-HU" sz="4000" dirty="0">
+                <a:solidFill>
+                  <a:srgbClr val="EA700D"/>
+                </a:solidFill>
+              </a:rPr>
+              <a:t> </a:t>
+            </a:r>
+            <a:r>
+              <a:rPr lang="hu-HU" sz="4000" dirty="0" err="1">
+                <a:solidFill>
+                  <a:srgbClr val="EA700D"/>
+                </a:solidFill>
+              </a:rPr>
+              <a:t>the</a:t>
+            </a:r>
+            <a:r>
+              <a:rPr lang="hu-HU" sz="4000" dirty="0">
+                <a:solidFill>
+                  <a:srgbClr val="EA700D"/>
+                </a:solidFill>
+              </a:rPr>
+              <a:t> </a:t>
+            </a:r>
+            <a:r>
+              <a:rPr lang="hu-HU" sz="4000" dirty="0" err="1">
+                <a:solidFill>
+                  <a:srgbClr val="EA700D"/>
+                </a:solidFill>
+              </a:rPr>
+              <a:t>composition</a:t>
+            </a:r>
+            <a:r>
+              <a:rPr lang="hu-HU" sz="4000" dirty="0">
+                <a:solidFill>
+                  <a:srgbClr val="EA700D"/>
+                </a:solidFill>
+              </a:rPr>
+              <a:t> </a:t>
+            </a:r>
+            <a:r>
+              <a:rPr lang="hu-HU" sz="4000" dirty="0" err="1">
+                <a:solidFill>
+                  <a:srgbClr val="EA700D"/>
+                </a:solidFill>
+              </a:rPr>
+              <a:t>semantics</a:t>
+            </a:r>
+            <a:r>
+              <a:rPr lang="hu-HU" sz="4000" dirty="0">
+                <a:solidFill>
+                  <a:srgbClr val="EA700D"/>
+                </a:solidFill>
+              </a:rPr>
+              <a:t>.</a:t>
             </a:r>
             <a:endParaRPr lang="en-US" sz="2800" dirty="0"/>
           </a:p>
@@ -5945,37 +10991,547 @@
           <a:p>
             <a:r>
               <a:rPr lang="hu-HU" dirty="0"/>
-              <a:t>Az aszinkron kompozícióval egymástól függetlenül végrehajtott komponenseket lehet modellezni.</a:t>
-            </a:r>
-          </a:p>
-          <a:p>
+              <a:t>The </a:t>
+            </a:r>
+            <a:r>
+              <a:rPr lang="hu-HU" dirty="0" err="1"/>
+              <a:t>asynchronous</a:t>
+            </a:r>
             <a:r>
               <a:rPr lang="hu-HU" dirty="0"/>
-              <a:t>Ilyen esetben a komponensek csak üzenetekkel kommunikálhatnak, amelyeket üzenetsorokban tárolnak, ahogy az animáció is mutatja.</a:t>
-            </a:r>
-            <a:endParaRPr lang="hu-HU" sz="1200" dirty="0"/>
-          </a:p>
-          <a:p>
-            <a:endParaRPr lang="hu-HU" dirty="0"/>
-          </a:p>
-          <a:p>
+              <a:t> </a:t>
+            </a:r>
+            <a:r>
+              <a:rPr lang="hu-HU" dirty="0" err="1"/>
+              <a:t>composition</a:t>
+            </a:r>
             <a:r>
               <a:rPr lang="hu-HU" dirty="0"/>
-              <a:t>Ez a szemantika izolált folyamatok modellezésére alkalmas, ahol egy folyamat egy aszinkron komponenssel modellezhető.</a:t>
-            </a:r>
-          </a:p>
-          <a:p>
+              <a:t> </a:t>
+            </a:r>
+            <a:r>
+              <a:rPr lang="hu-HU" dirty="0" err="1"/>
+              <a:t>can</a:t>
+            </a:r>
             <a:r>
               <a:rPr lang="hu-HU" dirty="0"/>
-              <a:t>Ez a szemantika felhasználható lehetne egy modern autó esetén. Egy modern autóban az elektronikus rendszer kapcsolatban áll a felhőben futó </a:t>
+              <a:t> be </a:t>
             </a:r>
             <a:r>
               <a:rPr lang="hu-HU" dirty="0" err="1"/>
-              <a:t>szolgltatásokkal</a:t>
+              <a:t>used</a:t>
             </a:r>
             <a:r>
               <a:rPr lang="hu-HU" dirty="0"/>
-              <a:t>, de ez a két rendszer egymástól függetlenül fut, és aszinkron módon kommunikálnak üzenetek segítségével.</a:t>
+              <a:t> </a:t>
+            </a:r>
+            <a:r>
+              <a:rPr lang="hu-HU" dirty="0" err="1"/>
+              <a:t>to</a:t>
+            </a:r>
+            <a:r>
+              <a:rPr lang="hu-HU" dirty="0"/>
+              <a:t> </a:t>
+            </a:r>
+            <a:r>
+              <a:rPr lang="hu-HU" dirty="0" err="1"/>
+              <a:t>model</a:t>
+            </a:r>
+            <a:r>
+              <a:rPr lang="hu-HU" dirty="0"/>
+              <a:t> </a:t>
+            </a:r>
+            <a:r>
+              <a:rPr lang="hu-HU" dirty="0" err="1"/>
+              <a:t>independently</a:t>
+            </a:r>
+            <a:r>
+              <a:rPr lang="hu-HU" dirty="0"/>
+              <a:t> </a:t>
+            </a:r>
+            <a:r>
+              <a:rPr lang="hu-HU" dirty="0" err="1"/>
+              <a:t>executed</a:t>
+            </a:r>
+            <a:r>
+              <a:rPr lang="hu-HU" dirty="0"/>
+              <a:t> </a:t>
+            </a:r>
+            <a:r>
+              <a:rPr lang="hu-HU" dirty="0" err="1"/>
+              <a:t>components</a:t>
+            </a:r>
+            <a:r>
+              <a:rPr lang="hu-HU" dirty="0"/>
+              <a:t>.</a:t>
+            </a:r>
+          </a:p>
+          <a:p>
+            <a:r>
+              <a:rPr lang="hu-HU" dirty="0"/>
+              <a:t>In </a:t>
+            </a:r>
+            <a:r>
+              <a:rPr lang="hu-HU" dirty="0" err="1"/>
+              <a:t>such</a:t>
+            </a:r>
+            <a:r>
+              <a:rPr lang="hu-HU" dirty="0"/>
+              <a:t> </a:t>
+            </a:r>
+            <a:r>
+              <a:rPr lang="hu-HU" dirty="0" err="1"/>
+              <a:t>cases</a:t>
+            </a:r>
+            <a:r>
+              <a:rPr lang="hu-HU" dirty="0"/>
+              <a:t>, </a:t>
+            </a:r>
+            <a:r>
+              <a:rPr lang="hu-HU" dirty="0" err="1"/>
+              <a:t>the</a:t>
+            </a:r>
+            <a:r>
+              <a:rPr lang="hu-HU" dirty="0"/>
+              <a:t> </a:t>
+            </a:r>
+            <a:r>
+              <a:rPr lang="hu-HU" dirty="0" err="1"/>
+              <a:t>components</a:t>
+            </a:r>
+            <a:r>
+              <a:rPr lang="hu-HU" dirty="0"/>
+              <a:t> </a:t>
+            </a:r>
+            <a:r>
+              <a:rPr lang="hu-HU" dirty="0" err="1"/>
+              <a:t>communicate</a:t>
+            </a:r>
+            <a:r>
+              <a:rPr lang="hu-HU" dirty="0"/>
+              <a:t> </a:t>
+            </a:r>
+            <a:r>
+              <a:rPr lang="hu-HU" dirty="0" err="1"/>
+              <a:t>with</a:t>
+            </a:r>
+            <a:r>
+              <a:rPr lang="hu-HU" dirty="0"/>
+              <a:t> </a:t>
+            </a:r>
+            <a:r>
+              <a:rPr lang="hu-HU" dirty="0" err="1"/>
+              <a:t>messages</a:t>
+            </a:r>
+            <a:r>
+              <a:rPr lang="hu-HU" dirty="0"/>
+              <a:t> </a:t>
+            </a:r>
+            <a:r>
+              <a:rPr lang="hu-HU" dirty="0" err="1"/>
+              <a:t>stored</a:t>
+            </a:r>
+            <a:r>
+              <a:rPr lang="hu-HU" dirty="0"/>
+              <a:t> in </a:t>
+            </a:r>
+            <a:r>
+              <a:rPr lang="hu-HU" dirty="0" err="1"/>
+              <a:t>message</a:t>
+            </a:r>
+            <a:r>
+              <a:rPr lang="hu-HU" dirty="0"/>
+              <a:t> </a:t>
+            </a:r>
+            <a:r>
+              <a:rPr lang="hu-HU" dirty="0" err="1"/>
+              <a:t>queues</a:t>
+            </a:r>
+            <a:r>
+              <a:rPr lang="hu-HU" dirty="0"/>
+              <a:t>, </a:t>
+            </a:r>
+            <a:r>
+              <a:rPr lang="hu-HU" dirty="0" err="1"/>
+              <a:t>as</a:t>
+            </a:r>
+            <a:r>
+              <a:rPr lang="hu-HU" dirty="0"/>
+              <a:t> </a:t>
+            </a:r>
+            <a:r>
+              <a:rPr lang="hu-HU" dirty="0" err="1"/>
+              <a:t>presented</a:t>
+            </a:r>
+            <a:r>
+              <a:rPr lang="hu-HU" dirty="0"/>
+              <a:t> </a:t>
+            </a:r>
+            <a:r>
+              <a:rPr lang="hu-HU" dirty="0" err="1"/>
+              <a:t>by</a:t>
+            </a:r>
+            <a:r>
+              <a:rPr lang="hu-HU" dirty="0"/>
+              <a:t> </a:t>
+            </a:r>
+            <a:r>
+              <a:rPr lang="hu-HU" dirty="0" err="1"/>
+              <a:t>the</a:t>
+            </a:r>
+            <a:r>
+              <a:rPr lang="hu-HU" dirty="0"/>
+              <a:t> </a:t>
+            </a:r>
+            <a:r>
+              <a:rPr lang="hu-HU" dirty="0" err="1"/>
+              <a:t>animation</a:t>
+            </a:r>
+            <a:r>
+              <a:rPr lang="hu-HU" dirty="0"/>
+              <a:t>.</a:t>
+            </a:r>
+          </a:p>
+          <a:p>
+            <a:r>
+              <a:rPr lang="hu-HU" sz="1200" dirty="0"/>
+              <a:t>(„ANIMATION”)</a:t>
+            </a:r>
+          </a:p>
+          <a:p>
+            <a:r>
+              <a:rPr lang="hu-HU" sz="1200" dirty="0" err="1"/>
+              <a:t>This</a:t>
+            </a:r>
+            <a:r>
+              <a:rPr lang="hu-HU" sz="1200" dirty="0"/>
+              <a:t> </a:t>
+            </a:r>
+            <a:r>
+              <a:rPr lang="hu-HU" sz="1200" dirty="0" err="1"/>
+              <a:t>semantics</a:t>
+            </a:r>
+            <a:r>
+              <a:rPr lang="hu-HU" sz="1200" dirty="0"/>
+              <a:t> is </a:t>
+            </a:r>
+            <a:r>
+              <a:rPr lang="hu-HU" sz="1200" dirty="0" err="1"/>
+              <a:t>useful</a:t>
+            </a:r>
+            <a:r>
+              <a:rPr lang="hu-HU" sz="1200" dirty="0"/>
+              <a:t> </a:t>
+            </a:r>
+            <a:r>
+              <a:rPr lang="hu-HU" sz="1200" dirty="0" err="1"/>
+              <a:t>for</a:t>
+            </a:r>
+            <a:r>
+              <a:rPr lang="hu-HU" sz="1200" dirty="0"/>
+              <a:t> </a:t>
+            </a:r>
+            <a:r>
+              <a:rPr lang="hu-HU" sz="1200" dirty="0" err="1"/>
+              <a:t>the</a:t>
+            </a:r>
+            <a:r>
+              <a:rPr lang="hu-HU" sz="1200" dirty="0"/>
+              <a:t> </a:t>
+            </a:r>
+            <a:r>
+              <a:rPr lang="hu-HU" sz="1200" dirty="0" err="1"/>
+              <a:t>modeling</a:t>
+            </a:r>
+            <a:r>
+              <a:rPr lang="hu-HU" sz="1200" dirty="0"/>
+              <a:t> of </a:t>
+            </a:r>
+            <a:r>
+              <a:rPr lang="hu-HU" sz="1200" dirty="0" err="1"/>
+              <a:t>isolated</a:t>
+            </a:r>
+            <a:r>
+              <a:rPr lang="hu-HU" sz="1200" dirty="0"/>
+              <a:t> </a:t>
+            </a:r>
+            <a:r>
+              <a:rPr lang="hu-HU" sz="1200" dirty="0" err="1"/>
+              <a:t>processes</a:t>
+            </a:r>
+            <a:r>
+              <a:rPr lang="hu-HU" sz="1200" dirty="0"/>
+              <a:t>, </a:t>
+            </a:r>
+            <a:r>
+              <a:rPr lang="hu-HU" sz="1200" dirty="0" err="1"/>
+              <a:t>where</a:t>
+            </a:r>
+            <a:r>
+              <a:rPr lang="hu-HU" sz="1200" dirty="0"/>
+              <a:t> a </a:t>
+            </a:r>
+            <a:r>
+              <a:rPr lang="hu-HU" sz="1200" dirty="0" err="1"/>
+              <a:t>single</a:t>
+            </a:r>
+            <a:r>
+              <a:rPr lang="hu-HU" sz="1200" dirty="0"/>
+              <a:t> </a:t>
+            </a:r>
+            <a:r>
+              <a:rPr lang="hu-HU" sz="1200" dirty="0" err="1"/>
+              <a:t>process</a:t>
+            </a:r>
+            <a:r>
+              <a:rPr lang="hu-HU" sz="1200" dirty="0"/>
+              <a:t> </a:t>
+            </a:r>
+            <a:r>
+              <a:rPr lang="hu-HU" sz="1200" dirty="0" err="1"/>
+              <a:t>can</a:t>
+            </a:r>
+            <a:r>
+              <a:rPr lang="hu-HU" sz="1200" dirty="0"/>
+              <a:t> be </a:t>
+            </a:r>
+            <a:r>
+              <a:rPr lang="hu-HU" sz="1200" dirty="0" err="1"/>
+              <a:t>modeled</a:t>
+            </a:r>
+            <a:r>
+              <a:rPr lang="hu-HU" sz="1200" dirty="0"/>
+              <a:t> </a:t>
+            </a:r>
+            <a:r>
+              <a:rPr lang="hu-HU" sz="1200" dirty="0" err="1"/>
+              <a:t>with</a:t>
+            </a:r>
+            <a:r>
+              <a:rPr lang="hu-HU" sz="1200" dirty="0"/>
+              <a:t> an </a:t>
+            </a:r>
+            <a:r>
+              <a:rPr lang="hu-HU" sz="1200" dirty="0" err="1"/>
+              <a:t>asynchronous</a:t>
+            </a:r>
+            <a:r>
+              <a:rPr lang="hu-HU" sz="1200" dirty="0"/>
+              <a:t> </a:t>
+            </a:r>
+            <a:r>
+              <a:rPr lang="hu-HU" sz="1200" dirty="0" err="1"/>
+              <a:t>component</a:t>
+            </a:r>
+            <a:r>
+              <a:rPr lang="hu-HU" sz="1200" dirty="0"/>
+              <a:t>.</a:t>
+            </a:r>
+            <a:r>
+              <a:rPr lang="hu-HU" dirty="0"/>
+              <a:t> </a:t>
+            </a:r>
+          </a:p>
+          <a:p>
+            <a:r>
+              <a:rPr lang="hu-HU" dirty="0" err="1"/>
+              <a:t>This</a:t>
+            </a:r>
+            <a:r>
+              <a:rPr lang="hu-HU" dirty="0"/>
+              <a:t> </a:t>
+            </a:r>
+            <a:r>
+              <a:rPr lang="hu-HU" dirty="0" err="1"/>
+              <a:t>semantics</a:t>
+            </a:r>
+            <a:r>
+              <a:rPr lang="hu-HU" dirty="0"/>
+              <a:t> </a:t>
+            </a:r>
+            <a:r>
+              <a:rPr lang="hu-HU" dirty="0" err="1"/>
+              <a:t>could</a:t>
+            </a:r>
+            <a:r>
+              <a:rPr lang="hu-HU" dirty="0"/>
+              <a:t> be </a:t>
+            </a:r>
+            <a:r>
+              <a:rPr lang="hu-HU" dirty="0" err="1"/>
+              <a:t>used</a:t>
+            </a:r>
+            <a:r>
+              <a:rPr lang="hu-HU" dirty="0"/>
+              <a:t> in </a:t>
+            </a:r>
+            <a:r>
+              <a:rPr lang="hu-HU" dirty="0" err="1"/>
+              <a:t>the</a:t>
+            </a:r>
+            <a:r>
+              <a:rPr lang="hu-HU" dirty="0"/>
+              <a:t> </a:t>
+            </a:r>
+            <a:r>
+              <a:rPr lang="hu-HU" dirty="0" err="1"/>
+              <a:t>development</a:t>
+            </a:r>
+            <a:r>
+              <a:rPr lang="hu-HU" dirty="0"/>
+              <a:t> of a modern </a:t>
+            </a:r>
+            <a:r>
+              <a:rPr lang="hu-HU" dirty="0" err="1"/>
+              <a:t>car</a:t>
+            </a:r>
+            <a:r>
+              <a:rPr lang="hu-HU" dirty="0"/>
+              <a:t>. In a modern </a:t>
+            </a:r>
+            <a:r>
+              <a:rPr lang="hu-HU" dirty="0" err="1"/>
+              <a:t>car</a:t>
+            </a:r>
+            <a:r>
+              <a:rPr lang="hu-HU" dirty="0"/>
+              <a:t> </a:t>
+            </a:r>
+            <a:r>
+              <a:rPr lang="hu-HU" dirty="0" err="1"/>
+              <a:t>the</a:t>
+            </a:r>
+            <a:r>
+              <a:rPr lang="hu-HU" dirty="0"/>
+              <a:t> </a:t>
+            </a:r>
+            <a:r>
+              <a:rPr lang="hu-HU" dirty="0" err="1"/>
+              <a:t>electronic</a:t>
+            </a:r>
+            <a:r>
+              <a:rPr lang="hu-HU" dirty="0"/>
+              <a:t> </a:t>
+            </a:r>
+            <a:r>
+              <a:rPr lang="hu-HU" dirty="0" err="1"/>
+              <a:t>system</a:t>
+            </a:r>
+            <a:r>
+              <a:rPr lang="hu-HU" dirty="0"/>
+              <a:t> is </a:t>
+            </a:r>
+            <a:r>
+              <a:rPr lang="hu-HU" dirty="0" err="1"/>
+              <a:t>connected</a:t>
+            </a:r>
+            <a:r>
+              <a:rPr lang="hu-HU" dirty="0"/>
+              <a:t> </a:t>
+            </a:r>
+            <a:r>
+              <a:rPr lang="hu-HU" dirty="0" err="1"/>
+              <a:t>with</a:t>
+            </a:r>
+            <a:r>
+              <a:rPr lang="hu-HU" dirty="0"/>
+              <a:t> </a:t>
+            </a:r>
+            <a:r>
+              <a:rPr lang="hu-HU" dirty="0" err="1"/>
+              <a:t>clpud</a:t>
+            </a:r>
+            <a:r>
+              <a:rPr lang="hu-HU" dirty="0"/>
+              <a:t> </a:t>
+            </a:r>
+            <a:r>
+              <a:rPr lang="hu-HU" dirty="0" err="1"/>
+              <a:t>services</a:t>
+            </a:r>
+            <a:r>
+              <a:rPr lang="hu-HU" dirty="0"/>
+              <a:t>, </a:t>
+            </a:r>
+            <a:r>
+              <a:rPr lang="hu-HU" dirty="0" err="1"/>
+              <a:t>but</a:t>
+            </a:r>
+            <a:r>
+              <a:rPr lang="hu-HU" dirty="0"/>
+              <a:t> </a:t>
+            </a:r>
+            <a:r>
+              <a:rPr lang="hu-HU" dirty="0" err="1"/>
+              <a:t>these</a:t>
+            </a:r>
+            <a:r>
+              <a:rPr lang="hu-HU" dirty="0"/>
+              <a:t> </a:t>
+            </a:r>
+            <a:r>
+              <a:rPr lang="hu-HU" dirty="0" err="1"/>
+              <a:t>two</a:t>
+            </a:r>
+            <a:r>
+              <a:rPr lang="hu-HU" dirty="0"/>
+              <a:t> </a:t>
+            </a:r>
+            <a:r>
+              <a:rPr lang="hu-HU" dirty="0" err="1"/>
+              <a:t>systems</a:t>
+            </a:r>
+            <a:r>
+              <a:rPr lang="hu-HU" dirty="0"/>
+              <a:t> </a:t>
+            </a:r>
+            <a:r>
+              <a:rPr lang="hu-HU" dirty="0" err="1"/>
+              <a:t>run</a:t>
+            </a:r>
+            <a:r>
+              <a:rPr lang="hu-HU" dirty="0"/>
+              <a:t> </a:t>
+            </a:r>
+            <a:r>
+              <a:rPr lang="hu-HU" dirty="0" err="1"/>
+              <a:t>independently</a:t>
+            </a:r>
+            <a:r>
+              <a:rPr lang="hu-HU" dirty="0"/>
+              <a:t> and </a:t>
+            </a:r>
+            <a:r>
+              <a:rPr lang="hu-HU" dirty="0" err="1"/>
+              <a:t>communicate</a:t>
+            </a:r>
+            <a:r>
+              <a:rPr lang="hu-HU" dirty="0"/>
+              <a:t> </a:t>
+            </a:r>
+            <a:r>
+              <a:rPr lang="hu-HU" dirty="0" err="1"/>
+              <a:t>asynchronously</a:t>
+            </a:r>
+            <a:r>
+              <a:rPr lang="hu-HU" dirty="0"/>
+              <a:t> </a:t>
+            </a:r>
+            <a:r>
+              <a:rPr lang="hu-HU" dirty="0" err="1"/>
+              <a:t>using</a:t>
+            </a:r>
+            <a:r>
+              <a:rPr lang="hu-HU" dirty="0"/>
+              <a:t> </a:t>
+            </a:r>
+            <a:r>
+              <a:rPr lang="hu-HU" dirty="0" err="1"/>
+              <a:t>messages</a:t>
+            </a:r>
+            <a:r>
+              <a:rPr lang="hu-HU" dirty="0"/>
+              <a:t>.</a:t>
             </a:r>
           </a:p>
         </p:txBody>
@@ -6061,101 +11617,604 @@
           <a:lstStyle/>
           <a:p>
             <a:r>
+              <a:rPr lang="hu-HU" dirty="0" err="1"/>
+              <a:t>Synchronous</a:t>
+            </a:r>
+            <a:r>
               <a:rPr lang="hu-HU" dirty="0"/>
-              <a:t>Szinkron kompozícióval egy koherens egységet lehet modellezni, amely több komponensből áll. A komponensek konkurens, de nem párhuzamos módon, kerülnek végrehajtásra.</a:t>
-            </a:r>
-          </a:p>
-          <a:p>
-            <a:pPr marL="0" marR="0" lvl="0" indent="0" algn="l" defTabSz="914400" rtl="0" eaLnBrk="1" fontAlgn="auto" latinLnBrk="0" hangingPunct="1">
-              <a:lnSpc>
-                <a:spcPct val="100000"/>
-              </a:lnSpc>
-              <a:spcBef>
-                <a:spcPts val="0"/>
-              </a:spcBef>
-              <a:spcAft>
-                <a:spcPts val="0"/>
-              </a:spcAft>
-              <a:buClrTx/>
-              <a:buSzTx/>
-              <a:buFontTx/>
-              <a:buNone/>
-              <a:tabLst/>
-              <a:defRPr/>
-            </a:pPr>
+              <a:t> </a:t>
+            </a:r>
+            <a:r>
+              <a:rPr lang="hu-HU" dirty="0" err="1"/>
+              <a:t>composition</a:t>
+            </a:r>
             <a:r>
               <a:rPr lang="hu-HU" dirty="0"/>
-              <a:t>Nincsenek üzenetsorok, a komponensek jelekkel kommunikálnak, nagyon hasonlóan a digitális technikában megismert szinkron hálózatokhoz, ahogy az animáción is látszik.</a:t>
-            </a:r>
-            <a:endParaRPr lang="hu-HU" sz="1200" dirty="0"/>
-          </a:p>
-          <a:p>
-            <a:pPr marL="0" marR="0" lvl="0" indent="0" algn="l" defTabSz="914400" rtl="0" eaLnBrk="1" fontAlgn="auto" latinLnBrk="0" hangingPunct="1">
-              <a:lnSpc>
-                <a:spcPct val="100000"/>
-              </a:lnSpc>
-              <a:spcBef>
-                <a:spcPts val="0"/>
-              </a:spcBef>
-              <a:spcAft>
-                <a:spcPts val="0"/>
-              </a:spcAft>
-              <a:buClrTx/>
-              <a:buSzTx/>
-              <a:buFontTx/>
-              <a:buNone/>
-              <a:tabLst/>
-              <a:defRPr/>
-            </a:pPr>
-            <a:endParaRPr lang="hu-HU" dirty="0"/>
-          </a:p>
-          <a:p>
-            <a:pPr marL="0" marR="0" lvl="0" indent="0" algn="l" defTabSz="914400" rtl="0" eaLnBrk="1" fontAlgn="auto" latinLnBrk="0" hangingPunct="1">
-              <a:lnSpc>
-                <a:spcPct val="100000"/>
-              </a:lnSpc>
-              <a:spcBef>
-                <a:spcPts val="0"/>
-              </a:spcBef>
-              <a:spcAft>
-                <a:spcPts val="0"/>
-              </a:spcAft>
-              <a:buClrTx/>
-              <a:buSzTx/>
-              <a:buFontTx/>
-              <a:buNone/>
-              <a:tabLst/>
-              <a:defRPr/>
-            </a:pPr>
+              <a:t> </a:t>
+            </a:r>
+            <a:r>
+              <a:rPr lang="hu-HU" dirty="0" err="1"/>
+              <a:t>can</a:t>
+            </a:r>
             <a:r>
               <a:rPr lang="hu-HU" dirty="0"/>
-              <a:t>Ez a szemantika HW-közeli összetett komponensek modellezésére alkalmas.</a:t>
-            </a:r>
-          </a:p>
-          <a:p>
-            <a:pPr marL="0" marR="0" lvl="0" indent="0" algn="l" defTabSz="914400" rtl="0" eaLnBrk="1" fontAlgn="auto" latinLnBrk="0" hangingPunct="1">
-              <a:lnSpc>
-                <a:spcPct val="100000"/>
-              </a:lnSpc>
-              <a:spcBef>
-                <a:spcPts val="0"/>
-              </a:spcBef>
-              <a:spcAft>
-                <a:spcPts val="0"/>
-              </a:spcAft>
-              <a:buClrTx/>
-              <a:buSzTx/>
-              <a:buFontTx/>
-              <a:buNone/>
-              <a:tabLst/>
-              <a:defRPr/>
-            </a:pPr>
-            <a:endParaRPr lang="hu-HU" dirty="0"/>
-          </a:p>
-          <a:p>
+              <a:t> be </a:t>
+            </a:r>
+            <a:r>
+              <a:rPr lang="hu-HU" dirty="0" err="1"/>
+              <a:t>used</a:t>
+            </a:r>
             <a:r>
               <a:rPr lang="hu-HU" dirty="0"/>
-              <a:t>Egy modern autó egy szabályozó egysége modellezhető ilyen szemantikával. Egy ilyen egységet több komponens alkothat, szenzorok és vezérlők, és ezeknek a komponenseknek szinkron módon kell kommunikálniuk egymással.</a:t>
+              <a:t> </a:t>
+            </a:r>
+            <a:r>
+              <a:rPr lang="hu-HU" dirty="0" err="1"/>
+              <a:t>to</a:t>
+            </a:r>
+            <a:r>
+              <a:rPr lang="hu-HU" dirty="0"/>
+              <a:t> </a:t>
+            </a:r>
+            <a:r>
+              <a:rPr lang="hu-HU" dirty="0" err="1"/>
+              <a:t>model</a:t>
+            </a:r>
+            <a:r>
+              <a:rPr lang="hu-HU" dirty="0"/>
+              <a:t> a </a:t>
+            </a:r>
+            <a:r>
+              <a:rPr lang="hu-HU" dirty="0" err="1"/>
+              <a:t>coherent</a:t>
+            </a:r>
+            <a:r>
+              <a:rPr lang="hu-HU" dirty="0"/>
+              <a:t> unit </a:t>
+            </a:r>
+            <a:r>
+              <a:rPr lang="hu-HU" dirty="0" err="1"/>
+              <a:t>consisting</a:t>
+            </a:r>
+            <a:r>
+              <a:rPr lang="hu-HU" dirty="0"/>
+              <a:t> of </a:t>
+            </a:r>
+            <a:r>
+              <a:rPr lang="hu-HU" dirty="0" err="1"/>
+              <a:t>multiple</a:t>
+            </a:r>
+            <a:r>
+              <a:rPr lang="hu-HU" dirty="0"/>
+              <a:t> </a:t>
+            </a:r>
+            <a:r>
+              <a:rPr lang="hu-HU" dirty="0" err="1"/>
+              <a:t>components</a:t>
+            </a:r>
+            <a:r>
+              <a:rPr lang="hu-HU" dirty="0"/>
+              <a:t>. The </a:t>
+            </a:r>
+            <a:r>
+              <a:rPr lang="hu-HU" dirty="0" err="1"/>
+              <a:t>components</a:t>
+            </a:r>
+            <a:r>
+              <a:rPr lang="hu-HU" dirty="0"/>
+              <a:t> </a:t>
+            </a:r>
+            <a:r>
+              <a:rPr lang="hu-HU" dirty="0" err="1"/>
+              <a:t>are</a:t>
+            </a:r>
+            <a:r>
+              <a:rPr lang="hu-HU" dirty="0"/>
+              <a:t> </a:t>
+            </a:r>
+            <a:r>
+              <a:rPr lang="hu-HU" dirty="0" err="1"/>
+              <a:t>executed</a:t>
+            </a:r>
+            <a:r>
+              <a:rPr lang="hu-HU" dirty="0"/>
+              <a:t> in a </a:t>
+            </a:r>
+            <a:r>
+              <a:rPr lang="hu-HU" dirty="0" err="1"/>
+              <a:t>concurrent</a:t>
+            </a:r>
+            <a:r>
+              <a:rPr lang="hu-HU" dirty="0"/>
+              <a:t>, </a:t>
+            </a:r>
+            <a:r>
+              <a:rPr lang="hu-HU" dirty="0" err="1"/>
+              <a:t>but</a:t>
+            </a:r>
+            <a:r>
+              <a:rPr lang="hu-HU" dirty="0"/>
+              <a:t> NOT paralel </a:t>
+            </a:r>
+            <a:r>
+              <a:rPr lang="hu-HU" dirty="0" err="1"/>
+              <a:t>manner</a:t>
+            </a:r>
+            <a:r>
+              <a:rPr lang="hu-HU" dirty="0"/>
+              <a:t>.</a:t>
+            </a:r>
+          </a:p>
+          <a:p>
+            <a:r>
+              <a:rPr lang="hu-HU" dirty="0" err="1"/>
+              <a:t>There</a:t>
+            </a:r>
+            <a:r>
+              <a:rPr lang="hu-HU" dirty="0"/>
+              <a:t> </a:t>
+            </a:r>
+            <a:r>
+              <a:rPr lang="hu-HU" dirty="0" err="1"/>
+              <a:t>are</a:t>
+            </a:r>
+            <a:r>
+              <a:rPr lang="hu-HU" dirty="0"/>
+              <a:t> no </a:t>
+            </a:r>
+            <a:r>
+              <a:rPr lang="hu-HU" dirty="0" err="1"/>
+              <a:t>messages</a:t>
+            </a:r>
+            <a:r>
+              <a:rPr lang="hu-HU" dirty="0"/>
+              <a:t> here, </a:t>
+            </a:r>
+            <a:r>
+              <a:rPr lang="hu-HU" dirty="0" err="1"/>
+              <a:t>the</a:t>
+            </a:r>
+            <a:r>
+              <a:rPr lang="hu-HU" dirty="0"/>
+              <a:t> </a:t>
+            </a:r>
+            <a:r>
+              <a:rPr lang="hu-HU" dirty="0" err="1"/>
+              <a:t>components</a:t>
+            </a:r>
+            <a:r>
+              <a:rPr lang="hu-HU" dirty="0"/>
+              <a:t> </a:t>
+            </a:r>
+            <a:r>
+              <a:rPr lang="hu-HU" dirty="0" err="1"/>
+              <a:t>communicate</a:t>
+            </a:r>
+            <a:r>
+              <a:rPr lang="hu-HU" dirty="0"/>
+              <a:t> </a:t>
+            </a:r>
+            <a:r>
+              <a:rPr lang="hu-HU" dirty="0" err="1"/>
+              <a:t>with</a:t>
+            </a:r>
+            <a:r>
+              <a:rPr lang="hu-HU" dirty="0"/>
+              <a:t> </a:t>
+            </a:r>
+            <a:r>
+              <a:rPr lang="hu-HU" dirty="0" err="1"/>
+              <a:t>signals</a:t>
+            </a:r>
+            <a:r>
+              <a:rPr lang="hu-HU" dirty="0"/>
+              <a:t> </a:t>
+            </a:r>
+            <a:r>
+              <a:rPr lang="hu-HU" dirty="0" err="1"/>
+              <a:t>similarly</a:t>
+            </a:r>
+            <a:r>
+              <a:rPr lang="hu-HU" dirty="0"/>
+              <a:t> </a:t>
+            </a:r>
+            <a:r>
+              <a:rPr lang="hu-HU" dirty="0" err="1"/>
+              <a:t>to</a:t>
+            </a:r>
+            <a:r>
+              <a:rPr lang="hu-HU" dirty="0"/>
+              <a:t> </a:t>
+            </a:r>
+            <a:r>
+              <a:rPr lang="hu-HU" dirty="0" err="1"/>
+              <a:t>synchronous</a:t>
+            </a:r>
+            <a:r>
+              <a:rPr lang="hu-HU" dirty="0"/>
+              <a:t> </a:t>
+            </a:r>
+            <a:r>
+              <a:rPr lang="hu-HU" dirty="0" err="1"/>
+              <a:t>networks</a:t>
+            </a:r>
+            <a:r>
+              <a:rPr lang="hu-HU" dirty="0"/>
+              <a:t> </a:t>
+            </a:r>
+            <a:r>
+              <a:rPr lang="hu-HU" dirty="0" err="1"/>
+              <a:t>learned</a:t>
+            </a:r>
+            <a:r>
+              <a:rPr lang="hu-HU" dirty="0"/>
+              <a:t> in </a:t>
+            </a:r>
+            <a:r>
+              <a:rPr lang="hu-HU" dirty="0" err="1"/>
+              <a:t>digital</a:t>
+            </a:r>
+            <a:r>
+              <a:rPr lang="hu-HU" dirty="0"/>
+              <a:t> </a:t>
+            </a:r>
+            <a:r>
+              <a:rPr lang="hu-HU" dirty="0" err="1"/>
+              <a:t>technologies</a:t>
+            </a:r>
+            <a:r>
+              <a:rPr lang="hu-HU" dirty="0"/>
+              <a:t> </a:t>
+            </a:r>
+            <a:r>
+              <a:rPr lang="hu-HU" dirty="0" err="1"/>
+              <a:t>courses</a:t>
+            </a:r>
+            <a:r>
+              <a:rPr lang="hu-HU" dirty="0"/>
+              <a:t>, </a:t>
+            </a:r>
+            <a:r>
+              <a:rPr lang="hu-HU" dirty="0" err="1"/>
+              <a:t>as</a:t>
+            </a:r>
+            <a:r>
+              <a:rPr lang="hu-HU" dirty="0"/>
+              <a:t> </a:t>
+            </a:r>
+            <a:r>
+              <a:rPr lang="hu-HU" dirty="0" err="1"/>
+              <a:t>presented</a:t>
+            </a:r>
+            <a:r>
+              <a:rPr lang="hu-HU" dirty="0"/>
+              <a:t> </a:t>
+            </a:r>
+            <a:r>
+              <a:rPr lang="hu-HU" dirty="0" err="1"/>
+              <a:t>by</a:t>
+            </a:r>
+            <a:r>
+              <a:rPr lang="hu-HU" dirty="0"/>
+              <a:t> </a:t>
+            </a:r>
+            <a:r>
+              <a:rPr lang="hu-HU" dirty="0" err="1"/>
+              <a:t>the</a:t>
+            </a:r>
+            <a:r>
+              <a:rPr lang="hu-HU" dirty="0"/>
+              <a:t> </a:t>
+            </a:r>
+            <a:r>
+              <a:rPr lang="hu-HU" dirty="0" err="1"/>
+              <a:t>animation</a:t>
+            </a:r>
+            <a:r>
+              <a:rPr lang="hu-HU" dirty="0"/>
+              <a:t>. </a:t>
+            </a:r>
+            <a:r>
+              <a:rPr lang="hu-HU" sz="1200" dirty="0"/>
+              <a:t>(„ANIMATION”)</a:t>
+            </a:r>
+          </a:p>
+          <a:p>
+            <a:r>
+              <a:rPr lang="hu-HU" sz="1200" dirty="0" err="1"/>
+              <a:t>This</a:t>
+            </a:r>
+            <a:r>
+              <a:rPr lang="hu-HU" sz="1200" dirty="0"/>
+              <a:t> </a:t>
+            </a:r>
+            <a:r>
+              <a:rPr lang="hu-HU" sz="1200" dirty="0" err="1"/>
+              <a:t>semantics</a:t>
+            </a:r>
+            <a:r>
+              <a:rPr lang="hu-HU" sz="1200" dirty="0"/>
+              <a:t> is </a:t>
+            </a:r>
+            <a:r>
+              <a:rPr lang="hu-HU" sz="1200" dirty="0" err="1"/>
+              <a:t>useful</a:t>
+            </a:r>
+            <a:r>
+              <a:rPr lang="hu-HU" sz="1200" dirty="0"/>
+              <a:t> </a:t>
+            </a:r>
+            <a:r>
+              <a:rPr lang="hu-HU" sz="1200" dirty="0" err="1"/>
+              <a:t>for</a:t>
+            </a:r>
+            <a:r>
+              <a:rPr lang="hu-HU" sz="1200" dirty="0"/>
+              <a:t> </a:t>
+            </a:r>
+            <a:r>
+              <a:rPr lang="hu-HU" sz="1200" dirty="0" err="1"/>
+              <a:t>the</a:t>
+            </a:r>
+            <a:r>
+              <a:rPr lang="hu-HU" sz="1200" dirty="0"/>
+              <a:t> </a:t>
+            </a:r>
+            <a:r>
+              <a:rPr lang="hu-HU" sz="1200" dirty="0" err="1"/>
+              <a:t>modeling</a:t>
+            </a:r>
+            <a:r>
+              <a:rPr lang="hu-HU" sz="1200" dirty="0"/>
+              <a:t> of HW-</a:t>
+            </a:r>
+            <a:r>
+              <a:rPr lang="hu-HU" sz="1200" dirty="0" err="1"/>
+              <a:t>related</a:t>
+            </a:r>
+            <a:r>
+              <a:rPr lang="hu-HU" sz="1200" dirty="0"/>
+              <a:t> </a:t>
+            </a:r>
+            <a:r>
+              <a:rPr lang="hu-HU" sz="1200" dirty="0" err="1"/>
+              <a:t>components</a:t>
+            </a:r>
+            <a:r>
+              <a:rPr lang="hu-HU" sz="1200" dirty="0"/>
+              <a:t>.</a:t>
+            </a:r>
+            <a:r>
+              <a:rPr lang="hu-HU" dirty="0"/>
+              <a:t> </a:t>
+            </a:r>
+          </a:p>
+          <a:p>
+            <a:r>
+              <a:rPr lang="hu-HU" sz="1200" dirty="0"/>
+              <a:t>(„ANIMATION”)</a:t>
+            </a:r>
+          </a:p>
+          <a:p>
+            <a:r>
+              <a:rPr lang="hu-HU" sz="1200" dirty="0"/>
+              <a:t>A </a:t>
+            </a:r>
+            <a:r>
+              <a:rPr lang="hu-HU" sz="1200" dirty="0" err="1"/>
+              <a:t>controller</a:t>
+            </a:r>
+            <a:r>
+              <a:rPr lang="hu-HU" sz="1200" dirty="0"/>
+              <a:t> unit of a modern </a:t>
+            </a:r>
+            <a:r>
+              <a:rPr lang="hu-HU" sz="1200" dirty="0" err="1"/>
+              <a:t>car</a:t>
+            </a:r>
+            <a:r>
+              <a:rPr lang="hu-HU" sz="1200" dirty="0"/>
+              <a:t> </a:t>
+            </a:r>
+            <a:r>
+              <a:rPr lang="hu-HU" sz="1200" dirty="0" err="1"/>
+              <a:t>could</a:t>
+            </a:r>
+            <a:r>
+              <a:rPr lang="hu-HU" sz="1200" dirty="0"/>
+              <a:t> be </a:t>
+            </a:r>
+            <a:r>
+              <a:rPr lang="hu-HU" sz="1200" dirty="0" err="1"/>
+              <a:t>modeled</a:t>
+            </a:r>
+            <a:r>
+              <a:rPr lang="hu-HU" sz="1200" dirty="0"/>
+              <a:t> </a:t>
+            </a:r>
+            <a:r>
+              <a:rPr lang="hu-HU" sz="1200" dirty="0" err="1"/>
+              <a:t>with</a:t>
+            </a:r>
+            <a:r>
+              <a:rPr lang="hu-HU" sz="1200" dirty="0"/>
+              <a:t> </a:t>
+            </a:r>
+            <a:r>
+              <a:rPr lang="hu-HU" sz="1200" dirty="0" err="1"/>
+              <a:t>this</a:t>
+            </a:r>
+            <a:r>
+              <a:rPr lang="hu-HU" sz="1200" dirty="0"/>
+              <a:t> </a:t>
+            </a:r>
+            <a:r>
+              <a:rPr lang="hu-HU" sz="1200" dirty="0" err="1"/>
+              <a:t>semantics</a:t>
+            </a:r>
+            <a:r>
+              <a:rPr lang="hu-HU" sz="1200" dirty="0"/>
+              <a:t>. A </a:t>
+            </a:r>
+            <a:r>
+              <a:rPr lang="hu-HU" sz="1200" dirty="0" err="1"/>
+              <a:t>single</a:t>
+            </a:r>
+            <a:r>
+              <a:rPr lang="hu-HU" sz="1200" dirty="0"/>
+              <a:t> </a:t>
+            </a:r>
+            <a:r>
+              <a:rPr lang="hu-HU" sz="1200" dirty="0" err="1"/>
+              <a:t>controller</a:t>
+            </a:r>
+            <a:r>
+              <a:rPr lang="hu-HU" sz="1200" dirty="0"/>
+              <a:t> unit </a:t>
+            </a:r>
+            <a:r>
+              <a:rPr lang="hu-HU" sz="1200" dirty="0" err="1"/>
+              <a:t>can</a:t>
+            </a:r>
+            <a:r>
+              <a:rPr lang="hu-HU" sz="1200" dirty="0"/>
+              <a:t> be </a:t>
+            </a:r>
+            <a:r>
+              <a:rPr lang="hu-HU" sz="1200" dirty="0" err="1"/>
+              <a:t>composed</a:t>
+            </a:r>
+            <a:r>
+              <a:rPr lang="hu-HU" sz="1200" dirty="0"/>
+              <a:t> of </a:t>
+            </a:r>
+            <a:r>
+              <a:rPr lang="hu-HU" sz="1200" dirty="0" err="1"/>
+              <a:t>multiple</a:t>
+            </a:r>
+            <a:r>
+              <a:rPr lang="hu-HU" sz="1200" dirty="0"/>
+              <a:t> </a:t>
+            </a:r>
+            <a:r>
+              <a:rPr lang="hu-HU" sz="1200" dirty="0" err="1"/>
+              <a:t>components</a:t>
+            </a:r>
+            <a:r>
+              <a:rPr lang="hu-HU" sz="1200" dirty="0"/>
+              <a:t>, </a:t>
+            </a:r>
+            <a:r>
+              <a:rPr lang="hu-HU" sz="1200" dirty="0" err="1"/>
+              <a:t>such</a:t>
+            </a:r>
+            <a:r>
+              <a:rPr lang="hu-HU" sz="1200" dirty="0"/>
+              <a:t> </a:t>
+            </a:r>
+            <a:r>
+              <a:rPr lang="hu-HU" sz="1200" dirty="0" err="1"/>
+              <a:t>as</a:t>
+            </a:r>
+            <a:r>
+              <a:rPr lang="hu-HU" sz="1200" dirty="0"/>
+              <a:t> </a:t>
+            </a:r>
+            <a:r>
+              <a:rPr lang="hu-HU" sz="1200" dirty="0" err="1"/>
+              <a:t>sensors</a:t>
+            </a:r>
+            <a:r>
+              <a:rPr lang="hu-HU" sz="1200" dirty="0"/>
+              <a:t> and </a:t>
+            </a:r>
+            <a:r>
+              <a:rPr lang="hu-HU" sz="1200" dirty="0" err="1"/>
+              <a:t>acuators</a:t>
+            </a:r>
+            <a:r>
+              <a:rPr lang="hu-HU" sz="1200" dirty="0"/>
+              <a:t> and </a:t>
+            </a:r>
+            <a:r>
+              <a:rPr lang="hu-HU" sz="1200" dirty="0" err="1"/>
+              <a:t>these</a:t>
+            </a:r>
+            <a:r>
+              <a:rPr lang="hu-HU" sz="1200" dirty="0"/>
+              <a:t> </a:t>
+            </a:r>
+            <a:r>
+              <a:rPr lang="hu-HU" sz="1200" dirty="0" err="1"/>
+              <a:t>components</a:t>
+            </a:r>
+            <a:r>
+              <a:rPr lang="hu-HU" sz="1200" dirty="0"/>
+              <a:t> </a:t>
+            </a:r>
+            <a:r>
+              <a:rPr lang="hu-HU" sz="1200" dirty="0" err="1"/>
+              <a:t>have</a:t>
+            </a:r>
+            <a:r>
+              <a:rPr lang="hu-HU" sz="1200" dirty="0"/>
+              <a:t> </a:t>
+            </a:r>
+            <a:r>
+              <a:rPr lang="hu-HU" sz="1200" dirty="0" err="1"/>
+              <a:t>to</a:t>
+            </a:r>
+            <a:r>
+              <a:rPr lang="hu-HU" sz="1200" dirty="0"/>
+              <a:t> </a:t>
+            </a:r>
+            <a:r>
+              <a:rPr lang="hu-HU" sz="1200" dirty="0" err="1"/>
+              <a:t>communicate</a:t>
+            </a:r>
+            <a:r>
+              <a:rPr lang="hu-HU" sz="1200" dirty="0"/>
+              <a:t> </a:t>
+            </a:r>
+            <a:r>
+              <a:rPr lang="hu-HU" sz="1200" dirty="0" err="1"/>
+              <a:t>with</a:t>
+            </a:r>
+            <a:r>
+              <a:rPr lang="hu-HU" sz="1200" dirty="0"/>
+              <a:t> </a:t>
+            </a:r>
+            <a:r>
+              <a:rPr lang="hu-HU" sz="1200" dirty="0" err="1"/>
+              <a:t>each</a:t>
+            </a:r>
+            <a:r>
+              <a:rPr lang="hu-HU" sz="1200" dirty="0"/>
+              <a:t> </a:t>
+            </a:r>
+            <a:r>
+              <a:rPr lang="hu-HU" sz="1200" dirty="0" err="1"/>
+              <a:t>other</a:t>
+            </a:r>
+            <a:r>
+              <a:rPr lang="hu-HU" sz="1200" dirty="0"/>
+              <a:t> in a </a:t>
+            </a:r>
+            <a:r>
+              <a:rPr lang="hu-HU" sz="1200" dirty="0" err="1"/>
+              <a:t>synchcronous</a:t>
+            </a:r>
+            <a:r>
+              <a:rPr lang="hu-HU" sz="1200" dirty="0"/>
+              <a:t> </a:t>
+            </a:r>
+            <a:r>
+              <a:rPr lang="hu-HU" sz="1200" dirty="0" err="1"/>
+              <a:t>manner</a:t>
+            </a:r>
+            <a:r>
+              <a:rPr lang="hu-HU" sz="1200" dirty="0"/>
+              <a:t>.</a:t>
             </a:r>
             <a:endParaRPr lang="en-US" dirty="0"/>
           </a:p>
@@ -12013,6 +18072,7 @@
             </a:lvl9pPr>
           </a:lstStyle>
           <a:p>
+            <a:pPr algn="ctr"/>
             <a:r>
               <a:rPr lang="hu-HU" dirty="0" err="1">
                 <a:latin typeface="Segoe UI" panose="020B0502040204020203" pitchFamily="34" charset="0"/>
@@ -12164,6 +18224,7 @@
             </a:lvl9pPr>
           </a:lstStyle>
           <a:p>
+            <a:pPr algn="ctr"/>
             <a:r>
               <a:rPr lang="hu-HU" dirty="0" err="1">
                 <a:latin typeface="Segoe UI" panose="020B0502040204020203" pitchFamily="34" charset="0"/>
@@ -12315,6 +18376,7 @@
             </a:lvl9pPr>
           </a:lstStyle>
           <a:p>
+            <a:pPr algn="ctr"/>
             <a:r>
               <a:rPr lang="hu-HU" dirty="0" err="1">
                 <a:latin typeface="Segoe UI" panose="020B0502040204020203" pitchFamily="34" charset="0"/>
@@ -12343,7 +18405,7 @@
         </p:nvSpPr>
         <p:spPr>
           <a:xfrm>
-            <a:off x="776377" y="5367107"/>
+            <a:off x="593427" y="4312893"/>
             <a:ext cx="1285336" cy="793630"/>
           </a:xfrm>
           <a:prstGeom prst="roundRect">
@@ -12409,7 +18471,7 @@
         </p:nvSpPr>
         <p:spPr>
           <a:xfrm>
-            <a:off x="3249282" y="4858148"/>
+            <a:off x="436337" y="5936449"/>
             <a:ext cx="1551317" cy="793630"/>
           </a:xfrm>
           <a:prstGeom prst="roundRect">
@@ -12447,7 +18509,30 @@
                 <a:latin typeface="Segoe UI" panose="020B0502040204020203" pitchFamily="34" charset="0"/>
                 <a:cs typeface="Segoe UI" panose="020B0502040204020203" pitchFamily="34" charset="0"/>
               </a:rPr>
-              <a:t>Consumer 1</a:t>
+              <a:t>Consumer &amp;</a:t>
+            </a:r>
+            <a:br>
+              <a:rPr lang="hu-HU" dirty="0">
+                <a:solidFill>
+                  <a:schemeClr val="accent2">
+                    <a:lumMod val="75000"/>
+                  </a:schemeClr>
+                </a:solidFill>
+                <a:latin typeface="Segoe UI" panose="020B0502040204020203" pitchFamily="34" charset="0"/>
+                <a:cs typeface="Segoe UI" panose="020B0502040204020203" pitchFamily="34" charset="0"/>
+              </a:rPr>
+            </a:br>
+            <a:r>
+              <a:rPr lang="hu-HU" dirty="0">
+                <a:solidFill>
+                  <a:schemeClr val="accent2">
+                    <a:lumMod val="75000"/>
+                  </a:schemeClr>
+                </a:solidFill>
+                <a:latin typeface="Segoe UI" panose="020B0502040204020203" pitchFamily="34" charset="0"/>
+                <a:cs typeface="Segoe UI" panose="020B0502040204020203" pitchFamily="34" charset="0"/>
+              </a:rPr>
+              <a:t>Producer</a:t>
             </a:r>
             <a:endParaRPr lang="en-US" dirty="0" err="1">
               <a:solidFill>
@@ -12513,7 +18598,7 @@
                 <a:latin typeface="Segoe UI" panose="020B0502040204020203" pitchFamily="34" charset="0"/>
                 <a:cs typeface="Segoe UI" panose="020B0502040204020203" pitchFamily="34" charset="0"/>
               </a:rPr>
-              <a:t>Consumer 2</a:t>
+              <a:t>Consumer</a:t>
             </a:r>
             <a:endParaRPr lang="en-US" dirty="0" err="1">
               <a:solidFill>
@@ -12541,7 +18626,7 @@
         </p:nvSpPr>
         <p:spPr>
           <a:xfrm>
-            <a:off x="1953883" y="5487875"/>
+            <a:off x="1129461" y="5024323"/>
             <a:ext cx="215660" cy="224287"/>
           </a:xfrm>
           <a:prstGeom prst="rect">
@@ -12590,7 +18675,7 @@
         </p:nvSpPr>
         <p:spPr>
           <a:xfrm>
-            <a:off x="1953883" y="5824306"/>
+            <a:off x="1854529" y="6219440"/>
             <a:ext cx="215660" cy="224287"/>
           </a:xfrm>
           <a:prstGeom prst="rect">
@@ -12639,7 +18724,7 @@
         </p:nvSpPr>
         <p:spPr>
           <a:xfrm>
-            <a:off x="3141453" y="5142819"/>
+            <a:off x="1127928" y="5771411"/>
             <a:ext cx="215660" cy="224287"/>
           </a:xfrm>
           <a:prstGeom prst="rect">
@@ -12733,18 +18818,20 @@
             </a:extLst>
           </p:cNvPr>
           <p:cNvCxnSpPr>
-            <a:stCxn id="35" idx="3"/>
+            <a:cxnSpLocks/>
+            <a:stCxn id="35" idx="2"/>
+            <a:endCxn id="41" idx="0"/>
           </p:cNvCxnSpPr>
           <p:nvPr/>
         </p:nvCxnSpPr>
         <p:spPr>
-          <a:xfrm flipV="1">
-            <a:off x="2169543" y="5250651"/>
-            <a:ext cx="905185" cy="349368"/>
+          <a:xfrm rot="5400000">
+            <a:off x="1002960" y="5481683"/>
+            <a:ext cx="467404" cy="1259"/>
           </a:xfrm>
           <a:prstGeom prst="bentConnector3">
             <a:avLst>
-              <a:gd name="adj1" fmla="val 50263"/>
+              <a:gd name="adj1" fmla="val 50000"/>
             </a:avLst>
           </a:prstGeom>
           <a:ln>
@@ -12776,6 +18863,7 @@
             </a:extLst>
           </p:cNvPr>
           <p:cNvCxnSpPr>
+            <a:cxnSpLocks/>
             <a:stCxn id="36" idx="3"/>
             <a:endCxn id="45" idx="1"/>
           </p:cNvCxnSpPr>
@@ -12783,8 +18871,8 @@
         </p:nvCxnSpPr>
         <p:spPr>
           <a:xfrm>
-            <a:off x="2169543" y="5936450"/>
-            <a:ext cx="904605" cy="395135"/>
+            <a:off x="2070189" y="6331584"/>
+            <a:ext cx="1003959" cy="1"/>
           </a:xfrm>
           <a:prstGeom prst="bentConnector3">
             <a:avLst>
@@ -12824,7 +18912,7 @@
         </p:nvSpPr>
         <p:spPr>
           <a:xfrm>
-            <a:off x="3074149" y="5142819"/>
+            <a:off x="1168728" y="5716014"/>
             <a:ext cx="134607" cy="114300"/>
           </a:xfrm>
           <a:prstGeom prst="rect">
@@ -12863,59 +18951,6 @@
           </a:p>
         </p:txBody>
       </p:sp>
-      <p:sp>
-        <p:nvSpPr>
-          <p:cNvPr id="42" name="Téglalap 41">
-            <a:extLst>
-              <a:ext uri="{FF2B5EF4-FFF2-40B4-BE49-F238E27FC236}">
-                <a16:creationId xmlns:a16="http://schemas.microsoft.com/office/drawing/2014/main" id="{3A1936B3-CF9C-49D9-8A37-F589ACA6AA6E}"/>
-              </a:ext>
-            </a:extLst>
-          </p:cNvPr>
-          <p:cNvSpPr/>
-          <p:nvPr/>
-        </p:nvSpPr>
-        <p:spPr>
-          <a:xfrm>
-            <a:off x="3074148" y="5250650"/>
-            <a:ext cx="134607" cy="114300"/>
-          </a:xfrm>
-          <a:prstGeom prst="rect">
-            <a:avLst/>
-          </a:prstGeom>
-          <a:solidFill>
-            <a:schemeClr val="accent2">
-              <a:lumMod val="40000"/>
-              <a:lumOff val="60000"/>
-            </a:schemeClr>
-          </a:solidFill>
-        </p:spPr>
-        <p:style>
-          <a:lnRef idx="2">
-            <a:schemeClr val="dk1"/>
-          </a:lnRef>
-          <a:fillRef idx="1">
-            <a:schemeClr val="lt1"/>
-          </a:fillRef>
-          <a:effectRef idx="0">
-            <a:schemeClr val="dk1"/>
-          </a:effectRef>
-          <a:fontRef idx="minor">
-            <a:schemeClr val="dk1"/>
-          </a:fontRef>
-        </p:style>
-        <p:txBody>
-          <a:bodyPr rtlCol="0" anchor="ctr"/>
-          <a:lstStyle/>
-          <a:p>
-            <a:pPr algn="ctr"/>
-            <a:endParaRPr lang="en-US" dirty="0" err="1">
-              <a:latin typeface="Segoe UI" panose="020B0502040204020203" pitchFamily="34" charset="0"/>
-              <a:cs typeface="Segoe UI" panose="020B0502040204020203" pitchFamily="34" charset="0"/>
-            </a:endParaRPr>
-          </a:p>
-        </p:txBody>
-      </p:sp>
       <p:cxnSp>
         <p:nvCxnSpPr>
           <p:cNvPr id="43" name="Egyenes összekötő 19">
@@ -12930,45 +18965,7 @@
         </p:nvCxnSpPr>
         <p:spPr>
           <a:xfrm flipV="1">
-            <a:off x="3095577" y="5153617"/>
-            <a:ext cx="87567" cy="82075"/>
-          </a:xfrm>
-          <a:prstGeom prst="bentConnector3">
-            <a:avLst>
-              <a:gd name="adj1" fmla="val 50000"/>
-            </a:avLst>
-          </a:prstGeom>
-        </p:spPr>
-        <p:style>
-          <a:lnRef idx="1">
-            <a:schemeClr val="dk1"/>
-          </a:lnRef>
-          <a:fillRef idx="0">
-            <a:schemeClr val="dk1"/>
-          </a:fillRef>
-          <a:effectRef idx="0">
-            <a:schemeClr val="dk1"/>
-          </a:effectRef>
-          <a:fontRef idx="minor">
-            <a:schemeClr val="tx1"/>
-          </a:fontRef>
-        </p:style>
-      </p:cxnSp>
-      <p:cxnSp>
-        <p:nvCxnSpPr>
-          <p:cNvPr id="44" name="Egyenes összekötő 19">
-            <a:extLst>
-              <a:ext uri="{FF2B5EF4-FFF2-40B4-BE49-F238E27FC236}">
-                <a16:creationId xmlns:a16="http://schemas.microsoft.com/office/drawing/2014/main" id="{D059997B-771E-439D-8314-A43348163A38}"/>
-              </a:ext>
-            </a:extLst>
-          </p:cNvPr>
-          <p:cNvCxnSpPr/>
-          <p:nvPr/>
-        </p:nvCxnSpPr>
-        <p:spPr>
-          <a:xfrm flipV="1">
-            <a:off x="3095577" y="5266762"/>
+            <a:off x="1190156" y="5726812"/>
             <a:ext cx="87567" cy="82075"/>
           </a:xfrm>
           <a:prstGeom prst="bentConnector3">
@@ -13085,291 +19082,6 @@
       </p:cxnSp>
       <p:sp>
         <p:nvSpPr>
-          <p:cNvPr id="47" name="Téglalap 46">
-            <a:extLst>
-              <a:ext uri="{FF2B5EF4-FFF2-40B4-BE49-F238E27FC236}">
-                <a16:creationId xmlns:a16="http://schemas.microsoft.com/office/drawing/2014/main" id="{633B7D43-3C70-4749-8DCE-AB14AE493A41}"/>
-              </a:ext>
-            </a:extLst>
-          </p:cNvPr>
-          <p:cNvSpPr/>
-          <p:nvPr/>
-        </p:nvSpPr>
-        <p:spPr>
-          <a:xfrm>
-            <a:off x="3907047" y="4746004"/>
-            <a:ext cx="215660" cy="224287"/>
-          </a:xfrm>
-          <a:prstGeom prst="rect">
-            <a:avLst/>
-          </a:prstGeom>
-        </p:spPr>
-        <p:style>
-          <a:lnRef idx="2">
-            <a:schemeClr val="accent3">
-              <a:shade val="50000"/>
-            </a:schemeClr>
-          </a:lnRef>
-          <a:fillRef idx="1">
-            <a:schemeClr val="accent3"/>
-          </a:fillRef>
-          <a:effectRef idx="0">
-            <a:schemeClr val="accent3"/>
-          </a:effectRef>
-          <a:fontRef idx="minor">
-            <a:schemeClr val="lt1"/>
-          </a:fontRef>
-        </p:style>
-        <p:txBody>
-          <a:bodyPr rtlCol="0" anchor="ctr"/>
-          <a:lstStyle/>
-          <a:p>
-            <a:pPr algn="ctr"/>
-            <a:endParaRPr lang="en-US" dirty="0" err="1">
-              <a:latin typeface="Segoe UI" panose="020B0502040204020203" pitchFamily="34" charset="0"/>
-              <a:cs typeface="Segoe UI" panose="020B0502040204020203" pitchFamily="34" charset="0"/>
-            </a:endParaRPr>
-          </a:p>
-        </p:txBody>
-      </p:sp>
-      <p:sp>
-        <p:nvSpPr>
-          <p:cNvPr id="48" name="Téglalap 47">
-            <a:extLst>
-              <a:ext uri="{FF2B5EF4-FFF2-40B4-BE49-F238E27FC236}">
-                <a16:creationId xmlns:a16="http://schemas.microsoft.com/office/drawing/2014/main" id="{A5BD9D11-5B64-462E-87FA-D177C7263F77}"/>
-              </a:ext>
-            </a:extLst>
-          </p:cNvPr>
-          <p:cNvSpPr/>
-          <p:nvPr/>
-        </p:nvSpPr>
-        <p:spPr>
-          <a:xfrm>
-            <a:off x="1311215" y="5260472"/>
-            <a:ext cx="215660" cy="224287"/>
-          </a:xfrm>
-          <a:prstGeom prst="rect">
-            <a:avLst/>
-          </a:prstGeom>
-        </p:spPr>
-        <p:style>
-          <a:lnRef idx="2">
-            <a:schemeClr val="accent3">
-              <a:shade val="50000"/>
-            </a:schemeClr>
-          </a:lnRef>
-          <a:fillRef idx="1">
-            <a:schemeClr val="accent3"/>
-          </a:fillRef>
-          <a:effectRef idx="0">
-            <a:schemeClr val="accent3"/>
-          </a:effectRef>
-          <a:fontRef idx="minor">
-            <a:schemeClr val="lt1"/>
-          </a:fontRef>
-        </p:style>
-        <p:txBody>
-          <a:bodyPr rtlCol="0" anchor="ctr"/>
-          <a:lstStyle/>
-          <a:p>
-            <a:pPr algn="ctr"/>
-            <a:endParaRPr lang="en-US" dirty="0" err="1">
-              <a:latin typeface="Segoe UI" panose="020B0502040204020203" pitchFamily="34" charset="0"/>
-              <a:cs typeface="Segoe UI" panose="020B0502040204020203" pitchFamily="34" charset="0"/>
-            </a:endParaRPr>
-          </a:p>
-        </p:txBody>
-      </p:sp>
-      <p:cxnSp>
-        <p:nvCxnSpPr>
-          <p:cNvPr id="49" name="Egyenes összekötő nyíllal 17">
-            <a:extLst>
-              <a:ext uri="{FF2B5EF4-FFF2-40B4-BE49-F238E27FC236}">
-                <a16:creationId xmlns:a16="http://schemas.microsoft.com/office/drawing/2014/main" id="{488C8D7F-E8AE-4809-A29E-D3AD4654E0CC}"/>
-              </a:ext>
-            </a:extLst>
-          </p:cNvPr>
-          <p:cNvCxnSpPr>
-            <a:stCxn id="47" idx="0"/>
-            <a:endCxn id="50" idx="0"/>
-          </p:cNvCxnSpPr>
-          <p:nvPr/>
-        </p:nvCxnSpPr>
-        <p:spPr>
-          <a:xfrm rot="16200000" flipH="1" flipV="1">
-            <a:off x="2487075" y="3674920"/>
-            <a:ext cx="456719" cy="2598885"/>
-          </a:xfrm>
-          <a:prstGeom prst="bentConnector3">
-            <a:avLst>
-              <a:gd name="adj1" fmla="val -50053"/>
-            </a:avLst>
-          </a:prstGeom>
-          <a:ln>
-            <a:tailEnd type="triangle" w="lg" len="lg"/>
-          </a:ln>
-        </p:spPr>
-        <p:style>
-          <a:lnRef idx="3">
-            <a:schemeClr val="dk1"/>
-          </a:lnRef>
-          <a:fillRef idx="0">
-            <a:schemeClr val="dk1"/>
-          </a:fillRef>
-          <a:effectRef idx="2">
-            <a:schemeClr val="dk1"/>
-          </a:effectRef>
-          <a:fontRef idx="minor">
-            <a:schemeClr val="tx1"/>
-          </a:fontRef>
-        </p:style>
-      </p:cxnSp>
-      <p:sp>
-        <p:nvSpPr>
-          <p:cNvPr id="50" name="Téglalap 49">
-            <a:extLst>
-              <a:ext uri="{FF2B5EF4-FFF2-40B4-BE49-F238E27FC236}">
-                <a16:creationId xmlns:a16="http://schemas.microsoft.com/office/drawing/2014/main" id="{EE078098-8B8F-4BF3-B0E3-4D68A449271F}"/>
-              </a:ext>
-            </a:extLst>
-          </p:cNvPr>
-          <p:cNvSpPr/>
-          <p:nvPr/>
-        </p:nvSpPr>
-        <p:spPr>
-          <a:xfrm>
-            <a:off x="1348688" y="5202723"/>
-            <a:ext cx="134607" cy="114300"/>
-          </a:xfrm>
-          <a:prstGeom prst="rect">
-            <a:avLst/>
-          </a:prstGeom>
-          <a:solidFill>
-            <a:schemeClr val="accent5">
-              <a:lumMod val="40000"/>
-              <a:lumOff val="60000"/>
-            </a:schemeClr>
-          </a:solidFill>
-        </p:spPr>
-        <p:style>
-          <a:lnRef idx="2">
-            <a:schemeClr val="dk1"/>
-          </a:lnRef>
-          <a:fillRef idx="1">
-            <a:schemeClr val="lt1"/>
-          </a:fillRef>
-          <a:effectRef idx="0">
-            <a:schemeClr val="dk1"/>
-          </a:effectRef>
-          <a:fontRef idx="minor">
-            <a:schemeClr val="dk1"/>
-          </a:fontRef>
-        </p:style>
-        <p:txBody>
-          <a:bodyPr rtlCol="0" anchor="ctr"/>
-          <a:lstStyle/>
-          <a:p>
-            <a:pPr algn="ctr"/>
-            <a:endParaRPr lang="en-US" dirty="0" err="1">
-              <a:latin typeface="Segoe UI" panose="020B0502040204020203" pitchFamily="34" charset="0"/>
-              <a:cs typeface="Segoe UI" panose="020B0502040204020203" pitchFamily="34" charset="0"/>
-            </a:endParaRPr>
-          </a:p>
-        </p:txBody>
-      </p:sp>
-      <p:cxnSp>
-        <p:nvCxnSpPr>
-          <p:cNvPr id="51" name="Egyenes összekötő 19">
-            <a:extLst>
-              <a:ext uri="{FF2B5EF4-FFF2-40B4-BE49-F238E27FC236}">
-                <a16:creationId xmlns:a16="http://schemas.microsoft.com/office/drawing/2014/main" id="{231461AA-CA86-42A2-AE11-EA480BE7DE34}"/>
-              </a:ext>
-            </a:extLst>
-          </p:cNvPr>
-          <p:cNvCxnSpPr/>
-          <p:nvPr/>
-        </p:nvCxnSpPr>
-        <p:spPr>
-          <a:xfrm flipV="1">
-            <a:off x="1370117" y="5218835"/>
-            <a:ext cx="87567" cy="82075"/>
-          </a:xfrm>
-          <a:prstGeom prst="bentConnector3">
-            <a:avLst>
-              <a:gd name="adj1" fmla="val 50000"/>
-            </a:avLst>
-          </a:prstGeom>
-        </p:spPr>
-        <p:style>
-          <a:lnRef idx="1">
-            <a:schemeClr val="dk1"/>
-          </a:lnRef>
-          <a:fillRef idx="0">
-            <a:schemeClr val="dk1"/>
-          </a:fillRef>
-          <a:effectRef idx="0">
-            <a:schemeClr val="dk1"/>
-          </a:effectRef>
-          <a:fontRef idx="minor">
-            <a:schemeClr val="tx1"/>
-          </a:fontRef>
-        </p:style>
-      </p:cxnSp>
-      <p:sp>
-        <p:nvSpPr>
-          <p:cNvPr id="52" name="Szorzás 8">
-            <a:extLst>
-              <a:ext uri="{FF2B5EF4-FFF2-40B4-BE49-F238E27FC236}">
-                <a16:creationId xmlns:a16="http://schemas.microsoft.com/office/drawing/2014/main" id="{A4821E44-FB71-470D-B9FF-AC70DD44CB61}"/>
-              </a:ext>
-            </a:extLst>
-          </p:cNvPr>
-          <p:cNvSpPr/>
-          <p:nvPr/>
-        </p:nvSpPr>
-        <p:spPr>
-          <a:xfrm>
-            <a:off x="2300352" y="4189889"/>
-            <a:ext cx="587628" cy="654546"/>
-          </a:xfrm>
-          <a:prstGeom prst="mathMultiply">
-            <a:avLst>
-              <a:gd name="adj1" fmla="val 10187"/>
-            </a:avLst>
-          </a:prstGeom>
-          <a:solidFill>
-            <a:srgbClr val="FF0000"/>
-          </a:solidFill>
-        </p:spPr>
-        <p:style>
-          <a:lnRef idx="1">
-            <a:schemeClr val="accent2"/>
-          </a:lnRef>
-          <a:fillRef idx="3">
-            <a:schemeClr val="accent2"/>
-          </a:fillRef>
-          <a:effectRef idx="2">
-            <a:schemeClr val="accent2"/>
-          </a:effectRef>
-          <a:fontRef idx="minor">
-            <a:schemeClr val="lt1"/>
-          </a:fontRef>
-        </p:style>
-        <p:txBody>
-          <a:bodyPr rtlCol="0" anchor="ctr"/>
-          <a:lstStyle/>
-          <a:p>
-            <a:pPr algn="ctr"/>
-            <a:endParaRPr lang="hu-HU" dirty="0" err="1">
-              <a:latin typeface="Segoe UI" panose="020B0502040204020203" pitchFamily="34" charset="0"/>
-              <a:cs typeface="Segoe UI" panose="020B0502040204020203" pitchFamily="34" charset="0"/>
-            </a:endParaRPr>
-          </a:p>
-        </p:txBody>
-      </p:sp>
-      <p:sp>
-        <p:nvSpPr>
           <p:cNvPr id="31" name="Rounded Rectangular Callout 2">
             <a:extLst>
               <a:ext uri="{FF2B5EF4-FFF2-40B4-BE49-F238E27FC236}">
@@ -13505,12 +19217,956 @@
             </a:lvl9pPr>
           </a:lstStyle>
           <a:p>
+            <a:pPr algn="ctr"/>
             <a:r>
               <a:rPr lang="hu-HU" dirty="0" err="1">
                 <a:latin typeface="Segoe UI" panose="020B0502040204020203" pitchFamily="34" charset="0"/>
                 <a:cs typeface="Segoe UI" panose="020B0502040204020203" pitchFamily="34" charset="0"/>
               </a:rPr>
               <a:t>Target</a:t>
+            </a:r>
+            <a:endParaRPr lang="en-GB" dirty="0" err="1">
+              <a:latin typeface="Segoe UI" panose="020B0502040204020203" pitchFamily="34" charset="0"/>
+              <a:cs typeface="Segoe UI" panose="020B0502040204020203" pitchFamily="34" charset="0"/>
+            </a:endParaRPr>
+          </a:p>
+        </p:txBody>
+      </p:sp>
+      <p:sp>
+        <p:nvSpPr>
+          <p:cNvPr id="55" name="Beszédbuborék: ellipszis 54">
+            <a:extLst>
+              <a:ext uri="{FF2B5EF4-FFF2-40B4-BE49-F238E27FC236}">
+                <a16:creationId xmlns:a16="http://schemas.microsoft.com/office/drawing/2014/main" id="{71E5374A-9671-47A6-B407-8324E8453F1B}"/>
+              </a:ext>
+            </a:extLst>
+          </p:cNvPr>
+          <p:cNvSpPr/>
+          <p:nvPr/>
+        </p:nvSpPr>
+        <p:spPr>
+          <a:xfrm>
+            <a:off x="104667" y="3874965"/>
+            <a:ext cx="506371" cy="437928"/>
+          </a:xfrm>
+          <a:prstGeom prst="wedgeEllipseCallout">
+            <a:avLst>
+              <a:gd name="adj1" fmla="val 51565"/>
+              <a:gd name="adj2" fmla="val 54001"/>
+            </a:avLst>
+          </a:prstGeom>
+        </p:spPr>
+        <p:style>
+          <a:lnRef idx="1">
+            <a:schemeClr val="accent2"/>
+          </a:lnRef>
+          <a:fillRef idx="3">
+            <a:schemeClr val="accent2"/>
+          </a:fillRef>
+          <a:effectRef idx="2">
+            <a:schemeClr val="accent2"/>
+          </a:effectRef>
+          <a:fontRef idx="minor">
+            <a:schemeClr val="lt1"/>
+          </a:fontRef>
+        </p:style>
+        <p:txBody>
+          <a:bodyPr rtlCol="0" anchor="ctr"/>
+          <a:lstStyle/>
+          <a:p>
+            <a:pPr algn="ctr" defTabSz="457200"/>
+            <a:r>
+              <a:rPr lang="hu-HU" dirty="0">
+                <a:latin typeface="Segoe UI" panose="020B0502040204020203" pitchFamily="34" charset="0"/>
+                <a:cs typeface="Segoe UI" panose="020B0502040204020203" pitchFamily="34" charset="0"/>
+              </a:rPr>
+              <a:t>1.</a:t>
+            </a:r>
+            <a:endParaRPr lang="en-US" dirty="0">
+              <a:latin typeface="Segoe UI" panose="020B0502040204020203" pitchFamily="34" charset="0"/>
+              <a:cs typeface="Segoe UI" panose="020B0502040204020203" pitchFamily="34" charset="0"/>
+            </a:endParaRPr>
+          </a:p>
+        </p:txBody>
+      </p:sp>
+      <p:sp>
+        <p:nvSpPr>
+          <p:cNvPr id="56" name="Beszédbuborék: ellipszis 55">
+            <a:extLst>
+              <a:ext uri="{FF2B5EF4-FFF2-40B4-BE49-F238E27FC236}">
+                <a16:creationId xmlns:a16="http://schemas.microsoft.com/office/drawing/2014/main" id="{DA97DCFD-21C0-4911-87A0-11F650CC1015}"/>
+              </a:ext>
+            </a:extLst>
+          </p:cNvPr>
+          <p:cNvSpPr/>
+          <p:nvPr/>
+        </p:nvSpPr>
+        <p:spPr>
+          <a:xfrm>
+            <a:off x="117461" y="5453395"/>
+            <a:ext cx="506371" cy="437928"/>
+          </a:xfrm>
+          <a:prstGeom prst="wedgeEllipseCallout">
+            <a:avLst>
+              <a:gd name="adj1" fmla="val 40329"/>
+              <a:gd name="adj2" fmla="val 60033"/>
+            </a:avLst>
+          </a:prstGeom>
+        </p:spPr>
+        <p:style>
+          <a:lnRef idx="1">
+            <a:schemeClr val="accent2"/>
+          </a:lnRef>
+          <a:fillRef idx="3">
+            <a:schemeClr val="accent2"/>
+          </a:fillRef>
+          <a:effectRef idx="2">
+            <a:schemeClr val="accent2"/>
+          </a:effectRef>
+          <a:fontRef idx="minor">
+            <a:schemeClr val="lt1"/>
+          </a:fontRef>
+        </p:style>
+        <p:txBody>
+          <a:bodyPr rtlCol="0" anchor="ctr"/>
+          <a:lstStyle/>
+          <a:p>
+            <a:pPr algn="ctr" defTabSz="457200"/>
+            <a:r>
+              <a:rPr lang="hu-HU" dirty="0">
+                <a:latin typeface="Segoe UI" panose="020B0502040204020203" pitchFamily="34" charset="0"/>
+                <a:cs typeface="Segoe UI" panose="020B0502040204020203" pitchFamily="34" charset="0"/>
+              </a:rPr>
+              <a:t>2.</a:t>
+            </a:r>
+            <a:endParaRPr lang="en-US" dirty="0">
+              <a:latin typeface="Segoe UI" panose="020B0502040204020203" pitchFamily="34" charset="0"/>
+              <a:cs typeface="Segoe UI" panose="020B0502040204020203" pitchFamily="34" charset="0"/>
+            </a:endParaRPr>
+          </a:p>
+        </p:txBody>
+      </p:sp>
+      <p:sp>
+        <p:nvSpPr>
+          <p:cNvPr id="57" name="Beszédbuborék: ellipszis 56">
+            <a:extLst>
+              <a:ext uri="{FF2B5EF4-FFF2-40B4-BE49-F238E27FC236}">
+                <a16:creationId xmlns:a16="http://schemas.microsoft.com/office/drawing/2014/main" id="{A59AC1E1-88FA-4F50-93A8-3A95B0A1917A}"/>
+              </a:ext>
+            </a:extLst>
+          </p:cNvPr>
+          <p:cNvSpPr/>
+          <p:nvPr/>
+        </p:nvSpPr>
+        <p:spPr>
+          <a:xfrm>
+            <a:off x="4598402" y="5418358"/>
+            <a:ext cx="506371" cy="437928"/>
+          </a:xfrm>
+          <a:prstGeom prst="wedgeEllipseCallout">
+            <a:avLst>
+              <a:gd name="adj1" fmla="val -31502"/>
+              <a:gd name="adj2" fmla="val 67457"/>
+            </a:avLst>
+          </a:prstGeom>
+        </p:spPr>
+        <p:style>
+          <a:lnRef idx="1">
+            <a:schemeClr val="accent2"/>
+          </a:lnRef>
+          <a:fillRef idx="3">
+            <a:schemeClr val="accent2"/>
+          </a:fillRef>
+          <a:effectRef idx="2">
+            <a:schemeClr val="accent2"/>
+          </a:effectRef>
+          <a:fontRef idx="minor">
+            <a:schemeClr val="lt1"/>
+          </a:fontRef>
+        </p:style>
+        <p:txBody>
+          <a:bodyPr rtlCol="0" anchor="ctr"/>
+          <a:lstStyle/>
+          <a:p>
+            <a:pPr algn="ctr" defTabSz="457200"/>
+            <a:r>
+              <a:rPr lang="hu-HU" dirty="0">
+                <a:latin typeface="Segoe UI" panose="020B0502040204020203" pitchFamily="34" charset="0"/>
+                <a:cs typeface="Segoe UI" panose="020B0502040204020203" pitchFamily="34" charset="0"/>
+              </a:rPr>
+              <a:t>3.</a:t>
+            </a:r>
+            <a:endParaRPr lang="en-US" dirty="0">
+              <a:latin typeface="Segoe UI" panose="020B0502040204020203" pitchFamily="34" charset="0"/>
+              <a:cs typeface="Segoe UI" panose="020B0502040204020203" pitchFamily="34" charset="0"/>
+            </a:endParaRPr>
+          </a:p>
+        </p:txBody>
+      </p:sp>
+      <p:sp>
+        <p:nvSpPr>
+          <p:cNvPr id="58" name="Rounded Rectangular Callout 2">
+            <a:extLst>
+              <a:ext uri="{FF2B5EF4-FFF2-40B4-BE49-F238E27FC236}">
+                <a16:creationId xmlns:a16="http://schemas.microsoft.com/office/drawing/2014/main" id="{6CC732FA-6DE4-4C4D-89BB-A7D3D5EAD3AC}"/>
+              </a:ext>
+            </a:extLst>
+          </p:cNvPr>
+          <p:cNvSpPr/>
+          <p:nvPr/>
+        </p:nvSpPr>
+        <p:spPr>
+          <a:xfrm>
+            <a:off x="1666244" y="5169621"/>
+            <a:ext cx="2098197" cy="657409"/>
+          </a:xfrm>
+          <a:prstGeom prst="wedgeRoundRectCallout">
+            <a:avLst>
+              <a:gd name="adj1" fmla="val -65632"/>
+              <a:gd name="adj2" fmla="val 40899"/>
+              <a:gd name="adj3" fmla="val 16667"/>
+            </a:avLst>
+          </a:prstGeom>
+        </p:spPr>
+        <p:style>
+          <a:lnRef idx="1">
+            <a:schemeClr val="accent2"/>
+          </a:lnRef>
+          <a:fillRef idx="3">
+            <a:schemeClr val="accent2"/>
+          </a:fillRef>
+          <a:effectRef idx="2">
+            <a:schemeClr val="accent2"/>
+          </a:effectRef>
+          <a:fontRef idx="minor">
+            <a:schemeClr val="lt1"/>
+          </a:fontRef>
+        </p:style>
+        <p:txBody>
+          <a:bodyPr rtlCol="0" anchor="ctr"/>
+          <a:lstStyle>
+            <a:defPPr>
+              <a:defRPr lang="en-US"/>
+            </a:defPPr>
+            <a:lvl1pPr marL="0" algn="l" defTabSz="457200" rtl="0" eaLnBrk="1" latinLnBrk="0" hangingPunct="1">
+              <a:defRPr sz="1800" kern="1200">
+                <a:solidFill>
+                  <a:schemeClr val="lt1"/>
+                </a:solidFill>
+                <a:latin typeface="+mn-lt"/>
+                <a:ea typeface="+mn-ea"/>
+                <a:cs typeface="+mn-cs"/>
+              </a:defRPr>
+            </a:lvl1pPr>
+            <a:lvl2pPr marL="457200" algn="l" defTabSz="457200" rtl="0" eaLnBrk="1" latinLnBrk="0" hangingPunct="1">
+              <a:defRPr sz="1800" kern="1200">
+                <a:solidFill>
+                  <a:schemeClr val="lt1"/>
+                </a:solidFill>
+                <a:latin typeface="+mn-lt"/>
+                <a:ea typeface="+mn-ea"/>
+                <a:cs typeface="+mn-cs"/>
+              </a:defRPr>
+            </a:lvl2pPr>
+            <a:lvl3pPr marL="914400" algn="l" defTabSz="457200" rtl="0" eaLnBrk="1" latinLnBrk="0" hangingPunct="1">
+              <a:defRPr sz="1800" kern="1200">
+                <a:solidFill>
+                  <a:schemeClr val="lt1"/>
+                </a:solidFill>
+                <a:latin typeface="+mn-lt"/>
+                <a:ea typeface="+mn-ea"/>
+                <a:cs typeface="+mn-cs"/>
+              </a:defRPr>
+            </a:lvl3pPr>
+            <a:lvl4pPr marL="1371600" algn="l" defTabSz="457200" rtl="0" eaLnBrk="1" latinLnBrk="0" hangingPunct="1">
+              <a:defRPr sz="1800" kern="1200">
+                <a:solidFill>
+                  <a:schemeClr val="lt1"/>
+                </a:solidFill>
+                <a:latin typeface="+mn-lt"/>
+                <a:ea typeface="+mn-ea"/>
+                <a:cs typeface="+mn-cs"/>
+              </a:defRPr>
+            </a:lvl4pPr>
+            <a:lvl5pPr marL="1828800" algn="l" defTabSz="457200" rtl="0" eaLnBrk="1" latinLnBrk="0" hangingPunct="1">
+              <a:defRPr sz="1800" kern="1200">
+                <a:solidFill>
+                  <a:schemeClr val="lt1"/>
+                </a:solidFill>
+                <a:latin typeface="+mn-lt"/>
+                <a:ea typeface="+mn-ea"/>
+                <a:cs typeface="+mn-cs"/>
+              </a:defRPr>
+            </a:lvl5pPr>
+            <a:lvl6pPr marL="2286000" algn="l" defTabSz="457200" rtl="0" eaLnBrk="1" latinLnBrk="0" hangingPunct="1">
+              <a:defRPr sz="1800" kern="1200">
+                <a:solidFill>
+                  <a:schemeClr val="lt1"/>
+                </a:solidFill>
+                <a:latin typeface="+mn-lt"/>
+                <a:ea typeface="+mn-ea"/>
+                <a:cs typeface="+mn-cs"/>
+              </a:defRPr>
+            </a:lvl6pPr>
+            <a:lvl7pPr marL="2743200" algn="l" defTabSz="457200" rtl="0" eaLnBrk="1" latinLnBrk="0" hangingPunct="1">
+              <a:defRPr sz="1800" kern="1200">
+                <a:solidFill>
+                  <a:schemeClr val="lt1"/>
+                </a:solidFill>
+                <a:latin typeface="+mn-lt"/>
+                <a:ea typeface="+mn-ea"/>
+                <a:cs typeface="+mn-cs"/>
+              </a:defRPr>
+            </a:lvl7pPr>
+            <a:lvl8pPr marL="3200400" algn="l" defTabSz="457200" rtl="0" eaLnBrk="1" latinLnBrk="0" hangingPunct="1">
+              <a:defRPr sz="1800" kern="1200">
+                <a:solidFill>
+                  <a:schemeClr val="lt1"/>
+                </a:solidFill>
+                <a:latin typeface="+mn-lt"/>
+                <a:ea typeface="+mn-ea"/>
+                <a:cs typeface="+mn-cs"/>
+              </a:defRPr>
+            </a:lvl8pPr>
+            <a:lvl9pPr marL="3657600" algn="l" defTabSz="457200" rtl="0" eaLnBrk="1" latinLnBrk="0" hangingPunct="1">
+              <a:defRPr sz="1800" kern="1200">
+                <a:solidFill>
+                  <a:schemeClr val="lt1"/>
+                </a:solidFill>
+                <a:latin typeface="+mn-lt"/>
+                <a:ea typeface="+mn-ea"/>
+                <a:cs typeface="+mn-cs"/>
+              </a:defRPr>
+            </a:lvl9pPr>
+          </a:lstStyle>
+          <a:p>
+            <a:pPr algn="ctr"/>
+            <a:r>
+              <a:rPr lang="hu-HU" dirty="0" err="1">
+                <a:latin typeface="Segoe UI" panose="020B0502040204020203" pitchFamily="34" charset="0"/>
+                <a:cs typeface="Segoe UI" panose="020B0502040204020203" pitchFamily="34" charset="0"/>
+              </a:rPr>
+              <a:t>Processing</a:t>
+            </a:r>
+            <a:r>
+              <a:rPr lang="hu-HU" dirty="0">
+                <a:latin typeface="Segoe UI" panose="020B0502040204020203" pitchFamily="34" charset="0"/>
+                <a:cs typeface="Segoe UI" panose="020B0502040204020203" pitchFamily="34" charset="0"/>
+              </a:rPr>
+              <a:t> </a:t>
+            </a:r>
+            <a:r>
+              <a:rPr lang="hu-HU" dirty="0" err="1">
+                <a:latin typeface="Segoe UI" panose="020B0502040204020203" pitchFamily="34" charset="0"/>
+                <a:cs typeface="Segoe UI" panose="020B0502040204020203" pitchFamily="34" charset="0"/>
+              </a:rPr>
+              <a:t>signals</a:t>
+            </a:r>
+            <a:r>
+              <a:rPr lang="hu-HU" dirty="0">
+                <a:latin typeface="Segoe UI" panose="020B0502040204020203" pitchFamily="34" charset="0"/>
+                <a:cs typeface="Segoe UI" panose="020B0502040204020203" pitchFamily="34" charset="0"/>
+              </a:rPr>
+              <a:t> </a:t>
+            </a:r>
+            <a:r>
+              <a:rPr lang="hu-HU" dirty="0" err="1">
+                <a:latin typeface="Segoe UI" panose="020B0502040204020203" pitchFamily="34" charset="0"/>
+                <a:cs typeface="Segoe UI" panose="020B0502040204020203" pitchFamily="34" charset="0"/>
+              </a:rPr>
+              <a:t>immediately</a:t>
+            </a:r>
+            <a:endParaRPr lang="en-GB" dirty="0" err="1">
+              <a:latin typeface="Segoe UI" panose="020B0502040204020203" pitchFamily="34" charset="0"/>
+              <a:cs typeface="Segoe UI" panose="020B0502040204020203" pitchFamily="34" charset="0"/>
+            </a:endParaRPr>
+          </a:p>
+        </p:txBody>
+      </p:sp>
+      <p:cxnSp>
+        <p:nvCxnSpPr>
+          <p:cNvPr id="60" name="Egyenes összekötő nyíllal 17">
+            <a:extLst>
+              <a:ext uri="{FF2B5EF4-FFF2-40B4-BE49-F238E27FC236}">
+                <a16:creationId xmlns:a16="http://schemas.microsoft.com/office/drawing/2014/main" id="{C4CDB6F2-DD4B-44BE-B9E7-803201CA7DCC}"/>
+              </a:ext>
+            </a:extLst>
+          </p:cNvPr>
+          <p:cNvCxnSpPr>
+            <a:cxnSpLocks/>
+            <a:stCxn id="61" idx="3"/>
+            <a:endCxn id="42" idx="0"/>
+          </p:cNvCxnSpPr>
+          <p:nvPr/>
+        </p:nvCxnSpPr>
+        <p:spPr>
+          <a:xfrm>
+            <a:off x="1998360" y="4721721"/>
+            <a:ext cx="1993955" cy="1029134"/>
+          </a:xfrm>
+          <a:prstGeom prst="bentConnector2">
+            <a:avLst/>
+          </a:prstGeom>
+          <a:ln>
+            <a:tailEnd type="triangle" w="lg" len="lg"/>
+          </a:ln>
+        </p:spPr>
+        <p:style>
+          <a:lnRef idx="3">
+            <a:schemeClr val="dk1"/>
+          </a:lnRef>
+          <a:fillRef idx="0">
+            <a:schemeClr val="dk1"/>
+          </a:fillRef>
+          <a:effectRef idx="2">
+            <a:schemeClr val="dk1"/>
+          </a:effectRef>
+          <a:fontRef idx="minor">
+            <a:schemeClr val="tx1"/>
+          </a:fontRef>
+        </p:style>
+      </p:cxnSp>
+      <p:sp>
+        <p:nvSpPr>
+          <p:cNvPr id="61" name="Téglalap 60">
+            <a:extLst>
+              <a:ext uri="{FF2B5EF4-FFF2-40B4-BE49-F238E27FC236}">
+                <a16:creationId xmlns:a16="http://schemas.microsoft.com/office/drawing/2014/main" id="{4E20809F-A1AF-4B9C-8D85-A50DA5E512B6}"/>
+              </a:ext>
+            </a:extLst>
+          </p:cNvPr>
+          <p:cNvSpPr/>
+          <p:nvPr/>
+        </p:nvSpPr>
+        <p:spPr>
+          <a:xfrm>
+            <a:off x="1782700" y="4609577"/>
+            <a:ext cx="215660" cy="224287"/>
+          </a:xfrm>
+          <a:prstGeom prst="rect">
+            <a:avLst/>
+          </a:prstGeom>
+        </p:spPr>
+        <p:style>
+          <a:lnRef idx="2">
+            <a:schemeClr val="accent3">
+              <a:shade val="50000"/>
+            </a:schemeClr>
+          </a:lnRef>
+          <a:fillRef idx="1">
+            <a:schemeClr val="accent3"/>
+          </a:fillRef>
+          <a:effectRef idx="0">
+            <a:schemeClr val="accent3"/>
+          </a:effectRef>
+          <a:fontRef idx="minor">
+            <a:schemeClr val="lt1"/>
+          </a:fontRef>
+        </p:style>
+        <p:txBody>
+          <a:bodyPr rtlCol="0" anchor="ctr"/>
+          <a:lstStyle/>
+          <a:p>
+            <a:pPr algn="ctr"/>
+            <a:endParaRPr lang="en-US" dirty="0" err="1">
+              <a:latin typeface="Segoe UI" panose="020B0502040204020203" pitchFamily="34" charset="0"/>
+              <a:cs typeface="Segoe UI" panose="020B0502040204020203" pitchFamily="34" charset="0"/>
+            </a:endParaRPr>
+          </a:p>
+        </p:txBody>
+      </p:sp>
+      <p:sp>
+        <p:nvSpPr>
+          <p:cNvPr id="62" name="Téglalap 61">
+            <a:extLst>
+              <a:ext uri="{FF2B5EF4-FFF2-40B4-BE49-F238E27FC236}">
+                <a16:creationId xmlns:a16="http://schemas.microsoft.com/office/drawing/2014/main" id="{A66D2807-2639-44BC-94EB-7AD46B9A9364}"/>
+              </a:ext>
+            </a:extLst>
+          </p:cNvPr>
+          <p:cNvSpPr/>
+          <p:nvPr/>
+        </p:nvSpPr>
+        <p:spPr>
+          <a:xfrm>
+            <a:off x="3883524" y="5808887"/>
+            <a:ext cx="215660" cy="224287"/>
+          </a:xfrm>
+          <a:prstGeom prst="rect">
+            <a:avLst/>
+          </a:prstGeom>
+        </p:spPr>
+        <p:style>
+          <a:lnRef idx="2">
+            <a:schemeClr val="accent3">
+              <a:shade val="50000"/>
+            </a:schemeClr>
+          </a:lnRef>
+          <a:fillRef idx="1">
+            <a:schemeClr val="accent3"/>
+          </a:fillRef>
+          <a:effectRef idx="0">
+            <a:schemeClr val="accent3"/>
+          </a:effectRef>
+          <a:fontRef idx="minor">
+            <a:schemeClr val="lt1"/>
+          </a:fontRef>
+        </p:style>
+        <p:txBody>
+          <a:bodyPr rtlCol="0" anchor="ctr"/>
+          <a:lstStyle/>
+          <a:p>
+            <a:pPr algn="ctr"/>
+            <a:endParaRPr lang="en-US" dirty="0" err="1">
+              <a:latin typeface="Segoe UI" panose="020B0502040204020203" pitchFamily="34" charset="0"/>
+              <a:cs typeface="Segoe UI" panose="020B0502040204020203" pitchFamily="34" charset="0"/>
+            </a:endParaRPr>
+          </a:p>
+        </p:txBody>
+      </p:sp>
+      <p:sp>
+        <p:nvSpPr>
+          <p:cNvPr id="42" name="Téglalap 41">
+            <a:extLst>
+              <a:ext uri="{FF2B5EF4-FFF2-40B4-BE49-F238E27FC236}">
+                <a16:creationId xmlns:a16="http://schemas.microsoft.com/office/drawing/2014/main" id="{3A1936B3-CF9C-49D9-8A37-F589ACA6AA6E}"/>
+              </a:ext>
+            </a:extLst>
+          </p:cNvPr>
+          <p:cNvSpPr/>
+          <p:nvPr/>
+        </p:nvSpPr>
+        <p:spPr>
+          <a:xfrm>
+            <a:off x="3925011" y="5750855"/>
+            <a:ext cx="134607" cy="114300"/>
+          </a:xfrm>
+          <a:prstGeom prst="rect">
+            <a:avLst/>
+          </a:prstGeom>
+          <a:solidFill>
+            <a:schemeClr val="accent2">
+              <a:lumMod val="40000"/>
+              <a:lumOff val="60000"/>
+            </a:schemeClr>
+          </a:solidFill>
+        </p:spPr>
+        <p:style>
+          <a:lnRef idx="2">
+            <a:schemeClr val="dk1"/>
+          </a:lnRef>
+          <a:fillRef idx="1">
+            <a:schemeClr val="lt1"/>
+          </a:fillRef>
+          <a:effectRef idx="0">
+            <a:schemeClr val="dk1"/>
+          </a:effectRef>
+          <a:fontRef idx="minor">
+            <a:schemeClr val="dk1"/>
+          </a:fontRef>
+        </p:style>
+        <p:txBody>
+          <a:bodyPr rtlCol="0" anchor="ctr"/>
+          <a:lstStyle/>
+          <a:p>
+            <a:pPr algn="ctr"/>
+            <a:endParaRPr lang="en-US" dirty="0" err="1">
+              <a:latin typeface="Segoe UI" panose="020B0502040204020203" pitchFamily="34" charset="0"/>
+              <a:cs typeface="Segoe UI" panose="020B0502040204020203" pitchFamily="34" charset="0"/>
+            </a:endParaRPr>
+          </a:p>
+        </p:txBody>
+      </p:sp>
+      <p:cxnSp>
+        <p:nvCxnSpPr>
+          <p:cNvPr id="44" name="Egyenes összekötő 19">
+            <a:extLst>
+              <a:ext uri="{FF2B5EF4-FFF2-40B4-BE49-F238E27FC236}">
+                <a16:creationId xmlns:a16="http://schemas.microsoft.com/office/drawing/2014/main" id="{D059997B-771E-439D-8314-A43348163A38}"/>
+              </a:ext>
+            </a:extLst>
+          </p:cNvPr>
+          <p:cNvCxnSpPr/>
+          <p:nvPr/>
+        </p:nvCxnSpPr>
+        <p:spPr>
+          <a:xfrm flipV="1">
+            <a:off x="3946440" y="5763411"/>
+            <a:ext cx="87567" cy="82075"/>
+          </a:xfrm>
+          <a:prstGeom prst="bentConnector3">
+            <a:avLst>
+              <a:gd name="adj1" fmla="val 50000"/>
+            </a:avLst>
+          </a:prstGeom>
+        </p:spPr>
+        <p:style>
+          <a:lnRef idx="1">
+            <a:schemeClr val="dk1"/>
+          </a:lnRef>
+          <a:fillRef idx="0">
+            <a:schemeClr val="dk1"/>
+          </a:fillRef>
+          <a:effectRef idx="0">
+            <a:schemeClr val="dk1"/>
+          </a:effectRef>
+          <a:fontRef idx="minor">
+            <a:schemeClr val="tx1"/>
+          </a:fontRef>
+        </p:style>
+      </p:cxnSp>
+      <p:sp>
+        <p:nvSpPr>
+          <p:cNvPr id="63" name="Rounded Rectangular Callout 2">
+            <a:extLst>
+              <a:ext uri="{FF2B5EF4-FFF2-40B4-BE49-F238E27FC236}">
+                <a16:creationId xmlns:a16="http://schemas.microsoft.com/office/drawing/2014/main" id="{CE1461B5-8B7D-427A-B7DA-D65D1C97AA2C}"/>
+              </a:ext>
+            </a:extLst>
+          </p:cNvPr>
+          <p:cNvSpPr/>
+          <p:nvPr/>
+        </p:nvSpPr>
+        <p:spPr>
+          <a:xfrm>
+            <a:off x="1666244" y="5165336"/>
+            <a:ext cx="2098197" cy="657409"/>
+          </a:xfrm>
+          <a:prstGeom prst="wedgeRoundRectCallout">
+            <a:avLst>
+              <a:gd name="adj1" fmla="val 19713"/>
+              <a:gd name="adj2" fmla="val 109286"/>
+              <a:gd name="adj3" fmla="val 16667"/>
+            </a:avLst>
+          </a:prstGeom>
+        </p:spPr>
+        <p:style>
+          <a:lnRef idx="1">
+            <a:schemeClr val="accent2"/>
+          </a:lnRef>
+          <a:fillRef idx="3">
+            <a:schemeClr val="accent2"/>
+          </a:fillRef>
+          <a:effectRef idx="2">
+            <a:schemeClr val="accent2"/>
+          </a:effectRef>
+          <a:fontRef idx="minor">
+            <a:schemeClr val="lt1"/>
+          </a:fontRef>
+        </p:style>
+        <p:txBody>
+          <a:bodyPr rtlCol="0" anchor="ctr"/>
+          <a:lstStyle>
+            <a:defPPr>
+              <a:defRPr lang="en-US"/>
+            </a:defPPr>
+            <a:lvl1pPr marL="0" algn="l" defTabSz="457200" rtl="0" eaLnBrk="1" latinLnBrk="0" hangingPunct="1">
+              <a:defRPr sz="1800" kern="1200">
+                <a:solidFill>
+                  <a:schemeClr val="lt1"/>
+                </a:solidFill>
+                <a:latin typeface="+mn-lt"/>
+                <a:ea typeface="+mn-ea"/>
+                <a:cs typeface="+mn-cs"/>
+              </a:defRPr>
+            </a:lvl1pPr>
+            <a:lvl2pPr marL="457200" algn="l" defTabSz="457200" rtl="0" eaLnBrk="1" latinLnBrk="0" hangingPunct="1">
+              <a:defRPr sz="1800" kern="1200">
+                <a:solidFill>
+                  <a:schemeClr val="lt1"/>
+                </a:solidFill>
+                <a:latin typeface="+mn-lt"/>
+                <a:ea typeface="+mn-ea"/>
+                <a:cs typeface="+mn-cs"/>
+              </a:defRPr>
+            </a:lvl2pPr>
+            <a:lvl3pPr marL="914400" algn="l" defTabSz="457200" rtl="0" eaLnBrk="1" latinLnBrk="0" hangingPunct="1">
+              <a:defRPr sz="1800" kern="1200">
+                <a:solidFill>
+                  <a:schemeClr val="lt1"/>
+                </a:solidFill>
+                <a:latin typeface="+mn-lt"/>
+                <a:ea typeface="+mn-ea"/>
+                <a:cs typeface="+mn-cs"/>
+              </a:defRPr>
+            </a:lvl3pPr>
+            <a:lvl4pPr marL="1371600" algn="l" defTabSz="457200" rtl="0" eaLnBrk="1" latinLnBrk="0" hangingPunct="1">
+              <a:defRPr sz="1800" kern="1200">
+                <a:solidFill>
+                  <a:schemeClr val="lt1"/>
+                </a:solidFill>
+                <a:latin typeface="+mn-lt"/>
+                <a:ea typeface="+mn-ea"/>
+                <a:cs typeface="+mn-cs"/>
+              </a:defRPr>
+            </a:lvl4pPr>
+            <a:lvl5pPr marL="1828800" algn="l" defTabSz="457200" rtl="0" eaLnBrk="1" latinLnBrk="0" hangingPunct="1">
+              <a:defRPr sz="1800" kern="1200">
+                <a:solidFill>
+                  <a:schemeClr val="lt1"/>
+                </a:solidFill>
+                <a:latin typeface="+mn-lt"/>
+                <a:ea typeface="+mn-ea"/>
+                <a:cs typeface="+mn-cs"/>
+              </a:defRPr>
+            </a:lvl5pPr>
+            <a:lvl6pPr marL="2286000" algn="l" defTabSz="457200" rtl="0" eaLnBrk="1" latinLnBrk="0" hangingPunct="1">
+              <a:defRPr sz="1800" kern="1200">
+                <a:solidFill>
+                  <a:schemeClr val="lt1"/>
+                </a:solidFill>
+                <a:latin typeface="+mn-lt"/>
+                <a:ea typeface="+mn-ea"/>
+                <a:cs typeface="+mn-cs"/>
+              </a:defRPr>
+            </a:lvl6pPr>
+            <a:lvl7pPr marL="2743200" algn="l" defTabSz="457200" rtl="0" eaLnBrk="1" latinLnBrk="0" hangingPunct="1">
+              <a:defRPr sz="1800" kern="1200">
+                <a:solidFill>
+                  <a:schemeClr val="lt1"/>
+                </a:solidFill>
+                <a:latin typeface="+mn-lt"/>
+                <a:ea typeface="+mn-ea"/>
+                <a:cs typeface="+mn-cs"/>
+              </a:defRPr>
+            </a:lvl7pPr>
+            <a:lvl8pPr marL="3200400" algn="l" defTabSz="457200" rtl="0" eaLnBrk="1" latinLnBrk="0" hangingPunct="1">
+              <a:defRPr sz="1800" kern="1200">
+                <a:solidFill>
+                  <a:schemeClr val="lt1"/>
+                </a:solidFill>
+                <a:latin typeface="+mn-lt"/>
+                <a:ea typeface="+mn-ea"/>
+                <a:cs typeface="+mn-cs"/>
+              </a:defRPr>
+            </a:lvl8pPr>
+            <a:lvl9pPr marL="3657600" algn="l" defTabSz="457200" rtl="0" eaLnBrk="1" latinLnBrk="0" hangingPunct="1">
+              <a:defRPr sz="1800" kern="1200">
+                <a:solidFill>
+                  <a:schemeClr val="lt1"/>
+                </a:solidFill>
+                <a:latin typeface="+mn-lt"/>
+                <a:ea typeface="+mn-ea"/>
+                <a:cs typeface="+mn-cs"/>
+              </a:defRPr>
+            </a:lvl9pPr>
+          </a:lstStyle>
+          <a:p>
+            <a:pPr algn="ctr"/>
+            <a:r>
+              <a:rPr lang="hu-HU" dirty="0" err="1">
+                <a:latin typeface="Segoe UI" panose="020B0502040204020203" pitchFamily="34" charset="0"/>
+                <a:cs typeface="Segoe UI" panose="020B0502040204020203" pitchFamily="34" charset="0"/>
+              </a:rPr>
+              <a:t>Processing</a:t>
+            </a:r>
+            <a:r>
+              <a:rPr lang="hu-HU" dirty="0">
+                <a:latin typeface="Segoe UI" panose="020B0502040204020203" pitchFamily="34" charset="0"/>
+                <a:cs typeface="Segoe UI" panose="020B0502040204020203" pitchFamily="34" charset="0"/>
+              </a:rPr>
+              <a:t> </a:t>
+            </a:r>
+            <a:r>
+              <a:rPr lang="hu-HU" dirty="0" err="1">
+                <a:latin typeface="Segoe UI" panose="020B0502040204020203" pitchFamily="34" charset="0"/>
+                <a:cs typeface="Segoe UI" panose="020B0502040204020203" pitchFamily="34" charset="0"/>
+              </a:rPr>
+              <a:t>signals</a:t>
+            </a:r>
+            <a:r>
+              <a:rPr lang="hu-HU" dirty="0">
+                <a:latin typeface="Segoe UI" panose="020B0502040204020203" pitchFamily="34" charset="0"/>
+                <a:cs typeface="Segoe UI" panose="020B0502040204020203" pitchFamily="34" charset="0"/>
+              </a:rPr>
+              <a:t> </a:t>
+            </a:r>
+            <a:r>
+              <a:rPr lang="hu-HU" dirty="0" err="1">
+                <a:latin typeface="Segoe UI" panose="020B0502040204020203" pitchFamily="34" charset="0"/>
+                <a:cs typeface="Segoe UI" panose="020B0502040204020203" pitchFamily="34" charset="0"/>
+              </a:rPr>
+              <a:t>immediately</a:t>
+            </a:r>
+            <a:endParaRPr lang="en-GB" dirty="0" err="1">
+              <a:latin typeface="Segoe UI" panose="020B0502040204020203" pitchFamily="34" charset="0"/>
+              <a:cs typeface="Segoe UI" panose="020B0502040204020203" pitchFamily="34" charset="0"/>
+            </a:endParaRPr>
+          </a:p>
+        </p:txBody>
+      </p:sp>
+      <p:sp>
+        <p:nvSpPr>
+          <p:cNvPr id="64" name="Rounded Rectangular Callout 2">
+            <a:extLst>
+              <a:ext uri="{FF2B5EF4-FFF2-40B4-BE49-F238E27FC236}">
+                <a16:creationId xmlns:a16="http://schemas.microsoft.com/office/drawing/2014/main" id="{3FB5A2A2-2A68-460B-8A84-C85B183EC94B}"/>
+              </a:ext>
+            </a:extLst>
+          </p:cNvPr>
+          <p:cNvSpPr/>
+          <p:nvPr/>
+        </p:nvSpPr>
+        <p:spPr>
+          <a:xfrm>
+            <a:off x="1660464" y="5169194"/>
+            <a:ext cx="2098197" cy="657409"/>
+          </a:xfrm>
+          <a:prstGeom prst="wedgeRoundRectCallout">
+            <a:avLst>
+              <a:gd name="adj1" fmla="val 57119"/>
+              <a:gd name="adj2" fmla="val 37423"/>
+              <a:gd name="adj3" fmla="val 16667"/>
+            </a:avLst>
+          </a:prstGeom>
+        </p:spPr>
+        <p:style>
+          <a:lnRef idx="1">
+            <a:schemeClr val="accent2"/>
+          </a:lnRef>
+          <a:fillRef idx="3">
+            <a:schemeClr val="accent2"/>
+          </a:fillRef>
+          <a:effectRef idx="2">
+            <a:schemeClr val="accent2"/>
+          </a:effectRef>
+          <a:fontRef idx="minor">
+            <a:schemeClr val="lt1"/>
+          </a:fontRef>
+        </p:style>
+        <p:txBody>
+          <a:bodyPr rtlCol="0" anchor="ctr"/>
+          <a:lstStyle>
+            <a:defPPr>
+              <a:defRPr lang="en-US"/>
+            </a:defPPr>
+            <a:lvl1pPr marL="0" algn="l" defTabSz="457200" rtl="0" eaLnBrk="1" latinLnBrk="0" hangingPunct="1">
+              <a:defRPr sz="1800" kern="1200">
+                <a:solidFill>
+                  <a:schemeClr val="lt1"/>
+                </a:solidFill>
+                <a:latin typeface="+mn-lt"/>
+                <a:ea typeface="+mn-ea"/>
+                <a:cs typeface="+mn-cs"/>
+              </a:defRPr>
+            </a:lvl1pPr>
+            <a:lvl2pPr marL="457200" algn="l" defTabSz="457200" rtl="0" eaLnBrk="1" latinLnBrk="0" hangingPunct="1">
+              <a:defRPr sz="1800" kern="1200">
+                <a:solidFill>
+                  <a:schemeClr val="lt1"/>
+                </a:solidFill>
+                <a:latin typeface="+mn-lt"/>
+                <a:ea typeface="+mn-ea"/>
+                <a:cs typeface="+mn-cs"/>
+              </a:defRPr>
+            </a:lvl2pPr>
+            <a:lvl3pPr marL="914400" algn="l" defTabSz="457200" rtl="0" eaLnBrk="1" latinLnBrk="0" hangingPunct="1">
+              <a:defRPr sz="1800" kern="1200">
+                <a:solidFill>
+                  <a:schemeClr val="lt1"/>
+                </a:solidFill>
+                <a:latin typeface="+mn-lt"/>
+                <a:ea typeface="+mn-ea"/>
+                <a:cs typeface="+mn-cs"/>
+              </a:defRPr>
+            </a:lvl3pPr>
+            <a:lvl4pPr marL="1371600" algn="l" defTabSz="457200" rtl="0" eaLnBrk="1" latinLnBrk="0" hangingPunct="1">
+              <a:defRPr sz="1800" kern="1200">
+                <a:solidFill>
+                  <a:schemeClr val="lt1"/>
+                </a:solidFill>
+                <a:latin typeface="+mn-lt"/>
+                <a:ea typeface="+mn-ea"/>
+                <a:cs typeface="+mn-cs"/>
+              </a:defRPr>
+            </a:lvl4pPr>
+            <a:lvl5pPr marL="1828800" algn="l" defTabSz="457200" rtl="0" eaLnBrk="1" latinLnBrk="0" hangingPunct="1">
+              <a:defRPr sz="1800" kern="1200">
+                <a:solidFill>
+                  <a:schemeClr val="lt1"/>
+                </a:solidFill>
+                <a:latin typeface="+mn-lt"/>
+                <a:ea typeface="+mn-ea"/>
+                <a:cs typeface="+mn-cs"/>
+              </a:defRPr>
+            </a:lvl5pPr>
+            <a:lvl6pPr marL="2286000" algn="l" defTabSz="457200" rtl="0" eaLnBrk="1" latinLnBrk="0" hangingPunct="1">
+              <a:defRPr sz="1800" kern="1200">
+                <a:solidFill>
+                  <a:schemeClr val="lt1"/>
+                </a:solidFill>
+                <a:latin typeface="+mn-lt"/>
+                <a:ea typeface="+mn-ea"/>
+                <a:cs typeface="+mn-cs"/>
+              </a:defRPr>
+            </a:lvl6pPr>
+            <a:lvl7pPr marL="2743200" algn="l" defTabSz="457200" rtl="0" eaLnBrk="1" latinLnBrk="0" hangingPunct="1">
+              <a:defRPr sz="1800" kern="1200">
+                <a:solidFill>
+                  <a:schemeClr val="lt1"/>
+                </a:solidFill>
+                <a:latin typeface="+mn-lt"/>
+                <a:ea typeface="+mn-ea"/>
+                <a:cs typeface="+mn-cs"/>
+              </a:defRPr>
+            </a:lvl7pPr>
+            <a:lvl8pPr marL="3200400" algn="l" defTabSz="457200" rtl="0" eaLnBrk="1" latinLnBrk="0" hangingPunct="1">
+              <a:defRPr sz="1800" kern="1200">
+                <a:solidFill>
+                  <a:schemeClr val="lt1"/>
+                </a:solidFill>
+                <a:latin typeface="+mn-lt"/>
+                <a:ea typeface="+mn-ea"/>
+                <a:cs typeface="+mn-cs"/>
+              </a:defRPr>
+            </a:lvl8pPr>
+            <a:lvl9pPr marL="3657600" algn="l" defTabSz="457200" rtl="0" eaLnBrk="1" latinLnBrk="0" hangingPunct="1">
+              <a:defRPr sz="1800" kern="1200">
+                <a:solidFill>
+                  <a:schemeClr val="lt1"/>
+                </a:solidFill>
+                <a:latin typeface="+mn-lt"/>
+                <a:ea typeface="+mn-ea"/>
+                <a:cs typeface="+mn-cs"/>
+              </a:defRPr>
+            </a:lvl9pPr>
+          </a:lstStyle>
+          <a:p>
+            <a:pPr algn="ctr"/>
+            <a:r>
+              <a:rPr lang="hu-HU" dirty="0" err="1">
+                <a:latin typeface="Segoe UI" panose="020B0502040204020203" pitchFamily="34" charset="0"/>
+                <a:cs typeface="Segoe UI" panose="020B0502040204020203" pitchFamily="34" charset="0"/>
+              </a:rPr>
+              <a:t>Processing</a:t>
+            </a:r>
+            <a:r>
+              <a:rPr lang="hu-HU" dirty="0">
+                <a:latin typeface="Segoe UI" panose="020B0502040204020203" pitchFamily="34" charset="0"/>
+                <a:cs typeface="Segoe UI" panose="020B0502040204020203" pitchFamily="34" charset="0"/>
+              </a:rPr>
+              <a:t> </a:t>
+            </a:r>
+            <a:r>
+              <a:rPr lang="hu-HU" dirty="0" err="1">
+                <a:latin typeface="Segoe UI" panose="020B0502040204020203" pitchFamily="34" charset="0"/>
+                <a:cs typeface="Segoe UI" panose="020B0502040204020203" pitchFamily="34" charset="0"/>
+              </a:rPr>
+              <a:t>signals</a:t>
+            </a:r>
+            <a:r>
+              <a:rPr lang="hu-HU" dirty="0">
+                <a:latin typeface="Segoe UI" panose="020B0502040204020203" pitchFamily="34" charset="0"/>
+                <a:cs typeface="Segoe UI" panose="020B0502040204020203" pitchFamily="34" charset="0"/>
+              </a:rPr>
+              <a:t> </a:t>
+            </a:r>
+            <a:r>
+              <a:rPr lang="hu-HU" dirty="0" err="1">
+                <a:latin typeface="Segoe UI" panose="020B0502040204020203" pitchFamily="34" charset="0"/>
+                <a:cs typeface="Segoe UI" panose="020B0502040204020203" pitchFamily="34" charset="0"/>
+              </a:rPr>
+              <a:t>immediately</a:t>
             </a:r>
             <a:endParaRPr lang="en-GB" dirty="0" err="1">
               <a:latin typeface="Segoe UI" panose="020B0502040204020203" pitchFamily="34" charset="0"/>
@@ -13563,7 +20219,7 @@
                                           </p:stCondLst>
                                         </p:cTn>
                                         <p:tgtEl>
-                                          <p:spTgt spid="52"/>
+                                          <p:spTgt spid="55"/>
                                         </p:tgtEl>
                                         <p:attrNameLst>
                                           <p:attrName>style.visibility</p:attrName>
@@ -13595,7 +20251,7 @@
                             </p:stCondLst>
                             <p:childTnLst>
                               <p:par>
-                                <p:cTn id="9" presetID="1" presetClass="exit" presetSubtype="0" fill="hold" grpId="0" nodeType="clickEffect">
+                                <p:cTn id="9" presetID="1" presetClass="entr" presetSubtype="0" fill="hold" grpId="0" nodeType="clickEffect">
                                   <p:stCondLst>
                                     <p:cond delay="0"/>
                                   </p:stCondLst>
@@ -13608,21 +20264,21 @@
                                           </p:stCondLst>
                                         </p:cTn>
                                         <p:tgtEl>
-                                          <p:spTgt spid="50"/>
+                                          <p:spTgt spid="56"/>
                                         </p:tgtEl>
                                         <p:attrNameLst>
                                           <p:attrName>style.visibility</p:attrName>
                                         </p:attrNameLst>
                                       </p:cBhvr>
                                       <p:to>
-                                        <p:strVal val="hidden"/>
+                                        <p:strVal val="visible"/>
                                       </p:to>
                                     </p:set>
                                   </p:childTnLst>
                                 </p:cTn>
                               </p:par>
                               <p:par>
-                                <p:cTn id="11" presetID="1" presetClass="exit" presetSubtype="0" fill="hold" nodeType="withEffect">
+                                <p:cTn id="11" presetID="1" presetClass="entr" presetSubtype="0" fill="hold" grpId="0" nodeType="withEffect">
                                   <p:stCondLst>
                                     <p:cond delay="0"/>
                                   </p:stCondLst>
@@ -13635,21 +20291,21 @@
                                           </p:stCondLst>
                                         </p:cTn>
                                         <p:tgtEl>
-                                          <p:spTgt spid="49"/>
+                                          <p:spTgt spid="58"/>
                                         </p:tgtEl>
                                         <p:attrNameLst>
                                           <p:attrName>style.visibility</p:attrName>
                                         </p:attrNameLst>
                                       </p:cBhvr>
                                       <p:to>
-                                        <p:strVal val="hidden"/>
+                                        <p:strVal val="visible"/>
                                       </p:to>
                                     </p:set>
                                   </p:childTnLst>
                                 </p:cTn>
                               </p:par>
                               <p:par>
-                                <p:cTn id="13" presetID="1" presetClass="exit" presetSubtype="0" fill="hold" nodeType="withEffect">
+                                <p:cTn id="13" presetID="1" presetClass="exit" presetSubtype="0" fill="hold" grpId="1" nodeType="withEffect">
                                   <p:stCondLst>
                                     <p:cond delay="0"/>
                                   </p:stCondLst>
@@ -13662,88 +20318,7 @@
                                           </p:stCondLst>
                                         </p:cTn>
                                         <p:tgtEl>
-                                          <p:spTgt spid="51"/>
-                                        </p:tgtEl>
-                                        <p:attrNameLst>
-                                          <p:attrName>style.visibility</p:attrName>
-                                        </p:attrNameLst>
-                                      </p:cBhvr>
-                                      <p:to>
-                                        <p:strVal val="hidden"/>
-                                      </p:to>
-                                    </p:set>
-                                  </p:childTnLst>
-                                </p:cTn>
-                              </p:par>
-                              <p:par>
-                                <p:cTn id="15" presetID="1" presetClass="exit" presetSubtype="0" fill="hold" grpId="0" nodeType="withEffect">
-                                  <p:stCondLst>
-                                    <p:cond delay="0"/>
-                                  </p:stCondLst>
-                                  <p:childTnLst>
-                                    <p:set>
-                                      <p:cBhvr>
-                                        <p:cTn id="16" dur="1" fill="hold">
-                                          <p:stCondLst>
-                                            <p:cond delay="0"/>
-                                          </p:stCondLst>
-                                        </p:cTn>
-                                        <p:tgtEl>
-                                          <p:spTgt spid="48"/>
-                                        </p:tgtEl>
-                                        <p:attrNameLst>
-                                          <p:attrName>style.visibility</p:attrName>
-                                        </p:attrNameLst>
-                                      </p:cBhvr>
-                                      <p:to>
-                                        <p:strVal val="hidden"/>
-                                      </p:to>
-                                    </p:set>
-                                  </p:childTnLst>
-                                </p:cTn>
-                              </p:par>
-                              <p:par>
-                                <p:cTn id="17" presetID="1" presetClass="exit" presetSubtype="0" fill="hold" grpId="0" nodeType="withEffect">
-                                  <p:stCondLst>
-                                    <p:cond delay="0"/>
-                                  </p:stCondLst>
-                                  <p:childTnLst>
-                                    <p:set>
-                                      <p:cBhvr>
-                                        <p:cTn id="18" dur="1" fill="hold">
-                                          <p:stCondLst>
-                                            <p:cond delay="0"/>
-                                          </p:stCondLst>
-                                        </p:cTn>
-                                        <p:tgtEl>
-                                          <p:spTgt spid="47"/>
-                                        </p:tgtEl>
-                                        <p:attrNameLst>
-                                          <p:attrName>style.visibility</p:attrName>
-                                        </p:attrNameLst>
-                                      </p:cBhvr>
-                                      <p:to>
-                                        <p:strVal val="hidden"/>
-                                      </p:to>
-                                    </p:set>
-                                  </p:childTnLst>
-                                </p:cTn>
-                              </p:par>
-                              <p:par>
-                                <p:cTn id="19" presetID="1" presetClass="exit" presetSubtype="0" fill="hold" grpId="1" nodeType="withEffect">
-                                  <p:stCondLst>
-                                    <p:cond delay="0"/>
-                                  </p:stCondLst>
-                                  <p:childTnLst>
-                                    <p:set>
-                                      <p:cBhvr>
-                                        <p:cTn id="20" dur="1" fill="hold">
-                                          <p:stCondLst>
-                                            <p:cond delay="0"/>
-                                          </p:stCondLst>
-                                        </p:cTn>
-                                        <p:tgtEl>
-                                          <p:spTgt spid="52"/>
+                                          <p:spTgt spid="55"/>
                                         </p:tgtEl>
                                         <p:attrNameLst>
                                           <p:attrName>style.visibility</p:attrName>
@@ -13763,19 +20338,100 @@
                     </p:cTn>
                   </p:par>
                   <p:par>
-                    <p:cTn id="21" fill="hold">
+                    <p:cTn id="15" fill="hold">
                       <p:stCondLst>
                         <p:cond delay="indefinite"/>
                       </p:stCondLst>
                       <p:childTnLst>
                         <p:par>
-                          <p:cTn id="22" fill="hold">
+                          <p:cTn id="16" fill="hold">
                             <p:stCondLst>
                               <p:cond delay="0"/>
                             </p:stCondLst>
                             <p:childTnLst>
                               <p:par>
-                                <p:cTn id="23" presetID="1" presetClass="entr" presetSubtype="0" fill="hold" grpId="0" nodeType="clickEffect">
+                                <p:cTn id="17" presetID="1" presetClass="exit" presetSubtype="0" fill="hold" grpId="1" nodeType="clickEffect">
+                                  <p:stCondLst>
+                                    <p:cond delay="0"/>
+                                  </p:stCondLst>
+                                  <p:childTnLst>
+                                    <p:set>
+                                      <p:cBhvr>
+                                        <p:cTn id="18" dur="1" fill="hold">
+                                          <p:stCondLst>
+                                            <p:cond delay="0"/>
+                                          </p:stCondLst>
+                                        </p:cTn>
+                                        <p:tgtEl>
+                                          <p:spTgt spid="58"/>
+                                        </p:tgtEl>
+                                        <p:attrNameLst>
+                                          <p:attrName>style.visibility</p:attrName>
+                                        </p:attrNameLst>
+                                      </p:cBhvr>
+                                      <p:to>
+                                        <p:strVal val="hidden"/>
+                                      </p:to>
+                                    </p:set>
+                                  </p:childTnLst>
+                                </p:cTn>
+                              </p:par>
+                              <p:par>
+                                <p:cTn id="19" presetID="1" presetClass="entr" presetSubtype="0" fill="hold" grpId="0" nodeType="withEffect">
+                                  <p:stCondLst>
+                                    <p:cond delay="0"/>
+                                  </p:stCondLst>
+                                  <p:childTnLst>
+                                    <p:set>
+                                      <p:cBhvr>
+                                        <p:cTn id="20" dur="1" fill="hold">
+                                          <p:stCondLst>
+                                            <p:cond delay="0"/>
+                                          </p:stCondLst>
+                                        </p:cTn>
+                                        <p:tgtEl>
+                                          <p:spTgt spid="63"/>
+                                        </p:tgtEl>
+                                        <p:attrNameLst>
+                                          <p:attrName>style.visibility</p:attrName>
+                                        </p:attrNameLst>
+                                      </p:cBhvr>
+                                      <p:to>
+                                        <p:strVal val="visible"/>
+                                      </p:to>
+                                    </p:set>
+                                  </p:childTnLst>
+                                </p:cTn>
+                              </p:par>
+                              <p:par>
+                                <p:cTn id="21" presetID="1" presetClass="entr" presetSubtype="0" fill="hold" grpId="0" nodeType="withEffect">
+                                  <p:stCondLst>
+                                    <p:cond delay="0"/>
+                                  </p:stCondLst>
+                                  <p:childTnLst>
+                                    <p:set>
+                                      <p:cBhvr>
+                                        <p:cTn id="22" dur="1" fill="hold">
+                                          <p:stCondLst>
+                                            <p:cond delay="0"/>
+                                          </p:stCondLst>
+                                        </p:cTn>
+                                        <p:tgtEl>
+                                          <p:spTgt spid="64"/>
+                                        </p:tgtEl>
+                                        <p:attrNameLst>
+                                          <p:attrName>style.visibility</p:attrName>
+                                        </p:attrNameLst>
+                                      </p:cBhvr>
+                                      <p:to>
+                                        <p:strVal val="visible"/>
+                                      </p:to>
+                                    </p:set>
+                                  </p:childTnLst>
+                                </p:cTn>
+                              </p:par>
+                              <p:par>
+                                <p:cTn id="23" presetID="1" presetClass="entr" presetSubtype="0" fill="hold" grpId="0" nodeType="withEffect">
                                   <p:stCondLst>
                                     <p:cond delay="0"/>
                                   </p:stCondLst>
@@ -13783,6 +20439,204 @@
                                     <p:set>
                                       <p:cBhvr>
                                         <p:cTn id="24" dur="1" fill="hold">
+                                          <p:stCondLst>
+                                            <p:cond delay="0"/>
+                                          </p:stCondLst>
+                                        </p:cTn>
+                                        <p:tgtEl>
+                                          <p:spTgt spid="57"/>
+                                        </p:tgtEl>
+                                        <p:attrNameLst>
+                                          <p:attrName>style.visibility</p:attrName>
+                                        </p:attrNameLst>
+                                      </p:cBhvr>
+                                      <p:to>
+                                        <p:strVal val="visible"/>
+                                      </p:to>
+                                    </p:set>
+                                  </p:childTnLst>
+                                </p:cTn>
+                              </p:par>
+                              <p:par>
+                                <p:cTn id="25" presetID="1" presetClass="exit" presetSubtype="0" fill="hold" grpId="1" nodeType="withEffect">
+                                  <p:stCondLst>
+                                    <p:cond delay="0"/>
+                                  </p:stCondLst>
+                                  <p:childTnLst>
+                                    <p:set>
+                                      <p:cBhvr>
+                                        <p:cTn id="26" dur="1" fill="hold">
+                                          <p:stCondLst>
+                                            <p:cond delay="0"/>
+                                          </p:stCondLst>
+                                        </p:cTn>
+                                        <p:tgtEl>
+                                          <p:spTgt spid="56"/>
+                                        </p:tgtEl>
+                                        <p:attrNameLst>
+                                          <p:attrName>style.visibility</p:attrName>
+                                        </p:attrNameLst>
+                                      </p:cBhvr>
+                                      <p:to>
+                                        <p:strVal val="hidden"/>
+                                      </p:to>
+                                    </p:set>
+                                  </p:childTnLst>
+                                </p:cTn>
+                              </p:par>
+                            </p:childTnLst>
+                          </p:cTn>
+                        </p:par>
+                      </p:childTnLst>
+                    </p:cTn>
+                  </p:par>
+                  <p:par>
+                    <p:cTn id="27" fill="hold">
+                      <p:stCondLst>
+                        <p:cond delay="indefinite"/>
+                      </p:stCondLst>
+                      <p:childTnLst>
+                        <p:par>
+                          <p:cTn id="28" fill="hold">
+                            <p:stCondLst>
+                              <p:cond delay="0"/>
+                            </p:stCondLst>
+                            <p:childTnLst>
+                              <p:par>
+                                <p:cTn id="29" presetID="1" presetClass="exit" presetSubtype="0" fill="hold" grpId="1" nodeType="clickEffect">
+                                  <p:stCondLst>
+                                    <p:cond delay="0"/>
+                                  </p:stCondLst>
+                                  <p:childTnLst>
+                                    <p:set>
+                                      <p:cBhvr>
+                                        <p:cTn id="30" dur="1" fill="hold">
+                                          <p:stCondLst>
+                                            <p:cond delay="0"/>
+                                          </p:stCondLst>
+                                        </p:cTn>
+                                        <p:tgtEl>
+                                          <p:spTgt spid="63"/>
+                                        </p:tgtEl>
+                                        <p:attrNameLst>
+                                          <p:attrName>style.visibility</p:attrName>
+                                        </p:attrNameLst>
+                                      </p:cBhvr>
+                                      <p:to>
+                                        <p:strVal val="hidden"/>
+                                      </p:to>
+                                    </p:set>
+                                  </p:childTnLst>
+                                </p:cTn>
+                              </p:par>
+                              <p:par>
+                                <p:cTn id="31" presetID="1" presetClass="exit" presetSubtype="0" fill="hold" grpId="1" nodeType="withEffect">
+                                  <p:stCondLst>
+                                    <p:cond delay="0"/>
+                                  </p:stCondLst>
+                                  <p:childTnLst>
+                                    <p:set>
+                                      <p:cBhvr>
+                                        <p:cTn id="32" dur="1" fill="hold">
+                                          <p:stCondLst>
+                                            <p:cond delay="0"/>
+                                          </p:stCondLst>
+                                        </p:cTn>
+                                        <p:tgtEl>
+                                          <p:spTgt spid="64"/>
+                                        </p:tgtEl>
+                                        <p:attrNameLst>
+                                          <p:attrName>style.visibility</p:attrName>
+                                        </p:attrNameLst>
+                                      </p:cBhvr>
+                                      <p:to>
+                                        <p:strVal val="hidden"/>
+                                      </p:to>
+                                    </p:set>
+                                  </p:childTnLst>
+                                </p:cTn>
+                              </p:par>
+                              <p:par>
+                                <p:cTn id="33" presetID="1" presetClass="exit" presetSubtype="0" fill="hold" grpId="1" nodeType="withEffect">
+                                  <p:stCondLst>
+                                    <p:cond delay="0"/>
+                                  </p:stCondLst>
+                                  <p:childTnLst>
+                                    <p:set>
+                                      <p:cBhvr>
+                                        <p:cTn id="34" dur="1" fill="hold">
+                                          <p:stCondLst>
+                                            <p:cond delay="0"/>
+                                          </p:stCondLst>
+                                        </p:cTn>
+                                        <p:tgtEl>
+                                          <p:spTgt spid="57"/>
+                                        </p:tgtEl>
+                                        <p:attrNameLst>
+                                          <p:attrName>style.visibility</p:attrName>
+                                        </p:attrNameLst>
+                                      </p:cBhvr>
+                                      <p:to>
+                                        <p:strVal val="hidden"/>
+                                      </p:to>
+                                    </p:set>
+                                  </p:childTnLst>
+                                </p:cTn>
+                              </p:par>
+                            </p:childTnLst>
+                          </p:cTn>
+                        </p:par>
+                      </p:childTnLst>
+                    </p:cTn>
+                  </p:par>
+                  <p:par>
+                    <p:cTn id="35" fill="hold">
+                      <p:stCondLst>
+                        <p:cond delay="indefinite"/>
+                      </p:stCondLst>
+                      <p:childTnLst>
+                        <p:par>
+                          <p:cTn id="36" fill="hold">
+                            <p:stCondLst>
+                              <p:cond delay="0"/>
+                            </p:stCondLst>
+                            <p:childTnLst>
+                              <p:par>
+                                <p:cTn id="37" presetID="1" presetClass="entr" presetSubtype="0" fill="hold" grpId="0" nodeType="clickEffect">
+                                  <p:stCondLst>
+                                    <p:cond delay="0"/>
+                                  </p:stCondLst>
+                                  <p:childTnLst>
+                                    <p:set>
+                                      <p:cBhvr>
+                                        <p:cTn id="38" dur="1" fill="hold">
+                                          <p:stCondLst>
+                                            <p:cond delay="0"/>
+                                          </p:stCondLst>
+                                        </p:cTn>
+                                        <p:tgtEl>
+                                          <p:spTgt spid="9"/>
+                                        </p:tgtEl>
+                                        <p:attrNameLst>
+                                          <p:attrName>style.visibility</p:attrName>
+                                        </p:attrNameLst>
+                                      </p:cBhvr>
+                                      <p:to>
+                                        <p:strVal val="visible"/>
+                                      </p:to>
+                                    </p:set>
+                                  </p:childTnLst>
+                                </p:cTn>
+                              </p:par>
+                              <p:par>
+                                <p:cTn id="39" presetID="1" presetClass="entr" presetSubtype="0" fill="hold" grpId="0" nodeType="withEffect">
+                                  <p:stCondLst>
+                                    <p:cond delay="0"/>
+                                  </p:stCondLst>
+                                  <p:childTnLst>
+                                    <p:set>
+                                      <p:cBhvr>
+                                        <p:cTn id="40" dur="1" fill="hold">
                                           <p:stCondLst>
                                             <p:cond delay="0"/>
                                           </p:stCondLst>
@@ -13802,20 +20656,20 @@
                                 </p:cTn>
                               </p:par>
                               <p:par>
-                                <p:cTn id="25" presetID="1" presetClass="entr" presetSubtype="0" fill="hold" grpId="0" nodeType="withEffect">
+                                <p:cTn id="41" presetID="1" presetClass="entr" presetSubtype="0" fill="hold" grpId="0" nodeType="withEffect">
                                   <p:stCondLst>
                                     <p:cond delay="0"/>
                                   </p:stCondLst>
                                   <p:childTnLst>
                                     <p:set>
                                       <p:cBhvr>
-                                        <p:cTn id="26" dur="1" fill="hold">
+                                        <p:cTn id="42" dur="1" fill="hold">
                                           <p:stCondLst>
                                             <p:cond delay="0"/>
                                           </p:stCondLst>
                                         </p:cTn>
                                         <p:tgtEl>
-                                          <p:spTgt spid="8"/>
+                                          <p:spTgt spid="31"/>
                                         </p:tgtEl>
                                         <p:attrNameLst>
                                           <p:attrName>style.visibility</p:attrName>
@@ -13829,47 +20683,20 @@
                                 </p:cTn>
                               </p:par>
                               <p:par>
-                                <p:cTn id="27" presetID="1" presetClass="entr" presetSubtype="0" fill="hold" grpId="0" nodeType="withEffect">
+                                <p:cTn id="43" presetID="1" presetClass="entr" presetSubtype="0" fill="hold" grpId="0" nodeType="withEffect">
                                   <p:stCondLst>
                                     <p:cond delay="0"/>
                                   </p:stCondLst>
                                   <p:childTnLst>
                                     <p:set>
                                       <p:cBhvr>
-                                        <p:cTn id="28" dur="1" fill="hold">
+                                        <p:cTn id="44" dur="1" fill="hold">
                                           <p:stCondLst>
                                             <p:cond delay="0"/>
                                           </p:stCondLst>
                                         </p:cTn>
                                         <p:tgtEl>
-                                          <p:spTgt spid="9"/>
-                                        </p:tgtEl>
-                                        <p:attrNameLst>
-                                          <p:attrName>style.visibility</p:attrName>
-                                        </p:attrNameLst>
-                                      </p:cBhvr>
-                                      <p:to>
-                                        <p:strVal val="visible"/>
-                                      </p:to>
-                                    </p:set>
-                                  </p:childTnLst>
-                                </p:cTn>
-                              </p:par>
-                              <p:par>
-                                <p:cTn id="29" presetID="1" presetClass="entr" presetSubtype="0" fill="hold" grpId="0" nodeType="withEffect">
-                                  <p:stCondLst>
-                                    <p:cond delay="0"/>
-                                  </p:stCondLst>
-                                  <p:childTnLst>
-                                    <p:set>
-                                      <p:cBhvr>
-                                        <p:cTn id="30" dur="1" fill="hold">
-                                          <p:stCondLst>
-                                            <p:cond delay="0"/>
-                                          </p:stCondLst>
-                                        </p:cTn>
-                                        <p:tgtEl>
-                                          <p:spTgt spid="31"/>
+                                          <p:spTgt spid="8"/>
                                         </p:tgtEl>
                                         <p:attrNameLst>
                                           <p:attrName>style.visibility</p:attrName>
@@ -13913,12 +20740,19 @@
       <p:bldP spid="7" grpId="0" animBg="1"/>
       <p:bldP spid="8" grpId="0" animBg="1"/>
       <p:bldP spid="9" grpId="0" animBg="1"/>
-      <p:bldP spid="47" grpId="0" animBg="1"/>
-      <p:bldP spid="48" grpId="0" animBg="1"/>
-      <p:bldP spid="50" grpId="0" animBg="1"/>
-      <p:bldP spid="52" grpId="0" animBg="1"/>
-      <p:bldP spid="52" grpId="1" animBg="1"/>
       <p:bldP spid="31" grpId="0" animBg="1"/>
+      <p:bldP spid="55" grpId="0" animBg="1"/>
+      <p:bldP spid="55" grpId="1" animBg="1"/>
+      <p:bldP spid="56" grpId="0" animBg="1"/>
+      <p:bldP spid="56" grpId="1" animBg="1"/>
+      <p:bldP spid="57" grpId="0" animBg="1"/>
+      <p:bldP spid="57" grpId="1" animBg="1"/>
+      <p:bldP spid="58" grpId="0" animBg="1"/>
+      <p:bldP spid="58" grpId="1" animBg="1"/>
+      <p:bldP spid="63" grpId="0" animBg="1"/>
+      <p:bldP spid="63" grpId="1" animBg="1"/>
+      <p:bldP spid="64" grpId="0" animBg="1"/>
+      <p:bldP spid="64" grpId="1" animBg="1"/>
     </p:bldLst>
   </p:timing>
 </p:sld>
@@ -32026,6 +38860,22 @@
             <a:pPr lvl="1"/>
             <a:r>
               <a:rPr lang="hu-HU" sz="2200" dirty="0" err="1"/>
+              <a:t>Formal</a:t>
+            </a:r>
+            <a:r>
+              <a:rPr lang="hu-HU" sz="2200" dirty="0"/>
+              <a:t> </a:t>
+            </a:r>
+            <a:r>
+              <a:rPr lang="hu-HU" sz="2200" dirty="0" err="1"/>
+              <a:t>analysis</a:t>
+            </a:r>
+            <a:endParaRPr lang="hu-HU" sz="2200" dirty="0"/>
+          </a:p>
+          <a:p>
+            <a:pPr lvl="1"/>
+            <a:r>
+              <a:rPr lang="hu-HU" sz="2200" dirty="0" err="1"/>
               <a:t>Supports</a:t>
             </a:r>
             <a:r>
@@ -32066,22 +38916,6 @@
             </a:r>
           </a:p>
           <a:p>
-            <a:pPr lvl="1"/>
-            <a:r>
-              <a:rPr lang="hu-HU" sz="2200" dirty="0" err="1"/>
-              <a:t>Formal</a:t>
-            </a:r>
-            <a:r>
-              <a:rPr lang="hu-HU" sz="2200" dirty="0"/>
-              <a:t> </a:t>
-            </a:r>
-            <a:r>
-              <a:rPr lang="hu-HU" sz="2200" dirty="0" err="1"/>
-              <a:t>analysis</a:t>
-            </a:r>
-            <a:endParaRPr lang="hu-HU" sz="2200" dirty="0"/>
-          </a:p>
-          <a:p>
             <a:r>
               <a:rPr lang="hu-HU" sz="2600" dirty="0" err="1"/>
               <a:t>Matlab</a:t>
@@ -32100,15 +38934,7 @@
             <a:pPr lvl="1"/>
             <a:r>
               <a:rPr lang="hu-HU" sz="2200" dirty="0" err="1"/>
-              <a:t>State</a:t>
-            </a:r>
-            <a:r>
-              <a:rPr lang="hu-HU" sz="2200" dirty="0"/>
-              <a:t> </a:t>
-            </a:r>
-            <a:r>
-              <a:rPr lang="hu-HU" sz="2200" dirty="0" err="1"/>
-              <a:t>machine</a:t>
+              <a:t>Statechart</a:t>
             </a:r>
             <a:r>
               <a:rPr lang="hu-HU" sz="2200" dirty="0"/>
@@ -33367,21 +40193,21 @@
           </a:p>
           <a:p>
             <a:r>
-              <a:rPr lang="hu-HU" sz="1700" dirty="0">
+              <a:rPr lang="hu-HU" sz="1700" b="1" dirty="0">
                 <a:latin typeface="Segoe UI" panose="020B0502040204020203" pitchFamily="34" charset="0"/>
                 <a:cs typeface="Segoe UI" panose="020B0502040204020203" pitchFamily="34" charset="0"/>
               </a:rPr>
               <a:t>Firing </a:t>
             </a:r>
             <a:r>
-              <a:rPr lang="hu-HU" sz="1700" dirty="0" err="1">
+              <a:rPr lang="hu-HU" sz="1700" b="1" dirty="0" err="1">
                 <a:latin typeface="Segoe UI" panose="020B0502040204020203" pitchFamily="34" charset="0"/>
                 <a:cs typeface="Segoe UI" panose="020B0502040204020203" pitchFamily="34" charset="0"/>
               </a:rPr>
               <a:t>sequence</a:t>
             </a:r>
             <a:r>
-              <a:rPr lang="hu-HU" sz="1700" dirty="0">
+              <a:rPr lang="hu-HU" sz="1700" b="1" dirty="0">
                 <a:latin typeface="Segoe UI" panose="020B0502040204020203" pitchFamily="34" charset="0"/>
                 <a:cs typeface="Segoe UI" panose="020B0502040204020203" pitchFamily="34" charset="0"/>
               </a:rPr>
@@ -41229,8 +48055,8 @@
           </p:nvSpPr>
           <p:spPr>
             <a:xfrm>
-              <a:off x="7289880" y="3339872"/>
-              <a:ext cx="1054264" cy="498799"/>
+              <a:off x="7009279" y="3339872"/>
+              <a:ext cx="1334866" cy="498799"/>
             </a:xfrm>
             <a:prstGeom prst="roundRect">
               <a:avLst/>
@@ -41359,7 +48185,7 @@
                   <a:latin typeface="Segoe UI" panose="020B0502040204020203" pitchFamily="34" charset="0"/>
                   <a:cs typeface="Segoe UI" panose="020B0502040204020203" pitchFamily="34" charset="0"/>
                 </a:rPr>
-                <a:t>Control</a:t>
+                <a:t>Controller</a:t>
               </a:r>
               <a:endParaRPr lang="hu-HU" dirty="0">
                 <a:solidFill>
@@ -41446,7 +48272,7 @@
           </p:nvSpPr>
           <p:spPr>
             <a:xfrm>
-              <a:off x="7735213" y="3218701"/>
+              <a:off x="7654525" y="3218701"/>
               <a:ext cx="198000" cy="197999"/>
             </a:xfrm>
             <a:prstGeom prst="rect">
@@ -41505,7 +48331,7 @@
           </p:nvSpPr>
           <p:spPr>
             <a:xfrm>
-              <a:off x="7735212" y="2369782"/>
+              <a:off x="7654524" y="2369782"/>
               <a:ext cx="198000" cy="197999"/>
             </a:xfrm>
             <a:prstGeom prst="rect">
@@ -41569,7 +48395,7 @@
           <p:spPr>
             <a:xfrm>
               <a:off x="6217206" y="3587152"/>
-              <a:ext cx="296172" cy="1317"/>
+              <a:ext cx="169376" cy="1317"/>
             </a:xfrm>
             <a:prstGeom prst="line">
               <a:avLst/>
@@ -41612,7 +48438,7 @@
           </p:nvCxnSpPr>
           <p:spPr>
             <a:xfrm flipV="1">
-              <a:off x="7834213" y="3087053"/>
+              <a:off x="7753525" y="3087053"/>
               <a:ext cx="0" cy="131648"/>
             </a:xfrm>
             <a:prstGeom prst="line">
@@ -41653,7 +48479,7 @@
           </p:nvSpPr>
           <p:spPr>
             <a:xfrm>
-              <a:off x="6448844" y="3402009"/>
+              <a:off x="6333576" y="3402009"/>
               <a:ext cx="395912" cy="370284"/>
             </a:xfrm>
             <a:prstGeom prst="arc">
@@ -41702,14 +48528,13 @@
             </p:cNvPr>
             <p:cNvCxnSpPr>
               <a:cxnSpLocks/>
-              <a:endCxn id="37" idx="1"/>
             </p:cNvCxnSpPr>
             <p:nvPr/>
           </p:nvCxnSpPr>
           <p:spPr>
             <a:xfrm>
-              <a:off x="6844757" y="3589361"/>
-              <a:ext cx="339339" cy="0"/>
+              <a:off x="6729488" y="3587152"/>
+              <a:ext cx="210401" cy="0"/>
             </a:xfrm>
             <a:prstGeom prst="line">
               <a:avLst/>
@@ -41749,7 +48574,7 @@
           </p:nvSpPr>
           <p:spPr>
             <a:xfrm>
-              <a:off x="6513378" y="3453735"/>
+              <a:off x="6386582" y="3453735"/>
               <a:ext cx="270000" cy="269466"/>
             </a:xfrm>
             <a:prstGeom prst="ellipse">
@@ -41798,7 +48623,7 @@
           </p:nvSpPr>
           <p:spPr>
             <a:xfrm rot="5340000">
-              <a:off x="7648395" y="1794819"/>
+              <a:off x="7567707" y="1794819"/>
               <a:ext cx="384924" cy="336875"/>
             </a:xfrm>
             <a:prstGeom prst="arc">
@@ -41948,7 +48773,7 @@
           </p:nvSpPr>
           <p:spPr>
             <a:xfrm rot="5340000">
-              <a:off x="7641750" y="2725049"/>
+              <a:off x="7561062" y="2725049"/>
               <a:ext cx="384924" cy="336875"/>
             </a:xfrm>
             <a:prstGeom prst="arc">
@@ -42048,7 +48873,7 @@
           </p:nvCxnSpPr>
           <p:spPr>
             <a:xfrm flipV="1">
-              <a:off x="7834212" y="2567780"/>
+              <a:off x="7753524" y="2567780"/>
               <a:ext cx="0" cy="396753"/>
             </a:xfrm>
             <a:prstGeom prst="line">
@@ -42143,7 +48968,7 @@
           </p:nvCxnSpPr>
           <p:spPr>
             <a:xfrm flipV="1">
-              <a:off x="7834212" y="2180573"/>
+              <a:off x="7753524" y="2180573"/>
               <a:ext cx="0" cy="189209"/>
             </a:xfrm>
             <a:prstGeom prst="line">
@@ -42283,7 +49108,7 @@
           </p:nvSpPr>
           <p:spPr>
             <a:xfrm>
-              <a:off x="7184095" y="3490361"/>
+              <a:off x="6939889" y="3488152"/>
               <a:ext cx="198000" cy="197999"/>
             </a:xfrm>
             <a:prstGeom prst="rect">

--- a/presentation/gb_mv_gamma.pptx
+++ b/presentation/gb_mv_gamma.pptx
@@ -2335,7 +2335,111 @@
             </a:pPr>
             <a:r>
               <a:rPr lang="hu-HU" sz="1200" dirty="0"/>
-              <a:t>És most szeretném bemutatni, a munkafolyamatot, amely szerint a Gamma keretrendszert használni lehet.</a:t>
+              <a:t>And </a:t>
+            </a:r>
+            <a:r>
+              <a:rPr lang="hu-HU" sz="1200" dirty="0" err="1"/>
+              <a:t>now</a:t>
+            </a:r>
+            <a:r>
+              <a:rPr lang="hu-HU" sz="1200" dirty="0"/>
+              <a:t> I </a:t>
+            </a:r>
+            <a:r>
+              <a:rPr lang="hu-HU" sz="1200" dirty="0" err="1"/>
+              <a:t>would</a:t>
+            </a:r>
+            <a:r>
+              <a:rPr lang="hu-HU" sz="1200" dirty="0"/>
+              <a:t> like </a:t>
+            </a:r>
+            <a:r>
+              <a:rPr lang="hu-HU" sz="1200" dirty="0" err="1"/>
+              <a:t>to</a:t>
+            </a:r>
+            <a:r>
+              <a:rPr lang="hu-HU" sz="1200" dirty="0"/>
+              <a:t> </a:t>
+            </a:r>
+            <a:r>
+              <a:rPr lang="hu-HU" sz="1200" dirty="0" err="1"/>
+              <a:t>introduce</a:t>
+            </a:r>
+            <a:r>
+              <a:rPr lang="hu-HU" sz="1200" dirty="0"/>
+              <a:t> </a:t>
+            </a:r>
+            <a:r>
+              <a:rPr lang="hu-HU" sz="1200" dirty="0" err="1"/>
+              <a:t>the</a:t>
+            </a:r>
+            <a:r>
+              <a:rPr lang="hu-HU" sz="1200" dirty="0"/>
+              <a:t> </a:t>
+            </a:r>
+            <a:r>
+              <a:rPr lang="hu-HU" sz="1200" dirty="0" err="1"/>
+              <a:t>workflow</a:t>
+            </a:r>
+            <a:r>
+              <a:rPr lang="hu-HU" sz="1200" dirty="0"/>
+              <a:t> </a:t>
+            </a:r>
+            <a:r>
+              <a:rPr lang="hu-HU" sz="1200" dirty="0" err="1"/>
+              <a:t>according</a:t>
+            </a:r>
+            <a:r>
+              <a:rPr lang="hu-HU" sz="1200" dirty="0"/>
+              <a:t> </a:t>
+            </a:r>
+            <a:r>
+              <a:rPr lang="hu-HU" sz="1200" dirty="0" err="1"/>
+              <a:t>to</a:t>
+            </a:r>
+            <a:r>
+              <a:rPr lang="hu-HU" sz="1200" dirty="0"/>
+              <a:t> </a:t>
+            </a:r>
+            <a:r>
+              <a:rPr lang="hu-HU" sz="1200" dirty="0" err="1"/>
+              <a:t>which</a:t>
+            </a:r>
+            <a:r>
+              <a:rPr lang="hu-HU" sz="1200" dirty="0"/>
+              <a:t> </a:t>
+            </a:r>
+            <a:r>
+              <a:rPr lang="hu-HU" sz="1200" dirty="0" err="1"/>
+              <a:t>the</a:t>
+            </a:r>
+            <a:r>
+              <a:rPr lang="hu-HU" sz="1200" dirty="0"/>
+              <a:t> Gamma </a:t>
+            </a:r>
+            <a:r>
+              <a:rPr lang="hu-HU" sz="1200" dirty="0" err="1"/>
+              <a:t>framework</a:t>
+            </a:r>
+            <a:r>
+              <a:rPr lang="hu-HU" sz="1200" dirty="0"/>
+              <a:t> </a:t>
+            </a:r>
+            <a:r>
+              <a:rPr lang="hu-HU" sz="1200" dirty="0" err="1"/>
+              <a:t>can</a:t>
+            </a:r>
+            <a:r>
+              <a:rPr lang="hu-HU" sz="1200" dirty="0"/>
+              <a:t> be </a:t>
+            </a:r>
+            <a:r>
+              <a:rPr lang="hu-HU" sz="1200" dirty="0" err="1"/>
+              <a:t>used</a:t>
+            </a:r>
+            <a:r>
+              <a:rPr lang="hu-HU" sz="1200" dirty="0"/>
+              <a:t>.</a:t>
             </a:r>
           </a:p>
           <a:p>
@@ -2358,11 +2462,179 @@
             </a:pPr>
             <a:r>
               <a:rPr lang="hu-HU" sz="1200" dirty="0"/>
-              <a:t>A tervezés magas szintű mérnöki állapotgépek definiálásával kezdődik. Lehetséges, hogy ez ne a Gamma állapotgép nyelvén történjen, hanem egy a keretrendszerhez illesztett eszközzel, pl.: </a:t>
+              <a:t>The design </a:t>
             </a:r>
             <a:r>
               <a:rPr lang="hu-HU" sz="1200" dirty="0" err="1"/>
-              <a:t>Yakinduval</a:t>
+              <a:t>starts</a:t>
+            </a:r>
+            <a:r>
+              <a:rPr lang="hu-HU" sz="1200" dirty="0"/>
+              <a:t> </a:t>
+            </a:r>
+            <a:r>
+              <a:rPr lang="hu-HU" sz="1200" dirty="0" err="1"/>
+              <a:t>with</a:t>
+            </a:r>
+            <a:r>
+              <a:rPr lang="hu-HU" sz="1200" dirty="0"/>
+              <a:t> </a:t>
+            </a:r>
+            <a:r>
+              <a:rPr lang="hu-HU" sz="1200" dirty="0" err="1"/>
+              <a:t>the</a:t>
+            </a:r>
+            <a:r>
+              <a:rPr lang="hu-HU" sz="1200" dirty="0"/>
+              <a:t> </a:t>
+            </a:r>
+            <a:r>
+              <a:rPr lang="hu-HU" sz="1200" dirty="0" err="1"/>
+              <a:t>definition</a:t>
+            </a:r>
+            <a:r>
+              <a:rPr lang="hu-HU" sz="1200" dirty="0"/>
+              <a:t> of </a:t>
+            </a:r>
+            <a:r>
+              <a:rPr lang="hu-HU" sz="1200" dirty="0" err="1"/>
+              <a:t>high-level</a:t>
+            </a:r>
+            <a:r>
+              <a:rPr lang="hu-HU" sz="1200" dirty="0"/>
+              <a:t> </a:t>
+            </a:r>
+            <a:r>
+              <a:rPr lang="hu-HU" sz="1200" dirty="0" err="1"/>
+              <a:t>statecharts</a:t>
+            </a:r>
+            <a:r>
+              <a:rPr lang="hu-HU" sz="1200" dirty="0"/>
+              <a:t>. </a:t>
+            </a:r>
+            <a:r>
+              <a:rPr lang="hu-HU" sz="1200" dirty="0" err="1"/>
+              <a:t>It</a:t>
+            </a:r>
+            <a:r>
+              <a:rPr lang="hu-HU" sz="1200" dirty="0"/>
+              <a:t> is </a:t>
+            </a:r>
+            <a:r>
+              <a:rPr lang="hu-HU" sz="1200" dirty="0" err="1"/>
+              <a:t>possible</a:t>
+            </a:r>
+            <a:r>
+              <a:rPr lang="hu-HU" sz="1200" dirty="0"/>
+              <a:t> </a:t>
+            </a:r>
+            <a:r>
+              <a:rPr lang="hu-HU" sz="1200" dirty="0" err="1"/>
+              <a:t>to</a:t>
+            </a:r>
+            <a:r>
+              <a:rPr lang="hu-HU" sz="1200" dirty="0"/>
+              <a:t> </a:t>
+            </a:r>
+            <a:r>
+              <a:rPr lang="hu-HU" sz="1200" dirty="0" err="1"/>
+              <a:t>do</a:t>
+            </a:r>
+            <a:r>
+              <a:rPr lang="hu-HU" sz="1200" dirty="0"/>
+              <a:t> </a:t>
+            </a:r>
+            <a:r>
+              <a:rPr lang="hu-HU" sz="1200" dirty="0" err="1"/>
+              <a:t>it</a:t>
+            </a:r>
+            <a:r>
+              <a:rPr lang="hu-HU" sz="1200" dirty="0"/>
+              <a:t> in </a:t>
+            </a:r>
+            <a:r>
+              <a:rPr lang="hu-HU" sz="1200" dirty="0" err="1"/>
+              <a:t>the</a:t>
+            </a:r>
+            <a:r>
+              <a:rPr lang="hu-HU" sz="1200" dirty="0"/>
+              <a:t> Gamma </a:t>
+            </a:r>
+            <a:r>
+              <a:rPr lang="hu-HU" sz="1200" dirty="0" err="1"/>
+              <a:t>Statechart</a:t>
+            </a:r>
+            <a:r>
+              <a:rPr lang="hu-HU" sz="1200" dirty="0"/>
+              <a:t> </a:t>
+            </a:r>
+            <a:r>
+              <a:rPr lang="hu-HU" sz="1200" dirty="0" err="1"/>
+              <a:t>Language</a:t>
+            </a:r>
+            <a:r>
+              <a:rPr lang="hu-HU" sz="1200" dirty="0"/>
+              <a:t> </a:t>
+            </a:r>
+            <a:r>
+              <a:rPr lang="hu-HU" sz="1200" dirty="0" err="1"/>
+              <a:t>or</a:t>
+            </a:r>
+            <a:r>
+              <a:rPr lang="hu-HU" sz="1200" dirty="0"/>
+              <a:t> a </a:t>
+            </a:r>
+            <a:r>
+              <a:rPr lang="hu-HU" sz="1200" dirty="0" err="1"/>
+              <a:t>modeling</a:t>
+            </a:r>
+            <a:r>
+              <a:rPr lang="hu-HU" sz="1200" dirty="0"/>
+              <a:t> </a:t>
+            </a:r>
+            <a:r>
+              <a:rPr lang="hu-HU" sz="1200" dirty="0" err="1"/>
+              <a:t>language</a:t>
+            </a:r>
+            <a:r>
+              <a:rPr lang="hu-HU" sz="1200" dirty="0"/>
+              <a:t> </a:t>
+            </a:r>
+            <a:r>
+              <a:rPr lang="hu-HU" sz="1200" dirty="0" err="1"/>
+              <a:t>integrated</a:t>
+            </a:r>
+            <a:r>
+              <a:rPr lang="hu-HU" sz="1200" dirty="0"/>
+              <a:t> </a:t>
+            </a:r>
+            <a:r>
+              <a:rPr lang="hu-HU" sz="1200" dirty="0" err="1"/>
+              <a:t>to</a:t>
+            </a:r>
+            <a:r>
+              <a:rPr lang="hu-HU" sz="1200" dirty="0"/>
+              <a:t> Gamma, </a:t>
+            </a:r>
+            <a:r>
+              <a:rPr lang="hu-HU" sz="1200" dirty="0" err="1"/>
+              <a:t>for</a:t>
+            </a:r>
+            <a:r>
+              <a:rPr lang="hu-HU" sz="1200" dirty="0"/>
+              <a:t> </a:t>
+            </a:r>
+            <a:r>
+              <a:rPr lang="hu-HU" sz="1200" dirty="0" err="1"/>
+              <a:t>example</a:t>
+            </a:r>
+            <a:r>
+              <a:rPr lang="hu-HU" sz="1200" dirty="0"/>
+              <a:t> </a:t>
+            </a:r>
+            <a:r>
+              <a:rPr lang="hu-HU" sz="1200" dirty="0" err="1"/>
+              <a:t>Yakindu</a:t>
             </a:r>
             <a:r>
               <a:rPr lang="hu-HU" sz="1200" dirty="0"/>
@@ -2387,7 +2659,10 @@
               <a:tabLst/>
               <a:defRPr/>
             </a:pPr>
-            <a:endParaRPr lang="hu-HU" sz="1200" dirty="0"/>
+            <a:r>
+              <a:rPr lang="hu-HU" dirty="0"/>
+              <a:t> („ANIMATION”)</a:t>
+            </a:r>
           </a:p>
           <a:p>
             <a:pPr marL="0" marR="0" lvl="0" indent="0" algn="l" defTabSz="914400" rtl="0" eaLnBrk="1" fontAlgn="auto" latinLnBrk="0" hangingPunct="1">
@@ -2409,7 +2684,175 @@
             </a:pPr>
             <a:r>
               <a:rPr lang="hu-HU" sz="1200" dirty="0"/>
-              <a:t>Az ábrán látható állapotgép egy közlekedési lámpát modellez, amelyből többet szeretnénk szinkron módon futtatni egy autókereszteződést leíró modellben.</a:t>
+              <a:t>The </a:t>
+            </a:r>
+            <a:r>
+              <a:rPr lang="hu-HU" sz="1200" dirty="0" err="1"/>
+              <a:t>statechart</a:t>
+            </a:r>
+            <a:r>
+              <a:rPr lang="hu-HU" sz="1200" dirty="0"/>
+              <a:t> </a:t>
+            </a:r>
+            <a:r>
+              <a:rPr lang="hu-HU" sz="1200" dirty="0" err="1"/>
+              <a:t>depicted</a:t>
+            </a:r>
+            <a:r>
+              <a:rPr lang="hu-HU" sz="1200" dirty="0"/>
+              <a:t> in </a:t>
+            </a:r>
+            <a:r>
+              <a:rPr lang="hu-HU" sz="1200" dirty="0" err="1"/>
+              <a:t>the</a:t>
+            </a:r>
+            <a:r>
+              <a:rPr lang="hu-HU" sz="1200" dirty="0"/>
+              <a:t> </a:t>
+            </a:r>
+            <a:r>
+              <a:rPr lang="hu-HU" sz="1200" dirty="0" err="1"/>
+              <a:t>figure</a:t>
+            </a:r>
+            <a:r>
+              <a:rPr lang="hu-HU" sz="1200" dirty="0"/>
+              <a:t> </a:t>
+            </a:r>
+            <a:r>
+              <a:rPr lang="hu-HU" sz="1200" dirty="0" err="1"/>
+              <a:t>models</a:t>
+            </a:r>
+            <a:r>
+              <a:rPr lang="hu-HU" sz="1200" dirty="0"/>
+              <a:t> a </a:t>
+            </a:r>
+            <a:r>
+              <a:rPr lang="hu-HU" sz="1200" dirty="0" err="1"/>
+              <a:t>traffic</a:t>
+            </a:r>
+            <a:r>
+              <a:rPr lang="hu-HU" sz="1200" dirty="0"/>
+              <a:t> </a:t>
+            </a:r>
+            <a:r>
+              <a:rPr lang="hu-HU" sz="1200" dirty="0" err="1"/>
+              <a:t>light</a:t>
+            </a:r>
+            <a:r>
+              <a:rPr lang="hu-HU" sz="1200" dirty="0"/>
+              <a:t> in </a:t>
+            </a:r>
+            <a:r>
+              <a:rPr lang="hu-HU" sz="1200" dirty="0" err="1"/>
+              <a:t>Yakindu</a:t>
+            </a:r>
+            <a:r>
+              <a:rPr lang="hu-HU" sz="1200" dirty="0"/>
+              <a:t>. </a:t>
+            </a:r>
+            <a:r>
+              <a:rPr lang="hu-HU" sz="1200" dirty="0" err="1"/>
+              <a:t>We</a:t>
+            </a:r>
+            <a:r>
+              <a:rPr lang="hu-HU" sz="1200" dirty="0"/>
+              <a:t> </a:t>
+            </a:r>
+            <a:r>
+              <a:rPr lang="hu-HU" sz="1200" dirty="0" err="1"/>
+              <a:t>would</a:t>
+            </a:r>
+            <a:r>
+              <a:rPr lang="hu-HU" sz="1200" dirty="0"/>
+              <a:t> like </a:t>
+            </a:r>
+            <a:r>
+              <a:rPr lang="hu-HU" sz="1200" dirty="0" err="1"/>
+              <a:t>to</a:t>
+            </a:r>
+            <a:r>
+              <a:rPr lang="hu-HU" sz="1200" dirty="0"/>
+              <a:t> </a:t>
+            </a:r>
+            <a:r>
+              <a:rPr lang="hu-HU" sz="1200" dirty="0" err="1"/>
+              <a:t>run</a:t>
+            </a:r>
+            <a:r>
+              <a:rPr lang="hu-HU" sz="1200" dirty="0"/>
+              <a:t> </a:t>
+            </a:r>
+            <a:r>
+              <a:rPr lang="hu-HU" sz="1200" dirty="0" err="1"/>
+              <a:t>multiple</a:t>
+            </a:r>
+            <a:r>
+              <a:rPr lang="hu-HU" sz="1200" dirty="0"/>
+              <a:t> </a:t>
+            </a:r>
+            <a:r>
+              <a:rPr lang="hu-HU" sz="1200" dirty="0" err="1"/>
+              <a:t>traffic</a:t>
+            </a:r>
+            <a:r>
+              <a:rPr lang="hu-HU" sz="1200" dirty="0"/>
+              <a:t> </a:t>
+            </a:r>
+            <a:r>
+              <a:rPr lang="hu-HU" sz="1200" dirty="0" err="1"/>
+              <a:t>light</a:t>
+            </a:r>
+            <a:r>
+              <a:rPr lang="hu-HU" sz="1200" dirty="0"/>
+              <a:t> </a:t>
+            </a:r>
+            <a:r>
+              <a:rPr lang="hu-HU" sz="1200" dirty="0" err="1"/>
+              <a:t>instances</a:t>
+            </a:r>
+            <a:r>
+              <a:rPr lang="hu-HU" sz="1200" dirty="0"/>
+              <a:t> </a:t>
+            </a:r>
+            <a:r>
+              <a:rPr lang="hu-HU" sz="1200" dirty="0" err="1"/>
+              <a:t>synchronously</a:t>
+            </a:r>
+            <a:r>
+              <a:rPr lang="hu-HU" sz="1200" dirty="0"/>
+              <a:t> in a </a:t>
+            </a:r>
+            <a:r>
+              <a:rPr lang="hu-HU" sz="1200" dirty="0" err="1"/>
+              <a:t>composite</a:t>
+            </a:r>
+            <a:r>
+              <a:rPr lang="hu-HU" sz="1200" dirty="0"/>
+              <a:t> </a:t>
+            </a:r>
+            <a:r>
+              <a:rPr lang="hu-HU" sz="1200" dirty="0" err="1"/>
+              <a:t>model</a:t>
+            </a:r>
+            <a:r>
+              <a:rPr lang="hu-HU" sz="1200" dirty="0"/>
+              <a:t> </a:t>
+            </a:r>
+            <a:r>
+              <a:rPr lang="hu-HU" sz="1200" dirty="0" err="1"/>
+              <a:t>describing</a:t>
+            </a:r>
+            <a:r>
+              <a:rPr lang="hu-HU" sz="1200" dirty="0"/>
+              <a:t> a </a:t>
+            </a:r>
+            <a:r>
+              <a:rPr lang="hu-HU" sz="1200" dirty="0" err="1"/>
+              <a:t>crossroad</a:t>
+            </a:r>
+            <a:r>
+              <a:rPr lang="hu-HU" sz="1200" dirty="0"/>
+              <a:t>.</a:t>
             </a:r>
           </a:p>
         </p:txBody>
@@ -2534,6 +2977,10 @@
               <a:tabLst/>
               <a:defRPr/>
             </a:pPr>
+            <a:r>
+              <a:rPr lang="hu-HU" dirty="0"/>
+              <a:t> („ANIMATION”)</a:t>
+            </a:r>
             <a:endParaRPr lang="hu-HU" sz="1200" dirty="0"/>
           </a:p>
           <a:p>
@@ -2708,7 +3155,27 @@
             </a:r>
           </a:p>
           <a:p>
-            <a:endParaRPr lang="hu-HU" dirty="0"/>
+            <a:pPr marL="0" marR="0" lvl="0" indent="0" algn="l" defTabSz="914400" rtl="0" eaLnBrk="1" fontAlgn="auto" latinLnBrk="0" hangingPunct="1">
+              <a:lnSpc>
+                <a:spcPct val="100000"/>
+              </a:lnSpc>
+              <a:spcBef>
+                <a:spcPts val="0"/>
+              </a:spcBef>
+              <a:spcAft>
+                <a:spcPts val="0"/>
+              </a:spcAft>
+              <a:buClrTx/>
+              <a:buSzTx/>
+              <a:buFontTx/>
+              <a:buNone/>
+              <a:tabLst/>
+              <a:defRPr/>
+            </a:pPr>
+            <a:r>
+              <a:rPr lang="hu-HU" dirty="0"/>
+              <a:t> („ANIMATION”)</a:t>
+            </a:r>
           </a:p>
           <a:p>
             <a:r>
@@ -2846,10 +3313,28 @@
           <a:bodyPr/>
           <a:lstStyle/>
           <a:p>
+            <a:pPr marL="0" marR="0" lvl="0" indent="0" algn="l" defTabSz="914400" rtl="0" eaLnBrk="1" fontAlgn="auto" latinLnBrk="0" hangingPunct="1">
+              <a:lnSpc>
+                <a:spcPct val="100000"/>
+              </a:lnSpc>
+              <a:spcBef>
+                <a:spcPts val="0"/>
+              </a:spcBef>
+              <a:spcAft>
+                <a:spcPts val="0"/>
+              </a:spcAft>
+              <a:buClrTx/>
+              <a:buSzTx/>
+              <a:buFontTx/>
+              <a:buNone/>
+              <a:tabLst/>
+              <a:defRPr/>
+            </a:pPr>
             <a:r>
               <a:rPr lang="hu-HU" dirty="0"/>
-              <a:t>(„ANIMÁCIÓ”)</a:t>
-            </a:r>
+              <a:t> („ANIMATION”)</a:t>
+            </a:r>
+            <a:endParaRPr lang="hu-HU" sz="1200" dirty="0"/>
           </a:p>
           <a:p>
             <a:endParaRPr lang="hu-HU" dirty="0"/>
@@ -2969,7 +3454,27 @@
             </a:r>
           </a:p>
           <a:p>
-            <a:endParaRPr lang="hu-HU" dirty="0"/>
+            <a:pPr marL="0" marR="0" lvl="0" indent="0" algn="l" defTabSz="914400" rtl="0" eaLnBrk="1" fontAlgn="auto" latinLnBrk="0" hangingPunct="1">
+              <a:lnSpc>
+                <a:spcPct val="100000"/>
+              </a:lnSpc>
+              <a:spcBef>
+                <a:spcPts val="0"/>
+              </a:spcBef>
+              <a:spcAft>
+                <a:spcPts val="0"/>
+              </a:spcAft>
+              <a:buClrTx/>
+              <a:buSzTx/>
+              <a:buFontTx/>
+              <a:buNone/>
+              <a:tabLst/>
+              <a:defRPr/>
+            </a:pPr>
+            <a:r>
+              <a:rPr lang="hu-HU" dirty="0"/>
+              <a:t> („ANIMATION”)</a:t>
+            </a:r>
           </a:p>
           <a:p>
             <a:r>
@@ -3382,11 +3887,28 @@
           <a:bodyPr/>
           <a:lstStyle/>
           <a:p>
-            <a:r>
-              <a:rPr lang="hu-HU" sz="1200" dirty="0"/>
-              <a:t>(„ANIMÁCIÓ”) </a:t>
-            </a:r>
-            <a:endParaRPr lang="hu-HU" dirty="0"/>
+            <a:pPr marL="0" marR="0" lvl="0" indent="0" algn="l" defTabSz="914400" rtl="0" eaLnBrk="1" fontAlgn="auto" latinLnBrk="0" hangingPunct="1">
+              <a:lnSpc>
+                <a:spcPct val="100000"/>
+              </a:lnSpc>
+              <a:spcBef>
+                <a:spcPts val="0"/>
+              </a:spcBef>
+              <a:spcAft>
+                <a:spcPts val="0"/>
+              </a:spcAft>
+              <a:buClrTx/>
+              <a:buSzTx/>
+              <a:buFontTx/>
+              <a:buNone/>
+              <a:tabLst/>
+              <a:defRPr/>
+            </a:pPr>
+            <a:r>
+              <a:rPr lang="hu-HU" dirty="0"/>
+              <a:t> („ANIMATION”)</a:t>
+            </a:r>
+            <a:endParaRPr lang="hu-HU" sz="1200" dirty="0"/>
           </a:p>
           <a:p>
             <a:endParaRPr lang="hu-HU" dirty="0"/>
@@ -4836,7 +5358,27 @@
             </a:r>
           </a:p>
           <a:p>
-            <a:endParaRPr lang="hu-HU" dirty="0"/>
+            <a:pPr marL="0" marR="0" lvl="0" indent="0" algn="l" defTabSz="914400" rtl="0" eaLnBrk="1" fontAlgn="auto" latinLnBrk="0" hangingPunct="1">
+              <a:lnSpc>
+                <a:spcPct val="100000"/>
+              </a:lnSpc>
+              <a:spcBef>
+                <a:spcPts val="0"/>
+              </a:spcBef>
+              <a:spcAft>
+                <a:spcPts val="0"/>
+              </a:spcAft>
+              <a:buClrTx/>
+              <a:buSzTx/>
+              <a:buFontTx/>
+              <a:buNone/>
+              <a:tabLst/>
+              <a:defRPr/>
+            </a:pPr>
+            <a:r>
+              <a:rPr lang="hu-HU" dirty="0"/>
+              <a:t> („ANIMATION”)</a:t>
+            </a:r>
           </a:p>
           <a:p>
             <a:r>
@@ -4976,10 +5518,10 @@
               <a:defRPr/>
             </a:pPr>
             <a:r>
-              <a:rPr lang="hu-HU" sz="1200" dirty="0"/>
-              <a:t>(„ANIMÁCIÓ”) </a:t>
-            </a:r>
-            <a:endParaRPr lang="hu-HU" dirty="0"/>
+              <a:rPr lang="hu-HU" dirty="0"/>
+              <a:t> („ANIMATION”)</a:t>
+            </a:r>
+            <a:endParaRPr lang="hu-HU" sz="1200" dirty="0"/>
           </a:p>
           <a:p>
             <a:endParaRPr lang="hu-HU" dirty="0"/>

--- a/presentation/gb_mv_gamma.pptx
+++ b/presentation/gb_mv_gamma.pptx
@@ -2582,7 +2582,15 @@
             </a:r>
             <a:r>
               <a:rPr lang="hu-HU" sz="1200" dirty="0"/>
-              <a:t> a </a:t>
+              <a:t> an </a:t>
+            </a:r>
+            <a:r>
+              <a:rPr lang="hu-HU" sz="1200" dirty="0" err="1"/>
+              <a:t>other</a:t>
+            </a:r>
+            <a:r>
+              <a:rPr lang="hu-HU" sz="1200" dirty="0"/>
+              <a:t> </a:t>
             </a:r>
             <a:r>
               <a:rPr lang="hu-HU" sz="1200" dirty="0" err="1"/>
@@ -2688,6 +2696,14 @@
             </a:r>
             <a:r>
               <a:rPr lang="hu-HU" sz="1200" dirty="0" err="1"/>
+              <a:t>Yakindu</a:t>
+            </a:r>
+            <a:r>
+              <a:rPr lang="hu-HU" sz="1200" dirty="0"/>
+              <a:t> </a:t>
+            </a:r>
+            <a:r>
+              <a:rPr lang="hu-HU" sz="1200" dirty="0" err="1"/>
               <a:t>statechart</a:t>
             </a:r>
             <a:r>
@@ -2740,14 +2756,6 @@
             </a:r>
             <a:r>
               <a:rPr lang="hu-HU" sz="1200" dirty="0"/>
-              <a:t> in </a:t>
-            </a:r>
-            <a:r>
-              <a:rPr lang="hu-HU" sz="1200" dirty="0" err="1"/>
-              <a:t>Yakindu</a:t>
-            </a:r>
-            <a:r>
-              <a:rPr lang="hu-HU" sz="1200" dirty="0"/>
               <a:t>. </a:t>
             </a:r>
             <a:r>
@@ -2776,7 +2784,7 @@
             </a:r>
             <a:r>
               <a:rPr lang="hu-HU" sz="1200" dirty="0" err="1"/>
-              <a:t>run</a:t>
+              <a:t>use</a:t>
             </a:r>
             <a:r>
               <a:rPr lang="hu-HU" sz="1200" dirty="0"/>
@@ -2955,8 +2963,124 @@
               <a:defRPr/>
             </a:pPr>
             <a:r>
+              <a:rPr lang="hu-HU" sz="1200" dirty="0" err="1"/>
+              <a:t>If</a:t>
+            </a:r>
+            <a:r>
               <a:rPr lang="hu-HU" sz="1200" dirty="0"/>
-              <a:t>Ha külső állapotgépeket definiáltunk, akkor ezeket le kell transzformálnunk a Gamma állapotgép nyelvére, hogy tovább dolgozhassunk velük.</a:t>
+              <a:t> </a:t>
+            </a:r>
+            <a:r>
+              <a:rPr lang="hu-HU" sz="1200" dirty="0" err="1"/>
+              <a:t>we</a:t>
+            </a:r>
+            <a:r>
+              <a:rPr lang="hu-HU" sz="1200" dirty="0"/>
+              <a:t> </a:t>
+            </a:r>
+            <a:r>
+              <a:rPr lang="hu-HU" sz="1200" dirty="0" err="1"/>
+              <a:t>define</a:t>
+            </a:r>
+            <a:r>
+              <a:rPr lang="hu-HU" sz="1200" dirty="0"/>
+              <a:t> </a:t>
+            </a:r>
+            <a:r>
+              <a:rPr lang="hu-HU" sz="1200" dirty="0" err="1"/>
+              <a:t>statecharts</a:t>
+            </a:r>
+            <a:r>
+              <a:rPr lang="hu-HU" sz="1200" dirty="0"/>
+              <a:t> in an </a:t>
+            </a:r>
+            <a:r>
+              <a:rPr lang="hu-HU" sz="1200" dirty="0" err="1"/>
+              <a:t>integrated</a:t>
+            </a:r>
+            <a:r>
+              <a:rPr lang="hu-HU" sz="1200" dirty="0"/>
+              <a:t> </a:t>
+            </a:r>
+            <a:r>
+              <a:rPr lang="hu-HU" sz="1200" dirty="0" err="1"/>
+              <a:t>language</a:t>
+            </a:r>
+            <a:r>
+              <a:rPr lang="hu-HU" sz="1200" dirty="0"/>
+              <a:t>, </a:t>
+            </a:r>
+            <a:r>
+              <a:rPr lang="hu-HU" sz="1200" dirty="0" err="1"/>
+              <a:t>we</a:t>
+            </a:r>
+            <a:r>
+              <a:rPr lang="hu-HU" sz="1200" dirty="0"/>
+              <a:t> </a:t>
+            </a:r>
+            <a:r>
+              <a:rPr lang="hu-HU" sz="1200" dirty="0" err="1"/>
+              <a:t>have</a:t>
+            </a:r>
+            <a:r>
+              <a:rPr lang="hu-HU" sz="1200" dirty="0"/>
+              <a:t> </a:t>
+            </a:r>
+            <a:r>
+              <a:rPr lang="hu-HU" sz="1200" dirty="0" err="1"/>
+              <a:t>to</a:t>
+            </a:r>
+            <a:r>
+              <a:rPr lang="hu-HU" sz="1200" dirty="0"/>
+              <a:t> </a:t>
+            </a:r>
+            <a:r>
+              <a:rPr lang="hu-HU" sz="1200" dirty="0" err="1"/>
+              <a:t>transform</a:t>
+            </a:r>
+            <a:r>
+              <a:rPr lang="hu-HU" sz="1200" dirty="0"/>
+              <a:t> </a:t>
+            </a:r>
+            <a:r>
+              <a:rPr lang="hu-HU" sz="1200" dirty="0" err="1"/>
+              <a:t>them</a:t>
+            </a:r>
+            <a:r>
+              <a:rPr lang="hu-HU" sz="1200" dirty="0"/>
+              <a:t> </a:t>
+            </a:r>
+            <a:r>
+              <a:rPr lang="hu-HU" sz="1200" dirty="0" err="1"/>
+              <a:t>to</a:t>
+            </a:r>
+            <a:r>
+              <a:rPr lang="hu-HU" sz="1200" dirty="0"/>
+              <a:t> </a:t>
+            </a:r>
+            <a:r>
+              <a:rPr lang="hu-HU" sz="1200" dirty="0" err="1"/>
+              <a:t>the</a:t>
+            </a:r>
+            <a:r>
+              <a:rPr lang="hu-HU" sz="1200" dirty="0"/>
+              <a:t> Gamma </a:t>
+            </a:r>
+            <a:r>
+              <a:rPr lang="hu-HU" sz="1200" dirty="0" err="1"/>
+              <a:t>Statechart</a:t>
+            </a:r>
+            <a:r>
+              <a:rPr lang="hu-HU" sz="1200" dirty="0"/>
+              <a:t> </a:t>
+            </a:r>
+            <a:r>
+              <a:rPr lang="hu-HU" sz="1200" dirty="0" err="1"/>
+              <a:t>Language</a:t>
+            </a:r>
+            <a:r>
+              <a:rPr lang="hu-HU" sz="1200" dirty="0"/>
+              <a:t>.</a:t>
             </a:r>
           </a:p>
           <a:p>
@@ -2979,9 +3103,8 @@
             </a:pPr>
             <a:r>
               <a:rPr lang="hu-HU" dirty="0"/>
-              <a:t> („ANIMATION”)</a:t>
-            </a:r>
-            <a:endParaRPr lang="hu-HU" sz="1200" dirty="0"/>
+              <a:t>(„ANIMATION”)</a:t>
+            </a:r>
           </a:p>
           <a:p>
             <a:pPr marL="0" marR="0" lvl="0" indent="0" algn="l" defTabSz="914400" rtl="0" eaLnBrk="1" fontAlgn="auto" latinLnBrk="0" hangingPunct="1">
@@ -3002,8 +3125,52 @@
               <a:defRPr/>
             </a:pPr>
             <a:r>
-              <a:rPr lang="hu-HU" dirty="0"/>
-              <a:t>Ez modell transzformációk segítségével történik.</a:t>
+              <a:rPr lang="hu-HU" sz="1200" dirty="0" err="1"/>
+              <a:t>This</a:t>
+            </a:r>
+            <a:r>
+              <a:rPr lang="hu-HU" sz="1200" dirty="0"/>
+              <a:t> </a:t>
+            </a:r>
+            <a:r>
+              <a:rPr lang="hu-HU" sz="1200" dirty="0" err="1"/>
+              <a:t>can</a:t>
+            </a:r>
+            <a:r>
+              <a:rPr lang="hu-HU" sz="1200" dirty="0"/>
+              <a:t> be </a:t>
+            </a:r>
+            <a:r>
+              <a:rPr lang="hu-HU" sz="1200" dirty="0" err="1"/>
+              <a:t>done</a:t>
+            </a:r>
+            <a:r>
+              <a:rPr lang="hu-HU" sz="1200" dirty="0"/>
+              <a:t> </a:t>
+            </a:r>
+            <a:r>
+              <a:rPr lang="hu-HU" sz="1200" dirty="0" err="1"/>
+              <a:t>using</a:t>
+            </a:r>
+            <a:r>
+              <a:rPr lang="hu-HU" sz="1200" dirty="0"/>
+              <a:t> </a:t>
+            </a:r>
+            <a:r>
+              <a:rPr lang="hu-HU" sz="1200" dirty="0" err="1"/>
+              <a:t>model</a:t>
+            </a:r>
+            <a:r>
+              <a:rPr lang="hu-HU" sz="1200" dirty="0"/>
+              <a:t> </a:t>
+            </a:r>
+            <a:r>
+              <a:rPr lang="hu-HU" sz="1200" dirty="0" err="1"/>
+              <a:t>transformers</a:t>
+            </a:r>
+            <a:r>
+              <a:rPr lang="hu-HU" sz="1200" dirty="0"/>
+              <a:t>.</a:t>
             </a:r>
           </a:p>
           <a:p>
@@ -3024,7 +3191,10 @@
               <a:tabLst/>
               <a:defRPr/>
             </a:pPr>
-            <a:endParaRPr lang="hu-HU" sz="1200" dirty="0"/>
+            <a:r>
+              <a:rPr lang="hu-HU" dirty="0"/>
+              <a:t>(„ANIMATION”)</a:t>
+            </a:r>
           </a:p>
           <a:p>
             <a:pPr marL="0" marR="0" lvl="0" indent="0" algn="l" defTabSz="914400" rtl="0" eaLnBrk="1" fontAlgn="auto" latinLnBrk="0" hangingPunct="1">
@@ -3046,25 +3216,223 @@
             </a:pPr>
             <a:r>
               <a:rPr lang="hu-HU" sz="1200" dirty="0"/>
-              <a:t>A Gamma állapotgép nyelv biztosítja a keretrendszer kibővíthetőségét további mérnöki tervező eszközökkel. Integrálásukhoz csak ezt a modelltranszformációt kell megvalósítani.</a:t>
-            </a:r>
-            <a:endParaRPr lang="hu-HU" dirty="0"/>
+              <a:t>The Gamma </a:t>
+            </a:r>
+            <a:r>
+              <a:rPr lang="hu-HU" sz="1200" dirty="0" err="1"/>
+              <a:t>Statechart</a:t>
+            </a:r>
+            <a:r>
+              <a:rPr lang="hu-HU" sz="1200" dirty="0"/>
+              <a:t> </a:t>
+            </a:r>
+            <a:r>
+              <a:rPr lang="hu-HU" sz="1200" dirty="0" err="1"/>
+              <a:t>Language</a:t>
+            </a:r>
+            <a:r>
+              <a:rPr lang="hu-HU" sz="1200" dirty="0"/>
+              <a:t> </a:t>
+            </a:r>
+            <a:r>
+              <a:rPr lang="hu-HU" sz="1200" dirty="0" err="1"/>
+              <a:t>supports</a:t>
+            </a:r>
+            <a:r>
+              <a:rPr lang="hu-HU" sz="1200" dirty="0"/>
+              <a:t> </a:t>
+            </a:r>
+            <a:r>
+              <a:rPr lang="hu-HU" sz="1200" dirty="0" err="1"/>
+              <a:t>the</a:t>
+            </a:r>
+            <a:r>
+              <a:rPr lang="hu-HU" sz="1200" dirty="0"/>
+              <a:t> </a:t>
+            </a:r>
+            <a:r>
+              <a:rPr lang="hu-HU" sz="1200" dirty="0" err="1"/>
+              <a:t>extensibility</a:t>
+            </a:r>
+            <a:r>
+              <a:rPr lang="hu-HU" sz="1200" dirty="0"/>
+              <a:t> of </a:t>
+            </a:r>
+            <a:r>
+              <a:rPr lang="hu-HU" sz="1200" dirty="0" err="1"/>
+              <a:t>the</a:t>
+            </a:r>
+            <a:r>
+              <a:rPr lang="hu-HU" sz="1200" dirty="0"/>
+              <a:t> </a:t>
+            </a:r>
+            <a:r>
+              <a:rPr lang="hu-HU" sz="1200" dirty="0" err="1"/>
+              <a:t>framework</a:t>
+            </a:r>
+            <a:r>
+              <a:rPr lang="hu-HU" sz="1200" dirty="0"/>
+              <a:t> </a:t>
+            </a:r>
+            <a:r>
+              <a:rPr lang="hu-HU" sz="1200" dirty="0" err="1"/>
+              <a:t>with</a:t>
+            </a:r>
+            <a:r>
+              <a:rPr lang="hu-HU" sz="1200" dirty="0"/>
+              <a:t> </a:t>
+            </a:r>
+            <a:r>
+              <a:rPr lang="hu-HU" sz="1200" dirty="0" err="1"/>
+              <a:t>additional</a:t>
+            </a:r>
+            <a:r>
+              <a:rPr lang="hu-HU" sz="1200" dirty="0"/>
+              <a:t> </a:t>
+            </a:r>
+            <a:r>
+              <a:rPr lang="hu-HU" sz="1200" dirty="0" err="1"/>
+              <a:t>modeling</a:t>
+            </a:r>
+            <a:r>
+              <a:rPr lang="hu-HU" sz="1200" dirty="0"/>
+              <a:t> </a:t>
+            </a:r>
+            <a:r>
+              <a:rPr lang="hu-HU" sz="1200" dirty="0" err="1"/>
+              <a:t>tools</a:t>
+            </a:r>
+            <a:r>
+              <a:rPr lang="hu-HU" sz="1200" dirty="0"/>
+              <a:t>. </a:t>
+            </a:r>
+            <a:r>
+              <a:rPr lang="hu-HU" sz="1200" dirty="0" err="1"/>
+              <a:t>To</a:t>
+            </a:r>
+            <a:r>
+              <a:rPr lang="hu-HU" sz="1200" dirty="0"/>
+              <a:t> </a:t>
+            </a:r>
+            <a:r>
+              <a:rPr lang="hu-HU" sz="1200" dirty="0" err="1"/>
+              <a:t>integrate</a:t>
+            </a:r>
+            <a:r>
+              <a:rPr lang="hu-HU" sz="1200" dirty="0"/>
+              <a:t> </a:t>
+            </a:r>
+            <a:r>
+              <a:rPr lang="hu-HU" sz="1200" dirty="0" err="1"/>
+              <a:t>them</a:t>
+            </a:r>
+            <a:r>
+              <a:rPr lang="hu-HU" sz="1200" dirty="0"/>
+              <a:t>, </a:t>
+            </a:r>
+            <a:r>
+              <a:rPr lang="hu-HU" sz="1200" dirty="0" err="1"/>
+              <a:t>only</a:t>
+            </a:r>
+            <a:r>
+              <a:rPr lang="hu-HU" sz="1200" dirty="0"/>
+              <a:t> </a:t>
+            </a:r>
+            <a:r>
+              <a:rPr lang="hu-HU" sz="1200" dirty="0" err="1"/>
+              <a:t>this</a:t>
+            </a:r>
+            <a:r>
+              <a:rPr lang="hu-HU" sz="1200" dirty="0"/>
+              <a:t> </a:t>
+            </a:r>
+            <a:r>
+              <a:rPr lang="hu-HU" sz="1200" dirty="0" err="1"/>
+              <a:t>model</a:t>
+            </a:r>
+            <a:r>
+              <a:rPr lang="hu-HU" sz="1200" dirty="0"/>
+              <a:t> </a:t>
+            </a:r>
+            <a:r>
+              <a:rPr lang="hu-HU" sz="1200" dirty="0" err="1"/>
+              <a:t>transformer</a:t>
+            </a:r>
+            <a:r>
+              <a:rPr lang="hu-HU" sz="1200" dirty="0"/>
+              <a:t> has </a:t>
+            </a:r>
+            <a:r>
+              <a:rPr lang="hu-HU" sz="1200" dirty="0" err="1"/>
+              <a:t>to</a:t>
+            </a:r>
+            <a:r>
+              <a:rPr lang="hu-HU" sz="1200" dirty="0"/>
+              <a:t> be </a:t>
+            </a:r>
+            <a:r>
+              <a:rPr lang="hu-HU" sz="1200" dirty="0" err="1"/>
+              <a:t>implemented</a:t>
+            </a:r>
+            <a:r>
+              <a:rPr lang="hu-HU" sz="1200" dirty="0"/>
+              <a:t>.</a:t>
+            </a:r>
           </a:p>
           <a:p>
-            <a:endParaRPr lang="hu-HU" dirty="0"/>
+            <a:r>
+              <a:rPr lang="hu-HU" dirty="0"/>
+              <a:t>(„ANIMATION”)</a:t>
+            </a:r>
           </a:p>
           <a:p>
             <a:r>
-              <a:rPr lang="hu-HU" dirty="0"/>
-              <a:t>Ezen a szinten a Gamma állapotgépeket </a:t>
-            </a:r>
-            <a:r>
-              <a:rPr lang="hu-HU" dirty="0" err="1"/>
-              <a:t>validálni</a:t>
-            </a:r>
-            <a:r>
-              <a:rPr lang="hu-HU" dirty="0"/>
-              <a:t> tudjuk.</a:t>
+              <a:rPr lang="hu-HU" dirty="0" err="1"/>
+              <a:t>On</a:t>
+            </a:r>
+            <a:r>
+              <a:rPr lang="hu-HU" dirty="0"/>
+              <a:t> </a:t>
+            </a:r>
+            <a:r>
+              <a:rPr lang="hu-HU" dirty="0" err="1"/>
+              <a:t>this</a:t>
+            </a:r>
+            <a:r>
+              <a:rPr lang="hu-HU" dirty="0"/>
+              <a:t> </a:t>
+            </a:r>
+            <a:r>
+              <a:rPr lang="hu-HU" dirty="0" err="1"/>
+              <a:t>level</a:t>
+            </a:r>
+            <a:r>
+              <a:rPr lang="hu-HU" dirty="0"/>
+              <a:t>, Gamma </a:t>
+            </a:r>
+            <a:r>
+              <a:rPr lang="hu-HU" dirty="0" err="1"/>
+              <a:t>statecharts</a:t>
+            </a:r>
+            <a:r>
+              <a:rPr lang="hu-HU" dirty="0"/>
+              <a:t> </a:t>
+            </a:r>
+            <a:r>
+              <a:rPr lang="hu-HU" dirty="0" err="1"/>
+              <a:t>can</a:t>
+            </a:r>
+            <a:r>
+              <a:rPr lang="hu-HU" dirty="0"/>
+              <a:t> be </a:t>
+            </a:r>
+            <a:r>
+              <a:rPr lang="hu-HU" dirty="0" err="1"/>
+              <a:t>validated</a:t>
+            </a:r>
+            <a:r>
+              <a:rPr lang="hu-HU" dirty="0"/>
+              <a:t>.</a:t>
             </a:r>
           </a:p>
         </p:txBody>
@@ -3151,7 +3519,135 @@
           <a:p>
             <a:r>
               <a:rPr lang="hu-HU" dirty="0"/>
-              <a:t>Egy Gamma állapotgépet szövegesen lehet definiálni. </a:t>
+              <a:t>A Gamma </a:t>
+            </a:r>
+            <a:r>
+              <a:rPr lang="hu-HU" dirty="0" err="1"/>
+              <a:t>statechart</a:t>
+            </a:r>
+            <a:r>
+              <a:rPr lang="hu-HU" dirty="0"/>
+              <a:t> </a:t>
+            </a:r>
+            <a:r>
+              <a:rPr lang="hu-HU" dirty="0" err="1"/>
+              <a:t>can</a:t>
+            </a:r>
+            <a:r>
+              <a:rPr lang="hu-HU" dirty="0"/>
+              <a:t> be </a:t>
+            </a:r>
+            <a:r>
+              <a:rPr lang="hu-HU" dirty="0" err="1"/>
+              <a:t>defined</a:t>
+            </a:r>
+            <a:r>
+              <a:rPr lang="hu-HU" dirty="0"/>
+              <a:t> </a:t>
+            </a:r>
+            <a:r>
+              <a:rPr lang="hu-HU" dirty="0" err="1"/>
+              <a:t>with</a:t>
+            </a:r>
+            <a:r>
+              <a:rPr lang="hu-HU" dirty="0"/>
+              <a:t> a </a:t>
+            </a:r>
+            <a:r>
+              <a:rPr lang="hu-HU" dirty="0" err="1"/>
+              <a:t>textual</a:t>
+            </a:r>
+            <a:r>
+              <a:rPr lang="hu-HU" dirty="0"/>
+              <a:t> </a:t>
+            </a:r>
+            <a:r>
+              <a:rPr lang="hu-HU" dirty="0" err="1"/>
+              <a:t>syntax</a:t>
+            </a:r>
+            <a:r>
+              <a:rPr lang="hu-HU" dirty="0"/>
+              <a:t>.</a:t>
+            </a:r>
+          </a:p>
+          <a:p>
+            <a:r>
+              <a:rPr lang="hu-HU" dirty="0"/>
+              <a:t>(„ANIMATION”)</a:t>
+            </a:r>
+          </a:p>
+          <a:p>
+            <a:r>
+              <a:rPr lang="hu-HU" dirty="0" err="1"/>
+              <a:t>This</a:t>
+            </a:r>
+            <a:r>
+              <a:rPr lang="hu-HU" dirty="0"/>
+              <a:t> </a:t>
+            </a:r>
+            <a:r>
+              <a:rPr lang="hu-HU" dirty="0" err="1"/>
+              <a:t>language</a:t>
+            </a:r>
+            <a:r>
+              <a:rPr lang="hu-HU" dirty="0"/>
+              <a:t> has </a:t>
+            </a:r>
+            <a:r>
+              <a:rPr lang="hu-HU" dirty="0" err="1"/>
+              <a:t>traditional</a:t>
+            </a:r>
+            <a:r>
+              <a:rPr lang="hu-HU" dirty="0"/>
+              <a:t> </a:t>
+            </a:r>
+            <a:r>
+              <a:rPr lang="hu-HU" dirty="0" err="1"/>
+              <a:t>statechart</a:t>
+            </a:r>
+            <a:r>
+              <a:rPr lang="hu-HU" dirty="0"/>
+              <a:t> </a:t>
+            </a:r>
+            <a:r>
+              <a:rPr lang="hu-HU" dirty="0" err="1"/>
+              <a:t>elements</a:t>
+            </a:r>
+            <a:r>
+              <a:rPr lang="hu-HU" dirty="0"/>
+              <a:t>, </a:t>
+            </a:r>
+            <a:r>
+              <a:rPr lang="hu-HU" dirty="0" err="1"/>
+              <a:t>such</a:t>
+            </a:r>
+            <a:r>
+              <a:rPr lang="hu-HU" dirty="0"/>
+              <a:t> </a:t>
+            </a:r>
+            <a:r>
+              <a:rPr lang="hu-HU" dirty="0" err="1"/>
+              <a:t>as</a:t>
+            </a:r>
+            <a:r>
+              <a:rPr lang="hu-HU" dirty="0"/>
+              <a:t> </a:t>
+            </a:r>
+            <a:r>
+              <a:rPr lang="hu-HU" dirty="0" err="1"/>
+              <a:t>states</a:t>
+            </a:r>
+            <a:r>
+              <a:rPr lang="hu-HU" dirty="0"/>
+              <a:t> and </a:t>
+            </a:r>
+            <a:r>
+              <a:rPr lang="hu-HU" dirty="0" err="1"/>
+              <a:t>transitions</a:t>
+            </a:r>
+            <a:r>
+              <a:rPr lang="hu-HU" dirty="0"/>
+              <a:t>.</a:t>
             </a:r>
           </a:p>
           <a:p>
@@ -3174,28 +3670,193 @@
             </a:pPr>
             <a:r>
               <a:rPr lang="hu-HU" dirty="0"/>
-              <a:t> („ANIMATION”)</a:t>
+              <a:t>(„ANIMATION”)</a:t>
             </a:r>
           </a:p>
           <a:p>
-            <a:r>
-              <a:rPr lang="hu-HU" dirty="0"/>
-              <a:t>A nyelv rendelkezik a hagyományos állapotgép elemekkel, például állapotokkal és állapotátmenetekkel.</a:t>
+            <a:pPr marL="0" marR="0" lvl="0" indent="0" algn="l" defTabSz="914400" rtl="0" eaLnBrk="1" fontAlgn="auto" latinLnBrk="0" hangingPunct="1">
+              <a:lnSpc>
+                <a:spcPct val="100000"/>
+              </a:lnSpc>
+              <a:spcBef>
+                <a:spcPts val="0"/>
+              </a:spcBef>
+              <a:spcAft>
+                <a:spcPts val="0"/>
+              </a:spcAft>
+              <a:buClrTx/>
+              <a:buSzTx/>
+              <a:buFontTx/>
+              <a:buNone/>
+              <a:tabLst/>
+              <a:defRPr/>
+            </a:pPr>
+            <a:r>
+              <a:rPr lang="hu-HU" dirty="0" err="1"/>
+              <a:t>Statecharts</a:t>
+            </a:r>
+            <a:r>
+              <a:rPr lang="hu-HU" dirty="0"/>
+              <a:t> </a:t>
+            </a:r>
+            <a:r>
+              <a:rPr lang="hu-HU" dirty="0" err="1"/>
+              <a:t>communicate</a:t>
+            </a:r>
+            <a:r>
+              <a:rPr lang="hu-HU" dirty="0"/>
+              <a:t> </a:t>
+            </a:r>
+            <a:r>
+              <a:rPr lang="hu-HU" dirty="0" err="1"/>
+              <a:t>with</a:t>
+            </a:r>
+            <a:r>
+              <a:rPr lang="hu-HU" dirty="0"/>
+              <a:t> </a:t>
+            </a:r>
+            <a:r>
+              <a:rPr lang="hu-HU" dirty="0" err="1"/>
+              <a:t>each</a:t>
+            </a:r>
+            <a:r>
+              <a:rPr lang="hu-HU" dirty="0"/>
+              <a:t> </a:t>
+            </a:r>
+            <a:r>
+              <a:rPr lang="hu-HU" dirty="0" err="1"/>
+              <a:t>other</a:t>
+            </a:r>
+            <a:r>
+              <a:rPr lang="hu-HU" dirty="0"/>
+              <a:t> </a:t>
+            </a:r>
+            <a:r>
+              <a:rPr lang="hu-HU" dirty="0" err="1"/>
+              <a:t>via</a:t>
+            </a:r>
+            <a:r>
+              <a:rPr lang="hu-HU" dirty="0"/>
+              <a:t> </a:t>
+            </a:r>
+            <a:r>
+              <a:rPr lang="hu-HU" dirty="0" err="1"/>
+              <a:t>ports</a:t>
+            </a:r>
+            <a:r>
+              <a:rPr lang="hu-HU" dirty="0"/>
+              <a:t>. In </a:t>
+            </a:r>
+            <a:r>
+              <a:rPr lang="hu-HU" dirty="0" err="1"/>
+              <a:t>terms</a:t>
+            </a:r>
+            <a:r>
+              <a:rPr lang="hu-HU" dirty="0"/>
+              <a:t> of </a:t>
+            </a:r>
+            <a:r>
+              <a:rPr lang="hu-HU" dirty="0" err="1"/>
+              <a:t>composition</a:t>
+            </a:r>
+            <a:r>
+              <a:rPr lang="hu-HU" dirty="0"/>
+              <a:t>, </a:t>
+            </a:r>
+            <a:r>
+              <a:rPr lang="hu-HU" dirty="0" err="1"/>
+              <a:t>only</a:t>
+            </a:r>
+            <a:r>
+              <a:rPr lang="hu-HU" dirty="0"/>
+              <a:t> </a:t>
+            </a:r>
+            <a:r>
+              <a:rPr lang="hu-HU" dirty="0" err="1"/>
+              <a:t>these</a:t>
+            </a:r>
+            <a:r>
+              <a:rPr lang="hu-HU" dirty="0"/>
+              <a:t> </a:t>
+            </a:r>
+            <a:r>
+              <a:rPr lang="hu-HU" dirty="0" err="1"/>
+              <a:t>attributes</a:t>
+            </a:r>
+            <a:r>
+              <a:rPr lang="hu-HU" dirty="0"/>
+              <a:t> </a:t>
+            </a:r>
+            <a:r>
+              <a:rPr lang="hu-HU" dirty="0" err="1"/>
+              <a:t>are</a:t>
+            </a:r>
+            <a:r>
+              <a:rPr lang="hu-HU" dirty="0"/>
+              <a:t> </a:t>
+            </a:r>
+            <a:r>
+              <a:rPr lang="hu-HU" dirty="0" err="1"/>
+              <a:t>regarded</a:t>
+            </a:r>
+            <a:r>
+              <a:rPr lang="hu-HU" dirty="0"/>
+              <a:t>.</a:t>
             </a:r>
           </a:p>
           <a:p>
-            <a:endParaRPr lang="hu-HU" dirty="0"/>
-          </a:p>
-          <a:p>
-            <a:r>
-              <a:rPr lang="hu-HU" dirty="0"/>
-              <a:t>Az állapotgépek portokon keresztül kommunikálnak, kompozíció szempontjából csak ezen attribútumaik vannak figyelembe véve.</a:t>
-            </a:r>
-          </a:p>
-          <a:p>
-            <a:r>
-              <a:rPr lang="hu-HU" dirty="0"/>
-              <a:t>Egy port egy adott interfészt valósít meg, vagy </a:t>
+            <a:pPr marL="0" marR="0" lvl="0" indent="0" algn="l" defTabSz="914400" rtl="0" eaLnBrk="1" fontAlgn="auto" latinLnBrk="0" hangingPunct="1">
+              <a:lnSpc>
+                <a:spcPct val="100000"/>
+              </a:lnSpc>
+              <a:spcBef>
+                <a:spcPts val="0"/>
+              </a:spcBef>
+              <a:spcAft>
+                <a:spcPts val="0"/>
+              </a:spcAft>
+              <a:buClrTx/>
+              <a:buSzTx/>
+              <a:buFontTx/>
+              <a:buNone/>
+              <a:tabLst/>
+              <a:defRPr/>
+            </a:pPr>
+            <a:r>
+              <a:rPr lang="hu-HU" dirty="0"/>
+              <a:t>A port </a:t>
+            </a:r>
+            <a:r>
+              <a:rPr lang="hu-HU" dirty="0" err="1"/>
+              <a:t>realizes</a:t>
+            </a:r>
+            <a:r>
+              <a:rPr lang="hu-HU" dirty="0"/>
+              <a:t> a </a:t>
+            </a:r>
+            <a:r>
+              <a:rPr lang="hu-HU" dirty="0" err="1"/>
+              <a:t>single</a:t>
+            </a:r>
+            <a:r>
+              <a:rPr lang="hu-HU" dirty="0"/>
+              <a:t> </a:t>
+            </a:r>
+            <a:r>
+              <a:rPr lang="hu-HU" dirty="0" err="1"/>
+              <a:t>interface</a:t>
+            </a:r>
+            <a:r>
+              <a:rPr lang="hu-HU" dirty="0"/>
+              <a:t> </a:t>
+            </a:r>
+            <a:r>
+              <a:rPr lang="hu-HU" dirty="0" err="1"/>
+              <a:t>either</a:t>
+            </a:r>
+            <a:r>
+              <a:rPr lang="hu-HU" dirty="0"/>
+              <a:t> in </a:t>
             </a:r>
             <a:r>
               <a:rPr lang="hu-HU" dirty="0" err="1"/>
@@ -3203,7 +3864,15 @@
             </a:r>
             <a:r>
               <a:rPr lang="hu-HU" dirty="0"/>
-              <a:t> vagy </a:t>
+              <a:t> </a:t>
+            </a:r>
+            <a:r>
+              <a:rPr lang="hu-HU" dirty="0" err="1"/>
+              <a:t>or</a:t>
+            </a:r>
+            <a:r>
+              <a:rPr lang="hu-HU" dirty="0"/>
+              <a:t> </a:t>
             </a:r>
             <a:r>
               <a:rPr lang="hu-HU" dirty="0" err="1"/>
@@ -3211,7 +3880,79 @@
             </a:r>
             <a:r>
               <a:rPr lang="hu-HU" dirty="0"/>
-              <a:t> módban. Ha két különböző port megvalósítja ugyanazt az interfészt, az egyik </a:t>
+              <a:t> </a:t>
+            </a:r>
+            <a:r>
+              <a:rPr lang="hu-HU" dirty="0" err="1"/>
+              <a:t>mode</a:t>
+            </a:r>
+            <a:r>
+              <a:rPr lang="hu-HU" dirty="0"/>
+              <a:t>. </a:t>
+            </a:r>
+            <a:r>
+              <a:rPr lang="hu-HU" dirty="0" err="1"/>
+              <a:t>If</a:t>
+            </a:r>
+            <a:r>
+              <a:rPr lang="hu-HU" dirty="0"/>
+              <a:t> </a:t>
+            </a:r>
+            <a:r>
+              <a:rPr lang="hu-HU" dirty="0" err="1"/>
+              <a:t>two</a:t>
+            </a:r>
+            <a:r>
+              <a:rPr lang="hu-HU" dirty="0"/>
+              <a:t> </a:t>
+            </a:r>
+            <a:r>
+              <a:rPr lang="hu-HU" dirty="0" err="1"/>
+              <a:t>ports</a:t>
+            </a:r>
+            <a:r>
+              <a:rPr lang="hu-HU" dirty="0"/>
+              <a:t> </a:t>
+            </a:r>
+            <a:r>
+              <a:rPr lang="hu-HU" dirty="0" err="1"/>
+              <a:t>realize</a:t>
+            </a:r>
+            <a:r>
+              <a:rPr lang="hu-HU" dirty="0"/>
+              <a:t> </a:t>
+            </a:r>
+            <a:r>
+              <a:rPr lang="hu-HU" dirty="0" err="1"/>
+              <a:t>the</a:t>
+            </a:r>
+            <a:r>
+              <a:rPr lang="hu-HU" dirty="0"/>
+              <a:t> </a:t>
+            </a:r>
+            <a:r>
+              <a:rPr lang="hu-HU" dirty="0" err="1"/>
+              <a:t>same</a:t>
+            </a:r>
+            <a:r>
+              <a:rPr lang="hu-HU" dirty="0"/>
+              <a:t> </a:t>
+            </a:r>
+            <a:r>
+              <a:rPr lang="hu-HU" dirty="0" err="1"/>
+              <a:t>interface</a:t>
+            </a:r>
+            <a:r>
+              <a:rPr lang="hu-HU" dirty="0"/>
+              <a:t>, </a:t>
+            </a:r>
+            <a:r>
+              <a:rPr lang="hu-HU" dirty="0" err="1"/>
+              <a:t>one</a:t>
+            </a:r>
+            <a:r>
+              <a:rPr lang="hu-HU" dirty="0"/>
+              <a:t> in </a:t>
             </a:r>
             <a:r>
               <a:rPr lang="hu-HU" dirty="0" err="1"/>
@@ -3219,7 +3960,31 @@
             </a:r>
             <a:r>
               <a:rPr lang="hu-HU" dirty="0"/>
-              <a:t>, másik </a:t>
+              <a:t>, </a:t>
+            </a:r>
+            <a:r>
+              <a:rPr lang="hu-HU" dirty="0" err="1"/>
+              <a:t>the</a:t>
+            </a:r>
+            <a:r>
+              <a:rPr lang="hu-HU" dirty="0"/>
+              <a:t> </a:t>
+            </a:r>
+            <a:r>
+              <a:rPr lang="hu-HU" dirty="0" err="1"/>
+              <a:t>other</a:t>
+            </a:r>
+            <a:r>
+              <a:rPr lang="hu-HU" dirty="0"/>
+              <a:t> </a:t>
+            </a:r>
+            <a:r>
+              <a:rPr lang="hu-HU" dirty="0" err="1"/>
+              <a:t>one</a:t>
+            </a:r>
+            <a:r>
+              <a:rPr lang="hu-HU" dirty="0"/>
+              <a:t> in </a:t>
             </a:r>
             <a:r>
               <a:rPr lang="hu-HU" dirty="0" err="1"/>
@@ -3227,7 +3992,63 @@
             </a:r>
             <a:r>
               <a:rPr lang="hu-HU" dirty="0"/>
-              <a:t> módban, akkor ez a két port összekapcsolható.</a:t>
+              <a:t> </a:t>
+            </a:r>
+            <a:r>
+              <a:rPr lang="hu-HU" dirty="0" err="1"/>
+              <a:t>mode</a:t>
+            </a:r>
+            <a:r>
+              <a:rPr lang="hu-HU" dirty="0"/>
+              <a:t>, </a:t>
+            </a:r>
+            <a:r>
+              <a:rPr lang="hu-HU" dirty="0" err="1"/>
+              <a:t>then</a:t>
+            </a:r>
+            <a:r>
+              <a:rPr lang="hu-HU" dirty="0"/>
+              <a:t> </a:t>
+            </a:r>
+            <a:r>
+              <a:rPr lang="hu-HU" dirty="0" err="1"/>
+              <a:t>the</a:t>
+            </a:r>
+            <a:r>
+              <a:rPr lang="hu-HU" dirty="0"/>
+              <a:t> </a:t>
+            </a:r>
+            <a:r>
+              <a:rPr lang="hu-HU" dirty="0" err="1"/>
+              <a:t>two</a:t>
+            </a:r>
+            <a:r>
+              <a:rPr lang="hu-HU" dirty="0"/>
+              <a:t> </a:t>
+            </a:r>
+            <a:r>
+              <a:rPr lang="hu-HU" dirty="0" err="1"/>
+              <a:t>ports</a:t>
+            </a:r>
+            <a:r>
+              <a:rPr lang="hu-HU" dirty="0"/>
+              <a:t> </a:t>
+            </a:r>
+            <a:r>
+              <a:rPr lang="hu-HU" dirty="0" err="1"/>
+              <a:t>can</a:t>
+            </a:r>
+            <a:r>
+              <a:rPr lang="hu-HU" dirty="0"/>
+              <a:t> be </a:t>
+            </a:r>
+            <a:r>
+              <a:rPr lang="hu-HU" dirty="0" err="1"/>
+              <a:t>connected</a:t>
+            </a:r>
+            <a:r>
+              <a:rPr lang="hu-HU" dirty="0"/>
+              <a:t>.</a:t>
             </a:r>
             <a:endParaRPr lang="en-US" dirty="0"/>
           </a:p>
@@ -3332,36 +4153,412 @@
             </a:pPr>
             <a:r>
               <a:rPr lang="hu-HU" dirty="0"/>
-              <a:t> („ANIMATION”)</a:t>
+              <a:t>(„ANIMATION”)</a:t>
             </a:r>
             <a:endParaRPr lang="hu-HU" sz="1200" dirty="0"/>
           </a:p>
           <a:p>
-            <a:endParaRPr lang="hu-HU" dirty="0"/>
+            <a:r>
+              <a:rPr lang="hu-HU" dirty="0"/>
+              <a:t>Gamma </a:t>
+            </a:r>
+            <a:r>
+              <a:rPr lang="hu-HU" dirty="0" err="1"/>
+              <a:t>statecharts</a:t>
+            </a:r>
+            <a:r>
+              <a:rPr lang="hu-HU" dirty="0"/>
+              <a:t> </a:t>
+            </a:r>
+            <a:r>
+              <a:rPr lang="hu-HU" dirty="0" err="1"/>
+              <a:t>can</a:t>
+            </a:r>
+            <a:r>
+              <a:rPr lang="hu-HU" dirty="0"/>
+              <a:t> be </a:t>
+            </a:r>
+            <a:r>
+              <a:rPr lang="hu-HU" dirty="0" err="1"/>
+              <a:t>hierarchically</a:t>
+            </a:r>
+            <a:r>
+              <a:rPr lang="hu-HU" dirty="0"/>
+              <a:t> </a:t>
+            </a:r>
+            <a:r>
+              <a:rPr lang="hu-HU" dirty="0" err="1"/>
+              <a:t>composed</a:t>
+            </a:r>
+            <a:r>
+              <a:rPr lang="hu-HU" dirty="0"/>
+              <a:t> </a:t>
+            </a:r>
+            <a:r>
+              <a:rPr lang="hu-HU" dirty="0" err="1"/>
+              <a:t>using</a:t>
+            </a:r>
+            <a:r>
+              <a:rPr lang="hu-HU" dirty="0"/>
+              <a:t> </a:t>
+            </a:r>
+            <a:r>
+              <a:rPr lang="hu-HU" dirty="0" err="1"/>
+              <a:t>the</a:t>
+            </a:r>
+            <a:r>
+              <a:rPr lang="hu-HU" dirty="0"/>
+              <a:t> Gamma </a:t>
+            </a:r>
+            <a:r>
+              <a:rPr lang="hu-HU" dirty="0" err="1"/>
+              <a:t>Composition</a:t>
+            </a:r>
+            <a:r>
+              <a:rPr lang="hu-HU" dirty="0"/>
+              <a:t> </a:t>
+            </a:r>
+            <a:r>
+              <a:rPr lang="hu-HU" dirty="0" err="1"/>
+              <a:t>Language</a:t>
+            </a:r>
+            <a:r>
+              <a:rPr lang="hu-HU" dirty="0"/>
+              <a:t> </a:t>
+            </a:r>
+            <a:r>
+              <a:rPr lang="hu-HU" dirty="0" err="1"/>
+              <a:t>according</a:t>
+            </a:r>
+            <a:r>
+              <a:rPr lang="hu-HU" dirty="0"/>
+              <a:t> </a:t>
+            </a:r>
+            <a:r>
+              <a:rPr lang="hu-HU" dirty="0" err="1"/>
+              <a:t>to</a:t>
+            </a:r>
+            <a:r>
+              <a:rPr lang="hu-HU" dirty="0"/>
+              <a:t> </a:t>
+            </a:r>
+            <a:r>
+              <a:rPr lang="hu-HU" dirty="0" err="1"/>
+              <a:t>the</a:t>
+            </a:r>
+            <a:r>
+              <a:rPr lang="hu-HU" dirty="0"/>
+              <a:t> </a:t>
+            </a:r>
+            <a:r>
+              <a:rPr lang="hu-HU" dirty="0" err="1"/>
+              <a:t>previously</a:t>
+            </a:r>
+            <a:r>
+              <a:rPr lang="hu-HU" dirty="0"/>
+              <a:t> </a:t>
+            </a:r>
+            <a:r>
+              <a:rPr lang="hu-HU" dirty="0" err="1"/>
+              <a:t>introduced</a:t>
+            </a:r>
+            <a:r>
+              <a:rPr lang="hu-HU" dirty="0"/>
+              <a:t> </a:t>
+            </a:r>
+            <a:r>
+              <a:rPr lang="hu-HU" dirty="0" err="1"/>
+              <a:t>asynchronous</a:t>
+            </a:r>
+            <a:r>
+              <a:rPr lang="hu-HU" dirty="0"/>
+              <a:t>, </a:t>
+            </a:r>
+            <a:r>
+              <a:rPr lang="hu-HU" dirty="0" err="1"/>
+              <a:t>synchronous</a:t>
+            </a:r>
+            <a:r>
+              <a:rPr lang="hu-HU" dirty="0"/>
+              <a:t> and </a:t>
+            </a:r>
+            <a:r>
+              <a:rPr lang="hu-HU" dirty="0" err="1"/>
+              <a:t>cascade</a:t>
+            </a:r>
+            <a:r>
+              <a:rPr lang="hu-HU" dirty="0"/>
+              <a:t> </a:t>
+            </a:r>
+            <a:r>
+              <a:rPr lang="hu-HU" dirty="0" err="1"/>
+              <a:t>semantics</a:t>
+            </a:r>
+            <a:r>
+              <a:rPr lang="hu-HU" dirty="0"/>
+              <a:t>.</a:t>
+            </a:r>
           </a:p>
           <a:p>
-            <a:r>
-              <a:rPr lang="hu-HU" dirty="0"/>
-              <a:t>Az elkészített Gamma állapotgépeket a kompozíciós nyelv segítségével hierarchikusan komponálhatjuk az előzőleg bemutatott aszinkron, szinkron és kaszkád szemantikák szerint.</a:t>
+            <a:pPr marL="0" marR="0" lvl="0" indent="0" algn="l" defTabSz="914400" rtl="0" eaLnBrk="1" fontAlgn="auto" latinLnBrk="0" hangingPunct="1">
+              <a:lnSpc>
+                <a:spcPct val="100000"/>
+              </a:lnSpc>
+              <a:spcBef>
+                <a:spcPts val="0"/>
+              </a:spcBef>
+              <a:spcAft>
+                <a:spcPts val="0"/>
+              </a:spcAft>
+              <a:buClrTx/>
+              <a:buSzTx/>
+              <a:buFontTx/>
+              <a:buNone/>
+              <a:tabLst/>
+              <a:defRPr/>
+            </a:pPr>
+            <a:r>
+              <a:rPr lang="hu-HU" dirty="0"/>
+              <a:t>(„ANIMATION”)</a:t>
             </a:r>
           </a:p>
           <a:p>
-            <a:br>
-              <a:rPr lang="hu-HU" dirty="0"/>
-            </a:br>
-            <a:r>
-              <a:rPr lang="hu-HU" dirty="0"/>
-              <a:t>Ezen a szinten is validáció segíti a tervezést.</a:t>
+            <a:pPr marL="0" marR="0" lvl="0" indent="0" algn="l" defTabSz="914400" rtl="0" eaLnBrk="1" fontAlgn="auto" latinLnBrk="0" hangingPunct="1">
+              <a:lnSpc>
+                <a:spcPct val="100000"/>
+              </a:lnSpc>
+              <a:spcBef>
+                <a:spcPts val="0"/>
+              </a:spcBef>
+              <a:spcAft>
+                <a:spcPts val="0"/>
+              </a:spcAft>
+              <a:buClrTx/>
+              <a:buSzTx/>
+              <a:buFontTx/>
+              <a:buNone/>
+              <a:tabLst/>
+              <a:defRPr/>
+            </a:pPr>
+            <a:r>
+              <a:rPr lang="hu-HU" dirty="0" err="1"/>
+              <a:t>Validation</a:t>
+            </a:r>
+            <a:r>
+              <a:rPr lang="hu-HU" dirty="0"/>
+              <a:t> is </a:t>
+            </a:r>
+            <a:r>
+              <a:rPr lang="hu-HU" dirty="0" err="1"/>
+              <a:t>carried</a:t>
+            </a:r>
+            <a:r>
+              <a:rPr lang="hu-HU" dirty="0"/>
+              <a:t> out </a:t>
+            </a:r>
+            <a:r>
+              <a:rPr lang="hu-HU" dirty="0" err="1"/>
+              <a:t>on</a:t>
+            </a:r>
+            <a:r>
+              <a:rPr lang="hu-HU" dirty="0"/>
+              <a:t> </a:t>
+            </a:r>
+            <a:r>
+              <a:rPr lang="hu-HU" dirty="0" err="1"/>
+              <a:t>this</a:t>
+            </a:r>
+            <a:r>
+              <a:rPr lang="hu-HU" dirty="0"/>
+              <a:t> </a:t>
+            </a:r>
+            <a:r>
+              <a:rPr lang="hu-HU" dirty="0" err="1"/>
+              <a:t>level</a:t>
+            </a:r>
+            <a:r>
+              <a:rPr lang="hu-HU" dirty="0"/>
+              <a:t> </a:t>
+            </a:r>
+            <a:r>
+              <a:rPr lang="hu-HU" dirty="0" err="1"/>
+              <a:t>as</a:t>
+            </a:r>
+            <a:r>
+              <a:rPr lang="hu-HU" dirty="0"/>
+              <a:t> </a:t>
+            </a:r>
+            <a:r>
+              <a:rPr lang="hu-HU" dirty="0" err="1"/>
+              <a:t>well</a:t>
+            </a:r>
+            <a:r>
+              <a:rPr lang="hu-HU" dirty="0"/>
+              <a:t>.</a:t>
             </a:r>
           </a:p>
           <a:p>
-            <a:r>
-              <a:rPr lang="hu-HU" dirty="0"/>
-              <a:t>A következő fóliákon szeretném bemutatni, hogyan lehet definiálni egy útkereszteződést modellező szinkron komponenst az előzőleg bemutatott közlekedési lámpa modellt felhasználva.</a:t>
-            </a:r>
-          </a:p>
-          <a:p>
-            <a:endParaRPr lang="hu-HU" dirty="0"/>
+            <a:pPr marL="0" marR="0" lvl="0" indent="0" algn="l" defTabSz="914400" rtl="0" eaLnBrk="1" fontAlgn="auto" latinLnBrk="0" hangingPunct="1">
+              <a:lnSpc>
+                <a:spcPct val="100000"/>
+              </a:lnSpc>
+              <a:spcBef>
+                <a:spcPts val="0"/>
+              </a:spcBef>
+              <a:spcAft>
+                <a:spcPts val="0"/>
+              </a:spcAft>
+              <a:buClrTx/>
+              <a:buSzTx/>
+              <a:buFontTx/>
+              <a:buNone/>
+              <a:tabLst/>
+              <a:defRPr/>
+            </a:pPr>
+            <a:r>
+              <a:rPr lang="hu-HU" dirty="0" err="1"/>
+              <a:t>Now</a:t>
+            </a:r>
+            <a:r>
+              <a:rPr lang="hu-HU" dirty="0"/>
+              <a:t> I am </a:t>
+            </a:r>
+            <a:r>
+              <a:rPr lang="hu-HU" dirty="0" err="1"/>
+              <a:t>going</a:t>
+            </a:r>
+            <a:r>
+              <a:rPr lang="hu-HU" dirty="0"/>
+              <a:t> </a:t>
+            </a:r>
+            <a:r>
+              <a:rPr lang="hu-HU" dirty="0" err="1"/>
+              <a:t>to</a:t>
+            </a:r>
+            <a:r>
+              <a:rPr lang="hu-HU" dirty="0"/>
+              <a:t> show </a:t>
+            </a:r>
+            <a:r>
+              <a:rPr lang="hu-HU" dirty="0" err="1"/>
+              <a:t>you</a:t>
+            </a:r>
+            <a:r>
+              <a:rPr lang="hu-HU" dirty="0"/>
+              <a:t> </a:t>
+            </a:r>
+            <a:r>
+              <a:rPr lang="hu-HU" dirty="0" err="1"/>
+              <a:t>how</a:t>
+            </a:r>
+            <a:r>
+              <a:rPr lang="hu-HU" dirty="0"/>
+              <a:t> a </a:t>
+            </a:r>
+            <a:r>
+              <a:rPr lang="hu-HU" dirty="0" err="1"/>
+              <a:t>synchronous</a:t>
+            </a:r>
+            <a:r>
+              <a:rPr lang="hu-HU" dirty="0"/>
+              <a:t> </a:t>
+            </a:r>
+            <a:r>
+              <a:rPr lang="hu-HU" dirty="0" err="1"/>
+              <a:t>component</a:t>
+            </a:r>
+            <a:r>
+              <a:rPr lang="hu-HU" dirty="0"/>
+              <a:t> </a:t>
+            </a:r>
+            <a:r>
+              <a:rPr lang="hu-HU" dirty="0" err="1"/>
+              <a:t>modeling</a:t>
+            </a:r>
+            <a:r>
+              <a:rPr lang="hu-HU" dirty="0"/>
+              <a:t> a </a:t>
+            </a:r>
+            <a:r>
+              <a:rPr lang="hu-HU" dirty="0" err="1"/>
+              <a:t>crossroad</a:t>
+            </a:r>
+            <a:r>
+              <a:rPr lang="hu-HU" dirty="0"/>
+              <a:t> </a:t>
+            </a:r>
+            <a:r>
+              <a:rPr lang="hu-HU" dirty="0" err="1"/>
+              <a:t>can</a:t>
+            </a:r>
+            <a:r>
+              <a:rPr lang="hu-HU" dirty="0"/>
+              <a:t> be </a:t>
+            </a:r>
+            <a:r>
+              <a:rPr lang="hu-HU" dirty="0" err="1"/>
+              <a:t>defined</a:t>
+            </a:r>
+            <a:r>
+              <a:rPr lang="hu-HU" dirty="0"/>
+              <a:t> </a:t>
+            </a:r>
+            <a:r>
+              <a:rPr lang="hu-HU" dirty="0" err="1"/>
+              <a:t>using</a:t>
+            </a:r>
+            <a:r>
+              <a:rPr lang="hu-HU" dirty="0"/>
+              <a:t> </a:t>
+            </a:r>
+            <a:r>
+              <a:rPr lang="hu-HU" dirty="0" err="1"/>
+              <a:t>the</a:t>
+            </a:r>
+            <a:r>
+              <a:rPr lang="hu-HU" dirty="0"/>
+              <a:t> </a:t>
+            </a:r>
+            <a:r>
+              <a:rPr lang="hu-HU" dirty="0" err="1"/>
+              <a:t>previously</a:t>
+            </a:r>
+            <a:r>
+              <a:rPr lang="hu-HU" dirty="0"/>
+              <a:t> </a:t>
+            </a:r>
+            <a:r>
+              <a:rPr lang="hu-HU" dirty="0" err="1"/>
+              <a:t>introduced</a:t>
+            </a:r>
+            <a:r>
+              <a:rPr lang="hu-HU" dirty="0"/>
+              <a:t> </a:t>
+            </a:r>
+            <a:r>
+              <a:rPr lang="hu-HU" dirty="0" err="1"/>
+              <a:t>traffic</a:t>
+            </a:r>
+            <a:r>
+              <a:rPr lang="hu-HU" dirty="0"/>
+              <a:t> </a:t>
+            </a:r>
+            <a:r>
+              <a:rPr lang="hu-HU" dirty="0" err="1"/>
+              <a:t>light</a:t>
+            </a:r>
+            <a:r>
+              <a:rPr lang="hu-HU" dirty="0"/>
+              <a:t> </a:t>
+            </a:r>
+            <a:r>
+              <a:rPr lang="hu-HU" dirty="0" err="1"/>
+              <a:t>statechart</a:t>
+            </a:r>
+            <a:r>
+              <a:rPr lang="hu-HU" dirty="0"/>
+              <a:t>.</a:t>
+            </a:r>
           </a:p>
           <a:p>
             <a:endParaRPr lang="hu-HU" dirty="0"/>
@@ -3450,52 +4647,311 @@
           <a:p>
             <a:r>
               <a:rPr lang="hu-HU" dirty="0"/>
-              <a:t>A kompozit rendszert szövegesen definiálhatjuk, ahogy azt a bal alsó ábra mutatja. A grafikus reprezentációja a rendszernek jobb felül látható.</a:t>
+              <a:t>The </a:t>
+            </a:r>
+            <a:r>
+              <a:rPr lang="hu-HU" dirty="0" err="1"/>
+              <a:t>composite</a:t>
+            </a:r>
+            <a:r>
+              <a:rPr lang="hu-HU" dirty="0"/>
+              <a:t> </a:t>
+            </a:r>
+            <a:r>
+              <a:rPr lang="hu-HU" dirty="0" err="1"/>
+              <a:t>model</a:t>
+            </a:r>
+            <a:r>
+              <a:rPr lang="hu-HU" dirty="0"/>
+              <a:t> </a:t>
+            </a:r>
+            <a:r>
+              <a:rPr lang="hu-HU" dirty="0" err="1"/>
+              <a:t>can</a:t>
+            </a:r>
+            <a:r>
+              <a:rPr lang="hu-HU" dirty="0"/>
+              <a:t> be </a:t>
+            </a:r>
+            <a:r>
+              <a:rPr lang="hu-HU" dirty="0" err="1"/>
+              <a:t>defined</a:t>
+            </a:r>
+            <a:r>
+              <a:rPr lang="hu-HU" dirty="0"/>
+              <a:t> </a:t>
+            </a:r>
+            <a:r>
+              <a:rPr lang="hu-HU" dirty="0" err="1"/>
+              <a:t>using</a:t>
+            </a:r>
+            <a:r>
+              <a:rPr lang="hu-HU" dirty="0"/>
+              <a:t> a </a:t>
+            </a:r>
+            <a:r>
+              <a:rPr lang="hu-HU" dirty="0" err="1"/>
+              <a:t>textual</a:t>
+            </a:r>
+            <a:r>
+              <a:rPr lang="hu-HU" dirty="0"/>
+              <a:t> </a:t>
+            </a:r>
+            <a:r>
+              <a:rPr lang="hu-HU" dirty="0" err="1"/>
+              <a:t>syntax</a:t>
+            </a:r>
+            <a:r>
+              <a:rPr lang="hu-HU" dirty="0"/>
+              <a:t>, </a:t>
+            </a:r>
+            <a:r>
+              <a:rPr lang="hu-HU" dirty="0" err="1"/>
+              <a:t>as</a:t>
+            </a:r>
+            <a:r>
+              <a:rPr lang="hu-HU" dirty="0"/>
+              <a:t> </a:t>
+            </a:r>
+            <a:r>
+              <a:rPr lang="hu-HU" dirty="0" err="1"/>
+              <a:t>depicted</a:t>
+            </a:r>
+            <a:r>
+              <a:rPr lang="hu-HU" dirty="0"/>
+              <a:t> in </a:t>
+            </a:r>
+            <a:r>
+              <a:rPr lang="hu-HU" dirty="0" err="1"/>
+              <a:t>the</a:t>
+            </a:r>
+            <a:r>
+              <a:rPr lang="hu-HU" dirty="0"/>
+              <a:t> </a:t>
+            </a:r>
+            <a:r>
+              <a:rPr lang="hu-HU" dirty="0" err="1"/>
+              <a:t>lower-left</a:t>
+            </a:r>
+            <a:r>
+              <a:rPr lang="hu-HU" dirty="0"/>
+              <a:t> </a:t>
+            </a:r>
+            <a:r>
+              <a:rPr lang="hu-HU" dirty="0" err="1"/>
+              <a:t>figure</a:t>
+            </a:r>
+            <a:r>
+              <a:rPr lang="hu-HU" dirty="0"/>
+              <a:t>. The </a:t>
+            </a:r>
+            <a:r>
+              <a:rPr lang="hu-HU" dirty="0" err="1"/>
+              <a:t>graphical</a:t>
+            </a:r>
+            <a:r>
+              <a:rPr lang="hu-HU" dirty="0"/>
+              <a:t> </a:t>
+            </a:r>
+            <a:r>
+              <a:rPr lang="hu-HU" dirty="0" err="1"/>
+              <a:t>representation</a:t>
+            </a:r>
+            <a:r>
+              <a:rPr lang="hu-HU" dirty="0"/>
+              <a:t> of </a:t>
+            </a:r>
+            <a:r>
+              <a:rPr lang="hu-HU" dirty="0" err="1"/>
+              <a:t>the</a:t>
+            </a:r>
+            <a:r>
+              <a:rPr lang="hu-HU" dirty="0"/>
+              <a:t> </a:t>
+            </a:r>
+            <a:r>
+              <a:rPr lang="hu-HU" dirty="0" err="1"/>
+              <a:t>model</a:t>
+            </a:r>
+            <a:r>
+              <a:rPr lang="hu-HU" dirty="0"/>
+              <a:t> is </a:t>
+            </a:r>
+            <a:r>
+              <a:rPr lang="hu-HU" dirty="0" err="1"/>
+              <a:t>depicted</a:t>
+            </a:r>
+            <a:r>
+              <a:rPr lang="hu-HU" dirty="0"/>
+              <a:t> in </a:t>
+            </a:r>
+            <a:r>
+              <a:rPr lang="hu-HU" dirty="0" err="1"/>
+              <a:t>the</a:t>
+            </a:r>
+            <a:r>
+              <a:rPr lang="hu-HU" dirty="0"/>
+              <a:t> </a:t>
+            </a:r>
+            <a:r>
+              <a:rPr lang="hu-HU" dirty="0" err="1"/>
+              <a:t>right</a:t>
+            </a:r>
+            <a:r>
+              <a:rPr lang="hu-HU" dirty="0"/>
+              <a:t> </a:t>
+            </a:r>
+            <a:r>
+              <a:rPr lang="hu-HU" dirty="0" err="1"/>
+              <a:t>figure</a:t>
+            </a:r>
+            <a:r>
+              <a:rPr lang="hu-HU" dirty="0"/>
+              <a:t>.</a:t>
             </a:r>
           </a:p>
           <a:p>
-            <a:pPr marL="0" marR="0" lvl="0" indent="0" algn="l" defTabSz="914400" rtl="0" eaLnBrk="1" fontAlgn="auto" latinLnBrk="0" hangingPunct="1">
-              <a:lnSpc>
-                <a:spcPct val="100000"/>
-              </a:lnSpc>
-              <a:spcBef>
-                <a:spcPts val="0"/>
-              </a:spcBef>
-              <a:spcAft>
-                <a:spcPts val="0"/>
-              </a:spcAft>
-              <a:buClrTx/>
-              <a:buSzTx/>
-              <a:buFontTx/>
-              <a:buNone/>
-              <a:tabLst/>
-              <a:defRPr/>
-            </a:pPr>
-            <a:r>
-              <a:rPr lang="hu-HU" dirty="0"/>
-              <a:t> („ANIMATION”)</a:t>
+            <a:r>
+              <a:rPr lang="hu-HU" dirty="0"/>
+              <a:t>(„ANIMATION”)</a:t>
             </a:r>
           </a:p>
           <a:p>
             <a:r>
-              <a:rPr lang="hu-HU" dirty="0"/>
-              <a:t>Minden kompozit rendszernek vannak </a:t>
-            </a:r>
-            <a:r>
-              <a:rPr lang="hu-HU" dirty="0" err="1"/>
-              <a:t>portjai</a:t>
-            </a:r>
-            <a:r>
-              <a:rPr lang="hu-HU" dirty="0"/>
-              <a:t>, ezek pont úgy működnek mint egy állapotgép </a:t>
-            </a:r>
-            <a:r>
-              <a:rPr lang="hu-HU" dirty="0" err="1"/>
-              <a:t>portjai</a:t>
-            </a:r>
-            <a:r>
-              <a:rPr lang="hu-HU" dirty="0"/>
-              <a:t>, tehát egy interfészt valósítanak meg </a:t>
+              <a:rPr lang="hu-HU" dirty="0" err="1"/>
+              <a:t>Every</a:t>
+            </a:r>
+            <a:r>
+              <a:rPr lang="hu-HU" dirty="0"/>
+              <a:t> </a:t>
+            </a:r>
+            <a:r>
+              <a:rPr lang="hu-HU" dirty="0" err="1"/>
+              <a:t>composite</a:t>
+            </a:r>
+            <a:r>
+              <a:rPr lang="hu-HU" dirty="0"/>
+              <a:t> </a:t>
+            </a:r>
+            <a:r>
+              <a:rPr lang="hu-HU" dirty="0" err="1"/>
+              <a:t>model</a:t>
+            </a:r>
+            <a:r>
+              <a:rPr lang="hu-HU" dirty="0"/>
+              <a:t> has </a:t>
+            </a:r>
+            <a:r>
+              <a:rPr lang="hu-HU" dirty="0" err="1"/>
+              <a:t>ports</a:t>
+            </a:r>
+            <a:r>
+              <a:rPr lang="hu-HU" dirty="0"/>
+              <a:t>. </a:t>
+            </a:r>
+            <a:r>
+              <a:rPr lang="hu-HU" dirty="0" err="1"/>
+              <a:t>These</a:t>
+            </a:r>
+            <a:r>
+              <a:rPr lang="hu-HU" dirty="0"/>
+              <a:t> </a:t>
+            </a:r>
+            <a:r>
+              <a:rPr lang="hu-HU" dirty="0" err="1"/>
+              <a:t>ports</a:t>
+            </a:r>
+            <a:r>
+              <a:rPr lang="hu-HU" dirty="0"/>
+              <a:t> </a:t>
+            </a:r>
+            <a:r>
+              <a:rPr lang="hu-HU" dirty="0" err="1"/>
+              <a:t>work</a:t>
+            </a:r>
+            <a:r>
+              <a:rPr lang="hu-HU" dirty="0"/>
+              <a:t> </a:t>
+            </a:r>
+            <a:r>
+              <a:rPr lang="hu-HU" dirty="0" err="1"/>
+              <a:t>excatly</a:t>
+            </a:r>
+            <a:r>
+              <a:rPr lang="hu-HU" dirty="0"/>
+              <a:t> like </a:t>
+            </a:r>
+            <a:r>
+              <a:rPr lang="hu-HU" dirty="0" err="1"/>
+              <a:t>statechart</a:t>
+            </a:r>
+            <a:r>
+              <a:rPr lang="hu-HU" dirty="0"/>
+              <a:t> </a:t>
+            </a:r>
+            <a:r>
+              <a:rPr lang="hu-HU" dirty="0" err="1"/>
+              <a:t>ports</a:t>
+            </a:r>
+            <a:r>
+              <a:rPr lang="hu-HU" dirty="0"/>
+              <a:t>, </a:t>
+            </a:r>
+            <a:r>
+              <a:rPr lang="hu-HU" dirty="0" err="1"/>
+              <a:t>that</a:t>
+            </a:r>
+            <a:r>
+              <a:rPr lang="hu-HU" dirty="0"/>
+              <a:t> is, </a:t>
+            </a:r>
+            <a:r>
+              <a:rPr lang="hu-HU" dirty="0" err="1"/>
+              <a:t>they</a:t>
+            </a:r>
+            <a:r>
+              <a:rPr lang="hu-HU" dirty="0"/>
+              <a:t> </a:t>
+            </a:r>
+            <a:r>
+              <a:rPr lang="hu-HU" dirty="0" err="1"/>
+              <a:t>realize</a:t>
+            </a:r>
+            <a:r>
+              <a:rPr lang="hu-HU" dirty="0"/>
+              <a:t> an </a:t>
+            </a:r>
+            <a:r>
+              <a:rPr lang="hu-HU" dirty="0" err="1"/>
+              <a:t>interface</a:t>
+            </a:r>
+            <a:r>
+              <a:rPr lang="hu-HU" dirty="0"/>
+              <a:t> in </a:t>
+            </a:r>
+            <a:r>
+              <a:rPr lang="hu-HU" dirty="0" err="1"/>
+              <a:t>either</a:t>
+            </a:r>
+            <a:r>
+              <a:rPr lang="hu-HU" dirty="0"/>
+              <a:t> </a:t>
+            </a:r>
+            <a:r>
+              <a:rPr lang="hu-HU" dirty="0" err="1"/>
+              <a:t>required</a:t>
+            </a:r>
+            <a:r>
+              <a:rPr lang="hu-HU" dirty="0"/>
+              <a:t> </a:t>
+            </a:r>
+            <a:r>
+              <a:rPr lang="hu-HU" dirty="0" err="1"/>
+              <a:t>or</a:t>
+            </a:r>
+            <a:r>
+              <a:rPr lang="hu-HU" dirty="0"/>
+              <a:t> </a:t>
             </a:r>
             <a:r>
               <a:rPr lang="hu-HU" dirty="0" err="1"/>
@@ -3503,15 +4959,15 @@
             </a:r>
             <a:r>
               <a:rPr lang="hu-HU" dirty="0"/>
-              <a:t> vagy </a:t>
-            </a:r>
-            <a:r>
-              <a:rPr lang="hu-HU" dirty="0" err="1"/>
-              <a:t>required</a:t>
-            </a:r>
-            <a:r>
-              <a:rPr lang="hu-HU" dirty="0"/>
-              <a:t> módban.</a:t>
+              <a:t> </a:t>
+            </a:r>
+            <a:r>
+              <a:rPr lang="hu-HU" dirty="0" err="1"/>
+              <a:t>mode</a:t>
+            </a:r>
+            <a:r>
+              <a:rPr lang="hu-HU" dirty="0"/>
+              <a:t>.</a:t>
             </a:r>
           </a:p>
         </p:txBody>
@@ -3598,11 +5054,136 @@
           <a:p>
             <a:r>
               <a:rPr lang="hu-HU" dirty="0"/>
-              <a:t>A kompozit modell viselkedését a belső komponensek definiálják, ezesetben két közlekedési lámpa modell és egy vezérlő modell.</a:t>
-            </a:r>
-          </a:p>
-          <a:p>
-            <a:endParaRPr lang="hu-HU" dirty="0"/>
+              <a:t>The </a:t>
+            </a:r>
+            <a:r>
+              <a:rPr lang="hu-HU" dirty="0" err="1"/>
+              <a:t>behavior</a:t>
+            </a:r>
+            <a:r>
+              <a:rPr lang="hu-HU" dirty="0"/>
+              <a:t> of a </a:t>
+            </a:r>
+            <a:r>
+              <a:rPr lang="hu-HU" dirty="0" err="1"/>
+              <a:t>composite</a:t>
+            </a:r>
+            <a:r>
+              <a:rPr lang="hu-HU" dirty="0"/>
+              <a:t> </a:t>
+            </a:r>
+            <a:r>
+              <a:rPr lang="hu-HU" dirty="0" err="1"/>
+              <a:t>model</a:t>
+            </a:r>
+            <a:r>
+              <a:rPr lang="hu-HU" dirty="0"/>
+              <a:t> is </a:t>
+            </a:r>
+            <a:r>
+              <a:rPr lang="hu-HU" dirty="0" err="1"/>
+              <a:t>defined</a:t>
+            </a:r>
+            <a:r>
+              <a:rPr lang="hu-HU" dirty="0"/>
+              <a:t> </a:t>
+            </a:r>
+            <a:r>
+              <a:rPr lang="hu-HU" dirty="0" err="1"/>
+              <a:t>by</a:t>
+            </a:r>
+            <a:r>
+              <a:rPr lang="hu-HU" dirty="0"/>
+              <a:t> </a:t>
+            </a:r>
+            <a:r>
+              <a:rPr lang="hu-HU" dirty="0" err="1"/>
+              <a:t>the</a:t>
+            </a:r>
+            <a:r>
+              <a:rPr lang="hu-HU" dirty="0"/>
+              <a:t> </a:t>
+            </a:r>
+            <a:r>
+              <a:rPr lang="hu-HU" dirty="0" err="1"/>
+              <a:t>contained</a:t>
+            </a:r>
+            <a:r>
+              <a:rPr lang="hu-HU" dirty="0"/>
+              <a:t> </a:t>
+            </a:r>
+            <a:r>
+              <a:rPr lang="hu-HU" dirty="0" err="1"/>
+              <a:t>components</a:t>
+            </a:r>
+            <a:r>
+              <a:rPr lang="hu-HU" dirty="0"/>
+              <a:t>, in </a:t>
+            </a:r>
+            <a:r>
+              <a:rPr lang="hu-HU" dirty="0" err="1"/>
+              <a:t>this</a:t>
+            </a:r>
+            <a:r>
+              <a:rPr lang="hu-HU" dirty="0"/>
+              <a:t> </a:t>
+            </a:r>
+            <a:r>
+              <a:rPr lang="hu-HU" dirty="0" err="1"/>
+              <a:t>example</a:t>
+            </a:r>
+            <a:r>
+              <a:rPr lang="hu-HU" dirty="0"/>
+              <a:t> </a:t>
+            </a:r>
+            <a:r>
+              <a:rPr lang="hu-HU" dirty="0" err="1"/>
+              <a:t>two</a:t>
+            </a:r>
+            <a:r>
+              <a:rPr lang="hu-HU" dirty="0"/>
+              <a:t> </a:t>
+            </a:r>
+            <a:r>
+              <a:rPr lang="hu-HU" dirty="0" err="1"/>
+              <a:t>traffic</a:t>
+            </a:r>
+            <a:r>
+              <a:rPr lang="hu-HU" dirty="0"/>
+              <a:t> </a:t>
+            </a:r>
+            <a:r>
+              <a:rPr lang="hu-HU" dirty="0" err="1"/>
+              <a:t>light</a:t>
+            </a:r>
+            <a:r>
+              <a:rPr lang="hu-HU" dirty="0"/>
+              <a:t> </a:t>
+            </a:r>
+            <a:r>
+              <a:rPr lang="hu-HU" dirty="0" err="1"/>
+              <a:t>models</a:t>
+            </a:r>
+            <a:r>
+              <a:rPr lang="hu-HU" dirty="0"/>
+              <a:t> and a </a:t>
+            </a:r>
+            <a:r>
+              <a:rPr lang="hu-HU" dirty="0" err="1"/>
+              <a:t>controller</a:t>
+            </a:r>
+            <a:r>
+              <a:rPr lang="hu-HU" dirty="0"/>
+              <a:t> </a:t>
+            </a:r>
+            <a:r>
+              <a:rPr lang="hu-HU" dirty="0" err="1"/>
+              <a:t>model</a:t>
+            </a:r>
+            <a:r>
+              <a:rPr lang="hu-HU" dirty="0"/>
+              <a:t>.</a:t>
+            </a:r>
           </a:p>
         </p:txBody>
       </p:sp>
@@ -3688,23 +5269,103 @@
           <a:p>
             <a:r>
               <a:rPr lang="hu-HU" dirty="0"/>
-              <a:t>A rendszer </a:t>
-            </a:r>
-            <a:r>
-              <a:rPr lang="hu-HU" dirty="0" err="1"/>
-              <a:t>portokat</a:t>
-            </a:r>
-            <a:r>
-              <a:rPr lang="hu-HU" dirty="0"/>
-              <a:t> a belső komponensek </a:t>
-            </a:r>
-            <a:r>
-              <a:rPr lang="hu-HU" dirty="0" err="1"/>
-              <a:t>portjaira</a:t>
-            </a:r>
-            <a:r>
-              <a:rPr lang="hu-HU" dirty="0"/>
-              <a:t> lehet rákötni.</a:t>
+              <a:t>The </a:t>
+            </a:r>
+            <a:r>
+              <a:rPr lang="hu-HU" dirty="0" err="1"/>
+              <a:t>ports</a:t>
+            </a:r>
+            <a:r>
+              <a:rPr lang="hu-HU" dirty="0"/>
+              <a:t> of </a:t>
+            </a:r>
+            <a:r>
+              <a:rPr lang="hu-HU" dirty="0" err="1"/>
+              <a:t>the</a:t>
+            </a:r>
+            <a:r>
+              <a:rPr lang="hu-HU" dirty="0"/>
+              <a:t> </a:t>
+            </a:r>
+            <a:r>
+              <a:rPr lang="hu-HU" dirty="0" err="1"/>
+              <a:t>composite</a:t>
+            </a:r>
+            <a:r>
+              <a:rPr lang="hu-HU" dirty="0"/>
+              <a:t> </a:t>
+            </a:r>
+            <a:r>
+              <a:rPr lang="hu-HU" dirty="0" err="1"/>
+              <a:t>model</a:t>
+            </a:r>
+            <a:r>
+              <a:rPr lang="hu-HU" dirty="0"/>
+              <a:t> </a:t>
+            </a:r>
+            <a:r>
+              <a:rPr lang="hu-HU" dirty="0" err="1"/>
+              <a:t>can</a:t>
+            </a:r>
+            <a:r>
+              <a:rPr lang="hu-HU" dirty="0"/>
+              <a:t> be </a:t>
+            </a:r>
+            <a:r>
+              <a:rPr lang="hu-HU" dirty="0" err="1"/>
+              <a:t>bound</a:t>
+            </a:r>
+            <a:r>
+              <a:rPr lang="hu-HU" dirty="0"/>
+              <a:t> </a:t>
+            </a:r>
+            <a:r>
+              <a:rPr lang="hu-HU" dirty="0" err="1"/>
+              <a:t>to</a:t>
+            </a:r>
+            <a:r>
+              <a:rPr lang="hu-HU" dirty="0"/>
+              <a:t> </a:t>
+            </a:r>
+            <a:r>
+              <a:rPr lang="hu-HU" dirty="0" err="1"/>
+              <a:t>the</a:t>
+            </a:r>
+            <a:r>
+              <a:rPr lang="hu-HU" dirty="0"/>
+              <a:t> </a:t>
+            </a:r>
+            <a:r>
+              <a:rPr lang="hu-HU" dirty="0" err="1"/>
+              <a:t>ports</a:t>
+            </a:r>
+            <a:r>
+              <a:rPr lang="hu-HU" dirty="0"/>
+              <a:t> of </a:t>
+            </a:r>
+            <a:r>
+              <a:rPr lang="hu-HU" dirty="0" err="1"/>
+              <a:t>the</a:t>
+            </a:r>
+            <a:r>
+              <a:rPr lang="hu-HU" dirty="0"/>
+              <a:t> </a:t>
+            </a:r>
+            <a:r>
+              <a:rPr lang="hu-HU" dirty="0" err="1"/>
+              <a:t>contained</a:t>
+            </a:r>
+            <a:r>
+              <a:rPr lang="hu-HU" dirty="0"/>
+              <a:t> </a:t>
+            </a:r>
+            <a:r>
+              <a:rPr lang="hu-HU" dirty="0" err="1"/>
+              <a:t>components</a:t>
+            </a:r>
+            <a:r>
+              <a:rPr lang="hu-HU" dirty="0"/>
+              <a:t>.</a:t>
             </a:r>
           </a:p>
         </p:txBody>
@@ -3790,20 +5451,101 @@
           <a:lstStyle/>
           <a:p>
             <a:r>
-              <a:rPr lang="hu-HU" dirty="0"/>
-              <a:t>Végül csatornákat lehet definiálni, amelyek a komponensek </a:t>
-            </a:r>
-            <a:r>
-              <a:rPr lang="hu-HU" dirty="0" err="1"/>
-              <a:t>portjait</a:t>
-            </a:r>
-            <a:r>
-              <a:rPr lang="hu-HU" dirty="0"/>
-              <a:t> kötik össze, lehetővé téve a belső kommunikációt.</a:t>
-            </a:r>
-          </a:p>
-          <a:p>
-            <a:endParaRPr lang="hu-HU" dirty="0"/>
+              <a:rPr lang="hu-HU" dirty="0" err="1"/>
+              <a:t>Finally</a:t>
+            </a:r>
+            <a:r>
+              <a:rPr lang="hu-HU" dirty="0"/>
+              <a:t>, </a:t>
+            </a:r>
+            <a:r>
+              <a:rPr lang="hu-HU" dirty="0" err="1"/>
+              <a:t>channels</a:t>
+            </a:r>
+            <a:r>
+              <a:rPr lang="hu-HU" dirty="0"/>
+              <a:t> </a:t>
+            </a:r>
+            <a:r>
+              <a:rPr lang="hu-HU" dirty="0" err="1"/>
+              <a:t>can</a:t>
+            </a:r>
+            <a:r>
+              <a:rPr lang="hu-HU" dirty="0"/>
+              <a:t> be </a:t>
+            </a:r>
+            <a:r>
+              <a:rPr lang="hu-HU" dirty="0" err="1"/>
+              <a:t>defined</a:t>
+            </a:r>
+            <a:r>
+              <a:rPr lang="hu-HU" dirty="0"/>
+              <a:t> </a:t>
+            </a:r>
+            <a:r>
+              <a:rPr lang="hu-HU" dirty="0" err="1"/>
+              <a:t>that</a:t>
+            </a:r>
+            <a:r>
+              <a:rPr lang="hu-HU" dirty="0"/>
+              <a:t> </a:t>
+            </a:r>
+            <a:r>
+              <a:rPr lang="hu-HU" dirty="0" err="1"/>
+              <a:t>connect</a:t>
+            </a:r>
+            <a:r>
+              <a:rPr lang="hu-HU" dirty="0"/>
+              <a:t> </a:t>
+            </a:r>
+            <a:r>
+              <a:rPr lang="hu-HU" dirty="0" err="1"/>
+              <a:t>ports</a:t>
+            </a:r>
+            <a:r>
+              <a:rPr lang="hu-HU" dirty="0"/>
+              <a:t> of </a:t>
+            </a:r>
+            <a:r>
+              <a:rPr lang="hu-HU" dirty="0" err="1"/>
+              <a:t>contained</a:t>
+            </a:r>
+            <a:r>
+              <a:rPr lang="hu-HU" dirty="0"/>
+              <a:t> </a:t>
+            </a:r>
+            <a:r>
+              <a:rPr lang="hu-HU" dirty="0" err="1"/>
+              <a:t>components</a:t>
+            </a:r>
+            <a:r>
+              <a:rPr lang="hu-HU" dirty="0"/>
+              <a:t> </a:t>
+            </a:r>
+            <a:r>
+              <a:rPr lang="hu-HU" dirty="0" err="1"/>
+              <a:t>enabling</a:t>
+            </a:r>
+            <a:r>
+              <a:rPr lang="hu-HU" dirty="0"/>
+              <a:t> </a:t>
+            </a:r>
+            <a:r>
+              <a:rPr lang="hu-HU" dirty="0" err="1"/>
+              <a:t>their</a:t>
+            </a:r>
+            <a:r>
+              <a:rPr lang="hu-HU" dirty="0"/>
+              <a:t> </a:t>
+            </a:r>
+            <a:r>
+              <a:rPr lang="hu-HU" dirty="0" err="1"/>
+              <a:t>communication</a:t>
+            </a:r>
+            <a:r>
+              <a:rPr lang="hu-HU" dirty="0"/>
+              <a:t>.</a:t>
+            </a:r>
           </a:p>
         </p:txBody>
       </p:sp>
@@ -3908,15 +5650,224 @@
               <a:rPr lang="hu-HU" dirty="0"/>
               <a:t> („ANIMATION”)</a:t>
             </a:r>
-            <a:endParaRPr lang="hu-HU" sz="1200" dirty="0"/>
           </a:p>
           <a:p>
-            <a:endParaRPr lang="hu-HU" dirty="0"/>
-          </a:p>
-          <a:p>
-            <a:r>
-              <a:rPr lang="hu-HU" dirty="0"/>
-              <a:t>Az elkészített kompozíciós modellből automatikusan forráskódot származtathatunk. Szinkron kompozit és kaszkád modellek esetén ez a funkció jelenleg is elérhető. Aszinkron esetben a kódgenerátor már meg van tervezve, az implementáció jelenleg is zajlik.</a:t>
+            <a:pPr marL="0" marR="0" lvl="0" indent="0" algn="l" defTabSz="914400" rtl="0" eaLnBrk="1" fontAlgn="auto" latinLnBrk="0" hangingPunct="1">
+              <a:lnSpc>
+                <a:spcPct val="100000"/>
+              </a:lnSpc>
+              <a:spcBef>
+                <a:spcPts val="0"/>
+              </a:spcBef>
+              <a:spcAft>
+                <a:spcPts val="0"/>
+              </a:spcAft>
+              <a:buClrTx/>
+              <a:buSzTx/>
+              <a:buFontTx/>
+              <a:buNone/>
+              <a:tabLst/>
+              <a:defRPr/>
+            </a:pPr>
+            <a:r>
+              <a:rPr lang="hu-HU" dirty="0" err="1"/>
+              <a:t>Source</a:t>
+            </a:r>
+            <a:r>
+              <a:rPr lang="hu-HU" dirty="0"/>
+              <a:t> </a:t>
+            </a:r>
+            <a:r>
+              <a:rPr lang="hu-HU" dirty="0" err="1"/>
+              <a:t>code</a:t>
+            </a:r>
+            <a:r>
+              <a:rPr lang="hu-HU" dirty="0"/>
+              <a:t> </a:t>
+            </a:r>
+            <a:r>
+              <a:rPr lang="hu-HU" dirty="0" err="1"/>
+              <a:t>can</a:t>
+            </a:r>
+            <a:r>
+              <a:rPr lang="hu-HU" dirty="0"/>
+              <a:t> be </a:t>
+            </a:r>
+            <a:r>
+              <a:rPr lang="hu-HU" dirty="0" err="1"/>
+              <a:t>automtically</a:t>
+            </a:r>
+            <a:r>
+              <a:rPr lang="hu-HU" dirty="0"/>
+              <a:t> </a:t>
+            </a:r>
+            <a:r>
+              <a:rPr lang="hu-HU" dirty="0" err="1"/>
+              <a:t>derived</a:t>
+            </a:r>
+            <a:r>
+              <a:rPr lang="hu-HU" dirty="0"/>
+              <a:t> </a:t>
+            </a:r>
+            <a:r>
+              <a:rPr lang="hu-HU" dirty="0" err="1"/>
+              <a:t>from</a:t>
+            </a:r>
+            <a:r>
+              <a:rPr lang="hu-HU" dirty="0"/>
+              <a:t> </a:t>
+            </a:r>
+            <a:r>
+              <a:rPr lang="hu-HU" dirty="0" err="1"/>
+              <a:t>the</a:t>
+            </a:r>
+            <a:r>
+              <a:rPr lang="hu-HU" dirty="0"/>
+              <a:t> </a:t>
+            </a:r>
+            <a:r>
+              <a:rPr lang="hu-HU" dirty="0" err="1"/>
+              <a:t>created</a:t>
+            </a:r>
+            <a:r>
+              <a:rPr lang="hu-HU" dirty="0"/>
+              <a:t> </a:t>
+            </a:r>
+            <a:r>
+              <a:rPr lang="hu-HU" dirty="0" err="1"/>
+              <a:t>composite</a:t>
+            </a:r>
+            <a:r>
+              <a:rPr lang="hu-HU" dirty="0"/>
+              <a:t> </a:t>
+            </a:r>
+            <a:r>
+              <a:rPr lang="hu-HU" dirty="0" err="1"/>
+              <a:t>model</a:t>
+            </a:r>
+            <a:r>
+              <a:rPr lang="hu-HU" dirty="0"/>
+              <a:t>. In </a:t>
+            </a:r>
+            <a:r>
+              <a:rPr lang="hu-HU" dirty="0" err="1"/>
+              <a:t>case</a:t>
+            </a:r>
+            <a:r>
+              <a:rPr lang="hu-HU" dirty="0"/>
+              <a:t> of </a:t>
+            </a:r>
+            <a:r>
+              <a:rPr lang="hu-HU" dirty="0" err="1"/>
+              <a:t>synchronous</a:t>
+            </a:r>
+            <a:r>
+              <a:rPr lang="hu-HU" dirty="0"/>
+              <a:t> and </a:t>
+            </a:r>
+            <a:r>
+              <a:rPr lang="hu-HU" dirty="0" err="1"/>
+              <a:t>cascade</a:t>
+            </a:r>
+            <a:r>
+              <a:rPr lang="hu-HU" dirty="0"/>
+              <a:t> </a:t>
+            </a:r>
+            <a:r>
+              <a:rPr lang="hu-HU" dirty="0" err="1"/>
+              <a:t>components</a:t>
+            </a:r>
+            <a:r>
+              <a:rPr lang="hu-HU" dirty="0"/>
+              <a:t> </a:t>
+            </a:r>
+            <a:r>
+              <a:rPr lang="hu-HU" dirty="0" err="1"/>
+              <a:t>this</a:t>
+            </a:r>
+            <a:r>
+              <a:rPr lang="hu-HU" dirty="0"/>
+              <a:t> </a:t>
+            </a:r>
+            <a:r>
+              <a:rPr lang="hu-HU" dirty="0" err="1"/>
+              <a:t>functionality</a:t>
+            </a:r>
+            <a:r>
+              <a:rPr lang="hu-HU" dirty="0"/>
+              <a:t> is </a:t>
+            </a:r>
+            <a:r>
+              <a:rPr lang="hu-HU" dirty="0" err="1"/>
+              <a:t>already</a:t>
+            </a:r>
+            <a:r>
+              <a:rPr lang="hu-HU" dirty="0"/>
+              <a:t> </a:t>
+            </a:r>
+            <a:r>
+              <a:rPr lang="hu-HU" dirty="0" err="1"/>
+              <a:t>available</a:t>
+            </a:r>
+            <a:r>
+              <a:rPr lang="hu-HU" dirty="0"/>
+              <a:t>. The </a:t>
+            </a:r>
+            <a:r>
+              <a:rPr lang="hu-HU" dirty="0" err="1"/>
+              <a:t>asynchronous</a:t>
+            </a:r>
+            <a:r>
+              <a:rPr lang="hu-HU" dirty="0"/>
+              <a:t> part of </a:t>
+            </a:r>
+            <a:r>
+              <a:rPr lang="hu-HU" dirty="0" err="1"/>
+              <a:t>the</a:t>
+            </a:r>
+            <a:r>
+              <a:rPr lang="hu-HU" dirty="0"/>
+              <a:t> </a:t>
+            </a:r>
+            <a:r>
+              <a:rPr lang="hu-HU" dirty="0" err="1"/>
+              <a:t>code</a:t>
+            </a:r>
+            <a:r>
+              <a:rPr lang="hu-HU" dirty="0"/>
+              <a:t> </a:t>
+            </a:r>
+            <a:r>
+              <a:rPr lang="hu-HU" dirty="0" err="1"/>
+              <a:t>generator</a:t>
+            </a:r>
+            <a:r>
+              <a:rPr lang="hu-HU" dirty="0"/>
+              <a:t> is </a:t>
+            </a:r>
+            <a:r>
+              <a:rPr lang="hu-HU" dirty="0" err="1"/>
+              <a:t>currently</a:t>
+            </a:r>
+            <a:r>
+              <a:rPr lang="hu-HU" dirty="0"/>
+              <a:t> </a:t>
+            </a:r>
+            <a:r>
+              <a:rPr lang="hu-HU" dirty="0" err="1"/>
+              <a:t>under</a:t>
+            </a:r>
+            <a:r>
+              <a:rPr lang="hu-HU" dirty="0"/>
+              <a:t> </a:t>
+            </a:r>
+            <a:r>
+              <a:rPr lang="hu-HU" dirty="0" err="1"/>
+              <a:t>implementation</a:t>
+            </a:r>
+            <a:r>
+              <a:rPr lang="hu-HU" dirty="0"/>
+              <a:t>.</a:t>
             </a:r>
             <a:endParaRPr lang="en-US" dirty="0"/>
           </a:p>
@@ -5353,70 +7304,489 @@
           <a:lstStyle/>
           <a:p>
             <a:r>
-              <a:rPr lang="hu-HU" dirty="0"/>
-              <a:t>Továbbá a kompozit modellből formális modellek állíthatók elő (szintén modell transzformációk segítségével), amelyeken modellellenőrzés hajtható végre.</a:t>
+              <a:rPr lang="hu-HU" dirty="0" err="1"/>
+              <a:t>Additionally</a:t>
+            </a:r>
+            <a:r>
+              <a:rPr lang="hu-HU" dirty="0"/>
+              <a:t>, </a:t>
+            </a:r>
+            <a:r>
+              <a:rPr lang="hu-HU" dirty="0" err="1"/>
+              <a:t>using</a:t>
+            </a:r>
+            <a:r>
+              <a:rPr lang="hu-HU" dirty="0"/>
+              <a:t> </a:t>
+            </a:r>
+            <a:r>
+              <a:rPr lang="hu-HU" dirty="0" err="1"/>
+              <a:t>model</a:t>
+            </a:r>
+            <a:r>
+              <a:rPr lang="hu-HU" dirty="0"/>
+              <a:t> </a:t>
+            </a:r>
+            <a:r>
+              <a:rPr lang="hu-HU" dirty="0" err="1"/>
+              <a:t>transformers</a:t>
+            </a:r>
+            <a:r>
+              <a:rPr lang="hu-HU" dirty="0"/>
+              <a:t>, </a:t>
+            </a:r>
+            <a:r>
+              <a:rPr lang="hu-HU" dirty="0" err="1"/>
+              <a:t>composite</a:t>
+            </a:r>
+            <a:r>
+              <a:rPr lang="hu-HU" dirty="0"/>
+              <a:t> </a:t>
+            </a:r>
+            <a:r>
+              <a:rPr lang="hu-HU" dirty="0" err="1"/>
+              <a:t>models</a:t>
+            </a:r>
+            <a:r>
+              <a:rPr lang="hu-HU" dirty="0"/>
+              <a:t> </a:t>
+            </a:r>
+            <a:r>
+              <a:rPr lang="hu-HU" dirty="0" err="1"/>
+              <a:t>can</a:t>
+            </a:r>
+            <a:r>
+              <a:rPr lang="hu-HU" dirty="0"/>
+              <a:t> be </a:t>
+            </a:r>
+            <a:r>
+              <a:rPr lang="hu-HU" dirty="0" err="1"/>
+              <a:t>transformed</a:t>
+            </a:r>
+            <a:r>
+              <a:rPr lang="hu-HU" dirty="0"/>
+              <a:t> </a:t>
+            </a:r>
+            <a:r>
+              <a:rPr lang="hu-HU" dirty="0" err="1"/>
+              <a:t>to</a:t>
+            </a:r>
+            <a:r>
+              <a:rPr lang="hu-HU" dirty="0"/>
+              <a:t> </a:t>
+            </a:r>
+            <a:r>
+              <a:rPr lang="hu-HU" dirty="0" err="1"/>
+              <a:t>analysis</a:t>
+            </a:r>
+            <a:r>
+              <a:rPr lang="hu-HU" dirty="0"/>
+              <a:t> </a:t>
+            </a:r>
+            <a:r>
+              <a:rPr lang="hu-HU" dirty="0" err="1"/>
+              <a:t>models</a:t>
+            </a:r>
+            <a:r>
+              <a:rPr lang="hu-HU" dirty="0"/>
+              <a:t> </a:t>
+            </a:r>
+            <a:r>
+              <a:rPr lang="hu-HU" dirty="0" err="1"/>
+              <a:t>on</a:t>
+            </a:r>
+            <a:r>
+              <a:rPr lang="hu-HU" dirty="0"/>
+              <a:t> </a:t>
+            </a:r>
+            <a:r>
+              <a:rPr lang="hu-HU" dirty="0" err="1"/>
+              <a:t>which</a:t>
+            </a:r>
+            <a:r>
+              <a:rPr lang="hu-HU" dirty="0"/>
+              <a:t> </a:t>
+            </a:r>
+            <a:r>
+              <a:rPr lang="hu-HU" dirty="0" err="1"/>
+              <a:t>model-checking</a:t>
+            </a:r>
+            <a:r>
+              <a:rPr lang="hu-HU" dirty="0"/>
+              <a:t> </a:t>
+            </a:r>
+            <a:r>
+              <a:rPr lang="hu-HU" dirty="0" err="1"/>
+              <a:t>can</a:t>
+            </a:r>
+            <a:r>
+              <a:rPr lang="hu-HU" dirty="0"/>
+              <a:t> be </a:t>
+            </a:r>
+            <a:r>
+              <a:rPr lang="hu-HU" dirty="0" err="1"/>
+              <a:t>carried</a:t>
+            </a:r>
+            <a:r>
+              <a:rPr lang="hu-HU" dirty="0"/>
+              <a:t> out.</a:t>
             </a:r>
           </a:p>
           <a:p>
-            <a:pPr marL="0" marR="0" lvl="0" indent="0" algn="l" defTabSz="914400" rtl="0" eaLnBrk="1" fontAlgn="auto" latinLnBrk="0" hangingPunct="1">
-              <a:lnSpc>
-                <a:spcPct val="100000"/>
-              </a:lnSpc>
-              <a:spcBef>
-                <a:spcPts val="0"/>
-              </a:spcBef>
-              <a:spcAft>
-                <a:spcPts val="0"/>
-              </a:spcAft>
-              <a:buClrTx/>
-              <a:buSzTx/>
-              <a:buFontTx/>
-              <a:buNone/>
-              <a:tabLst/>
-              <a:defRPr/>
-            </a:pPr>
-            <a:r>
-              <a:rPr lang="hu-HU" dirty="0"/>
-              <a:t> („ANIMATION”)</a:t>
+            <a:r>
+              <a:rPr lang="hu-HU" dirty="0"/>
+              <a:t>(„ANIMATION”)</a:t>
             </a:r>
           </a:p>
           <a:p>
             <a:r>
               <a:rPr lang="hu-HU" dirty="0"/>
-              <a:t>A modellellenőrzés a felhasználó elöl elrejtve egy grafikus felületen felhasználásával történik.</a:t>
+              <a:t>The </a:t>
+            </a:r>
+            <a:r>
+              <a:rPr lang="hu-HU" dirty="0" err="1"/>
+              <a:t>model-checking</a:t>
+            </a:r>
+            <a:r>
+              <a:rPr lang="hu-HU" dirty="0"/>
+              <a:t> </a:t>
+            </a:r>
+            <a:r>
+              <a:rPr lang="hu-HU" dirty="0" err="1"/>
+              <a:t>process</a:t>
+            </a:r>
+            <a:r>
+              <a:rPr lang="hu-HU" dirty="0"/>
+              <a:t> is </a:t>
+            </a:r>
+            <a:r>
+              <a:rPr lang="hu-HU" dirty="0" err="1"/>
+              <a:t>hidden</a:t>
+            </a:r>
+            <a:r>
+              <a:rPr lang="hu-HU" dirty="0"/>
+              <a:t> </a:t>
+            </a:r>
+            <a:r>
+              <a:rPr lang="hu-HU" dirty="0" err="1"/>
+              <a:t>from</a:t>
+            </a:r>
+            <a:r>
+              <a:rPr lang="hu-HU" dirty="0"/>
+              <a:t> </a:t>
+            </a:r>
+            <a:r>
+              <a:rPr lang="hu-HU" dirty="0" err="1"/>
+              <a:t>the</a:t>
+            </a:r>
+            <a:r>
+              <a:rPr lang="hu-HU" dirty="0"/>
+              <a:t> </a:t>
+            </a:r>
+            <a:r>
+              <a:rPr lang="hu-HU" dirty="0" err="1"/>
+              <a:t>user</a:t>
+            </a:r>
+            <a:r>
+              <a:rPr lang="hu-HU" dirty="0"/>
+              <a:t> </a:t>
+            </a:r>
+            <a:r>
+              <a:rPr lang="hu-HU" dirty="0" err="1"/>
+              <a:t>by</a:t>
+            </a:r>
+            <a:r>
+              <a:rPr lang="hu-HU" dirty="0"/>
+              <a:t> </a:t>
+            </a:r>
+            <a:r>
+              <a:rPr lang="hu-HU" dirty="0" err="1"/>
+              <a:t>means</a:t>
+            </a:r>
+            <a:r>
+              <a:rPr lang="hu-HU" dirty="0"/>
+              <a:t> of a </a:t>
+            </a:r>
+            <a:r>
+              <a:rPr lang="hu-HU" dirty="0" err="1"/>
+              <a:t>graphical</a:t>
+            </a:r>
+            <a:r>
+              <a:rPr lang="hu-HU" dirty="0"/>
+              <a:t> </a:t>
+            </a:r>
+            <a:r>
+              <a:rPr lang="hu-HU" dirty="0" err="1"/>
+              <a:t>interface</a:t>
+            </a:r>
+            <a:r>
+              <a:rPr lang="hu-HU" dirty="0"/>
+              <a:t>. </a:t>
             </a:r>
           </a:p>
           <a:p>
-            <a:endParaRPr lang="hu-HU" dirty="0"/>
+            <a:r>
+              <a:rPr lang="hu-HU" dirty="0"/>
+              <a:t>(„ANIMATION”)</a:t>
+            </a:r>
           </a:p>
           <a:p>
             <a:r>
-              <a:rPr lang="hu-HU" dirty="0"/>
-              <a:t>Ez a követelmények megfogalmazásában különböző </a:t>
-            </a:r>
-            <a:r>
-              <a:rPr lang="hu-HU" dirty="0" err="1"/>
-              <a:t>selectorokkal</a:t>
-            </a:r>
-            <a:r>
-              <a:rPr lang="hu-HU" dirty="0"/>
-              <a:t> segít. Ki lehet választani, hogy milyen típusú követelményt akarunk megfogalmazni, pl.: globális feltételt, elérhetőséget. Emellett a lehetséges állapotokat, változókat és operátorokat is felajánlja.</a:t>
-            </a:r>
-          </a:p>
-          <a:p>
-            <a:r>
-              <a:rPr lang="hu-HU" dirty="0"/>
-              <a:t>A példán azt fogalmazzuk meg, hogy lehetséges-e, hogy az útkereszteződés modellben két közlekedési lámpa egyszerre legyen a „zöld” állapotban, és a </a:t>
-            </a:r>
-            <a:r>
-              <a:rPr lang="hu-HU" dirty="0" err="1"/>
-              <a:t>modellenőrző</a:t>
-            </a:r>
-            <a:r>
-              <a:rPr lang="hu-HU" dirty="0"/>
-              <a:t> azt mondja, hogy igen, és egy tüzelési szekvenciát is mutat.</a:t>
-            </a:r>
-            <a:endParaRPr lang="en-US" dirty="0"/>
+              <a:rPr lang="hu-HU" dirty="0" err="1"/>
+              <a:t>This</a:t>
+            </a:r>
+            <a:r>
+              <a:rPr lang="hu-HU" dirty="0"/>
+              <a:t> </a:t>
+            </a:r>
+            <a:r>
+              <a:rPr lang="hu-HU" dirty="0" err="1"/>
+              <a:t>graphical</a:t>
+            </a:r>
+            <a:r>
+              <a:rPr lang="hu-HU" dirty="0"/>
+              <a:t> </a:t>
+            </a:r>
+            <a:r>
+              <a:rPr lang="hu-HU" dirty="0" err="1"/>
+              <a:t>interface</a:t>
+            </a:r>
+            <a:r>
+              <a:rPr lang="hu-HU" dirty="0"/>
+              <a:t> </a:t>
+            </a:r>
+            <a:r>
+              <a:rPr lang="hu-HU" dirty="0" err="1"/>
+              <a:t>helps</a:t>
+            </a:r>
+            <a:r>
+              <a:rPr lang="hu-HU" dirty="0"/>
+              <a:t> </a:t>
+            </a:r>
+            <a:r>
+              <a:rPr lang="hu-HU" dirty="0" err="1"/>
+              <a:t>the</a:t>
+            </a:r>
+            <a:r>
+              <a:rPr lang="hu-HU" dirty="0"/>
+              <a:t> </a:t>
+            </a:r>
+            <a:r>
+              <a:rPr lang="hu-HU" dirty="0" err="1"/>
+              <a:t>user</a:t>
+            </a:r>
+            <a:r>
+              <a:rPr lang="hu-HU" dirty="0"/>
+              <a:t> </a:t>
+            </a:r>
+            <a:r>
+              <a:rPr lang="hu-HU" dirty="0" err="1"/>
+              <a:t>to</a:t>
+            </a:r>
+            <a:r>
+              <a:rPr lang="hu-HU" dirty="0"/>
+              <a:t> </a:t>
+            </a:r>
+            <a:r>
+              <a:rPr lang="hu-HU" dirty="0" err="1"/>
+              <a:t>formulate</a:t>
+            </a:r>
+            <a:r>
+              <a:rPr lang="hu-HU" dirty="0"/>
+              <a:t> </a:t>
+            </a:r>
+            <a:r>
+              <a:rPr lang="hu-HU" dirty="0" err="1"/>
+              <a:t>requirements</a:t>
+            </a:r>
+            <a:r>
+              <a:rPr lang="hu-HU" dirty="0"/>
+              <a:t> </a:t>
+            </a:r>
+            <a:r>
+              <a:rPr lang="hu-HU" dirty="0" err="1"/>
+              <a:t>with</a:t>
+            </a:r>
+            <a:r>
+              <a:rPr lang="hu-HU" dirty="0"/>
+              <a:t> </a:t>
+            </a:r>
+            <a:r>
+              <a:rPr lang="hu-HU" dirty="0" err="1"/>
+              <a:t>selectors</a:t>
+            </a:r>
+            <a:r>
+              <a:rPr lang="hu-HU" dirty="0"/>
+              <a:t>. The </a:t>
+            </a:r>
+            <a:r>
+              <a:rPr lang="hu-HU" dirty="0" err="1"/>
+              <a:t>user</a:t>
+            </a:r>
+            <a:r>
+              <a:rPr lang="hu-HU" dirty="0"/>
+              <a:t> </a:t>
+            </a:r>
+            <a:r>
+              <a:rPr lang="hu-HU" dirty="0" err="1"/>
+              <a:t>can</a:t>
+            </a:r>
+            <a:r>
+              <a:rPr lang="hu-HU" dirty="0"/>
+              <a:t> </a:t>
+            </a:r>
+            <a:r>
+              <a:rPr lang="hu-HU" dirty="0" err="1"/>
+              <a:t>choose</a:t>
+            </a:r>
+            <a:r>
+              <a:rPr lang="hu-HU" dirty="0"/>
+              <a:t> </a:t>
+            </a:r>
+            <a:r>
+              <a:rPr lang="hu-HU" dirty="0" err="1"/>
+              <a:t>the</a:t>
+            </a:r>
+            <a:r>
+              <a:rPr lang="hu-HU" dirty="0"/>
+              <a:t> </a:t>
+            </a:r>
+            <a:r>
+              <a:rPr lang="hu-HU" dirty="0" err="1"/>
+              <a:t>type</a:t>
+            </a:r>
+            <a:r>
+              <a:rPr lang="hu-HU" dirty="0"/>
+              <a:t> of </a:t>
+            </a:r>
+            <a:r>
+              <a:rPr lang="hu-HU" dirty="0" err="1"/>
+              <a:t>the</a:t>
+            </a:r>
+            <a:r>
+              <a:rPr lang="hu-HU" dirty="0"/>
+              <a:t> </a:t>
+            </a:r>
+            <a:r>
+              <a:rPr lang="hu-HU" dirty="0" err="1"/>
+              <a:t>requirement</a:t>
+            </a:r>
+            <a:r>
+              <a:rPr lang="hu-HU" dirty="0"/>
+              <a:t>, </a:t>
+            </a:r>
+            <a:r>
+              <a:rPr lang="hu-HU" dirty="0" err="1"/>
+              <a:t>for</a:t>
+            </a:r>
+            <a:r>
+              <a:rPr lang="hu-HU" dirty="0"/>
+              <a:t> </a:t>
+            </a:r>
+            <a:r>
+              <a:rPr lang="hu-HU" dirty="0" err="1"/>
+              <a:t>example</a:t>
+            </a:r>
+            <a:r>
+              <a:rPr lang="hu-HU" dirty="0"/>
+              <a:t> </a:t>
+            </a:r>
+            <a:r>
+              <a:rPr lang="hu-HU" dirty="0" err="1"/>
+              <a:t>global</a:t>
+            </a:r>
+            <a:r>
+              <a:rPr lang="hu-HU" dirty="0"/>
+              <a:t> </a:t>
+            </a:r>
+            <a:r>
+              <a:rPr lang="hu-HU" dirty="0" err="1"/>
+              <a:t>condition</a:t>
+            </a:r>
+            <a:r>
+              <a:rPr lang="hu-HU" dirty="0"/>
+              <a:t>, </a:t>
+            </a:r>
+            <a:r>
+              <a:rPr lang="hu-HU" dirty="0" err="1"/>
+              <a:t>reachability</a:t>
+            </a:r>
+            <a:r>
+              <a:rPr lang="hu-HU" dirty="0"/>
+              <a:t>. Moreover, </a:t>
+            </a:r>
+            <a:r>
+              <a:rPr lang="hu-HU" dirty="0" err="1"/>
+              <a:t>it</a:t>
+            </a:r>
+            <a:r>
+              <a:rPr lang="hu-HU" dirty="0"/>
+              <a:t> </a:t>
+            </a:r>
+            <a:r>
+              <a:rPr lang="hu-HU" dirty="0" err="1"/>
+              <a:t>offers</a:t>
+            </a:r>
+            <a:r>
+              <a:rPr lang="hu-HU" dirty="0"/>
+              <a:t> </a:t>
+            </a:r>
+            <a:r>
+              <a:rPr lang="hu-HU" dirty="0" err="1"/>
+              <a:t>the</a:t>
+            </a:r>
+            <a:r>
+              <a:rPr lang="hu-HU" dirty="0"/>
+              <a:t> </a:t>
+            </a:r>
+            <a:r>
+              <a:rPr lang="hu-HU" dirty="0" err="1"/>
+              <a:t>states</a:t>
+            </a:r>
+            <a:r>
+              <a:rPr lang="hu-HU" dirty="0"/>
+              <a:t> and </a:t>
+            </a:r>
+            <a:r>
+              <a:rPr lang="hu-HU" dirty="0" err="1"/>
+              <a:t>variables</a:t>
+            </a:r>
+            <a:r>
+              <a:rPr lang="hu-HU" dirty="0"/>
+              <a:t> </a:t>
+            </a:r>
+            <a:r>
+              <a:rPr lang="hu-HU" dirty="0" err="1"/>
+              <a:t>present</a:t>
+            </a:r>
+            <a:r>
+              <a:rPr lang="hu-HU" dirty="0"/>
+              <a:t> in </a:t>
+            </a:r>
+            <a:r>
+              <a:rPr lang="hu-HU" dirty="0" err="1"/>
+              <a:t>the</a:t>
+            </a:r>
+            <a:r>
+              <a:rPr lang="hu-HU" dirty="0"/>
+              <a:t> </a:t>
+            </a:r>
+            <a:r>
+              <a:rPr lang="hu-HU" dirty="0" err="1"/>
+              <a:t>composite</a:t>
+            </a:r>
+            <a:r>
+              <a:rPr lang="hu-HU" dirty="0"/>
+              <a:t> </a:t>
+            </a:r>
+            <a:r>
+              <a:rPr lang="hu-HU" dirty="0" err="1"/>
+              <a:t>model</a:t>
+            </a:r>
+            <a:r>
+              <a:rPr lang="hu-HU" dirty="0"/>
+              <a:t>.</a:t>
+            </a:r>
           </a:p>
         </p:txBody>
       </p:sp>
@@ -5521,32 +7891,456 @@
               <a:rPr lang="hu-HU" dirty="0"/>
               <a:t> („ANIMATION”)</a:t>
             </a:r>
-            <a:endParaRPr lang="hu-HU" sz="1200" dirty="0"/>
           </a:p>
           <a:p>
-            <a:endParaRPr lang="hu-HU" dirty="0"/>
+            <a:pPr marL="0" marR="0" lvl="0" indent="0" algn="l" defTabSz="914400" rtl="0" eaLnBrk="1" fontAlgn="auto" latinLnBrk="0" hangingPunct="1">
+              <a:lnSpc>
+                <a:spcPct val="100000"/>
+              </a:lnSpc>
+              <a:spcBef>
+                <a:spcPts val="0"/>
+              </a:spcBef>
+              <a:spcAft>
+                <a:spcPts val="0"/>
+              </a:spcAft>
+              <a:buClrTx/>
+              <a:buSzTx/>
+              <a:buFontTx/>
+              <a:buNone/>
+              <a:tabLst/>
+              <a:defRPr/>
+            </a:pPr>
+            <a:r>
+              <a:rPr lang="hu-HU" dirty="0"/>
+              <a:t>The firing </a:t>
+            </a:r>
+            <a:r>
+              <a:rPr lang="hu-HU" dirty="0" err="1"/>
+              <a:t>sequences</a:t>
+            </a:r>
+            <a:r>
+              <a:rPr lang="hu-HU" dirty="0"/>
+              <a:t> </a:t>
+            </a:r>
+            <a:r>
+              <a:rPr lang="hu-HU" dirty="0" err="1"/>
+              <a:t>produced</a:t>
+            </a:r>
+            <a:r>
+              <a:rPr lang="hu-HU" dirty="0"/>
+              <a:t> </a:t>
+            </a:r>
+            <a:r>
+              <a:rPr lang="hu-HU" dirty="0" err="1"/>
+              <a:t>by</a:t>
+            </a:r>
+            <a:r>
+              <a:rPr lang="hu-HU" dirty="0"/>
+              <a:t> </a:t>
+            </a:r>
+            <a:r>
+              <a:rPr lang="hu-HU" dirty="0" err="1"/>
+              <a:t>the</a:t>
+            </a:r>
+            <a:r>
+              <a:rPr lang="hu-HU" dirty="0"/>
+              <a:t> </a:t>
+            </a:r>
+            <a:r>
+              <a:rPr lang="hu-HU" dirty="0" err="1"/>
+              <a:t>model-checker</a:t>
+            </a:r>
+            <a:r>
+              <a:rPr lang="hu-HU" dirty="0"/>
+              <a:t> </a:t>
+            </a:r>
+            <a:r>
+              <a:rPr lang="hu-HU" dirty="0" err="1"/>
+              <a:t>are</a:t>
+            </a:r>
+            <a:r>
+              <a:rPr lang="hu-HU" dirty="0"/>
+              <a:t> </a:t>
+            </a:r>
+            <a:r>
+              <a:rPr lang="hu-HU" dirty="0" err="1"/>
+              <a:t>automatically</a:t>
+            </a:r>
+            <a:r>
+              <a:rPr lang="hu-HU" dirty="0"/>
+              <a:t> back-</a:t>
+            </a:r>
+            <a:r>
+              <a:rPr lang="hu-HU" dirty="0" err="1"/>
+              <a:t>annotated</a:t>
+            </a:r>
+            <a:r>
+              <a:rPr lang="hu-HU" dirty="0"/>
+              <a:t> </a:t>
+            </a:r>
+            <a:r>
+              <a:rPr lang="hu-HU" dirty="0" err="1"/>
+              <a:t>to</a:t>
+            </a:r>
+            <a:r>
+              <a:rPr lang="hu-HU" dirty="0"/>
+              <a:t> </a:t>
+            </a:r>
+            <a:r>
+              <a:rPr lang="hu-HU" dirty="0" err="1"/>
+              <a:t>the</a:t>
+            </a:r>
+            <a:r>
+              <a:rPr lang="hu-HU" dirty="0"/>
+              <a:t> Gamma </a:t>
+            </a:r>
+            <a:r>
+              <a:rPr lang="hu-HU" dirty="0" err="1"/>
+              <a:t>langauge</a:t>
+            </a:r>
+            <a:r>
+              <a:rPr lang="hu-HU" dirty="0"/>
+              <a:t>, </a:t>
+            </a:r>
+            <a:r>
+              <a:rPr lang="hu-HU" dirty="0" err="1"/>
+              <a:t>so</a:t>
+            </a:r>
+            <a:r>
+              <a:rPr lang="hu-HU" dirty="0"/>
+              <a:t> </a:t>
+            </a:r>
+            <a:r>
+              <a:rPr lang="hu-HU" dirty="0" err="1"/>
+              <a:t>the</a:t>
+            </a:r>
+            <a:r>
+              <a:rPr lang="hu-HU" dirty="0"/>
+              <a:t> </a:t>
+            </a:r>
+            <a:r>
+              <a:rPr lang="hu-HU" dirty="0" err="1"/>
+              <a:t>users</a:t>
+            </a:r>
+            <a:r>
+              <a:rPr lang="hu-HU" dirty="0"/>
+              <a:t> </a:t>
+            </a:r>
+            <a:r>
+              <a:rPr lang="hu-HU" dirty="0" err="1"/>
+              <a:t>can</a:t>
+            </a:r>
+            <a:r>
+              <a:rPr lang="hu-HU" dirty="0"/>
+              <a:t> </a:t>
+            </a:r>
+            <a:r>
+              <a:rPr lang="hu-HU" dirty="0" err="1"/>
+              <a:t>investigate</a:t>
+            </a:r>
+            <a:r>
+              <a:rPr lang="hu-HU" dirty="0"/>
+              <a:t> </a:t>
+            </a:r>
+            <a:r>
+              <a:rPr lang="hu-HU" dirty="0" err="1"/>
+              <a:t>them</a:t>
+            </a:r>
+            <a:r>
+              <a:rPr lang="hu-HU" dirty="0"/>
+              <a:t> in a </a:t>
+            </a:r>
+            <a:r>
+              <a:rPr lang="hu-HU" dirty="0" err="1"/>
+              <a:t>familiar</a:t>
+            </a:r>
+            <a:r>
+              <a:rPr lang="hu-HU" dirty="0"/>
+              <a:t> </a:t>
+            </a:r>
+            <a:r>
+              <a:rPr lang="hu-HU" dirty="0" err="1"/>
+              <a:t>domain</a:t>
+            </a:r>
+            <a:r>
+              <a:rPr lang="hu-HU" dirty="0"/>
+              <a:t>.</a:t>
+            </a:r>
           </a:p>
           <a:p>
             <a:r>
               <a:rPr lang="hu-HU" dirty="0"/>
-              <a:t>A kapott tüzelési szekvenciák automatikusan kerülnek visszavetítésre a Gamma nyelvre, így a felhasználók egyszerűen vizsgálhatják őket.</a:t>
+              <a:t>(„ANIMATION”)</a:t>
             </a:r>
           </a:p>
           <a:p>
-            <a:endParaRPr lang="hu-HU" dirty="0"/>
-          </a:p>
-          <a:p>
-            <a:r>
-              <a:rPr lang="hu-HU" dirty="0"/>
-              <a:t>Emellett a keretrendszer a tüzelési szekvenciákhoz teszt eseteket is generál, amely segítségével a formális modellen kapott tüzelési szekvenciákat a generált forráskódon is végre lehet hajtani. Ez lehetőséget biztosít a </a:t>
-            </a:r>
-            <a:r>
-              <a:rPr lang="hu-HU" dirty="0" err="1"/>
-              <a:t>konformancia</a:t>
-            </a:r>
-            <a:r>
-              <a:rPr lang="hu-HU" dirty="0"/>
-              <a:t> ellenőrzésére, azaz, hogy a formális modell és a generált kód tényleg ekvivalens-e.</a:t>
+            <a:r>
+              <a:rPr lang="hu-HU" dirty="0"/>
+              <a:t>Moreover, </a:t>
+            </a:r>
+            <a:r>
+              <a:rPr lang="hu-HU" dirty="0" err="1"/>
+              <a:t>the</a:t>
+            </a:r>
+            <a:r>
+              <a:rPr lang="hu-HU" dirty="0"/>
+              <a:t> </a:t>
+            </a:r>
+            <a:r>
+              <a:rPr lang="hu-HU" dirty="0" err="1"/>
+              <a:t>framework</a:t>
+            </a:r>
+            <a:r>
+              <a:rPr lang="hu-HU" dirty="0"/>
+              <a:t> </a:t>
+            </a:r>
+            <a:r>
+              <a:rPr lang="hu-HU" dirty="0" err="1"/>
+              <a:t>generates</a:t>
+            </a:r>
+            <a:r>
+              <a:rPr lang="hu-HU" dirty="0"/>
+              <a:t> test-</a:t>
+            </a:r>
+            <a:r>
+              <a:rPr lang="hu-HU" dirty="0" err="1"/>
+              <a:t>cases</a:t>
+            </a:r>
+            <a:r>
+              <a:rPr lang="hu-HU" dirty="0"/>
+              <a:t> </a:t>
+            </a:r>
+            <a:r>
+              <a:rPr lang="hu-HU" dirty="0" err="1"/>
+              <a:t>on</a:t>
+            </a:r>
+            <a:r>
+              <a:rPr lang="hu-HU" dirty="0"/>
+              <a:t> </a:t>
+            </a:r>
+            <a:r>
+              <a:rPr lang="hu-HU" dirty="0" err="1"/>
+              <a:t>the</a:t>
+            </a:r>
+            <a:r>
+              <a:rPr lang="hu-HU" dirty="0"/>
+              <a:t> </a:t>
+            </a:r>
+            <a:r>
+              <a:rPr lang="hu-HU" dirty="0" err="1"/>
+              <a:t>basis</a:t>
+            </a:r>
+            <a:r>
+              <a:rPr lang="hu-HU" dirty="0"/>
+              <a:t> of firing </a:t>
+            </a:r>
+            <a:r>
+              <a:rPr lang="hu-HU" dirty="0" err="1"/>
+              <a:t>sequences</a:t>
+            </a:r>
+            <a:r>
+              <a:rPr lang="hu-HU" dirty="0"/>
+              <a:t>, </a:t>
+            </a:r>
+            <a:r>
+              <a:rPr lang="hu-HU" dirty="0" err="1"/>
+              <a:t>so</a:t>
+            </a:r>
+            <a:r>
+              <a:rPr lang="hu-HU" dirty="0"/>
+              <a:t> </a:t>
+            </a:r>
+            <a:r>
+              <a:rPr lang="hu-HU" dirty="0" err="1"/>
+              <a:t>these</a:t>
+            </a:r>
+            <a:r>
+              <a:rPr lang="hu-HU" dirty="0"/>
+              <a:t> firing </a:t>
+            </a:r>
+            <a:r>
+              <a:rPr lang="hu-HU" dirty="0" err="1"/>
+              <a:t>sequences</a:t>
+            </a:r>
+            <a:r>
+              <a:rPr lang="hu-HU" dirty="0"/>
+              <a:t> </a:t>
+            </a:r>
+            <a:r>
+              <a:rPr lang="hu-HU" dirty="0" err="1"/>
+              <a:t>can</a:t>
+            </a:r>
+            <a:r>
+              <a:rPr lang="hu-HU" dirty="0"/>
+              <a:t> be </a:t>
+            </a:r>
+            <a:r>
+              <a:rPr lang="hu-HU" dirty="0" err="1"/>
+              <a:t>executed</a:t>
+            </a:r>
+            <a:r>
+              <a:rPr lang="hu-HU" dirty="0"/>
+              <a:t> </a:t>
+            </a:r>
+            <a:r>
+              <a:rPr lang="hu-HU" dirty="0" err="1"/>
+              <a:t>on</a:t>
+            </a:r>
+            <a:r>
+              <a:rPr lang="hu-HU" dirty="0"/>
+              <a:t> </a:t>
+            </a:r>
+            <a:r>
+              <a:rPr lang="hu-HU" dirty="0" err="1"/>
+              <a:t>the</a:t>
+            </a:r>
+            <a:r>
+              <a:rPr lang="hu-HU" dirty="0"/>
+              <a:t> </a:t>
+            </a:r>
+            <a:r>
+              <a:rPr lang="hu-HU" dirty="0" err="1"/>
+              <a:t>generated</a:t>
+            </a:r>
+            <a:r>
+              <a:rPr lang="hu-HU" dirty="0"/>
+              <a:t> </a:t>
+            </a:r>
+            <a:r>
+              <a:rPr lang="hu-HU" dirty="0" err="1"/>
+              <a:t>source</a:t>
+            </a:r>
+            <a:r>
+              <a:rPr lang="hu-HU" dirty="0"/>
+              <a:t> </a:t>
+            </a:r>
+            <a:r>
+              <a:rPr lang="hu-HU" dirty="0" err="1"/>
+              <a:t>code</a:t>
+            </a:r>
+            <a:r>
+              <a:rPr lang="hu-HU" dirty="0"/>
+              <a:t> </a:t>
+            </a:r>
+            <a:r>
+              <a:rPr lang="hu-HU" dirty="0" err="1"/>
+              <a:t>as</a:t>
+            </a:r>
+            <a:r>
+              <a:rPr lang="hu-HU" dirty="0"/>
+              <a:t> </a:t>
+            </a:r>
+            <a:r>
+              <a:rPr lang="hu-HU" dirty="0" err="1"/>
+              <a:t>well</a:t>
+            </a:r>
+            <a:r>
+              <a:rPr lang="hu-HU" dirty="0"/>
+              <a:t>. </a:t>
+            </a:r>
+            <a:r>
+              <a:rPr lang="hu-HU" dirty="0" err="1"/>
+              <a:t>Thus</a:t>
+            </a:r>
+            <a:r>
+              <a:rPr lang="hu-HU" dirty="0"/>
+              <a:t>, </a:t>
+            </a:r>
+            <a:r>
+              <a:rPr lang="hu-HU" dirty="0" err="1"/>
+              <a:t>conformancy</a:t>
+            </a:r>
+            <a:r>
+              <a:rPr lang="hu-HU" dirty="0"/>
+              <a:t> </a:t>
+            </a:r>
+            <a:r>
+              <a:rPr lang="hu-HU" dirty="0" err="1"/>
+              <a:t>can</a:t>
+            </a:r>
+            <a:r>
+              <a:rPr lang="hu-HU" dirty="0"/>
+              <a:t> be </a:t>
+            </a:r>
+            <a:r>
+              <a:rPr lang="hu-HU" dirty="0" err="1"/>
+              <a:t>checked</a:t>
+            </a:r>
+            <a:r>
+              <a:rPr lang="hu-HU" dirty="0"/>
+              <a:t>, </a:t>
+            </a:r>
+            <a:r>
+              <a:rPr lang="hu-HU" dirty="0" err="1"/>
+              <a:t>that</a:t>
+            </a:r>
+            <a:r>
+              <a:rPr lang="hu-HU" dirty="0"/>
+              <a:t> is </a:t>
+            </a:r>
+            <a:r>
+              <a:rPr lang="hu-HU" dirty="0" err="1"/>
+              <a:t>the</a:t>
+            </a:r>
+            <a:r>
+              <a:rPr lang="hu-HU" dirty="0"/>
+              <a:t> </a:t>
+            </a:r>
+            <a:r>
+              <a:rPr lang="hu-HU" dirty="0" err="1"/>
+              <a:t>analysis</a:t>
+            </a:r>
+            <a:r>
+              <a:rPr lang="hu-HU" dirty="0"/>
+              <a:t> </a:t>
+            </a:r>
+            <a:r>
+              <a:rPr lang="hu-HU" dirty="0" err="1"/>
+              <a:t>model</a:t>
+            </a:r>
+            <a:r>
+              <a:rPr lang="hu-HU" dirty="0"/>
+              <a:t> and </a:t>
+            </a:r>
+            <a:r>
+              <a:rPr lang="hu-HU" dirty="0" err="1"/>
+              <a:t>the</a:t>
+            </a:r>
+            <a:r>
+              <a:rPr lang="hu-HU" dirty="0"/>
+              <a:t> </a:t>
+            </a:r>
+            <a:r>
+              <a:rPr lang="hu-HU" dirty="0" err="1"/>
+              <a:t>source</a:t>
+            </a:r>
+            <a:r>
+              <a:rPr lang="hu-HU" dirty="0"/>
+              <a:t> </a:t>
+            </a:r>
+            <a:r>
+              <a:rPr lang="hu-HU" dirty="0" err="1"/>
+              <a:t>are</a:t>
+            </a:r>
+            <a:r>
+              <a:rPr lang="hu-HU" dirty="0"/>
+              <a:t> </a:t>
+            </a:r>
+            <a:r>
+              <a:rPr lang="hu-HU" dirty="0" err="1"/>
+              <a:t>indeed</a:t>
+            </a:r>
+            <a:r>
+              <a:rPr lang="hu-HU" dirty="0"/>
+              <a:t> </a:t>
+            </a:r>
+            <a:r>
+              <a:rPr lang="hu-HU" dirty="0" err="1"/>
+              <a:t>equivalent</a:t>
+            </a:r>
+            <a:r>
+              <a:rPr lang="hu-HU" dirty="0"/>
+              <a:t>.</a:t>
             </a:r>
             <a:endParaRPr lang="en-US" dirty="0"/>
           </a:p>
@@ -5633,19 +8427,141 @@
           <a:lstStyle/>
           <a:p>
             <a:r>
-              <a:rPr lang="hu-HU" dirty="0"/>
-              <a:t>Ezen a fólián láthatók a felhasznált technológiák. A Gamma </a:t>
-            </a:r>
-            <a:r>
-              <a:rPr lang="hu-HU" dirty="0" err="1"/>
-              <a:t>eclipse</a:t>
-            </a:r>
-            <a:r>
-              <a:rPr lang="hu-HU" dirty="0"/>
-              <a:t>-es és java-s technológiákat használ, illetve modellellenőrzésre az UPPAAL-t.</a:t>
-            </a:r>
-          </a:p>
-          <a:p>
+              <a:rPr lang="hu-HU" dirty="0" err="1"/>
+              <a:t>This</a:t>
+            </a:r>
+            <a:r>
+              <a:rPr lang="hu-HU" dirty="0"/>
+              <a:t> </a:t>
+            </a:r>
+            <a:r>
+              <a:rPr lang="hu-HU" dirty="0" err="1"/>
+              <a:t>figure</a:t>
+            </a:r>
+            <a:r>
+              <a:rPr lang="hu-HU" dirty="0"/>
+              <a:t> </a:t>
+            </a:r>
+            <a:r>
+              <a:rPr lang="hu-HU" dirty="0" err="1"/>
+              <a:t>depicts</a:t>
+            </a:r>
+            <a:r>
+              <a:rPr lang="hu-HU" dirty="0"/>
+              <a:t> </a:t>
+            </a:r>
+            <a:r>
+              <a:rPr lang="hu-HU" dirty="0" err="1"/>
+              <a:t>the</a:t>
+            </a:r>
+            <a:r>
+              <a:rPr lang="hu-HU" dirty="0"/>
+              <a:t> </a:t>
+            </a:r>
+            <a:r>
+              <a:rPr lang="hu-HU" dirty="0" err="1"/>
+              <a:t>technologies</a:t>
+            </a:r>
+            <a:r>
+              <a:rPr lang="hu-HU" dirty="0"/>
+              <a:t> </a:t>
+            </a:r>
+            <a:r>
+              <a:rPr lang="hu-HU" dirty="0" err="1"/>
+              <a:t>used</a:t>
+            </a:r>
+            <a:r>
+              <a:rPr lang="hu-HU" dirty="0"/>
+              <a:t> </a:t>
+            </a:r>
+            <a:r>
+              <a:rPr lang="hu-HU" dirty="0" err="1"/>
+              <a:t>by</a:t>
+            </a:r>
+            <a:r>
+              <a:rPr lang="hu-HU" dirty="0"/>
+              <a:t> </a:t>
+            </a:r>
+            <a:r>
+              <a:rPr lang="hu-HU" dirty="0" err="1"/>
+              <a:t>the</a:t>
+            </a:r>
+            <a:r>
+              <a:rPr lang="hu-HU" dirty="0"/>
+              <a:t> Gamma </a:t>
+            </a:r>
+            <a:r>
+              <a:rPr lang="hu-HU" dirty="0" err="1"/>
+              <a:t>framework</a:t>
+            </a:r>
+            <a:r>
+              <a:rPr lang="hu-HU" dirty="0"/>
+              <a:t>. Gamma </a:t>
+            </a:r>
+            <a:r>
+              <a:rPr lang="hu-HU" dirty="0" err="1"/>
+              <a:t>uses</a:t>
+            </a:r>
+            <a:r>
+              <a:rPr lang="hu-HU" dirty="0"/>
+              <a:t> </a:t>
+            </a:r>
+            <a:r>
+              <a:rPr lang="hu-HU" dirty="0" err="1"/>
+              <a:t>Eclipse</a:t>
+            </a:r>
+            <a:r>
+              <a:rPr lang="hu-HU" dirty="0"/>
+              <a:t> and Java </a:t>
+            </a:r>
+            <a:r>
+              <a:rPr lang="hu-HU" dirty="0" err="1"/>
+              <a:t>technologies</a:t>
+            </a:r>
+            <a:r>
+              <a:rPr lang="hu-HU" dirty="0"/>
+              <a:t>. </a:t>
+            </a:r>
+            <a:r>
+              <a:rPr lang="hu-HU" dirty="0" err="1"/>
+              <a:t>Additionally</a:t>
+            </a:r>
+            <a:r>
+              <a:rPr lang="hu-HU" dirty="0"/>
+              <a:t>, </a:t>
+            </a:r>
+            <a:r>
+              <a:rPr lang="hu-HU" dirty="0" err="1"/>
+              <a:t>it</a:t>
+            </a:r>
+            <a:r>
+              <a:rPr lang="hu-HU" dirty="0"/>
+              <a:t> </a:t>
+            </a:r>
+            <a:r>
+              <a:rPr lang="hu-HU" dirty="0" err="1"/>
+              <a:t>uses</a:t>
+            </a:r>
+            <a:r>
+              <a:rPr lang="hu-HU" dirty="0"/>
+              <a:t> UPPAAL </a:t>
+            </a:r>
+            <a:r>
+              <a:rPr lang="hu-HU" dirty="0" err="1"/>
+              <a:t>for</a:t>
+            </a:r>
+            <a:r>
+              <a:rPr lang="hu-HU" dirty="0"/>
+              <a:t> </a:t>
+            </a:r>
+            <a:r>
+              <a:rPr lang="hu-HU" dirty="0" err="1"/>
+              <a:t>model-checking</a:t>
+            </a:r>
+            <a:r>
+              <a:rPr lang="hu-HU" dirty="0"/>
+              <a:t>.</a:t>
+            </a:r>
             <a:endParaRPr lang="en-US" dirty="0"/>
           </a:p>
         </p:txBody>
@@ -5732,67 +8648,416 @@
           <a:p>
             <a:r>
               <a:rPr lang="hu-HU" dirty="0"/>
-              <a:t>Összefoglalva az eredményeimet. A TDK dolgozat keretein belül kiterjesztettem a Gamma keretrendszert, amely komponens alapú reaktív rendszerek fejlesztését támogatja.</a:t>
+              <a:t>In </a:t>
+            </a:r>
+            <a:r>
+              <a:rPr lang="hu-HU" dirty="0" err="1"/>
+              <a:t>conclusion</a:t>
+            </a:r>
+            <a:r>
+              <a:rPr lang="hu-HU" dirty="0"/>
+              <a:t>, Gamma is </a:t>
+            </a:r>
+            <a:r>
+              <a:rPr lang="hu-HU" dirty="0" err="1"/>
+              <a:t>modeling</a:t>
+            </a:r>
+            <a:r>
+              <a:rPr lang="hu-HU" dirty="0"/>
+              <a:t> </a:t>
+            </a:r>
+            <a:r>
+              <a:rPr lang="hu-HU" dirty="0" err="1"/>
+              <a:t>framework</a:t>
+            </a:r>
+            <a:r>
+              <a:rPr lang="hu-HU" dirty="0"/>
+              <a:t> </a:t>
+            </a:r>
+            <a:r>
+              <a:rPr lang="hu-HU" dirty="0" err="1"/>
+              <a:t>that</a:t>
+            </a:r>
+            <a:r>
+              <a:rPr lang="hu-HU" dirty="0"/>
+              <a:t> </a:t>
+            </a:r>
+            <a:r>
+              <a:rPr lang="hu-HU" dirty="0" err="1"/>
+              <a:t>supports</a:t>
+            </a:r>
+            <a:r>
+              <a:rPr lang="hu-HU" dirty="0"/>
+              <a:t> </a:t>
+            </a:r>
+            <a:r>
+              <a:rPr lang="hu-HU" dirty="0" err="1"/>
+              <a:t>the</a:t>
+            </a:r>
+            <a:r>
+              <a:rPr lang="hu-HU" dirty="0"/>
+              <a:t> design of </a:t>
+            </a:r>
+            <a:r>
+              <a:rPr lang="hu-HU" dirty="0" err="1"/>
+              <a:t>reactive</a:t>
+            </a:r>
+            <a:r>
+              <a:rPr lang="hu-HU" dirty="0"/>
+              <a:t> </a:t>
+            </a:r>
+            <a:r>
+              <a:rPr lang="hu-HU" dirty="0" err="1"/>
+              <a:t>systems</a:t>
+            </a:r>
+            <a:r>
+              <a:rPr lang="hu-HU" dirty="0"/>
+              <a:t>, </a:t>
+            </a:r>
+            <a:r>
+              <a:rPr lang="hu-HU" dirty="0" err="1"/>
+              <a:t>supports</a:t>
+            </a:r>
+            <a:r>
+              <a:rPr lang="hu-HU" dirty="0"/>
+              <a:t> </a:t>
+            </a:r>
+            <a:r>
+              <a:rPr lang="hu-HU" dirty="0" err="1"/>
+              <a:t>code</a:t>
+            </a:r>
+            <a:r>
+              <a:rPr lang="hu-HU" dirty="0"/>
+              <a:t> </a:t>
+            </a:r>
+            <a:r>
+              <a:rPr lang="hu-HU" dirty="0" err="1"/>
+              <a:t>generation</a:t>
+            </a:r>
+            <a:r>
+              <a:rPr lang="hu-HU" dirty="0"/>
+              <a:t>, </a:t>
+            </a:r>
+            <a:r>
+              <a:rPr lang="hu-HU" dirty="0" err="1"/>
+              <a:t>validation</a:t>
+            </a:r>
+            <a:r>
+              <a:rPr lang="hu-HU" dirty="0"/>
+              <a:t> and </a:t>
+            </a:r>
+            <a:r>
+              <a:rPr lang="hu-HU" dirty="0" err="1"/>
+              <a:t>formal</a:t>
+            </a:r>
+            <a:r>
+              <a:rPr lang="hu-HU" dirty="0"/>
+              <a:t> </a:t>
+            </a:r>
+            <a:r>
+              <a:rPr lang="hu-HU" dirty="0" err="1"/>
+              <a:t>verification</a:t>
+            </a:r>
+            <a:r>
+              <a:rPr lang="hu-HU" dirty="0"/>
+              <a:t> </a:t>
+            </a:r>
+            <a:r>
+              <a:rPr lang="hu-HU" dirty="0" err="1"/>
+              <a:t>functionalities</a:t>
+            </a:r>
+            <a:r>
+              <a:rPr lang="hu-HU" dirty="0"/>
+              <a:t>.</a:t>
             </a:r>
           </a:p>
           <a:p>
             <a:r>
               <a:rPr lang="hu-HU" dirty="0"/>
-              <a:t>Fő eredményem a kompozíciós nyelv kibővítése aszinkron, szinkron és kaszkád kompozíció szerint.</a:t>
+              <a:t>The main </a:t>
+            </a:r>
+            <a:r>
+              <a:rPr lang="hu-HU" dirty="0" err="1"/>
+              <a:t>topic</a:t>
+            </a:r>
+            <a:r>
+              <a:rPr lang="hu-HU" dirty="0"/>
+              <a:t> of </a:t>
+            </a:r>
+            <a:r>
+              <a:rPr lang="hu-HU" dirty="0" err="1"/>
+              <a:t>this</a:t>
+            </a:r>
+            <a:r>
+              <a:rPr lang="hu-HU" dirty="0"/>
+              <a:t> </a:t>
+            </a:r>
+            <a:r>
+              <a:rPr lang="hu-HU" dirty="0" err="1"/>
+              <a:t>presentation</a:t>
+            </a:r>
+            <a:r>
+              <a:rPr lang="hu-HU" dirty="0"/>
+              <a:t> </a:t>
+            </a:r>
+            <a:r>
+              <a:rPr lang="hu-HU" dirty="0" err="1"/>
+              <a:t>was</a:t>
+            </a:r>
+            <a:r>
+              <a:rPr lang="hu-HU" dirty="0"/>
+              <a:t> </a:t>
+            </a:r>
+            <a:r>
+              <a:rPr lang="hu-HU" dirty="0" err="1"/>
+              <a:t>the</a:t>
+            </a:r>
+            <a:r>
+              <a:rPr lang="hu-HU" dirty="0"/>
+              <a:t> Gamma </a:t>
+            </a:r>
+            <a:r>
+              <a:rPr lang="hu-HU" dirty="0" err="1"/>
+              <a:t>Composition</a:t>
+            </a:r>
+            <a:r>
+              <a:rPr lang="hu-HU" dirty="0"/>
+              <a:t> </a:t>
+            </a:r>
+            <a:r>
+              <a:rPr lang="hu-HU" dirty="0" err="1"/>
+              <a:t>Language</a:t>
+            </a:r>
+            <a:r>
+              <a:rPr lang="hu-HU" dirty="0"/>
+              <a:t>, </a:t>
+            </a:r>
+            <a:r>
+              <a:rPr lang="hu-HU" dirty="0" err="1"/>
+              <a:t>which</a:t>
+            </a:r>
+            <a:r>
+              <a:rPr lang="hu-HU" dirty="0"/>
+              <a:t> has </a:t>
+            </a:r>
+            <a:r>
+              <a:rPr lang="hu-HU" dirty="0" err="1"/>
+              <a:t>been</a:t>
+            </a:r>
+            <a:r>
+              <a:rPr lang="hu-HU" dirty="0"/>
+              <a:t> </a:t>
+            </a:r>
+            <a:r>
+              <a:rPr lang="hu-HU" dirty="0" err="1"/>
+              <a:t>extended</a:t>
+            </a:r>
+            <a:r>
+              <a:rPr lang="hu-HU" dirty="0"/>
+              <a:t> </a:t>
+            </a:r>
+            <a:r>
+              <a:rPr lang="hu-HU" dirty="0" err="1"/>
+              <a:t>with</a:t>
+            </a:r>
+            <a:r>
+              <a:rPr lang="hu-HU" dirty="0"/>
+              <a:t> </a:t>
+            </a:r>
+            <a:r>
+              <a:rPr lang="hu-HU" dirty="0" err="1"/>
+              <a:t>three</a:t>
+            </a:r>
+            <a:r>
+              <a:rPr lang="hu-HU" dirty="0"/>
+              <a:t> </a:t>
+            </a:r>
+            <a:r>
+              <a:rPr lang="hu-HU" dirty="0" err="1"/>
+              <a:t>formal</a:t>
+            </a:r>
+            <a:r>
+              <a:rPr lang="hu-HU" dirty="0"/>
+              <a:t> </a:t>
+            </a:r>
+            <a:r>
+              <a:rPr lang="hu-HU" dirty="0" err="1"/>
+              <a:t>semantics</a:t>
+            </a:r>
+            <a:r>
+              <a:rPr lang="hu-HU" dirty="0"/>
+              <a:t>: </a:t>
+            </a:r>
+            <a:r>
+              <a:rPr lang="hu-HU" dirty="0" err="1"/>
+              <a:t>asynchronous</a:t>
+            </a:r>
+            <a:r>
+              <a:rPr lang="hu-HU" dirty="0"/>
+              <a:t> </a:t>
+            </a:r>
+            <a:r>
+              <a:rPr lang="hu-HU" dirty="0" err="1"/>
+              <a:t>semantics</a:t>
+            </a:r>
+            <a:r>
+              <a:rPr lang="hu-HU" dirty="0"/>
+              <a:t> </a:t>
+            </a:r>
+            <a:r>
+              <a:rPr lang="hu-HU" dirty="0" err="1"/>
+              <a:t>for</a:t>
+            </a:r>
+            <a:r>
+              <a:rPr lang="hu-HU" dirty="0"/>
+              <a:t> </a:t>
+            </a:r>
+            <a:r>
+              <a:rPr lang="hu-HU" dirty="0" err="1"/>
+              <a:t>the</a:t>
+            </a:r>
+            <a:r>
+              <a:rPr lang="hu-HU" dirty="0"/>
+              <a:t> </a:t>
+            </a:r>
+            <a:r>
+              <a:rPr lang="hu-HU" dirty="0" err="1"/>
+              <a:t>modeling</a:t>
+            </a:r>
+            <a:r>
+              <a:rPr lang="hu-HU" dirty="0"/>
+              <a:t> of </a:t>
+            </a:r>
+            <a:r>
+              <a:rPr lang="hu-HU" dirty="0" err="1"/>
+              <a:t>independent</a:t>
+            </a:r>
+            <a:r>
+              <a:rPr lang="hu-HU" dirty="0"/>
+              <a:t> </a:t>
+            </a:r>
+            <a:r>
+              <a:rPr lang="hu-HU" dirty="0" err="1"/>
+              <a:t>processes</a:t>
+            </a:r>
+            <a:r>
+              <a:rPr lang="hu-HU" dirty="0"/>
+              <a:t>, </a:t>
+            </a:r>
+            <a:r>
+              <a:rPr lang="hu-HU" dirty="0" err="1"/>
+              <a:t>synchronous</a:t>
+            </a:r>
+            <a:r>
+              <a:rPr lang="hu-HU" dirty="0"/>
+              <a:t> </a:t>
+            </a:r>
+            <a:r>
+              <a:rPr lang="hu-HU" dirty="0" err="1"/>
+              <a:t>semantics</a:t>
+            </a:r>
+            <a:r>
+              <a:rPr lang="hu-HU" dirty="0"/>
+              <a:t> </a:t>
+            </a:r>
+            <a:r>
+              <a:rPr lang="hu-HU" dirty="0" err="1"/>
+              <a:t>for</a:t>
+            </a:r>
+            <a:r>
+              <a:rPr lang="hu-HU" dirty="0"/>
+              <a:t> </a:t>
+            </a:r>
+            <a:r>
+              <a:rPr lang="hu-HU" dirty="0" err="1"/>
+              <a:t>the</a:t>
+            </a:r>
+            <a:r>
+              <a:rPr lang="hu-HU" dirty="0"/>
+              <a:t> </a:t>
+            </a:r>
+            <a:r>
+              <a:rPr lang="hu-HU" dirty="0" err="1"/>
+              <a:t>modeling</a:t>
+            </a:r>
+            <a:r>
+              <a:rPr lang="hu-HU" dirty="0"/>
+              <a:t> of a </a:t>
+            </a:r>
+            <a:r>
+              <a:rPr lang="hu-HU" dirty="0" err="1"/>
+              <a:t>composite</a:t>
+            </a:r>
+            <a:r>
+              <a:rPr lang="hu-HU" dirty="0"/>
+              <a:t> </a:t>
+            </a:r>
+            <a:r>
+              <a:rPr lang="hu-HU" dirty="0" err="1"/>
+              <a:t>but</a:t>
+            </a:r>
+            <a:r>
+              <a:rPr lang="hu-HU" dirty="0"/>
+              <a:t> </a:t>
+            </a:r>
+            <a:r>
+              <a:rPr lang="hu-HU" dirty="0" err="1"/>
+              <a:t>coherent</a:t>
+            </a:r>
+            <a:r>
+              <a:rPr lang="hu-HU" dirty="0"/>
+              <a:t> unit and </a:t>
+            </a:r>
+            <a:r>
+              <a:rPr lang="hu-HU" dirty="0" err="1"/>
+              <a:t>cascade</a:t>
+            </a:r>
+            <a:r>
+              <a:rPr lang="hu-HU" dirty="0"/>
+              <a:t> </a:t>
+            </a:r>
+            <a:r>
+              <a:rPr lang="hu-HU" dirty="0" err="1"/>
+              <a:t>semantics</a:t>
+            </a:r>
+            <a:r>
+              <a:rPr lang="hu-HU" dirty="0"/>
+              <a:t> </a:t>
+            </a:r>
+            <a:r>
+              <a:rPr lang="hu-HU" dirty="0" err="1"/>
+              <a:t>for</a:t>
+            </a:r>
+            <a:r>
+              <a:rPr lang="hu-HU" dirty="0"/>
+              <a:t> a </a:t>
+            </a:r>
+            <a:r>
+              <a:rPr lang="hu-HU" dirty="0" err="1"/>
+              <a:t>sequential</a:t>
+            </a:r>
+            <a:r>
+              <a:rPr lang="hu-HU" dirty="0"/>
+              <a:t>, </a:t>
+            </a:r>
+            <a:r>
+              <a:rPr lang="hu-HU" dirty="0" err="1"/>
+              <a:t>pipeline</a:t>
+            </a:r>
+            <a:r>
+              <a:rPr lang="hu-HU" dirty="0"/>
+              <a:t>-like </a:t>
+            </a:r>
+            <a:r>
+              <a:rPr lang="hu-HU" dirty="0" err="1"/>
+              <a:t>behavior</a:t>
+            </a:r>
+            <a:r>
+              <a:rPr lang="hu-HU" dirty="0"/>
+              <a:t>.</a:t>
             </a:r>
           </a:p>
           <a:p>
-            <a:r>
-              <a:rPr lang="hu-HU" dirty="0"/>
-              <a:t>Továbbá megterveztem a kódgenerátort, amely az előbb említett kompozíciós modellekből képes, illetve lesz képes forráskódot generálni.</a:t>
-            </a:r>
-          </a:p>
-          <a:p>
-            <a:r>
-              <a:rPr lang="hu-HU" dirty="0"/>
-              <a:t>További eredményem, hogy a modellellenőrzést elrejtettem a felhasználó elöl egy grafikus felület létrehozásával, amely segít a követelmények formalizálásában, illetve a tüzelési </a:t>
-            </a:r>
-            <a:r>
-              <a:rPr lang="hu-HU" dirty="0" err="1"/>
-              <a:t>szekvenciék</a:t>
-            </a:r>
-            <a:r>
-              <a:rPr lang="hu-HU" dirty="0"/>
-              <a:t> visszavetítését is automatizáltam.</a:t>
-            </a:r>
-          </a:p>
-          <a:p>
-            <a:endParaRPr lang="hu-HU" dirty="0"/>
-          </a:p>
-          <a:p>
-            <a:r>
-              <a:rPr lang="hu-HU" dirty="0"/>
-              <a:t>A Gamma </a:t>
-            </a:r>
-            <a:r>
-              <a:rPr lang="hu-HU" dirty="0" err="1"/>
-              <a:t>jelelenlegi</a:t>
-            </a:r>
-            <a:r>
-              <a:rPr lang="hu-HU" dirty="0"/>
-              <a:t> </a:t>
-            </a:r>
-            <a:r>
-              <a:rPr lang="hu-HU" dirty="0" err="1"/>
-              <a:t>veziója</a:t>
-            </a:r>
-            <a:r>
-              <a:rPr lang="hu-HU" dirty="0"/>
-              <a:t> és egy </a:t>
-            </a:r>
-            <a:r>
-              <a:rPr lang="hu-HU" dirty="0" err="1"/>
-              <a:t>tutorial</a:t>
-            </a:r>
-            <a:r>
-              <a:rPr lang="hu-HU" dirty="0"/>
-              <a:t>…</a:t>
-            </a:r>
             <a:endParaRPr lang="en-US" dirty="0"/>
           </a:p>
         </p:txBody>
@@ -5878,82 +9143,433 @@
           <a:lstStyle/>
           <a:p>
             <a:r>
-              <a:rPr lang="hu-HU" dirty="0"/>
-              <a:t>Milyen jövőbeli terveink vannak?</a:t>
-            </a:r>
-            <a:br>
-              <a:rPr lang="hu-HU" dirty="0"/>
-            </a:br>
-            <a:r>
-              <a:rPr lang="hu-HU" dirty="0"/>
-              <a:t>A kódgenerátor implementálása aszinkron kompozícióra jelenleg is zajlik.</a:t>
+              <a:rPr lang="hu-HU" dirty="0" err="1"/>
+              <a:t>What</a:t>
+            </a:r>
+            <a:r>
+              <a:rPr lang="hu-HU" dirty="0"/>
+              <a:t> </a:t>
+            </a:r>
+            <a:r>
+              <a:rPr lang="hu-HU" dirty="0" err="1"/>
+              <a:t>plans</a:t>
+            </a:r>
+            <a:r>
+              <a:rPr lang="hu-HU" dirty="0"/>
+              <a:t> </a:t>
+            </a:r>
+            <a:r>
+              <a:rPr lang="hu-HU" dirty="0" err="1"/>
+              <a:t>do</a:t>
+            </a:r>
+            <a:r>
+              <a:rPr lang="hu-HU" dirty="0"/>
+              <a:t> </a:t>
+            </a:r>
+            <a:r>
+              <a:rPr lang="hu-HU" dirty="0" err="1"/>
+              <a:t>have</a:t>
+            </a:r>
+            <a:r>
+              <a:rPr lang="hu-HU" dirty="0"/>
+              <a:t> </a:t>
+            </a:r>
+            <a:r>
+              <a:rPr lang="hu-HU" dirty="0" err="1"/>
+              <a:t>regarding</a:t>
+            </a:r>
+            <a:r>
+              <a:rPr lang="hu-HU" dirty="0"/>
+              <a:t> </a:t>
+            </a:r>
+            <a:r>
+              <a:rPr lang="hu-HU" dirty="0" err="1"/>
+              <a:t>the</a:t>
+            </a:r>
+            <a:r>
+              <a:rPr lang="hu-HU" dirty="0"/>
+              <a:t> Gamma </a:t>
+            </a:r>
+            <a:r>
+              <a:rPr lang="hu-HU" dirty="0" err="1"/>
+              <a:t>framework</a:t>
+            </a:r>
+            <a:r>
+              <a:rPr lang="hu-HU" dirty="0"/>
+              <a:t>?</a:t>
             </a:r>
           </a:p>
           <a:p>
             <a:r>
-              <a:rPr lang="hu-HU" dirty="0"/>
-              <a:t>Továbbá, szeretnénk a modellellenőrzést lehetővé tenni az aszinkron kompozícióra is, ez a terület jelenleg is kutatás alatt áll.</a:t>
+              <a:rPr lang="hu-HU" dirty="0" err="1"/>
+              <a:t>Currently</a:t>
+            </a:r>
+            <a:r>
+              <a:rPr lang="hu-HU" dirty="0"/>
+              <a:t>, </a:t>
+            </a:r>
+            <a:r>
+              <a:rPr lang="hu-HU" dirty="0" err="1"/>
+              <a:t>we</a:t>
+            </a:r>
+            <a:r>
+              <a:rPr lang="hu-HU" dirty="0"/>
+              <a:t> </a:t>
+            </a:r>
+            <a:r>
+              <a:rPr lang="hu-HU" dirty="0" err="1"/>
+              <a:t>are</a:t>
+            </a:r>
+            <a:r>
+              <a:rPr lang="hu-HU" dirty="0"/>
+              <a:t> </a:t>
+            </a:r>
+            <a:r>
+              <a:rPr lang="hu-HU" dirty="0" err="1"/>
+              <a:t>implementing</a:t>
+            </a:r>
+            <a:r>
+              <a:rPr lang="hu-HU" dirty="0"/>
+              <a:t> </a:t>
+            </a:r>
+            <a:r>
+              <a:rPr lang="hu-HU" dirty="0" err="1"/>
+              <a:t>the</a:t>
+            </a:r>
+            <a:r>
+              <a:rPr lang="hu-HU" dirty="0"/>
+              <a:t> </a:t>
+            </a:r>
+            <a:r>
+              <a:rPr lang="hu-HU" dirty="0" err="1"/>
+              <a:t>asynchronous</a:t>
+            </a:r>
+            <a:r>
+              <a:rPr lang="hu-HU" dirty="0"/>
+              <a:t> part of </a:t>
+            </a:r>
+            <a:r>
+              <a:rPr lang="hu-HU" dirty="0" err="1"/>
+              <a:t>the</a:t>
+            </a:r>
+            <a:r>
+              <a:rPr lang="hu-HU" dirty="0"/>
+              <a:t> </a:t>
+            </a:r>
+            <a:r>
+              <a:rPr lang="hu-HU" dirty="0" err="1"/>
+              <a:t>code</a:t>
+            </a:r>
+            <a:r>
+              <a:rPr lang="hu-HU" dirty="0"/>
+              <a:t> </a:t>
+            </a:r>
+            <a:r>
+              <a:rPr lang="hu-HU" dirty="0" err="1"/>
+              <a:t>generator</a:t>
+            </a:r>
+            <a:r>
+              <a:rPr lang="hu-HU" dirty="0"/>
+              <a:t>. Moreover, </a:t>
+            </a:r>
+            <a:r>
+              <a:rPr lang="hu-HU" dirty="0" err="1"/>
+              <a:t>we</a:t>
+            </a:r>
+            <a:r>
+              <a:rPr lang="hu-HU" dirty="0"/>
+              <a:t> </a:t>
+            </a:r>
+            <a:r>
+              <a:rPr lang="hu-HU" dirty="0" err="1"/>
+              <a:t>would</a:t>
+            </a:r>
+            <a:r>
+              <a:rPr lang="hu-HU" dirty="0"/>
+              <a:t> like </a:t>
+            </a:r>
+            <a:r>
+              <a:rPr lang="hu-HU" dirty="0" err="1"/>
+              <a:t>to</a:t>
+            </a:r>
+            <a:r>
+              <a:rPr lang="hu-HU" dirty="0"/>
+              <a:t> </a:t>
+            </a:r>
+            <a:r>
+              <a:rPr lang="hu-HU" dirty="0" err="1"/>
+              <a:t>extend</a:t>
+            </a:r>
+            <a:r>
+              <a:rPr lang="hu-HU" dirty="0"/>
+              <a:t> </a:t>
+            </a:r>
+            <a:r>
+              <a:rPr lang="hu-HU" dirty="0" err="1"/>
+              <a:t>the</a:t>
+            </a:r>
+            <a:r>
+              <a:rPr lang="hu-HU" dirty="0"/>
+              <a:t> </a:t>
+            </a:r>
+            <a:r>
+              <a:rPr lang="hu-HU" dirty="0" err="1"/>
+              <a:t>model-checking</a:t>
+            </a:r>
+            <a:r>
+              <a:rPr lang="hu-HU" dirty="0"/>
+              <a:t> </a:t>
+            </a:r>
+            <a:r>
+              <a:rPr lang="hu-HU" dirty="0" err="1"/>
+              <a:t>functionality</a:t>
+            </a:r>
+            <a:r>
+              <a:rPr lang="hu-HU" dirty="0"/>
+              <a:t> </a:t>
+            </a:r>
+            <a:r>
+              <a:rPr lang="hu-HU" dirty="0" err="1"/>
+              <a:t>to</a:t>
+            </a:r>
+            <a:r>
+              <a:rPr lang="hu-HU" dirty="0"/>
+              <a:t> </a:t>
+            </a:r>
+            <a:r>
+              <a:rPr lang="hu-HU" dirty="0" err="1"/>
+              <a:t>asynchronous</a:t>
+            </a:r>
+            <a:r>
+              <a:rPr lang="hu-HU" dirty="0"/>
+              <a:t> </a:t>
+            </a:r>
+            <a:r>
+              <a:rPr lang="hu-HU" dirty="0" err="1"/>
+              <a:t>models</a:t>
+            </a:r>
+            <a:r>
+              <a:rPr lang="hu-HU" dirty="0"/>
+              <a:t>, </a:t>
+            </a:r>
+            <a:r>
+              <a:rPr lang="hu-HU" dirty="0" err="1"/>
+              <a:t>this</a:t>
+            </a:r>
+            <a:r>
+              <a:rPr lang="hu-HU" dirty="0"/>
+              <a:t> </a:t>
+            </a:r>
+            <a:r>
+              <a:rPr lang="hu-HU" dirty="0" err="1"/>
+              <a:t>area</a:t>
+            </a:r>
+            <a:r>
+              <a:rPr lang="hu-HU" dirty="0"/>
+              <a:t> is </a:t>
+            </a:r>
+            <a:r>
+              <a:rPr lang="hu-HU" dirty="0" err="1"/>
+              <a:t>currently</a:t>
+            </a:r>
+            <a:r>
+              <a:rPr lang="hu-HU" dirty="0"/>
+              <a:t> </a:t>
+            </a:r>
+            <a:r>
+              <a:rPr lang="hu-HU" dirty="0" err="1"/>
+              <a:t>under</a:t>
+            </a:r>
+            <a:r>
+              <a:rPr lang="hu-HU" dirty="0"/>
+              <a:t> </a:t>
+            </a:r>
+            <a:r>
+              <a:rPr lang="hu-HU" dirty="0" err="1"/>
+              <a:t>research</a:t>
+            </a:r>
+            <a:r>
+              <a:rPr lang="hu-HU" dirty="0"/>
+              <a:t>. </a:t>
             </a:r>
           </a:p>
           <a:p>
             <a:r>
-              <a:rPr lang="hu-HU" dirty="0"/>
-              <a:t>Távolabbi terveink között szerepel további nyelvek, pl. C++ támogatása, illetve további mérnöki és analízis eszközök keretrendszerhez integrálása.</a:t>
-            </a:r>
-          </a:p>
-          <a:p>
-            <a:endParaRPr lang="hu-HU" dirty="0"/>
-          </a:p>
-          <a:p>
-            <a:pPr marL="0" marR="0" lvl="0" indent="0" algn="l" defTabSz="914400" rtl="0" eaLnBrk="1" fontAlgn="auto" latinLnBrk="0" hangingPunct="1">
-              <a:lnSpc>
-                <a:spcPct val="100000"/>
-              </a:lnSpc>
-              <a:spcBef>
-                <a:spcPts val="0"/>
-              </a:spcBef>
-              <a:spcAft>
-                <a:spcPts val="0"/>
-              </a:spcAft>
-              <a:buClrTx/>
-              <a:buSzTx/>
-              <a:buFontTx/>
-              <a:buNone/>
-              <a:tabLst/>
-              <a:defRPr/>
-            </a:pPr>
-            <a:r>
-              <a:rPr lang="hu-HU" dirty="0"/>
-              <a:t>A Gamma </a:t>
-            </a:r>
-            <a:r>
-              <a:rPr lang="hu-HU" dirty="0" err="1"/>
-              <a:t>jelelenlegi</a:t>
-            </a:r>
-            <a:r>
-              <a:rPr lang="hu-HU" dirty="0"/>
-              <a:t> </a:t>
-            </a:r>
-            <a:r>
-              <a:rPr lang="hu-HU" dirty="0" err="1"/>
-              <a:t>veziója</a:t>
-            </a:r>
-            <a:r>
-              <a:rPr lang="hu-HU" dirty="0"/>
-              <a:t> és egy </a:t>
-            </a:r>
-            <a:r>
-              <a:rPr lang="hu-HU" dirty="0" err="1"/>
-              <a:t>tutorial</a:t>
-            </a:r>
-            <a:r>
-              <a:rPr lang="hu-HU" dirty="0"/>
-              <a:t>…</a:t>
-            </a:r>
-            <a:endParaRPr lang="en-US" dirty="0"/>
-          </a:p>
-          <a:p>
-            <a:endParaRPr lang="en-US" dirty="0"/>
+              <a:rPr lang="hu-HU" dirty="0" err="1"/>
+              <a:t>Additionally</a:t>
+            </a:r>
+            <a:r>
+              <a:rPr lang="hu-HU" dirty="0"/>
+              <a:t>, </a:t>
+            </a:r>
+            <a:r>
+              <a:rPr lang="hu-HU" dirty="0" err="1"/>
+              <a:t>we</a:t>
+            </a:r>
+            <a:r>
+              <a:rPr lang="hu-HU" dirty="0"/>
+              <a:t> </a:t>
+            </a:r>
+            <a:r>
+              <a:rPr lang="hu-HU" dirty="0" err="1"/>
+              <a:t>plan</a:t>
+            </a:r>
+            <a:r>
+              <a:rPr lang="hu-HU" dirty="0"/>
+              <a:t> </a:t>
+            </a:r>
+            <a:r>
+              <a:rPr lang="hu-HU" dirty="0" err="1"/>
+              <a:t>to</a:t>
+            </a:r>
+            <a:r>
+              <a:rPr lang="hu-HU" dirty="0"/>
+              <a:t> </a:t>
+            </a:r>
+            <a:r>
+              <a:rPr lang="hu-HU" dirty="0" err="1"/>
+              <a:t>support</a:t>
+            </a:r>
+            <a:r>
+              <a:rPr lang="hu-HU" dirty="0"/>
+              <a:t> </a:t>
+            </a:r>
+            <a:r>
+              <a:rPr lang="hu-HU" dirty="0" err="1"/>
+              <a:t>additional</a:t>
+            </a:r>
+            <a:r>
+              <a:rPr lang="hu-HU" dirty="0"/>
+              <a:t> </a:t>
+            </a:r>
+            <a:r>
+              <a:rPr lang="hu-HU" dirty="0" err="1"/>
+              <a:t>programming</a:t>
+            </a:r>
+            <a:r>
+              <a:rPr lang="hu-HU" dirty="0"/>
+              <a:t> </a:t>
+            </a:r>
+            <a:r>
+              <a:rPr lang="hu-HU" dirty="0" err="1"/>
+              <a:t>languages</a:t>
+            </a:r>
+            <a:r>
+              <a:rPr lang="hu-HU" dirty="0"/>
+              <a:t>, </a:t>
+            </a:r>
+            <a:r>
+              <a:rPr lang="hu-HU" dirty="0" err="1"/>
+              <a:t>such</a:t>
+            </a:r>
+            <a:r>
+              <a:rPr lang="hu-HU" dirty="0"/>
+              <a:t> </a:t>
+            </a:r>
+            <a:r>
+              <a:rPr lang="hu-HU" dirty="0" err="1"/>
+              <a:t>as</a:t>
+            </a:r>
+            <a:r>
+              <a:rPr lang="hu-HU" dirty="0"/>
+              <a:t> C++ </a:t>
+            </a:r>
+            <a:r>
+              <a:rPr lang="hu-HU" dirty="0" err="1"/>
+              <a:t>with</a:t>
+            </a:r>
+            <a:r>
+              <a:rPr lang="hu-HU" dirty="0"/>
+              <a:t> </a:t>
+            </a:r>
+            <a:r>
+              <a:rPr lang="hu-HU" dirty="0" err="1"/>
+              <a:t>the</a:t>
+            </a:r>
+            <a:r>
+              <a:rPr lang="hu-HU" dirty="0"/>
+              <a:t> </a:t>
+            </a:r>
+            <a:r>
+              <a:rPr lang="hu-HU" dirty="0" err="1"/>
+              <a:t>code</a:t>
+            </a:r>
+            <a:r>
+              <a:rPr lang="hu-HU" dirty="0"/>
+              <a:t> </a:t>
+            </a:r>
+            <a:r>
+              <a:rPr lang="hu-HU" dirty="0" err="1"/>
+              <a:t>generator</a:t>
+            </a:r>
+            <a:r>
+              <a:rPr lang="hu-HU" dirty="0"/>
+              <a:t>, and </a:t>
+            </a:r>
+            <a:r>
+              <a:rPr lang="hu-HU" dirty="0" err="1"/>
+              <a:t>plan</a:t>
+            </a:r>
+            <a:r>
+              <a:rPr lang="hu-HU" dirty="0"/>
+              <a:t> </a:t>
+            </a:r>
+            <a:r>
+              <a:rPr lang="hu-HU" dirty="0" err="1"/>
+              <a:t>to</a:t>
+            </a:r>
+            <a:r>
+              <a:rPr lang="hu-HU" dirty="0"/>
+              <a:t> </a:t>
+            </a:r>
+            <a:r>
+              <a:rPr lang="hu-HU" dirty="0" err="1"/>
+              <a:t>integrate</a:t>
+            </a:r>
+            <a:r>
+              <a:rPr lang="hu-HU" dirty="0"/>
+              <a:t> </a:t>
+            </a:r>
+            <a:r>
+              <a:rPr lang="hu-HU" dirty="0" err="1"/>
+              <a:t>additional</a:t>
+            </a:r>
+            <a:r>
+              <a:rPr lang="hu-HU" dirty="0"/>
+              <a:t> </a:t>
+            </a:r>
+            <a:r>
+              <a:rPr lang="hu-HU" dirty="0" err="1"/>
+              <a:t>engineering</a:t>
+            </a:r>
+            <a:r>
+              <a:rPr lang="hu-HU" dirty="0"/>
+              <a:t> and </a:t>
+            </a:r>
+            <a:r>
+              <a:rPr lang="hu-HU" dirty="0" err="1"/>
+              <a:t>analysis</a:t>
+            </a:r>
+            <a:r>
+              <a:rPr lang="hu-HU" dirty="0"/>
+              <a:t> </a:t>
+            </a:r>
+            <a:r>
+              <a:rPr lang="hu-HU" dirty="0" err="1"/>
+              <a:t>languages</a:t>
+            </a:r>
+            <a:r>
+              <a:rPr lang="hu-HU" dirty="0"/>
+              <a:t> </a:t>
+            </a:r>
+            <a:r>
+              <a:rPr lang="hu-HU" dirty="0" err="1"/>
+              <a:t>to</a:t>
+            </a:r>
+            <a:r>
+              <a:rPr lang="hu-HU" dirty="0"/>
+              <a:t> Gamma.</a:t>
+            </a:r>
           </a:p>
         </p:txBody>
       </p:sp>
@@ -6039,7 +9655,15 @@
           <a:p>
             <a:r>
               <a:rPr lang="hu-HU" dirty="0"/>
-              <a:t>A Gamma működő verziója és hozzá egy </a:t>
+              <a:t>A </a:t>
+            </a:r>
+            <a:r>
+              <a:rPr lang="hu-HU" dirty="0" err="1"/>
+              <a:t>working</a:t>
+            </a:r>
+            <a:r>
+              <a:rPr lang="hu-HU" dirty="0"/>
+              <a:t> version of Gamma and a </a:t>
             </a:r>
             <a:r>
               <a:rPr lang="hu-HU" dirty="0" err="1"/>
@@ -6047,9 +9671,93 @@
             </a:r>
             <a:r>
               <a:rPr lang="hu-HU" dirty="0"/>
-              <a:t> megtalálható a fenti linken!</a:t>
-            </a:r>
-            <a:endParaRPr lang="en-US" dirty="0"/>
+              <a:t> </a:t>
+            </a:r>
+            <a:r>
+              <a:rPr lang="hu-HU" dirty="0" err="1"/>
+              <a:t>can</a:t>
+            </a:r>
+            <a:r>
+              <a:rPr lang="hu-HU" dirty="0"/>
+              <a:t> be </a:t>
+            </a:r>
+            <a:r>
+              <a:rPr lang="hu-HU" dirty="0" err="1"/>
+              <a:t>found</a:t>
+            </a:r>
+            <a:r>
+              <a:rPr lang="hu-HU" dirty="0"/>
+              <a:t> </a:t>
+            </a:r>
+            <a:r>
+              <a:rPr lang="hu-HU" dirty="0" err="1"/>
+              <a:t>under</a:t>
+            </a:r>
+            <a:r>
+              <a:rPr lang="hu-HU" dirty="0"/>
+              <a:t> </a:t>
+            </a:r>
+            <a:r>
+              <a:rPr lang="hu-HU" dirty="0" err="1"/>
+              <a:t>the</a:t>
+            </a:r>
+            <a:r>
+              <a:rPr lang="hu-HU" dirty="0"/>
+              <a:t> </a:t>
+            </a:r>
+            <a:r>
+              <a:rPr lang="hu-HU" dirty="0" err="1"/>
+              <a:t>above</a:t>
+            </a:r>
+            <a:r>
+              <a:rPr lang="hu-HU" dirty="0"/>
+              <a:t> link.</a:t>
+            </a:r>
+          </a:p>
+          <a:p>
+            <a:endParaRPr lang="hu-HU" dirty="0"/>
+          </a:p>
+          <a:p>
+            <a:r>
+              <a:rPr lang="hu-HU" dirty="0" err="1"/>
+              <a:t>Thank</a:t>
+            </a:r>
+            <a:r>
+              <a:rPr lang="hu-HU" dirty="0"/>
+              <a:t> </a:t>
+            </a:r>
+            <a:r>
+              <a:rPr lang="hu-HU" dirty="0" err="1"/>
+              <a:t>you</a:t>
+            </a:r>
+            <a:r>
+              <a:rPr lang="hu-HU" dirty="0"/>
+              <a:t> </a:t>
+            </a:r>
+            <a:r>
+              <a:rPr lang="hu-HU" dirty="0" err="1"/>
+              <a:t>for</a:t>
+            </a:r>
+            <a:r>
+              <a:rPr lang="hu-HU" dirty="0"/>
+              <a:t> </a:t>
+            </a:r>
+            <a:r>
+              <a:rPr lang="hu-HU" dirty="0" err="1"/>
+              <a:t>your</a:t>
+            </a:r>
+            <a:r>
+              <a:rPr lang="hu-HU" dirty="0"/>
+              <a:t> </a:t>
+            </a:r>
+            <a:r>
+              <a:rPr lang="hu-HU" dirty="0" err="1"/>
+              <a:t>attention</a:t>
+            </a:r>
+            <a:r>
+              <a:rPr lang="hu-HU" dirty="0"/>
+              <a:t>!</a:t>
+            </a:r>
           </a:p>
         </p:txBody>
       </p:sp>
@@ -37297,6 +41005,14 @@
             </a:r>
             <a:r>
               <a:rPr lang="hu-HU" sz="2400" dirty="0"/>
+              <a:t> </a:t>
+            </a:r>
+            <a:r>
+              <a:rPr lang="hu-HU" sz="2400" dirty="0" err="1"/>
+              <a:t>language</a:t>
+            </a:r>
+            <a:r>
+              <a:rPr lang="hu-HU" sz="2400" dirty="0"/>
               <a:t>: </a:t>
             </a:r>
             <a:r>
@@ -37310,6 +41026,14 @@
             <a:r>
               <a:rPr lang="hu-HU" sz="2400" dirty="0" err="1"/>
               <a:t>Analysis</a:t>
+            </a:r>
+            <a:r>
+              <a:rPr lang="hu-HU" sz="2400" dirty="0"/>
+              <a:t> </a:t>
+            </a:r>
+            <a:r>
+              <a:rPr lang="hu-HU" sz="2400" dirty="0" err="1"/>
+              <a:t>language</a:t>
             </a:r>
             <a:r>
               <a:rPr lang="hu-HU" sz="2400" dirty="0"/>

--- a/presentation/gb_mv_gamma.pptx
+++ b/presentation/gb_mv_gamma.pptx
@@ -6,7 +6,7 @@
     <p:sldMasterId id="2147483656" r:id="rId2"/>
   </p:sldMasterIdLst>
   <p:notesMasterIdLst>
-    <p:notesMasterId r:id="rId30"/>
+    <p:notesMasterId r:id="rId29"/>
   </p:notesMasterIdLst>
   <p:sldIdLst>
     <p:sldId id="265" r:id="rId3"/>
@@ -32,10 +32,9 @@
     <p:sldId id="293" r:id="rId23"/>
     <p:sldId id="294" r:id="rId24"/>
     <p:sldId id="295" r:id="rId25"/>
-    <p:sldId id="279" r:id="rId26"/>
-    <p:sldId id="308" r:id="rId27"/>
-    <p:sldId id="298" r:id="rId28"/>
-    <p:sldId id="297" r:id="rId29"/>
+    <p:sldId id="308" r:id="rId26"/>
+    <p:sldId id="298" r:id="rId27"/>
+    <p:sldId id="297" r:id="rId28"/>
   </p:sldIdLst>
   <p:sldSz cx="9144000" cy="6858000" type="screen4x3"/>
   <p:notesSz cx="6858000" cy="9144000"/>
@@ -1765,46 +1764,6 @@
             </a:r>
             <a:r>
               <a:rPr lang="hu-HU" dirty="0"/>
-              <a:t>, </a:t>
-            </a:r>
-            <a:r>
-              <a:rPr lang="hu-HU" dirty="0" err="1"/>
-              <a:t>as</a:t>
-            </a:r>
-            <a:r>
-              <a:rPr lang="hu-HU" dirty="0"/>
-              <a:t> </a:t>
-            </a:r>
-            <a:r>
-              <a:rPr lang="hu-HU" dirty="0" err="1"/>
-              <a:t>presented</a:t>
-            </a:r>
-            <a:r>
-              <a:rPr lang="hu-HU" dirty="0"/>
-              <a:t> </a:t>
-            </a:r>
-            <a:r>
-              <a:rPr lang="hu-HU" dirty="0" err="1"/>
-              <a:t>by</a:t>
-            </a:r>
-            <a:r>
-              <a:rPr lang="hu-HU" dirty="0"/>
-              <a:t> </a:t>
-            </a:r>
-            <a:r>
-              <a:rPr lang="hu-HU" dirty="0" err="1"/>
-              <a:t>the</a:t>
-            </a:r>
-            <a:r>
-              <a:rPr lang="hu-HU" dirty="0"/>
-              <a:t> </a:t>
-            </a:r>
-            <a:r>
-              <a:rPr lang="hu-HU" dirty="0" err="1"/>
-              <a:t>animation</a:t>
-            </a:r>
-            <a:r>
-              <a:rPr lang="hu-HU" dirty="0"/>
               <a:t>.</a:t>
             </a:r>
           </a:p>
@@ -3085,18 +3044,42 @@
             </a:r>
             <a:r>
               <a:rPr lang="hu-HU" dirty="0"/>
+              <a:t>, („ANIMATION”)  </a:t>
+            </a:r>
+            <a:r>
+              <a:rPr lang="hu-HU" dirty="0" err="1"/>
+              <a:t>which</a:t>
+            </a:r>
+            <a:r>
+              <a:rPr lang="hu-HU" dirty="0"/>
+              <a:t> </a:t>
+            </a:r>
+            <a:r>
+              <a:rPr lang="hu-HU" dirty="0" err="1"/>
+              <a:t>are</a:t>
+            </a:r>
+            <a:r>
+              <a:rPr lang="hu-HU" dirty="0"/>
+              <a:t> </a:t>
+            </a:r>
+            <a:r>
+              <a:rPr lang="hu-HU" dirty="0" err="1"/>
+              <a:t>synchronous</a:t>
+            </a:r>
+            <a:r>
+              <a:rPr lang="hu-HU" dirty="0"/>
+              <a:t> </a:t>
+            </a:r>
+            <a:r>
+              <a:rPr lang="hu-HU" dirty="0" err="1"/>
+              <a:t>components</a:t>
+            </a:r>
+            <a:r>
+              <a:rPr lang="hu-HU" dirty="0"/>
               <a:t>, </a:t>
             </a:r>
             <a:r>
               <a:rPr lang="hu-HU" dirty="0" err="1"/>
-              <a:t>which</a:t>
-            </a:r>
-            <a:r>
-              <a:rPr lang="hu-HU" dirty="0"/>
-              <a:t> </a:t>
-            </a:r>
-            <a:r>
-              <a:rPr lang="hu-HU" dirty="0" err="1"/>
               <a:t>are</a:t>
             </a:r>
             <a:r>
@@ -3105,10 +3088,114 @@
             </a:r>
             <a:r>
               <a:rPr lang="hu-HU" dirty="0" err="1"/>
+              <a:t>the</a:t>
+            </a:r>
+            <a:r>
+              <a:rPr lang="hu-HU" dirty="0"/>
+              <a:t> </a:t>
+            </a:r>
+            <a:r>
+              <a:rPr lang="hu-HU" dirty="0" err="1"/>
+              <a:t>atomic</a:t>
+            </a:r>
+            <a:r>
+              <a:rPr lang="hu-HU" dirty="0"/>
+              <a:t> </a:t>
+            </a:r>
+            <a:r>
+              <a:rPr lang="hu-HU" dirty="0" err="1"/>
+              <a:t>elements</a:t>
+            </a:r>
+            <a:r>
+              <a:rPr lang="hu-HU" dirty="0"/>
+              <a:t> in </a:t>
+            </a:r>
+            <a:r>
+              <a:rPr lang="hu-HU" dirty="0" err="1"/>
+              <a:t>the</a:t>
+            </a:r>
+            <a:r>
+              <a:rPr lang="hu-HU" dirty="0"/>
+              <a:t> </a:t>
+            </a:r>
+            <a:r>
+              <a:rPr lang="hu-HU" dirty="0" err="1"/>
+              <a:t>composite</a:t>
+            </a:r>
+            <a:r>
+              <a:rPr lang="hu-HU" dirty="0"/>
+              <a:t> </a:t>
+            </a:r>
+            <a:r>
+              <a:rPr lang="hu-HU" dirty="0" err="1"/>
+              <a:t>models</a:t>
+            </a:r>
+            <a:r>
+              <a:rPr lang="hu-HU" dirty="0"/>
+              <a:t>. </a:t>
+            </a:r>
+            <a:r>
+              <a:rPr lang="hu-HU" dirty="0" err="1"/>
+              <a:t>Such</a:t>
+            </a:r>
+            <a:r>
+              <a:rPr lang="hu-HU" dirty="0"/>
+              <a:t> </a:t>
+            </a:r>
+            <a:r>
+              <a:rPr lang="hu-HU" dirty="0" err="1"/>
+              <a:t>statecharts</a:t>
+            </a:r>
+            <a:r>
+              <a:rPr lang="hu-HU" dirty="0"/>
+              <a:t> </a:t>
+            </a:r>
+            <a:r>
+              <a:rPr lang="hu-HU" dirty="0" err="1"/>
+              <a:t>can</a:t>
+            </a:r>
+            <a:r>
+              <a:rPr lang="hu-HU" dirty="0"/>
+              <a:t> be </a:t>
+            </a:r>
+            <a:r>
+              <a:rPr lang="hu-HU" dirty="0" err="1"/>
+              <a:t>contained</a:t>
+            </a:r>
+            <a:r>
+              <a:rPr lang="hu-HU" dirty="0"/>
+              <a:t> </a:t>
+            </a:r>
+            <a:r>
+              <a:rPr lang="hu-HU" dirty="0" err="1"/>
+              <a:t>by</a:t>
+            </a:r>
+            <a:r>
+              <a:rPr lang="hu-HU" dirty="0"/>
+              <a:t> </a:t>
+            </a:r>
+            <a:r>
+              <a:rPr lang="hu-HU" dirty="0" err="1"/>
               <a:t>synchronous</a:t>
             </a:r>
             <a:r>
               <a:rPr lang="hu-HU" dirty="0"/>
+              <a:t> and </a:t>
+            </a:r>
+            <a:r>
+              <a:rPr lang="hu-HU" dirty="0" err="1"/>
+              <a:t>cascade</a:t>
+            </a:r>
+            <a:r>
+              <a:rPr lang="hu-HU" dirty="0"/>
+              <a:t> </a:t>
+            </a:r>
+            <a:r>
+              <a:rPr lang="hu-HU" dirty="0" err="1"/>
+              <a:t>composite</a:t>
+            </a:r>
+            <a:r>
+              <a:rPr lang="hu-HU" dirty="0"/>
               <a:t> </a:t>
             </a:r>
             <a:r>
@@ -3117,43 +3204,243 @@
             </a:r>
             <a:r>
               <a:rPr lang="hu-HU" dirty="0"/>
+              <a:t>  </a:t>
+            </a:r>
+            <a:r>
+              <a:rPr lang="hu-HU" dirty="0" err="1"/>
+              <a:t>or</a:t>
+            </a:r>
+            <a:r>
+              <a:rPr lang="hu-HU" dirty="0"/>
+              <a:t> </a:t>
+            </a:r>
+            <a:r>
+              <a:rPr lang="hu-HU" dirty="0" err="1"/>
+              <a:t>can</a:t>
+            </a:r>
+            <a:r>
+              <a:rPr lang="hu-HU" dirty="0"/>
+              <a:t> be </a:t>
+            </a:r>
+            <a:r>
+              <a:rPr lang="hu-HU" dirty="0" err="1"/>
+              <a:t>wrapped</a:t>
+            </a:r>
+            <a:r>
+              <a:rPr lang="hu-HU" dirty="0"/>
+              <a:t> </a:t>
+            </a:r>
+            <a:r>
+              <a:rPr lang="hu-HU" dirty="0" err="1"/>
+              <a:t>directly</a:t>
+            </a:r>
+            <a:r>
+              <a:rPr lang="hu-HU" dirty="0"/>
+              <a:t> </a:t>
+            </a:r>
+            <a:r>
+              <a:rPr lang="hu-HU" dirty="0" err="1"/>
+              <a:t>by</a:t>
+            </a:r>
+            <a:r>
+              <a:rPr lang="hu-HU" dirty="0"/>
+              <a:t> </a:t>
+            </a:r>
+            <a:r>
+              <a:rPr lang="hu-HU" dirty="0" err="1"/>
+              <a:t>synchronous</a:t>
+            </a:r>
+            <a:r>
+              <a:rPr lang="hu-HU" dirty="0"/>
+              <a:t> </a:t>
+            </a:r>
+            <a:r>
+              <a:rPr lang="hu-HU" dirty="0" err="1"/>
+              <a:t>wrappers</a:t>
+            </a:r>
+            <a:r>
+              <a:rPr lang="hu-HU" dirty="0"/>
+              <a:t>. </a:t>
+            </a:r>
+            <a:r>
+              <a:rPr lang="hu-HU" dirty="0" err="1"/>
+              <a:t>Synchronous</a:t>
+            </a:r>
+            <a:r>
+              <a:rPr lang="hu-HU" dirty="0"/>
+              <a:t> and </a:t>
+            </a:r>
+            <a:r>
+              <a:rPr lang="hu-HU" dirty="0" err="1"/>
+              <a:t>cascade</a:t>
+            </a:r>
+            <a:r>
+              <a:rPr lang="hu-HU" dirty="0"/>
+              <a:t> </a:t>
+            </a:r>
+            <a:r>
+              <a:rPr lang="hu-HU" dirty="0" err="1"/>
+              <a:t>components</a:t>
+            </a:r>
+            <a:r>
+              <a:rPr lang="hu-HU" dirty="0"/>
+              <a:t> („ANIMATION”)  </a:t>
+            </a:r>
+            <a:r>
+              <a:rPr lang="hu-HU" dirty="0" err="1"/>
+              <a:t>consist</a:t>
+            </a:r>
+            <a:r>
+              <a:rPr lang="hu-HU" dirty="0"/>
+              <a:t> of </a:t>
+            </a:r>
+            <a:r>
+              <a:rPr lang="hu-HU" dirty="0" err="1"/>
+              <a:t>other</a:t>
+            </a:r>
+            <a:r>
+              <a:rPr lang="hu-HU" dirty="0"/>
+              <a:t> </a:t>
+            </a:r>
+            <a:r>
+              <a:rPr lang="hu-HU" dirty="0" err="1"/>
+              <a:t>synchronous</a:t>
+            </a:r>
+            <a:r>
+              <a:rPr lang="hu-HU" dirty="0"/>
+              <a:t> </a:t>
+            </a:r>
+            <a:r>
+              <a:rPr lang="hu-HU" dirty="0" err="1"/>
+              <a:t>components</a:t>
+            </a:r>
+            <a:r>
+              <a:rPr lang="hu-HU" dirty="0"/>
+              <a:t>. </a:t>
+            </a:r>
+            <a:r>
+              <a:rPr lang="hu-HU" dirty="0" err="1"/>
+              <a:t>Synchronous</a:t>
+            </a:r>
+            <a:r>
+              <a:rPr lang="hu-HU" dirty="0"/>
+              <a:t> </a:t>
+            </a:r>
+            <a:r>
+              <a:rPr lang="hu-HU" dirty="0" err="1"/>
+              <a:t>wrappers</a:t>
+            </a:r>
+            <a:r>
+              <a:rPr lang="hu-HU" dirty="0"/>
+              <a:t> („ANIMATION”)  </a:t>
+            </a:r>
+            <a:r>
+              <a:rPr lang="hu-HU" dirty="0" err="1"/>
+              <a:t>are</a:t>
+            </a:r>
+            <a:r>
+              <a:rPr lang="hu-HU" dirty="0"/>
+              <a:t> </a:t>
+            </a:r>
+            <a:r>
+              <a:rPr lang="hu-HU" dirty="0" err="1"/>
+              <a:t>asynchronous</a:t>
+            </a:r>
+            <a:r>
+              <a:rPr lang="hu-HU" dirty="0"/>
+              <a:t> </a:t>
+            </a:r>
+            <a:r>
+              <a:rPr lang="hu-HU" dirty="0" err="1"/>
+              <a:t>components</a:t>
+            </a:r>
+            <a:r>
+              <a:rPr lang="hu-HU" dirty="0"/>
+              <a:t> and </a:t>
+            </a:r>
+            <a:r>
+              <a:rPr lang="hu-HU" dirty="0" err="1"/>
+              <a:t>serve</a:t>
+            </a:r>
+            <a:r>
+              <a:rPr lang="hu-HU" dirty="0"/>
+              <a:t> </a:t>
+            </a:r>
+            <a:r>
+              <a:rPr lang="hu-HU" dirty="0" err="1"/>
+              <a:t>as</a:t>
+            </a:r>
+            <a:r>
+              <a:rPr lang="hu-HU" dirty="0"/>
+              <a:t> </a:t>
+            </a:r>
+            <a:r>
+              <a:rPr lang="hu-HU" dirty="0" err="1"/>
+              <a:t>the</a:t>
+            </a:r>
+            <a:r>
+              <a:rPr lang="hu-HU" dirty="0"/>
+              <a:t> </a:t>
+            </a:r>
+            <a:r>
+              <a:rPr lang="hu-HU" dirty="0" err="1"/>
+              <a:t>bridge</a:t>
+            </a:r>
+            <a:r>
+              <a:rPr lang="hu-HU" dirty="0"/>
+              <a:t> </a:t>
+            </a:r>
+            <a:r>
+              <a:rPr lang="hu-HU" dirty="0" err="1"/>
+              <a:t>between</a:t>
+            </a:r>
+            <a:r>
+              <a:rPr lang="hu-HU" dirty="0"/>
+              <a:t> </a:t>
+            </a:r>
+            <a:r>
+              <a:rPr lang="hu-HU" dirty="0" err="1"/>
+              <a:t>the</a:t>
+            </a:r>
+            <a:r>
+              <a:rPr lang="hu-HU" dirty="0"/>
+              <a:t> </a:t>
+            </a:r>
+            <a:r>
+              <a:rPr lang="hu-HU" dirty="0" err="1"/>
+              <a:t>synchronous</a:t>
+            </a:r>
+            <a:r>
+              <a:rPr lang="hu-HU" dirty="0"/>
+              <a:t> and </a:t>
+            </a:r>
+            <a:r>
+              <a:rPr lang="hu-HU" dirty="0" err="1"/>
+              <a:t>asynchronous</a:t>
+            </a:r>
+            <a:r>
+              <a:rPr lang="hu-HU" dirty="0"/>
+              <a:t> </a:t>
+            </a:r>
+            <a:r>
+              <a:rPr lang="hu-HU" dirty="0" err="1"/>
+              <a:t>domain</a:t>
+            </a:r>
+            <a:r>
+              <a:rPr lang="hu-HU" dirty="0"/>
+              <a:t>. </a:t>
+            </a:r>
+            <a:r>
+              <a:rPr lang="hu-HU" dirty="0" err="1"/>
+              <a:t>Finally</a:t>
+            </a:r>
+            <a:r>
+              <a:rPr lang="hu-HU" dirty="0"/>
               <a:t>, </a:t>
             </a:r>
             <a:r>
               <a:rPr lang="hu-HU" dirty="0" err="1"/>
-              <a:t>are</a:t>
-            </a:r>
-            <a:r>
-              <a:rPr lang="hu-HU" dirty="0"/>
-              <a:t> </a:t>
-            </a:r>
-            <a:r>
-              <a:rPr lang="hu-HU" dirty="0" err="1"/>
-              <a:t>the</a:t>
-            </a:r>
-            <a:r>
-              <a:rPr lang="hu-HU" dirty="0"/>
-              <a:t> </a:t>
-            </a:r>
-            <a:r>
-              <a:rPr lang="hu-HU" dirty="0" err="1"/>
-              <a:t>atomic</a:t>
-            </a:r>
-            <a:r>
-              <a:rPr lang="hu-HU" dirty="0"/>
-              <a:t> </a:t>
-            </a:r>
-            <a:r>
-              <a:rPr lang="hu-HU" dirty="0" err="1"/>
-              <a:t>elements</a:t>
-            </a:r>
-            <a:r>
-              <a:rPr lang="hu-HU" dirty="0"/>
-              <a:t> in </a:t>
-            </a:r>
-            <a:r>
-              <a:rPr lang="hu-HU" dirty="0" err="1"/>
-              <a:t>the</a:t>
+              <a:t>asynchronous</a:t>
             </a:r>
             <a:r>
               <a:rPr lang="hu-HU" dirty="0"/>
@@ -3169,27 +3456,11 @@
             </a:r>
             <a:r>
               <a:rPr lang="hu-HU" dirty="0" err="1"/>
-              <a:t>models</a:t>
-            </a:r>
-            <a:r>
-              <a:rPr lang="hu-HU" dirty="0"/>
-              <a:t>. </a:t>
-            </a:r>
-            <a:r>
-              <a:rPr lang="hu-HU" dirty="0" err="1"/>
-              <a:t>Such</a:t>
-            </a:r>
-            <a:r>
-              <a:rPr lang="hu-HU" dirty="0"/>
-              <a:t> </a:t>
-            </a:r>
-            <a:r>
-              <a:rPr lang="hu-HU" dirty="0" err="1"/>
-              <a:t>statecharts</a:t>
-            </a:r>
-            <a:r>
-              <a:rPr lang="hu-HU" dirty="0"/>
-              <a:t> </a:t>
+              <a:t>components</a:t>
+            </a:r>
+            <a:r>
+              <a:rPr lang="hu-HU" dirty="0"/>
+              <a:t> („ANIMATION”)  </a:t>
             </a:r>
             <a:r>
               <a:rPr lang="hu-HU" dirty="0" err="1"/>
@@ -3197,51 +3468,35 @@
             </a:r>
             <a:r>
               <a:rPr lang="hu-HU" dirty="0"/>
-              <a:t> </a:t>
-            </a:r>
-            <a:r>
-              <a:rPr lang="hu-HU" dirty="0" err="1"/>
-              <a:t>bec</a:t>
-            </a:r>
-            <a:r>
-              <a:rPr lang="hu-HU" dirty="0"/>
-              <a:t> </a:t>
-            </a:r>
-            <a:r>
-              <a:rPr lang="hu-HU" dirty="0" err="1"/>
-              <a:t>ontained</a:t>
-            </a:r>
-            <a:r>
-              <a:rPr lang="hu-HU" dirty="0"/>
-              <a:t> </a:t>
-            </a:r>
-            <a:r>
-              <a:rPr lang="hu-HU" dirty="0" err="1"/>
-              <a:t>by</a:t>
-            </a:r>
-            <a:r>
-              <a:rPr lang="hu-HU" dirty="0"/>
-              <a:t> </a:t>
-            </a:r>
-            <a:r>
-              <a:rPr lang="hu-HU" dirty="0" err="1"/>
-              <a:t>synchronous</a:t>
-            </a:r>
-            <a:r>
-              <a:rPr lang="hu-HU" dirty="0"/>
-              <a:t> and </a:t>
-            </a:r>
-            <a:r>
-              <a:rPr lang="hu-HU" dirty="0" err="1"/>
-              <a:t>cascade</a:t>
-            </a:r>
-            <a:r>
-              <a:rPr lang="hu-HU" dirty="0"/>
-              <a:t> </a:t>
-            </a:r>
-            <a:r>
-              <a:rPr lang="hu-HU" dirty="0" err="1"/>
-              <a:t>composite</a:t>
+              <a:t> be </a:t>
+            </a:r>
+            <a:r>
+              <a:rPr lang="hu-HU" dirty="0" err="1"/>
+              <a:t>assembled</a:t>
+            </a:r>
+            <a:r>
+              <a:rPr lang="hu-HU" dirty="0"/>
+              <a:t> </a:t>
+            </a:r>
+            <a:r>
+              <a:rPr lang="hu-HU" dirty="0" err="1"/>
+              <a:t>form</a:t>
+            </a:r>
+            <a:r>
+              <a:rPr lang="hu-HU" dirty="0"/>
+              <a:t> </a:t>
+            </a:r>
+            <a:r>
+              <a:rPr lang="hu-HU" dirty="0" err="1"/>
+              <a:t>other</a:t>
+            </a:r>
+            <a:r>
+              <a:rPr lang="hu-HU" dirty="0"/>
+              <a:t> </a:t>
+            </a:r>
+            <a:r>
+              <a:rPr lang="hu-HU" dirty="0" err="1"/>
+              <a:t>asynchronous</a:t>
             </a:r>
             <a:r>
               <a:rPr lang="hu-HU" dirty="0"/>
@@ -3250,246 +3505,6 @@
             <a:r>
               <a:rPr lang="hu-HU" dirty="0" err="1"/>
               <a:t>components</a:t>
-            </a:r>
-            <a:r>
-              <a:rPr lang="hu-HU" dirty="0"/>
-              <a:t> </a:t>
-            </a:r>
-            <a:r>
-              <a:rPr lang="hu-HU" dirty="0" err="1"/>
-              <a:t>or</a:t>
-            </a:r>
-            <a:r>
-              <a:rPr lang="hu-HU" dirty="0"/>
-              <a:t>  </a:t>
-            </a:r>
-            <a:r>
-              <a:rPr lang="hu-HU" dirty="0" err="1"/>
-              <a:t>can</a:t>
-            </a:r>
-            <a:r>
-              <a:rPr lang="hu-HU" dirty="0"/>
-              <a:t> be </a:t>
-            </a:r>
-            <a:r>
-              <a:rPr lang="hu-HU" dirty="0" err="1"/>
-              <a:t>wrapped</a:t>
-            </a:r>
-            <a:r>
-              <a:rPr lang="hu-HU" dirty="0"/>
-              <a:t> </a:t>
-            </a:r>
-            <a:r>
-              <a:rPr lang="hu-HU" dirty="0" err="1"/>
-              <a:t>directly</a:t>
-            </a:r>
-            <a:r>
-              <a:rPr lang="hu-HU" dirty="0"/>
-              <a:t> </a:t>
-            </a:r>
-            <a:r>
-              <a:rPr lang="hu-HU" dirty="0" err="1"/>
-              <a:t>by</a:t>
-            </a:r>
-            <a:r>
-              <a:rPr lang="hu-HU" dirty="0"/>
-              <a:t> </a:t>
-            </a:r>
-            <a:r>
-              <a:rPr lang="hu-HU" dirty="0" err="1"/>
-              <a:t>synchronous</a:t>
-            </a:r>
-            <a:r>
-              <a:rPr lang="hu-HU" dirty="0"/>
-              <a:t> </a:t>
-            </a:r>
-            <a:r>
-              <a:rPr lang="hu-HU" dirty="0" err="1"/>
-              <a:t>wrappers</a:t>
-            </a:r>
-            <a:r>
-              <a:rPr lang="hu-HU" dirty="0"/>
-              <a:t>. </a:t>
-            </a:r>
-            <a:r>
-              <a:rPr lang="hu-HU" dirty="0" err="1"/>
-              <a:t>Synchronous</a:t>
-            </a:r>
-            <a:r>
-              <a:rPr lang="hu-HU" dirty="0"/>
-              <a:t> </a:t>
-            </a:r>
-            <a:r>
-              <a:rPr lang="hu-HU" dirty="0" err="1"/>
-              <a:t>wrappers</a:t>
-            </a:r>
-            <a:r>
-              <a:rPr lang="hu-HU" dirty="0"/>
-              <a:t> </a:t>
-            </a:r>
-            <a:r>
-              <a:rPr lang="hu-HU" dirty="0" err="1"/>
-              <a:t>are</a:t>
-            </a:r>
-            <a:r>
-              <a:rPr lang="hu-HU" dirty="0"/>
-              <a:t> </a:t>
-            </a:r>
-            <a:r>
-              <a:rPr lang="hu-HU" dirty="0" err="1"/>
-              <a:t>asynchronous</a:t>
-            </a:r>
-            <a:r>
-              <a:rPr lang="hu-HU" dirty="0"/>
-              <a:t> </a:t>
-            </a:r>
-            <a:r>
-              <a:rPr lang="hu-HU" dirty="0" err="1"/>
-              <a:t>components</a:t>
-            </a:r>
-            <a:r>
-              <a:rPr lang="hu-HU" dirty="0"/>
-              <a:t> and </a:t>
-            </a:r>
-            <a:r>
-              <a:rPr lang="hu-HU" dirty="0" err="1"/>
-              <a:t>serve</a:t>
-            </a:r>
-            <a:r>
-              <a:rPr lang="hu-HU" dirty="0"/>
-              <a:t> </a:t>
-            </a:r>
-            <a:r>
-              <a:rPr lang="hu-HU" dirty="0" err="1"/>
-              <a:t>as</a:t>
-            </a:r>
-            <a:r>
-              <a:rPr lang="hu-HU" dirty="0"/>
-              <a:t> </a:t>
-            </a:r>
-            <a:r>
-              <a:rPr lang="hu-HU" dirty="0" err="1"/>
-              <a:t>the</a:t>
-            </a:r>
-            <a:r>
-              <a:rPr lang="hu-HU" dirty="0"/>
-              <a:t> </a:t>
-            </a:r>
-            <a:r>
-              <a:rPr lang="hu-HU" dirty="0" err="1"/>
-              <a:t>bridge</a:t>
-            </a:r>
-            <a:r>
-              <a:rPr lang="hu-HU" dirty="0"/>
-              <a:t> </a:t>
-            </a:r>
-            <a:r>
-              <a:rPr lang="hu-HU" dirty="0" err="1"/>
-              <a:t>between</a:t>
-            </a:r>
-            <a:r>
-              <a:rPr lang="hu-HU" dirty="0"/>
-              <a:t> </a:t>
-            </a:r>
-            <a:r>
-              <a:rPr lang="hu-HU" dirty="0" err="1"/>
-              <a:t>the</a:t>
-            </a:r>
-            <a:r>
-              <a:rPr lang="hu-HU" dirty="0"/>
-              <a:t> </a:t>
-            </a:r>
-            <a:r>
-              <a:rPr lang="hu-HU" dirty="0" err="1"/>
-              <a:t>synchronous</a:t>
-            </a:r>
-            <a:r>
-              <a:rPr lang="hu-HU" dirty="0"/>
-              <a:t> and </a:t>
-            </a:r>
-            <a:r>
-              <a:rPr lang="hu-HU" dirty="0" err="1"/>
-              <a:t>asynchronous</a:t>
-            </a:r>
-            <a:r>
-              <a:rPr lang="hu-HU" dirty="0"/>
-              <a:t> </a:t>
-            </a:r>
-            <a:r>
-              <a:rPr lang="hu-HU" dirty="0" err="1"/>
-              <a:t>domain</a:t>
-            </a:r>
-            <a:r>
-              <a:rPr lang="hu-HU" dirty="0"/>
-              <a:t>. </a:t>
-            </a:r>
-            <a:r>
-              <a:rPr lang="hu-HU" dirty="0" err="1"/>
-              <a:t>Finally</a:t>
-            </a:r>
-            <a:r>
-              <a:rPr lang="hu-HU" dirty="0"/>
-              <a:t>, </a:t>
-            </a:r>
-            <a:r>
-              <a:rPr lang="hu-HU" dirty="0" err="1"/>
-              <a:t>asynchronous</a:t>
-            </a:r>
-            <a:r>
-              <a:rPr lang="hu-HU" dirty="0"/>
-              <a:t> </a:t>
-            </a:r>
-            <a:r>
-              <a:rPr lang="hu-HU" dirty="0" err="1"/>
-              <a:t>composite</a:t>
-            </a:r>
-            <a:r>
-              <a:rPr lang="hu-HU" dirty="0"/>
-              <a:t> </a:t>
-            </a:r>
-            <a:r>
-              <a:rPr lang="hu-HU" dirty="0" err="1"/>
-              <a:t>components</a:t>
-            </a:r>
-            <a:r>
-              <a:rPr lang="hu-HU" dirty="0"/>
-              <a:t> </a:t>
-            </a:r>
-            <a:r>
-              <a:rPr lang="hu-HU" dirty="0" err="1"/>
-              <a:t>can</a:t>
-            </a:r>
-            <a:r>
-              <a:rPr lang="hu-HU" dirty="0"/>
-              <a:t> be </a:t>
-            </a:r>
-            <a:r>
-              <a:rPr lang="hu-HU" dirty="0" err="1"/>
-              <a:t>assembled</a:t>
-            </a:r>
-            <a:r>
-              <a:rPr lang="hu-HU" dirty="0"/>
-              <a:t> </a:t>
-            </a:r>
-            <a:r>
-              <a:rPr lang="hu-HU" dirty="0" err="1"/>
-              <a:t>form</a:t>
-            </a:r>
-            <a:r>
-              <a:rPr lang="hu-HU" dirty="0"/>
-              <a:t> </a:t>
-            </a:r>
-            <a:r>
-              <a:rPr lang="hu-HU" dirty="0" err="1"/>
-              <a:t>synchronous</a:t>
-            </a:r>
-            <a:r>
-              <a:rPr lang="hu-HU" dirty="0"/>
-              <a:t> </a:t>
-            </a:r>
-            <a:r>
-              <a:rPr lang="hu-HU" dirty="0" err="1"/>
-              <a:t>wrappers</a:t>
             </a:r>
             <a:r>
               <a:rPr lang="hu-HU" dirty="0"/>
@@ -9464,24 +9479,44 @@
           <a:lstStyle/>
           <a:p>
             <a:r>
-              <a:rPr lang="hu-HU" dirty="0" err="1"/>
-              <a:t>This</a:t>
-            </a:r>
-            <a:r>
-              <a:rPr lang="hu-HU" dirty="0"/>
-              <a:t> </a:t>
-            </a:r>
-            <a:r>
-              <a:rPr lang="hu-HU" dirty="0" err="1"/>
-              <a:t>figure</a:t>
-            </a:r>
-            <a:r>
-              <a:rPr lang="hu-HU" dirty="0"/>
-              <a:t> </a:t>
-            </a:r>
-            <a:r>
-              <a:rPr lang="hu-HU" dirty="0" err="1"/>
-              <a:t>depicts</a:t>
+              <a:rPr lang="hu-HU" dirty="0"/>
+              <a:t>In </a:t>
+            </a:r>
+            <a:r>
+              <a:rPr lang="hu-HU" dirty="0" err="1"/>
+              <a:t>conclusion</a:t>
+            </a:r>
+            <a:r>
+              <a:rPr lang="hu-HU" dirty="0"/>
+              <a:t>, Gamma is </a:t>
+            </a:r>
+            <a:r>
+              <a:rPr lang="hu-HU" dirty="0" err="1"/>
+              <a:t>modeling</a:t>
+            </a:r>
+            <a:r>
+              <a:rPr lang="hu-HU" dirty="0"/>
+              <a:t> </a:t>
+            </a:r>
+            <a:r>
+              <a:rPr lang="hu-HU" dirty="0" err="1"/>
+              <a:t>framework</a:t>
+            </a:r>
+            <a:r>
+              <a:rPr lang="hu-HU" dirty="0"/>
+              <a:t> </a:t>
+            </a:r>
+            <a:r>
+              <a:rPr lang="hu-HU" dirty="0" err="1"/>
+              <a:t>that</a:t>
+            </a:r>
+            <a:r>
+              <a:rPr lang="hu-HU" dirty="0"/>
+              <a:t> </a:t>
+            </a:r>
+            <a:r>
+              <a:rPr lang="hu-HU" dirty="0" err="1"/>
+              <a:t>supports</a:t>
             </a:r>
             <a:r>
               <a:rPr lang="hu-HU" dirty="0"/>
@@ -9493,27 +9528,27 @@
             </a:r>
             <a:r>
               <a:rPr lang="hu-HU" dirty="0"/>
-              <a:t> </a:t>
-            </a:r>
-            <a:r>
-              <a:rPr lang="hu-HU" dirty="0" err="1"/>
-              <a:t>technologies</a:t>
-            </a:r>
-            <a:r>
-              <a:rPr lang="hu-HU" dirty="0"/>
-              <a:t> </a:t>
-            </a:r>
-            <a:r>
-              <a:rPr lang="hu-HU" dirty="0" err="1"/>
-              <a:t>used</a:t>
-            </a:r>
-            <a:r>
-              <a:rPr lang="hu-HU" dirty="0"/>
-              <a:t> </a:t>
-            </a:r>
-            <a:r>
-              <a:rPr lang="hu-HU" dirty="0" err="1"/>
-              <a:t>by</a:t>
+              <a:t> design of </a:t>
+            </a:r>
+            <a:r>
+              <a:rPr lang="hu-HU" dirty="0" err="1"/>
+              <a:t>reactive</a:t>
+            </a:r>
+            <a:r>
+              <a:rPr lang="hu-HU" dirty="0"/>
+              <a:t> </a:t>
+            </a:r>
+            <a:r>
+              <a:rPr lang="hu-HU" dirty="0" err="1"/>
+              <a:t>systems</a:t>
+            </a:r>
+            <a:r>
+              <a:rPr lang="hu-HU" dirty="0"/>
+              <a:t> </a:t>
+            </a:r>
+            <a:r>
+              <a:rPr lang="hu-HU" dirty="0" err="1"/>
+              <a:t>on</a:t>
             </a:r>
             <a:r>
               <a:rPr lang="hu-HU" dirty="0"/>
@@ -9525,51 +9560,137 @@
             </a:r>
             <a:r>
               <a:rPr lang="hu-HU" dirty="0"/>
+              <a:t> </a:t>
+            </a:r>
+            <a:r>
+              <a:rPr lang="hu-HU" dirty="0" err="1"/>
+              <a:t>basis</a:t>
+            </a:r>
+            <a:r>
+              <a:rPr lang="hu-HU" dirty="0"/>
+              <a:t> of </a:t>
+            </a:r>
+            <a:r>
+              <a:rPr lang="hu-HU" dirty="0" err="1"/>
+              <a:t>statecharts</a:t>
+            </a:r>
+            <a:r>
+              <a:rPr lang="hu-HU" dirty="0"/>
+              <a:t>, </a:t>
+            </a:r>
+            <a:r>
+              <a:rPr lang="hu-HU" dirty="0" err="1"/>
+              <a:t>supports</a:t>
+            </a:r>
+            <a:r>
+              <a:rPr lang="hu-HU" dirty="0"/>
+              <a:t> </a:t>
+            </a:r>
+            <a:r>
+              <a:rPr lang="hu-HU" dirty="0" err="1"/>
+              <a:t>code</a:t>
+            </a:r>
+            <a:r>
+              <a:rPr lang="hu-HU" dirty="0"/>
+              <a:t> </a:t>
+            </a:r>
+            <a:r>
+              <a:rPr lang="hu-HU" dirty="0" err="1"/>
+              <a:t>generation</a:t>
+            </a:r>
+            <a:r>
+              <a:rPr lang="hu-HU" dirty="0"/>
+              <a:t>, </a:t>
+            </a:r>
+            <a:r>
+              <a:rPr lang="hu-HU" dirty="0" err="1"/>
+              <a:t>validation</a:t>
+            </a:r>
+            <a:r>
+              <a:rPr lang="hu-HU" dirty="0"/>
+              <a:t> and </a:t>
+            </a:r>
+            <a:r>
+              <a:rPr lang="hu-HU" dirty="0" err="1"/>
+              <a:t>formal</a:t>
+            </a:r>
+            <a:r>
+              <a:rPr lang="hu-HU" dirty="0"/>
+              <a:t> </a:t>
+            </a:r>
+            <a:r>
+              <a:rPr lang="hu-HU" dirty="0" err="1"/>
+              <a:t>verification</a:t>
+            </a:r>
+            <a:r>
+              <a:rPr lang="hu-HU" dirty="0"/>
+              <a:t> </a:t>
+            </a:r>
+            <a:r>
+              <a:rPr lang="hu-HU" dirty="0" err="1"/>
+              <a:t>functionalities</a:t>
+            </a:r>
+            <a:r>
+              <a:rPr lang="hu-HU" dirty="0"/>
+              <a:t>.</a:t>
+            </a:r>
+          </a:p>
+          <a:p>
+            <a:r>
+              <a:rPr lang="hu-HU" dirty="0"/>
+              <a:t>The main </a:t>
+            </a:r>
+            <a:r>
+              <a:rPr lang="hu-HU" dirty="0" err="1"/>
+              <a:t>topic</a:t>
+            </a:r>
+            <a:r>
+              <a:rPr lang="hu-HU" dirty="0"/>
+              <a:t> of </a:t>
+            </a:r>
+            <a:r>
+              <a:rPr lang="hu-HU" dirty="0" err="1"/>
+              <a:t>this</a:t>
+            </a:r>
+            <a:r>
+              <a:rPr lang="hu-HU" dirty="0"/>
+              <a:t> </a:t>
+            </a:r>
+            <a:r>
+              <a:rPr lang="hu-HU" dirty="0" err="1"/>
+              <a:t>presentation</a:t>
+            </a:r>
+            <a:r>
+              <a:rPr lang="hu-HU" dirty="0"/>
+              <a:t> </a:t>
+            </a:r>
+            <a:r>
+              <a:rPr lang="hu-HU" dirty="0" err="1"/>
+              <a:t>was</a:t>
+            </a:r>
+            <a:r>
+              <a:rPr lang="hu-HU" dirty="0"/>
+              <a:t> </a:t>
+            </a:r>
+            <a:r>
+              <a:rPr lang="hu-HU" dirty="0" err="1"/>
+              <a:t>the</a:t>
+            </a:r>
+            <a:r>
+              <a:rPr lang="hu-HU" dirty="0"/>
               <a:t> Gamma </a:t>
             </a:r>
             <a:r>
               <a:rPr lang="hu-HU" dirty="0" err="1"/>
-              <a:t>framework</a:t>
-            </a:r>
-            <a:r>
-              <a:rPr lang="hu-HU" dirty="0"/>
-              <a:t>. Gamma </a:t>
-            </a:r>
-            <a:r>
-              <a:rPr lang="hu-HU" dirty="0" err="1"/>
-              <a:t>uses</a:t>
-            </a:r>
-            <a:r>
-              <a:rPr lang="hu-HU" dirty="0"/>
-              <a:t> </a:t>
-            </a:r>
-            <a:r>
-              <a:rPr lang="hu-HU" dirty="0" err="1"/>
-              <a:t>Eclipse</a:t>
-            </a:r>
-            <a:r>
-              <a:rPr lang="hu-HU" dirty="0"/>
-              <a:t> and Java </a:t>
-            </a:r>
-            <a:r>
-              <a:rPr lang="hu-HU" dirty="0" err="1"/>
-              <a:t>technologies</a:t>
-            </a:r>
-            <a:r>
-              <a:rPr lang="hu-HU" dirty="0"/>
-              <a:t>. </a:t>
-            </a:r>
-            <a:r>
-              <a:rPr lang="hu-HU" dirty="0" err="1"/>
-              <a:t>For</a:t>
-            </a:r>
-            <a:r>
-              <a:rPr lang="hu-HU" dirty="0"/>
-              <a:t> </a:t>
-            </a:r>
-            <a:r>
-              <a:rPr lang="hu-HU" dirty="0" err="1"/>
-              <a:t>example</a:t>
+              <a:t>Composition</a:t>
+            </a:r>
+            <a:r>
+              <a:rPr lang="hu-HU" dirty="0"/>
+              <a:t> </a:t>
+            </a:r>
+            <a:r>
+              <a:rPr lang="hu-HU" dirty="0" err="1"/>
+              <a:t>Language</a:t>
             </a:r>
             <a:r>
               <a:rPr lang="hu-HU" dirty="0"/>
@@ -9577,6 +9698,86 @@
             </a:r>
             <a:r>
               <a:rPr lang="hu-HU" dirty="0" err="1"/>
+              <a:t>which</a:t>
+            </a:r>
+            <a:r>
+              <a:rPr lang="hu-HU" dirty="0"/>
+              <a:t> has </a:t>
+            </a:r>
+            <a:r>
+              <a:rPr lang="hu-HU" dirty="0" err="1"/>
+              <a:t>been</a:t>
+            </a:r>
+            <a:r>
+              <a:rPr lang="hu-HU" dirty="0"/>
+              <a:t> </a:t>
+            </a:r>
+            <a:r>
+              <a:rPr lang="hu-HU" dirty="0" err="1"/>
+              <a:t>extended</a:t>
+            </a:r>
+            <a:r>
+              <a:rPr lang="hu-HU" dirty="0"/>
+              <a:t> </a:t>
+            </a:r>
+            <a:r>
+              <a:rPr lang="hu-HU" dirty="0" err="1"/>
+              <a:t>with</a:t>
+            </a:r>
+            <a:r>
+              <a:rPr lang="hu-HU" dirty="0"/>
+              <a:t> </a:t>
+            </a:r>
+            <a:r>
+              <a:rPr lang="hu-HU" dirty="0" err="1"/>
+              <a:t>three</a:t>
+            </a:r>
+            <a:r>
+              <a:rPr lang="hu-HU" dirty="0"/>
+              <a:t> </a:t>
+            </a:r>
+            <a:r>
+              <a:rPr lang="hu-HU" dirty="0" err="1"/>
+              <a:t>formal</a:t>
+            </a:r>
+            <a:r>
+              <a:rPr lang="hu-HU" dirty="0"/>
+              <a:t> </a:t>
+            </a:r>
+            <a:r>
+              <a:rPr lang="hu-HU" dirty="0" err="1"/>
+              <a:t>semantics</a:t>
+            </a:r>
+            <a:r>
+              <a:rPr lang="hu-HU" dirty="0"/>
+              <a:t>: </a:t>
+            </a:r>
+            <a:r>
+              <a:rPr lang="hu-HU" dirty="0" err="1"/>
+              <a:t>asynchronous</a:t>
+            </a:r>
+            <a:r>
+              <a:rPr lang="hu-HU" dirty="0"/>
+              <a:t> </a:t>
+            </a:r>
+            <a:r>
+              <a:rPr lang="hu-HU" dirty="0" err="1"/>
+              <a:t>semantics</a:t>
+            </a:r>
+            <a:r>
+              <a:rPr lang="hu-HU" dirty="0"/>
+              <a:t> </a:t>
+            </a:r>
+            <a:r>
+              <a:rPr lang="hu-HU" dirty="0" err="1"/>
+              <a:t>for</a:t>
+            </a:r>
+            <a:r>
+              <a:rPr lang="hu-HU" dirty="0"/>
+              <a:t> </a:t>
+            </a:r>
+            <a:r>
+              <a:rPr lang="hu-HU" dirty="0" err="1"/>
               <a:t>the</a:t>
             </a:r>
             <a:r>
@@ -9585,7 +9786,7 @@
             </a:r>
             <a:r>
               <a:rPr lang="hu-HU" dirty="0" err="1"/>
-              <a:t>metamodels</a:t>
+              <a:t>modeling</a:t>
             </a:r>
             <a:r>
               <a:rPr lang="hu-HU" dirty="0"/>
@@ -9593,6 +9794,46 @@
             </a:r>
             <a:r>
               <a:rPr lang="hu-HU" dirty="0" err="1"/>
+              <a:t>independent</a:t>
+            </a:r>
+            <a:r>
+              <a:rPr lang="hu-HU" dirty="0"/>
+              <a:t> </a:t>
+            </a:r>
+            <a:r>
+              <a:rPr lang="hu-HU" dirty="0" err="1"/>
+              <a:t>processes</a:t>
+            </a:r>
+            <a:r>
+              <a:rPr lang="hu-HU" dirty="0"/>
+              <a:t>, </a:t>
+            </a:r>
+            <a:r>
+              <a:rPr lang="hu-HU" dirty="0" err="1"/>
+              <a:t>synchronous</a:t>
+            </a:r>
+            <a:r>
+              <a:rPr lang="hu-HU" dirty="0"/>
+              <a:t> </a:t>
+            </a:r>
+            <a:r>
+              <a:rPr lang="hu-HU" dirty="0" err="1"/>
+              <a:t>semantics</a:t>
+            </a:r>
+            <a:r>
+              <a:rPr lang="hu-HU" dirty="0"/>
+              <a:t> </a:t>
+            </a:r>
+            <a:r>
+              <a:rPr lang="hu-HU" dirty="0" err="1"/>
+              <a:t>for</a:t>
+            </a:r>
+            <a:r>
+              <a:rPr lang="hu-HU" dirty="0"/>
+              <a:t> </a:t>
+            </a:r>
+            <a:r>
+              <a:rPr lang="hu-HU" dirty="0" err="1"/>
               <a:t>the</a:t>
             </a:r>
             <a:r>
@@ -9601,55 +9842,39 @@
             </a:r>
             <a:r>
               <a:rPr lang="hu-HU" dirty="0" err="1"/>
-              <a:t>statechart</a:t>
-            </a:r>
-            <a:r>
-              <a:rPr lang="hu-HU" dirty="0"/>
-              <a:t> and </a:t>
-            </a:r>
-            <a:r>
-              <a:rPr lang="hu-HU" dirty="0" err="1"/>
-              <a:t>composition</a:t>
-            </a:r>
-            <a:r>
-              <a:rPr lang="hu-HU" dirty="0"/>
-              <a:t> </a:t>
-            </a:r>
-            <a:r>
-              <a:rPr lang="hu-HU" dirty="0" err="1"/>
-              <a:t>langauges</a:t>
-            </a:r>
-            <a:r>
-              <a:rPr lang="hu-HU" dirty="0"/>
-              <a:t> </a:t>
-            </a:r>
-            <a:r>
-              <a:rPr lang="hu-HU" dirty="0" err="1"/>
-              <a:t>are</a:t>
-            </a:r>
-            <a:r>
-              <a:rPr lang="hu-HU" dirty="0"/>
-              <a:t> </a:t>
-            </a:r>
-            <a:r>
-              <a:rPr lang="hu-HU" dirty="0" err="1"/>
-              <a:t>defined</a:t>
-            </a:r>
-            <a:r>
-              <a:rPr lang="hu-HU" dirty="0"/>
-              <a:t> in </a:t>
-            </a:r>
-            <a:r>
-              <a:rPr lang="hu-HU" dirty="0" err="1"/>
-              <a:t>Eclipse</a:t>
-            </a:r>
-            <a:r>
-              <a:rPr lang="hu-HU" dirty="0"/>
-              <a:t> </a:t>
-            </a:r>
-            <a:r>
-              <a:rPr lang="hu-HU" dirty="0" err="1"/>
-              <a:t>Ecore</a:t>
+              <a:t>modeling</a:t>
+            </a:r>
+            <a:r>
+              <a:rPr lang="hu-HU" dirty="0"/>
+              <a:t> of a </a:t>
+            </a:r>
+            <a:r>
+              <a:rPr lang="hu-HU" dirty="0" err="1"/>
+              <a:t>coherent</a:t>
+            </a:r>
+            <a:r>
+              <a:rPr lang="hu-HU" dirty="0"/>
+              <a:t> unit </a:t>
+            </a:r>
+            <a:r>
+              <a:rPr lang="hu-HU" dirty="0" err="1"/>
+              <a:t>consisting</a:t>
+            </a:r>
+            <a:r>
+              <a:rPr lang="hu-HU" dirty="0"/>
+              <a:t> of </a:t>
+            </a:r>
+            <a:r>
+              <a:rPr lang="hu-HU" dirty="0" err="1"/>
+              <a:t>multiple</a:t>
+            </a:r>
+            <a:r>
+              <a:rPr lang="hu-HU" dirty="0"/>
+              <a:t> </a:t>
+            </a:r>
+            <a:r>
+              <a:rPr lang="hu-HU" dirty="0" err="1"/>
+              <a:t>components</a:t>
             </a:r>
             <a:r>
               <a:rPr lang="hu-HU" dirty="0"/>
@@ -9657,59 +9882,19 @@
             </a:r>
             <a:r>
               <a:rPr lang="hu-HU" dirty="0" err="1"/>
-              <a:t>the</a:t>
-            </a:r>
-            <a:r>
-              <a:rPr lang="hu-HU" dirty="0"/>
-              <a:t> </a:t>
-            </a:r>
-            <a:r>
-              <a:rPr lang="hu-HU" dirty="0" err="1"/>
-              <a:t>textual</a:t>
-            </a:r>
-            <a:r>
-              <a:rPr lang="hu-HU" dirty="0"/>
-              <a:t> </a:t>
-            </a:r>
-            <a:r>
-              <a:rPr lang="hu-HU" dirty="0" err="1"/>
-              <a:t>syntax</a:t>
-            </a:r>
-            <a:r>
-              <a:rPr lang="hu-HU" dirty="0"/>
-              <a:t> is </a:t>
-            </a:r>
-            <a:r>
-              <a:rPr lang="hu-HU" dirty="0" err="1"/>
-              <a:t>defined</a:t>
-            </a:r>
-            <a:r>
-              <a:rPr lang="hu-HU" dirty="0"/>
-              <a:t> in </a:t>
-            </a:r>
-            <a:r>
-              <a:rPr lang="hu-HU" dirty="0" err="1"/>
-              <a:t>Xtext</a:t>
-            </a:r>
-            <a:r>
-              <a:rPr lang="hu-HU" dirty="0"/>
-              <a:t>. </a:t>
-            </a:r>
-            <a:r>
-              <a:rPr lang="hu-HU" dirty="0" err="1"/>
-              <a:t>Additionally</a:t>
-            </a:r>
-            <a:r>
-              <a:rPr lang="hu-HU" dirty="0"/>
-              <a:t>, Gamma </a:t>
-            </a:r>
-            <a:r>
-              <a:rPr lang="hu-HU" dirty="0" err="1"/>
-              <a:t>uses</a:t>
-            </a:r>
-            <a:r>
-              <a:rPr lang="hu-HU" dirty="0"/>
-              <a:t> UPPAAL </a:t>
+              <a:t>cascade</a:t>
+            </a:r>
+            <a:r>
+              <a:rPr lang="hu-HU" dirty="0"/>
+              <a:t> </a:t>
+            </a:r>
+            <a:r>
+              <a:rPr lang="hu-HU" dirty="0" err="1"/>
+              <a:t>semantics</a:t>
+            </a:r>
+            <a:r>
+              <a:rPr lang="hu-HU" dirty="0"/>
+              <a:t> </a:t>
             </a:r>
             <a:r>
               <a:rPr lang="hu-HU" dirty="0" err="1"/>
@@ -9717,16 +9902,34 @@
             </a:r>
             <a:r>
               <a:rPr lang="hu-HU" dirty="0"/>
-              <a:t> </a:t>
-            </a:r>
-            <a:r>
-              <a:rPr lang="hu-HU" dirty="0" err="1"/>
-              <a:t>model-checking</a:t>
+              <a:t> a </a:t>
+            </a:r>
+            <a:r>
+              <a:rPr lang="hu-HU" dirty="0" err="1"/>
+              <a:t>sequential</a:t>
+            </a:r>
+            <a:r>
+              <a:rPr lang="hu-HU" dirty="0"/>
+              <a:t>, </a:t>
+            </a:r>
+            <a:r>
+              <a:rPr lang="hu-HU" dirty="0" err="1"/>
+              <a:t>pipeline</a:t>
+            </a:r>
+            <a:r>
+              <a:rPr lang="hu-HU" dirty="0"/>
+              <a:t>-like </a:t>
+            </a:r>
+            <a:r>
+              <a:rPr lang="hu-HU" dirty="0" err="1"/>
+              <a:t>behavior</a:t>
             </a:r>
             <a:r>
               <a:rPr lang="hu-HU" dirty="0"/>
               <a:t>.</a:t>
             </a:r>
+          </a:p>
+          <a:p>
             <a:endParaRPr lang="en-US" dirty="0"/>
           </a:p>
         </p:txBody>
@@ -9746,7 +9949,7 @@
           <a:bodyPr/>
           <a:lstStyle/>
           <a:p>
-            <a:fld id="{66435264-9D91-435D-8C9D-6CC8B45846CB}" type="slidenum">
+            <a:fld id="{F73ECD87-3D6E-4E2D-938C-1EC7D95CEC8A}" type="slidenum">
               <a:rPr lang="en-US" smtClean="0"/>
               <a:t>24</a:t>
             </a:fld>
@@ -9757,7 +9960,7 @@
     </p:spTree>
     <p:extLst>
       <p:ext uri="{BB962C8B-B14F-4D97-AF65-F5344CB8AC3E}">
-        <p14:creationId xmlns:p14="http://schemas.microsoft.com/office/powerpoint/2010/main" val="129110861"/>
+        <p14:creationId xmlns:p14="http://schemas.microsoft.com/office/powerpoint/2010/main" val="3546852453"/>
       </p:ext>
     </p:extLst>
   </p:cSld>
@@ -9812,174 +10015,206 @@
           <a:lstStyle/>
           <a:p>
             <a:r>
-              <a:rPr lang="hu-HU" dirty="0"/>
-              <a:t>In </a:t>
-            </a:r>
-            <a:r>
-              <a:rPr lang="hu-HU" dirty="0" err="1"/>
-              <a:t>conclusion</a:t>
-            </a:r>
-            <a:r>
-              <a:rPr lang="hu-HU" dirty="0"/>
-              <a:t>, Gamma is </a:t>
-            </a:r>
-            <a:r>
-              <a:rPr lang="hu-HU" dirty="0" err="1"/>
-              <a:t>modeling</a:t>
-            </a:r>
-            <a:r>
-              <a:rPr lang="hu-HU" dirty="0"/>
-              <a:t> </a:t>
-            </a:r>
-            <a:r>
-              <a:rPr lang="hu-HU" dirty="0" err="1"/>
-              <a:t>framework</a:t>
-            </a:r>
-            <a:r>
-              <a:rPr lang="hu-HU" dirty="0"/>
-              <a:t> </a:t>
-            </a:r>
-            <a:r>
-              <a:rPr lang="hu-HU" dirty="0" err="1"/>
-              <a:t>that</a:t>
-            </a:r>
-            <a:r>
-              <a:rPr lang="hu-HU" dirty="0"/>
-              <a:t> </a:t>
-            </a:r>
-            <a:r>
-              <a:rPr lang="hu-HU" dirty="0" err="1"/>
-              <a:t>supports</a:t>
-            </a:r>
-            <a:r>
-              <a:rPr lang="hu-HU" dirty="0"/>
-              <a:t> </a:t>
-            </a:r>
-            <a:r>
-              <a:rPr lang="hu-HU" dirty="0" err="1"/>
-              <a:t>the</a:t>
-            </a:r>
-            <a:r>
-              <a:rPr lang="hu-HU" dirty="0"/>
-              <a:t> design of </a:t>
-            </a:r>
-            <a:r>
-              <a:rPr lang="hu-HU" dirty="0" err="1"/>
-              <a:t>reactive</a:t>
-            </a:r>
-            <a:r>
-              <a:rPr lang="hu-HU" dirty="0"/>
-              <a:t> </a:t>
-            </a:r>
-            <a:r>
-              <a:rPr lang="hu-HU" dirty="0" err="1"/>
-              <a:t>systems</a:t>
-            </a:r>
-            <a:r>
-              <a:rPr lang="hu-HU" dirty="0"/>
-              <a:t> </a:t>
-            </a:r>
-            <a:r>
-              <a:rPr lang="hu-HU" dirty="0" err="1"/>
-              <a:t>on</a:t>
-            </a:r>
-            <a:r>
-              <a:rPr lang="hu-HU" dirty="0"/>
-              <a:t> </a:t>
-            </a:r>
-            <a:r>
-              <a:rPr lang="hu-HU" dirty="0" err="1"/>
-              <a:t>the</a:t>
-            </a:r>
-            <a:r>
-              <a:rPr lang="hu-HU" dirty="0"/>
-              <a:t> </a:t>
-            </a:r>
-            <a:r>
-              <a:rPr lang="hu-HU" dirty="0" err="1"/>
-              <a:t>basis</a:t>
-            </a:r>
-            <a:r>
-              <a:rPr lang="hu-HU" dirty="0"/>
-              <a:t> of </a:t>
-            </a:r>
-            <a:r>
-              <a:rPr lang="hu-HU" dirty="0" err="1"/>
-              <a:t>statecharts</a:t>
-            </a:r>
-            <a:r>
-              <a:rPr lang="hu-HU" dirty="0"/>
-              <a:t>, </a:t>
-            </a:r>
-            <a:r>
-              <a:rPr lang="hu-HU" dirty="0" err="1"/>
-              <a:t>supports</a:t>
-            </a:r>
-            <a:r>
-              <a:rPr lang="hu-HU" dirty="0"/>
-              <a:t> </a:t>
-            </a:r>
-            <a:r>
-              <a:rPr lang="hu-HU" dirty="0" err="1"/>
-              <a:t>code</a:t>
-            </a:r>
-            <a:r>
-              <a:rPr lang="hu-HU" dirty="0"/>
-              <a:t> </a:t>
-            </a:r>
-            <a:r>
-              <a:rPr lang="hu-HU" dirty="0" err="1"/>
-              <a:t>generation</a:t>
-            </a:r>
-            <a:r>
-              <a:rPr lang="hu-HU" dirty="0"/>
-              <a:t>, </a:t>
-            </a:r>
-            <a:r>
-              <a:rPr lang="hu-HU" dirty="0" err="1"/>
-              <a:t>validation</a:t>
-            </a:r>
-            <a:r>
-              <a:rPr lang="hu-HU" dirty="0"/>
-              <a:t> and </a:t>
-            </a:r>
-            <a:r>
-              <a:rPr lang="hu-HU" dirty="0" err="1"/>
-              <a:t>formal</a:t>
-            </a:r>
-            <a:r>
-              <a:rPr lang="hu-HU" dirty="0"/>
-              <a:t> </a:t>
-            </a:r>
-            <a:r>
-              <a:rPr lang="hu-HU" dirty="0" err="1"/>
-              <a:t>verification</a:t>
-            </a:r>
-            <a:r>
-              <a:rPr lang="hu-HU" dirty="0"/>
-              <a:t> </a:t>
-            </a:r>
-            <a:r>
-              <a:rPr lang="hu-HU" dirty="0" err="1"/>
-              <a:t>functionalities</a:t>
-            </a:r>
-            <a:r>
-              <a:rPr lang="hu-HU" dirty="0"/>
-              <a:t>.</a:t>
+              <a:rPr lang="hu-HU" dirty="0" err="1"/>
+              <a:t>What</a:t>
+            </a:r>
+            <a:r>
+              <a:rPr lang="hu-HU" dirty="0"/>
+              <a:t> </a:t>
+            </a:r>
+            <a:r>
+              <a:rPr lang="hu-HU" dirty="0" err="1"/>
+              <a:t>future</a:t>
+            </a:r>
+            <a:r>
+              <a:rPr lang="hu-HU" dirty="0"/>
+              <a:t> </a:t>
+            </a:r>
+            <a:r>
+              <a:rPr lang="hu-HU" dirty="0" err="1"/>
+              <a:t>plans</a:t>
+            </a:r>
+            <a:r>
+              <a:rPr lang="hu-HU" dirty="0"/>
+              <a:t> </a:t>
+            </a:r>
+            <a:r>
+              <a:rPr lang="hu-HU" dirty="0" err="1"/>
+              <a:t>do</a:t>
+            </a:r>
+            <a:r>
+              <a:rPr lang="hu-HU" dirty="0"/>
+              <a:t> </a:t>
+            </a:r>
+            <a:r>
+              <a:rPr lang="hu-HU" dirty="0" err="1"/>
+              <a:t>we</a:t>
+            </a:r>
+            <a:r>
+              <a:rPr lang="hu-HU" dirty="0"/>
+              <a:t> </a:t>
+            </a:r>
+            <a:r>
+              <a:rPr lang="hu-HU" dirty="0" err="1"/>
+              <a:t>have</a:t>
+            </a:r>
+            <a:r>
+              <a:rPr lang="hu-HU" dirty="0"/>
+              <a:t>?</a:t>
             </a:r>
           </a:p>
           <a:p>
             <a:r>
-              <a:rPr lang="hu-HU" dirty="0"/>
-              <a:t>The main </a:t>
-            </a:r>
-            <a:r>
-              <a:rPr lang="hu-HU" dirty="0" err="1"/>
-              <a:t>topic</a:t>
-            </a:r>
-            <a:r>
-              <a:rPr lang="hu-HU" dirty="0"/>
-              <a:t> of </a:t>
+              <a:rPr lang="hu-HU" dirty="0" err="1"/>
+              <a:t>Currently</a:t>
+            </a:r>
+            <a:r>
+              <a:rPr lang="hu-HU" dirty="0"/>
+              <a:t>, </a:t>
+            </a:r>
+            <a:r>
+              <a:rPr lang="hu-HU" dirty="0" err="1"/>
+              <a:t>we</a:t>
+            </a:r>
+            <a:r>
+              <a:rPr lang="hu-HU" dirty="0"/>
+              <a:t> </a:t>
+            </a:r>
+            <a:r>
+              <a:rPr lang="hu-HU" dirty="0" err="1"/>
+              <a:t>are</a:t>
+            </a:r>
+            <a:r>
+              <a:rPr lang="hu-HU" dirty="0"/>
+              <a:t> </a:t>
+            </a:r>
+            <a:r>
+              <a:rPr lang="hu-HU" dirty="0" err="1"/>
+              <a:t>implementing</a:t>
+            </a:r>
+            <a:r>
+              <a:rPr lang="hu-HU" dirty="0"/>
+              <a:t> </a:t>
+            </a:r>
+            <a:r>
+              <a:rPr lang="hu-HU" dirty="0" err="1"/>
+              <a:t>the</a:t>
+            </a:r>
+            <a:r>
+              <a:rPr lang="hu-HU" dirty="0"/>
+              <a:t> </a:t>
+            </a:r>
+            <a:r>
+              <a:rPr lang="hu-HU" dirty="0" err="1"/>
+              <a:t>asynchronous</a:t>
+            </a:r>
+            <a:r>
+              <a:rPr lang="hu-HU" dirty="0"/>
+              <a:t> part of </a:t>
+            </a:r>
+            <a:r>
+              <a:rPr lang="hu-HU" dirty="0" err="1"/>
+              <a:t>the</a:t>
+            </a:r>
+            <a:r>
+              <a:rPr lang="hu-HU" dirty="0"/>
+              <a:t> </a:t>
+            </a:r>
+            <a:r>
+              <a:rPr lang="hu-HU" dirty="0" err="1"/>
+              <a:t>code</a:t>
+            </a:r>
+            <a:r>
+              <a:rPr lang="hu-HU" dirty="0"/>
+              <a:t> </a:t>
+            </a:r>
+            <a:r>
+              <a:rPr lang="hu-HU" dirty="0" err="1"/>
+              <a:t>generator</a:t>
+            </a:r>
+            <a:r>
+              <a:rPr lang="hu-HU" dirty="0"/>
+              <a:t>. Moreover, </a:t>
+            </a:r>
+            <a:r>
+              <a:rPr lang="hu-HU" dirty="0" err="1"/>
+              <a:t>we</a:t>
+            </a:r>
+            <a:r>
+              <a:rPr lang="hu-HU" dirty="0"/>
+              <a:t> </a:t>
+            </a:r>
+            <a:r>
+              <a:rPr lang="hu-HU" dirty="0" err="1"/>
+              <a:t>would</a:t>
+            </a:r>
+            <a:r>
+              <a:rPr lang="hu-HU" dirty="0"/>
+              <a:t> like </a:t>
+            </a:r>
+            <a:r>
+              <a:rPr lang="hu-HU" dirty="0" err="1"/>
+              <a:t>to</a:t>
+            </a:r>
+            <a:r>
+              <a:rPr lang="hu-HU" dirty="0"/>
+              <a:t> </a:t>
+            </a:r>
+            <a:r>
+              <a:rPr lang="hu-HU" dirty="0" err="1"/>
+              <a:t>extend</a:t>
+            </a:r>
+            <a:r>
+              <a:rPr lang="hu-HU" dirty="0"/>
+              <a:t> </a:t>
+            </a:r>
+            <a:r>
+              <a:rPr lang="hu-HU" dirty="0" err="1"/>
+              <a:t>the</a:t>
+            </a:r>
+            <a:r>
+              <a:rPr lang="hu-HU" dirty="0"/>
+              <a:t> </a:t>
+            </a:r>
+            <a:r>
+              <a:rPr lang="hu-HU" dirty="0" err="1"/>
+              <a:t>model-checking</a:t>
+            </a:r>
+            <a:r>
+              <a:rPr lang="hu-HU" dirty="0"/>
+              <a:t> </a:t>
+            </a:r>
+            <a:r>
+              <a:rPr lang="hu-HU" dirty="0" err="1"/>
+              <a:t>functionality</a:t>
+            </a:r>
+            <a:r>
+              <a:rPr lang="hu-HU" dirty="0"/>
+              <a:t> </a:t>
+            </a:r>
+            <a:r>
+              <a:rPr lang="hu-HU" dirty="0" err="1"/>
+              <a:t>to</a:t>
+            </a:r>
+            <a:r>
+              <a:rPr lang="hu-HU" dirty="0"/>
+              <a:t> </a:t>
+            </a:r>
+            <a:r>
+              <a:rPr lang="hu-HU" dirty="0" err="1"/>
+              <a:t>asynchronous</a:t>
+            </a:r>
+            <a:r>
+              <a:rPr lang="hu-HU" dirty="0"/>
+              <a:t> </a:t>
+            </a:r>
+            <a:r>
+              <a:rPr lang="hu-HU" dirty="0" err="1"/>
+              <a:t>models</a:t>
+            </a:r>
+            <a:r>
+              <a:rPr lang="hu-HU" dirty="0"/>
+              <a:t>, </a:t>
             </a:r>
             <a:r>
               <a:rPr lang="hu-HU" dirty="0" err="1"/>
@@ -9991,279 +10226,214 @@
             </a:r>
             <a:r>
               <a:rPr lang="hu-HU" dirty="0" err="1"/>
-              <a:t>presentation</a:t>
-            </a:r>
-            <a:r>
-              <a:rPr lang="hu-HU" dirty="0"/>
-              <a:t> </a:t>
-            </a:r>
-            <a:r>
-              <a:rPr lang="hu-HU" dirty="0" err="1"/>
-              <a:t>was</a:t>
-            </a:r>
-            <a:r>
-              <a:rPr lang="hu-HU" dirty="0"/>
-              <a:t> </a:t>
-            </a:r>
-            <a:r>
-              <a:rPr lang="hu-HU" dirty="0" err="1"/>
-              <a:t>the</a:t>
-            </a:r>
-            <a:r>
-              <a:rPr lang="hu-HU" dirty="0"/>
-              <a:t> Gamma </a:t>
-            </a:r>
-            <a:r>
-              <a:rPr lang="hu-HU" dirty="0" err="1"/>
-              <a:t>Composition</a:t>
-            </a:r>
-            <a:r>
-              <a:rPr lang="hu-HU" dirty="0"/>
-              <a:t> </a:t>
-            </a:r>
-            <a:r>
-              <a:rPr lang="hu-HU" dirty="0" err="1"/>
-              <a:t>Language</a:t>
-            </a:r>
-            <a:r>
-              <a:rPr lang="hu-HU" dirty="0"/>
-              <a:t>, </a:t>
-            </a:r>
-            <a:r>
-              <a:rPr lang="hu-HU" dirty="0" err="1"/>
-              <a:t>which</a:t>
-            </a:r>
-            <a:r>
-              <a:rPr lang="hu-HU" dirty="0"/>
-              <a:t> has </a:t>
-            </a:r>
-            <a:r>
-              <a:rPr lang="hu-HU" dirty="0" err="1"/>
-              <a:t>been</a:t>
-            </a:r>
-            <a:r>
-              <a:rPr lang="hu-HU" dirty="0"/>
-              <a:t> </a:t>
-            </a:r>
-            <a:r>
-              <a:rPr lang="hu-HU" dirty="0" err="1"/>
-              <a:t>extended</a:t>
-            </a:r>
-            <a:r>
-              <a:rPr lang="hu-HU" dirty="0"/>
-              <a:t> </a:t>
-            </a:r>
-            <a:r>
-              <a:rPr lang="hu-HU" dirty="0" err="1"/>
-              <a:t>with</a:t>
-            </a:r>
-            <a:r>
-              <a:rPr lang="hu-HU" dirty="0"/>
-              <a:t> </a:t>
-            </a:r>
-            <a:r>
-              <a:rPr lang="hu-HU" dirty="0" err="1"/>
-              <a:t>three</a:t>
-            </a:r>
-            <a:r>
-              <a:rPr lang="hu-HU" dirty="0"/>
-              <a:t> </a:t>
-            </a:r>
-            <a:r>
-              <a:rPr lang="hu-HU" dirty="0" err="1"/>
-              <a:t>formal</a:t>
-            </a:r>
-            <a:r>
-              <a:rPr lang="hu-HU" dirty="0"/>
-              <a:t> </a:t>
-            </a:r>
-            <a:r>
-              <a:rPr lang="hu-HU" dirty="0" err="1"/>
-              <a:t>semantics</a:t>
-            </a:r>
-            <a:r>
-              <a:rPr lang="hu-HU" dirty="0"/>
-              <a:t>: </a:t>
-            </a:r>
-            <a:r>
-              <a:rPr lang="hu-HU" dirty="0" err="1"/>
-              <a:t>asynchronous</a:t>
-            </a:r>
-            <a:r>
-              <a:rPr lang="hu-HU" dirty="0"/>
-              <a:t> </a:t>
-            </a:r>
-            <a:r>
-              <a:rPr lang="hu-HU" dirty="0" err="1"/>
-              <a:t>semantics</a:t>
-            </a:r>
-            <a:r>
-              <a:rPr lang="hu-HU" dirty="0"/>
-              <a:t> </a:t>
-            </a:r>
-            <a:r>
-              <a:rPr lang="hu-HU" dirty="0" err="1"/>
-              <a:t>for</a:t>
-            </a:r>
-            <a:r>
-              <a:rPr lang="hu-HU" dirty="0"/>
-              <a:t> </a:t>
-            </a:r>
-            <a:r>
-              <a:rPr lang="hu-HU" dirty="0" err="1"/>
-              <a:t>the</a:t>
-            </a:r>
-            <a:r>
-              <a:rPr lang="hu-HU" dirty="0"/>
-              <a:t> </a:t>
-            </a:r>
-            <a:r>
-              <a:rPr lang="hu-HU" dirty="0" err="1"/>
-              <a:t>modeling</a:t>
-            </a:r>
-            <a:r>
-              <a:rPr lang="hu-HU" dirty="0"/>
-              <a:t> of </a:t>
-            </a:r>
-            <a:r>
-              <a:rPr lang="hu-HU" dirty="0" err="1"/>
-              <a:t>independent</a:t>
-            </a:r>
-            <a:r>
-              <a:rPr lang="hu-HU" dirty="0"/>
-              <a:t> </a:t>
-            </a:r>
-            <a:r>
-              <a:rPr lang="hu-HU" dirty="0" err="1"/>
-              <a:t>processes</a:t>
-            </a:r>
-            <a:r>
-              <a:rPr lang="hu-HU" dirty="0"/>
-              <a:t>, </a:t>
-            </a:r>
-            <a:r>
-              <a:rPr lang="hu-HU" dirty="0" err="1"/>
-              <a:t>synchronous</a:t>
-            </a:r>
-            <a:r>
-              <a:rPr lang="hu-HU" dirty="0"/>
-              <a:t> </a:t>
-            </a:r>
-            <a:r>
-              <a:rPr lang="hu-HU" dirty="0" err="1"/>
-              <a:t>semantics</a:t>
-            </a:r>
-            <a:r>
-              <a:rPr lang="hu-HU" dirty="0"/>
-              <a:t> </a:t>
-            </a:r>
-            <a:r>
-              <a:rPr lang="hu-HU" dirty="0" err="1"/>
-              <a:t>for</a:t>
-            </a:r>
-            <a:r>
-              <a:rPr lang="hu-HU" dirty="0"/>
-              <a:t> </a:t>
-            </a:r>
-            <a:r>
-              <a:rPr lang="hu-HU" dirty="0" err="1"/>
-              <a:t>the</a:t>
-            </a:r>
-            <a:r>
-              <a:rPr lang="hu-HU" dirty="0"/>
-              <a:t> </a:t>
-            </a:r>
-            <a:r>
-              <a:rPr lang="hu-HU" dirty="0" err="1"/>
-              <a:t>modeling</a:t>
-            </a:r>
-            <a:r>
-              <a:rPr lang="hu-HU" dirty="0"/>
-              <a:t> of a </a:t>
-            </a:r>
-            <a:r>
-              <a:rPr lang="hu-HU" dirty="0" err="1"/>
-              <a:t>coherent</a:t>
-            </a:r>
-            <a:r>
-              <a:rPr lang="hu-HU" dirty="0"/>
-              <a:t> unit </a:t>
-            </a:r>
-            <a:r>
-              <a:rPr lang="hu-HU" dirty="0" err="1"/>
-              <a:t>consisting</a:t>
-            </a:r>
-            <a:r>
-              <a:rPr lang="hu-HU" dirty="0"/>
-              <a:t> of </a:t>
-            </a:r>
-            <a:r>
-              <a:rPr lang="hu-HU" dirty="0" err="1"/>
-              <a:t>multiple</a:t>
-            </a:r>
-            <a:r>
-              <a:rPr lang="hu-HU" dirty="0"/>
-              <a:t> </a:t>
-            </a:r>
-            <a:r>
-              <a:rPr lang="hu-HU" dirty="0" err="1"/>
-              <a:t>components</a:t>
-            </a:r>
-            <a:r>
-              <a:rPr lang="hu-HU" dirty="0"/>
-              <a:t>, and </a:t>
-            </a:r>
-            <a:r>
-              <a:rPr lang="hu-HU" dirty="0" err="1"/>
-              <a:t>cascade</a:t>
-            </a:r>
-            <a:r>
-              <a:rPr lang="hu-HU" dirty="0"/>
-              <a:t> </a:t>
-            </a:r>
-            <a:r>
-              <a:rPr lang="hu-HU" dirty="0" err="1"/>
-              <a:t>semantics</a:t>
-            </a:r>
-            <a:r>
-              <a:rPr lang="hu-HU" dirty="0"/>
-              <a:t> </a:t>
-            </a:r>
-            <a:r>
-              <a:rPr lang="hu-HU" dirty="0" err="1"/>
-              <a:t>for</a:t>
-            </a:r>
-            <a:r>
-              <a:rPr lang="hu-HU" dirty="0"/>
-              <a:t> a </a:t>
-            </a:r>
-            <a:r>
-              <a:rPr lang="hu-HU" dirty="0" err="1"/>
-              <a:t>sequential</a:t>
-            </a:r>
-            <a:r>
-              <a:rPr lang="hu-HU" dirty="0"/>
-              <a:t>, </a:t>
-            </a:r>
-            <a:r>
-              <a:rPr lang="hu-HU" dirty="0" err="1"/>
-              <a:t>pipeline</a:t>
-            </a:r>
-            <a:r>
-              <a:rPr lang="hu-HU" dirty="0"/>
-              <a:t>-like </a:t>
-            </a:r>
-            <a:r>
-              <a:rPr lang="hu-HU" dirty="0" err="1"/>
-              <a:t>behavior</a:t>
-            </a:r>
-            <a:r>
-              <a:rPr lang="hu-HU" dirty="0"/>
-              <a:t>.</a:t>
+              <a:t>area</a:t>
+            </a:r>
+            <a:r>
+              <a:rPr lang="hu-HU" dirty="0"/>
+              <a:t> is </a:t>
+            </a:r>
+            <a:r>
+              <a:rPr lang="hu-HU" dirty="0" err="1"/>
+              <a:t>currently</a:t>
+            </a:r>
+            <a:r>
+              <a:rPr lang="hu-HU" dirty="0"/>
+              <a:t> </a:t>
+            </a:r>
+            <a:r>
+              <a:rPr lang="hu-HU" dirty="0" err="1"/>
+              <a:t>under</a:t>
+            </a:r>
+            <a:r>
+              <a:rPr lang="hu-HU" dirty="0"/>
+              <a:t> </a:t>
+            </a:r>
+            <a:r>
+              <a:rPr lang="hu-HU" dirty="0" err="1"/>
+              <a:t>research</a:t>
+            </a:r>
+            <a:r>
+              <a:rPr lang="hu-HU" dirty="0"/>
+              <a:t>. </a:t>
             </a:r>
           </a:p>
           <a:p>
-            <a:endParaRPr lang="en-US" dirty="0"/>
+            <a:r>
+              <a:rPr lang="hu-HU" dirty="0" err="1"/>
+              <a:t>Additionally</a:t>
+            </a:r>
+            <a:r>
+              <a:rPr lang="hu-HU" dirty="0"/>
+              <a:t>, </a:t>
+            </a:r>
+            <a:r>
+              <a:rPr lang="hu-HU" dirty="0" err="1"/>
+              <a:t>we</a:t>
+            </a:r>
+            <a:r>
+              <a:rPr lang="hu-HU" dirty="0"/>
+              <a:t> </a:t>
+            </a:r>
+            <a:r>
+              <a:rPr lang="hu-HU" dirty="0" err="1"/>
+              <a:t>plan</a:t>
+            </a:r>
+            <a:r>
+              <a:rPr lang="hu-HU" dirty="0"/>
+              <a:t> </a:t>
+            </a:r>
+            <a:r>
+              <a:rPr lang="hu-HU" dirty="0" err="1"/>
+              <a:t>to</a:t>
+            </a:r>
+            <a:r>
+              <a:rPr lang="hu-HU" dirty="0"/>
+              <a:t> </a:t>
+            </a:r>
+            <a:r>
+              <a:rPr lang="hu-HU" dirty="0" err="1"/>
+              <a:t>support</a:t>
+            </a:r>
+            <a:r>
+              <a:rPr lang="hu-HU" dirty="0"/>
+              <a:t> </a:t>
+            </a:r>
+            <a:r>
+              <a:rPr lang="hu-HU" dirty="0" err="1"/>
+              <a:t>additional</a:t>
+            </a:r>
+            <a:r>
+              <a:rPr lang="hu-HU" dirty="0"/>
+              <a:t> </a:t>
+            </a:r>
+            <a:r>
+              <a:rPr lang="hu-HU" dirty="0" err="1"/>
+              <a:t>programming</a:t>
+            </a:r>
+            <a:r>
+              <a:rPr lang="hu-HU" dirty="0"/>
+              <a:t> </a:t>
+            </a:r>
+            <a:r>
+              <a:rPr lang="hu-HU" dirty="0" err="1"/>
+              <a:t>languages</a:t>
+            </a:r>
+            <a:r>
+              <a:rPr lang="hu-HU" dirty="0"/>
+              <a:t>, </a:t>
+            </a:r>
+            <a:r>
+              <a:rPr lang="hu-HU" dirty="0" err="1"/>
+              <a:t>such</a:t>
+            </a:r>
+            <a:r>
+              <a:rPr lang="hu-HU" dirty="0"/>
+              <a:t> </a:t>
+            </a:r>
+            <a:r>
+              <a:rPr lang="hu-HU" dirty="0" err="1"/>
+              <a:t>as</a:t>
+            </a:r>
+            <a:r>
+              <a:rPr lang="hu-HU" dirty="0"/>
+              <a:t> C++ </a:t>
+            </a:r>
+            <a:r>
+              <a:rPr lang="hu-HU" dirty="0" err="1"/>
+              <a:t>with</a:t>
+            </a:r>
+            <a:r>
+              <a:rPr lang="hu-HU" dirty="0"/>
+              <a:t> </a:t>
+            </a:r>
+            <a:r>
+              <a:rPr lang="hu-HU" dirty="0" err="1"/>
+              <a:t>the</a:t>
+            </a:r>
+            <a:r>
+              <a:rPr lang="hu-HU" dirty="0"/>
+              <a:t> </a:t>
+            </a:r>
+            <a:r>
+              <a:rPr lang="hu-HU" dirty="0" err="1"/>
+              <a:t>code</a:t>
+            </a:r>
+            <a:r>
+              <a:rPr lang="hu-HU" dirty="0"/>
+              <a:t> </a:t>
+            </a:r>
+            <a:r>
+              <a:rPr lang="hu-HU" dirty="0" err="1"/>
+              <a:t>generator</a:t>
+            </a:r>
+            <a:r>
+              <a:rPr lang="hu-HU" dirty="0"/>
+              <a:t>, and </a:t>
+            </a:r>
+            <a:r>
+              <a:rPr lang="hu-HU" dirty="0" err="1"/>
+              <a:t>plan</a:t>
+            </a:r>
+            <a:r>
+              <a:rPr lang="hu-HU" dirty="0"/>
+              <a:t> </a:t>
+            </a:r>
+            <a:r>
+              <a:rPr lang="hu-HU" dirty="0" err="1"/>
+              <a:t>to</a:t>
+            </a:r>
+            <a:r>
+              <a:rPr lang="hu-HU" dirty="0"/>
+              <a:t> </a:t>
+            </a:r>
+            <a:r>
+              <a:rPr lang="hu-HU" dirty="0" err="1"/>
+              <a:t>integrate</a:t>
+            </a:r>
+            <a:r>
+              <a:rPr lang="hu-HU" dirty="0"/>
+              <a:t> </a:t>
+            </a:r>
+            <a:r>
+              <a:rPr lang="hu-HU" dirty="0" err="1"/>
+              <a:t>additional</a:t>
+            </a:r>
+            <a:r>
+              <a:rPr lang="hu-HU" dirty="0"/>
+              <a:t> </a:t>
+            </a:r>
+            <a:r>
+              <a:rPr lang="hu-HU" dirty="0" err="1"/>
+              <a:t>engineering</a:t>
+            </a:r>
+            <a:r>
+              <a:rPr lang="hu-HU" dirty="0"/>
+              <a:t> and </a:t>
+            </a:r>
+            <a:r>
+              <a:rPr lang="hu-HU" dirty="0" err="1"/>
+              <a:t>analysis</a:t>
+            </a:r>
+            <a:r>
+              <a:rPr lang="hu-HU" dirty="0"/>
+              <a:t> </a:t>
+            </a:r>
+            <a:r>
+              <a:rPr lang="hu-HU" dirty="0" err="1"/>
+              <a:t>languages</a:t>
+            </a:r>
+            <a:r>
+              <a:rPr lang="hu-HU" dirty="0"/>
+              <a:t> </a:t>
+            </a:r>
+            <a:r>
+              <a:rPr lang="hu-HU" dirty="0" err="1"/>
+              <a:t>to</a:t>
+            </a:r>
+            <a:r>
+              <a:rPr lang="hu-HU" dirty="0"/>
+              <a:t> Gamma.</a:t>
+            </a:r>
           </a:p>
         </p:txBody>
       </p:sp>
@@ -10293,7 +10463,7 @@
     </p:spTree>
     <p:extLst>
       <p:ext uri="{BB962C8B-B14F-4D97-AF65-F5344CB8AC3E}">
-        <p14:creationId xmlns:p14="http://schemas.microsoft.com/office/powerpoint/2010/main" val="3546852453"/>
+        <p14:creationId xmlns:p14="http://schemas.microsoft.com/office/powerpoint/2010/main" val="821154064"/>
       </p:ext>
     </p:extLst>
   </p:cSld>
@@ -10348,424 +10518,109 @@
           <a:lstStyle/>
           <a:p>
             <a:r>
-              <a:rPr lang="hu-HU" dirty="0" err="1"/>
-              <a:t>What</a:t>
-            </a:r>
-            <a:r>
-              <a:rPr lang="hu-HU" dirty="0"/>
-              <a:t> </a:t>
-            </a:r>
-            <a:r>
-              <a:rPr lang="hu-HU" dirty="0" err="1"/>
-              <a:t>future</a:t>
-            </a:r>
-            <a:r>
-              <a:rPr lang="hu-HU" dirty="0"/>
-              <a:t> </a:t>
-            </a:r>
-            <a:r>
-              <a:rPr lang="hu-HU" dirty="0" err="1"/>
-              <a:t>plans</a:t>
-            </a:r>
-            <a:r>
-              <a:rPr lang="hu-HU" dirty="0"/>
-              <a:t> </a:t>
-            </a:r>
-            <a:r>
-              <a:rPr lang="hu-HU" dirty="0" err="1"/>
-              <a:t>do</a:t>
-            </a:r>
-            <a:r>
-              <a:rPr lang="hu-HU" dirty="0"/>
-              <a:t> </a:t>
-            </a:r>
-            <a:r>
-              <a:rPr lang="hu-HU" dirty="0" err="1"/>
-              <a:t>we</a:t>
-            </a:r>
-            <a:r>
-              <a:rPr lang="hu-HU" dirty="0"/>
-              <a:t> </a:t>
-            </a:r>
-            <a:r>
-              <a:rPr lang="hu-HU" dirty="0" err="1"/>
-              <a:t>have</a:t>
-            </a:r>
-            <a:r>
-              <a:rPr lang="hu-HU" dirty="0"/>
-              <a:t>?</a:t>
+              <a:rPr lang="hu-HU" dirty="0"/>
+              <a:t>A </a:t>
+            </a:r>
+            <a:r>
+              <a:rPr lang="hu-HU" dirty="0" err="1"/>
+              <a:t>working</a:t>
+            </a:r>
+            <a:r>
+              <a:rPr lang="hu-HU" dirty="0"/>
+              <a:t> version of Gamma and a </a:t>
+            </a:r>
+            <a:r>
+              <a:rPr lang="hu-HU" dirty="0" err="1"/>
+              <a:t>tutorial</a:t>
+            </a:r>
+            <a:r>
+              <a:rPr lang="hu-HU" dirty="0"/>
+              <a:t> </a:t>
+            </a:r>
+            <a:r>
+              <a:rPr lang="hu-HU" dirty="0" err="1"/>
+              <a:t>can</a:t>
+            </a:r>
+            <a:r>
+              <a:rPr lang="hu-HU" dirty="0"/>
+              <a:t> be </a:t>
+            </a:r>
+            <a:r>
+              <a:rPr lang="hu-HU" dirty="0" err="1"/>
+              <a:t>found</a:t>
+            </a:r>
+            <a:r>
+              <a:rPr lang="hu-HU" dirty="0"/>
+              <a:t> </a:t>
+            </a:r>
+            <a:r>
+              <a:rPr lang="hu-HU" dirty="0" err="1"/>
+              <a:t>under</a:t>
+            </a:r>
+            <a:r>
+              <a:rPr lang="hu-HU" dirty="0"/>
+              <a:t> </a:t>
+            </a:r>
+            <a:r>
+              <a:rPr lang="hu-HU" dirty="0" err="1"/>
+              <a:t>the</a:t>
+            </a:r>
+            <a:r>
+              <a:rPr lang="hu-HU" dirty="0"/>
+              <a:t> </a:t>
+            </a:r>
+            <a:r>
+              <a:rPr lang="hu-HU" dirty="0" err="1"/>
+              <a:t>above</a:t>
+            </a:r>
+            <a:r>
+              <a:rPr lang="hu-HU" dirty="0"/>
+              <a:t> link.</a:t>
             </a:r>
           </a:p>
           <a:p>
-            <a:r>
-              <a:rPr lang="hu-HU" dirty="0" err="1"/>
-              <a:t>Currently</a:t>
-            </a:r>
-            <a:r>
-              <a:rPr lang="hu-HU" dirty="0"/>
-              <a:t>, </a:t>
-            </a:r>
-            <a:r>
-              <a:rPr lang="hu-HU" dirty="0" err="1"/>
-              <a:t>we</a:t>
-            </a:r>
-            <a:r>
-              <a:rPr lang="hu-HU" dirty="0"/>
-              <a:t> </a:t>
-            </a:r>
-            <a:r>
-              <a:rPr lang="hu-HU" dirty="0" err="1"/>
-              <a:t>are</a:t>
-            </a:r>
-            <a:r>
-              <a:rPr lang="hu-HU" dirty="0"/>
-              <a:t> </a:t>
-            </a:r>
-            <a:r>
-              <a:rPr lang="hu-HU" dirty="0" err="1"/>
-              <a:t>implementing</a:t>
-            </a:r>
-            <a:r>
-              <a:rPr lang="hu-HU" dirty="0"/>
-              <a:t> </a:t>
-            </a:r>
-            <a:r>
-              <a:rPr lang="hu-HU" dirty="0" err="1"/>
-              <a:t>the</a:t>
-            </a:r>
-            <a:r>
-              <a:rPr lang="hu-HU" dirty="0"/>
-              <a:t> </a:t>
-            </a:r>
-            <a:r>
-              <a:rPr lang="hu-HU" dirty="0" err="1"/>
-              <a:t>asynchronous</a:t>
-            </a:r>
-            <a:r>
-              <a:rPr lang="hu-HU" dirty="0"/>
-              <a:t> part of </a:t>
-            </a:r>
-            <a:r>
-              <a:rPr lang="hu-HU" dirty="0" err="1"/>
-              <a:t>the</a:t>
-            </a:r>
-            <a:r>
-              <a:rPr lang="hu-HU" dirty="0"/>
-              <a:t> </a:t>
-            </a:r>
-            <a:r>
-              <a:rPr lang="hu-HU" dirty="0" err="1"/>
-              <a:t>code</a:t>
-            </a:r>
-            <a:r>
-              <a:rPr lang="hu-HU" dirty="0"/>
-              <a:t> </a:t>
-            </a:r>
-            <a:r>
-              <a:rPr lang="hu-HU" dirty="0" err="1"/>
-              <a:t>generator</a:t>
-            </a:r>
-            <a:r>
-              <a:rPr lang="hu-HU" dirty="0"/>
-              <a:t>. Moreover, </a:t>
-            </a:r>
-            <a:r>
-              <a:rPr lang="hu-HU" dirty="0" err="1"/>
-              <a:t>we</a:t>
-            </a:r>
-            <a:r>
-              <a:rPr lang="hu-HU" dirty="0"/>
-              <a:t> </a:t>
-            </a:r>
-            <a:r>
-              <a:rPr lang="hu-HU" dirty="0" err="1"/>
-              <a:t>would</a:t>
-            </a:r>
-            <a:r>
-              <a:rPr lang="hu-HU" dirty="0"/>
-              <a:t> like </a:t>
-            </a:r>
-            <a:r>
-              <a:rPr lang="hu-HU" dirty="0" err="1"/>
-              <a:t>to</a:t>
-            </a:r>
-            <a:r>
-              <a:rPr lang="hu-HU" dirty="0"/>
-              <a:t> </a:t>
-            </a:r>
-            <a:r>
-              <a:rPr lang="hu-HU" dirty="0" err="1"/>
-              <a:t>extend</a:t>
-            </a:r>
-            <a:r>
-              <a:rPr lang="hu-HU" dirty="0"/>
-              <a:t> </a:t>
-            </a:r>
-            <a:r>
-              <a:rPr lang="hu-HU" dirty="0" err="1"/>
-              <a:t>the</a:t>
-            </a:r>
-            <a:r>
-              <a:rPr lang="hu-HU" dirty="0"/>
-              <a:t> </a:t>
-            </a:r>
-            <a:r>
-              <a:rPr lang="hu-HU" dirty="0" err="1"/>
-              <a:t>model-checking</a:t>
-            </a:r>
-            <a:r>
-              <a:rPr lang="hu-HU" dirty="0"/>
-              <a:t> </a:t>
-            </a:r>
-            <a:r>
-              <a:rPr lang="hu-HU" dirty="0" err="1"/>
-              <a:t>functionality</a:t>
-            </a:r>
-            <a:r>
-              <a:rPr lang="hu-HU" dirty="0"/>
-              <a:t> </a:t>
-            </a:r>
-            <a:r>
-              <a:rPr lang="hu-HU" dirty="0" err="1"/>
-              <a:t>to</a:t>
-            </a:r>
-            <a:r>
-              <a:rPr lang="hu-HU" dirty="0"/>
-              <a:t> </a:t>
-            </a:r>
-            <a:r>
-              <a:rPr lang="hu-HU" dirty="0" err="1"/>
-              <a:t>asynchronous</a:t>
-            </a:r>
-            <a:r>
-              <a:rPr lang="hu-HU" dirty="0"/>
-              <a:t> </a:t>
-            </a:r>
-            <a:r>
-              <a:rPr lang="hu-HU" dirty="0" err="1"/>
-              <a:t>models</a:t>
-            </a:r>
-            <a:r>
-              <a:rPr lang="hu-HU" dirty="0"/>
-              <a:t>, </a:t>
-            </a:r>
-            <a:r>
-              <a:rPr lang="hu-HU" dirty="0" err="1"/>
-              <a:t>this</a:t>
-            </a:r>
-            <a:r>
-              <a:rPr lang="hu-HU" dirty="0"/>
-              <a:t> </a:t>
-            </a:r>
-            <a:r>
-              <a:rPr lang="hu-HU" dirty="0" err="1"/>
-              <a:t>area</a:t>
-            </a:r>
-            <a:r>
-              <a:rPr lang="hu-HU" dirty="0"/>
-              <a:t> is </a:t>
-            </a:r>
-            <a:r>
-              <a:rPr lang="hu-HU" dirty="0" err="1"/>
-              <a:t>currently</a:t>
-            </a:r>
-            <a:r>
-              <a:rPr lang="hu-HU" dirty="0"/>
-              <a:t> </a:t>
-            </a:r>
-            <a:r>
-              <a:rPr lang="hu-HU" dirty="0" err="1"/>
-              <a:t>under</a:t>
-            </a:r>
-            <a:r>
-              <a:rPr lang="hu-HU" dirty="0"/>
-              <a:t> </a:t>
-            </a:r>
-            <a:r>
-              <a:rPr lang="hu-HU" dirty="0" err="1"/>
-              <a:t>research</a:t>
-            </a:r>
-            <a:r>
-              <a:rPr lang="hu-HU" dirty="0"/>
-              <a:t>. </a:t>
-            </a:r>
+            <a:endParaRPr lang="hu-HU" dirty="0"/>
           </a:p>
           <a:p>
             <a:r>
               <a:rPr lang="hu-HU" dirty="0" err="1"/>
-              <a:t>Additionally</a:t>
-            </a:r>
-            <a:r>
-              <a:rPr lang="hu-HU" dirty="0"/>
-              <a:t>, </a:t>
-            </a:r>
-            <a:r>
-              <a:rPr lang="hu-HU" dirty="0" err="1"/>
-              <a:t>we</a:t>
-            </a:r>
-            <a:r>
-              <a:rPr lang="hu-HU" dirty="0"/>
-              <a:t> </a:t>
-            </a:r>
-            <a:r>
-              <a:rPr lang="hu-HU" dirty="0" err="1"/>
-              <a:t>plan</a:t>
-            </a:r>
-            <a:r>
-              <a:rPr lang="hu-HU" dirty="0"/>
-              <a:t> </a:t>
-            </a:r>
-            <a:r>
-              <a:rPr lang="hu-HU" dirty="0" err="1"/>
-              <a:t>to</a:t>
-            </a:r>
-            <a:r>
-              <a:rPr lang="hu-HU" dirty="0"/>
-              <a:t> </a:t>
-            </a:r>
-            <a:r>
-              <a:rPr lang="hu-HU" dirty="0" err="1"/>
-              <a:t>support</a:t>
-            </a:r>
-            <a:r>
-              <a:rPr lang="hu-HU" dirty="0"/>
-              <a:t> </a:t>
-            </a:r>
-            <a:r>
-              <a:rPr lang="hu-HU" dirty="0" err="1"/>
-              <a:t>additional</a:t>
-            </a:r>
-            <a:r>
-              <a:rPr lang="hu-HU" dirty="0"/>
-              <a:t> </a:t>
-            </a:r>
-            <a:r>
-              <a:rPr lang="hu-HU" dirty="0" err="1"/>
-              <a:t>programming</a:t>
-            </a:r>
-            <a:r>
-              <a:rPr lang="hu-HU" dirty="0"/>
-              <a:t> </a:t>
-            </a:r>
-            <a:r>
-              <a:rPr lang="hu-HU" dirty="0" err="1"/>
-              <a:t>languages</a:t>
-            </a:r>
-            <a:r>
-              <a:rPr lang="hu-HU" dirty="0"/>
-              <a:t>, </a:t>
-            </a:r>
-            <a:r>
-              <a:rPr lang="hu-HU" dirty="0" err="1"/>
-              <a:t>such</a:t>
-            </a:r>
-            <a:r>
-              <a:rPr lang="hu-HU" dirty="0"/>
-              <a:t> </a:t>
-            </a:r>
-            <a:r>
-              <a:rPr lang="hu-HU" dirty="0" err="1"/>
-              <a:t>as</a:t>
-            </a:r>
-            <a:r>
-              <a:rPr lang="hu-HU" dirty="0"/>
-              <a:t> C++ </a:t>
-            </a:r>
-            <a:r>
-              <a:rPr lang="hu-HU" dirty="0" err="1"/>
-              <a:t>with</a:t>
-            </a:r>
-            <a:r>
-              <a:rPr lang="hu-HU" dirty="0"/>
-              <a:t> </a:t>
-            </a:r>
-            <a:r>
-              <a:rPr lang="hu-HU" dirty="0" err="1"/>
-              <a:t>the</a:t>
-            </a:r>
-            <a:r>
-              <a:rPr lang="hu-HU" dirty="0"/>
-              <a:t> </a:t>
-            </a:r>
-            <a:r>
-              <a:rPr lang="hu-HU" dirty="0" err="1"/>
-              <a:t>code</a:t>
-            </a:r>
-            <a:r>
-              <a:rPr lang="hu-HU" dirty="0"/>
-              <a:t> </a:t>
-            </a:r>
-            <a:r>
-              <a:rPr lang="hu-HU" dirty="0" err="1"/>
-              <a:t>generator</a:t>
-            </a:r>
-            <a:r>
-              <a:rPr lang="hu-HU" dirty="0"/>
-              <a:t>, and </a:t>
-            </a:r>
-            <a:r>
-              <a:rPr lang="hu-HU" dirty="0" err="1"/>
-              <a:t>plan</a:t>
-            </a:r>
-            <a:r>
-              <a:rPr lang="hu-HU" dirty="0"/>
-              <a:t> </a:t>
-            </a:r>
-            <a:r>
-              <a:rPr lang="hu-HU" dirty="0" err="1"/>
-              <a:t>to</a:t>
-            </a:r>
-            <a:r>
-              <a:rPr lang="hu-HU" dirty="0"/>
-              <a:t> </a:t>
-            </a:r>
-            <a:r>
-              <a:rPr lang="hu-HU" dirty="0" err="1"/>
-              <a:t>integrate</a:t>
-            </a:r>
-            <a:r>
-              <a:rPr lang="hu-HU" dirty="0"/>
-              <a:t> </a:t>
-            </a:r>
-            <a:r>
-              <a:rPr lang="hu-HU" dirty="0" err="1"/>
-              <a:t>additional</a:t>
-            </a:r>
-            <a:r>
-              <a:rPr lang="hu-HU" dirty="0"/>
-              <a:t> </a:t>
-            </a:r>
-            <a:r>
-              <a:rPr lang="hu-HU" dirty="0" err="1"/>
-              <a:t>engineering</a:t>
-            </a:r>
-            <a:r>
-              <a:rPr lang="hu-HU" dirty="0"/>
-              <a:t> and </a:t>
-            </a:r>
-            <a:r>
-              <a:rPr lang="hu-HU" dirty="0" err="1"/>
-              <a:t>analysis</a:t>
-            </a:r>
-            <a:r>
-              <a:rPr lang="hu-HU" dirty="0"/>
-              <a:t> </a:t>
-            </a:r>
-            <a:r>
-              <a:rPr lang="hu-HU" dirty="0" err="1"/>
-              <a:t>languages</a:t>
-            </a:r>
-            <a:r>
-              <a:rPr lang="hu-HU" dirty="0"/>
-              <a:t> </a:t>
-            </a:r>
-            <a:r>
-              <a:rPr lang="hu-HU" dirty="0" err="1"/>
-              <a:t>to</a:t>
-            </a:r>
-            <a:r>
-              <a:rPr lang="hu-HU" dirty="0"/>
-              <a:t> Gamma.</a:t>
+              <a:t>Thank</a:t>
+            </a:r>
+            <a:r>
+              <a:rPr lang="hu-HU" dirty="0"/>
+              <a:t> </a:t>
+            </a:r>
+            <a:r>
+              <a:rPr lang="hu-HU" dirty="0" err="1"/>
+              <a:t>you</a:t>
+            </a:r>
+            <a:r>
+              <a:rPr lang="hu-HU" dirty="0"/>
+              <a:t> </a:t>
+            </a:r>
+            <a:r>
+              <a:rPr lang="hu-HU" dirty="0" err="1"/>
+              <a:t>for</a:t>
+            </a:r>
+            <a:r>
+              <a:rPr lang="hu-HU" dirty="0"/>
+              <a:t> </a:t>
+            </a:r>
+            <a:r>
+              <a:rPr lang="hu-HU" dirty="0" err="1"/>
+              <a:t>your</a:t>
+            </a:r>
+            <a:r>
+              <a:rPr lang="hu-HU" dirty="0"/>
+              <a:t> </a:t>
+            </a:r>
+            <a:r>
+              <a:rPr lang="hu-HU" dirty="0" err="1"/>
+              <a:t>attention</a:t>
+            </a:r>
+            <a:r>
+              <a:rPr lang="hu-HU" dirty="0"/>
+              <a:t>!</a:t>
             </a:r>
           </a:p>
         </p:txBody>
@@ -10788,194 +10643,6 @@
             <a:fld id="{F73ECD87-3D6E-4E2D-938C-1EC7D95CEC8A}" type="slidenum">
               <a:rPr lang="en-US" smtClean="0"/>
               <a:t>26</a:t>
-            </a:fld>
-            <a:endParaRPr lang="en-US"/>
-          </a:p>
-        </p:txBody>
-      </p:sp>
-    </p:spTree>
-    <p:extLst>
-      <p:ext uri="{BB962C8B-B14F-4D97-AF65-F5344CB8AC3E}">
-        <p14:creationId xmlns:p14="http://schemas.microsoft.com/office/powerpoint/2010/main" val="821154064"/>
-      </p:ext>
-    </p:extLst>
-  </p:cSld>
-  <p:clrMapOvr>
-    <a:masterClrMapping/>
-  </p:clrMapOvr>
-</p:notes>
-</file>
-
-<file path=ppt/notesSlides/notesSlide27.xml><?xml version="1.0" encoding="utf-8"?>
-<p:notes xmlns:a="http://schemas.openxmlformats.org/drawingml/2006/main" xmlns:r="http://schemas.openxmlformats.org/officeDocument/2006/relationships" xmlns:p="http://schemas.openxmlformats.org/presentationml/2006/main">
-  <p:cSld>
-    <p:spTree>
-      <p:nvGrpSpPr>
-        <p:cNvPr id="1" name=""/>
-        <p:cNvGrpSpPr/>
-        <p:nvPr/>
-      </p:nvGrpSpPr>
-      <p:grpSpPr>
-        <a:xfrm>
-          <a:off x="0" y="0"/>
-          <a:ext cx="0" cy="0"/>
-          <a:chOff x="0" y="0"/>
-          <a:chExt cx="0" cy="0"/>
-        </a:xfrm>
-      </p:grpSpPr>
-      <p:sp>
-        <p:nvSpPr>
-          <p:cNvPr id="2" name="Diakép helye 1"/>
-          <p:cNvSpPr>
-            <a:spLocks noGrp="1" noRot="1" noChangeAspect="1"/>
-          </p:cNvSpPr>
-          <p:nvPr>
-            <p:ph type="sldImg"/>
-          </p:nvPr>
-        </p:nvSpPr>
-        <p:spPr/>
-      </p:sp>
-      <p:sp>
-        <p:nvSpPr>
-          <p:cNvPr id="3" name="Jegyzetek helye 2"/>
-          <p:cNvSpPr>
-            <a:spLocks noGrp="1"/>
-          </p:cNvSpPr>
-          <p:nvPr>
-            <p:ph type="body" idx="1"/>
-          </p:nvPr>
-        </p:nvSpPr>
-        <p:spPr/>
-        <p:txBody>
-          <a:bodyPr/>
-          <a:lstStyle/>
-          <a:p>
-            <a:r>
-              <a:rPr lang="hu-HU" dirty="0"/>
-              <a:t>A </a:t>
-            </a:r>
-            <a:r>
-              <a:rPr lang="hu-HU" dirty="0" err="1"/>
-              <a:t>working</a:t>
-            </a:r>
-            <a:r>
-              <a:rPr lang="hu-HU" dirty="0"/>
-              <a:t> version of Gamma and a </a:t>
-            </a:r>
-            <a:r>
-              <a:rPr lang="hu-HU" dirty="0" err="1"/>
-              <a:t>tutorial</a:t>
-            </a:r>
-            <a:r>
-              <a:rPr lang="hu-HU" dirty="0"/>
-              <a:t> </a:t>
-            </a:r>
-            <a:r>
-              <a:rPr lang="hu-HU" dirty="0" err="1"/>
-              <a:t>can</a:t>
-            </a:r>
-            <a:r>
-              <a:rPr lang="hu-HU" dirty="0"/>
-              <a:t> be </a:t>
-            </a:r>
-            <a:r>
-              <a:rPr lang="hu-HU" dirty="0" err="1"/>
-              <a:t>found</a:t>
-            </a:r>
-            <a:r>
-              <a:rPr lang="hu-HU" dirty="0"/>
-              <a:t> </a:t>
-            </a:r>
-            <a:r>
-              <a:rPr lang="hu-HU" dirty="0" err="1"/>
-              <a:t>under</a:t>
-            </a:r>
-            <a:r>
-              <a:rPr lang="hu-HU" dirty="0"/>
-              <a:t> </a:t>
-            </a:r>
-            <a:r>
-              <a:rPr lang="hu-HU" dirty="0" err="1"/>
-              <a:t>the</a:t>
-            </a:r>
-            <a:r>
-              <a:rPr lang="hu-HU" dirty="0"/>
-              <a:t> </a:t>
-            </a:r>
-            <a:r>
-              <a:rPr lang="hu-HU" dirty="0" err="1"/>
-              <a:t>above</a:t>
-            </a:r>
-            <a:r>
-              <a:rPr lang="hu-HU" dirty="0"/>
-              <a:t> link.</a:t>
-            </a:r>
-          </a:p>
-          <a:p>
-            <a:endParaRPr lang="hu-HU" dirty="0"/>
-          </a:p>
-          <a:p>
-            <a:r>
-              <a:rPr lang="hu-HU" dirty="0" err="1"/>
-              <a:t>Thank</a:t>
-            </a:r>
-            <a:r>
-              <a:rPr lang="hu-HU" dirty="0"/>
-              <a:t> </a:t>
-            </a:r>
-            <a:r>
-              <a:rPr lang="hu-HU" dirty="0" err="1"/>
-              <a:t>you</a:t>
-            </a:r>
-            <a:r>
-              <a:rPr lang="hu-HU" dirty="0"/>
-              <a:t> </a:t>
-            </a:r>
-            <a:r>
-              <a:rPr lang="hu-HU" dirty="0" err="1"/>
-              <a:t>for</a:t>
-            </a:r>
-            <a:r>
-              <a:rPr lang="hu-HU" dirty="0"/>
-              <a:t> </a:t>
-            </a:r>
-            <a:r>
-              <a:rPr lang="hu-HU" dirty="0" err="1"/>
-              <a:t>your</a:t>
-            </a:r>
-            <a:r>
-              <a:rPr lang="hu-HU" dirty="0"/>
-              <a:t> </a:t>
-            </a:r>
-            <a:r>
-              <a:rPr lang="hu-HU" dirty="0" err="1"/>
-              <a:t>attention</a:t>
-            </a:r>
-            <a:r>
-              <a:rPr lang="hu-HU" dirty="0"/>
-              <a:t>!</a:t>
-            </a:r>
-          </a:p>
-        </p:txBody>
-      </p:sp>
-      <p:sp>
-        <p:nvSpPr>
-          <p:cNvPr id="4" name="Dia számának helye 3"/>
-          <p:cNvSpPr>
-            <a:spLocks noGrp="1"/>
-          </p:cNvSpPr>
-          <p:nvPr>
-            <p:ph type="sldNum" sz="quarter" idx="10"/>
-          </p:nvPr>
-        </p:nvSpPr>
-        <p:spPr/>
-        <p:txBody>
-          <a:bodyPr/>
-          <a:lstStyle/>
-          <a:p>
-            <a:fld id="{F73ECD87-3D6E-4E2D-938C-1EC7D95CEC8A}" type="slidenum">
-              <a:rPr lang="en-US" smtClean="0"/>
-              <a:t>27</a:t>
             </a:fld>
             <a:endParaRPr lang="en-US"/>
           </a:p>
@@ -15100,46 +14767,6 @@
             <a:r>
               <a:rPr lang="hu-HU" dirty="0" err="1"/>
               <a:t>queues</a:t>
-            </a:r>
-            <a:r>
-              <a:rPr lang="hu-HU" dirty="0"/>
-              <a:t>, </a:t>
-            </a:r>
-            <a:r>
-              <a:rPr lang="hu-HU" dirty="0" err="1"/>
-              <a:t>as</a:t>
-            </a:r>
-            <a:r>
-              <a:rPr lang="hu-HU" dirty="0"/>
-              <a:t> </a:t>
-            </a:r>
-            <a:r>
-              <a:rPr lang="hu-HU" dirty="0" err="1"/>
-              <a:t>presented</a:t>
-            </a:r>
-            <a:r>
-              <a:rPr lang="hu-HU" dirty="0"/>
-              <a:t> </a:t>
-            </a:r>
-            <a:r>
-              <a:rPr lang="hu-HU" dirty="0" err="1"/>
-              <a:t>by</a:t>
-            </a:r>
-            <a:r>
-              <a:rPr lang="hu-HU" dirty="0"/>
-              <a:t> </a:t>
-            </a:r>
-            <a:r>
-              <a:rPr lang="hu-HU" dirty="0" err="1"/>
-              <a:t>the</a:t>
-            </a:r>
-            <a:r>
-              <a:rPr lang="hu-HU" dirty="0"/>
-              <a:t> </a:t>
-            </a:r>
-            <a:r>
-              <a:rPr lang="hu-HU" dirty="0" err="1"/>
-              <a:t>animation</a:t>
             </a:r>
             <a:r>
               <a:rPr lang="hu-HU" dirty="0"/>
@@ -28422,135 +28049,6 @@
       </p:sp>
       <p:sp>
         <p:nvSpPr>
-          <p:cNvPr id="3" name="Szöveg helye 2"/>
-          <p:cNvSpPr>
-            <a:spLocks noGrp="1"/>
-          </p:cNvSpPr>
-          <p:nvPr>
-            <p:ph type="body" sz="quarter" idx="13"/>
-          </p:nvPr>
-        </p:nvSpPr>
-        <p:spPr>
-          <a:xfrm>
-            <a:off x="628650" y="1455937"/>
-            <a:ext cx="7886700" cy="5036936"/>
-          </a:xfrm>
-        </p:spPr>
-        <p:txBody>
-          <a:bodyPr>
-            <a:normAutofit/>
-          </a:bodyPr>
-          <a:lstStyle/>
-          <a:p>
-            <a:r>
-              <a:rPr lang="hu-HU" sz="2600" dirty="0" err="1"/>
-              <a:t>Asynchronous</a:t>
-            </a:r>
-            <a:br>
-              <a:rPr lang="hu-HU" sz="2600" dirty="0"/>
-            </a:br>
-            <a:r>
-              <a:rPr lang="hu-HU" sz="2600" dirty="0" err="1"/>
-              <a:t>composite</a:t>
-            </a:r>
-            <a:endParaRPr lang="hu-HU" sz="2600" dirty="0"/>
-          </a:p>
-          <a:p>
-            <a:r>
-              <a:rPr lang="hu-HU" sz="2600" dirty="0" err="1"/>
-              <a:t>Synchronous</a:t>
-            </a:r>
-            <a:br>
-              <a:rPr lang="hu-HU" sz="2400" dirty="0"/>
-            </a:br>
-            <a:r>
-              <a:rPr lang="hu-HU" sz="2600" dirty="0" err="1"/>
-              <a:t>wrapper</a:t>
-            </a:r>
-            <a:endParaRPr lang="hu-HU" sz="2600" dirty="0"/>
-          </a:p>
-          <a:p>
-            <a:pPr lvl="1"/>
-            <a:r>
-              <a:rPr lang="hu-HU" sz="2200" dirty="0" err="1"/>
-              <a:t>Bridge</a:t>
-            </a:r>
-            <a:endParaRPr lang="hu-HU" sz="2200" dirty="0"/>
-          </a:p>
-          <a:p>
-            <a:r>
-              <a:rPr lang="hu-HU" sz="2600" dirty="0" err="1"/>
-              <a:t>Synchronous</a:t>
-            </a:r>
-            <a:r>
-              <a:rPr lang="hu-HU" sz="2600" dirty="0"/>
-              <a:t>/</a:t>
-            </a:r>
-            <a:br>
-              <a:rPr lang="hu-HU" sz="2600" dirty="0"/>
-            </a:br>
-            <a:r>
-              <a:rPr lang="hu-HU" sz="2600" dirty="0" err="1"/>
-              <a:t>Cascade</a:t>
-            </a:r>
-            <a:br>
-              <a:rPr lang="hu-HU" sz="2600" dirty="0"/>
-            </a:br>
-            <a:r>
-              <a:rPr lang="hu-HU" sz="2600" dirty="0" err="1"/>
-              <a:t>composite</a:t>
-            </a:r>
-            <a:endParaRPr lang="hu-HU" sz="2600" dirty="0"/>
-          </a:p>
-          <a:p>
-            <a:r>
-              <a:rPr lang="hu-HU" sz="2600" dirty="0" err="1"/>
-              <a:t>Statecharts</a:t>
-            </a:r>
-            <a:endParaRPr lang="hu-HU" sz="2600" dirty="0"/>
-          </a:p>
-          <a:p>
-            <a:pPr lvl="1"/>
-            <a:r>
-              <a:rPr lang="hu-HU" sz="2200" dirty="0" err="1"/>
-              <a:t>Synchronous</a:t>
-            </a:r>
-            <a:endParaRPr lang="hu-HU" sz="2200" dirty="0"/>
-          </a:p>
-          <a:p>
-            <a:pPr lvl="1"/>
-            <a:r>
-              <a:rPr lang="hu-HU" sz="2200" dirty="0" err="1"/>
-              <a:t>Can</a:t>
-            </a:r>
-            <a:r>
-              <a:rPr lang="hu-HU" sz="2200" dirty="0"/>
-              <a:t> be </a:t>
-            </a:r>
-            <a:r>
-              <a:rPr lang="hu-HU" sz="2200" dirty="0" err="1"/>
-              <a:t>wrapped</a:t>
-            </a:r>
-            <a:r>
-              <a:rPr lang="hu-HU" sz="2200" dirty="0"/>
-              <a:t> </a:t>
-            </a:r>
-            <a:r>
-              <a:rPr lang="hu-HU" sz="2200" dirty="0" err="1"/>
-              <a:t>directly</a:t>
-            </a:r>
-            <a:r>
-              <a:rPr lang="hu-HU" sz="2200" dirty="0"/>
-              <a:t> </a:t>
-            </a:r>
-          </a:p>
-          <a:p>
-            <a:endParaRPr lang="hu-HU" sz="2200" dirty="0"/>
-          </a:p>
-        </p:txBody>
-      </p:sp>
-      <p:sp>
-        <p:nvSpPr>
           <p:cNvPr id="5" name="Dia számának helye 4">
             <a:extLst>
               <a:ext uri="{FF2B5EF4-FFF2-40B4-BE49-F238E27FC236}">
@@ -28585,10 +28083,10 @@
       </p:sp>
       <p:pic>
         <p:nvPicPr>
-          <p:cNvPr id="7" name="Kép 6" descr="A képen képernyőkép látható&#10;&#10;A leírás nagyon megbízható">
+          <p:cNvPr id="6" name="Kép 5">
             <a:extLst>
               <a:ext uri="{FF2B5EF4-FFF2-40B4-BE49-F238E27FC236}">
-                <a16:creationId xmlns:a16="http://schemas.microsoft.com/office/drawing/2014/main" id="{F01EE2BD-94AD-4BB5-BC38-72CE70F43E0C}"/>
+                <a16:creationId xmlns:a16="http://schemas.microsoft.com/office/drawing/2014/main" id="{CB42ADBB-9841-41B8-986E-88B0440924E6}"/>
               </a:ext>
             </a:extLst>
           </p:cNvPr>
@@ -28598,7 +28096,7 @@
           <p:nvPr/>
         </p:nvPicPr>
         <p:blipFill>
-          <a:blip r:embed="rId3" cstate="print">
+          <a:blip r:embed="rId3">
             <a:extLst>
               <a:ext uri="{28A0092B-C50C-407E-A947-70E740481C1C}">
                 <a14:useLocalDpi xmlns:a14="http://schemas.microsoft.com/office/drawing/2010/main" val="0"/>
@@ -28611,14 +28109,314 @@
         </p:blipFill>
         <p:spPr>
           <a:xfrm>
-            <a:off x="2795447" y="1530893"/>
-            <a:ext cx="6348554" cy="3563623"/>
+            <a:off x="-1" y="2200068"/>
+            <a:ext cx="9144001" cy="3033240"/>
           </a:xfrm>
           <a:prstGeom prst="rect">
             <a:avLst/>
           </a:prstGeom>
         </p:spPr>
       </p:pic>
+      <p:sp>
+        <p:nvSpPr>
+          <p:cNvPr id="10" name="Téglalap 9">
+            <a:extLst>
+              <a:ext uri="{FF2B5EF4-FFF2-40B4-BE49-F238E27FC236}">
+                <a16:creationId xmlns:a16="http://schemas.microsoft.com/office/drawing/2014/main" id="{2C8F082A-CAF0-4C86-BEF5-633036C0EE47}"/>
+              </a:ext>
+            </a:extLst>
+          </p:cNvPr>
+          <p:cNvSpPr/>
+          <p:nvPr/>
+        </p:nvSpPr>
+        <p:spPr>
+          <a:xfrm>
+            <a:off x="5772150" y="4495800"/>
+            <a:ext cx="1314450" cy="664029"/>
+          </a:xfrm>
+          <a:prstGeom prst="rect">
+            <a:avLst/>
+          </a:prstGeom>
+          <a:ln w="38100" cap="flat">
+            <a:solidFill>
+              <a:schemeClr val="accent2"/>
+            </a:solidFill>
+            <a:miter lim="800000"/>
+            <a:tailEnd type="triangle"/>
+          </a:ln>
+        </p:spPr>
+        <p:style>
+          <a:lnRef idx="1">
+            <a:schemeClr val="accent1"/>
+          </a:lnRef>
+          <a:fillRef idx="0">
+            <a:schemeClr val="accent1"/>
+          </a:fillRef>
+          <a:effectRef idx="0">
+            <a:schemeClr val="accent1"/>
+          </a:effectRef>
+          <a:fontRef idx="minor">
+            <a:schemeClr val="tx1"/>
+          </a:fontRef>
+        </p:style>
+        <p:txBody>
+          <a:bodyPr rot="0" spcFirstLastPara="0" vert="horz" wrap="square" lIns="91440" tIns="45720" rIns="91440" bIns="45720" numCol="1" spcCol="0" rtlCol="0" fromWordArt="0" anchor="t" anchorCtr="0" forceAA="0" compatLnSpc="1">
+            <a:prstTxWarp prst="textNoShape">
+              <a:avLst/>
+            </a:prstTxWarp>
+            <a:noAutofit/>
+          </a:bodyPr>
+          <a:lstStyle/>
+          <a:p>
+            <a:pPr algn="ctr" defTabSz="457200"/>
+            <a:endParaRPr lang="en-US" sz="2400">
+              <a:solidFill>
+                <a:schemeClr val="tx1"/>
+              </a:solidFill>
+            </a:endParaRPr>
+          </a:p>
+        </p:txBody>
+      </p:sp>
+      <p:sp>
+        <p:nvSpPr>
+          <p:cNvPr id="11" name="Téglalap 10">
+            <a:extLst>
+              <a:ext uri="{FF2B5EF4-FFF2-40B4-BE49-F238E27FC236}">
+                <a16:creationId xmlns:a16="http://schemas.microsoft.com/office/drawing/2014/main" id="{F68FD9C4-084D-484C-833D-2544D49AFF31}"/>
+              </a:ext>
+            </a:extLst>
+          </p:cNvPr>
+          <p:cNvSpPr/>
+          <p:nvPr/>
+        </p:nvSpPr>
+        <p:spPr>
+          <a:xfrm>
+            <a:off x="7328807" y="4452257"/>
+            <a:ext cx="1314450" cy="781051"/>
+          </a:xfrm>
+          <a:prstGeom prst="rect">
+            <a:avLst/>
+          </a:prstGeom>
+          <a:ln w="38100" cap="flat">
+            <a:solidFill>
+              <a:schemeClr val="accent2"/>
+            </a:solidFill>
+            <a:miter lim="800000"/>
+            <a:tailEnd type="triangle"/>
+          </a:ln>
+        </p:spPr>
+        <p:style>
+          <a:lnRef idx="1">
+            <a:schemeClr val="accent1"/>
+          </a:lnRef>
+          <a:fillRef idx="0">
+            <a:schemeClr val="accent1"/>
+          </a:fillRef>
+          <a:effectRef idx="0">
+            <a:schemeClr val="accent1"/>
+          </a:effectRef>
+          <a:fontRef idx="minor">
+            <a:schemeClr val="tx1"/>
+          </a:fontRef>
+        </p:style>
+        <p:txBody>
+          <a:bodyPr rot="0" spcFirstLastPara="0" vert="horz" wrap="square" lIns="91440" tIns="45720" rIns="91440" bIns="45720" numCol="1" spcCol="0" rtlCol="0" fromWordArt="0" anchor="t" anchorCtr="0" forceAA="0" compatLnSpc="1">
+            <a:prstTxWarp prst="textNoShape">
+              <a:avLst/>
+            </a:prstTxWarp>
+            <a:noAutofit/>
+          </a:bodyPr>
+          <a:lstStyle/>
+          <a:p>
+            <a:pPr algn="ctr" defTabSz="457200"/>
+            <a:endParaRPr lang="en-US" sz="2400">
+              <a:solidFill>
+                <a:schemeClr val="tx1"/>
+              </a:solidFill>
+            </a:endParaRPr>
+          </a:p>
+        </p:txBody>
+      </p:sp>
+      <p:sp>
+        <p:nvSpPr>
+          <p:cNvPr id="12" name="Téglalap 11">
+            <a:extLst>
+              <a:ext uri="{FF2B5EF4-FFF2-40B4-BE49-F238E27FC236}">
+                <a16:creationId xmlns:a16="http://schemas.microsoft.com/office/drawing/2014/main" id="{ECB3F0AE-B276-4781-ADCC-49D0C7EFDA17}"/>
+              </a:ext>
+            </a:extLst>
+          </p:cNvPr>
+          <p:cNvSpPr/>
+          <p:nvPr/>
+        </p:nvSpPr>
+        <p:spPr>
+          <a:xfrm>
+            <a:off x="4226379" y="4437288"/>
+            <a:ext cx="1314450" cy="781051"/>
+          </a:xfrm>
+          <a:prstGeom prst="rect">
+            <a:avLst/>
+          </a:prstGeom>
+          <a:ln w="38100" cap="flat">
+            <a:solidFill>
+              <a:schemeClr val="accent2"/>
+            </a:solidFill>
+            <a:miter lim="800000"/>
+            <a:tailEnd type="triangle"/>
+          </a:ln>
+        </p:spPr>
+        <p:style>
+          <a:lnRef idx="1">
+            <a:schemeClr val="accent1"/>
+          </a:lnRef>
+          <a:fillRef idx="0">
+            <a:schemeClr val="accent1"/>
+          </a:fillRef>
+          <a:effectRef idx="0">
+            <a:schemeClr val="accent1"/>
+          </a:effectRef>
+          <a:fontRef idx="minor">
+            <a:schemeClr val="tx1"/>
+          </a:fontRef>
+        </p:style>
+        <p:txBody>
+          <a:bodyPr rot="0" spcFirstLastPara="0" vert="horz" wrap="square" lIns="91440" tIns="45720" rIns="91440" bIns="45720" numCol="1" spcCol="0" rtlCol="0" fromWordArt="0" anchor="t" anchorCtr="0" forceAA="0" compatLnSpc="1">
+            <a:prstTxWarp prst="textNoShape">
+              <a:avLst/>
+            </a:prstTxWarp>
+            <a:noAutofit/>
+          </a:bodyPr>
+          <a:lstStyle/>
+          <a:p>
+            <a:pPr algn="ctr" defTabSz="457200"/>
+            <a:endParaRPr lang="en-US" sz="2400">
+              <a:solidFill>
+                <a:schemeClr val="tx1"/>
+              </a:solidFill>
+            </a:endParaRPr>
+          </a:p>
+        </p:txBody>
+      </p:sp>
+      <p:sp>
+        <p:nvSpPr>
+          <p:cNvPr id="14" name="Téglalap 13">
+            <a:extLst>
+              <a:ext uri="{FF2B5EF4-FFF2-40B4-BE49-F238E27FC236}">
+                <a16:creationId xmlns:a16="http://schemas.microsoft.com/office/drawing/2014/main" id="{220043DD-A152-40D7-8DCD-D257415454E7}"/>
+              </a:ext>
+            </a:extLst>
+          </p:cNvPr>
+          <p:cNvSpPr/>
+          <p:nvPr/>
+        </p:nvSpPr>
+        <p:spPr>
+          <a:xfrm>
+            <a:off x="2266950" y="4495798"/>
+            <a:ext cx="1314450" cy="664029"/>
+          </a:xfrm>
+          <a:prstGeom prst="rect">
+            <a:avLst/>
+          </a:prstGeom>
+          <a:ln w="38100" cap="flat">
+            <a:solidFill>
+              <a:schemeClr val="accent2"/>
+            </a:solidFill>
+            <a:miter lim="800000"/>
+            <a:tailEnd type="triangle"/>
+          </a:ln>
+        </p:spPr>
+        <p:style>
+          <a:lnRef idx="1">
+            <a:schemeClr val="accent1"/>
+          </a:lnRef>
+          <a:fillRef idx="0">
+            <a:schemeClr val="accent1"/>
+          </a:fillRef>
+          <a:effectRef idx="0">
+            <a:schemeClr val="accent1"/>
+          </a:effectRef>
+          <a:fontRef idx="minor">
+            <a:schemeClr val="tx1"/>
+          </a:fontRef>
+        </p:style>
+        <p:txBody>
+          <a:bodyPr rot="0" spcFirstLastPara="0" vert="horz" wrap="square" lIns="91440" tIns="45720" rIns="91440" bIns="45720" numCol="1" spcCol="0" rtlCol="0" fromWordArt="0" anchor="t" anchorCtr="0" forceAA="0" compatLnSpc="1">
+            <a:prstTxWarp prst="textNoShape">
+              <a:avLst/>
+            </a:prstTxWarp>
+            <a:noAutofit/>
+          </a:bodyPr>
+          <a:lstStyle/>
+          <a:p>
+            <a:pPr algn="ctr" defTabSz="457200"/>
+            <a:endParaRPr lang="en-US" sz="2400">
+              <a:solidFill>
+                <a:schemeClr val="tx1"/>
+              </a:solidFill>
+            </a:endParaRPr>
+          </a:p>
+        </p:txBody>
+      </p:sp>
+      <p:sp>
+        <p:nvSpPr>
+          <p:cNvPr id="15" name="Téglalap 14">
+            <a:extLst>
+              <a:ext uri="{FF2B5EF4-FFF2-40B4-BE49-F238E27FC236}">
+                <a16:creationId xmlns:a16="http://schemas.microsoft.com/office/drawing/2014/main" id="{8F92E8E3-FEA1-49A4-93BD-DC5EA018BA7B}"/>
+              </a:ext>
+            </a:extLst>
+          </p:cNvPr>
+          <p:cNvSpPr/>
+          <p:nvPr/>
+        </p:nvSpPr>
+        <p:spPr>
+          <a:xfrm>
+            <a:off x="447676" y="4411434"/>
+            <a:ext cx="1314450" cy="781051"/>
+          </a:xfrm>
+          <a:prstGeom prst="rect">
+            <a:avLst/>
+          </a:prstGeom>
+          <a:ln w="38100" cap="flat">
+            <a:solidFill>
+              <a:schemeClr val="accent2"/>
+            </a:solidFill>
+            <a:miter lim="800000"/>
+            <a:tailEnd type="triangle"/>
+          </a:ln>
+        </p:spPr>
+        <p:style>
+          <a:lnRef idx="1">
+            <a:schemeClr val="accent1"/>
+          </a:lnRef>
+          <a:fillRef idx="0">
+            <a:schemeClr val="accent1"/>
+          </a:fillRef>
+          <a:effectRef idx="0">
+            <a:schemeClr val="accent1"/>
+          </a:effectRef>
+          <a:fontRef idx="minor">
+            <a:schemeClr val="tx1"/>
+          </a:fontRef>
+        </p:style>
+        <p:txBody>
+          <a:bodyPr rot="0" spcFirstLastPara="0" vert="horz" wrap="square" lIns="91440" tIns="45720" rIns="91440" bIns="45720" numCol="1" spcCol="0" rtlCol="0" fromWordArt="0" anchor="t" anchorCtr="0" forceAA="0" compatLnSpc="1">
+            <a:prstTxWarp prst="textNoShape">
+              <a:avLst/>
+            </a:prstTxWarp>
+            <a:noAutofit/>
+          </a:bodyPr>
+          <a:lstStyle/>
+          <a:p>
+            <a:pPr algn="ctr" defTabSz="457200"/>
+            <a:endParaRPr lang="en-US" sz="2400">
+              <a:solidFill>
+                <a:schemeClr val="tx1"/>
+              </a:solidFill>
+            </a:endParaRPr>
+          </a:p>
+        </p:txBody>
+      </p:sp>
     </p:spTree>
     <p:extLst>
       <p:ext uri="{BB962C8B-B14F-4D97-AF65-F5344CB8AC3E}">
@@ -28629,6 +28427,362 @@
   <p:clrMapOvr>
     <a:masterClrMapping/>
   </p:clrMapOvr>
+  <p:timing>
+    <p:tnLst>
+      <p:par>
+        <p:cTn id="1" dur="indefinite" restart="never" nodeType="tmRoot">
+          <p:childTnLst>
+            <p:seq concurrent="1" nextAc="seek">
+              <p:cTn id="2" dur="indefinite" nodeType="mainSeq">
+                <p:childTnLst>
+                  <p:par>
+                    <p:cTn id="3" fill="hold">
+                      <p:stCondLst>
+                        <p:cond delay="indefinite"/>
+                      </p:stCondLst>
+                      <p:childTnLst>
+                        <p:par>
+                          <p:cTn id="4" fill="hold">
+                            <p:stCondLst>
+                              <p:cond delay="0"/>
+                            </p:stCondLst>
+                            <p:childTnLst>
+                              <p:par>
+                                <p:cTn id="5" presetID="1" presetClass="entr" presetSubtype="0" fill="hold" grpId="0" nodeType="clickEffect">
+                                  <p:stCondLst>
+                                    <p:cond delay="0"/>
+                                  </p:stCondLst>
+                                  <p:childTnLst>
+                                    <p:set>
+                                      <p:cBhvr>
+                                        <p:cTn id="6" dur="1" fill="hold">
+                                          <p:stCondLst>
+                                            <p:cond delay="0"/>
+                                          </p:stCondLst>
+                                        </p:cTn>
+                                        <p:tgtEl>
+                                          <p:spTgt spid="10"/>
+                                        </p:tgtEl>
+                                        <p:attrNameLst>
+                                          <p:attrName>style.visibility</p:attrName>
+                                        </p:attrNameLst>
+                                      </p:cBhvr>
+                                      <p:to>
+                                        <p:strVal val="visible"/>
+                                      </p:to>
+                                    </p:set>
+                                  </p:childTnLst>
+                                </p:cTn>
+                              </p:par>
+                            </p:childTnLst>
+                          </p:cTn>
+                        </p:par>
+                      </p:childTnLst>
+                    </p:cTn>
+                  </p:par>
+                  <p:par>
+                    <p:cTn id="7" fill="hold">
+                      <p:stCondLst>
+                        <p:cond delay="indefinite"/>
+                      </p:stCondLst>
+                      <p:childTnLst>
+                        <p:par>
+                          <p:cTn id="8" fill="hold">
+                            <p:stCondLst>
+                              <p:cond delay="0"/>
+                            </p:stCondLst>
+                            <p:childTnLst>
+                              <p:par>
+                                <p:cTn id="9" presetID="1" presetClass="exit" presetSubtype="0" fill="hold" grpId="1" nodeType="clickEffect">
+                                  <p:stCondLst>
+                                    <p:cond delay="0"/>
+                                  </p:stCondLst>
+                                  <p:childTnLst>
+                                    <p:set>
+                                      <p:cBhvr>
+                                        <p:cTn id="10" dur="1" fill="hold">
+                                          <p:stCondLst>
+                                            <p:cond delay="0"/>
+                                          </p:stCondLst>
+                                        </p:cTn>
+                                        <p:tgtEl>
+                                          <p:spTgt spid="10"/>
+                                        </p:tgtEl>
+                                        <p:attrNameLst>
+                                          <p:attrName>style.visibility</p:attrName>
+                                        </p:attrNameLst>
+                                      </p:cBhvr>
+                                      <p:to>
+                                        <p:strVal val="hidden"/>
+                                      </p:to>
+                                    </p:set>
+                                  </p:childTnLst>
+                                </p:cTn>
+                              </p:par>
+                              <p:par>
+                                <p:cTn id="11" presetID="1" presetClass="entr" presetSubtype="0" fill="hold" grpId="0" nodeType="withEffect">
+                                  <p:stCondLst>
+                                    <p:cond delay="0"/>
+                                  </p:stCondLst>
+                                  <p:childTnLst>
+                                    <p:set>
+                                      <p:cBhvr>
+                                        <p:cTn id="12" dur="1" fill="hold">
+                                          <p:stCondLst>
+                                            <p:cond delay="0"/>
+                                          </p:stCondLst>
+                                        </p:cTn>
+                                        <p:tgtEl>
+                                          <p:spTgt spid="11"/>
+                                        </p:tgtEl>
+                                        <p:attrNameLst>
+                                          <p:attrName>style.visibility</p:attrName>
+                                        </p:attrNameLst>
+                                      </p:cBhvr>
+                                      <p:to>
+                                        <p:strVal val="visible"/>
+                                      </p:to>
+                                    </p:set>
+                                  </p:childTnLst>
+                                </p:cTn>
+                              </p:par>
+                              <p:par>
+                                <p:cTn id="13" presetID="1" presetClass="entr" presetSubtype="0" fill="hold" grpId="0" nodeType="withEffect">
+                                  <p:stCondLst>
+                                    <p:cond delay="0"/>
+                                  </p:stCondLst>
+                                  <p:childTnLst>
+                                    <p:set>
+                                      <p:cBhvr>
+                                        <p:cTn id="14" dur="1" fill="hold">
+                                          <p:stCondLst>
+                                            <p:cond delay="0"/>
+                                          </p:stCondLst>
+                                        </p:cTn>
+                                        <p:tgtEl>
+                                          <p:spTgt spid="12"/>
+                                        </p:tgtEl>
+                                        <p:attrNameLst>
+                                          <p:attrName>style.visibility</p:attrName>
+                                        </p:attrNameLst>
+                                      </p:cBhvr>
+                                      <p:to>
+                                        <p:strVal val="visible"/>
+                                      </p:to>
+                                    </p:set>
+                                  </p:childTnLst>
+                                </p:cTn>
+                              </p:par>
+                            </p:childTnLst>
+                          </p:cTn>
+                        </p:par>
+                      </p:childTnLst>
+                    </p:cTn>
+                  </p:par>
+                  <p:par>
+                    <p:cTn id="15" fill="hold">
+                      <p:stCondLst>
+                        <p:cond delay="indefinite"/>
+                      </p:stCondLst>
+                      <p:childTnLst>
+                        <p:par>
+                          <p:cTn id="16" fill="hold">
+                            <p:stCondLst>
+                              <p:cond delay="0"/>
+                            </p:stCondLst>
+                            <p:childTnLst>
+                              <p:par>
+                                <p:cTn id="17" presetID="1" presetClass="exit" presetSubtype="0" fill="hold" grpId="1" nodeType="clickEffect">
+                                  <p:stCondLst>
+                                    <p:cond delay="0"/>
+                                  </p:stCondLst>
+                                  <p:childTnLst>
+                                    <p:set>
+                                      <p:cBhvr>
+                                        <p:cTn id="18" dur="1" fill="hold">
+                                          <p:stCondLst>
+                                            <p:cond delay="0"/>
+                                          </p:stCondLst>
+                                        </p:cTn>
+                                        <p:tgtEl>
+                                          <p:spTgt spid="12"/>
+                                        </p:tgtEl>
+                                        <p:attrNameLst>
+                                          <p:attrName>style.visibility</p:attrName>
+                                        </p:attrNameLst>
+                                      </p:cBhvr>
+                                      <p:to>
+                                        <p:strVal val="hidden"/>
+                                      </p:to>
+                                    </p:set>
+                                  </p:childTnLst>
+                                </p:cTn>
+                              </p:par>
+                              <p:par>
+                                <p:cTn id="19" presetID="1" presetClass="exit" presetSubtype="0" fill="hold" grpId="1" nodeType="withEffect">
+                                  <p:stCondLst>
+                                    <p:cond delay="0"/>
+                                  </p:stCondLst>
+                                  <p:childTnLst>
+                                    <p:set>
+                                      <p:cBhvr>
+                                        <p:cTn id="20" dur="1" fill="hold">
+                                          <p:stCondLst>
+                                            <p:cond delay="0"/>
+                                          </p:stCondLst>
+                                        </p:cTn>
+                                        <p:tgtEl>
+                                          <p:spTgt spid="11"/>
+                                        </p:tgtEl>
+                                        <p:attrNameLst>
+                                          <p:attrName>style.visibility</p:attrName>
+                                        </p:attrNameLst>
+                                      </p:cBhvr>
+                                      <p:to>
+                                        <p:strVal val="hidden"/>
+                                      </p:to>
+                                    </p:set>
+                                  </p:childTnLst>
+                                </p:cTn>
+                              </p:par>
+                              <p:par>
+                                <p:cTn id="21" presetID="1" presetClass="entr" presetSubtype="0" fill="hold" grpId="0" nodeType="withEffect">
+                                  <p:stCondLst>
+                                    <p:cond delay="0"/>
+                                  </p:stCondLst>
+                                  <p:childTnLst>
+                                    <p:set>
+                                      <p:cBhvr>
+                                        <p:cTn id="22" dur="1" fill="hold">
+                                          <p:stCondLst>
+                                            <p:cond delay="0"/>
+                                          </p:stCondLst>
+                                        </p:cTn>
+                                        <p:tgtEl>
+                                          <p:spTgt spid="14"/>
+                                        </p:tgtEl>
+                                        <p:attrNameLst>
+                                          <p:attrName>style.visibility</p:attrName>
+                                        </p:attrNameLst>
+                                      </p:cBhvr>
+                                      <p:to>
+                                        <p:strVal val="visible"/>
+                                      </p:to>
+                                    </p:set>
+                                  </p:childTnLst>
+                                </p:cTn>
+                              </p:par>
+                            </p:childTnLst>
+                          </p:cTn>
+                        </p:par>
+                      </p:childTnLst>
+                    </p:cTn>
+                  </p:par>
+                  <p:par>
+                    <p:cTn id="23" fill="hold">
+                      <p:stCondLst>
+                        <p:cond delay="indefinite"/>
+                      </p:stCondLst>
+                      <p:childTnLst>
+                        <p:par>
+                          <p:cTn id="24" fill="hold">
+                            <p:stCondLst>
+                              <p:cond delay="0"/>
+                            </p:stCondLst>
+                            <p:childTnLst>
+                              <p:par>
+                                <p:cTn id="25" presetID="1" presetClass="exit" presetSubtype="0" fill="hold" grpId="1" nodeType="clickEffect">
+                                  <p:stCondLst>
+                                    <p:cond delay="0"/>
+                                  </p:stCondLst>
+                                  <p:childTnLst>
+                                    <p:set>
+                                      <p:cBhvr>
+                                        <p:cTn id="26" dur="1" fill="hold">
+                                          <p:stCondLst>
+                                            <p:cond delay="0"/>
+                                          </p:stCondLst>
+                                        </p:cTn>
+                                        <p:tgtEl>
+                                          <p:spTgt spid="14"/>
+                                        </p:tgtEl>
+                                        <p:attrNameLst>
+                                          <p:attrName>style.visibility</p:attrName>
+                                        </p:attrNameLst>
+                                      </p:cBhvr>
+                                      <p:to>
+                                        <p:strVal val="hidden"/>
+                                      </p:to>
+                                    </p:set>
+                                  </p:childTnLst>
+                                </p:cTn>
+                              </p:par>
+                              <p:par>
+                                <p:cTn id="27" presetID="1" presetClass="entr" presetSubtype="0" fill="hold" grpId="0" nodeType="withEffect">
+                                  <p:stCondLst>
+                                    <p:cond delay="0"/>
+                                  </p:stCondLst>
+                                  <p:childTnLst>
+                                    <p:set>
+                                      <p:cBhvr>
+                                        <p:cTn id="28" dur="1" fill="hold">
+                                          <p:stCondLst>
+                                            <p:cond delay="0"/>
+                                          </p:stCondLst>
+                                        </p:cTn>
+                                        <p:tgtEl>
+                                          <p:spTgt spid="15"/>
+                                        </p:tgtEl>
+                                        <p:attrNameLst>
+                                          <p:attrName>style.visibility</p:attrName>
+                                        </p:attrNameLst>
+                                      </p:cBhvr>
+                                      <p:to>
+                                        <p:strVal val="visible"/>
+                                      </p:to>
+                                    </p:set>
+                                  </p:childTnLst>
+                                </p:cTn>
+                              </p:par>
+                            </p:childTnLst>
+                          </p:cTn>
+                        </p:par>
+                      </p:childTnLst>
+                    </p:cTn>
+                  </p:par>
+                </p:childTnLst>
+              </p:cTn>
+              <p:prevCondLst>
+                <p:cond evt="onPrev" delay="0">
+                  <p:tgtEl>
+                    <p:sldTgt/>
+                  </p:tgtEl>
+                </p:cond>
+              </p:prevCondLst>
+              <p:nextCondLst>
+                <p:cond evt="onNext" delay="0">
+                  <p:tgtEl>
+                    <p:sldTgt/>
+                  </p:tgtEl>
+                </p:cond>
+              </p:nextCondLst>
+            </p:seq>
+          </p:childTnLst>
+        </p:cTn>
+      </p:par>
+    </p:tnLst>
+    <p:bldLst>
+      <p:bldP spid="10" grpId="0" animBg="1"/>
+      <p:bldP spid="10" grpId="1" animBg="1"/>
+      <p:bldP spid="11" grpId="0" animBg="1"/>
+      <p:bldP spid="11" grpId="1" animBg="1"/>
+      <p:bldP spid="12" grpId="0" animBg="1"/>
+      <p:bldP spid="12" grpId="1" animBg="1"/>
+      <p:bldP spid="14" grpId="0" animBg="1"/>
+      <p:bldP spid="14" grpId="1" animBg="1"/>
+      <p:bldP spid="15" grpId="0" animBg="1"/>
+    </p:bldLst>
+  </p:timing>
 </p:sld>
 </file>
 
@@ -42135,8 +42289,8 @@
         </p:nvSpPr>
         <p:spPr>
           <a:xfrm>
-            <a:off x="628652" y="365128"/>
-            <a:ext cx="7886699" cy="878400"/>
+            <a:off x="628651" y="365127"/>
+            <a:ext cx="7886699" cy="877748"/>
           </a:xfrm>
         </p:spPr>
         <p:txBody>
@@ -42144,1993 +42298,173 @@
           <a:lstStyle/>
           <a:p>
             <a:r>
-              <a:rPr lang="hu-HU" dirty="0"/>
-              <a:t>Technologies</a:t>
+              <a:rPr lang="hu-HU" dirty="0" err="1"/>
+              <a:t>Summary</a:t>
             </a:r>
             <a:endParaRPr lang="en-US" dirty="0"/>
-          </a:p>
-        </p:txBody>
-      </p:sp>
-      <p:cxnSp>
-        <p:nvCxnSpPr>
-          <p:cNvPr id="4" name="Szögletes összekötő 170">
-            <a:extLst>
-              <a:ext uri="{FF2B5EF4-FFF2-40B4-BE49-F238E27FC236}">
-                <a16:creationId xmlns:a16="http://schemas.microsoft.com/office/drawing/2014/main" id="{EF8998C3-3BE1-4739-B3F7-826F31897707}"/>
-              </a:ext>
-            </a:extLst>
-          </p:cNvPr>
-          <p:cNvCxnSpPr>
-            <a:endCxn id="7" idx="3"/>
-          </p:cNvCxnSpPr>
-          <p:nvPr/>
-        </p:nvCxnSpPr>
-        <p:spPr>
-          <a:xfrm rot="10800000">
-            <a:off x="2377668" y="3005896"/>
-            <a:ext cx="1207740" cy="1105773"/>
-          </a:xfrm>
-          <a:prstGeom prst="bentConnector3">
-            <a:avLst>
-              <a:gd name="adj1" fmla="val 49474"/>
-            </a:avLst>
-          </a:prstGeom>
-          <a:ln w="19050">
-            <a:solidFill>
-              <a:schemeClr val="tx1"/>
-            </a:solidFill>
-            <a:prstDash val="solid"/>
-            <a:tailEnd type="triangle" w="lg" len="lg"/>
-          </a:ln>
-        </p:spPr>
-        <p:style>
-          <a:lnRef idx="1">
-            <a:schemeClr val="accent1"/>
-          </a:lnRef>
-          <a:fillRef idx="0">
-            <a:schemeClr val="accent1"/>
-          </a:fillRef>
-          <a:effectRef idx="0">
-            <a:schemeClr val="accent1"/>
-          </a:effectRef>
-          <a:fontRef idx="minor">
-            <a:schemeClr val="tx1"/>
-          </a:fontRef>
-        </p:style>
-      </p:cxnSp>
-      <p:sp>
-        <p:nvSpPr>
-          <p:cNvPr id="5" name="Lekerekített téglalap 34">
-            <a:extLst>
-              <a:ext uri="{FF2B5EF4-FFF2-40B4-BE49-F238E27FC236}">
-                <a16:creationId xmlns:a16="http://schemas.microsoft.com/office/drawing/2014/main" id="{211F8F97-1953-49CD-B753-C16CD9DFB227}"/>
-              </a:ext>
-            </a:extLst>
-          </p:cNvPr>
-          <p:cNvSpPr/>
-          <p:nvPr/>
-        </p:nvSpPr>
-        <p:spPr>
-          <a:xfrm>
-            <a:off x="307510" y="5277973"/>
-            <a:ext cx="2073876" cy="525124"/>
-          </a:xfrm>
-          <a:prstGeom prst="roundRect">
-            <a:avLst/>
-          </a:prstGeom>
-          <a:solidFill>
-            <a:schemeClr val="bg2">
-              <a:lumMod val="20000"/>
-              <a:lumOff val="80000"/>
-            </a:schemeClr>
-          </a:solidFill>
-          <a:ln w="19050">
-            <a:solidFill>
-              <a:schemeClr val="tx1"/>
-            </a:solidFill>
-            <a:prstDash val="solid"/>
-          </a:ln>
-          <a:effectLst/>
-        </p:spPr>
-        <p:style>
-          <a:lnRef idx="2">
-            <a:schemeClr val="accent4">
-              <a:shade val="50000"/>
-            </a:schemeClr>
-          </a:lnRef>
-          <a:fillRef idx="1">
-            <a:schemeClr val="accent4"/>
-          </a:fillRef>
-          <a:effectRef idx="0">
-            <a:schemeClr val="accent4"/>
-          </a:effectRef>
-          <a:fontRef idx="minor">
-            <a:schemeClr val="lt1"/>
-          </a:fontRef>
-        </p:style>
-        <p:txBody>
-          <a:bodyPr rot="0" spcFirstLastPara="0" vertOverflow="overflow" horzOverflow="overflow" vert="horz" wrap="square" lIns="91440" tIns="45720" rIns="91440" bIns="45720" numCol="1" spcCol="0" rtlCol="0" fromWordArt="0" anchor="ctr" anchorCtr="0" forceAA="0" compatLnSpc="1">
-            <a:prstTxWarp prst="textNoShape">
-              <a:avLst/>
-            </a:prstTxWarp>
-            <a:noAutofit/>
-          </a:bodyPr>
-          <a:lstStyle/>
-          <a:p>
-            <a:pPr algn="ctr"/>
-            <a:r>
-              <a:rPr lang="hu-HU" sz="2000" dirty="0" err="1">
-                <a:solidFill>
-                  <a:schemeClr val="tx1"/>
-                </a:solidFill>
-              </a:rPr>
-              <a:t>JUnit</a:t>
-            </a:r>
-            <a:endParaRPr lang="hu-HU" sz="2000" dirty="0">
-              <a:solidFill>
-                <a:schemeClr val="tx1"/>
-              </a:solidFill>
-            </a:endParaRPr>
-          </a:p>
-        </p:txBody>
-      </p:sp>
-      <p:cxnSp>
-        <p:nvCxnSpPr>
-          <p:cNvPr id="6" name="Szögletes összekötő 167">
-            <a:extLst>
-              <a:ext uri="{FF2B5EF4-FFF2-40B4-BE49-F238E27FC236}">
-                <a16:creationId xmlns:a16="http://schemas.microsoft.com/office/drawing/2014/main" id="{82776125-E5E9-4C7B-BC1B-2A6B8B151F20}"/>
-              </a:ext>
-            </a:extLst>
-          </p:cNvPr>
-          <p:cNvCxnSpPr>
-            <a:stCxn id="15" idx="1"/>
-          </p:cNvCxnSpPr>
-          <p:nvPr/>
-        </p:nvCxnSpPr>
-        <p:spPr>
-          <a:xfrm rot="10800000" flipH="1">
-            <a:off x="3206592" y="4374228"/>
-            <a:ext cx="47582" cy="1166308"/>
-          </a:xfrm>
-          <a:prstGeom prst="bentConnector4">
-            <a:avLst>
-              <a:gd name="adj1" fmla="val -480434"/>
-              <a:gd name="adj2" fmla="val 99969"/>
-            </a:avLst>
-          </a:prstGeom>
-          <a:ln w="19050" cmpd="sng">
-            <a:solidFill>
-              <a:schemeClr val="tx1"/>
-            </a:solidFill>
-            <a:prstDash val="solid"/>
-            <a:tailEnd type="triangle" w="lg" len="lg"/>
-          </a:ln>
-        </p:spPr>
-        <p:style>
-          <a:lnRef idx="1">
-            <a:schemeClr val="accent1"/>
-          </a:lnRef>
-          <a:fillRef idx="0">
-            <a:schemeClr val="accent1"/>
-          </a:fillRef>
-          <a:effectRef idx="0">
-            <a:schemeClr val="accent1"/>
-          </a:effectRef>
-          <a:fontRef idx="minor">
-            <a:schemeClr val="tx1"/>
-          </a:fontRef>
-        </p:style>
-      </p:cxnSp>
-      <p:sp>
-        <p:nvSpPr>
-          <p:cNvPr id="7" name="Téglalap 47">
-            <a:extLst>
-              <a:ext uri="{FF2B5EF4-FFF2-40B4-BE49-F238E27FC236}">
-                <a16:creationId xmlns:a16="http://schemas.microsoft.com/office/drawing/2014/main" id="{73021892-3317-43DF-B180-613A5D3CD494}"/>
-              </a:ext>
-            </a:extLst>
-          </p:cNvPr>
-          <p:cNvSpPr/>
-          <p:nvPr/>
-        </p:nvSpPr>
-        <p:spPr>
-          <a:xfrm>
-            <a:off x="307510" y="2662900"/>
-            <a:ext cx="2070158" cy="685989"/>
-          </a:xfrm>
-          <a:prstGeom prst="roundRect">
-            <a:avLst/>
-          </a:prstGeom>
-          <a:solidFill>
-            <a:schemeClr val="bg2">
-              <a:lumMod val="20000"/>
-              <a:lumOff val="80000"/>
-            </a:schemeClr>
-          </a:solidFill>
-          <a:ln w="19050">
-            <a:solidFill>
-              <a:schemeClr val="tx1"/>
-            </a:solidFill>
-            <a:prstDash val="solid"/>
-          </a:ln>
-          <a:effectLst/>
-        </p:spPr>
-        <p:style>
-          <a:lnRef idx="2">
-            <a:schemeClr val="accent4">
-              <a:shade val="50000"/>
-            </a:schemeClr>
-          </a:lnRef>
-          <a:fillRef idx="1">
-            <a:schemeClr val="accent4"/>
-          </a:fillRef>
-          <a:effectRef idx="0">
-            <a:schemeClr val="accent4"/>
-          </a:effectRef>
-          <a:fontRef idx="minor">
-            <a:schemeClr val="lt1"/>
-          </a:fontRef>
-        </p:style>
-        <p:txBody>
-          <a:bodyPr rot="0" spcFirstLastPara="0" vertOverflow="overflow" horzOverflow="overflow" vert="horz" wrap="square" lIns="91440" tIns="45720" rIns="91440" bIns="45720" numCol="1" spcCol="0" rtlCol="0" fromWordArt="0" anchor="ctr" anchorCtr="0" forceAA="0" compatLnSpc="1">
-            <a:prstTxWarp prst="textNoShape">
-              <a:avLst/>
-            </a:prstTxWarp>
-            <a:noAutofit/>
-          </a:bodyPr>
-          <a:lstStyle/>
-          <a:p>
-            <a:pPr algn="ctr"/>
-            <a:r>
-              <a:rPr lang="hu-HU" sz="2000" dirty="0">
-                <a:solidFill>
-                  <a:schemeClr val="tx1"/>
-                </a:solidFill>
-              </a:rPr>
-              <a:t>Java </a:t>
-            </a:r>
-            <a:r>
-              <a:rPr lang="hu-HU" sz="2000" dirty="0" err="1">
-                <a:solidFill>
-                  <a:schemeClr val="tx1"/>
-                </a:solidFill>
-              </a:rPr>
-              <a:t>source</a:t>
-            </a:r>
-            <a:r>
-              <a:rPr lang="hu-HU" sz="2000" dirty="0">
-                <a:solidFill>
-                  <a:schemeClr val="tx1"/>
-                </a:solidFill>
-              </a:rPr>
-              <a:t> </a:t>
-            </a:r>
-            <a:r>
-              <a:rPr lang="hu-HU" sz="2000" dirty="0" err="1">
-                <a:solidFill>
-                  <a:schemeClr val="tx1"/>
-                </a:solidFill>
-              </a:rPr>
-              <a:t>code</a:t>
-            </a:r>
-            <a:endParaRPr lang="hu-HU" sz="2000" dirty="0">
-              <a:solidFill>
-                <a:schemeClr val="tx1"/>
-              </a:solidFill>
-            </a:endParaRPr>
-          </a:p>
-        </p:txBody>
-      </p:sp>
-      <p:cxnSp>
-        <p:nvCxnSpPr>
-          <p:cNvPr id="8" name="Szögletes összekötő 167">
-            <a:extLst>
-              <a:ext uri="{FF2B5EF4-FFF2-40B4-BE49-F238E27FC236}">
-                <a16:creationId xmlns:a16="http://schemas.microsoft.com/office/drawing/2014/main" id="{C8B9D146-9692-4634-9052-D53F7B2A54E3}"/>
-              </a:ext>
-            </a:extLst>
-          </p:cNvPr>
-          <p:cNvCxnSpPr>
-            <a:cxnSpLocks/>
-            <a:stCxn id="5" idx="0"/>
-            <a:endCxn id="7" idx="2"/>
-          </p:cNvCxnSpPr>
-          <p:nvPr/>
-        </p:nvCxnSpPr>
-        <p:spPr>
-          <a:xfrm flipH="1" flipV="1">
-            <a:off x="1342589" y="3348889"/>
-            <a:ext cx="1859" cy="1929084"/>
-          </a:xfrm>
-          <a:prstGeom prst="straightConnector1">
-            <a:avLst/>
-          </a:prstGeom>
-          <a:ln w="19050" cmpd="sng">
-            <a:solidFill>
-              <a:schemeClr val="tx1"/>
-            </a:solidFill>
-            <a:prstDash val="dash"/>
-            <a:tailEnd type="triangle" w="lg" len="lg"/>
-          </a:ln>
-        </p:spPr>
-        <p:style>
-          <a:lnRef idx="1">
-            <a:schemeClr val="accent1"/>
-          </a:lnRef>
-          <a:fillRef idx="0">
-            <a:schemeClr val="accent1"/>
-          </a:fillRef>
-          <a:effectRef idx="0">
-            <a:schemeClr val="accent1"/>
-          </a:effectRef>
-          <a:fontRef idx="minor">
-            <a:schemeClr val="tx1"/>
-          </a:fontRef>
-        </p:style>
-      </p:cxnSp>
-      <p:sp>
-        <p:nvSpPr>
-          <p:cNvPr id="9" name="Lekerekített téglalap 35">
-            <a:extLst>
-              <a:ext uri="{FF2B5EF4-FFF2-40B4-BE49-F238E27FC236}">
-                <a16:creationId xmlns:a16="http://schemas.microsoft.com/office/drawing/2014/main" id="{F3428029-C0BE-4B72-9819-A83FA77B9619}"/>
-              </a:ext>
-            </a:extLst>
-          </p:cNvPr>
-          <p:cNvSpPr/>
-          <p:nvPr/>
-        </p:nvSpPr>
-        <p:spPr>
-          <a:xfrm>
-            <a:off x="3259456" y="3894836"/>
-            <a:ext cx="4845854" cy="699824"/>
-          </a:xfrm>
-          <a:prstGeom prst="roundRect">
-            <a:avLst/>
-          </a:prstGeom>
-          <a:ln w="19050">
-            <a:solidFill>
-              <a:schemeClr val="tx1"/>
-            </a:solidFill>
-          </a:ln>
-        </p:spPr>
-        <p:style>
-          <a:lnRef idx="1">
-            <a:schemeClr val="accent6"/>
-          </a:lnRef>
-          <a:fillRef idx="2">
-            <a:schemeClr val="accent6"/>
-          </a:fillRef>
-          <a:effectRef idx="1">
-            <a:schemeClr val="accent6"/>
-          </a:effectRef>
-          <a:fontRef idx="minor">
-            <a:schemeClr val="dk1"/>
-          </a:fontRef>
-        </p:style>
-        <p:txBody>
-          <a:bodyPr rtlCol="0" anchor="ctr"/>
-          <a:lstStyle/>
-          <a:p>
-            <a:pPr algn="ctr" defTabSz="457200"/>
-            <a:r>
-              <a:rPr lang="hu-HU" dirty="0" err="1">
-                <a:solidFill>
-                  <a:schemeClr val="accent6">
-                    <a:lumMod val="50000"/>
-                  </a:schemeClr>
-                </a:solidFill>
-                <a:latin typeface="Segoe UI" panose="020B0502040204020203" pitchFamily="34" charset="0"/>
-                <a:cs typeface="Segoe UI" panose="020B0502040204020203" pitchFamily="34" charset="0"/>
-              </a:rPr>
-              <a:t>Xtext</a:t>
-            </a:r>
-            <a:r>
-              <a:rPr lang="hu-HU" dirty="0">
-                <a:solidFill>
-                  <a:schemeClr val="accent6">
-                    <a:lumMod val="50000"/>
-                  </a:schemeClr>
-                </a:solidFill>
-                <a:latin typeface="Segoe UI" panose="020B0502040204020203" pitchFamily="34" charset="0"/>
-                <a:cs typeface="Segoe UI" panose="020B0502040204020203" pitchFamily="34" charset="0"/>
-              </a:rPr>
-              <a:t> </a:t>
-            </a:r>
-            <a:r>
-              <a:rPr lang="hu-HU" dirty="0" err="1">
-                <a:solidFill>
-                  <a:schemeClr val="accent6">
-                    <a:lumMod val="50000"/>
-                  </a:schemeClr>
-                </a:solidFill>
-                <a:latin typeface="Segoe UI" panose="020B0502040204020203" pitchFamily="34" charset="0"/>
-                <a:cs typeface="Segoe UI" panose="020B0502040204020203" pitchFamily="34" charset="0"/>
-              </a:rPr>
-              <a:t>grammar</a:t>
-            </a:r>
-            <a:endParaRPr lang="hu-HU" dirty="0">
-              <a:solidFill>
-                <a:schemeClr val="accent6">
-                  <a:lumMod val="50000"/>
-                </a:schemeClr>
-              </a:solidFill>
-              <a:latin typeface="Segoe UI" panose="020B0502040204020203" pitchFamily="34" charset="0"/>
-              <a:cs typeface="Segoe UI" panose="020B0502040204020203" pitchFamily="34" charset="0"/>
-            </a:endParaRPr>
           </a:p>
         </p:txBody>
       </p:sp>
       <p:sp>
         <p:nvSpPr>
-          <p:cNvPr id="10" name="Lekerekített téglalap 7">
-            <a:extLst>
-              <a:ext uri="{FF2B5EF4-FFF2-40B4-BE49-F238E27FC236}">
-                <a16:creationId xmlns:a16="http://schemas.microsoft.com/office/drawing/2014/main" id="{75ACEE6B-35B7-4713-93E0-F4FE63D634D4}"/>
-              </a:ext>
-            </a:extLst>
-          </p:cNvPr>
-          <p:cNvSpPr/>
-          <p:nvPr/>
+          <p:cNvPr id="3" name="Szöveg helye 2"/>
+          <p:cNvSpPr>
+            <a:spLocks noGrp="1"/>
+          </p:cNvSpPr>
+          <p:nvPr>
+            <p:ph type="body" sz="quarter" idx="13"/>
+          </p:nvPr>
         </p:nvSpPr>
         <p:spPr>
           <a:xfrm>
-            <a:off x="3259456" y="2383170"/>
-            <a:ext cx="4845854" cy="1245451"/>
+            <a:off x="628649" y="1455938"/>
+            <a:ext cx="8013545" cy="4732140"/>
           </a:xfrm>
-          <a:prstGeom prst="roundRect">
-            <a:avLst/>
-          </a:prstGeom>
-          <a:gradFill>
-            <a:gsLst>
-              <a:gs pos="0">
-                <a:schemeClr val="accent6">
-                  <a:lumMod val="110000"/>
-                  <a:satMod val="105000"/>
-                  <a:tint val="67000"/>
-                </a:schemeClr>
-              </a:gs>
-              <a:gs pos="50000">
-                <a:schemeClr val="accent6">
-                  <a:lumMod val="105000"/>
-                  <a:satMod val="103000"/>
-                  <a:tint val="73000"/>
-                </a:schemeClr>
-              </a:gs>
-              <a:gs pos="100000">
-                <a:schemeClr val="accent6">
-                  <a:lumMod val="105000"/>
-                  <a:satMod val="109000"/>
-                  <a:tint val="81000"/>
-                </a:schemeClr>
-              </a:gs>
-            </a:gsLst>
-            <a:lin ang="5400000" scaled="0"/>
-          </a:gradFill>
-          <a:ln w="19050">
-            <a:solidFill>
-              <a:schemeClr val="tx1"/>
-            </a:solidFill>
-          </a:ln>
-          <a:effectLst/>
         </p:spPr>
-        <p:style>
-          <a:lnRef idx="2">
-            <a:schemeClr val="accent4">
-              <a:shade val="50000"/>
-            </a:schemeClr>
-          </a:lnRef>
-          <a:fillRef idx="1">
-            <a:schemeClr val="accent4"/>
-          </a:fillRef>
-          <a:effectRef idx="0">
-            <a:schemeClr val="accent4"/>
-          </a:effectRef>
-          <a:fontRef idx="minor">
-            <a:schemeClr val="lt1"/>
-          </a:fontRef>
-        </p:style>
         <p:txBody>
-          <a:bodyPr rot="0" spcFirstLastPara="0" vertOverflow="overflow" horzOverflow="overflow" vert="vert" wrap="square" lIns="91440" tIns="45720" rIns="91440" bIns="45720" numCol="1" spcCol="0" rtlCol="0" fromWordArt="0" anchor="t" anchorCtr="0" forceAA="0" compatLnSpc="1">
-            <a:prstTxWarp prst="textNoShape">
-              <a:avLst/>
-            </a:prstTxWarp>
-            <a:noAutofit/>
+          <a:bodyPr>
+            <a:normAutofit/>
           </a:bodyPr>
           <a:lstStyle/>
           <a:p>
-            <a:pPr lvl="0" algn="ctr"/>
-            <a:r>
-              <a:rPr lang="hu-HU" sz="1700" dirty="0" err="1">
-                <a:solidFill>
-                  <a:schemeClr val="accent6">
-                    <a:lumMod val="50000"/>
-                  </a:schemeClr>
-                </a:solidFill>
-                <a:latin typeface="Segoe UI" panose="020B0502040204020203" pitchFamily="34" charset="0"/>
-                <a:cs typeface="Segoe UI" panose="020B0502040204020203" pitchFamily="34" charset="0"/>
-              </a:rPr>
-              <a:t>Xtext</a:t>
-            </a:r>
-            <a:r>
-              <a:rPr lang="hu-HU" sz="1700" dirty="0">
-                <a:solidFill>
-                  <a:schemeClr val="accent6">
-                    <a:lumMod val="50000"/>
-                  </a:schemeClr>
-                </a:solidFill>
-                <a:latin typeface="Segoe UI" panose="020B0502040204020203" pitchFamily="34" charset="0"/>
-                <a:cs typeface="Segoe UI" panose="020B0502040204020203" pitchFamily="34" charset="0"/>
-              </a:rPr>
-              <a:t> </a:t>
-            </a:r>
-            <a:r>
-              <a:rPr lang="hu-HU" sz="1700" dirty="0" err="1">
-                <a:solidFill>
-                  <a:schemeClr val="accent6">
-                    <a:lumMod val="50000"/>
-                  </a:schemeClr>
-                </a:solidFill>
-                <a:latin typeface="Segoe UI" panose="020B0502040204020203" pitchFamily="34" charset="0"/>
-                <a:cs typeface="Segoe UI" panose="020B0502040204020203" pitchFamily="34" charset="0"/>
-              </a:rPr>
-              <a:t>grammar</a:t>
-            </a:r>
-            <a:endParaRPr lang="hu-HU" sz="1700" dirty="0">
-              <a:solidFill>
-                <a:schemeClr val="accent6">
-                  <a:lumMod val="50000"/>
-                </a:schemeClr>
-              </a:solidFill>
-              <a:latin typeface="Segoe UI" panose="020B0502040204020203" pitchFamily="34" charset="0"/>
-              <a:cs typeface="Segoe UI" panose="020B0502040204020203" pitchFamily="34" charset="0"/>
-            </a:endParaRPr>
+            <a:r>
+              <a:rPr lang="hu-HU" dirty="0"/>
+              <a:t>Gamma </a:t>
+            </a:r>
+            <a:r>
+              <a:rPr lang="hu-HU" dirty="0" err="1"/>
+              <a:t>Statechart</a:t>
+            </a:r>
+            <a:r>
+              <a:rPr lang="hu-HU" dirty="0"/>
+              <a:t> </a:t>
+            </a:r>
+            <a:r>
+              <a:rPr lang="hu-HU" dirty="0" err="1"/>
+              <a:t>Composition</a:t>
+            </a:r>
+            <a:r>
+              <a:rPr lang="hu-HU" dirty="0"/>
+              <a:t> Framework</a:t>
+            </a:r>
+          </a:p>
+          <a:p>
+            <a:pPr lvl="1"/>
+            <a:r>
+              <a:rPr lang="hu-HU" dirty="0"/>
+              <a:t>Design </a:t>
+            </a:r>
+            <a:r>
+              <a:rPr lang="hu-HU" dirty="0" err="1"/>
+              <a:t>support</a:t>
+            </a:r>
+            <a:endParaRPr lang="hu-HU" dirty="0"/>
+          </a:p>
+          <a:p>
+            <a:pPr lvl="1"/>
+            <a:r>
+              <a:rPr lang="hu-HU" dirty="0" err="1"/>
+              <a:t>Code</a:t>
+            </a:r>
+            <a:r>
+              <a:rPr lang="hu-HU" dirty="0"/>
+              <a:t> </a:t>
+            </a:r>
+            <a:r>
+              <a:rPr lang="hu-HU" dirty="0" err="1"/>
+              <a:t>generation</a:t>
+            </a:r>
+            <a:endParaRPr lang="hu-HU" dirty="0"/>
+          </a:p>
+          <a:p>
+            <a:pPr lvl="1"/>
+            <a:r>
+              <a:rPr lang="hu-HU" dirty="0"/>
+              <a:t>V&amp;V (</a:t>
+            </a:r>
+            <a:r>
+              <a:rPr lang="hu-HU" dirty="0" err="1"/>
+              <a:t>formal</a:t>
+            </a:r>
+            <a:r>
+              <a:rPr lang="hu-HU" dirty="0"/>
+              <a:t> </a:t>
+            </a:r>
+            <a:r>
+              <a:rPr lang="hu-HU" dirty="0" err="1"/>
+              <a:t>analysis</a:t>
+            </a:r>
+            <a:r>
+              <a:rPr lang="hu-HU" dirty="0"/>
+              <a:t>)</a:t>
+            </a:r>
+          </a:p>
+          <a:p>
+            <a:r>
+              <a:rPr lang="hu-HU" dirty="0" err="1"/>
+              <a:t>Extension</a:t>
+            </a:r>
+            <a:r>
+              <a:rPr lang="hu-HU" dirty="0"/>
+              <a:t> of </a:t>
+            </a:r>
+            <a:r>
+              <a:rPr lang="hu-HU" dirty="0" err="1"/>
+              <a:t>the</a:t>
+            </a:r>
+            <a:r>
+              <a:rPr lang="hu-HU" dirty="0"/>
+              <a:t> </a:t>
+            </a:r>
+            <a:r>
+              <a:rPr lang="hu-HU" dirty="0" err="1"/>
+              <a:t>compsosititon</a:t>
+            </a:r>
+            <a:r>
+              <a:rPr lang="hu-HU" dirty="0"/>
+              <a:t> </a:t>
+            </a:r>
+            <a:r>
+              <a:rPr lang="hu-HU" dirty="0" err="1"/>
+              <a:t>language</a:t>
+            </a:r>
+            <a:endParaRPr lang="hu-HU" dirty="0"/>
+          </a:p>
+          <a:p>
+            <a:pPr lvl="1"/>
+            <a:r>
+              <a:rPr lang="hu-HU" sz="2400" dirty="0" err="1"/>
+              <a:t>Asynchronous</a:t>
+            </a:r>
+            <a:endParaRPr lang="hu-HU" sz="2400" dirty="0"/>
+          </a:p>
+          <a:p>
+            <a:pPr lvl="1"/>
+            <a:r>
+              <a:rPr lang="hu-HU" sz="2400" dirty="0" err="1"/>
+              <a:t>Synchronous</a:t>
+            </a:r>
+            <a:endParaRPr lang="hu-HU" sz="2400" dirty="0"/>
+          </a:p>
+          <a:p>
+            <a:pPr lvl="1"/>
+            <a:r>
+              <a:rPr lang="hu-HU" sz="2400" dirty="0" err="1"/>
+              <a:t>Cascade</a:t>
+            </a:r>
+            <a:endParaRPr lang="hu-HU" sz="2400" dirty="0"/>
+          </a:p>
+          <a:p>
+            <a:endParaRPr lang="hu-HU" dirty="0"/>
           </a:p>
         </p:txBody>
       </p:sp>
       <p:sp>
         <p:nvSpPr>
-          <p:cNvPr id="11" name="Lekerekített téglalap 119">
+          <p:cNvPr id="8" name="Dia számának helye 7">
             <a:extLst>
               <a:ext uri="{FF2B5EF4-FFF2-40B4-BE49-F238E27FC236}">
-                <a16:creationId xmlns:a16="http://schemas.microsoft.com/office/drawing/2014/main" id="{EC99DE21-E191-408B-A7B9-558F27F14E30}"/>
-              </a:ext>
-            </a:extLst>
-          </p:cNvPr>
-          <p:cNvSpPr/>
-          <p:nvPr/>
-        </p:nvSpPr>
-        <p:spPr>
-          <a:xfrm>
-            <a:off x="3428432" y="1373303"/>
-            <a:ext cx="1612565" cy="743652"/>
-          </a:xfrm>
-          <a:prstGeom prst="roundRect">
-            <a:avLst/>
-          </a:prstGeom>
-          <a:solidFill>
-            <a:schemeClr val="accent5">
-              <a:lumMod val="40000"/>
-              <a:lumOff val="60000"/>
-            </a:schemeClr>
-          </a:solidFill>
-          <a:ln w="19050">
-            <a:solidFill>
-              <a:schemeClr val="tx1"/>
-            </a:solidFill>
-          </a:ln>
-          <a:effectLst/>
-        </p:spPr>
-        <p:style>
-          <a:lnRef idx="2">
-            <a:schemeClr val="accent4">
-              <a:shade val="50000"/>
-            </a:schemeClr>
-          </a:lnRef>
-          <a:fillRef idx="1">
-            <a:schemeClr val="accent4"/>
-          </a:fillRef>
-          <a:effectRef idx="0">
-            <a:schemeClr val="accent4"/>
-          </a:effectRef>
-          <a:fontRef idx="minor">
-            <a:schemeClr val="lt1"/>
-          </a:fontRef>
-        </p:style>
-        <p:txBody>
-          <a:bodyPr rot="0" spcFirstLastPara="0" vertOverflow="overflow" horzOverflow="overflow" vert="horz" wrap="square" lIns="91440" tIns="45720" rIns="91440" bIns="45720" numCol="1" spcCol="0" rtlCol="0" fromWordArt="0" anchor="ctr" anchorCtr="0" forceAA="0" compatLnSpc="1">
-            <a:prstTxWarp prst="textNoShape">
-              <a:avLst/>
-            </a:prstTxWarp>
-            <a:noAutofit/>
-          </a:bodyPr>
-          <a:lstStyle/>
-          <a:p>
-            <a:pPr algn="ctr"/>
-            <a:r>
-              <a:rPr lang="hu-HU" sz="2000" dirty="0" err="1">
-                <a:solidFill>
-                  <a:schemeClr val="tx1"/>
-                </a:solidFill>
-              </a:rPr>
-              <a:t>Yakindu</a:t>
-            </a:r>
-            <a:r>
-              <a:rPr lang="hu-HU" sz="2000" dirty="0">
-                <a:solidFill>
-                  <a:schemeClr val="tx1"/>
-                </a:solidFill>
-              </a:rPr>
-              <a:t> </a:t>
-            </a:r>
-            <a:r>
-              <a:rPr lang="hu-HU" sz="2000" dirty="0" err="1">
-                <a:solidFill>
-                  <a:schemeClr val="tx1"/>
-                </a:solidFill>
-              </a:rPr>
-              <a:t>statechart</a:t>
-            </a:r>
-            <a:endParaRPr lang="hu-HU" sz="2000" dirty="0">
-              <a:solidFill>
-                <a:schemeClr val="tx1"/>
-              </a:solidFill>
-            </a:endParaRPr>
-          </a:p>
-        </p:txBody>
-      </p:sp>
-      <p:sp>
-        <p:nvSpPr>
-          <p:cNvPr id="12" name="Lekerekített téglalap 33">
-            <a:extLst>
-              <a:ext uri="{FF2B5EF4-FFF2-40B4-BE49-F238E27FC236}">
-                <a16:creationId xmlns:a16="http://schemas.microsoft.com/office/drawing/2014/main" id="{3C0BD8EE-E279-4A69-884F-13E4EE4D1EA5}"/>
-              </a:ext>
-            </a:extLst>
-          </p:cNvPr>
-          <p:cNvSpPr/>
-          <p:nvPr/>
-        </p:nvSpPr>
-        <p:spPr>
-          <a:xfrm>
-            <a:off x="5239457" y="1368697"/>
-            <a:ext cx="1592118" cy="743652"/>
-          </a:xfrm>
-          <a:prstGeom prst="roundRect">
-            <a:avLst/>
-          </a:prstGeom>
-          <a:solidFill>
-            <a:schemeClr val="accent5">
-              <a:lumMod val="40000"/>
-              <a:lumOff val="60000"/>
-            </a:schemeClr>
-          </a:solidFill>
-          <a:ln w="19050">
-            <a:solidFill>
-              <a:schemeClr val="tx1"/>
-            </a:solidFill>
-          </a:ln>
-          <a:effectLst/>
-        </p:spPr>
-        <p:style>
-          <a:lnRef idx="2">
-            <a:schemeClr val="accent4">
-              <a:shade val="50000"/>
-            </a:schemeClr>
-          </a:lnRef>
-          <a:fillRef idx="1">
-            <a:schemeClr val="accent4"/>
-          </a:fillRef>
-          <a:effectRef idx="0">
-            <a:schemeClr val="accent4"/>
-          </a:effectRef>
-          <a:fontRef idx="minor">
-            <a:schemeClr val="lt1"/>
-          </a:fontRef>
-        </p:style>
-        <p:txBody>
-          <a:bodyPr rot="0" spcFirstLastPara="0" vertOverflow="overflow" horzOverflow="overflow" vert="horz" wrap="square" lIns="91440" tIns="45720" rIns="91440" bIns="45720" numCol="1" spcCol="0" rtlCol="0" fromWordArt="0" anchor="ctr" anchorCtr="0" forceAA="0" compatLnSpc="1">
-            <a:prstTxWarp prst="textNoShape">
-              <a:avLst/>
-            </a:prstTxWarp>
-            <a:noAutofit/>
-          </a:bodyPr>
-          <a:lstStyle/>
-          <a:p>
-            <a:pPr algn="ctr"/>
-            <a:r>
-              <a:rPr lang="hu-HU" sz="2000" dirty="0" err="1">
-                <a:solidFill>
-                  <a:schemeClr val="tx1"/>
-                </a:solidFill>
-              </a:rPr>
-              <a:t>Yakindu</a:t>
-            </a:r>
-            <a:r>
-              <a:rPr lang="hu-HU" sz="2000" dirty="0">
-                <a:solidFill>
-                  <a:schemeClr val="tx1"/>
-                </a:solidFill>
-              </a:rPr>
-              <a:t> </a:t>
-            </a:r>
-            <a:r>
-              <a:rPr lang="hu-HU" sz="2000" dirty="0" err="1">
-                <a:solidFill>
-                  <a:schemeClr val="tx1"/>
-                </a:solidFill>
-              </a:rPr>
-              <a:t>statechart</a:t>
-            </a:r>
-            <a:endParaRPr lang="hu-HU" sz="2000" dirty="0">
-              <a:solidFill>
-                <a:schemeClr val="tx1"/>
-              </a:solidFill>
-            </a:endParaRPr>
-          </a:p>
-        </p:txBody>
-      </p:sp>
-      <p:sp>
-        <p:nvSpPr>
-          <p:cNvPr id="13" name="Lekerekített téglalap 36">
-            <a:extLst>
-              <a:ext uri="{FF2B5EF4-FFF2-40B4-BE49-F238E27FC236}">
-                <a16:creationId xmlns:a16="http://schemas.microsoft.com/office/drawing/2014/main" id="{B62F83F2-B381-445B-834B-A4F4E5400D0F}"/>
-              </a:ext>
-            </a:extLst>
-          </p:cNvPr>
-          <p:cNvSpPr/>
-          <p:nvPr/>
-        </p:nvSpPr>
-        <p:spPr>
-          <a:xfrm>
-            <a:off x="3439457" y="2636881"/>
-            <a:ext cx="1592118" cy="743652"/>
-          </a:xfrm>
-          <a:prstGeom prst="roundRect">
-            <a:avLst/>
-          </a:prstGeom>
-        </p:spPr>
-        <p:style>
-          <a:lnRef idx="1">
-            <a:schemeClr val="accent2"/>
-          </a:lnRef>
-          <a:fillRef idx="2">
-            <a:schemeClr val="accent2"/>
-          </a:fillRef>
-          <a:effectRef idx="1">
-            <a:schemeClr val="accent2"/>
-          </a:effectRef>
-          <a:fontRef idx="minor">
-            <a:schemeClr val="dk1"/>
-          </a:fontRef>
-        </p:style>
-        <p:txBody>
-          <a:bodyPr rtlCol="0" anchor="ctr"/>
-          <a:lstStyle/>
-          <a:p>
-            <a:pPr algn="ctr" defTabSz="457200"/>
-            <a:r>
-              <a:rPr lang="hu-HU" dirty="0">
-                <a:solidFill>
-                  <a:schemeClr val="accent2">
-                    <a:lumMod val="50000"/>
-                  </a:schemeClr>
-                </a:solidFill>
-                <a:latin typeface="Segoe UI" panose="020B0502040204020203" pitchFamily="34" charset="0"/>
-                <a:cs typeface="Segoe UI" panose="020B0502040204020203" pitchFamily="34" charset="0"/>
-              </a:rPr>
-              <a:t>Gamma</a:t>
-            </a:r>
-            <a:br>
-              <a:rPr lang="hu-HU" dirty="0">
-                <a:solidFill>
-                  <a:schemeClr val="accent2">
-                    <a:lumMod val="50000"/>
-                  </a:schemeClr>
-                </a:solidFill>
-                <a:latin typeface="Segoe UI" panose="020B0502040204020203" pitchFamily="34" charset="0"/>
-                <a:cs typeface="Segoe UI" panose="020B0502040204020203" pitchFamily="34" charset="0"/>
-              </a:rPr>
-            </a:br>
-            <a:r>
-              <a:rPr lang="hu-HU" dirty="0" err="1">
-                <a:solidFill>
-                  <a:schemeClr val="accent2">
-                    <a:lumMod val="50000"/>
-                  </a:schemeClr>
-                </a:solidFill>
-                <a:latin typeface="Segoe UI" panose="020B0502040204020203" pitchFamily="34" charset="0"/>
-                <a:cs typeface="Segoe UI" panose="020B0502040204020203" pitchFamily="34" charset="0"/>
-              </a:rPr>
-              <a:t>statechart</a:t>
-            </a:r>
-            <a:endParaRPr lang="hu-HU" dirty="0">
-              <a:solidFill>
-                <a:schemeClr val="accent2">
-                  <a:lumMod val="50000"/>
-                </a:schemeClr>
-              </a:solidFill>
-              <a:latin typeface="Segoe UI" panose="020B0502040204020203" pitchFamily="34" charset="0"/>
-              <a:cs typeface="Segoe UI" panose="020B0502040204020203" pitchFamily="34" charset="0"/>
-            </a:endParaRPr>
-          </a:p>
-        </p:txBody>
-      </p:sp>
-      <p:sp>
-        <p:nvSpPr>
-          <p:cNvPr id="14" name="Lekerekített téglalap 37">
-            <a:extLst>
-              <a:ext uri="{FF2B5EF4-FFF2-40B4-BE49-F238E27FC236}">
-                <a16:creationId xmlns:a16="http://schemas.microsoft.com/office/drawing/2014/main" id="{C616202F-8E0A-43FA-9EF6-A6F7D3DBA097}"/>
-              </a:ext>
-            </a:extLst>
-          </p:cNvPr>
-          <p:cNvSpPr/>
-          <p:nvPr/>
-        </p:nvSpPr>
-        <p:spPr>
-          <a:xfrm>
-            <a:off x="5239457" y="2636881"/>
-            <a:ext cx="1592118" cy="743652"/>
-          </a:xfrm>
-          <a:prstGeom prst="roundRect">
-            <a:avLst/>
-          </a:prstGeom>
-        </p:spPr>
-        <p:style>
-          <a:lnRef idx="1">
-            <a:schemeClr val="accent2"/>
-          </a:lnRef>
-          <a:fillRef idx="2">
-            <a:schemeClr val="accent2"/>
-          </a:fillRef>
-          <a:effectRef idx="1">
-            <a:schemeClr val="accent2"/>
-          </a:effectRef>
-          <a:fontRef idx="minor">
-            <a:schemeClr val="dk1"/>
-          </a:fontRef>
-        </p:style>
-        <p:txBody>
-          <a:bodyPr rtlCol="0" anchor="ctr"/>
-          <a:lstStyle/>
-          <a:p>
-            <a:pPr algn="ctr" defTabSz="457200"/>
-            <a:r>
-              <a:rPr lang="hu-HU" dirty="0">
-                <a:solidFill>
-                  <a:schemeClr val="accent2">
-                    <a:lumMod val="50000"/>
-                  </a:schemeClr>
-                </a:solidFill>
-                <a:latin typeface="Segoe UI" panose="020B0502040204020203" pitchFamily="34" charset="0"/>
-                <a:cs typeface="Segoe UI" panose="020B0502040204020203" pitchFamily="34" charset="0"/>
-              </a:rPr>
-              <a:t>Gamma</a:t>
-            </a:r>
-            <a:br>
-              <a:rPr lang="hu-HU" dirty="0">
-                <a:solidFill>
-                  <a:schemeClr val="accent2">
-                    <a:lumMod val="50000"/>
-                  </a:schemeClr>
-                </a:solidFill>
-                <a:latin typeface="Segoe UI" panose="020B0502040204020203" pitchFamily="34" charset="0"/>
-                <a:cs typeface="Segoe UI" panose="020B0502040204020203" pitchFamily="34" charset="0"/>
-              </a:rPr>
-            </a:br>
-            <a:r>
-              <a:rPr lang="hu-HU" dirty="0" err="1">
-                <a:solidFill>
-                  <a:schemeClr val="accent2">
-                    <a:lumMod val="50000"/>
-                  </a:schemeClr>
-                </a:solidFill>
-                <a:latin typeface="Segoe UI" panose="020B0502040204020203" pitchFamily="34" charset="0"/>
-                <a:cs typeface="Segoe UI" panose="020B0502040204020203" pitchFamily="34" charset="0"/>
-              </a:rPr>
-              <a:t>statechart</a:t>
-            </a:r>
-            <a:endParaRPr lang="hu-HU" dirty="0">
-              <a:solidFill>
-                <a:schemeClr val="accent2">
-                  <a:lumMod val="50000"/>
-                </a:schemeClr>
-              </a:solidFill>
-              <a:latin typeface="Segoe UI" panose="020B0502040204020203" pitchFamily="34" charset="0"/>
-              <a:cs typeface="Segoe UI" panose="020B0502040204020203" pitchFamily="34" charset="0"/>
-            </a:endParaRPr>
-          </a:p>
-        </p:txBody>
-      </p:sp>
-      <p:sp>
-        <p:nvSpPr>
-          <p:cNvPr id="15" name="Lekerekített téglalap 38">
-            <a:extLst>
-              <a:ext uri="{FF2B5EF4-FFF2-40B4-BE49-F238E27FC236}">
-                <a16:creationId xmlns:a16="http://schemas.microsoft.com/office/drawing/2014/main" id="{FF30D114-D36B-4557-8404-73438A3B9881}"/>
-              </a:ext>
-            </a:extLst>
-          </p:cNvPr>
-          <p:cNvSpPr/>
-          <p:nvPr/>
-        </p:nvSpPr>
-        <p:spPr>
-          <a:xfrm>
-            <a:off x="3206592" y="4838504"/>
-            <a:ext cx="5530594" cy="1404063"/>
-          </a:xfrm>
-          <a:prstGeom prst="roundRect">
-            <a:avLst/>
-          </a:prstGeom>
-          <a:solidFill>
-            <a:schemeClr val="accent2">
-              <a:lumMod val="20000"/>
-              <a:lumOff val="80000"/>
-            </a:schemeClr>
-          </a:solidFill>
-          <a:ln w="19050">
-            <a:solidFill>
-              <a:schemeClr val="tx1"/>
-            </a:solidFill>
-          </a:ln>
-          <a:effectLst/>
-        </p:spPr>
-        <p:style>
-          <a:lnRef idx="2">
-            <a:schemeClr val="accent4">
-              <a:shade val="50000"/>
-            </a:schemeClr>
-          </a:lnRef>
-          <a:fillRef idx="1">
-            <a:schemeClr val="accent4"/>
-          </a:fillRef>
-          <a:effectRef idx="0">
-            <a:schemeClr val="accent4"/>
-          </a:effectRef>
-          <a:fontRef idx="minor">
-            <a:schemeClr val="lt1"/>
-          </a:fontRef>
-        </p:style>
-        <p:txBody>
-          <a:bodyPr rot="0" spcFirstLastPara="0" vertOverflow="overflow" horzOverflow="overflow" vert="horz" wrap="square" lIns="91440" tIns="45720" rIns="91440" bIns="45720" numCol="1" spcCol="0" rtlCol="0" fromWordArt="0" anchor="ctr" anchorCtr="0" forceAA="0" compatLnSpc="1">
-            <a:prstTxWarp prst="textNoShape">
-              <a:avLst/>
-            </a:prstTxWarp>
-            <a:noAutofit/>
-          </a:bodyPr>
-          <a:lstStyle/>
-          <a:p>
-            <a:pPr algn="ctr"/>
-            <a:endParaRPr lang="hu-HU" sz="2000" dirty="0">
-              <a:solidFill>
-                <a:schemeClr val="tx1"/>
-              </a:solidFill>
-            </a:endParaRPr>
-          </a:p>
-        </p:txBody>
-      </p:sp>
-      <p:sp>
-        <p:nvSpPr>
-          <p:cNvPr id="16" name="Lekerekített téglalap 39">
-            <a:extLst>
-              <a:ext uri="{FF2B5EF4-FFF2-40B4-BE49-F238E27FC236}">
-                <a16:creationId xmlns:a16="http://schemas.microsoft.com/office/drawing/2014/main" id="{1E5B6A18-DA65-4991-B057-BFD65BCD0036}"/>
-              </a:ext>
-            </a:extLst>
-          </p:cNvPr>
-          <p:cNvSpPr/>
-          <p:nvPr/>
-        </p:nvSpPr>
-        <p:spPr>
-          <a:xfrm>
-            <a:off x="3439457" y="5112202"/>
-            <a:ext cx="1592118" cy="654452"/>
-          </a:xfrm>
-          <a:prstGeom prst="roundRect">
-            <a:avLst/>
-          </a:prstGeom>
-        </p:spPr>
-        <p:style>
-          <a:lnRef idx="1">
-            <a:schemeClr val="accent2"/>
-          </a:lnRef>
-          <a:fillRef idx="2">
-            <a:schemeClr val="accent2"/>
-          </a:fillRef>
-          <a:effectRef idx="1">
-            <a:schemeClr val="accent2"/>
-          </a:effectRef>
-          <a:fontRef idx="minor">
-            <a:schemeClr val="dk1"/>
-          </a:fontRef>
-        </p:style>
-        <p:txBody>
-          <a:bodyPr rtlCol="0" anchor="ctr"/>
-          <a:lstStyle/>
-          <a:p>
-            <a:pPr algn="ctr" defTabSz="457200"/>
-            <a:r>
-              <a:rPr lang="hu-HU" dirty="0">
-                <a:solidFill>
-                  <a:schemeClr val="accent2">
-                    <a:lumMod val="50000"/>
-                  </a:schemeClr>
-                </a:solidFill>
-                <a:latin typeface="Segoe UI" panose="020B0502040204020203" pitchFamily="34" charset="0"/>
-                <a:cs typeface="Segoe UI" panose="020B0502040204020203" pitchFamily="34" charset="0"/>
-              </a:rPr>
-              <a:t>UPPAAL </a:t>
-            </a:r>
-            <a:r>
-              <a:rPr lang="hu-HU" dirty="0" err="1">
-                <a:solidFill>
-                  <a:schemeClr val="accent2">
-                    <a:lumMod val="50000"/>
-                  </a:schemeClr>
-                </a:solidFill>
-                <a:latin typeface="Segoe UI" panose="020B0502040204020203" pitchFamily="34" charset="0"/>
-                <a:cs typeface="Segoe UI" panose="020B0502040204020203" pitchFamily="34" charset="0"/>
-              </a:rPr>
-              <a:t>model</a:t>
-            </a:r>
-            <a:endParaRPr lang="hu-HU" dirty="0">
-              <a:solidFill>
-                <a:schemeClr val="accent2">
-                  <a:lumMod val="50000"/>
-                </a:schemeClr>
-              </a:solidFill>
-              <a:latin typeface="Segoe UI" panose="020B0502040204020203" pitchFamily="34" charset="0"/>
-              <a:cs typeface="Segoe UI" panose="020B0502040204020203" pitchFamily="34" charset="0"/>
-            </a:endParaRPr>
-          </a:p>
-        </p:txBody>
-      </p:sp>
-      <p:sp>
-        <p:nvSpPr>
-          <p:cNvPr id="17" name="Lekerekített téglalap 40">
-            <a:extLst>
-              <a:ext uri="{FF2B5EF4-FFF2-40B4-BE49-F238E27FC236}">
-                <a16:creationId xmlns:a16="http://schemas.microsoft.com/office/drawing/2014/main" id="{E6A8B67B-8D48-4478-99B8-2028BA170FC1}"/>
-              </a:ext>
-            </a:extLst>
-          </p:cNvPr>
-          <p:cNvSpPr/>
-          <p:nvPr/>
-        </p:nvSpPr>
-        <p:spPr>
-          <a:xfrm>
-            <a:off x="5239457" y="5113640"/>
-            <a:ext cx="1592118" cy="654452"/>
-          </a:xfrm>
-          <a:prstGeom prst="roundRect">
-            <a:avLst/>
-          </a:prstGeom>
-        </p:spPr>
-        <p:style>
-          <a:lnRef idx="1">
-            <a:schemeClr val="accent2"/>
-          </a:lnRef>
-          <a:fillRef idx="2">
-            <a:schemeClr val="accent2"/>
-          </a:fillRef>
-          <a:effectRef idx="1">
-            <a:schemeClr val="accent2"/>
-          </a:effectRef>
-          <a:fontRef idx="minor">
-            <a:schemeClr val="dk1"/>
-          </a:fontRef>
-        </p:style>
-        <p:txBody>
-          <a:bodyPr rtlCol="0" anchor="ctr"/>
-          <a:lstStyle/>
-          <a:p>
-            <a:pPr algn="ctr" defTabSz="457200"/>
-            <a:r>
-              <a:rPr lang="hu-HU" dirty="0">
-                <a:solidFill>
-                  <a:schemeClr val="accent2">
-                    <a:lumMod val="50000"/>
-                  </a:schemeClr>
-                </a:solidFill>
-                <a:latin typeface="Segoe UI" panose="020B0502040204020203" pitchFamily="34" charset="0"/>
-                <a:cs typeface="Segoe UI" panose="020B0502040204020203" pitchFamily="34" charset="0"/>
-              </a:rPr>
-              <a:t>UPPAAL </a:t>
-            </a:r>
-            <a:r>
-              <a:rPr lang="hu-HU" dirty="0" err="1">
-                <a:solidFill>
-                  <a:schemeClr val="accent2">
-                    <a:lumMod val="50000"/>
-                  </a:schemeClr>
-                </a:solidFill>
-                <a:latin typeface="Segoe UI" panose="020B0502040204020203" pitchFamily="34" charset="0"/>
-                <a:cs typeface="Segoe UI" panose="020B0502040204020203" pitchFamily="34" charset="0"/>
-              </a:rPr>
-              <a:t>model</a:t>
-            </a:r>
-            <a:endParaRPr lang="hu-HU" dirty="0">
-              <a:solidFill>
-                <a:schemeClr val="accent2">
-                  <a:lumMod val="50000"/>
-                </a:schemeClr>
-              </a:solidFill>
-              <a:latin typeface="Segoe UI" panose="020B0502040204020203" pitchFamily="34" charset="0"/>
-              <a:cs typeface="Segoe UI" panose="020B0502040204020203" pitchFamily="34" charset="0"/>
-            </a:endParaRPr>
-          </a:p>
-        </p:txBody>
-      </p:sp>
-      <p:sp>
-        <p:nvSpPr>
-          <p:cNvPr id="18" name="Lekerekített téglalap 44">
-            <a:extLst>
-              <a:ext uri="{FF2B5EF4-FFF2-40B4-BE49-F238E27FC236}">
-                <a16:creationId xmlns:a16="http://schemas.microsoft.com/office/drawing/2014/main" id="{458580B1-9E5A-41DE-A449-42024B0B6A59}"/>
-              </a:ext>
-            </a:extLst>
-          </p:cNvPr>
-          <p:cNvSpPr/>
-          <p:nvPr/>
-        </p:nvSpPr>
-        <p:spPr>
-          <a:xfrm>
-            <a:off x="3352009" y="5027384"/>
-            <a:ext cx="3573518" cy="828246"/>
-          </a:xfrm>
-          <a:prstGeom prst="roundRect">
-            <a:avLst/>
-          </a:prstGeom>
-          <a:noFill/>
-          <a:ln w="19050">
-            <a:solidFill>
-              <a:schemeClr val="tx1"/>
-            </a:solidFill>
-            <a:prstDash val="dash"/>
-          </a:ln>
-          <a:effectLst/>
-        </p:spPr>
-        <p:style>
-          <a:lnRef idx="2">
-            <a:schemeClr val="accent4">
-              <a:shade val="50000"/>
-            </a:schemeClr>
-          </a:lnRef>
-          <a:fillRef idx="1">
-            <a:schemeClr val="accent4"/>
-          </a:fillRef>
-          <a:effectRef idx="0">
-            <a:schemeClr val="accent4"/>
-          </a:effectRef>
-          <a:fontRef idx="minor">
-            <a:schemeClr val="lt1"/>
-          </a:fontRef>
-        </p:style>
-        <p:txBody>
-          <a:bodyPr rot="0" spcFirstLastPara="0" vertOverflow="overflow" horzOverflow="overflow" vert="horz" wrap="square" lIns="91440" tIns="45720" rIns="91440" bIns="45720" numCol="1" spcCol="0" rtlCol="0" fromWordArt="0" anchor="ctr" anchorCtr="0" forceAA="0" compatLnSpc="1">
-            <a:prstTxWarp prst="textNoShape">
-              <a:avLst/>
-            </a:prstTxWarp>
-            <a:noAutofit/>
-          </a:bodyPr>
-          <a:lstStyle/>
-          <a:p>
-            <a:pPr algn="ctr"/>
-            <a:endParaRPr lang="hu-HU" sz="2000" dirty="0">
-              <a:solidFill>
-                <a:schemeClr val="tx1"/>
-              </a:solidFill>
-            </a:endParaRPr>
-          </a:p>
-        </p:txBody>
-      </p:sp>
-      <p:cxnSp>
-        <p:nvCxnSpPr>
-          <p:cNvPr id="19" name="Szögletes összekötő 46">
-            <a:extLst>
-              <a:ext uri="{FF2B5EF4-FFF2-40B4-BE49-F238E27FC236}">
-                <a16:creationId xmlns:a16="http://schemas.microsoft.com/office/drawing/2014/main" id="{E80848AD-FD22-404F-AC0A-A10630978F8A}"/>
-              </a:ext>
-            </a:extLst>
-          </p:cNvPr>
-          <p:cNvCxnSpPr>
-            <a:cxnSpLocks/>
-            <a:stCxn id="11" idx="2"/>
-            <a:endCxn id="13" idx="0"/>
-          </p:cNvCxnSpPr>
-          <p:nvPr/>
-        </p:nvCxnSpPr>
-        <p:spPr>
-          <a:xfrm rot="16200000" flipH="1">
-            <a:off x="3975152" y="2376517"/>
-            <a:ext cx="519926" cy="801"/>
-          </a:xfrm>
-          <a:prstGeom prst="bentConnector3">
-            <a:avLst>
-              <a:gd name="adj1" fmla="val 50000"/>
-            </a:avLst>
-          </a:prstGeom>
-          <a:ln w="19050">
-            <a:solidFill>
-              <a:schemeClr val="tx1"/>
-            </a:solidFill>
-            <a:prstDash val="solid"/>
-            <a:tailEnd type="triangle" w="lg" len="lg"/>
-          </a:ln>
-        </p:spPr>
-        <p:style>
-          <a:lnRef idx="1">
-            <a:schemeClr val="accent1"/>
-          </a:lnRef>
-          <a:fillRef idx="0">
-            <a:schemeClr val="accent1"/>
-          </a:fillRef>
-          <a:effectRef idx="0">
-            <a:schemeClr val="accent1"/>
-          </a:effectRef>
-          <a:fontRef idx="minor">
-            <a:schemeClr val="tx1"/>
-          </a:fontRef>
-        </p:style>
-      </p:cxnSp>
-      <p:cxnSp>
-        <p:nvCxnSpPr>
-          <p:cNvPr id="20" name="Szögletes összekötő 49">
-            <a:extLst>
-              <a:ext uri="{FF2B5EF4-FFF2-40B4-BE49-F238E27FC236}">
-                <a16:creationId xmlns:a16="http://schemas.microsoft.com/office/drawing/2014/main" id="{D20F9603-44E7-4424-BF9D-C815FBB842BA}"/>
-              </a:ext>
-            </a:extLst>
-          </p:cNvPr>
-          <p:cNvCxnSpPr>
-            <a:cxnSpLocks/>
-            <a:stCxn id="12" idx="2"/>
-            <a:endCxn id="14" idx="0"/>
-          </p:cNvCxnSpPr>
-          <p:nvPr/>
-        </p:nvCxnSpPr>
-        <p:spPr>
-          <a:xfrm>
-            <a:off x="6035516" y="2112349"/>
-            <a:ext cx="0" cy="524532"/>
-          </a:xfrm>
-          <a:prstGeom prst="straightConnector1">
-            <a:avLst/>
-          </a:prstGeom>
-          <a:ln w="19050">
-            <a:solidFill>
-              <a:schemeClr val="tx1"/>
-            </a:solidFill>
-            <a:prstDash val="solid"/>
-            <a:tailEnd type="triangle" w="lg" len="lg"/>
-          </a:ln>
-        </p:spPr>
-        <p:style>
-          <a:lnRef idx="1">
-            <a:schemeClr val="accent1"/>
-          </a:lnRef>
-          <a:fillRef idx="0">
-            <a:schemeClr val="accent1"/>
-          </a:fillRef>
-          <a:effectRef idx="0">
-            <a:schemeClr val="accent1"/>
-          </a:effectRef>
-          <a:fontRef idx="minor">
-            <a:schemeClr val="tx1"/>
-          </a:fontRef>
-        </p:style>
-      </p:cxnSp>
-      <p:cxnSp>
-        <p:nvCxnSpPr>
-          <p:cNvPr id="21" name="Szögletes összekötő 61">
-            <a:extLst>
-              <a:ext uri="{FF2B5EF4-FFF2-40B4-BE49-F238E27FC236}">
-                <a16:creationId xmlns:a16="http://schemas.microsoft.com/office/drawing/2014/main" id="{8DA0EE2D-4470-4D7A-A671-6D7391B4D817}"/>
-              </a:ext>
-            </a:extLst>
-          </p:cNvPr>
-          <p:cNvCxnSpPr>
-            <a:stCxn id="13" idx="2"/>
-          </p:cNvCxnSpPr>
-          <p:nvPr/>
-        </p:nvCxnSpPr>
-        <p:spPr>
-          <a:xfrm>
-            <a:off x="4235516" y="3380533"/>
-            <a:ext cx="0" cy="514303"/>
-          </a:xfrm>
-          <a:prstGeom prst="straightConnector1">
-            <a:avLst/>
-          </a:prstGeom>
-          <a:ln w="19050">
-            <a:solidFill>
-              <a:schemeClr val="tx1"/>
-            </a:solidFill>
-            <a:prstDash val="solid"/>
-            <a:tailEnd type="triangle" w="lg" len="lg"/>
-          </a:ln>
-        </p:spPr>
-        <p:style>
-          <a:lnRef idx="1">
-            <a:schemeClr val="accent1"/>
-          </a:lnRef>
-          <a:fillRef idx="0">
-            <a:schemeClr val="accent1"/>
-          </a:fillRef>
-          <a:effectRef idx="0">
-            <a:schemeClr val="accent1"/>
-          </a:effectRef>
-          <a:fontRef idx="minor">
-            <a:schemeClr val="tx1"/>
-          </a:fontRef>
-        </p:style>
-      </p:cxnSp>
-      <p:cxnSp>
-        <p:nvCxnSpPr>
-          <p:cNvPr id="22" name="Szögletes összekötő 64">
-            <a:extLst>
-              <a:ext uri="{FF2B5EF4-FFF2-40B4-BE49-F238E27FC236}">
-                <a16:creationId xmlns:a16="http://schemas.microsoft.com/office/drawing/2014/main" id="{4A5DAAF4-36A1-446E-A275-D465D9665868}"/>
-              </a:ext>
-            </a:extLst>
-          </p:cNvPr>
-          <p:cNvCxnSpPr>
-            <a:stCxn id="14" idx="2"/>
-          </p:cNvCxnSpPr>
-          <p:nvPr/>
-        </p:nvCxnSpPr>
-        <p:spPr>
-          <a:xfrm>
-            <a:off x="6035516" y="3380533"/>
-            <a:ext cx="0" cy="514303"/>
-          </a:xfrm>
-          <a:prstGeom prst="straightConnector1">
-            <a:avLst/>
-          </a:prstGeom>
-          <a:ln w="19050">
-            <a:solidFill>
-              <a:schemeClr val="tx1"/>
-            </a:solidFill>
-            <a:prstDash val="solid"/>
-            <a:tailEnd type="triangle" w="lg" len="lg"/>
-          </a:ln>
-        </p:spPr>
-        <p:style>
-          <a:lnRef idx="1">
-            <a:schemeClr val="accent1"/>
-          </a:lnRef>
-          <a:fillRef idx="0">
-            <a:schemeClr val="accent1"/>
-          </a:fillRef>
-          <a:effectRef idx="0">
-            <a:schemeClr val="accent1"/>
-          </a:effectRef>
-          <a:fontRef idx="minor">
-            <a:schemeClr val="tx1"/>
-          </a:fontRef>
-        </p:style>
-      </p:cxnSp>
-      <p:cxnSp>
-        <p:nvCxnSpPr>
-          <p:cNvPr id="23" name="Szögletes összekötő 67">
-            <a:extLst>
-              <a:ext uri="{FF2B5EF4-FFF2-40B4-BE49-F238E27FC236}">
-                <a16:creationId xmlns:a16="http://schemas.microsoft.com/office/drawing/2014/main" id="{8257F923-A43F-4B54-ACE9-1983B1E2FD91}"/>
-              </a:ext>
-            </a:extLst>
-          </p:cNvPr>
-          <p:cNvCxnSpPr>
-            <a:endCxn id="18" idx="0"/>
-          </p:cNvCxnSpPr>
-          <p:nvPr/>
-        </p:nvCxnSpPr>
-        <p:spPr>
-          <a:xfrm>
-            <a:off x="5138768" y="4594659"/>
-            <a:ext cx="0" cy="432725"/>
-          </a:xfrm>
-          <a:prstGeom prst="straightConnector1">
-            <a:avLst/>
-          </a:prstGeom>
-          <a:ln w="19050">
-            <a:solidFill>
-              <a:schemeClr val="tx1"/>
-            </a:solidFill>
-            <a:prstDash val="solid"/>
-            <a:tailEnd type="triangle" w="lg" len="lg"/>
-          </a:ln>
-        </p:spPr>
-        <p:style>
-          <a:lnRef idx="1">
-            <a:schemeClr val="accent1"/>
-          </a:lnRef>
-          <a:fillRef idx="0">
-            <a:schemeClr val="accent1"/>
-          </a:fillRef>
-          <a:effectRef idx="0">
-            <a:schemeClr val="accent1"/>
-          </a:effectRef>
-          <a:fontRef idx="minor">
-            <a:schemeClr val="tx1"/>
-          </a:fontRef>
-        </p:style>
-      </p:cxnSp>
-      <p:sp>
-        <p:nvSpPr>
-          <p:cNvPr id="24" name="Lekerekített téglalap 152">
-            <a:extLst>
-              <a:ext uri="{FF2B5EF4-FFF2-40B4-BE49-F238E27FC236}">
-                <a16:creationId xmlns:a16="http://schemas.microsoft.com/office/drawing/2014/main" id="{C40EF9D8-30DB-46AB-9F17-A574099286BF}"/>
-              </a:ext>
-            </a:extLst>
-          </p:cNvPr>
-          <p:cNvSpPr/>
-          <p:nvPr/>
-        </p:nvSpPr>
-        <p:spPr>
-          <a:xfrm>
-            <a:off x="7144468" y="5136470"/>
-            <a:ext cx="1361924" cy="290079"/>
-          </a:xfrm>
-          <a:prstGeom prst="roundRect">
-            <a:avLst/>
-          </a:prstGeom>
-        </p:spPr>
-        <p:style>
-          <a:lnRef idx="1">
-            <a:schemeClr val="accent2"/>
-          </a:lnRef>
-          <a:fillRef idx="2">
-            <a:schemeClr val="accent2"/>
-          </a:fillRef>
-          <a:effectRef idx="1">
-            <a:schemeClr val="accent2"/>
-          </a:effectRef>
-          <a:fontRef idx="minor">
-            <a:schemeClr val="dk1"/>
-          </a:fontRef>
-        </p:style>
-        <p:txBody>
-          <a:bodyPr rtlCol="0" anchor="ctr"/>
-          <a:lstStyle/>
-          <a:p>
-            <a:pPr algn="ctr" defTabSz="457200"/>
-            <a:r>
-              <a:rPr lang="hu-HU" sz="1600" dirty="0">
-                <a:solidFill>
-                  <a:schemeClr val="accent2">
-                    <a:lumMod val="50000"/>
-                  </a:schemeClr>
-                </a:solidFill>
-                <a:latin typeface="Segoe UI" panose="020B0502040204020203" pitchFamily="34" charset="0"/>
-                <a:cs typeface="Segoe UI" panose="020B0502040204020203" pitchFamily="34" charset="0"/>
-              </a:rPr>
-              <a:t>CTL </a:t>
-            </a:r>
-            <a:r>
-              <a:rPr lang="hu-HU" sz="1600" dirty="0" err="1">
-                <a:solidFill>
-                  <a:schemeClr val="accent2">
-                    <a:lumMod val="50000"/>
-                  </a:schemeClr>
-                </a:solidFill>
-                <a:latin typeface="Segoe UI" panose="020B0502040204020203" pitchFamily="34" charset="0"/>
-                <a:cs typeface="Segoe UI" panose="020B0502040204020203" pitchFamily="34" charset="0"/>
-              </a:rPr>
-              <a:t>exp</a:t>
-            </a:r>
-            <a:r>
-              <a:rPr lang="hu-HU" sz="1600" dirty="0">
-                <a:solidFill>
-                  <a:schemeClr val="accent2">
-                    <a:lumMod val="50000"/>
-                  </a:schemeClr>
-                </a:solidFill>
-                <a:latin typeface="Segoe UI" panose="020B0502040204020203" pitchFamily="34" charset="0"/>
-                <a:cs typeface="Segoe UI" panose="020B0502040204020203" pitchFamily="34" charset="0"/>
-              </a:rPr>
-              <a:t>.</a:t>
-            </a:r>
-          </a:p>
-        </p:txBody>
-      </p:sp>
-      <p:sp>
-        <p:nvSpPr>
-          <p:cNvPr id="25" name="Lekerekített téglalap 159">
-            <a:extLst>
-              <a:ext uri="{FF2B5EF4-FFF2-40B4-BE49-F238E27FC236}">
-                <a16:creationId xmlns:a16="http://schemas.microsoft.com/office/drawing/2014/main" id="{AFEC0D88-07ED-4E17-B725-D5BABCF978D2}"/>
-              </a:ext>
-            </a:extLst>
-          </p:cNvPr>
-          <p:cNvSpPr/>
-          <p:nvPr/>
-        </p:nvSpPr>
-        <p:spPr>
-          <a:xfrm>
-            <a:off x="7144468" y="5708731"/>
-            <a:ext cx="1361924" cy="290079"/>
-          </a:xfrm>
-          <a:prstGeom prst="roundRect">
-            <a:avLst/>
-          </a:prstGeom>
-        </p:spPr>
-        <p:style>
-          <a:lnRef idx="1">
-            <a:schemeClr val="accent2"/>
-          </a:lnRef>
-          <a:fillRef idx="2">
-            <a:schemeClr val="accent2"/>
-          </a:fillRef>
-          <a:effectRef idx="1">
-            <a:schemeClr val="accent2"/>
-          </a:effectRef>
-          <a:fontRef idx="minor">
-            <a:schemeClr val="dk1"/>
-          </a:fontRef>
-        </p:style>
-        <p:txBody>
-          <a:bodyPr rtlCol="0" anchor="ctr"/>
-          <a:lstStyle/>
-          <a:p>
-            <a:pPr algn="ctr" defTabSz="457200"/>
-            <a:r>
-              <a:rPr lang="hu-HU" sz="1600" dirty="0">
-                <a:solidFill>
-                  <a:schemeClr val="accent2">
-                    <a:lumMod val="50000"/>
-                  </a:schemeClr>
-                </a:solidFill>
-                <a:latin typeface="Segoe UI" panose="020B0502040204020203" pitchFamily="34" charset="0"/>
-                <a:cs typeface="Segoe UI" panose="020B0502040204020203" pitchFamily="34" charset="0"/>
-              </a:rPr>
-              <a:t>CTL </a:t>
-            </a:r>
-            <a:r>
-              <a:rPr lang="hu-HU" sz="1600" dirty="0" err="1">
-                <a:solidFill>
-                  <a:schemeClr val="accent2">
-                    <a:lumMod val="50000"/>
-                  </a:schemeClr>
-                </a:solidFill>
-                <a:latin typeface="Segoe UI" panose="020B0502040204020203" pitchFamily="34" charset="0"/>
-                <a:cs typeface="Segoe UI" panose="020B0502040204020203" pitchFamily="34" charset="0"/>
-              </a:rPr>
-              <a:t>exp</a:t>
-            </a:r>
-            <a:r>
-              <a:rPr lang="hu-HU" sz="1600" dirty="0">
-                <a:solidFill>
-                  <a:schemeClr val="accent2">
-                    <a:lumMod val="50000"/>
-                  </a:schemeClr>
-                </a:solidFill>
-                <a:latin typeface="Segoe UI" panose="020B0502040204020203" pitchFamily="34" charset="0"/>
-                <a:cs typeface="Segoe UI" panose="020B0502040204020203" pitchFamily="34" charset="0"/>
-              </a:rPr>
-              <a:t>.</a:t>
-            </a:r>
-          </a:p>
-        </p:txBody>
-      </p:sp>
-      <p:sp>
-        <p:nvSpPr>
-          <p:cNvPr id="26" name="Szövegdoboz 41">
-            <a:extLst>
-              <a:ext uri="{FF2B5EF4-FFF2-40B4-BE49-F238E27FC236}">
-                <a16:creationId xmlns:a16="http://schemas.microsoft.com/office/drawing/2014/main" id="{04CAAE23-B317-465D-A81A-CE87A44BDF45}"/>
-              </a:ext>
-            </a:extLst>
-          </p:cNvPr>
-          <p:cNvSpPr txBox="1"/>
-          <p:nvPr/>
-        </p:nvSpPr>
-        <p:spPr>
-          <a:xfrm>
-            <a:off x="3886252" y="5810443"/>
-            <a:ext cx="2490410" cy="400110"/>
-          </a:xfrm>
-          <a:prstGeom prst="rect">
-            <a:avLst/>
-          </a:prstGeom>
-          <a:noFill/>
-        </p:spPr>
-        <p:txBody>
-          <a:bodyPr wrap="square" rtlCol="0">
-            <a:spAutoFit/>
-          </a:bodyPr>
-          <a:lstStyle/>
-          <a:p>
-            <a:pPr algn="ctr"/>
-            <a:r>
-              <a:rPr lang="hu-HU" sz="2000" dirty="0"/>
-              <a:t>UPPAAL</a:t>
-            </a:r>
-          </a:p>
-        </p:txBody>
-      </p:sp>
-      <p:sp>
-        <p:nvSpPr>
-          <p:cNvPr id="27" name="Lekerekített téglalap 65">
-            <a:extLst>
-              <a:ext uri="{FF2B5EF4-FFF2-40B4-BE49-F238E27FC236}">
-                <a16:creationId xmlns:a16="http://schemas.microsoft.com/office/drawing/2014/main" id="{D0689FA2-818D-4DC7-83E8-037005071973}"/>
-              </a:ext>
-            </a:extLst>
-          </p:cNvPr>
-          <p:cNvSpPr/>
-          <p:nvPr/>
-        </p:nvSpPr>
-        <p:spPr>
-          <a:xfrm>
-            <a:off x="7018079" y="5027383"/>
-            <a:ext cx="1604678" cy="1086236"/>
-          </a:xfrm>
-          <a:prstGeom prst="roundRect">
-            <a:avLst/>
-          </a:prstGeom>
-          <a:noFill/>
-          <a:ln w="19050">
-            <a:solidFill>
-              <a:schemeClr val="tx1"/>
-            </a:solidFill>
-            <a:prstDash val="dash"/>
-          </a:ln>
-          <a:effectLst/>
-        </p:spPr>
-        <p:style>
-          <a:lnRef idx="2">
-            <a:schemeClr val="accent4">
-              <a:shade val="50000"/>
-            </a:schemeClr>
-          </a:lnRef>
-          <a:fillRef idx="1">
-            <a:schemeClr val="accent4"/>
-          </a:fillRef>
-          <a:effectRef idx="0">
-            <a:schemeClr val="accent4"/>
-          </a:effectRef>
-          <a:fontRef idx="minor">
-            <a:schemeClr val="lt1"/>
-          </a:fontRef>
-        </p:style>
-        <p:txBody>
-          <a:bodyPr rot="0" spcFirstLastPara="0" vertOverflow="overflow" horzOverflow="overflow" vert="vert" wrap="square" lIns="91440" tIns="45720" rIns="91440" bIns="45720" numCol="1" spcCol="0" rtlCol="0" fromWordArt="0" anchor="ctr" anchorCtr="0" forceAA="0" compatLnSpc="1">
-            <a:prstTxWarp prst="textNoShape">
-              <a:avLst/>
-            </a:prstTxWarp>
-            <a:noAutofit/>
-          </a:bodyPr>
-          <a:lstStyle/>
-          <a:p>
-            <a:pPr algn="ctr"/>
-            <a:r>
-              <a:rPr lang="hu-HU" sz="2000" dirty="0">
-                <a:solidFill>
-                  <a:schemeClr val="tx1"/>
-                </a:solidFill>
-                <a:latin typeface="Arial" panose="020B0604020202020204" pitchFamily="34" charset="0"/>
-                <a:cs typeface="Arial" panose="020B0604020202020204" pitchFamily="34" charset="0"/>
-              </a:rPr>
-              <a:t>···</a:t>
-            </a:r>
-            <a:endParaRPr lang="hu-HU" sz="2000" dirty="0">
-              <a:solidFill>
-                <a:schemeClr val="tx1"/>
-              </a:solidFill>
-            </a:endParaRPr>
-          </a:p>
-        </p:txBody>
-      </p:sp>
-      <p:sp>
-        <p:nvSpPr>
-          <p:cNvPr id="28" name="Lekerekített téglalap 66">
-            <a:extLst>
-              <a:ext uri="{FF2B5EF4-FFF2-40B4-BE49-F238E27FC236}">
-                <a16:creationId xmlns:a16="http://schemas.microsoft.com/office/drawing/2014/main" id="{AC9615C6-89CC-43A1-AA1E-B77AC04E51DC}"/>
-              </a:ext>
-            </a:extLst>
-          </p:cNvPr>
-          <p:cNvSpPr/>
-          <p:nvPr/>
-        </p:nvSpPr>
-        <p:spPr>
-          <a:xfrm>
-            <a:off x="3265960" y="1270722"/>
-            <a:ext cx="3745616" cy="939603"/>
-          </a:xfrm>
-          <a:prstGeom prst="roundRect">
-            <a:avLst/>
-          </a:prstGeom>
-          <a:noFill/>
-          <a:ln w="19050">
-            <a:solidFill>
-              <a:schemeClr val="tx1"/>
-            </a:solidFill>
-            <a:prstDash val="dash"/>
-          </a:ln>
-          <a:effectLst/>
-        </p:spPr>
-        <p:style>
-          <a:lnRef idx="2">
-            <a:schemeClr val="accent4">
-              <a:shade val="50000"/>
-            </a:schemeClr>
-          </a:lnRef>
-          <a:fillRef idx="1">
-            <a:schemeClr val="accent4"/>
-          </a:fillRef>
-          <a:effectRef idx="0">
-            <a:schemeClr val="accent4"/>
-          </a:effectRef>
-          <a:fontRef idx="minor">
-            <a:schemeClr val="lt1"/>
-          </a:fontRef>
-        </p:style>
-        <p:txBody>
-          <a:bodyPr rot="0" spcFirstLastPara="0" vertOverflow="overflow" horzOverflow="overflow" vert="horz" wrap="square" lIns="91440" tIns="45720" rIns="91440" bIns="45720" numCol="1" spcCol="0" rtlCol="0" fromWordArt="0" anchor="ctr" anchorCtr="0" forceAA="0" compatLnSpc="1">
-            <a:prstTxWarp prst="textNoShape">
-              <a:avLst/>
-            </a:prstTxWarp>
-            <a:noAutofit/>
-          </a:bodyPr>
-          <a:lstStyle/>
-          <a:p>
-            <a:pPr algn="ctr"/>
-            <a:endParaRPr lang="hu-HU" sz="2000" dirty="0">
-              <a:solidFill>
-                <a:schemeClr val="tx1"/>
-              </a:solidFill>
-            </a:endParaRPr>
-          </a:p>
-        </p:txBody>
-      </p:sp>
-      <p:cxnSp>
-        <p:nvCxnSpPr>
-          <p:cNvPr id="29" name="Szögletes összekötő 167">
-            <a:extLst>
-              <a:ext uri="{FF2B5EF4-FFF2-40B4-BE49-F238E27FC236}">
-                <a16:creationId xmlns:a16="http://schemas.microsoft.com/office/drawing/2014/main" id="{0C74E167-EB25-4EE5-8BAF-E43A0DF0D30B}"/>
-              </a:ext>
-            </a:extLst>
-          </p:cNvPr>
-          <p:cNvCxnSpPr>
-            <a:cxnSpLocks/>
-            <a:stCxn id="15" idx="1"/>
-            <a:endCxn id="5" idx="3"/>
-          </p:cNvCxnSpPr>
-          <p:nvPr/>
-        </p:nvCxnSpPr>
-        <p:spPr>
-          <a:xfrm rot="10800000">
-            <a:off x="2381386" y="5540536"/>
-            <a:ext cx="825206" cy="1"/>
-          </a:xfrm>
-          <a:prstGeom prst="bentConnector3">
-            <a:avLst>
-              <a:gd name="adj1" fmla="val 50000"/>
-            </a:avLst>
-          </a:prstGeom>
-          <a:ln w="19050" cmpd="sng">
-            <a:solidFill>
-              <a:schemeClr val="tx1"/>
-            </a:solidFill>
-            <a:prstDash val="solid"/>
-            <a:tailEnd type="triangle" w="lg" len="lg"/>
-          </a:ln>
-        </p:spPr>
-        <p:style>
-          <a:lnRef idx="1">
-            <a:schemeClr val="accent1"/>
-          </a:lnRef>
-          <a:fillRef idx="0">
-            <a:schemeClr val="accent1"/>
-          </a:fillRef>
-          <a:effectRef idx="0">
-            <a:schemeClr val="accent1"/>
-          </a:effectRef>
-          <a:fontRef idx="minor">
-            <a:schemeClr val="tx1"/>
-          </a:fontRef>
-        </p:style>
-      </p:cxnSp>
-      <p:cxnSp>
-        <p:nvCxnSpPr>
-          <p:cNvPr id="30" name="Szögletes összekötő 170">
-            <a:extLst>
-              <a:ext uri="{FF2B5EF4-FFF2-40B4-BE49-F238E27FC236}">
-                <a16:creationId xmlns:a16="http://schemas.microsoft.com/office/drawing/2014/main" id="{FD5FDB93-D19C-42C5-8827-59F1B7634044}"/>
-              </a:ext>
-            </a:extLst>
-          </p:cNvPr>
-          <p:cNvCxnSpPr>
-            <a:stCxn id="28" idx="1"/>
-            <a:endCxn id="7" idx="3"/>
-          </p:cNvCxnSpPr>
-          <p:nvPr/>
-        </p:nvCxnSpPr>
-        <p:spPr>
-          <a:xfrm rot="10800000" flipV="1">
-            <a:off x="2377668" y="1740523"/>
-            <a:ext cx="888292" cy="1265371"/>
-          </a:xfrm>
-          <a:prstGeom prst="bentConnector3">
-            <a:avLst>
-              <a:gd name="adj1" fmla="val 31312"/>
-            </a:avLst>
-          </a:prstGeom>
-          <a:ln w="19050">
-            <a:solidFill>
-              <a:schemeClr val="tx1"/>
-            </a:solidFill>
-            <a:prstDash val="solid"/>
-            <a:tailEnd type="triangle" w="lg" len="lg"/>
-          </a:ln>
-        </p:spPr>
-        <p:style>
-          <a:lnRef idx="1">
-            <a:schemeClr val="accent1"/>
-          </a:lnRef>
-          <a:fillRef idx="0">
-            <a:schemeClr val="accent1"/>
-          </a:fillRef>
-          <a:effectRef idx="0">
-            <a:schemeClr val="accent1"/>
-          </a:effectRef>
-          <a:fontRef idx="minor">
-            <a:schemeClr val="tx1"/>
-          </a:fontRef>
-        </p:style>
-      </p:cxnSp>
-      <p:sp>
-        <p:nvSpPr>
-          <p:cNvPr id="32" name="Szövegdoboz 31">
-            <a:extLst>
-              <a:ext uri="{FF2B5EF4-FFF2-40B4-BE49-F238E27FC236}">
-                <a16:creationId xmlns:a16="http://schemas.microsoft.com/office/drawing/2014/main" id="{8A9EEEE8-91B7-4B72-B244-477F7CBF46C6}"/>
-              </a:ext>
-            </a:extLst>
-          </p:cNvPr>
-          <p:cNvSpPr txBox="1"/>
-          <p:nvPr/>
-        </p:nvSpPr>
-        <p:spPr>
-          <a:xfrm rot="16200000">
-            <a:off x="2059730" y="4444306"/>
-            <a:ext cx="1412887" cy="369332"/>
-          </a:xfrm>
-          <a:prstGeom prst="rect">
-            <a:avLst/>
-          </a:prstGeom>
-          <a:noFill/>
-        </p:spPr>
-        <p:txBody>
-          <a:bodyPr wrap="square" rtlCol="0">
-            <a:spAutoFit/>
-          </a:bodyPr>
-          <a:lstStyle/>
-          <a:p>
-            <a:r>
-              <a:rPr lang="hu-HU" dirty="0" err="1"/>
-              <a:t>Xtend</a:t>
-            </a:r>
-            <a:endParaRPr lang="hu-HU" dirty="0"/>
-          </a:p>
-        </p:txBody>
-      </p:sp>
-      <p:cxnSp>
-        <p:nvCxnSpPr>
-          <p:cNvPr id="33" name="Szögletes összekötő 170">
-            <a:extLst>
-              <a:ext uri="{FF2B5EF4-FFF2-40B4-BE49-F238E27FC236}">
-                <a16:creationId xmlns:a16="http://schemas.microsoft.com/office/drawing/2014/main" id="{4BF8141F-FA19-4855-9E0E-26CBBF2CC246}"/>
-              </a:ext>
-            </a:extLst>
-          </p:cNvPr>
-          <p:cNvCxnSpPr>
-            <a:endCxn id="27" idx="0"/>
-          </p:cNvCxnSpPr>
-          <p:nvPr/>
-        </p:nvCxnSpPr>
-        <p:spPr>
-          <a:xfrm>
-            <a:off x="7820418" y="4594659"/>
-            <a:ext cx="0" cy="432724"/>
-          </a:xfrm>
-          <a:prstGeom prst="straightConnector1">
-            <a:avLst/>
-          </a:prstGeom>
-          <a:ln w="19050">
-            <a:solidFill>
-              <a:schemeClr val="tx1"/>
-            </a:solidFill>
-            <a:prstDash val="solid"/>
-            <a:tailEnd type="triangle" w="lg" len="lg"/>
-          </a:ln>
-        </p:spPr>
-        <p:style>
-          <a:lnRef idx="1">
-            <a:schemeClr val="accent1"/>
-          </a:lnRef>
-          <a:fillRef idx="0">
-            <a:schemeClr val="accent1"/>
-          </a:fillRef>
-          <a:effectRef idx="0">
-            <a:schemeClr val="accent1"/>
-          </a:effectRef>
-          <a:fontRef idx="minor">
-            <a:schemeClr val="tx1"/>
-          </a:fontRef>
-        </p:style>
-      </p:cxnSp>
-      <p:sp>
-        <p:nvSpPr>
-          <p:cNvPr id="34" name="Beszédbuborék: lekerekített sarkú téglalap 5">
-            <a:extLst>
-              <a:ext uri="{FF2B5EF4-FFF2-40B4-BE49-F238E27FC236}">
-                <a16:creationId xmlns:a16="http://schemas.microsoft.com/office/drawing/2014/main" id="{4ED50537-13CA-4626-AD3A-B2591EAE4FDA}"/>
-              </a:ext>
-            </a:extLst>
-          </p:cNvPr>
-          <p:cNvSpPr/>
-          <p:nvPr/>
-        </p:nvSpPr>
-        <p:spPr>
-          <a:xfrm rot="5400000">
-            <a:off x="7388073" y="3245549"/>
-            <a:ext cx="2211489" cy="486732"/>
-          </a:xfrm>
-          <a:prstGeom prst="roundRect">
-            <a:avLst/>
-          </a:prstGeom>
-          <a:ln w="19050">
-            <a:solidFill>
-              <a:schemeClr val="tx1"/>
-            </a:solidFill>
-          </a:ln>
-        </p:spPr>
-        <p:style>
-          <a:lnRef idx="1">
-            <a:schemeClr val="accent2"/>
-          </a:lnRef>
-          <a:fillRef idx="3">
-            <a:schemeClr val="accent2"/>
-          </a:fillRef>
-          <a:effectRef idx="2">
-            <a:schemeClr val="accent2"/>
-          </a:effectRef>
-          <a:fontRef idx="minor">
-            <a:schemeClr val="lt1"/>
-          </a:fontRef>
-        </p:style>
-        <p:txBody>
-          <a:bodyPr rtlCol="0" anchor="ctr"/>
-          <a:lstStyle/>
-          <a:p>
-            <a:pPr algn="ctr" defTabSz="457200"/>
-            <a:r>
-              <a:rPr lang="hu-HU">
-                <a:latin typeface="Segoe UI" panose="020B0502040204020203" pitchFamily="34" charset="0"/>
-                <a:cs typeface="Segoe UI" panose="020B0502040204020203" pitchFamily="34" charset="0"/>
-              </a:rPr>
-              <a:t>VIATRA</a:t>
-            </a:r>
-            <a:endParaRPr lang="en-US" dirty="0" err="1">
-              <a:latin typeface="Segoe UI" panose="020B0502040204020203" pitchFamily="34" charset="0"/>
-              <a:cs typeface="Segoe UI" panose="020B0502040204020203" pitchFamily="34" charset="0"/>
-            </a:endParaRPr>
-          </a:p>
-        </p:txBody>
-      </p:sp>
-      <p:sp>
-        <p:nvSpPr>
-          <p:cNvPr id="31" name="Dia számának helye 30">
-            <a:extLst>
-              <a:ext uri="{FF2B5EF4-FFF2-40B4-BE49-F238E27FC236}">
-                <a16:creationId xmlns:a16="http://schemas.microsoft.com/office/drawing/2014/main" id="{2E9C6FE8-763F-4BEC-872E-F0A1966EE265}"/>
+                <a16:creationId xmlns:a16="http://schemas.microsoft.com/office/drawing/2014/main" id="{21242BF0-91F6-4FCB-B17E-595A1837653F}"/>
               </a:ext>
             </a:extLst>
           </p:cNvPr>
@@ -44157,7 +42491,7 @@
     </p:spTree>
     <p:extLst>
       <p:ext uri="{BB962C8B-B14F-4D97-AF65-F5344CB8AC3E}">
-        <p14:creationId xmlns:p14="http://schemas.microsoft.com/office/powerpoint/2010/main" val="1132779880"/>
+        <p14:creationId xmlns:p14="http://schemas.microsoft.com/office/powerpoint/2010/main" val="1935620616"/>
       </p:ext>
     </p:extLst>
   </p:cSld>
@@ -44206,7 +42540,15 @@
           <a:p>
             <a:r>
               <a:rPr lang="hu-HU" dirty="0" err="1"/>
-              <a:t>Summary</a:t>
+              <a:t>Future</a:t>
+            </a:r>
+            <a:r>
+              <a:rPr lang="hu-HU" dirty="0"/>
+              <a:t> </a:t>
+            </a:r>
+            <a:r>
+              <a:rPr lang="hu-HU" dirty="0" err="1"/>
+              <a:t>work</a:t>
             </a:r>
             <a:endParaRPr lang="en-US" dirty="0"/>
           </a:p>
@@ -44224,8 +42566,8 @@
         </p:nvSpPr>
         <p:spPr>
           <a:xfrm>
-            <a:off x="628649" y="1455938"/>
-            <a:ext cx="8013545" cy="4732140"/>
+            <a:off x="628650" y="1455938"/>
+            <a:ext cx="7886700" cy="4883078"/>
           </a:xfrm>
         </p:spPr>
         <p:txBody>
@@ -44235,113 +42577,172 @@
           <a:lstStyle/>
           <a:p>
             <a:r>
-              <a:rPr lang="hu-HU" dirty="0"/>
-              <a:t>Gamma </a:t>
-            </a:r>
-            <a:r>
-              <a:rPr lang="hu-HU" dirty="0" err="1"/>
-              <a:t>Statechart</a:t>
-            </a:r>
-            <a:r>
-              <a:rPr lang="hu-HU" dirty="0"/>
-              <a:t> </a:t>
-            </a:r>
-            <a:r>
-              <a:rPr lang="hu-HU" dirty="0" err="1"/>
-              <a:t>Composition</a:t>
-            </a:r>
-            <a:r>
-              <a:rPr lang="hu-HU" dirty="0"/>
-              <a:t> Framework</a:t>
-            </a:r>
+              <a:rPr lang="hu-HU" sz="2800" dirty="0" err="1"/>
+              <a:t>Implementation</a:t>
+            </a:r>
+            <a:r>
+              <a:rPr lang="hu-HU" sz="2800" dirty="0"/>
+              <a:t> of </a:t>
+            </a:r>
+            <a:r>
+              <a:rPr lang="hu-HU" sz="2800" dirty="0" err="1"/>
+              <a:t>the</a:t>
+            </a:r>
+            <a:r>
+              <a:rPr lang="hu-HU" sz="2800" dirty="0"/>
+              <a:t> </a:t>
+            </a:r>
+            <a:r>
+              <a:rPr lang="hu-HU" sz="2800" dirty="0" err="1"/>
+              <a:t>code</a:t>
+            </a:r>
+            <a:r>
+              <a:rPr lang="hu-HU" sz="2800" dirty="0"/>
+              <a:t> </a:t>
+            </a:r>
+            <a:r>
+              <a:rPr lang="hu-HU" sz="2800" dirty="0" err="1"/>
+              <a:t>generator</a:t>
+            </a:r>
+            <a:endParaRPr lang="hu-HU" sz="2800" dirty="0"/>
           </a:p>
           <a:p>
             <a:pPr lvl="1"/>
             <a:r>
-              <a:rPr lang="hu-HU" dirty="0"/>
-              <a:t>Design </a:t>
-            </a:r>
-            <a:r>
-              <a:rPr lang="hu-HU" dirty="0" err="1"/>
-              <a:t>support</a:t>
-            </a:r>
-            <a:endParaRPr lang="hu-HU" dirty="0"/>
+              <a:rPr lang="hu-HU" sz="2400" dirty="0" err="1"/>
+              <a:t>Asynchronous</a:t>
+            </a:r>
+            <a:r>
+              <a:rPr lang="hu-HU" sz="2400" dirty="0"/>
+              <a:t> </a:t>
+            </a:r>
+            <a:r>
+              <a:rPr lang="hu-HU" sz="2400" dirty="0" err="1"/>
+              <a:t>composition</a:t>
+            </a:r>
+            <a:endParaRPr lang="hu-HU" sz="2400" dirty="0"/>
+          </a:p>
+          <a:p>
+            <a:r>
+              <a:rPr lang="hu-HU" sz="2800" dirty="0" err="1"/>
+              <a:t>Supporting</a:t>
+            </a:r>
+            <a:r>
+              <a:rPr lang="hu-HU" sz="2800" dirty="0"/>
+              <a:t> </a:t>
+            </a:r>
+            <a:r>
+              <a:rPr lang="hu-HU" sz="2800" dirty="0" err="1"/>
+              <a:t>model-checking</a:t>
+            </a:r>
+            <a:endParaRPr lang="hu-HU" sz="2800" dirty="0"/>
           </a:p>
           <a:p>
             <a:pPr lvl="1"/>
             <a:r>
-              <a:rPr lang="hu-HU" dirty="0" err="1"/>
-              <a:t>Code</a:t>
-            </a:r>
-            <a:r>
-              <a:rPr lang="hu-HU" dirty="0"/>
-              <a:t> </a:t>
-            </a:r>
-            <a:r>
-              <a:rPr lang="hu-HU" dirty="0" err="1"/>
-              <a:t>generation</a:t>
-            </a:r>
-            <a:endParaRPr lang="hu-HU" dirty="0"/>
+              <a:rPr lang="hu-HU" sz="2400" dirty="0" err="1"/>
+              <a:t>Asynchronous</a:t>
+            </a:r>
+            <a:r>
+              <a:rPr lang="hu-HU" sz="2400" dirty="0"/>
+              <a:t> </a:t>
+            </a:r>
+            <a:r>
+              <a:rPr lang="hu-HU" sz="2400" dirty="0" err="1"/>
+              <a:t>composition</a:t>
+            </a:r>
+            <a:endParaRPr lang="hu-HU" sz="2400" dirty="0"/>
+          </a:p>
+          <a:p>
+            <a:r>
+              <a:rPr lang="hu-HU" sz="2800" dirty="0" err="1"/>
+              <a:t>Supporting</a:t>
+            </a:r>
+            <a:r>
+              <a:rPr lang="hu-HU" sz="2800" dirty="0"/>
+              <a:t> </a:t>
+            </a:r>
+            <a:r>
+              <a:rPr lang="hu-HU" sz="2800" dirty="0" err="1"/>
+              <a:t>additional</a:t>
+            </a:r>
+            <a:r>
+              <a:rPr lang="hu-HU" sz="2800" dirty="0"/>
+              <a:t> </a:t>
+            </a:r>
+            <a:r>
+              <a:rPr lang="hu-HU" sz="2800" dirty="0" err="1"/>
+              <a:t>programming</a:t>
+            </a:r>
+            <a:r>
+              <a:rPr lang="hu-HU" sz="2800" dirty="0"/>
+              <a:t> </a:t>
+            </a:r>
+            <a:r>
+              <a:rPr lang="hu-HU" sz="2800" dirty="0" err="1"/>
+              <a:t>languages</a:t>
+            </a:r>
+            <a:endParaRPr lang="hu-HU" sz="2800" dirty="0"/>
           </a:p>
           <a:p>
             <a:pPr lvl="1"/>
             <a:r>
-              <a:rPr lang="hu-HU" dirty="0"/>
-              <a:t>V&amp;V (</a:t>
-            </a:r>
-            <a:r>
-              <a:rPr lang="hu-HU" dirty="0" err="1"/>
-              <a:t>formal</a:t>
-            </a:r>
-            <a:r>
-              <a:rPr lang="hu-HU" dirty="0"/>
-              <a:t> </a:t>
-            </a:r>
-            <a:r>
-              <a:rPr lang="hu-HU" dirty="0" err="1"/>
-              <a:t>analysis</a:t>
-            </a:r>
-            <a:r>
-              <a:rPr lang="hu-HU" dirty="0"/>
-              <a:t>)</a:t>
+              <a:rPr lang="hu-HU" sz="2400" dirty="0"/>
+              <a:t>C++</a:t>
             </a:r>
           </a:p>
           <a:p>
             <a:r>
-              <a:rPr lang="hu-HU" dirty="0" err="1"/>
-              <a:t>Extension</a:t>
-            </a:r>
-            <a:r>
-              <a:rPr lang="hu-HU" dirty="0"/>
+              <a:rPr lang="hu-HU" sz="2800" dirty="0" err="1"/>
+              <a:t>Integration</a:t>
+            </a:r>
+            <a:r>
+              <a:rPr lang="hu-HU" sz="2800" dirty="0"/>
               <a:t> of </a:t>
             </a:r>
             <a:r>
-              <a:rPr lang="hu-HU" dirty="0" err="1"/>
-              <a:t>the</a:t>
-            </a:r>
-            <a:r>
-              <a:rPr lang="hu-HU" dirty="0"/>
-              <a:t> </a:t>
-            </a:r>
-            <a:r>
-              <a:rPr lang="hu-HU" dirty="0" err="1"/>
-              <a:t>compsosititon</a:t>
-            </a:r>
-            <a:r>
-              <a:rPr lang="hu-HU" dirty="0"/>
-              <a:t> </a:t>
-            </a:r>
-            <a:r>
-              <a:rPr lang="hu-HU" dirty="0" err="1"/>
-              <a:t>language</a:t>
-            </a:r>
-            <a:endParaRPr lang="hu-HU" dirty="0"/>
+              <a:rPr lang="hu-HU" sz="2800" dirty="0" err="1"/>
+              <a:t>additional</a:t>
+            </a:r>
+            <a:r>
+              <a:rPr lang="hu-HU" sz="2800" dirty="0"/>
+              <a:t> </a:t>
+            </a:r>
+            <a:r>
+              <a:rPr lang="hu-HU" sz="2800" dirty="0" err="1"/>
+              <a:t>modeling</a:t>
+            </a:r>
+            <a:r>
+              <a:rPr lang="hu-HU" sz="2800" dirty="0"/>
+              <a:t> </a:t>
+            </a:r>
+            <a:r>
+              <a:rPr lang="hu-HU" sz="2800" dirty="0" err="1"/>
+              <a:t>languages</a:t>
+            </a:r>
+            <a:endParaRPr lang="hu-HU" sz="2800" dirty="0"/>
           </a:p>
           <a:p>
             <a:pPr lvl="1"/>
             <a:r>
               <a:rPr lang="hu-HU" sz="2400" dirty="0" err="1"/>
-              <a:t>Asynchronous</a:t>
+              <a:t>Engineering</a:t>
+            </a:r>
+            <a:r>
+              <a:rPr lang="hu-HU" sz="2400" dirty="0"/>
+              <a:t> </a:t>
+            </a:r>
+            <a:r>
+              <a:rPr lang="hu-HU" sz="2400" dirty="0" err="1"/>
+              <a:t>language</a:t>
+            </a:r>
+            <a:r>
+              <a:rPr lang="hu-HU" sz="2400" dirty="0"/>
+              <a:t>: </a:t>
+            </a:r>
+            <a:r>
+              <a:rPr lang="hu-HU" sz="2400" dirty="0" err="1"/>
+              <a:t>Stateflow</a:t>
             </a:r>
             <a:endParaRPr lang="hu-HU" sz="2400" dirty="0"/>
           </a:p>
@@ -44349,29 +42750,29 @@
             <a:pPr lvl="1"/>
             <a:r>
               <a:rPr lang="hu-HU" sz="2400" dirty="0" err="1"/>
-              <a:t>Synchronous</a:t>
-            </a:r>
-            <a:endParaRPr lang="hu-HU" sz="2400" dirty="0"/>
-          </a:p>
-          <a:p>
-            <a:pPr lvl="1"/>
+              <a:t>Analysis</a:t>
+            </a:r>
+            <a:r>
+              <a:rPr lang="hu-HU" sz="2400" dirty="0"/>
+              <a:t> </a:t>
+            </a:r>
             <a:r>
               <a:rPr lang="hu-HU" sz="2400" dirty="0" err="1"/>
-              <a:t>Cascade</a:t>
-            </a:r>
-            <a:endParaRPr lang="hu-HU" sz="2400" dirty="0"/>
-          </a:p>
-          <a:p>
-            <a:endParaRPr lang="hu-HU" dirty="0"/>
+              <a:t>language</a:t>
+            </a:r>
+            <a:r>
+              <a:rPr lang="hu-HU" sz="2400" dirty="0"/>
+              <a:t>: Spin</a:t>
+            </a:r>
           </a:p>
         </p:txBody>
       </p:sp>
       <p:sp>
         <p:nvSpPr>
-          <p:cNvPr id="8" name="Dia számának helye 7">
+          <p:cNvPr id="5" name="Dia számának helye 4">
             <a:extLst>
               <a:ext uri="{FF2B5EF4-FFF2-40B4-BE49-F238E27FC236}">
-                <a16:creationId xmlns:a16="http://schemas.microsoft.com/office/drawing/2014/main" id="{21242BF0-91F6-4FCB-B17E-595A1837653F}"/>
+                <a16:creationId xmlns:a16="http://schemas.microsoft.com/office/drawing/2014/main" id="{9808E864-8E3D-4DEA-9B02-4187E18A76C8}"/>
               </a:ext>
             </a:extLst>
           </p:cNvPr>
@@ -44398,7 +42799,7 @@
     </p:spTree>
     <p:extLst>
       <p:ext uri="{BB962C8B-B14F-4D97-AF65-F5344CB8AC3E}">
-        <p14:creationId xmlns:p14="http://schemas.microsoft.com/office/powerpoint/2010/main" val="1935620616"/>
+        <p14:creationId xmlns:p14="http://schemas.microsoft.com/office/powerpoint/2010/main" val="1904516611"/>
       </p:ext>
     </p:extLst>
   </p:cSld>
@@ -44409,314 +42810,6 @@
 </file>
 
 <file path=ppt/slides/slide26.xml><?xml version="1.0" encoding="utf-8"?>
-<p:sld xmlns:a="http://schemas.openxmlformats.org/drawingml/2006/main" xmlns:r="http://schemas.openxmlformats.org/officeDocument/2006/relationships" xmlns:p="http://schemas.openxmlformats.org/presentationml/2006/main">
-  <p:cSld>
-    <p:spTree>
-      <p:nvGrpSpPr>
-        <p:cNvPr id="1" name=""/>
-        <p:cNvGrpSpPr/>
-        <p:nvPr/>
-      </p:nvGrpSpPr>
-      <p:grpSpPr>
-        <a:xfrm>
-          <a:off x="0" y="0"/>
-          <a:ext cx="0" cy="0"/>
-          <a:chOff x="0" y="0"/>
-          <a:chExt cx="0" cy="0"/>
-        </a:xfrm>
-      </p:grpSpPr>
-      <p:sp>
-        <p:nvSpPr>
-          <p:cNvPr id="2" name="Cím 1"/>
-          <p:cNvSpPr>
-            <a:spLocks noGrp="1"/>
-          </p:cNvSpPr>
-          <p:nvPr>
-            <p:ph type="title"/>
-          </p:nvPr>
-        </p:nvSpPr>
-        <p:spPr>
-          <a:xfrm>
-            <a:off x="628651" y="365127"/>
-            <a:ext cx="7886699" cy="877748"/>
-          </a:xfrm>
-        </p:spPr>
-        <p:txBody>
-          <a:bodyPr/>
-          <a:lstStyle/>
-          <a:p>
-            <a:r>
-              <a:rPr lang="hu-HU" dirty="0" err="1"/>
-              <a:t>Future</a:t>
-            </a:r>
-            <a:r>
-              <a:rPr lang="hu-HU" dirty="0"/>
-              <a:t> </a:t>
-            </a:r>
-            <a:r>
-              <a:rPr lang="hu-HU" dirty="0" err="1"/>
-              <a:t>work</a:t>
-            </a:r>
-            <a:endParaRPr lang="en-US" dirty="0"/>
-          </a:p>
-        </p:txBody>
-      </p:sp>
-      <p:sp>
-        <p:nvSpPr>
-          <p:cNvPr id="3" name="Szöveg helye 2"/>
-          <p:cNvSpPr>
-            <a:spLocks noGrp="1"/>
-          </p:cNvSpPr>
-          <p:nvPr>
-            <p:ph type="body" sz="quarter" idx="13"/>
-          </p:nvPr>
-        </p:nvSpPr>
-        <p:spPr>
-          <a:xfrm>
-            <a:off x="628650" y="1455938"/>
-            <a:ext cx="7886700" cy="4883078"/>
-          </a:xfrm>
-        </p:spPr>
-        <p:txBody>
-          <a:bodyPr>
-            <a:normAutofit/>
-          </a:bodyPr>
-          <a:lstStyle/>
-          <a:p>
-            <a:r>
-              <a:rPr lang="hu-HU" sz="2800" dirty="0" err="1"/>
-              <a:t>Implementation</a:t>
-            </a:r>
-            <a:r>
-              <a:rPr lang="hu-HU" sz="2800" dirty="0"/>
-              <a:t> of </a:t>
-            </a:r>
-            <a:r>
-              <a:rPr lang="hu-HU" sz="2800" dirty="0" err="1"/>
-              <a:t>the</a:t>
-            </a:r>
-            <a:r>
-              <a:rPr lang="hu-HU" sz="2800" dirty="0"/>
-              <a:t> </a:t>
-            </a:r>
-            <a:r>
-              <a:rPr lang="hu-HU" sz="2800" dirty="0" err="1"/>
-              <a:t>code</a:t>
-            </a:r>
-            <a:r>
-              <a:rPr lang="hu-HU" sz="2800" dirty="0"/>
-              <a:t> </a:t>
-            </a:r>
-            <a:r>
-              <a:rPr lang="hu-HU" sz="2800" dirty="0" err="1"/>
-              <a:t>generator</a:t>
-            </a:r>
-            <a:endParaRPr lang="hu-HU" sz="2800" dirty="0"/>
-          </a:p>
-          <a:p>
-            <a:pPr lvl="1"/>
-            <a:r>
-              <a:rPr lang="hu-HU" sz="2400" dirty="0" err="1"/>
-              <a:t>Asynchronous</a:t>
-            </a:r>
-            <a:r>
-              <a:rPr lang="hu-HU" sz="2400" dirty="0"/>
-              <a:t> </a:t>
-            </a:r>
-            <a:r>
-              <a:rPr lang="hu-HU" sz="2400" dirty="0" err="1"/>
-              <a:t>composition</a:t>
-            </a:r>
-            <a:endParaRPr lang="hu-HU" sz="2400" dirty="0"/>
-          </a:p>
-          <a:p>
-            <a:r>
-              <a:rPr lang="hu-HU" sz="2800" dirty="0" err="1"/>
-              <a:t>Supporting</a:t>
-            </a:r>
-            <a:r>
-              <a:rPr lang="hu-HU" sz="2800" dirty="0"/>
-              <a:t> </a:t>
-            </a:r>
-            <a:r>
-              <a:rPr lang="hu-HU" sz="2800" dirty="0" err="1"/>
-              <a:t>model-checking</a:t>
-            </a:r>
-            <a:endParaRPr lang="hu-HU" sz="2800" dirty="0"/>
-          </a:p>
-          <a:p>
-            <a:pPr lvl="1"/>
-            <a:r>
-              <a:rPr lang="hu-HU" sz="2400" dirty="0" err="1"/>
-              <a:t>Asynchronous</a:t>
-            </a:r>
-            <a:r>
-              <a:rPr lang="hu-HU" sz="2400" dirty="0"/>
-              <a:t> </a:t>
-            </a:r>
-            <a:r>
-              <a:rPr lang="hu-HU" sz="2400" dirty="0" err="1"/>
-              <a:t>composition</a:t>
-            </a:r>
-            <a:endParaRPr lang="hu-HU" sz="2400" dirty="0"/>
-          </a:p>
-          <a:p>
-            <a:r>
-              <a:rPr lang="hu-HU" sz="2800" dirty="0" err="1"/>
-              <a:t>Supporting</a:t>
-            </a:r>
-            <a:r>
-              <a:rPr lang="hu-HU" sz="2800" dirty="0"/>
-              <a:t> </a:t>
-            </a:r>
-            <a:r>
-              <a:rPr lang="hu-HU" sz="2800" dirty="0" err="1"/>
-              <a:t>additional</a:t>
-            </a:r>
-            <a:r>
-              <a:rPr lang="hu-HU" sz="2800" dirty="0"/>
-              <a:t> </a:t>
-            </a:r>
-            <a:r>
-              <a:rPr lang="hu-HU" sz="2800" dirty="0" err="1"/>
-              <a:t>programming</a:t>
-            </a:r>
-            <a:r>
-              <a:rPr lang="hu-HU" sz="2800" dirty="0"/>
-              <a:t> </a:t>
-            </a:r>
-            <a:r>
-              <a:rPr lang="hu-HU" sz="2800" dirty="0" err="1"/>
-              <a:t>languages</a:t>
-            </a:r>
-            <a:endParaRPr lang="hu-HU" sz="2800" dirty="0"/>
-          </a:p>
-          <a:p>
-            <a:pPr lvl="1"/>
-            <a:r>
-              <a:rPr lang="hu-HU" sz="2400" dirty="0"/>
-              <a:t>C++</a:t>
-            </a:r>
-          </a:p>
-          <a:p>
-            <a:r>
-              <a:rPr lang="hu-HU" sz="2800" dirty="0" err="1"/>
-              <a:t>Integration</a:t>
-            </a:r>
-            <a:r>
-              <a:rPr lang="hu-HU" sz="2800" dirty="0"/>
-              <a:t> of </a:t>
-            </a:r>
-            <a:r>
-              <a:rPr lang="hu-HU" sz="2800" dirty="0" err="1"/>
-              <a:t>additional</a:t>
-            </a:r>
-            <a:r>
-              <a:rPr lang="hu-HU" sz="2800" dirty="0"/>
-              <a:t> </a:t>
-            </a:r>
-            <a:r>
-              <a:rPr lang="hu-HU" sz="2800" dirty="0" err="1"/>
-              <a:t>modeling</a:t>
-            </a:r>
-            <a:r>
-              <a:rPr lang="hu-HU" sz="2800" dirty="0"/>
-              <a:t> </a:t>
-            </a:r>
-            <a:r>
-              <a:rPr lang="hu-HU" sz="2800" dirty="0" err="1"/>
-              <a:t>languages</a:t>
-            </a:r>
-            <a:endParaRPr lang="hu-HU" sz="2800" dirty="0"/>
-          </a:p>
-          <a:p>
-            <a:pPr lvl="1"/>
-            <a:r>
-              <a:rPr lang="hu-HU" sz="2400" dirty="0" err="1"/>
-              <a:t>Engineering</a:t>
-            </a:r>
-            <a:r>
-              <a:rPr lang="hu-HU" sz="2400" dirty="0"/>
-              <a:t> </a:t>
-            </a:r>
-            <a:r>
-              <a:rPr lang="hu-HU" sz="2400" dirty="0" err="1"/>
-              <a:t>language</a:t>
-            </a:r>
-            <a:r>
-              <a:rPr lang="hu-HU" sz="2400" dirty="0"/>
-              <a:t>: </a:t>
-            </a:r>
-            <a:r>
-              <a:rPr lang="hu-HU" sz="2400" dirty="0" err="1"/>
-              <a:t>Stateflow</a:t>
-            </a:r>
-            <a:endParaRPr lang="hu-HU" sz="2400" dirty="0"/>
-          </a:p>
-          <a:p>
-            <a:pPr lvl="1"/>
-            <a:r>
-              <a:rPr lang="hu-HU" sz="2400" dirty="0" err="1"/>
-              <a:t>Analysis</a:t>
-            </a:r>
-            <a:r>
-              <a:rPr lang="hu-HU" sz="2400" dirty="0"/>
-              <a:t> </a:t>
-            </a:r>
-            <a:r>
-              <a:rPr lang="hu-HU" sz="2400" dirty="0" err="1"/>
-              <a:t>language</a:t>
-            </a:r>
-            <a:r>
-              <a:rPr lang="hu-HU" sz="2400" dirty="0"/>
-              <a:t>: Spin</a:t>
-            </a:r>
-          </a:p>
-        </p:txBody>
-      </p:sp>
-      <p:sp>
-        <p:nvSpPr>
-          <p:cNvPr id="5" name="Dia számának helye 4">
-            <a:extLst>
-              <a:ext uri="{FF2B5EF4-FFF2-40B4-BE49-F238E27FC236}">
-                <a16:creationId xmlns:a16="http://schemas.microsoft.com/office/drawing/2014/main" id="{9808E864-8E3D-4DEA-9B02-4187E18A76C8}"/>
-              </a:ext>
-            </a:extLst>
-          </p:cNvPr>
-          <p:cNvSpPr>
-            <a:spLocks noGrp="1"/>
-          </p:cNvSpPr>
-          <p:nvPr>
-            <p:ph type="sldNum" sz="quarter" idx="12"/>
-          </p:nvPr>
-        </p:nvSpPr>
-        <p:spPr/>
-        <p:txBody>
-          <a:bodyPr/>
-          <a:lstStyle/>
-          <a:p>
-            <a:fld id="{8B04355B-F8E2-45B6-9C9F-1BA606DD0B1C}" type="slidenum">
-              <a:rPr lang="en-US" smtClean="0"/>
-              <a:t>26</a:t>
-            </a:fld>
-            <a:endParaRPr lang="en-US"/>
-          </a:p>
-        </p:txBody>
-      </p:sp>
-    </p:spTree>
-    <p:extLst>
-      <p:ext uri="{BB962C8B-B14F-4D97-AF65-F5344CB8AC3E}">
-        <p14:creationId xmlns:p14="http://schemas.microsoft.com/office/powerpoint/2010/main" val="1904516611"/>
-      </p:ext>
-    </p:extLst>
-  </p:cSld>
-  <p:clrMapOvr>
-    <a:masterClrMapping/>
-  </p:clrMapOvr>
-</p:sld>
-</file>
-
-<file path=ppt/slides/slide27.xml><?xml version="1.0" encoding="utf-8"?>
 <p:sld xmlns:a="http://schemas.openxmlformats.org/drawingml/2006/main" xmlns:r="http://schemas.openxmlformats.org/officeDocument/2006/relationships" xmlns:p="http://schemas.openxmlformats.org/presentationml/2006/main">
   <p:cSld>
     <p:spTree>

--- a/presentation/gb_mv_gamma.pptx
+++ b/presentation/gb_mv_gamma.pptx
@@ -1792,6 +1792,14 @@
             </a:r>
             <a:r>
               <a:rPr lang="hu-HU" dirty="0" err="1"/>
+              <a:t>particular</a:t>
+            </a:r>
+            <a:r>
+              <a:rPr lang="hu-HU" dirty="0"/>
+              <a:t> </a:t>
+            </a:r>
+            <a:r>
+              <a:rPr lang="hu-HU" dirty="0" err="1"/>
               <a:t>sending</a:t>
             </a:r>
             <a:r>
@@ -1868,7 +1876,7 @@
             </a:r>
             <a:r>
               <a:rPr lang="hu-HU" dirty="0"/>
-              <a:t>  („ANIMATION”) </a:t>
+              <a:t>  </a:t>
             </a:r>
             <a:r>
               <a:rPr lang="hu-HU" dirty="0" err="1"/>
@@ -1884,7 +1892,7 @@
             </a:r>
             <a:r>
               <a:rPr lang="hu-HU" dirty="0"/>
-              <a:t> </a:t>
+              <a:t> („ANIMATION”)  </a:t>
             </a:r>
             <a:r>
               <a:rPr lang="hu-HU" dirty="0" err="1"/>
@@ -6321,7 +6329,7 @@
           <a:lstStyle/>
           <a:p>
             <a:r>
-              <a:rPr lang="hu-HU" sz="1200" kern="1200">
+              <a:rPr lang="hu-HU" sz="1200" kern="1200" dirty="0" err="1">
                 <a:solidFill>
                   <a:schemeClr val="tx1"/>
                 </a:solidFill>

--- a/presentation/gb_mv_gamma.pptx
+++ b/presentation/gb_mv_gamma.pptx
@@ -6,7 +6,7 @@
     <p:sldMasterId id="2147483656" r:id="rId2"/>
   </p:sldMasterIdLst>
   <p:notesMasterIdLst>
-    <p:notesMasterId r:id="rId28"/>
+    <p:notesMasterId r:id="rId29"/>
   </p:notesMasterIdLst>
   <p:sldIdLst>
     <p:sldId id="265" r:id="rId3"/>
@@ -31,9 +31,10 @@
     <p:sldId id="293" r:id="rId22"/>
     <p:sldId id="294" r:id="rId23"/>
     <p:sldId id="295" r:id="rId24"/>
-    <p:sldId id="308" r:id="rId25"/>
-    <p:sldId id="298" r:id="rId26"/>
-    <p:sldId id="297" r:id="rId27"/>
+    <p:sldId id="311" r:id="rId25"/>
+    <p:sldId id="308" r:id="rId26"/>
+    <p:sldId id="298" r:id="rId27"/>
+    <p:sldId id="297" r:id="rId28"/>
   </p:sldIdLst>
   <p:sldSz cx="9144000" cy="6858000" type="screen4x3"/>
   <p:notesSz cx="6858000" cy="9144000"/>
@@ -8864,24 +8865,68 @@
           <a:lstStyle/>
           <a:p>
             <a:r>
-              <a:rPr lang="hu-HU" dirty="0"/>
-              <a:t>In </a:t>
-            </a:r>
-            <a:r>
-              <a:rPr lang="hu-HU" dirty="0" err="1"/>
-              <a:t>conclusion</a:t>
-            </a:r>
-            <a:r>
-              <a:rPr lang="hu-HU" dirty="0"/>
-              <a:t>, Gamma is </a:t>
-            </a:r>
-            <a:r>
-              <a:rPr lang="hu-HU" dirty="0" err="1"/>
-              <a:t>modeling</a:t>
-            </a:r>
-            <a:r>
-              <a:rPr lang="hu-HU" dirty="0"/>
-              <a:t> </a:t>
+              <a:rPr lang="hu-HU" dirty="0" err="1"/>
+              <a:t>This</a:t>
+            </a:r>
+            <a:r>
+              <a:rPr lang="hu-HU" dirty="0"/>
+              <a:t> </a:t>
+            </a:r>
+            <a:r>
+              <a:rPr lang="hu-HU" dirty="0" err="1"/>
+              <a:t>figure</a:t>
+            </a:r>
+            <a:r>
+              <a:rPr lang="hu-HU" dirty="0"/>
+              <a:t> </a:t>
+            </a:r>
+            <a:r>
+              <a:rPr lang="hu-HU" dirty="0" err="1"/>
+              <a:t>depicts</a:t>
+            </a:r>
+            <a:r>
+              <a:rPr lang="hu-HU" dirty="0"/>
+              <a:t> </a:t>
+            </a:r>
+            <a:r>
+              <a:rPr lang="hu-HU" dirty="0" err="1"/>
+              <a:t>the</a:t>
+            </a:r>
+            <a:r>
+              <a:rPr lang="hu-HU" dirty="0"/>
+              <a:t> </a:t>
+            </a:r>
+            <a:r>
+              <a:rPr lang="hu-HU" dirty="0" err="1"/>
+              <a:t>technologies</a:t>
+            </a:r>
+            <a:r>
+              <a:rPr lang="hu-HU" dirty="0"/>
+              <a:t> </a:t>
+            </a:r>
+            <a:r>
+              <a:rPr lang="hu-HU" dirty="0" err="1"/>
+              <a:t>used</a:t>
+            </a:r>
+            <a:r>
+              <a:rPr lang="hu-HU" dirty="0"/>
+              <a:t> </a:t>
+            </a:r>
+            <a:r>
+              <a:rPr lang="hu-HU" dirty="0" err="1"/>
+              <a:t>by</a:t>
+            </a:r>
+            <a:r>
+              <a:rPr lang="hu-HU" dirty="0"/>
+              <a:t> </a:t>
+            </a:r>
+            <a:r>
+              <a:rPr lang="hu-HU" dirty="0" err="1"/>
+              <a:t>the</a:t>
+            </a:r>
+            <a:r>
+              <a:rPr lang="hu-HU" dirty="0"/>
+              <a:t> Gamma </a:t>
             </a:r>
             <a:r>
               <a:rPr lang="hu-HU" dirty="0" err="1"/>
@@ -8889,23 +8934,47 @@
             </a:r>
             <a:r>
               <a:rPr lang="hu-HU" dirty="0"/>
-              <a:t> </a:t>
-            </a:r>
-            <a:r>
-              <a:rPr lang="hu-HU" dirty="0" err="1"/>
-              <a:t>that</a:t>
-            </a:r>
-            <a:r>
-              <a:rPr lang="hu-HU" dirty="0"/>
-              <a:t> </a:t>
-            </a:r>
-            <a:r>
-              <a:rPr lang="hu-HU" dirty="0" err="1"/>
-              <a:t>supports</a:t>
-            </a:r>
-            <a:r>
-              <a:rPr lang="hu-HU" dirty="0"/>
-              <a:t> </a:t>
+              <a:t>. Gamma </a:t>
+            </a:r>
+            <a:r>
+              <a:rPr lang="hu-HU" dirty="0" err="1"/>
+              <a:t>uses</a:t>
+            </a:r>
+            <a:r>
+              <a:rPr lang="hu-HU" dirty="0"/>
+              <a:t> </a:t>
+            </a:r>
+            <a:r>
+              <a:rPr lang="hu-HU" dirty="0" err="1"/>
+              <a:t>Eclipse</a:t>
+            </a:r>
+            <a:r>
+              <a:rPr lang="hu-HU" dirty="0"/>
+              <a:t> and Java </a:t>
+            </a:r>
+            <a:r>
+              <a:rPr lang="hu-HU" dirty="0" err="1"/>
+              <a:t>technologies</a:t>
+            </a:r>
+            <a:r>
+              <a:rPr lang="hu-HU" dirty="0"/>
+              <a:t>. </a:t>
+            </a:r>
+            <a:r>
+              <a:rPr lang="hu-HU" dirty="0" err="1"/>
+              <a:t>For</a:t>
+            </a:r>
+            <a:r>
+              <a:rPr lang="hu-HU" dirty="0"/>
+              <a:t> </a:t>
+            </a:r>
+            <a:r>
+              <a:rPr lang="hu-HU" dirty="0" err="1"/>
+              <a:t>example</a:t>
+            </a:r>
+            <a:r>
+              <a:rPr lang="hu-HU" dirty="0"/>
+              <a:t>, </a:t>
             </a:r>
             <a:r>
               <a:rPr lang="hu-HU" dirty="0" err="1"/>
@@ -8913,31 +8982,15 @@
             </a:r>
             <a:r>
               <a:rPr lang="hu-HU" dirty="0"/>
-              <a:t> design of </a:t>
-            </a:r>
-            <a:r>
-              <a:rPr lang="hu-HU" dirty="0" err="1"/>
-              <a:t>reactive</a:t>
-            </a:r>
-            <a:r>
-              <a:rPr lang="hu-HU" dirty="0"/>
-              <a:t> </a:t>
-            </a:r>
-            <a:r>
-              <a:rPr lang="hu-HU" dirty="0" err="1"/>
-              <a:t>systems</a:t>
-            </a:r>
-            <a:r>
-              <a:rPr lang="hu-HU" dirty="0"/>
-              <a:t> </a:t>
-            </a:r>
-            <a:r>
-              <a:rPr lang="hu-HU" dirty="0" err="1"/>
-              <a:t>on</a:t>
-            </a:r>
-            <a:r>
-              <a:rPr lang="hu-HU" dirty="0"/>
-              <a:t> </a:t>
+              <a:t> </a:t>
+            </a:r>
+            <a:r>
+              <a:rPr lang="hu-HU" dirty="0" err="1"/>
+              <a:t>metamodels</a:t>
+            </a:r>
+            <a:r>
+              <a:rPr lang="hu-HU" dirty="0"/>
+              <a:t> of </a:t>
             </a:r>
             <a:r>
               <a:rPr lang="hu-HU" dirty="0" err="1"/>
@@ -8949,15 +9002,95 @@
             </a:r>
             <a:r>
               <a:rPr lang="hu-HU" dirty="0" err="1"/>
-              <a:t>basis</a:t>
-            </a:r>
-            <a:r>
-              <a:rPr lang="hu-HU" dirty="0"/>
-              <a:t> of </a:t>
-            </a:r>
-            <a:r>
-              <a:rPr lang="hu-HU" dirty="0" err="1"/>
-              <a:t>statecharts</a:t>
+              <a:t>statechart</a:t>
+            </a:r>
+            <a:r>
+              <a:rPr lang="hu-HU" dirty="0"/>
+              <a:t> and </a:t>
+            </a:r>
+            <a:r>
+              <a:rPr lang="hu-HU" dirty="0" err="1"/>
+              <a:t>composition</a:t>
+            </a:r>
+            <a:r>
+              <a:rPr lang="hu-HU" dirty="0"/>
+              <a:t> </a:t>
+            </a:r>
+            <a:r>
+              <a:rPr lang="hu-HU" dirty="0" err="1"/>
+              <a:t>langauges</a:t>
+            </a:r>
+            <a:r>
+              <a:rPr lang="hu-HU" dirty="0"/>
+              <a:t> </a:t>
+            </a:r>
+            <a:r>
+              <a:rPr lang="hu-HU" dirty="0" err="1"/>
+              <a:t>are</a:t>
+            </a:r>
+            <a:r>
+              <a:rPr lang="hu-HU" dirty="0"/>
+              <a:t> </a:t>
+            </a:r>
+            <a:r>
+              <a:rPr lang="hu-HU" dirty="0" err="1"/>
+              <a:t>defined</a:t>
+            </a:r>
+            <a:r>
+              <a:rPr lang="hu-HU" dirty="0"/>
+              <a:t> in </a:t>
+            </a:r>
+            <a:r>
+              <a:rPr lang="hu-HU" dirty="0" err="1"/>
+              <a:t>Eclipse</a:t>
+            </a:r>
+            <a:r>
+              <a:rPr lang="hu-HU" dirty="0"/>
+              <a:t> </a:t>
+            </a:r>
+            <a:r>
+              <a:rPr lang="hu-HU" dirty="0" err="1"/>
+              <a:t>Ecore</a:t>
+            </a:r>
+            <a:r>
+              <a:rPr lang="hu-HU" dirty="0"/>
+              <a:t>, and </a:t>
+            </a:r>
+            <a:r>
+              <a:rPr lang="hu-HU" dirty="0" err="1"/>
+              <a:t>the</a:t>
+            </a:r>
+            <a:r>
+              <a:rPr lang="hu-HU" dirty="0"/>
+              <a:t> </a:t>
+            </a:r>
+            <a:r>
+              <a:rPr lang="hu-HU" dirty="0" err="1"/>
+              <a:t>textual</a:t>
+            </a:r>
+            <a:r>
+              <a:rPr lang="hu-HU" dirty="0"/>
+              <a:t> </a:t>
+            </a:r>
+            <a:r>
+              <a:rPr lang="hu-HU" dirty="0" err="1"/>
+              <a:t>syntax</a:t>
+            </a:r>
+            <a:r>
+              <a:rPr lang="hu-HU" dirty="0"/>
+              <a:t> is </a:t>
+            </a:r>
+            <a:r>
+              <a:rPr lang="hu-HU" dirty="0" err="1"/>
+              <a:t>defined</a:t>
+            </a:r>
+            <a:r>
+              <a:rPr lang="hu-HU" dirty="0"/>
+              <a:t> in </a:t>
+            </a:r>
+            <a:r>
+              <a:rPr lang="hu-HU" dirty="0" err="1"/>
+              <a:t>Xtext</a:t>
             </a:r>
             <a:r>
               <a:rPr lang="hu-HU" dirty="0"/>
@@ -8965,372 +9098,36 @@
             </a:r>
             <a:r>
               <a:rPr lang="hu-HU" dirty="0" err="1"/>
-              <a:t>It</a:t>
-            </a:r>
-            <a:r>
-              <a:rPr lang="hu-HU" dirty="0"/>
-              <a:t> </a:t>
-            </a:r>
-            <a:r>
-              <a:rPr lang="hu-HU" dirty="0" err="1"/>
-              <a:t>supports</a:t>
-            </a:r>
-            <a:r>
-              <a:rPr lang="hu-HU" dirty="0"/>
-              <a:t> </a:t>
-            </a:r>
-            <a:r>
-              <a:rPr lang="hu-HU" dirty="0" err="1"/>
-              <a:t>code</a:t>
-            </a:r>
-            <a:r>
-              <a:rPr lang="hu-HU" dirty="0"/>
-              <a:t> </a:t>
-            </a:r>
-            <a:r>
-              <a:rPr lang="hu-HU" dirty="0" err="1"/>
-              <a:t>generation</a:t>
-            </a:r>
-            <a:r>
-              <a:rPr lang="hu-HU" dirty="0"/>
-              <a:t>, </a:t>
-            </a:r>
-            <a:r>
-              <a:rPr lang="hu-HU" dirty="0" err="1"/>
-              <a:t>validation</a:t>
-            </a:r>
-            <a:r>
-              <a:rPr lang="hu-HU" dirty="0"/>
-              <a:t> and </a:t>
-            </a:r>
-            <a:r>
-              <a:rPr lang="hu-HU" dirty="0" err="1"/>
-              <a:t>formal</a:t>
-            </a:r>
-            <a:r>
-              <a:rPr lang="hu-HU" dirty="0"/>
-              <a:t> </a:t>
-            </a:r>
-            <a:r>
-              <a:rPr lang="hu-HU" dirty="0" err="1"/>
-              <a:t>verification</a:t>
-            </a:r>
-            <a:r>
-              <a:rPr lang="hu-HU" dirty="0"/>
-              <a:t> </a:t>
-            </a:r>
-            <a:r>
-              <a:rPr lang="hu-HU" dirty="0" err="1"/>
-              <a:t>functionalities</a:t>
+              <a:t>Additionally</a:t>
+            </a:r>
+            <a:r>
+              <a:rPr lang="hu-HU" dirty="0"/>
+              <a:t>, Gamma </a:t>
+            </a:r>
+            <a:r>
+              <a:rPr lang="hu-HU" dirty="0" err="1"/>
+              <a:t>uses</a:t>
+            </a:r>
+            <a:r>
+              <a:rPr lang="hu-HU" dirty="0"/>
+              <a:t> UPPAAL </a:t>
+            </a:r>
+            <a:r>
+              <a:rPr lang="hu-HU" dirty="0" err="1"/>
+              <a:t>for</a:t>
+            </a:r>
+            <a:r>
+              <a:rPr lang="hu-HU" dirty="0"/>
+              <a:t> </a:t>
+            </a:r>
+            <a:r>
+              <a:rPr lang="hu-HU" dirty="0" err="1"/>
+              <a:t>model-checking</a:t>
             </a:r>
             <a:r>
               <a:rPr lang="hu-HU" dirty="0"/>
               <a:t>.</a:t>
             </a:r>
-          </a:p>
-          <a:p>
-            <a:r>
-              <a:rPr lang="hu-HU" dirty="0"/>
-              <a:t>The main </a:t>
-            </a:r>
-            <a:r>
-              <a:rPr lang="hu-HU" dirty="0" err="1"/>
-              <a:t>topic</a:t>
-            </a:r>
-            <a:r>
-              <a:rPr lang="hu-HU" dirty="0"/>
-              <a:t> of </a:t>
-            </a:r>
-            <a:r>
-              <a:rPr lang="hu-HU" dirty="0" err="1"/>
-              <a:t>this</a:t>
-            </a:r>
-            <a:r>
-              <a:rPr lang="hu-HU" dirty="0"/>
-              <a:t> </a:t>
-            </a:r>
-            <a:r>
-              <a:rPr lang="hu-HU" dirty="0" err="1"/>
-              <a:t>presentation</a:t>
-            </a:r>
-            <a:r>
-              <a:rPr lang="hu-HU" dirty="0"/>
-              <a:t> </a:t>
-            </a:r>
-            <a:r>
-              <a:rPr lang="hu-HU" dirty="0" err="1"/>
-              <a:t>was</a:t>
-            </a:r>
-            <a:r>
-              <a:rPr lang="hu-HU" dirty="0"/>
-              <a:t> </a:t>
-            </a:r>
-            <a:r>
-              <a:rPr lang="hu-HU" dirty="0" err="1"/>
-              <a:t>the</a:t>
-            </a:r>
-            <a:r>
-              <a:rPr lang="hu-HU" dirty="0"/>
-              <a:t> Gamma </a:t>
-            </a:r>
-            <a:r>
-              <a:rPr lang="hu-HU" dirty="0" err="1"/>
-              <a:t>Composition</a:t>
-            </a:r>
-            <a:r>
-              <a:rPr lang="hu-HU" dirty="0"/>
-              <a:t> </a:t>
-            </a:r>
-            <a:r>
-              <a:rPr lang="hu-HU" dirty="0" err="1"/>
-              <a:t>Language</a:t>
-            </a:r>
-            <a:r>
-              <a:rPr lang="hu-HU" dirty="0"/>
-              <a:t>, </a:t>
-            </a:r>
-            <a:r>
-              <a:rPr lang="hu-HU" dirty="0" err="1"/>
-              <a:t>which</a:t>
-            </a:r>
-            <a:r>
-              <a:rPr lang="hu-HU" dirty="0"/>
-              <a:t> has </a:t>
-            </a:r>
-            <a:r>
-              <a:rPr lang="hu-HU" dirty="0" err="1"/>
-              <a:t>been</a:t>
-            </a:r>
-            <a:r>
-              <a:rPr lang="hu-HU" dirty="0"/>
-              <a:t> </a:t>
-            </a:r>
-            <a:r>
-              <a:rPr lang="hu-HU" dirty="0" err="1"/>
-              <a:t>extended</a:t>
-            </a:r>
-            <a:r>
-              <a:rPr lang="hu-HU" dirty="0"/>
-              <a:t> </a:t>
-            </a:r>
-            <a:r>
-              <a:rPr lang="hu-HU" dirty="0" err="1"/>
-              <a:t>with</a:t>
-            </a:r>
-            <a:r>
-              <a:rPr lang="hu-HU" dirty="0"/>
-              <a:t> </a:t>
-            </a:r>
-            <a:r>
-              <a:rPr lang="hu-HU" dirty="0" err="1"/>
-              <a:t>three</a:t>
-            </a:r>
-            <a:r>
-              <a:rPr lang="hu-HU" dirty="0"/>
-              <a:t> </a:t>
-            </a:r>
-            <a:r>
-              <a:rPr lang="hu-HU" dirty="0" err="1"/>
-              <a:t>formal</a:t>
-            </a:r>
-            <a:r>
-              <a:rPr lang="hu-HU" dirty="0"/>
-              <a:t> </a:t>
-            </a:r>
-            <a:r>
-              <a:rPr lang="hu-HU" dirty="0" err="1"/>
-              <a:t>semantics</a:t>
-            </a:r>
-            <a:r>
-              <a:rPr lang="hu-HU" dirty="0"/>
-              <a:t>: </a:t>
-            </a:r>
-            <a:r>
-              <a:rPr lang="hu-HU" dirty="0" err="1"/>
-              <a:t>asynchronous</a:t>
-            </a:r>
-            <a:r>
-              <a:rPr lang="hu-HU" dirty="0"/>
-              <a:t> </a:t>
-            </a:r>
-            <a:r>
-              <a:rPr lang="hu-HU" dirty="0" err="1"/>
-              <a:t>semantics</a:t>
-            </a:r>
-            <a:r>
-              <a:rPr lang="hu-HU" dirty="0"/>
-              <a:t> </a:t>
-            </a:r>
-            <a:r>
-              <a:rPr lang="hu-HU" dirty="0" err="1"/>
-              <a:t>for</a:t>
-            </a:r>
-            <a:r>
-              <a:rPr lang="hu-HU" dirty="0"/>
-              <a:t> </a:t>
-            </a:r>
-            <a:r>
-              <a:rPr lang="hu-HU" dirty="0" err="1"/>
-              <a:t>the</a:t>
-            </a:r>
-            <a:r>
-              <a:rPr lang="hu-HU" dirty="0"/>
-              <a:t> </a:t>
-            </a:r>
-            <a:r>
-              <a:rPr lang="hu-HU" dirty="0" err="1"/>
-              <a:t>modeling</a:t>
-            </a:r>
-            <a:r>
-              <a:rPr lang="hu-HU" dirty="0"/>
-              <a:t> of </a:t>
-            </a:r>
-            <a:r>
-              <a:rPr lang="hu-HU" dirty="0" err="1"/>
-              <a:t>independent</a:t>
-            </a:r>
-            <a:r>
-              <a:rPr lang="hu-HU" dirty="0"/>
-              <a:t> </a:t>
-            </a:r>
-            <a:r>
-              <a:rPr lang="hu-HU" dirty="0" err="1"/>
-              <a:t>processes</a:t>
-            </a:r>
-            <a:r>
-              <a:rPr lang="hu-HU" dirty="0"/>
-              <a:t>, </a:t>
-            </a:r>
-            <a:r>
-              <a:rPr lang="hu-HU" dirty="0" err="1"/>
-              <a:t>synchronous</a:t>
-            </a:r>
-            <a:r>
-              <a:rPr lang="hu-HU" dirty="0"/>
-              <a:t> </a:t>
-            </a:r>
-            <a:r>
-              <a:rPr lang="hu-HU" dirty="0" err="1"/>
-              <a:t>semantics</a:t>
-            </a:r>
-            <a:r>
-              <a:rPr lang="hu-HU" dirty="0"/>
-              <a:t> </a:t>
-            </a:r>
-            <a:r>
-              <a:rPr lang="hu-HU" dirty="0" err="1"/>
-              <a:t>for</a:t>
-            </a:r>
-            <a:r>
-              <a:rPr lang="hu-HU" dirty="0"/>
-              <a:t> </a:t>
-            </a:r>
-            <a:r>
-              <a:rPr lang="hu-HU" dirty="0" err="1"/>
-              <a:t>the</a:t>
-            </a:r>
-            <a:r>
-              <a:rPr lang="hu-HU" dirty="0"/>
-              <a:t> </a:t>
-            </a:r>
-            <a:r>
-              <a:rPr lang="hu-HU" dirty="0" err="1"/>
-              <a:t>modeling</a:t>
-            </a:r>
-            <a:r>
-              <a:rPr lang="hu-HU" dirty="0"/>
-              <a:t> of a </a:t>
-            </a:r>
-            <a:r>
-              <a:rPr lang="hu-HU" dirty="0" err="1"/>
-              <a:t>coherent</a:t>
-            </a:r>
-            <a:r>
-              <a:rPr lang="hu-HU" dirty="0"/>
-              <a:t> unit </a:t>
-            </a:r>
-            <a:r>
-              <a:rPr lang="hu-HU" dirty="0" err="1"/>
-              <a:t>consisting</a:t>
-            </a:r>
-            <a:r>
-              <a:rPr lang="hu-HU" dirty="0"/>
-              <a:t> of </a:t>
-            </a:r>
-            <a:r>
-              <a:rPr lang="hu-HU" dirty="0" err="1"/>
-              <a:t>multiple</a:t>
-            </a:r>
-            <a:r>
-              <a:rPr lang="hu-HU" dirty="0"/>
-              <a:t> </a:t>
-            </a:r>
-            <a:r>
-              <a:rPr lang="hu-HU" dirty="0" err="1"/>
-              <a:t>components</a:t>
-            </a:r>
-            <a:r>
-              <a:rPr lang="hu-HU" dirty="0"/>
-              <a:t>, and </a:t>
-            </a:r>
-            <a:r>
-              <a:rPr lang="hu-HU" dirty="0" err="1"/>
-              <a:t>cascade</a:t>
-            </a:r>
-            <a:r>
-              <a:rPr lang="hu-HU" dirty="0"/>
-              <a:t> </a:t>
-            </a:r>
-            <a:r>
-              <a:rPr lang="hu-HU" dirty="0" err="1"/>
-              <a:t>semantics</a:t>
-            </a:r>
-            <a:r>
-              <a:rPr lang="hu-HU" dirty="0"/>
-              <a:t> </a:t>
-            </a:r>
-            <a:r>
-              <a:rPr lang="hu-HU" dirty="0" err="1"/>
-              <a:t>for</a:t>
-            </a:r>
-            <a:r>
-              <a:rPr lang="hu-HU" dirty="0"/>
-              <a:t> </a:t>
-            </a:r>
-            <a:r>
-              <a:rPr lang="hu-HU" dirty="0" err="1"/>
-              <a:t>modeling</a:t>
-            </a:r>
-            <a:r>
-              <a:rPr lang="hu-HU" dirty="0"/>
-              <a:t> a </a:t>
-            </a:r>
-            <a:r>
-              <a:rPr lang="hu-HU" dirty="0" err="1"/>
-              <a:t>sequential</a:t>
-            </a:r>
-            <a:r>
-              <a:rPr lang="hu-HU" dirty="0"/>
-              <a:t>, </a:t>
-            </a:r>
-            <a:r>
-              <a:rPr lang="hu-HU" dirty="0" err="1"/>
-              <a:t>pipeline</a:t>
-            </a:r>
-            <a:r>
-              <a:rPr lang="hu-HU" dirty="0"/>
-              <a:t>-like </a:t>
-            </a:r>
-            <a:r>
-              <a:rPr lang="hu-HU" dirty="0" err="1"/>
-              <a:t>behavior</a:t>
-            </a:r>
-            <a:r>
-              <a:rPr lang="hu-HU" dirty="0"/>
-              <a:t>.</a:t>
-            </a:r>
-          </a:p>
-          <a:p>
             <a:endParaRPr lang="en-US" dirty="0"/>
           </a:p>
         </p:txBody>
@@ -9350,7 +9147,7 @@
           <a:bodyPr/>
           <a:lstStyle/>
           <a:p>
-            <a:fld id="{F73ECD87-3D6E-4E2D-938C-1EC7D95CEC8A}" type="slidenum">
+            <a:fld id="{66435264-9D91-435D-8C9D-6CC8B45846CB}" type="slidenum">
               <a:rPr lang="en-US" smtClean="0"/>
               <a:t>23</a:t>
             </a:fld>
@@ -9361,7 +9158,7 @@
     </p:spTree>
     <p:extLst>
       <p:ext uri="{BB962C8B-B14F-4D97-AF65-F5344CB8AC3E}">
-        <p14:creationId xmlns:p14="http://schemas.microsoft.com/office/powerpoint/2010/main" val="3546852453"/>
+        <p14:creationId xmlns:p14="http://schemas.microsoft.com/office/powerpoint/2010/main" val="660165928"/>
       </p:ext>
     </p:extLst>
   </p:cSld>
@@ -9416,58 +9213,226 @@
           <a:lstStyle/>
           <a:p>
             <a:r>
-              <a:rPr lang="hu-HU" dirty="0" err="1"/>
-              <a:t>What</a:t>
-            </a:r>
-            <a:r>
-              <a:rPr lang="hu-HU" dirty="0"/>
-              <a:t> </a:t>
-            </a:r>
-            <a:r>
-              <a:rPr lang="hu-HU" dirty="0" err="1"/>
-              <a:t>future</a:t>
-            </a:r>
-            <a:r>
-              <a:rPr lang="hu-HU" dirty="0"/>
-              <a:t> </a:t>
-            </a:r>
-            <a:r>
-              <a:rPr lang="hu-HU" dirty="0" err="1"/>
-              <a:t>plans</a:t>
-            </a:r>
-            <a:r>
-              <a:rPr lang="hu-HU" dirty="0"/>
-              <a:t> </a:t>
-            </a:r>
-            <a:r>
-              <a:rPr lang="hu-HU" dirty="0" err="1"/>
-              <a:t>do</a:t>
-            </a:r>
-            <a:r>
-              <a:rPr lang="hu-HU" dirty="0"/>
-              <a:t> </a:t>
-            </a:r>
-            <a:r>
-              <a:rPr lang="hu-HU" dirty="0" err="1"/>
-              <a:t>we</a:t>
-            </a:r>
-            <a:r>
-              <a:rPr lang="hu-HU" dirty="0"/>
-              <a:t> </a:t>
-            </a:r>
-            <a:r>
-              <a:rPr lang="hu-HU" dirty="0" err="1"/>
-              <a:t>have</a:t>
-            </a:r>
-            <a:r>
-              <a:rPr lang="hu-HU" dirty="0"/>
-              <a:t>?</a:t>
+              <a:rPr lang="hu-HU" dirty="0"/>
+              <a:t>In </a:t>
+            </a:r>
+            <a:r>
+              <a:rPr lang="hu-HU" dirty="0" err="1"/>
+              <a:t>conclusion</a:t>
+            </a:r>
+            <a:r>
+              <a:rPr lang="hu-HU" dirty="0"/>
+              <a:t>, Gamma is </a:t>
+            </a:r>
+            <a:r>
+              <a:rPr lang="hu-HU" dirty="0" err="1"/>
+              <a:t>modeling</a:t>
+            </a:r>
+            <a:r>
+              <a:rPr lang="hu-HU" dirty="0"/>
+              <a:t> </a:t>
+            </a:r>
+            <a:r>
+              <a:rPr lang="hu-HU" dirty="0" err="1"/>
+              <a:t>framework</a:t>
+            </a:r>
+            <a:r>
+              <a:rPr lang="hu-HU" dirty="0"/>
+              <a:t> </a:t>
+            </a:r>
+            <a:r>
+              <a:rPr lang="hu-HU" dirty="0" err="1"/>
+              <a:t>that</a:t>
+            </a:r>
+            <a:r>
+              <a:rPr lang="hu-HU" dirty="0"/>
+              <a:t> </a:t>
+            </a:r>
+            <a:r>
+              <a:rPr lang="hu-HU" dirty="0" err="1"/>
+              <a:t>supports</a:t>
+            </a:r>
+            <a:r>
+              <a:rPr lang="hu-HU" dirty="0"/>
+              <a:t> </a:t>
+            </a:r>
+            <a:r>
+              <a:rPr lang="hu-HU" dirty="0" err="1"/>
+              <a:t>the</a:t>
+            </a:r>
+            <a:r>
+              <a:rPr lang="hu-HU" dirty="0"/>
+              <a:t> design of </a:t>
+            </a:r>
+            <a:r>
+              <a:rPr lang="hu-HU" dirty="0" err="1"/>
+              <a:t>reactive</a:t>
+            </a:r>
+            <a:r>
+              <a:rPr lang="hu-HU" dirty="0"/>
+              <a:t> </a:t>
+            </a:r>
+            <a:r>
+              <a:rPr lang="hu-HU" dirty="0" err="1"/>
+              <a:t>systems</a:t>
+            </a:r>
+            <a:r>
+              <a:rPr lang="hu-HU" dirty="0"/>
+              <a:t> </a:t>
+            </a:r>
+            <a:r>
+              <a:rPr lang="hu-HU" dirty="0" err="1"/>
+              <a:t>on</a:t>
+            </a:r>
+            <a:r>
+              <a:rPr lang="hu-HU" dirty="0"/>
+              <a:t> </a:t>
+            </a:r>
+            <a:r>
+              <a:rPr lang="hu-HU" dirty="0" err="1"/>
+              <a:t>the</a:t>
+            </a:r>
+            <a:r>
+              <a:rPr lang="hu-HU" dirty="0"/>
+              <a:t> </a:t>
+            </a:r>
+            <a:r>
+              <a:rPr lang="hu-HU" dirty="0" err="1"/>
+              <a:t>basis</a:t>
+            </a:r>
+            <a:r>
+              <a:rPr lang="hu-HU" dirty="0"/>
+              <a:t> of </a:t>
+            </a:r>
+            <a:r>
+              <a:rPr lang="hu-HU" dirty="0" err="1"/>
+              <a:t>statecharts</a:t>
+            </a:r>
+            <a:r>
+              <a:rPr lang="hu-HU" dirty="0"/>
+              <a:t>. </a:t>
+            </a:r>
+            <a:r>
+              <a:rPr lang="hu-HU" dirty="0" err="1"/>
+              <a:t>It</a:t>
+            </a:r>
+            <a:r>
+              <a:rPr lang="hu-HU" dirty="0"/>
+              <a:t> </a:t>
+            </a:r>
+            <a:r>
+              <a:rPr lang="hu-HU" dirty="0" err="1"/>
+              <a:t>supports</a:t>
+            </a:r>
+            <a:r>
+              <a:rPr lang="hu-HU" dirty="0"/>
+              <a:t> </a:t>
+            </a:r>
+            <a:r>
+              <a:rPr lang="hu-HU" dirty="0" err="1"/>
+              <a:t>code</a:t>
+            </a:r>
+            <a:r>
+              <a:rPr lang="hu-HU" dirty="0"/>
+              <a:t> </a:t>
+            </a:r>
+            <a:r>
+              <a:rPr lang="hu-HU" dirty="0" err="1"/>
+              <a:t>generation</a:t>
+            </a:r>
+            <a:r>
+              <a:rPr lang="hu-HU" dirty="0"/>
+              <a:t>, </a:t>
+            </a:r>
+            <a:r>
+              <a:rPr lang="hu-HU" dirty="0" err="1"/>
+              <a:t>validation</a:t>
+            </a:r>
+            <a:r>
+              <a:rPr lang="hu-HU" dirty="0"/>
+              <a:t> and </a:t>
+            </a:r>
+            <a:r>
+              <a:rPr lang="hu-HU" dirty="0" err="1"/>
+              <a:t>formal</a:t>
+            </a:r>
+            <a:r>
+              <a:rPr lang="hu-HU" dirty="0"/>
+              <a:t> </a:t>
+            </a:r>
+            <a:r>
+              <a:rPr lang="hu-HU" dirty="0" err="1"/>
+              <a:t>verification</a:t>
+            </a:r>
+            <a:r>
+              <a:rPr lang="hu-HU" dirty="0"/>
+              <a:t> </a:t>
+            </a:r>
+            <a:r>
+              <a:rPr lang="hu-HU" dirty="0" err="1"/>
+              <a:t>functionalities</a:t>
+            </a:r>
+            <a:r>
+              <a:rPr lang="hu-HU" dirty="0"/>
+              <a:t>.</a:t>
             </a:r>
           </a:p>
           <a:p>
             <a:r>
-              <a:rPr lang="hu-HU" dirty="0" err="1"/>
-              <a:t>Currently</a:t>
+              <a:rPr lang="hu-HU" dirty="0"/>
+              <a:t>The main </a:t>
+            </a:r>
+            <a:r>
+              <a:rPr lang="hu-HU" dirty="0" err="1"/>
+              <a:t>topic</a:t>
+            </a:r>
+            <a:r>
+              <a:rPr lang="hu-HU" dirty="0"/>
+              <a:t> of </a:t>
+            </a:r>
+            <a:r>
+              <a:rPr lang="hu-HU" dirty="0" err="1"/>
+              <a:t>this</a:t>
+            </a:r>
+            <a:r>
+              <a:rPr lang="hu-HU" dirty="0"/>
+              <a:t> </a:t>
+            </a:r>
+            <a:r>
+              <a:rPr lang="hu-HU" dirty="0" err="1"/>
+              <a:t>presentation</a:t>
+            </a:r>
+            <a:r>
+              <a:rPr lang="hu-HU" dirty="0"/>
+              <a:t> </a:t>
+            </a:r>
+            <a:r>
+              <a:rPr lang="hu-HU" dirty="0" err="1"/>
+              <a:t>was</a:t>
+            </a:r>
+            <a:r>
+              <a:rPr lang="hu-HU" dirty="0"/>
+              <a:t> </a:t>
+            </a:r>
+            <a:r>
+              <a:rPr lang="hu-HU" dirty="0" err="1"/>
+              <a:t>the</a:t>
+            </a:r>
+            <a:r>
+              <a:rPr lang="hu-HU" dirty="0"/>
+              <a:t> Gamma </a:t>
+            </a:r>
+            <a:r>
+              <a:rPr lang="hu-HU" dirty="0" err="1"/>
+              <a:t>Composition</a:t>
+            </a:r>
+            <a:r>
+              <a:rPr lang="hu-HU" dirty="0"/>
+              <a:t> </a:t>
+            </a:r>
+            <a:r>
+              <a:rPr lang="hu-HU" dirty="0" err="1"/>
+              <a:t>Language</a:t>
             </a:r>
             <a:r>
               <a:rPr lang="hu-HU" dirty="0"/>
@@ -9475,23 +9440,79 @@
             </a:r>
             <a:r>
               <a:rPr lang="hu-HU" dirty="0" err="1"/>
-              <a:t>we</a:t>
-            </a:r>
-            <a:r>
-              <a:rPr lang="hu-HU" dirty="0"/>
-              <a:t> </a:t>
-            </a:r>
-            <a:r>
-              <a:rPr lang="hu-HU" dirty="0" err="1"/>
-              <a:t>are</a:t>
-            </a:r>
-            <a:r>
-              <a:rPr lang="hu-HU" dirty="0"/>
-              <a:t> </a:t>
-            </a:r>
-            <a:r>
-              <a:rPr lang="hu-HU" dirty="0" err="1"/>
-              <a:t>implementing</a:t>
+              <a:t>which</a:t>
+            </a:r>
+            <a:r>
+              <a:rPr lang="hu-HU" dirty="0"/>
+              <a:t> has </a:t>
+            </a:r>
+            <a:r>
+              <a:rPr lang="hu-HU" dirty="0" err="1"/>
+              <a:t>been</a:t>
+            </a:r>
+            <a:r>
+              <a:rPr lang="hu-HU" dirty="0"/>
+              <a:t> </a:t>
+            </a:r>
+            <a:r>
+              <a:rPr lang="hu-HU" dirty="0" err="1"/>
+              <a:t>extended</a:t>
+            </a:r>
+            <a:r>
+              <a:rPr lang="hu-HU" dirty="0"/>
+              <a:t> </a:t>
+            </a:r>
+            <a:r>
+              <a:rPr lang="hu-HU" dirty="0" err="1"/>
+              <a:t>with</a:t>
+            </a:r>
+            <a:r>
+              <a:rPr lang="hu-HU" dirty="0"/>
+              <a:t> </a:t>
+            </a:r>
+            <a:r>
+              <a:rPr lang="hu-HU" dirty="0" err="1"/>
+              <a:t>three</a:t>
+            </a:r>
+            <a:r>
+              <a:rPr lang="hu-HU" dirty="0"/>
+              <a:t> </a:t>
+            </a:r>
+            <a:r>
+              <a:rPr lang="hu-HU" dirty="0" err="1"/>
+              <a:t>formal</a:t>
+            </a:r>
+            <a:r>
+              <a:rPr lang="hu-HU" dirty="0"/>
+              <a:t> </a:t>
+            </a:r>
+            <a:r>
+              <a:rPr lang="hu-HU" dirty="0" err="1"/>
+              <a:t>semantics</a:t>
+            </a:r>
+            <a:r>
+              <a:rPr lang="hu-HU" dirty="0"/>
+              <a:t>: </a:t>
+            </a:r>
+            <a:r>
+              <a:rPr lang="hu-HU" dirty="0" err="1"/>
+              <a:t>asynchronous</a:t>
+            </a:r>
+            <a:r>
+              <a:rPr lang="hu-HU" dirty="0"/>
+              <a:t> </a:t>
+            </a:r>
+            <a:r>
+              <a:rPr lang="hu-HU" dirty="0" err="1"/>
+              <a:t>semantics</a:t>
+            </a:r>
+            <a:r>
+              <a:rPr lang="hu-HU" dirty="0"/>
+              <a:t> </a:t>
+            </a:r>
+            <a:r>
+              <a:rPr lang="hu-HU" dirty="0" err="1"/>
+              <a:t>for</a:t>
             </a:r>
             <a:r>
               <a:rPr lang="hu-HU" dirty="0"/>
@@ -9507,11 +9528,51 @@
             </a:r>
             <a:r>
               <a:rPr lang="hu-HU" dirty="0" err="1"/>
-              <a:t>asynchronous</a:t>
-            </a:r>
-            <a:r>
-              <a:rPr lang="hu-HU" dirty="0"/>
-              <a:t> part of </a:t>
+              <a:t>modeling</a:t>
+            </a:r>
+            <a:r>
+              <a:rPr lang="hu-HU" dirty="0"/>
+              <a:t> of </a:t>
+            </a:r>
+            <a:r>
+              <a:rPr lang="hu-HU" dirty="0" err="1"/>
+              <a:t>independent</a:t>
+            </a:r>
+            <a:r>
+              <a:rPr lang="hu-HU" dirty="0"/>
+              <a:t> </a:t>
+            </a:r>
+            <a:r>
+              <a:rPr lang="hu-HU" dirty="0" err="1"/>
+              <a:t>processes</a:t>
+            </a:r>
+            <a:r>
+              <a:rPr lang="hu-HU" dirty="0"/>
+              <a:t>, </a:t>
+            </a:r>
+            <a:r>
+              <a:rPr lang="hu-HU" dirty="0" err="1"/>
+              <a:t>synchronous</a:t>
+            </a:r>
+            <a:r>
+              <a:rPr lang="hu-HU" dirty="0"/>
+              <a:t> </a:t>
+            </a:r>
+            <a:r>
+              <a:rPr lang="hu-HU" dirty="0" err="1"/>
+              <a:t>semantics</a:t>
+            </a:r>
+            <a:r>
+              <a:rPr lang="hu-HU" dirty="0"/>
+              <a:t> </a:t>
+            </a:r>
+            <a:r>
+              <a:rPr lang="hu-HU" dirty="0" err="1"/>
+              <a:t>for</a:t>
+            </a:r>
+            <a:r>
+              <a:rPr lang="hu-HU" dirty="0"/>
+              <a:t> </a:t>
             </a:r>
             <a:r>
               <a:rPr lang="hu-HU" dirty="0" err="1"/>
@@ -9523,95 +9584,79 @@
             </a:r>
             <a:r>
               <a:rPr lang="hu-HU" dirty="0" err="1"/>
-              <a:t>code</a:t>
-            </a:r>
-            <a:r>
-              <a:rPr lang="hu-HU" dirty="0"/>
-              <a:t> </a:t>
-            </a:r>
-            <a:r>
-              <a:rPr lang="hu-HU" dirty="0" err="1"/>
-              <a:t>generator</a:t>
-            </a:r>
-            <a:r>
-              <a:rPr lang="hu-HU" dirty="0"/>
-              <a:t>. Moreover, </a:t>
-            </a:r>
-            <a:r>
-              <a:rPr lang="hu-HU" dirty="0" err="1"/>
-              <a:t>we</a:t>
-            </a:r>
-            <a:r>
-              <a:rPr lang="hu-HU" dirty="0"/>
-              <a:t> </a:t>
-            </a:r>
-            <a:r>
-              <a:rPr lang="hu-HU" dirty="0" err="1"/>
-              <a:t>would</a:t>
-            </a:r>
-            <a:r>
-              <a:rPr lang="hu-HU" dirty="0"/>
-              <a:t> like </a:t>
-            </a:r>
-            <a:r>
-              <a:rPr lang="hu-HU" dirty="0" err="1"/>
-              <a:t>to</a:t>
-            </a:r>
-            <a:r>
-              <a:rPr lang="hu-HU" dirty="0"/>
-              <a:t> </a:t>
-            </a:r>
-            <a:r>
-              <a:rPr lang="hu-HU" dirty="0" err="1"/>
-              <a:t>extend</a:t>
-            </a:r>
-            <a:r>
-              <a:rPr lang="hu-HU" dirty="0"/>
-              <a:t> </a:t>
-            </a:r>
-            <a:r>
-              <a:rPr lang="hu-HU" dirty="0" err="1"/>
-              <a:t>the</a:t>
-            </a:r>
-            <a:r>
-              <a:rPr lang="hu-HU" dirty="0"/>
-              <a:t> </a:t>
-            </a:r>
-            <a:r>
-              <a:rPr lang="hu-HU" dirty="0" err="1"/>
-              <a:t>model-checking</a:t>
-            </a:r>
-            <a:r>
-              <a:rPr lang="hu-HU" dirty="0"/>
-              <a:t> </a:t>
-            </a:r>
-            <a:r>
-              <a:rPr lang="hu-HU" dirty="0" err="1"/>
-              <a:t>functionality</a:t>
-            </a:r>
-            <a:r>
-              <a:rPr lang="hu-HU" dirty="0"/>
-              <a:t> </a:t>
-            </a:r>
-            <a:r>
-              <a:rPr lang="hu-HU" dirty="0" err="1"/>
-              <a:t>to</a:t>
-            </a:r>
-            <a:r>
-              <a:rPr lang="hu-HU" dirty="0"/>
-              <a:t> </a:t>
-            </a:r>
-            <a:r>
-              <a:rPr lang="hu-HU" dirty="0" err="1"/>
-              <a:t>asynchronous</a:t>
-            </a:r>
-            <a:r>
-              <a:rPr lang="hu-HU" dirty="0"/>
-              <a:t> </a:t>
-            </a:r>
-            <a:r>
-              <a:rPr lang="hu-HU" dirty="0" err="1"/>
-              <a:t>models</a:t>
+              <a:t>modeling</a:t>
+            </a:r>
+            <a:r>
+              <a:rPr lang="hu-HU" dirty="0"/>
+              <a:t> of a </a:t>
+            </a:r>
+            <a:r>
+              <a:rPr lang="hu-HU" dirty="0" err="1"/>
+              <a:t>coherent</a:t>
+            </a:r>
+            <a:r>
+              <a:rPr lang="hu-HU" dirty="0"/>
+              <a:t> unit </a:t>
+            </a:r>
+            <a:r>
+              <a:rPr lang="hu-HU" dirty="0" err="1"/>
+              <a:t>consisting</a:t>
+            </a:r>
+            <a:r>
+              <a:rPr lang="hu-HU" dirty="0"/>
+              <a:t> of </a:t>
+            </a:r>
+            <a:r>
+              <a:rPr lang="hu-HU" dirty="0" err="1"/>
+              <a:t>multiple</a:t>
+            </a:r>
+            <a:r>
+              <a:rPr lang="hu-HU" dirty="0"/>
+              <a:t> </a:t>
+            </a:r>
+            <a:r>
+              <a:rPr lang="hu-HU" dirty="0" err="1"/>
+              <a:t>components</a:t>
+            </a:r>
+            <a:r>
+              <a:rPr lang="hu-HU" dirty="0"/>
+              <a:t>, and </a:t>
+            </a:r>
+            <a:r>
+              <a:rPr lang="hu-HU" dirty="0" err="1"/>
+              <a:t>cascade</a:t>
+            </a:r>
+            <a:r>
+              <a:rPr lang="hu-HU" dirty="0"/>
+              <a:t> </a:t>
+            </a:r>
+            <a:r>
+              <a:rPr lang="hu-HU" dirty="0" err="1"/>
+              <a:t>semantics</a:t>
+            </a:r>
+            <a:r>
+              <a:rPr lang="hu-HU" dirty="0"/>
+              <a:t> </a:t>
+            </a:r>
+            <a:r>
+              <a:rPr lang="hu-HU" dirty="0" err="1"/>
+              <a:t>for</a:t>
+            </a:r>
+            <a:r>
+              <a:rPr lang="hu-HU" dirty="0"/>
+              <a:t> </a:t>
+            </a:r>
+            <a:r>
+              <a:rPr lang="hu-HU" dirty="0" err="1"/>
+              <a:t>modeling</a:t>
+            </a:r>
+            <a:r>
+              <a:rPr lang="hu-HU" dirty="0"/>
+              <a:t> a </a:t>
+            </a:r>
+            <a:r>
+              <a:rPr lang="hu-HU" dirty="0" err="1"/>
+              <a:t>sequential</a:t>
             </a:r>
             <a:r>
               <a:rPr lang="hu-HU" dirty="0"/>
@@ -9619,222 +9664,23 @@
             </a:r>
             <a:r>
               <a:rPr lang="hu-HU" dirty="0" err="1"/>
-              <a:t>this</a:t>
-            </a:r>
-            <a:r>
-              <a:rPr lang="hu-HU" dirty="0"/>
-              <a:t> </a:t>
-            </a:r>
-            <a:r>
-              <a:rPr lang="hu-HU" dirty="0" err="1"/>
-              <a:t>area</a:t>
-            </a:r>
-            <a:r>
-              <a:rPr lang="hu-HU" dirty="0"/>
-              <a:t> is </a:t>
-            </a:r>
-            <a:r>
-              <a:rPr lang="hu-HU" dirty="0" err="1"/>
-              <a:t>currently</a:t>
-            </a:r>
-            <a:r>
-              <a:rPr lang="hu-HU" dirty="0"/>
-              <a:t> </a:t>
-            </a:r>
-            <a:r>
-              <a:rPr lang="hu-HU" dirty="0" err="1"/>
-              <a:t>under</a:t>
-            </a:r>
-            <a:r>
-              <a:rPr lang="hu-HU" dirty="0"/>
-              <a:t> </a:t>
-            </a:r>
-            <a:r>
-              <a:rPr lang="hu-HU" dirty="0" err="1"/>
-              <a:t>research</a:t>
-            </a:r>
-            <a:r>
-              <a:rPr lang="hu-HU" dirty="0"/>
-              <a:t>. </a:t>
+              <a:t>pipeline</a:t>
+            </a:r>
+            <a:r>
+              <a:rPr lang="hu-HU" dirty="0"/>
+              <a:t>-like </a:t>
+            </a:r>
+            <a:r>
+              <a:rPr lang="hu-HU" dirty="0" err="1"/>
+              <a:t>behavior</a:t>
+            </a:r>
+            <a:r>
+              <a:rPr lang="hu-HU" dirty="0"/>
+              <a:t>.</a:t>
             </a:r>
           </a:p>
           <a:p>
-            <a:r>
-              <a:rPr lang="hu-HU" dirty="0" err="1"/>
-              <a:t>Also</a:t>
-            </a:r>
-            <a:r>
-              <a:rPr lang="hu-HU" dirty="0"/>
-              <a:t>, </a:t>
-            </a:r>
-            <a:r>
-              <a:rPr lang="hu-HU" dirty="0" err="1"/>
-              <a:t>we</a:t>
-            </a:r>
-            <a:r>
-              <a:rPr lang="hu-HU" dirty="0"/>
-              <a:t> </a:t>
-            </a:r>
-            <a:r>
-              <a:rPr lang="hu-HU" dirty="0" err="1"/>
-              <a:t>plan</a:t>
-            </a:r>
-            <a:r>
-              <a:rPr lang="hu-HU" dirty="0"/>
-              <a:t> </a:t>
-            </a:r>
-            <a:r>
-              <a:rPr lang="hu-HU" dirty="0" err="1"/>
-              <a:t>to</a:t>
-            </a:r>
-            <a:r>
-              <a:rPr lang="hu-HU" dirty="0"/>
-              <a:t> </a:t>
-            </a:r>
-            <a:r>
-              <a:rPr lang="hu-HU" dirty="0" err="1"/>
-              <a:t>support</a:t>
-            </a:r>
-            <a:r>
-              <a:rPr lang="hu-HU" dirty="0"/>
-              <a:t> </a:t>
-            </a:r>
-            <a:r>
-              <a:rPr lang="hu-HU" dirty="0" err="1"/>
-              <a:t>additional</a:t>
-            </a:r>
-            <a:r>
-              <a:rPr lang="hu-HU" dirty="0"/>
-              <a:t> </a:t>
-            </a:r>
-            <a:r>
-              <a:rPr lang="hu-HU" dirty="0" err="1"/>
-              <a:t>programming</a:t>
-            </a:r>
-            <a:r>
-              <a:rPr lang="hu-HU" dirty="0"/>
-              <a:t> </a:t>
-            </a:r>
-            <a:r>
-              <a:rPr lang="hu-HU" dirty="0" err="1"/>
-              <a:t>languages</a:t>
-            </a:r>
-            <a:r>
-              <a:rPr lang="hu-HU" dirty="0"/>
-              <a:t>, </a:t>
-            </a:r>
-            <a:r>
-              <a:rPr lang="hu-HU" dirty="0" err="1"/>
-              <a:t>such</a:t>
-            </a:r>
-            <a:r>
-              <a:rPr lang="hu-HU" dirty="0"/>
-              <a:t> </a:t>
-            </a:r>
-            <a:r>
-              <a:rPr lang="hu-HU" dirty="0" err="1"/>
-              <a:t>as</a:t>
-            </a:r>
-            <a:r>
-              <a:rPr lang="hu-HU" dirty="0"/>
-              <a:t> C++ </a:t>
-            </a:r>
-            <a:r>
-              <a:rPr lang="hu-HU" dirty="0" err="1"/>
-              <a:t>with</a:t>
-            </a:r>
-            <a:r>
-              <a:rPr lang="hu-HU" dirty="0"/>
-              <a:t> </a:t>
-            </a:r>
-            <a:r>
-              <a:rPr lang="hu-HU" dirty="0" err="1"/>
-              <a:t>the</a:t>
-            </a:r>
-            <a:r>
-              <a:rPr lang="hu-HU" dirty="0"/>
-              <a:t> </a:t>
-            </a:r>
-            <a:r>
-              <a:rPr lang="hu-HU" dirty="0" err="1"/>
-              <a:t>code</a:t>
-            </a:r>
-            <a:r>
-              <a:rPr lang="hu-HU" dirty="0"/>
-              <a:t> </a:t>
-            </a:r>
-            <a:r>
-              <a:rPr lang="hu-HU" dirty="0" err="1"/>
-              <a:t>generator</a:t>
-            </a:r>
-            <a:r>
-              <a:rPr lang="hu-HU" dirty="0"/>
-              <a:t>, and </a:t>
-            </a:r>
-            <a:r>
-              <a:rPr lang="hu-HU" dirty="0" err="1"/>
-              <a:t>plan</a:t>
-            </a:r>
-            <a:r>
-              <a:rPr lang="hu-HU" dirty="0"/>
-              <a:t> </a:t>
-            </a:r>
-            <a:r>
-              <a:rPr lang="hu-HU" dirty="0" err="1"/>
-              <a:t>to</a:t>
-            </a:r>
-            <a:r>
-              <a:rPr lang="hu-HU" dirty="0"/>
-              <a:t> </a:t>
-            </a:r>
-            <a:r>
-              <a:rPr lang="hu-HU" dirty="0" err="1"/>
-              <a:t>integrate</a:t>
-            </a:r>
-            <a:r>
-              <a:rPr lang="hu-HU" dirty="0"/>
-              <a:t> </a:t>
-            </a:r>
-            <a:r>
-              <a:rPr lang="hu-HU" dirty="0" err="1"/>
-              <a:t>additional</a:t>
-            </a:r>
-            <a:r>
-              <a:rPr lang="hu-HU" dirty="0"/>
-              <a:t> </a:t>
-            </a:r>
-            <a:r>
-              <a:rPr lang="hu-HU" dirty="0" err="1"/>
-              <a:t>engineering</a:t>
-            </a:r>
-            <a:r>
-              <a:rPr lang="hu-HU" dirty="0"/>
-              <a:t> and </a:t>
-            </a:r>
-            <a:r>
-              <a:rPr lang="hu-HU" dirty="0" err="1"/>
-              <a:t>analysis</a:t>
-            </a:r>
-            <a:r>
-              <a:rPr lang="hu-HU" dirty="0"/>
-              <a:t> </a:t>
-            </a:r>
-            <a:r>
-              <a:rPr lang="hu-HU" dirty="0" err="1"/>
-              <a:t>languages</a:t>
-            </a:r>
-            <a:r>
-              <a:rPr lang="hu-HU" dirty="0"/>
-              <a:t> </a:t>
-            </a:r>
-            <a:r>
-              <a:rPr lang="hu-HU" dirty="0" err="1"/>
-              <a:t>to</a:t>
-            </a:r>
-            <a:r>
-              <a:rPr lang="hu-HU" dirty="0"/>
-              <a:t> Gamma.</a:t>
-            </a:r>
+            <a:endParaRPr lang="en-US" dirty="0"/>
           </a:p>
         </p:txBody>
       </p:sp>
@@ -9864,7 +9710,7 @@
     </p:spTree>
     <p:extLst>
       <p:ext uri="{BB962C8B-B14F-4D97-AF65-F5344CB8AC3E}">
-        <p14:creationId xmlns:p14="http://schemas.microsoft.com/office/powerpoint/2010/main" val="821154064"/>
+        <p14:creationId xmlns:p14="http://schemas.microsoft.com/office/powerpoint/2010/main" val="3546852453"/>
       </p:ext>
     </p:extLst>
   </p:cSld>
@@ -9919,101 +9765,424 @@
           <a:lstStyle/>
           <a:p>
             <a:r>
-              <a:rPr lang="hu-HU" dirty="0"/>
-              <a:t>A </a:t>
-            </a:r>
-            <a:r>
-              <a:rPr lang="hu-HU" dirty="0" err="1"/>
-              <a:t>working</a:t>
-            </a:r>
-            <a:r>
-              <a:rPr lang="hu-HU" dirty="0"/>
-              <a:t> version of Gamma and a </a:t>
-            </a:r>
-            <a:r>
-              <a:rPr lang="hu-HU" dirty="0" err="1"/>
-              <a:t>tutorial</a:t>
-            </a:r>
-            <a:r>
-              <a:rPr lang="hu-HU" dirty="0"/>
-              <a:t> </a:t>
-            </a:r>
-            <a:r>
-              <a:rPr lang="hu-HU" dirty="0" err="1"/>
-              <a:t>can</a:t>
-            </a:r>
-            <a:r>
-              <a:rPr lang="hu-HU" dirty="0"/>
-              <a:t> be </a:t>
-            </a:r>
-            <a:r>
-              <a:rPr lang="hu-HU" dirty="0" err="1"/>
-              <a:t>found</a:t>
-            </a:r>
-            <a:r>
-              <a:rPr lang="hu-HU" dirty="0"/>
-              <a:t> </a:t>
-            </a:r>
-            <a:r>
-              <a:rPr lang="hu-HU" dirty="0" err="1"/>
-              <a:t>under</a:t>
-            </a:r>
-            <a:r>
-              <a:rPr lang="hu-HU" dirty="0"/>
-              <a:t> </a:t>
-            </a:r>
-            <a:r>
-              <a:rPr lang="hu-HU" dirty="0" err="1"/>
-              <a:t>this</a:t>
-            </a:r>
-            <a:r>
-              <a:rPr lang="hu-HU" dirty="0"/>
-              <a:t> link.</a:t>
+              <a:rPr lang="hu-HU" dirty="0" err="1"/>
+              <a:t>What</a:t>
+            </a:r>
+            <a:r>
+              <a:rPr lang="hu-HU" dirty="0"/>
+              <a:t> </a:t>
+            </a:r>
+            <a:r>
+              <a:rPr lang="hu-HU" dirty="0" err="1"/>
+              <a:t>future</a:t>
+            </a:r>
+            <a:r>
+              <a:rPr lang="hu-HU" dirty="0"/>
+              <a:t> </a:t>
+            </a:r>
+            <a:r>
+              <a:rPr lang="hu-HU" dirty="0" err="1"/>
+              <a:t>plans</a:t>
+            </a:r>
+            <a:r>
+              <a:rPr lang="hu-HU" dirty="0"/>
+              <a:t> </a:t>
+            </a:r>
+            <a:r>
+              <a:rPr lang="hu-HU" dirty="0" err="1"/>
+              <a:t>do</a:t>
+            </a:r>
+            <a:r>
+              <a:rPr lang="hu-HU" dirty="0"/>
+              <a:t> </a:t>
+            </a:r>
+            <a:r>
+              <a:rPr lang="hu-HU" dirty="0" err="1"/>
+              <a:t>we</a:t>
+            </a:r>
+            <a:r>
+              <a:rPr lang="hu-HU" dirty="0"/>
+              <a:t> </a:t>
+            </a:r>
+            <a:r>
+              <a:rPr lang="hu-HU" dirty="0" err="1"/>
+              <a:t>have</a:t>
+            </a:r>
+            <a:r>
+              <a:rPr lang="hu-HU" dirty="0"/>
+              <a:t>?</a:t>
             </a:r>
           </a:p>
           <a:p>
-            <a:endParaRPr lang="hu-HU" dirty="0"/>
+            <a:r>
+              <a:rPr lang="hu-HU" dirty="0" err="1"/>
+              <a:t>Currently</a:t>
+            </a:r>
+            <a:r>
+              <a:rPr lang="hu-HU" dirty="0"/>
+              <a:t>, </a:t>
+            </a:r>
+            <a:r>
+              <a:rPr lang="hu-HU" dirty="0" err="1"/>
+              <a:t>we</a:t>
+            </a:r>
+            <a:r>
+              <a:rPr lang="hu-HU" dirty="0"/>
+              <a:t> </a:t>
+            </a:r>
+            <a:r>
+              <a:rPr lang="hu-HU" dirty="0" err="1"/>
+              <a:t>are</a:t>
+            </a:r>
+            <a:r>
+              <a:rPr lang="hu-HU" dirty="0"/>
+              <a:t> </a:t>
+            </a:r>
+            <a:r>
+              <a:rPr lang="hu-HU" dirty="0" err="1"/>
+              <a:t>implementing</a:t>
+            </a:r>
+            <a:r>
+              <a:rPr lang="hu-HU" dirty="0"/>
+              <a:t> </a:t>
+            </a:r>
+            <a:r>
+              <a:rPr lang="hu-HU" dirty="0" err="1"/>
+              <a:t>the</a:t>
+            </a:r>
+            <a:r>
+              <a:rPr lang="hu-HU" dirty="0"/>
+              <a:t> </a:t>
+            </a:r>
+            <a:r>
+              <a:rPr lang="hu-HU" dirty="0" err="1"/>
+              <a:t>asynchronous</a:t>
+            </a:r>
+            <a:r>
+              <a:rPr lang="hu-HU" dirty="0"/>
+              <a:t> part of </a:t>
+            </a:r>
+            <a:r>
+              <a:rPr lang="hu-HU" dirty="0" err="1"/>
+              <a:t>the</a:t>
+            </a:r>
+            <a:r>
+              <a:rPr lang="hu-HU" dirty="0"/>
+              <a:t> </a:t>
+            </a:r>
+            <a:r>
+              <a:rPr lang="hu-HU" dirty="0" err="1"/>
+              <a:t>code</a:t>
+            </a:r>
+            <a:r>
+              <a:rPr lang="hu-HU" dirty="0"/>
+              <a:t> </a:t>
+            </a:r>
+            <a:r>
+              <a:rPr lang="hu-HU" dirty="0" err="1"/>
+              <a:t>generator</a:t>
+            </a:r>
+            <a:r>
+              <a:rPr lang="hu-HU" dirty="0"/>
+              <a:t>. Moreover, </a:t>
+            </a:r>
+            <a:r>
+              <a:rPr lang="hu-HU" dirty="0" err="1"/>
+              <a:t>we</a:t>
+            </a:r>
+            <a:r>
+              <a:rPr lang="hu-HU" dirty="0"/>
+              <a:t> </a:t>
+            </a:r>
+            <a:r>
+              <a:rPr lang="hu-HU" dirty="0" err="1"/>
+              <a:t>would</a:t>
+            </a:r>
+            <a:r>
+              <a:rPr lang="hu-HU" dirty="0"/>
+              <a:t> like </a:t>
+            </a:r>
+            <a:r>
+              <a:rPr lang="hu-HU" dirty="0" err="1"/>
+              <a:t>to</a:t>
+            </a:r>
+            <a:r>
+              <a:rPr lang="hu-HU" dirty="0"/>
+              <a:t> </a:t>
+            </a:r>
+            <a:r>
+              <a:rPr lang="hu-HU" dirty="0" err="1"/>
+              <a:t>extend</a:t>
+            </a:r>
+            <a:r>
+              <a:rPr lang="hu-HU" dirty="0"/>
+              <a:t> </a:t>
+            </a:r>
+            <a:r>
+              <a:rPr lang="hu-HU" dirty="0" err="1"/>
+              <a:t>the</a:t>
+            </a:r>
+            <a:r>
+              <a:rPr lang="hu-HU" dirty="0"/>
+              <a:t> </a:t>
+            </a:r>
+            <a:r>
+              <a:rPr lang="hu-HU" dirty="0" err="1"/>
+              <a:t>model-checking</a:t>
+            </a:r>
+            <a:r>
+              <a:rPr lang="hu-HU" dirty="0"/>
+              <a:t> </a:t>
+            </a:r>
+            <a:r>
+              <a:rPr lang="hu-HU" dirty="0" err="1"/>
+              <a:t>functionality</a:t>
+            </a:r>
+            <a:r>
+              <a:rPr lang="hu-HU" dirty="0"/>
+              <a:t> </a:t>
+            </a:r>
+            <a:r>
+              <a:rPr lang="hu-HU" dirty="0" err="1"/>
+              <a:t>to</a:t>
+            </a:r>
+            <a:r>
+              <a:rPr lang="hu-HU" dirty="0"/>
+              <a:t> </a:t>
+            </a:r>
+            <a:r>
+              <a:rPr lang="hu-HU" dirty="0" err="1"/>
+              <a:t>asynchronous</a:t>
+            </a:r>
+            <a:r>
+              <a:rPr lang="hu-HU" dirty="0"/>
+              <a:t> </a:t>
+            </a:r>
+            <a:r>
+              <a:rPr lang="hu-HU" dirty="0" err="1"/>
+              <a:t>models</a:t>
+            </a:r>
+            <a:r>
+              <a:rPr lang="hu-HU" dirty="0"/>
+              <a:t>, </a:t>
+            </a:r>
+            <a:r>
+              <a:rPr lang="hu-HU" dirty="0" err="1"/>
+              <a:t>this</a:t>
+            </a:r>
+            <a:r>
+              <a:rPr lang="hu-HU" dirty="0"/>
+              <a:t> </a:t>
+            </a:r>
+            <a:r>
+              <a:rPr lang="hu-HU" dirty="0" err="1"/>
+              <a:t>area</a:t>
+            </a:r>
+            <a:r>
+              <a:rPr lang="hu-HU" dirty="0"/>
+              <a:t> is </a:t>
+            </a:r>
+            <a:r>
+              <a:rPr lang="hu-HU" dirty="0" err="1"/>
+              <a:t>currently</a:t>
+            </a:r>
+            <a:r>
+              <a:rPr lang="hu-HU" dirty="0"/>
+              <a:t> </a:t>
+            </a:r>
+            <a:r>
+              <a:rPr lang="hu-HU" dirty="0" err="1"/>
+              <a:t>under</a:t>
+            </a:r>
+            <a:r>
+              <a:rPr lang="hu-HU" dirty="0"/>
+              <a:t> </a:t>
+            </a:r>
+            <a:r>
+              <a:rPr lang="hu-HU" dirty="0" err="1"/>
+              <a:t>research</a:t>
+            </a:r>
+            <a:r>
+              <a:rPr lang="hu-HU" dirty="0"/>
+              <a:t>. </a:t>
+            </a:r>
           </a:p>
           <a:p>
             <a:r>
               <a:rPr lang="hu-HU" dirty="0" err="1"/>
-              <a:t>Thank</a:t>
-            </a:r>
-            <a:r>
-              <a:rPr lang="hu-HU" dirty="0"/>
-              <a:t> </a:t>
-            </a:r>
-            <a:r>
-              <a:rPr lang="hu-HU" dirty="0" err="1"/>
-              <a:t>you</a:t>
-            </a:r>
-            <a:r>
-              <a:rPr lang="hu-HU" dirty="0"/>
-              <a:t> </a:t>
-            </a:r>
-            <a:r>
-              <a:rPr lang="hu-HU" dirty="0" err="1"/>
-              <a:t>for</a:t>
-            </a:r>
-            <a:r>
-              <a:rPr lang="hu-HU" dirty="0"/>
-              <a:t> </a:t>
-            </a:r>
-            <a:r>
-              <a:rPr lang="hu-HU" dirty="0" err="1"/>
-              <a:t>your</a:t>
-            </a:r>
-            <a:r>
-              <a:rPr lang="hu-HU" dirty="0"/>
-              <a:t> </a:t>
-            </a:r>
-            <a:r>
-              <a:rPr lang="hu-HU" dirty="0" err="1"/>
-              <a:t>attention</a:t>
-            </a:r>
-            <a:r>
-              <a:rPr lang="hu-HU" dirty="0"/>
-              <a:t>!</a:t>
+              <a:t>Also</a:t>
+            </a:r>
+            <a:r>
+              <a:rPr lang="hu-HU" dirty="0"/>
+              <a:t>, </a:t>
+            </a:r>
+            <a:r>
+              <a:rPr lang="hu-HU" dirty="0" err="1"/>
+              <a:t>we</a:t>
+            </a:r>
+            <a:r>
+              <a:rPr lang="hu-HU" dirty="0"/>
+              <a:t> </a:t>
+            </a:r>
+            <a:r>
+              <a:rPr lang="hu-HU" dirty="0" err="1"/>
+              <a:t>plan</a:t>
+            </a:r>
+            <a:r>
+              <a:rPr lang="hu-HU" dirty="0"/>
+              <a:t> </a:t>
+            </a:r>
+            <a:r>
+              <a:rPr lang="hu-HU" dirty="0" err="1"/>
+              <a:t>to</a:t>
+            </a:r>
+            <a:r>
+              <a:rPr lang="hu-HU" dirty="0"/>
+              <a:t> </a:t>
+            </a:r>
+            <a:r>
+              <a:rPr lang="hu-HU" dirty="0" err="1"/>
+              <a:t>support</a:t>
+            </a:r>
+            <a:r>
+              <a:rPr lang="hu-HU" dirty="0"/>
+              <a:t> </a:t>
+            </a:r>
+            <a:r>
+              <a:rPr lang="hu-HU" dirty="0" err="1"/>
+              <a:t>additional</a:t>
+            </a:r>
+            <a:r>
+              <a:rPr lang="hu-HU" dirty="0"/>
+              <a:t> </a:t>
+            </a:r>
+            <a:r>
+              <a:rPr lang="hu-HU" dirty="0" err="1"/>
+              <a:t>programming</a:t>
+            </a:r>
+            <a:r>
+              <a:rPr lang="hu-HU" dirty="0"/>
+              <a:t> </a:t>
+            </a:r>
+            <a:r>
+              <a:rPr lang="hu-HU" dirty="0" err="1"/>
+              <a:t>languages</a:t>
+            </a:r>
+            <a:r>
+              <a:rPr lang="hu-HU" dirty="0"/>
+              <a:t>, </a:t>
+            </a:r>
+            <a:r>
+              <a:rPr lang="hu-HU" dirty="0" err="1"/>
+              <a:t>such</a:t>
+            </a:r>
+            <a:r>
+              <a:rPr lang="hu-HU" dirty="0"/>
+              <a:t> </a:t>
+            </a:r>
+            <a:r>
+              <a:rPr lang="hu-HU" dirty="0" err="1"/>
+              <a:t>as</a:t>
+            </a:r>
+            <a:r>
+              <a:rPr lang="hu-HU" dirty="0"/>
+              <a:t> C++ </a:t>
+            </a:r>
+            <a:r>
+              <a:rPr lang="hu-HU" dirty="0" err="1"/>
+              <a:t>with</a:t>
+            </a:r>
+            <a:r>
+              <a:rPr lang="hu-HU" dirty="0"/>
+              <a:t> </a:t>
+            </a:r>
+            <a:r>
+              <a:rPr lang="hu-HU" dirty="0" err="1"/>
+              <a:t>the</a:t>
+            </a:r>
+            <a:r>
+              <a:rPr lang="hu-HU" dirty="0"/>
+              <a:t> </a:t>
+            </a:r>
+            <a:r>
+              <a:rPr lang="hu-HU" dirty="0" err="1"/>
+              <a:t>code</a:t>
+            </a:r>
+            <a:r>
+              <a:rPr lang="hu-HU" dirty="0"/>
+              <a:t> </a:t>
+            </a:r>
+            <a:r>
+              <a:rPr lang="hu-HU" dirty="0" err="1"/>
+              <a:t>generator</a:t>
+            </a:r>
+            <a:r>
+              <a:rPr lang="hu-HU" dirty="0"/>
+              <a:t>, and </a:t>
+            </a:r>
+            <a:r>
+              <a:rPr lang="hu-HU" dirty="0" err="1"/>
+              <a:t>plan</a:t>
+            </a:r>
+            <a:r>
+              <a:rPr lang="hu-HU" dirty="0"/>
+              <a:t> </a:t>
+            </a:r>
+            <a:r>
+              <a:rPr lang="hu-HU" dirty="0" err="1"/>
+              <a:t>to</a:t>
+            </a:r>
+            <a:r>
+              <a:rPr lang="hu-HU" dirty="0"/>
+              <a:t> </a:t>
+            </a:r>
+            <a:r>
+              <a:rPr lang="hu-HU" dirty="0" err="1"/>
+              <a:t>integrate</a:t>
+            </a:r>
+            <a:r>
+              <a:rPr lang="hu-HU" dirty="0"/>
+              <a:t> </a:t>
+            </a:r>
+            <a:r>
+              <a:rPr lang="hu-HU" dirty="0" err="1"/>
+              <a:t>additional</a:t>
+            </a:r>
+            <a:r>
+              <a:rPr lang="hu-HU" dirty="0"/>
+              <a:t> </a:t>
+            </a:r>
+            <a:r>
+              <a:rPr lang="hu-HU" dirty="0" err="1"/>
+              <a:t>engineering</a:t>
+            </a:r>
+            <a:r>
+              <a:rPr lang="hu-HU" dirty="0"/>
+              <a:t> and </a:t>
+            </a:r>
+            <a:r>
+              <a:rPr lang="hu-HU" dirty="0" err="1"/>
+              <a:t>analysis</a:t>
+            </a:r>
+            <a:r>
+              <a:rPr lang="hu-HU" dirty="0"/>
+              <a:t> </a:t>
+            </a:r>
+            <a:r>
+              <a:rPr lang="hu-HU" dirty="0" err="1"/>
+              <a:t>languages</a:t>
+            </a:r>
+            <a:r>
+              <a:rPr lang="hu-HU" dirty="0"/>
+              <a:t> </a:t>
+            </a:r>
+            <a:r>
+              <a:rPr lang="hu-HU" dirty="0" err="1"/>
+              <a:t>to</a:t>
+            </a:r>
+            <a:r>
+              <a:rPr lang="hu-HU" dirty="0"/>
+              <a:t> Gamma.</a:t>
             </a:r>
           </a:p>
         </p:txBody>
@@ -10036,6 +10205,186 @@
             <a:fld id="{F73ECD87-3D6E-4E2D-938C-1EC7D95CEC8A}" type="slidenum">
               <a:rPr lang="en-US" smtClean="0"/>
               <a:t>25</a:t>
+            </a:fld>
+            <a:endParaRPr lang="en-US"/>
+          </a:p>
+        </p:txBody>
+      </p:sp>
+    </p:spTree>
+    <p:extLst>
+      <p:ext uri="{BB962C8B-B14F-4D97-AF65-F5344CB8AC3E}">
+        <p14:creationId xmlns:p14="http://schemas.microsoft.com/office/powerpoint/2010/main" val="821154064"/>
+      </p:ext>
+    </p:extLst>
+  </p:cSld>
+  <p:clrMapOvr>
+    <a:masterClrMapping/>
+  </p:clrMapOvr>
+</p:notes>
+</file>
+
+<file path=ppt/notesSlides/notesSlide26.xml><?xml version="1.0" encoding="utf-8"?>
+<p:notes xmlns:a="http://schemas.openxmlformats.org/drawingml/2006/main" xmlns:r="http://schemas.openxmlformats.org/officeDocument/2006/relationships" xmlns:p="http://schemas.openxmlformats.org/presentationml/2006/main">
+  <p:cSld>
+    <p:spTree>
+      <p:nvGrpSpPr>
+        <p:cNvPr id="1" name=""/>
+        <p:cNvGrpSpPr/>
+        <p:nvPr/>
+      </p:nvGrpSpPr>
+      <p:grpSpPr>
+        <a:xfrm>
+          <a:off x="0" y="0"/>
+          <a:ext cx="0" cy="0"/>
+          <a:chOff x="0" y="0"/>
+          <a:chExt cx="0" cy="0"/>
+        </a:xfrm>
+      </p:grpSpPr>
+      <p:sp>
+        <p:nvSpPr>
+          <p:cNvPr id="2" name="Diakép helye 1"/>
+          <p:cNvSpPr>
+            <a:spLocks noGrp="1" noRot="1" noChangeAspect="1"/>
+          </p:cNvSpPr>
+          <p:nvPr>
+            <p:ph type="sldImg"/>
+          </p:nvPr>
+        </p:nvSpPr>
+        <p:spPr/>
+      </p:sp>
+      <p:sp>
+        <p:nvSpPr>
+          <p:cNvPr id="3" name="Jegyzetek helye 2"/>
+          <p:cNvSpPr>
+            <a:spLocks noGrp="1"/>
+          </p:cNvSpPr>
+          <p:nvPr>
+            <p:ph type="body" idx="1"/>
+          </p:nvPr>
+        </p:nvSpPr>
+        <p:spPr/>
+        <p:txBody>
+          <a:bodyPr/>
+          <a:lstStyle/>
+          <a:p>
+            <a:r>
+              <a:rPr lang="hu-HU" dirty="0"/>
+              <a:t>A </a:t>
+            </a:r>
+            <a:r>
+              <a:rPr lang="hu-HU" dirty="0" err="1"/>
+              <a:t>working</a:t>
+            </a:r>
+            <a:r>
+              <a:rPr lang="hu-HU" dirty="0"/>
+              <a:t> version of Gamma and a </a:t>
+            </a:r>
+            <a:r>
+              <a:rPr lang="hu-HU" dirty="0" err="1"/>
+              <a:t>tutorial</a:t>
+            </a:r>
+            <a:r>
+              <a:rPr lang="hu-HU" dirty="0"/>
+              <a:t> </a:t>
+            </a:r>
+            <a:r>
+              <a:rPr lang="hu-HU" dirty="0" err="1"/>
+              <a:t>can</a:t>
+            </a:r>
+            <a:r>
+              <a:rPr lang="hu-HU" dirty="0"/>
+              <a:t> be </a:t>
+            </a:r>
+            <a:r>
+              <a:rPr lang="hu-HU" dirty="0" err="1"/>
+              <a:t>found</a:t>
+            </a:r>
+            <a:r>
+              <a:rPr lang="hu-HU" dirty="0"/>
+              <a:t> </a:t>
+            </a:r>
+            <a:r>
+              <a:rPr lang="hu-HU" dirty="0" err="1"/>
+              <a:t>under</a:t>
+            </a:r>
+            <a:r>
+              <a:rPr lang="hu-HU" dirty="0"/>
+              <a:t> </a:t>
+            </a:r>
+            <a:r>
+              <a:rPr lang="hu-HU" dirty="0" err="1"/>
+              <a:t>this</a:t>
+            </a:r>
+            <a:r>
+              <a:rPr lang="hu-HU" dirty="0"/>
+              <a:t> link.</a:t>
+            </a:r>
+          </a:p>
+          <a:p>
+            <a:endParaRPr lang="hu-HU" dirty="0"/>
+          </a:p>
+          <a:p>
+            <a:r>
+              <a:rPr lang="hu-HU" dirty="0" err="1"/>
+              <a:t>Thank</a:t>
+            </a:r>
+            <a:r>
+              <a:rPr lang="hu-HU" dirty="0"/>
+              <a:t> </a:t>
+            </a:r>
+            <a:r>
+              <a:rPr lang="hu-HU" dirty="0" err="1"/>
+              <a:t>you</a:t>
+            </a:r>
+            <a:r>
+              <a:rPr lang="hu-HU" dirty="0"/>
+              <a:t> </a:t>
+            </a:r>
+            <a:r>
+              <a:rPr lang="hu-HU" dirty="0" err="1"/>
+              <a:t>for</a:t>
+            </a:r>
+            <a:r>
+              <a:rPr lang="hu-HU" dirty="0"/>
+              <a:t> </a:t>
+            </a:r>
+            <a:r>
+              <a:rPr lang="hu-HU" dirty="0" err="1"/>
+              <a:t>your</a:t>
+            </a:r>
+            <a:r>
+              <a:rPr lang="hu-HU" dirty="0"/>
+              <a:t> </a:t>
+            </a:r>
+            <a:r>
+              <a:rPr lang="hu-HU" dirty="0" err="1"/>
+              <a:t>attention</a:t>
+            </a:r>
+            <a:r>
+              <a:rPr lang="hu-HU" dirty="0"/>
+              <a:t>!</a:t>
+            </a:r>
+          </a:p>
+        </p:txBody>
+      </p:sp>
+      <p:sp>
+        <p:nvSpPr>
+          <p:cNvPr id="4" name="Dia számának helye 3"/>
+          <p:cNvSpPr>
+            <a:spLocks noGrp="1"/>
+          </p:cNvSpPr>
+          <p:nvPr>
+            <p:ph type="sldNum" sz="quarter" idx="10"/>
+          </p:nvPr>
+        </p:nvSpPr>
+        <p:spPr/>
+        <p:txBody>
+          <a:bodyPr/>
+          <a:lstStyle/>
+          <a:p>
+            <a:fld id="{F73ECD87-3D6E-4E2D-938C-1EC7D95CEC8A}" type="slidenum">
+              <a:rPr lang="en-US" smtClean="0"/>
+              <a:t>26</a:t>
             </a:fld>
             <a:endParaRPr lang="en-US"/>
           </a:p>
@@ -37350,8 +37699,8 @@
         </p:nvSpPr>
         <p:spPr>
           <a:xfrm>
-            <a:off x="628651" y="365127"/>
-            <a:ext cx="7886699" cy="877748"/>
+            <a:off x="628652" y="365128"/>
+            <a:ext cx="7886699" cy="878400"/>
           </a:xfrm>
         </p:spPr>
         <p:txBody>
@@ -37359,165 +37708,1993 @@
           <a:lstStyle/>
           <a:p>
             <a:r>
-              <a:rPr lang="hu-HU" dirty="0" err="1"/>
-              <a:t>Summary</a:t>
+              <a:rPr lang="hu-HU" dirty="0"/>
+              <a:t>Technologies</a:t>
             </a:r>
             <a:endParaRPr lang="en-US" dirty="0"/>
+          </a:p>
+        </p:txBody>
+      </p:sp>
+      <p:cxnSp>
+        <p:nvCxnSpPr>
+          <p:cNvPr id="4" name="Szögletes összekötő 170">
+            <a:extLst>
+              <a:ext uri="{FF2B5EF4-FFF2-40B4-BE49-F238E27FC236}">
+                <a16:creationId xmlns:a16="http://schemas.microsoft.com/office/drawing/2014/main" id="{EF8998C3-3BE1-4739-B3F7-826F31897707}"/>
+              </a:ext>
+            </a:extLst>
+          </p:cNvPr>
+          <p:cNvCxnSpPr>
+            <a:endCxn id="7" idx="3"/>
+          </p:cNvCxnSpPr>
+          <p:nvPr/>
+        </p:nvCxnSpPr>
+        <p:spPr>
+          <a:xfrm rot="10800000">
+            <a:off x="2377668" y="3005896"/>
+            <a:ext cx="1207740" cy="1105773"/>
+          </a:xfrm>
+          <a:prstGeom prst="bentConnector3">
+            <a:avLst>
+              <a:gd name="adj1" fmla="val 49474"/>
+            </a:avLst>
+          </a:prstGeom>
+          <a:ln w="19050">
+            <a:solidFill>
+              <a:schemeClr val="tx1"/>
+            </a:solidFill>
+            <a:prstDash val="solid"/>
+            <a:tailEnd type="triangle" w="lg" len="lg"/>
+          </a:ln>
+        </p:spPr>
+        <p:style>
+          <a:lnRef idx="1">
+            <a:schemeClr val="accent1"/>
+          </a:lnRef>
+          <a:fillRef idx="0">
+            <a:schemeClr val="accent1"/>
+          </a:fillRef>
+          <a:effectRef idx="0">
+            <a:schemeClr val="accent1"/>
+          </a:effectRef>
+          <a:fontRef idx="minor">
+            <a:schemeClr val="tx1"/>
+          </a:fontRef>
+        </p:style>
+      </p:cxnSp>
+      <p:sp>
+        <p:nvSpPr>
+          <p:cNvPr id="5" name="Lekerekített téglalap 34">
+            <a:extLst>
+              <a:ext uri="{FF2B5EF4-FFF2-40B4-BE49-F238E27FC236}">
+                <a16:creationId xmlns:a16="http://schemas.microsoft.com/office/drawing/2014/main" id="{211F8F97-1953-49CD-B753-C16CD9DFB227}"/>
+              </a:ext>
+            </a:extLst>
+          </p:cNvPr>
+          <p:cNvSpPr/>
+          <p:nvPr/>
+        </p:nvSpPr>
+        <p:spPr>
+          <a:xfrm>
+            <a:off x="307510" y="5277973"/>
+            <a:ext cx="2073876" cy="525124"/>
+          </a:xfrm>
+          <a:prstGeom prst="roundRect">
+            <a:avLst/>
+          </a:prstGeom>
+          <a:solidFill>
+            <a:schemeClr val="bg2">
+              <a:lumMod val="20000"/>
+              <a:lumOff val="80000"/>
+            </a:schemeClr>
+          </a:solidFill>
+          <a:ln w="19050">
+            <a:solidFill>
+              <a:schemeClr val="tx1"/>
+            </a:solidFill>
+            <a:prstDash val="solid"/>
+          </a:ln>
+          <a:effectLst/>
+        </p:spPr>
+        <p:style>
+          <a:lnRef idx="2">
+            <a:schemeClr val="accent4">
+              <a:shade val="50000"/>
+            </a:schemeClr>
+          </a:lnRef>
+          <a:fillRef idx="1">
+            <a:schemeClr val="accent4"/>
+          </a:fillRef>
+          <a:effectRef idx="0">
+            <a:schemeClr val="accent4"/>
+          </a:effectRef>
+          <a:fontRef idx="minor">
+            <a:schemeClr val="lt1"/>
+          </a:fontRef>
+        </p:style>
+        <p:txBody>
+          <a:bodyPr rot="0" spcFirstLastPara="0" vertOverflow="overflow" horzOverflow="overflow" vert="horz" wrap="square" lIns="91440" tIns="45720" rIns="91440" bIns="45720" numCol="1" spcCol="0" rtlCol="0" fromWordArt="0" anchor="ctr" anchorCtr="0" forceAA="0" compatLnSpc="1">
+            <a:prstTxWarp prst="textNoShape">
+              <a:avLst/>
+            </a:prstTxWarp>
+            <a:noAutofit/>
+          </a:bodyPr>
+          <a:lstStyle/>
+          <a:p>
+            <a:pPr algn="ctr"/>
+            <a:r>
+              <a:rPr lang="hu-HU" sz="2000" dirty="0" err="1">
+                <a:solidFill>
+                  <a:schemeClr val="tx1"/>
+                </a:solidFill>
+              </a:rPr>
+              <a:t>JUnit</a:t>
+            </a:r>
+            <a:endParaRPr lang="hu-HU" sz="2000" dirty="0">
+              <a:solidFill>
+                <a:schemeClr val="tx1"/>
+              </a:solidFill>
+            </a:endParaRPr>
+          </a:p>
+        </p:txBody>
+      </p:sp>
+      <p:cxnSp>
+        <p:nvCxnSpPr>
+          <p:cNvPr id="6" name="Szögletes összekötő 167">
+            <a:extLst>
+              <a:ext uri="{FF2B5EF4-FFF2-40B4-BE49-F238E27FC236}">
+                <a16:creationId xmlns:a16="http://schemas.microsoft.com/office/drawing/2014/main" id="{82776125-E5E9-4C7B-BC1B-2A6B8B151F20}"/>
+              </a:ext>
+            </a:extLst>
+          </p:cNvPr>
+          <p:cNvCxnSpPr>
+            <a:stCxn id="15" idx="1"/>
+          </p:cNvCxnSpPr>
+          <p:nvPr/>
+        </p:nvCxnSpPr>
+        <p:spPr>
+          <a:xfrm rot="10800000" flipH="1">
+            <a:off x="3206592" y="4374228"/>
+            <a:ext cx="47582" cy="1166308"/>
+          </a:xfrm>
+          <a:prstGeom prst="bentConnector4">
+            <a:avLst>
+              <a:gd name="adj1" fmla="val -480434"/>
+              <a:gd name="adj2" fmla="val 99969"/>
+            </a:avLst>
+          </a:prstGeom>
+          <a:ln w="19050" cmpd="sng">
+            <a:solidFill>
+              <a:schemeClr val="tx1"/>
+            </a:solidFill>
+            <a:prstDash val="solid"/>
+            <a:tailEnd type="triangle" w="lg" len="lg"/>
+          </a:ln>
+        </p:spPr>
+        <p:style>
+          <a:lnRef idx="1">
+            <a:schemeClr val="accent1"/>
+          </a:lnRef>
+          <a:fillRef idx="0">
+            <a:schemeClr val="accent1"/>
+          </a:fillRef>
+          <a:effectRef idx="0">
+            <a:schemeClr val="accent1"/>
+          </a:effectRef>
+          <a:fontRef idx="minor">
+            <a:schemeClr val="tx1"/>
+          </a:fontRef>
+        </p:style>
+      </p:cxnSp>
+      <p:sp>
+        <p:nvSpPr>
+          <p:cNvPr id="7" name="Téglalap 47">
+            <a:extLst>
+              <a:ext uri="{FF2B5EF4-FFF2-40B4-BE49-F238E27FC236}">
+                <a16:creationId xmlns:a16="http://schemas.microsoft.com/office/drawing/2014/main" id="{73021892-3317-43DF-B180-613A5D3CD494}"/>
+              </a:ext>
+            </a:extLst>
+          </p:cNvPr>
+          <p:cNvSpPr/>
+          <p:nvPr/>
+        </p:nvSpPr>
+        <p:spPr>
+          <a:xfrm>
+            <a:off x="307510" y="2662900"/>
+            <a:ext cx="2070158" cy="685989"/>
+          </a:xfrm>
+          <a:prstGeom prst="roundRect">
+            <a:avLst/>
+          </a:prstGeom>
+          <a:solidFill>
+            <a:schemeClr val="bg2">
+              <a:lumMod val="20000"/>
+              <a:lumOff val="80000"/>
+            </a:schemeClr>
+          </a:solidFill>
+          <a:ln w="19050">
+            <a:solidFill>
+              <a:schemeClr val="tx1"/>
+            </a:solidFill>
+            <a:prstDash val="solid"/>
+          </a:ln>
+          <a:effectLst/>
+        </p:spPr>
+        <p:style>
+          <a:lnRef idx="2">
+            <a:schemeClr val="accent4">
+              <a:shade val="50000"/>
+            </a:schemeClr>
+          </a:lnRef>
+          <a:fillRef idx="1">
+            <a:schemeClr val="accent4"/>
+          </a:fillRef>
+          <a:effectRef idx="0">
+            <a:schemeClr val="accent4"/>
+          </a:effectRef>
+          <a:fontRef idx="minor">
+            <a:schemeClr val="lt1"/>
+          </a:fontRef>
+        </p:style>
+        <p:txBody>
+          <a:bodyPr rot="0" spcFirstLastPara="0" vertOverflow="overflow" horzOverflow="overflow" vert="horz" wrap="square" lIns="91440" tIns="45720" rIns="91440" bIns="45720" numCol="1" spcCol="0" rtlCol="0" fromWordArt="0" anchor="ctr" anchorCtr="0" forceAA="0" compatLnSpc="1">
+            <a:prstTxWarp prst="textNoShape">
+              <a:avLst/>
+            </a:prstTxWarp>
+            <a:noAutofit/>
+          </a:bodyPr>
+          <a:lstStyle/>
+          <a:p>
+            <a:pPr algn="ctr"/>
+            <a:r>
+              <a:rPr lang="hu-HU" sz="2000" dirty="0">
+                <a:solidFill>
+                  <a:schemeClr val="tx1"/>
+                </a:solidFill>
+              </a:rPr>
+              <a:t>Java </a:t>
+            </a:r>
+            <a:r>
+              <a:rPr lang="hu-HU" sz="2000" dirty="0" err="1">
+                <a:solidFill>
+                  <a:schemeClr val="tx1"/>
+                </a:solidFill>
+              </a:rPr>
+              <a:t>source</a:t>
+            </a:r>
+            <a:r>
+              <a:rPr lang="hu-HU" sz="2000" dirty="0">
+                <a:solidFill>
+                  <a:schemeClr val="tx1"/>
+                </a:solidFill>
+              </a:rPr>
+              <a:t> </a:t>
+            </a:r>
+            <a:r>
+              <a:rPr lang="hu-HU" sz="2000" dirty="0" err="1">
+                <a:solidFill>
+                  <a:schemeClr val="tx1"/>
+                </a:solidFill>
+              </a:rPr>
+              <a:t>code</a:t>
+            </a:r>
+            <a:endParaRPr lang="hu-HU" sz="2000" dirty="0">
+              <a:solidFill>
+                <a:schemeClr val="tx1"/>
+              </a:solidFill>
+            </a:endParaRPr>
+          </a:p>
+        </p:txBody>
+      </p:sp>
+      <p:cxnSp>
+        <p:nvCxnSpPr>
+          <p:cNvPr id="8" name="Szögletes összekötő 167">
+            <a:extLst>
+              <a:ext uri="{FF2B5EF4-FFF2-40B4-BE49-F238E27FC236}">
+                <a16:creationId xmlns:a16="http://schemas.microsoft.com/office/drawing/2014/main" id="{C8B9D146-9692-4634-9052-D53F7B2A54E3}"/>
+              </a:ext>
+            </a:extLst>
+          </p:cNvPr>
+          <p:cNvCxnSpPr>
+            <a:cxnSpLocks/>
+            <a:stCxn id="5" idx="0"/>
+            <a:endCxn id="7" idx="2"/>
+          </p:cNvCxnSpPr>
+          <p:nvPr/>
+        </p:nvCxnSpPr>
+        <p:spPr>
+          <a:xfrm flipH="1" flipV="1">
+            <a:off x="1342589" y="3348889"/>
+            <a:ext cx="1859" cy="1929084"/>
+          </a:xfrm>
+          <a:prstGeom prst="straightConnector1">
+            <a:avLst/>
+          </a:prstGeom>
+          <a:ln w="19050" cmpd="sng">
+            <a:solidFill>
+              <a:schemeClr val="tx1"/>
+            </a:solidFill>
+            <a:prstDash val="dash"/>
+            <a:tailEnd type="triangle" w="lg" len="lg"/>
+          </a:ln>
+        </p:spPr>
+        <p:style>
+          <a:lnRef idx="1">
+            <a:schemeClr val="accent1"/>
+          </a:lnRef>
+          <a:fillRef idx="0">
+            <a:schemeClr val="accent1"/>
+          </a:fillRef>
+          <a:effectRef idx="0">
+            <a:schemeClr val="accent1"/>
+          </a:effectRef>
+          <a:fontRef idx="minor">
+            <a:schemeClr val="tx1"/>
+          </a:fontRef>
+        </p:style>
+      </p:cxnSp>
+      <p:sp>
+        <p:nvSpPr>
+          <p:cNvPr id="9" name="Lekerekített téglalap 35">
+            <a:extLst>
+              <a:ext uri="{FF2B5EF4-FFF2-40B4-BE49-F238E27FC236}">
+                <a16:creationId xmlns:a16="http://schemas.microsoft.com/office/drawing/2014/main" id="{F3428029-C0BE-4B72-9819-A83FA77B9619}"/>
+              </a:ext>
+            </a:extLst>
+          </p:cNvPr>
+          <p:cNvSpPr/>
+          <p:nvPr/>
+        </p:nvSpPr>
+        <p:spPr>
+          <a:xfrm>
+            <a:off x="3259456" y="3894836"/>
+            <a:ext cx="4845854" cy="699824"/>
+          </a:xfrm>
+          <a:prstGeom prst="roundRect">
+            <a:avLst/>
+          </a:prstGeom>
+          <a:ln w="19050">
+            <a:solidFill>
+              <a:schemeClr val="tx1"/>
+            </a:solidFill>
+          </a:ln>
+        </p:spPr>
+        <p:style>
+          <a:lnRef idx="1">
+            <a:schemeClr val="accent6"/>
+          </a:lnRef>
+          <a:fillRef idx="2">
+            <a:schemeClr val="accent6"/>
+          </a:fillRef>
+          <a:effectRef idx="1">
+            <a:schemeClr val="accent6"/>
+          </a:effectRef>
+          <a:fontRef idx="minor">
+            <a:schemeClr val="dk1"/>
+          </a:fontRef>
+        </p:style>
+        <p:txBody>
+          <a:bodyPr rtlCol="0" anchor="ctr"/>
+          <a:lstStyle/>
+          <a:p>
+            <a:pPr algn="ctr" defTabSz="457200"/>
+            <a:r>
+              <a:rPr lang="hu-HU" dirty="0" err="1">
+                <a:solidFill>
+                  <a:schemeClr val="accent6">
+                    <a:lumMod val="50000"/>
+                  </a:schemeClr>
+                </a:solidFill>
+                <a:latin typeface="Segoe UI" panose="020B0502040204020203" pitchFamily="34" charset="0"/>
+                <a:cs typeface="Segoe UI" panose="020B0502040204020203" pitchFamily="34" charset="0"/>
+              </a:rPr>
+              <a:t>Xtext</a:t>
+            </a:r>
+            <a:r>
+              <a:rPr lang="hu-HU" dirty="0">
+                <a:solidFill>
+                  <a:schemeClr val="accent6">
+                    <a:lumMod val="50000"/>
+                  </a:schemeClr>
+                </a:solidFill>
+                <a:latin typeface="Segoe UI" panose="020B0502040204020203" pitchFamily="34" charset="0"/>
+                <a:cs typeface="Segoe UI" panose="020B0502040204020203" pitchFamily="34" charset="0"/>
+              </a:rPr>
+              <a:t> </a:t>
+            </a:r>
+            <a:r>
+              <a:rPr lang="hu-HU" dirty="0" err="1">
+                <a:solidFill>
+                  <a:schemeClr val="accent6">
+                    <a:lumMod val="50000"/>
+                  </a:schemeClr>
+                </a:solidFill>
+                <a:latin typeface="Segoe UI" panose="020B0502040204020203" pitchFamily="34" charset="0"/>
+                <a:cs typeface="Segoe UI" panose="020B0502040204020203" pitchFamily="34" charset="0"/>
+              </a:rPr>
+              <a:t>grammar</a:t>
+            </a:r>
+            <a:endParaRPr lang="hu-HU" dirty="0">
+              <a:solidFill>
+                <a:schemeClr val="accent6">
+                  <a:lumMod val="50000"/>
+                </a:schemeClr>
+              </a:solidFill>
+              <a:latin typeface="Segoe UI" panose="020B0502040204020203" pitchFamily="34" charset="0"/>
+              <a:cs typeface="Segoe UI" panose="020B0502040204020203" pitchFamily="34" charset="0"/>
+            </a:endParaRPr>
           </a:p>
         </p:txBody>
       </p:sp>
       <p:sp>
         <p:nvSpPr>
-          <p:cNvPr id="3" name="Szöveg helye 2"/>
-          <p:cNvSpPr>
-            <a:spLocks noGrp="1"/>
-          </p:cNvSpPr>
-          <p:nvPr>
-            <p:ph type="body" sz="quarter" idx="13"/>
-          </p:nvPr>
+          <p:cNvPr id="10" name="Lekerekített téglalap 7">
+            <a:extLst>
+              <a:ext uri="{FF2B5EF4-FFF2-40B4-BE49-F238E27FC236}">
+                <a16:creationId xmlns:a16="http://schemas.microsoft.com/office/drawing/2014/main" id="{75ACEE6B-35B7-4713-93E0-F4FE63D634D4}"/>
+              </a:ext>
+            </a:extLst>
+          </p:cNvPr>
+          <p:cNvSpPr/>
+          <p:nvPr/>
         </p:nvSpPr>
         <p:spPr>
           <a:xfrm>
-            <a:off x="628649" y="1455938"/>
-            <a:ext cx="8013545" cy="4732140"/>
+            <a:off x="3259456" y="2383170"/>
+            <a:ext cx="4845854" cy="1245451"/>
           </a:xfrm>
+          <a:prstGeom prst="roundRect">
+            <a:avLst/>
+          </a:prstGeom>
+          <a:gradFill>
+            <a:gsLst>
+              <a:gs pos="0">
+                <a:schemeClr val="accent6">
+                  <a:lumMod val="110000"/>
+                  <a:satMod val="105000"/>
+                  <a:tint val="67000"/>
+                </a:schemeClr>
+              </a:gs>
+              <a:gs pos="50000">
+                <a:schemeClr val="accent6">
+                  <a:lumMod val="105000"/>
+                  <a:satMod val="103000"/>
+                  <a:tint val="73000"/>
+                </a:schemeClr>
+              </a:gs>
+              <a:gs pos="100000">
+                <a:schemeClr val="accent6">
+                  <a:lumMod val="105000"/>
+                  <a:satMod val="109000"/>
+                  <a:tint val="81000"/>
+                </a:schemeClr>
+              </a:gs>
+            </a:gsLst>
+            <a:lin ang="5400000" scaled="0"/>
+          </a:gradFill>
+          <a:ln w="19050">
+            <a:solidFill>
+              <a:schemeClr val="tx1"/>
+            </a:solidFill>
+          </a:ln>
+          <a:effectLst/>
         </p:spPr>
+        <p:style>
+          <a:lnRef idx="2">
+            <a:schemeClr val="accent4">
+              <a:shade val="50000"/>
+            </a:schemeClr>
+          </a:lnRef>
+          <a:fillRef idx="1">
+            <a:schemeClr val="accent4"/>
+          </a:fillRef>
+          <a:effectRef idx="0">
+            <a:schemeClr val="accent4"/>
+          </a:effectRef>
+          <a:fontRef idx="minor">
+            <a:schemeClr val="lt1"/>
+          </a:fontRef>
+        </p:style>
         <p:txBody>
-          <a:bodyPr>
-            <a:normAutofit/>
+          <a:bodyPr rot="0" spcFirstLastPara="0" vertOverflow="overflow" horzOverflow="overflow" vert="vert" wrap="square" lIns="91440" tIns="45720" rIns="91440" bIns="45720" numCol="1" spcCol="0" rtlCol="0" fromWordArt="0" anchor="t" anchorCtr="0" forceAA="0" compatLnSpc="1">
+            <a:prstTxWarp prst="textNoShape">
+              <a:avLst/>
+            </a:prstTxWarp>
+            <a:noAutofit/>
           </a:bodyPr>
           <a:lstStyle/>
           <a:p>
-            <a:r>
-              <a:rPr lang="hu-HU" dirty="0"/>
-              <a:t>Gamma </a:t>
-            </a:r>
-            <a:r>
-              <a:rPr lang="hu-HU" dirty="0" err="1"/>
-              <a:t>Statechart</a:t>
-            </a:r>
-            <a:r>
-              <a:rPr lang="hu-HU" dirty="0"/>
-              <a:t> </a:t>
-            </a:r>
-            <a:r>
-              <a:rPr lang="hu-HU" dirty="0" err="1"/>
-              <a:t>Composition</a:t>
-            </a:r>
-            <a:r>
-              <a:rPr lang="hu-HU" dirty="0"/>
-              <a:t> Framework</a:t>
-            </a:r>
-          </a:p>
-          <a:p>
-            <a:pPr lvl="1"/>
-            <a:r>
-              <a:rPr lang="hu-HU" dirty="0"/>
-              <a:t>Design </a:t>
-            </a:r>
-            <a:r>
-              <a:rPr lang="hu-HU" dirty="0" err="1"/>
-              <a:t>support</a:t>
-            </a:r>
-            <a:endParaRPr lang="hu-HU" dirty="0"/>
-          </a:p>
-          <a:p>
-            <a:pPr lvl="1"/>
-            <a:r>
-              <a:rPr lang="hu-HU" dirty="0" err="1"/>
-              <a:t>Code</a:t>
-            </a:r>
-            <a:r>
-              <a:rPr lang="hu-HU" dirty="0"/>
-              <a:t> </a:t>
-            </a:r>
-            <a:r>
-              <a:rPr lang="hu-HU" dirty="0" err="1"/>
-              <a:t>generation</a:t>
-            </a:r>
-            <a:endParaRPr lang="hu-HU" dirty="0"/>
-          </a:p>
-          <a:p>
-            <a:pPr lvl="1"/>
-            <a:r>
-              <a:rPr lang="hu-HU" dirty="0"/>
-              <a:t>V&amp;V (</a:t>
-            </a:r>
-            <a:r>
-              <a:rPr lang="hu-HU" dirty="0" err="1"/>
-              <a:t>model-checking</a:t>
-            </a:r>
-            <a:r>
-              <a:rPr lang="hu-HU" dirty="0"/>
-              <a:t>)</a:t>
-            </a:r>
-          </a:p>
-          <a:p>
-            <a:r>
-              <a:rPr lang="hu-HU" dirty="0" err="1"/>
-              <a:t>Extension</a:t>
-            </a:r>
-            <a:r>
-              <a:rPr lang="hu-HU" dirty="0"/>
-              <a:t> of </a:t>
-            </a:r>
-            <a:r>
-              <a:rPr lang="hu-HU" dirty="0" err="1"/>
-              <a:t>the</a:t>
-            </a:r>
-            <a:r>
-              <a:rPr lang="hu-HU" dirty="0"/>
-              <a:t> </a:t>
-            </a:r>
-            <a:r>
-              <a:rPr lang="hu-HU" dirty="0" err="1"/>
-              <a:t>compsosititon</a:t>
-            </a:r>
-            <a:r>
-              <a:rPr lang="hu-HU" dirty="0"/>
-              <a:t> </a:t>
-            </a:r>
-            <a:r>
-              <a:rPr lang="hu-HU" dirty="0" err="1"/>
-              <a:t>language</a:t>
-            </a:r>
-            <a:endParaRPr lang="hu-HU" dirty="0"/>
-          </a:p>
-          <a:p>
-            <a:pPr lvl="1"/>
-            <a:r>
-              <a:rPr lang="hu-HU" sz="2400" dirty="0" err="1"/>
-              <a:t>Asynchronous</a:t>
-            </a:r>
-            <a:endParaRPr lang="hu-HU" sz="2400" dirty="0"/>
-          </a:p>
-          <a:p>
-            <a:pPr lvl="1"/>
-            <a:r>
-              <a:rPr lang="hu-HU" sz="2400" dirty="0" err="1"/>
-              <a:t>Synchronous</a:t>
-            </a:r>
-            <a:endParaRPr lang="hu-HU" sz="2400" dirty="0"/>
-          </a:p>
-          <a:p>
-            <a:pPr lvl="1"/>
-            <a:r>
-              <a:rPr lang="hu-HU" sz="2400" dirty="0" err="1"/>
-              <a:t>Cascade</a:t>
-            </a:r>
-            <a:endParaRPr lang="hu-HU" sz="2400" dirty="0"/>
-          </a:p>
-          <a:p>
-            <a:endParaRPr lang="hu-HU" dirty="0"/>
+            <a:pPr lvl="0" algn="ctr"/>
+            <a:r>
+              <a:rPr lang="hu-HU" sz="1700" dirty="0" err="1">
+                <a:solidFill>
+                  <a:schemeClr val="accent6">
+                    <a:lumMod val="50000"/>
+                  </a:schemeClr>
+                </a:solidFill>
+                <a:latin typeface="Segoe UI" panose="020B0502040204020203" pitchFamily="34" charset="0"/>
+                <a:cs typeface="Segoe UI" panose="020B0502040204020203" pitchFamily="34" charset="0"/>
+              </a:rPr>
+              <a:t>Xtext</a:t>
+            </a:r>
+            <a:r>
+              <a:rPr lang="hu-HU" sz="1700" dirty="0">
+                <a:solidFill>
+                  <a:schemeClr val="accent6">
+                    <a:lumMod val="50000"/>
+                  </a:schemeClr>
+                </a:solidFill>
+                <a:latin typeface="Segoe UI" panose="020B0502040204020203" pitchFamily="34" charset="0"/>
+                <a:cs typeface="Segoe UI" panose="020B0502040204020203" pitchFamily="34" charset="0"/>
+              </a:rPr>
+              <a:t> </a:t>
+            </a:r>
+            <a:r>
+              <a:rPr lang="hu-HU" sz="1700" dirty="0" err="1">
+                <a:solidFill>
+                  <a:schemeClr val="accent6">
+                    <a:lumMod val="50000"/>
+                  </a:schemeClr>
+                </a:solidFill>
+                <a:latin typeface="Segoe UI" panose="020B0502040204020203" pitchFamily="34" charset="0"/>
+                <a:cs typeface="Segoe UI" panose="020B0502040204020203" pitchFamily="34" charset="0"/>
+              </a:rPr>
+              <a:t>grammar</a:t>
+            </a:r>
+            <a:endParaRPr lang="hu-HU" sz="1700" dirty="0">
+              <a:solidFill>
+                <a:schemeClr val="accent6">
+                  <a:lumMod val="50000"/>
+                </a:schemeClr>
+              </a:solidFill>
+              <a:latin typeface="Segoe UI" panose="020B0502040204020203" pitchFamily="34" charset="0"/>
+              <a:cs typeface="Segoe UI" panose="020B0502040204020203" pitchFamily="34" charset="0"/>
+            </a:endParaRPr>
           </a:p>
         </p:txBody>
       </p:sp>
       <p:sp>
         <p:nvSpPr>
-          <p:cNvPr id="8" name="Dia számának helye 7">
+          <p:cNvPr id="11" name="Lekerekített téglalap 119">
             <a:extLst>
               <a:ext uri="{FF2B5EF4-FFF2-40B4-BE49-F238E27FC236}">
-                <a16:creationId xmlns:a16="http://schemas.microsoft.com/office/drawing/2014/main" id="{21242BF0-91F6-4FCB-B17E-595A1837653F}"/>
+                <a16:creationId xmlns:a16="http://schemas.microsoft.com/office/drawing/2014/main" id="{EC99DE21-E191-408B-A7B9-558F27F14E30}"/>
+              </a:ext>
+            </a:extLst>
+          </p:cNvPr>
+          <p:cNvSpPr/>
+          <p:nvPr/>
+        </p:nvSpPr>
+        <p:spPr>
+          <a:xfrm>
+            <a:off x="3428432" y="1373303"/>
+            <a:ext cx="1612565" cy="743652"/>
+          </a:xfrm>
+          <a:prstGeom prst="roundRect">
+            <a:avLst/>
+          </a:prstGeom>
+          <a:solidFill>
+            <a:schemeClr val="accent5">
+              <a:lumMod val="40000"/>
+              <a:lumOff val="60000"/>
+            </a:schemeClr>
+          </a:solidFill>
+          <a:ln w="19050">
+            <a:solidFill>
+              <a:schemeClr val="tx1"/>
+            </a:solidFill>
+          </a:ln>
+          <a:effectLst/>
+        </p:spPr>
+        <p:style>
+          <a:lnRef idx="2">
+            <a:schemeClr val="accent4">
+              <a:shade val="50000"/>
+            </a:schemeClr>
+          </a:lnRef>
+          <a:fillRef idx="1">
+            <a:schemeClr val="accent4"/>
+          </a:fillRef>
+          <a:effectRef idx="0">
+            <a:schemeClr val="accent4"/>
+          </a:effectRef>
+          <a:fontRef idx="minor">
+            <a:schemeClr val="lt1"/>
+          </a:fontRef>
+        </p:style>
+        <p:txBody>
+          <a:bodyPr rot="0" spcFirstLastPara="0" vertOverflow="overflow" horzOverflow="overflow" vert="horz" wrap="square" lIns="91440" tIns="45720" rIns="91440" bIns="45720" numCol="1" spcCol="0" rtlCol="0" fromWordArt="0" anchor="ctr" anchorCtr="0" forceAA="0" compatLnSpc="1">
+            <a:prstTxWarp prst="textNoShape">
+              <a:avLst/>
+            </a:prstTxWarp>
+            <a:noAutofit/>
+          </a:bodyPr>
+          <a:lstStyle/>
+          <a:p>
+            <a:pPr algn="ctr"/>
+            <a:r>
+              <a:rPr lang="hu-HU" sz="2000" dirty="0" err="1">
+                <a:solidFill>
+                  <a:schemeClr val="tx1"/>
+                </a:solidFill>
+              </a:rPr>
+              <a:t>Yakindu</a:t>
+            </a:r>
+            <a:r>
+              <a:rPr lang="hu-HU" sz="2000" dirty="0">
+                <a:solidFill>
+                  <a:schemeClr val="tx1"/>
+                </a:solidFill>
+              </a:rPr>
+              <a:t> </a:t>
+            </a:r>
+            <a:r>
+              <a:rPr lang="hu-HU" sz="2000" dirty="0" err="1">
+                <a:solidFill>
+                  <a:schemeClr val="tx1"/>
+                </a:solidFill>
+              </a:rPr>
+              <a:t>statechart</a:t>
+            </a:r>
+            <a:endParaRPr lang="hu-HU" sz="2000" dirty="0">
+              <a:solidFill>
+                <a:schemeClr val="tx1"/>
+              </a:solidFill>
+            </a:endParaRPr>
+          </a:p>
+        </p:txBody>
+      </p:sp>
+      <p:sp>
+        <p:nvSpPr>
+          <p:cNvPr id="12" name="Lekerekített téglalap 33">
+            <a:extLst>
+              <a:ext uri="{FF2B5EF4-FFF2-40B4-BE49-F238E27FC236}">
+                <a16:creationId xmlns:a16="http://schemas.microsoft.com/office/drawing/2014/main" id="{3C0BD8EE-E279-4A69-884F-13E4EE4D1EA5}"/>
+              </a:ext>
+            </a:extLst>
+          </p:cNvPr>
+          <p:cNvSpPr/>
+          <p:nvPr/>
+        </p:nvSpPr>
+        <p:spPr>
+          <a:xfrm>
+            <a:off x="5239457" y="1368697"/>
+            <a:ext cx="1592118" cy="743652"/>
+          </a:xfrm>
+          <a:prstGeom prst="roundRect">
+            <a:avLst/>
+          </a:prstGeom>
+          <a:solidFill>
+            <a:schemeClr val="accent5">
+              <a:lumMod val="40000"/>
+              <a:lumOff val="60000"/>
+            </a:schemeClr>
+          </a:solidFill>
+          <a:ln w="19050">
+            <a:solidFill>
+              <a:schemeClr val="tx1"/>
+            </a:solidFill>
+          </a:ln>
+          <a:effectLst/>
+        </p:spPr>
+        <p:style>
+          <a:lnRef idx="2">
+            <a:schemeClr val="accent4">
+              <a:shade val="50000"/>
+            </a:schemeClr>
+          </a:lnRef>
+          <a:fillRef idx="1">
+            <a:schemeClr val="accent4"/>
+          </a:fillRef>
+          <a:effectRef idx="0">
+            <a:schemeClr val="accent4"/>
+          </a:effectRef>
+          <a:fontRef idx="minor">
+            <a:schemeClr val="lt1"/>
+          </a:fontRef>
+        </p:style>
+        <p:txBody>
+          <a:bodyPr rot="0" spcFirstLastPara="0" vertOverflow="overflow" horzOverflow="overflow" vert="horz" wrap="square" lIns="91440" tIns="45720" rIns="91440" bIns="45720" numCol="1" spcCol="0" rtlCol="0" fromWordArt="0" anchor="ctr" anchorCtr="0" forceAA="0" compatLnSpc="1">
+            <a:prstTxWarp prst="textNoShape">
+              <a:avLst/>
+            </a:prstTxWarp>
+            <a:noAutofit/>
+          </a:bodyPr>
+          <a:lstStyle/>
+          <a:p>
+            <a:pPr algn="ctr"/>
+            <a:r>
+              <a:rPr lang="hu-HU" sz="2000" dirty="0" err="1">
+                <a:solidFill>
+                  <a:schemeClr val="tx1"/>
+                </a:solidFill>
+              </a:rPr>
+              <a:t>Yakindu</a:t>
+            </a:r>
+            <a:r>
+              <a:rPr lang="hu-HU" sz="2000" dirty="0">
+                <a:solidFill>
+                  <a:schemeClr val="tx1"/>
+                </a:solidFill>
+              </a:rPr>
+              <a:t> </a:t>
+            </a:r>
+            <a:r>
+              <a:rPr lang="hu-HU" sz="2000" dirty="0" err="1">
+                <a:solidFill>
+                  <a:schemeClr val="tx1"/>
+                </a:solidFill>
+              </a:rPr>
+              <a:t>statechart</a:t>
+            </a:r>
+            <a:endParaRPr lang="hu-HU" sz="2000" dirty="0">
+              <a:solidFill>
+                <a:schemeClr val="tx1"/>
+              </a:solidFill>
+            </a:endParaRPr>
+          </a:p>
+        </p:txBody>
+      </p:sp>
+      <p:sp>
+        <p:nvSpPr>
+          <p:cNvPr id="13" name="Lekerekített téglalap 36">
+            <a:extLst>
+              <a:ext uri="{FF2B5EF4-FFF2-40B4-BE49-F238E27FC236}">
+                <a16:creationId xmlns:a16="http://schemas.microsoft.com/office/drawing/2014/main" id="{B62F83F2-B381-445B-834B-A4F4E5400D0F}"/>
+              </a:ext>
+            </a:extLst>
+          </p:cNvPr>
+          <p:cNvSpPr/>
+          <p:nvPr/>
+        </p:nvSpPr>
+        <p:spPr>
+          <a:xfrm>
+            <a:off x="3439457" y="2636881"/>
+            <a:ext cx="1592118" cy="743652"/>
+          </a:xfrm>
+          <a:prstGeom prst="roundRect">
+            <a:avLst/>
+          </a:prstGeom>
+        </p:spPr>
+        <p:style>
+          <a:lnRef idx="1">
+            <a:schemeClr val="accent2"/>
+          </a:lnRef>
+          <a:fillRef idx="2">
+            <a:schemeClr val="accent2"/>
+          </a:fillRef>
+          <a:effectRef idx="1">
+            <a:schemeClr val="accent2"/>
+          </a:effectRef>
+          <a:fontRef idx="minor">
+            <a:schemeClr val="dk1"/>
+          </a:fontRef>
+        </p:style>
+        <p:txBody>
+          <a:bodyPr rtlCol="0" anchor="ctr"/>
+          <a:lstStyle/>
+          <a:p>
+            <a:pPr algn="ctr" defTabSz="457200"/>
+            <a:r>
+              <a:rPr lang="hu-HU" dirty="0">
+                <a:solidFill>
+                  <a:schemeClr val="accent2">
+                    <a:lumMod val="50000"/>
+                  </a:schemeClr>
+                </a:solidFill>
+                <a:latin typeface="Segoe UI" panose="020B0502040204020203" pitchFamily="34" charset="0"/>
+                <a:cs typeface="Segoe UI" panose="020B0502040204020203" pitchFamily="34" charset="0"/>
+              </a:rPr>
+              <a:t>Gamma</a:t>
+            </a:r>
+            <a:br>
+              <a:rPr lang="hu-HU" dirty="0">
+                <a:solidFill>
+                  <a:schemeClr val="accent2">
+                    <a:lumMod val="50000"/>
+                  </a:schemeClr>
+                </a:solidFill>
+                <a:latin typeface="Segoe UI" panose="020B0502040204020203" pitchFamily="34" charset="0"/>
+                <a:cs typeface="Segoe UI" panose="020B0502040204020203" pitchFamily="34" charset="0"/>
+              </a:rPr>
+            </a:br>
+            <a:r>
+              <a:rPr lang="hu-HU" dirty="0" err="1">
+                <a:solidFill>
+                  <a:schemeClr val="accent2">
+                    <a:lumMod val="50000"/>
+                  </a:schemeClr>
+                </a:solidFill>
+                <a:latin typeface="Segoe UI" panose="020B0502040204020203" pitchFamily="34" charset="0"/>
+                <a:cs typeface="Segoe UI" panose="020B0502040204020203" pitchFamily="34" charset="0"/>
+              </a:rPr>
+              <a:t>statechart</a:t>
+            </a:r>
+            <a:endParaRPr lang="hu-HU" dirty="0">
+              <a:solidFill>
+                <a:schemeClr val="accent2">
+                  <a:lumMod val="50000"/>
+                </a:schemeClr>
+              </a:solidFill>
+              <a:latin typeface="Segoe UI" panose="020B0502040204020203" pitchFamily="34" charset="0"/>
+              <a:cs typeface="Segoe UI" panose="020B0502040204020203" pitchFamily="34" charset="0"/>
+            </a:endParaRPr>
+          </a:p>
+        </p:txBody>
+      </p:sp>
+      <p:sp>
+        <p:nvSpPr>
+          <p:cNvPr id="14" name="Lekerekített téglalap 37">
+            <a:extLst>
+              <a:ext uri="{FF2B5EF4-FFF2-40B4-BE49-F238E27FC236}">
+                <a16:creationId xmlns:a16="http://schemas.microsoft.com/office/drawing/2014/main" id="{C616202F-8E0A-43FA-9EF6-A6F7D3DBA097}"/>
+              </a:ext>
+            </a:extLst>
+          </p:cNvPr>
+          <p:cNvSpPr/>
+          <p:nvPr/>
+        </p:nvSpPr>
+        <p:spPr>
+          <a:xfrm>
+            <a:off x="5239457" y="2636881"/>
+            <a:ext cx="1592118" cy="743652"/>
+          </a:xfrm>
+          <a:prstGeom prst="roundRect">
+            <a:avLst/>
+          </a:prstGeom>
+        </p:spPr>
+        <p:style>
+          <a:lnRef idx="1">
+            <a:schemeClr val="accent2"/>
+          </a:lnRef>
+          <a:fillRef idx="2">
+            <a:schemeClr val="accent2"/>
+          </a:fillRef>
+          <a:effectRef idx="1">
+            <a:schemeClr val="accent2"/>
+          </a:effectRef>
+          <a:fontRef idx="minor">
+            <a:schemeClr val="dk1"/>
+          </a:fontRef>
+        </p:style>
+        <p:txBody>
+          <a:bodyPr rtlCol="0" anchor="ctr"/>
+          <a:lstStyle/>
+          <a:p>
+            <a:pPr algn="ctr" defTabSz="457200"/>
+            <a:r>
+              <a:rPr lang="hu-HU" dirty="0">
+                <a:solidFill>
+                  <a:schemeClr val="accent2">
+                    <a:lumMod val="50000"/>
+                  </a:schemeClr>
+                </a:solidFill>
+                <a:latin typeface="Segoe UI" panose="020B0502040204020203" pitchFamily="34" charset="0"/>
+                <a:cs typeface="Segoe UI" panose="020B0502040204020203" pitchFamily="34" charset="0"/>
+              </a:rPr>
+              <a:t>Gamma</a:t>
+            </a:r>
+            <a:br>
+              <a:rPr lang="hu-HU" dirty="0">
+                <a:solidFill>
+                  <a:schemeClr val="accent2">
+                    <a:lumMod val="50000"/>
+                  </a:schemeClr>
+                </a:solidFill>
+                <a:latin typeface="Segoe UI" panose="020B0502040204020203" pitchFamily="34" charset="0"/>
+                <a:cs typeface="Segoe UI" panose="020B0502040204020203" pitchFamily="34" charset="0"/>
+              </a:rPr>
+            </a:br>
+            <a:r>
+              <a:rPr lang="hu-HU" dirty="0" err="1">
+                <a:solidFill>
+                  <a:schemeClr val="accent2">
+                    <a:lumMod val="50000"/>
+                  </a:schemeClr>
+                </a:solidFill>
+                <a:latin typeface="Segoe UI" panose="020B0502040204020203" pitchFamily="34" charset="0"/>
+                <a:cs typeface="Segoe UI" panose="020B0502040204020203" pitchFamily="34" charset="0"/>
+              </a:rPr>
+              <a:t>statechart</a:t>
+            </a:r>
+            <a:endParaRPr lang="hu-HU" dirty="0">
+              <a:solidFill>
+                <a:schemeClr val="accent2">
+                  <a:lumMod val="50000"/>
+                </a:schemeClr>
+              </a:solidFill>
+              <a:latin typeface="Segoe UI" panose="020B0502040204020203" pitchFamily="34" charset="0"/>
+              <a:cs typeface="Segoe UI" panose="020B0502040204020203" pitchFamily="34" charset="0"/>
+            </a:endParaRPr>
+          </a:p>
+        </p:txBody>
+      </p:sp>
+      <p:sp>
+        <p:nvSpPr>
+          <p:cNvPr id="15" name="Lekerekített téglalap 38">
+            <a:extLst>
+              <a:ext uri="{FF2B5EF4-FFF2-40B4-BE49-F238E27FC236}">
+                <a16:creationId xmlns:a16="http://schemas.microsoft.com/office/drawing/2014/main" id="{FF30D114-D36B-4557-8404-73438A3B9881}"/>
+              </a:ext>
+            </a:extLst>
+          </p:cNvPr>
+          <p:cNvSpPr/>
+          <p:nvPr/>
+        </p:nvSpPr>
+        <p:spPr>
+          <a:xfrm>
+            <a:off x="3206592" y="4838504"/>
+            <a:ext cx="5530594" cy="1404063"/>
+          </a:xfrm>
+          <a:prstGeom prst="roundRect">
+            <a:avLst/>
+          </a:prstGeom>
+          <a:solidFill>
+            <a:schemeClr val="accent2">
+              <a:lumMod val="20000"/>
+              <a:lumOff val="80000"/>
+            </a:schemeClr>
+          </a:solidFill>
+          <a:ln w="19050">
+            <a:solidFill>
+              <a:schemeClr val="tx1"/>
+            </a:solidFill>
+          </a:ln>
+          <a:effectLst/>
+        </p:spPr>
+        <p:style>
+          <a:lnRef idx="2">
+            <a:schemeClr val="accent4">
+              <a:shade val="50000"/>
+            </a:schemeClr>
+          </a:lnRef>
+          <a:fillRef idx="1">
+            <a:schemeClr val="accent4"/>
+          </a:fillRef>
+          <a:effectRef idx="0">
+            <a:schemeClr val="accent4"/>
+          </a:effectRef>
+          <a:fontRef idx="minor">
+            <a:schemeClr val="lt1"/>
+          </a:fontRef>
+        </p:style>
+        <p:txBody>
+          <a:bodyPr rot="0" spcFirstLastPara="0" vertOverflow="overflow" horzOverflow="overflow" vert="horz" wrap="square" lIns="91440" tIns="45720" rIns="91440" bIns="45720" numCol="1" spcCol="0" rtlCol="0" fromWordArt="0" anchor="ctr" anchorCtr="0" forceAA="0" compatLnSpc="1">
+            <a:prstTxWarp prst="textNoShape">
+              <a:avLst/>
+            </a:prstTxWarp>
+            <a:noAutofit/>
+          </a:bodyPr>
+          <a:lstStyle/>
+          <a:p>
+            <a:pPr algn="ctr"/>
+            <a:endParaRPr lang="hu-HU" sz="2000" dirty="0">
+              <a:solidFill>
+                <a:schemeClr val="tx1"/>
+              </a:solidFill>
+            </a:endParaRPr>
+          </a:p>
+        </p:txBody>
+      </p:sp>
+      <p:sp>
+        <p:nvSpPr>
+          <p:cNvPr id="16" name="Lekerekített téglalap 39">
+            <a:extLst>
+              <a:ext uri="{FF2B5EF4-FFF2-40B4-BE49-F238E27FC236}">
+                <a16:creationId xmlns:a16="http://schemas.microsoft.com/office/drawing/2014/main" id="{1E5B6A18-DA65-4991-B057-BFD65BCD0036}"/>
+              </a:ext>
+            </a:extLst>
+          </p:cNvPr>
+          <p:cNvSpPr/>
+          <p:nvPr/>
+        </p:nvSpPr>
+        <p:spPr>
+          <a:xfrm>
+            <a:off x="3439457" y="5112202"/>
+            <a:ext cx="1592118" cy="654452"/>
+          </a:xfrm>
+          <a:prstGeom prst="roundRect">
+            <a:avLst/>
+          </a:prstGeom>
+        </p:spPr>
+        <p:style>
+          <a:lnRef idx="1">
+            <a:schemeClr val="accent2"/>
+          </a:lnRef>
+          <a:fillRef idx="2">
+            <a:schemeClr val="accent2"/>
+          </a:fillRef>
+          <a:effectRef idx="1">
+            <a:schemeClr val="accent2"/>
+          </a:effectRef>
+          <a:fontRef idx="minor">
+            <a:schemeClr val="dk1"/>
+          </a:fontRef>
+        </p:style>
+        <p:txBody>
+          <a:bodyPr rtlCol="0" anchor="ctr"/>
+          <a:lstStyle/>
+          <a:p>
+            <a:pPr algn="ctr" defTabSz="457200"/>
+            <a:r>
+              <a:rPr lang="hu-HU" dirty="0">
+                <a:solidFill>
+                  <a:schemeClr val="accent2">
+                    <a:lumMod val="50000"/>
+                  </a:schemeClr>
+                </a:solidFill>
+                <a:latin typeface="Segoe UI" panose="020B0502040204020203" pitchFamily="34" charset="0"/>
+                <a:cs typeface="Segoe UI" panose="020B0502040204020203" pitchFamily="34" charset="0"/>
+              </a:rPr>
+              <a:t>UPPAAL </a:t>
+            </a:r>
+            <a:r>
+              <a:rPr lang="hu-HU" dirty="0" err="1">
+                <a:solidFill>
+                  <a:schemeClr val="accent2">
+                    <a:lumMod val="50000"/>
+                  </a:schemeClr>
+                </a:solidFill>
+                <a:latin typeface="Segoe UI" panose="020B0502040204020203" pitchFamily="34" charset="0"/>
+                <a:cs typeface="Segoe UI" panose="020B0502040204020203" pitchFamily="34" charset="0"/>
+              </a:rPr>
+              <a:t>model</a:t>
+            </a:r>
+            <a:endParaRPr lang="hu-HU" dirty="0">
+              <a:solidFill>
+                <a:schemeClr val="accent2">
+                  <a:lumMod val="50000"/>
+                </a:schemeClr>
+              </a:solidFill>
+              <a:latin typeface="Segoe UI" panose="020B0502040204020203" pitchFamily="34" charset="0"/>
+              <a:cs typeface="Segoe UI" panose="020B0502040204020203" pitchFamily="34" charset="0"/>
+            </a:endParaRPr>
+          </a:p>
+        </p:txBody>
+      </p:sp>
+      <p:sp>
+        <p:nvSpPr>
+          <p:cNvPr id="17" name="Lekerekített téglalap 40">
+            <a:extLst>
+              <a:ext uri="{FF2B5EF4-FFF2-40B4-BE49-F238E27FC236}">
+                <a16:creationId xmlns:a16="http://schemas.microsoft.com/office/drawing/2014/main" id="{E6A8B67B-8D48-4478-99B8-2028BA170FC1}"/>
+              </a:ext>
+            </a:extLst>
+          </p:cNvPr>
+          <p:cNvSpPr/>
+          <p:nvPr/>
+        </p:nvSpPr>
+        <p:spPr>
+          <a:xfrm>
+            <a:off x="5239457" y="5113640"/>
+            <a:ext cx="1592118" cy="654452"/>
+          </a:xfrm>
+          <a:prstGeom prst="roundRect">
+            <a:avLst/>
+          </a:prstGeom>
+        </p:spPr>
+        <p:style>
+          <a:lnRef idx="1">
+            <a:schemeClr val="accent2"/>
+          </a:lnRef>
+          <a:fillRef idx="2">
+            <a:schemeClr val="accent2"/>
+          </a:fillRef>
+          <a:effectRef idx="1">
+            <a:schemeClr val="accent2"/>
+          </a:effectRef>
+          <a:fontRef idx="minor">
+            <a:schemeClr val="dk1"/>
+          </a:fontRef>
+        </p:style>
+        <p:txBody>
+          <a:bodyPr rtlCol="0" anchor="ctr"/>
+          <a:lstStyle/>
+          <a:p>
+            <a:pPr algn="ctr" defTabSz="457200"/>
+            <a:r>
+              <a:rPr lang="hu-HU" dirty="0">
+                <a:solidFill>
+                  <a:schemeClr val="accent2">
+                    <a:lumMod val="50000"/>
+                  </a:schemeClr>
+                </a:solidFill>
+                <a:latin typeface="Segoe UI" panose="020B0502040204020203" pitchFamily="34" charset="0"/>
+                <a:cs typeface="Segoe UI" panose="020B0502040204020203" pitchFamily="34" charset="0"/>
+              </a:rPr>
+              <a:t>UPPAAL </a:t>
+            </a:r>
+            <a:r>
+              <a:rPr lang="hu-HU" dirty="0" err="1">
+                <a:solidFill>
+                  <a:schemeClr val="accent2">
+                    <a:lumMod val="50000"/>
+                  </a:schemeClr>
+                </a:solidFill>
+                <a:latin typeface="Segoe UI" panose="020B0502040204020203" pitchFamily="34" charset="0"/>
+                <a:cs typeface="Segoe UI" panose="020B0502040204020203" pitchFamily="34" charset="0"/>
+              </a:rPr>
+              <a:t>model</a:t>
+            </a:r>
+            <a:endParaRPr lang="hu-HU" dirty="0">
+              <a:solidFill>
+                <a:schemeClr val="accent2">
+                  <a:lumMod val="50000"/>
+                </a:schemeClr>
+              </a:solidFill>
+              <a:latin typeface="Segoe UI" panose="020B0502040204020203" pitchFamily="34" charset="0"/>
+              <a:cs typeface="Segoe UI" panose="020B0502040204020203" pitchFamily="34" charset="0"/>
+            </a:endParaRPr>
+          </a:p>
+        </p:txBody>
+      </p:sp>
+      <p:sp>
+        <p:nvSpPr>
+          <p:cNvPr id="18" name="Lekerekített téglalap 44">
+            <a:extLst>
+              <a:ext uri="{FF2B5EF4-FFF2-40B4-BE49-F238E27FC236}">
+                <a16:creationId xmlns:a16="http://schemas.microsoft.com/office/drawing/2014/main" id="{458580B1-9E5A-41DE-A449-42024B0B6A59}"/>
+              </a:ext>
+            </a:extLst>
+          </p:cNvPr>
+          <p:cNvSpPr/>
+          <p:nvPr/>
+        </p:nvSpPr>
+        <p:spPr>
+          <a:xfrm>
+            <a:off x="3352009" y="5027384"/>
+            <a:ext cx="3573518" cy="828246"/>
+          </a:xfrm>
+          <a:prstGeom prst="roundRect">
+            <a:avLst/>
+          </a:prstGeom>
+          <a:noFill/>
+          <a:ln w="19050">
+            <a:solidFill>
+              <a:schemeClr val="tx1"/>
+            </a:solidFill>
+            <a:prstDash val="dash"/>
+          </a:ln>
+          <a:effectLst/>
+        </p:spPr>
+        <p:style>
+          <a:lnRef idx="2">
+            <a:schemeClr val="accent4">
+              <a:shade val="50000"/>
+            </a:schemeClr>
+          </a:lnRef>
+          <a:fillRef idx="1">
+            <a:schemeClr val="accent4"/>
+          </a:fillRef>
+          <a:effectRef idx="0">
+            <a:schemeClr val="accent4"/>
+          </a:effectRef>
+          <a:fontRef idx="minor">
+            <a:schemeClr val="lt1"/>
+          </a:fontRef>
+        </p:style>
+        <p:txBody>
+          <a:bodyPr rot="0" spcFirstLastPara="0" vertOverflow="overflow" horzOverflow="overflow" vert="horz" wrap="square" lIns="91440" tIns="45720" rIns="91440" bIns="45720" numCol="1" spcCol="0" rtlCol="0" fromWordArt="0" anchor="ctr" anchorCtr="0" forceAA="0" compatLnSpc="1">
+            <a:prstTxWarp prst="textNoShape">
+              <a:avLst/>
+            </a:prstTxWarp>
+            <a:noAutofit/>
+          </a:bodyPr>
+          <a:lstStyle/>
+          <a:p>
+            <a:pPr algn="ctr"/>
+            <a:endParaRPr lang="hu-HU" sz="2000" dirty="0">
+              <a:solidFill>
+                <a:schemeClr val="tx1"/>
+              </a:solidFill>
+            </a:endParaRPr>
+          </a:p>
+        </p:txBody>
+      </p:sp>
+      <p:cxnSp>
+        <p:nvCxnSpPr>
+          <p:cNvPr id="19" name="Szögletes összekötő 46">
+            <a:extLst>
+              <a:ext uri="{FF2B5EF4-FFF2-40B4-BE49-F238E27FC236}">
+                <a16:creationId xmlns:a16="http://schemas.microsoft.com/office/drawing/2014/main" id="{E80848AD-FD22-404F-AC0A-A10630978F8A}"/>
+              </a:ext>
+            </a:extLst>
+          </p:cNvPr>
+          <p:cNvCxnSpPr>
+            <a:cxnSpLocks/>
+            <a:stCxn id="11" idx="2"/>
+            <a:endCxn id="13" idx="0"/>
+          </p:cNvCxnSpPr>
+          <p:nvPr/>
+        </p:nvCxnSpPr>
+        <p:spPr>
+          <a:xfrm rot="16200000" flipH="1">
+            <a:off x="3975152" y="2376517"/>
+            <a:ext cx="519926" cy="801"/>
+          </a:xfrm>
+          <a:prstGeom prst="bentConnector3">
+            <a:avLst>
+              <a:gd name="adj1" fmla="val 50000"/>
+            </a:avLst>
+          </a:prstGeom>
+          <a:ln w="19050">
+            <a:solidFill>
+              <a:schemeClr val="tx1"/>
+            </a:solidFill>
+            <a:prstDash val="solid"/>
+            <a:tailEnd type="triangle" w="lg" len="lg"/>
+          </a:ln>
+        </p:spPr>
+        <p:style>
+          <a:lnRef idx="1">
+            <a:schemeClr val="accent1"/>
+          </a:lnRef>
+          <a:fillRef idx="0">
+            <a:schemeClr val="accent1"/>
+          </a:fillRef>
+          <a:effectRef idx="0">
+            <a:schemeClr val="accent1"/>
+          </a:effectRef>
+          <a:fontRef idx="minor">
+            <a:schemeClr val="tx1"/>
+          </a:fontRef>
+        </p:style>
+      </p:cxnSp>
+      <p:cxnSp>
+        <p:nvCxnSpPr>
+          <p:cNvPr id="20" name="Szögletes összekötő 49">
+            <a:extLst>
+              <a:ext uri="{FF2B5EF4-FFF2-40B4-BE49-F238E27FC236}">
+                <a16:creationId xmlns:a16="http://schemas.microsoft.com/office/drawing/2014/main" id="{D20F9603-44E7-4424-BF9D-C815FBB842BA}"/>
+              </a:ext>
+            </a:extLst>
+          </p:cNvPr>
+          <p:cNvCxnSpPr>
+            <a:cxnSpLocks/>
+            <a:stCxn id="12" idx="2"/>
+            <a:endCxn id="14" idx="0"/>
+          </p:cNvCxnSpPr>
+          <p:nvPr/>
+        </p:nvCxnSpPr>
+        <p:spPr>
+          <a:xfrm>
+            <a:off x="6035516" y="2112349"/>
+            <a:ext cx="0" cy="524532"/>
+          </a:xfrm>
+          <a:prstGeom prst="straightConnector1">
+            <a:avLst/>
+          </a:prstGeom>
+          <a:ln w="19050">
+            <a:solidFill>
+              <a:schemeClr val="tx1"/>
+            </a:solidFill>
+            <a:prstDash val="solid"/>
+            <a:tailEnd type="triangle" w="lg" len="lg"/>
+          </a:ln>
+        </p:spPr>
+        <p:style>
+          <a:lnRef idx="1">
+            <a:schemeClr val="accent1"/>
+          </a:lnRef>
+          <a:fillRef idx="0">
+            <a:schemeClr val="accent1"/>
+          </a:fillRef>
+          <a:effectRef idx="0">
+            <a:schemeClr val="accent1"/>
+          </a:effectRef>
+          <a:fontRef idx="minor">
+            <a:schemeClr val="tx1"/>
+          </a:fontRef>
+        </p:style>
+      </p:cxnSp>
+      <p:cxnSp>
+        <p:nvCxnSpPr>
+          <p:cNvPr id="21" name="Szögletes összekötő 61">
+            <a:extLst>
+              <a:ext uri="{FF2B5EF4-FFF2-40B4-BE49-F238E27FC236}">
+                <a16:creationId xmlns:a16="http://schemas.microsoft.com/office/drawing/2014/main" id="{8DA0EE2D-4470-4D7A-A671-6D7391B4D817}"/>
+              </a:ext>
+            </a:extLst>
+          </p:cNvPr>
+          <p:cNvCxnSpPr>
+            <a:stCxn id="13" idx="2"/>
+          </p:cNvCxnSpPr>
+          <p:nvPr/>
+        </p:nvCxnSpPr>
+        <p:spPr>
+          <a:xfrm>
+            <a:off x="4235516" y="3380533"/>
+            <a:ext cx="0" cy="514303"/>
+          </a:xfrm>
+          <a:prstGeom prst="straightConnector1">
+            <a:avLst/>
+          </a:prstGeom>
+          <a:ln w="19050">
+            <a:solidFill>
+              <a:schemeClr val="tx1"/>
+            </a:solidFill>
+            <a:prstDash val="solid"/>
+            <a:tailEnd type="triangle" w="lg" len="lg"/>
+          </a:ln>
+        </p:spPr>
+        <p:style>
+          <a:lnRef idx="1">
+            <a:schemeClr val="accent1"/>
+          </a:lnRef>
+          <a:fillRef idx="0">
+            <a:schemeClr val="accent1"/>
+          </a:fillRef>
+          <a:effectRef idx="0">
+            <a:schemeClr val="accent1"/>
+          </a:effectRef>
+          <a:fontRef idx="minor">
+            <a:schemeClr val="tx1"/>
+          </a:fontRef>
+        </p:style>
+      </p:cxnSp>
+      <p:cxnSp>
+        <p:nvCxnSpPr>
+          <p:cNvPr id="22" name="Szögletes összekötő 64">
+            <a:extLst>
+              <a:ext uri="{FF2B5EF4-FFF2-40B4-BE49-F238E27FC236}">
+                <a16:creationId xmlns:a16="http://schemas.microsoft.com/office/drawing/2014/main" id="{4A5DAAF4-36A1-446E-A275-D465D9665868}"/>
+              </a:ext>
+            </a:extLst>
+          </p:cNvPr>
+          <p:cNvCxnSpPr>
+            <a:stCxn id="14" idx="2"/>
+          </p:cNvCxnSpPr>
+          <p:nvPr/>
+        </p:nvCxnSpPr>
+        <p:spPr>
+          <a:xfrm>
+            <a:off x="6035516" y="3380533"/>
+            <a:ext cx="0" cy="514303"/>
+          </a:xfrm>
+          <a:prstGeom prst="straightConnector1">
+            <a:avLst/>
+          </a:prstGeom>
+          <a:ln w="19050">
+            <a:solidFill>
+              <a:schemeClr val="tx1"/>
+            </a:solidFill>
+            <a:prstDash val="solid"/>
+            <a:tailEnd type="triangle" w="lg" len="lg"/>
+          </a:ln>
+        </p:spPr>
+        <p:style>
+          <a:lnRef idx="1">
+            <a:schemeClr val="accent1"/>
+          </a:lnRef>
+          <a:fillRef idx="0">
+            <a:schemeClr val="accent1"/>
+          </a:fillRef>
+          <a:effectRef idx="0">
+            <a:schemeClr val="accent1"/>
+          </a:effectRef>
+          <a:fontRef idx="minor">
+            <a:schemeClr val="tx1"/>
+          </a:fontRef>
+        </p:style>
+      </p:cxnSp>
+      <p:cxnSp>
+        <p:nvCxnSpPr>
+          <p:cNvPr id="23" name="Szögletes összekötő 67">
+            <a:extLst>
+              <a:ext uri="{FF2B5EF4-FFF2-40B4-BE49-F238E27FC236}">
+                <a16:creationId xmlns:a16="http://schemas.microsoft.com/office/drawing/2014/main" id="{8257F923-A43F-4B54-ACE9-1983B1E2FD91}"/>
+              </a:ext>
+            </a:extLst>
+          </p:cNvPr>
+          <p:cNvCxnSpPr>
+            <a:endCxn id="18" idx="0"/>
+          </p:cNvCxnSpPr>
+          <p:nvPr/>
+        </p:nvCxnSpPr>
+        <p:spPr>
+          <a:xfrm>
+            <a:off x="5138768" y="4594659"/>
+            <a:ext cx="0" cy="432725"/>
+          </a:xfrm>
+          <a:prstGeom prst="straightConnector1">
+            <a:avLst/>
+          </a:prstGeom>
+          <a:ln w="19050">
+            <a:solidFill>
+              <a:schemeClr val="tx1"/>
+            </a:solidFill>
+            <a:prstDash val="solid"/>
+            <a:tailEnd type="triangle" w="lg" len="lg"/>
+          </a:ln>
+        </p:spPr>
+        <p:style>
+          <a:lnRef idx="1">
+            <a:schemeClr val="accent1"/>
+          </a:lnRef>
+          <a:fillRef idx="0">
+            <a:schemeClr val="accent1"/>
+          </a:fillRef>
+          <a:effectRef idx="0">
+            <a:schemeClr val="accent1"/>
+          </a:effectRef>
+          <a:fontRef idx="minor">
+            <a:schemeClr val="tx1"/>
+          </a:fontRef>
+        </p:style>
+      </p:cxnSp>
+      <p:sp>
+        <p:nvSpPr>
+          <p:cNvPr id="24" name="Lekerekített téglalap 152">
+            <a:extLst>
+              <a:ext uri="{FF2B5EF4-FFF2-40B4-BE49-F238E27FC236}">
+                <a16:creationId xmlns:a16="http://schemas.microsoft.com/office/drawing/2014/main" id="{C40EF9D8-30DB-46AB-9F17-A574099286BF}"/>
+              </a:ext>
+            </a:extLst>
+          </p:cNvPr>
+          <p:cNvSpPr/>
+          <p:nvPr/>
+        </p:nvSpPr>
+        <p:spPr>
+          <a:xfrm>
+            <a:off x="7144468" y="5136470"/>
+            <a:ext cx="1361924" cy="290079"/>
+          </a:xfrm>
+          <a:prstGeom prst="roundRect">
+            <a:avLst/>
+          </a:prstGeom>
+        </p:spPr>
+        <p:style>
+          <a:lnRef idx="1">
+            <a:schemeClr val="accent2"/>
+          </a:lnRef>
+          <a:fillRef idx="2">
+            <a:schemeClr val="accent2"/>
+          </a:fillRef>
+          <a:effectRef idx="1">
+            <a:schemeClr val="accent2"/>
+          </a:effectRef>
+          <a:fontRef idx="minor">
+            <a:schemeClr val="dk1"/>
+          </a:fontRef>
+        </p:style>
+        <p:txBody>
+          <a:bodyPr rtlCol="0" anchor="ctr"/>
+          <a:lstStyle/>
+          <a:p>
+            <a:pPr algn="ctr" defTabSz="457200"/>
+            <a:r>
+              <a:rPr lang="hu-HU" sz="1600" dirty="0">
+                <a:solidFill>
+                  <a:schemeClr val="accent2">
+                    <a:lumMod val="50000"/>
+                  </a:schemeClr>
+                </a:solidFill>
+                <a:latin typeface="Segoe UI" panose="020B0502040204020203" pitchFamily="34" charset="0"/>
+                <a:cs typeface="Segoe UI" panose="020B0502040204020203" pitchFamily="34" charset="0"/>
+              </a:rPr>
+              <a:t>CTL </a:t>
+            </a:r>
+            <a:r>
+              <a:rPr lang="hu-HU" sz="1600" dirty="0" err="1">
+                <a:solidFill>
+                  <a:schemeClr val="accent2">
+                    <a:lumMod val="50000"/>
+                  </a:schemeClr>
+                </a:solidFill>
+                <a:latin typeface="Segoe UI" panose="020B0502040204020203" pitchFamily="34" charset="0"/>
+                <a:cs typeface="Segoe UI" panose="020B0502040204020203" pitchFamily="34" charset="0"/>
+              </a:rPr>
+              <a:t>exp</a:t>
+            </a:r>
+            <a:r>
+              <a:rPr lang="hu-HU" sz="1600" dirty="0">
+                <a:solidFill>
+                  <a:schemeClr val="accent2">
+                    <a:lumMod val="50000"/>
+                  </a:schemeClr>
+                </a:solidFill>
+                <a:latin typeface="Segoe UI" panose="020B0502040204020203" pitchFamily="34" charset="0"/>
+                <a:cs typeface="Segoe UI" panose="020B0502040204020203" pitchFamily="34" charset="0"/>
+              </a:rPr>
+              <a:t>.</a:t>
+            </a:r>
+          </a:p>
+        </p:txBody>
+      </p:sp>
+      <p:sp>
+        <p:nvSpPr>
+          <p:cNvPr id="25" name="Lekerekített téglalap 159">
+            <a:extLst>
+              <a:ext uri="{FF2B5EF4-FFF2-40B4-BE49-F238E27FC236}">
+                <a16:creationId xmlns:a16="http://schemas.microsoft.com/office/drawing/2014/main" id="{AFEC0D88-07ED-4E17-B725-D5BABCF978D2}"/>
+              </a:ext>
+            </a:extLst>
+          </p:cNvPr>
+          <p:cNvSpPr/>
+          <p:nvPr/>
+        </p:nvSpPr>
+        <p:spPr>
+          <a:xfrm>
+            <a:off x="7144468" y="5708731"/>
+            <a:ext cx="1361924" cy="290079"/>
+          </a:xfrm>
+          <a:prstGeom prst="roundRect">
+            <a:avLst/>
+          </a:prstGeom>
+        </p:spPr>
+        <p:style>
+          <a:lnRef idx="1">
+            <a:schemeClr val="accent2"/>
+          </a:lnRef>
+          <a:fillRef idx="2">
+            <a:schemeClr val="accent2"/>
+          </a:fillRef>
+          <a:effectRef idx="1">
+            <a:schemeClr val="accent2"/>
+          </a:effectRef>
+          <a:fontRef idx="minor">
+            <a:schemeClr val="dk1"/>
+          </a:fontRef>
+        </p:style>
+        <p:txBody>
+          <a:bodyPr rtlCol="0" anchor="ctr"/>
+          <a:lstStyle/>
+          <a:p>
+            <a:pPr algn="ctr" defTabSz="457200"/>
+            <a:r>
+              <a:rPr lang="hu-HU" sz="1600" dirty="0">
+                <a:solidFill>
+                  <a:schemeClr val="accent2">
+                    <a:lumMod val="50000"/>
+                  </a:schemeClr>
+                </a:solidFill>
+                <a:latin typeface="Segoe UI" panose="020B0502040204020203" pitchFamily="34" charset="0"/>
+                <a:cs typeface="Segoe UI" panose="020B0502040204020203" pitchFamily="34" charset="0"/>
+              </a:rPr>
+              <a:t>CTL </a:t>
+            </a:r>
+            <a:r>
+              <a:rPr lang="hu-HU" sz="1600" dirty="0" err="1">
+                <a:solidFill>
+                  <a:schemeClr val="accent2">
+                    <a:lumMod val="50000"/>
+                  </a:schemeClr>
+                </a:solidFill>
+                <a:latin typeface="Segoe UI" panose="020B0502040204020203" pitchFamily="34" charset="0"/>
+                <a:cs typeface="Segoe UI" panose="020B0502040204020203" pitchFamily="34" charset="0"/>
+              </a:rPr>
+              <a:t>exp</a:t>
+            </a:r>
+            <a:r>
+              <a:rPr lang="hu-HU" sz="1600" dirty="0">
+                <a:solidFill>
+                  <a:schemeClr val="accent2">
+                    <a:lumMod val="50000"/>
+                  </a:schemeClr>
+                </a:solidFill>
+                <a:latin typeface="Segoe UI" panose="020B0502040204020203" pitchFamily="34" charset="0"/>
+                <a:cs typeface="Segoe UI" panose="020B0502040204020203" pitchFamily="34" charset="0"/>
+              </a:rPr>
+              <a:t>.</a:t>
+            </a:r>
+          </a:p>
+        </p:txBody>
+      </p:sp>
+      <p:sp>
+        <p:nvSpPr>
+          <p:cNvPr id="26" name="Szövegdoboz 41">
+            <a:extLst>
+              <a:ext uri="{FF2B5EF4-FFF2-40B4-BE49-F238E27FC236}">
+                <a16:creationId xmlns:a16="http://schemas.microsoft.com/office/drawing/2014/main" id="{04CAAE23-B317-465D-A81A-CE87A44BDF45}"/>
+              </a:ext>
+            </a:extLst>
+          </p:cNvPr>
+          <p:cNvSpPr txBox="1"/>
+          <p:nvPr/>
+        </p:nvSpPr>
+        <p:spPr>
+          <a:xfrm>
+            <a:off x="3886252" y="5810443"/>
+            <a:ext cx="2490410" cy="400110"/>
+          </a:xfrm>
+          <a:prstGeom prst="rect">
+            <a:avLst/>
+          </a:prstGeom>
+          <a:noFill/>
+        </p:spPr>
+        <p:txBody>
+          <a:bodyPr wrap="square" rtlCol="0">
+            <a:spAutoFit/>
+          </a:bodyPr>
+          <a:lstStyle/>
+          <a:p>
+            <a:pPr algn="ctr"/>
+            <a:r>
+              <a:rPr lang="hu-HU" sz="2000" dirty="0"/>
+              <a:t>UPPAAL</a:t>
+            </a:r>
+          </a:p>
+        </p:txBody>
+      </p:sp>
+      <p:sp>
+        <p:nvSpPr>
+          <p:cNvPr id="27" name="Lekerekített téglalap 65">
+            <a:extLst>
+              <a:ext uri="{FF2B5EF4-FFF2-40B4-BE49-F238E27FC236}">
+                <a16:creationId xmlns:a16="http://schemas.microsoft.com/office/drawing/2014/main" id="{D0689FA2-818D-4DC7-83E8-037005071973}"/>
+              </a:ext>
+            </a:extLst>
+          </p:cNvPr>
+          <p:cNvSpPr/>
+          <p:nvPr/>
+        </p:nvSpPr>
+        <p:spPr>
+          <a:xfrm>
+            <a:off x="7018079" y="5027383"/>
+            <a:ext cx="1604678" cy="1086236"/>
+          </a:xfrm>
+          <a:prstGeom prst="roundRect">
+            <a:avLst/>
+          </a:prstGeom>
+          <a:noFill/>
+          <a:ln w="19050">
+            <a:solidFill>
+              <a:schemeClr val="tx1"/>
+            </a:solidFill>
+            <a:prstDash val="dash"/>
+          </a:ln>
+          <a:effectLst/>
+        </p:spPr>
+        <p:style>
+          <a:lnRef idx="2">
+            <a:schemeClr val="accent4">
+              <a:shade val="50000"/>
+            </a:schemeClr>
+          </a:lnRef>
+          <a:fillRef idx="1">
+            <a:schemeClr val="accent4"/>
+          </a:fillRef>
+          <a:effectRef idx="0">
+            <a:schemeClr val="accent4"/>
+          </a:effectRef>
+          <a:fontRef idx="minor">
+            <a:schemeClr val="lt1"/>
+          </a:fontRef>
+        </p:style>
+        <p:txBody>
+          <a:bodyPr rot="0" spcFirstLastPara="0" vertOverflow="overflow" horzOverflow="overflow" vert="vert" wrap="square" lIns="91440" tIns="45720" rIns="91440" bIns="45720" numCol="1" spcCol="0" rtlCol="0" fromWordArt="0" anchor="ctr" anchorCtr="0" forceAA="0" compatLnSpc="1">
+            <a:prstTxWarp prst="textNoShape">
+              <a:avLst/>
+            </a:prstTxWarp>
+            <a:noAutofit/>
+          </a:bodyPr>
+          <a:lstStyle/>
+          <a:p>
+            <a:pPr algn="ctr"/>
+            <a:r>
+              <a:rPr lang="hu-HU" sz="2000" dirty="0">
+                <a:solidFill>
+                  <a:schemeClr val="tx1"/>
+                </a:solidFill>
+                <a:latin typeface="Arial" panose="020B0604020202020204" pitchFamily="34" charset="0"/>
+                <a:cs typeface="Arial" panose="020B0604020202020204" pitchFamily="34" charset="0"/>
+              </a:rPr>
+              <a:t>···</a:t>
+            </a:r>
+            <a:endParaRPr lang="hu-HU" sz="2000" dirty="0">
+              <a:solidFill>
+                <a:schemeClr val="tx1"/>
+              </a:solidFill>
+            </a:endParaRPr>
+          </a:p>
+        </p:txBody>
+      </p:sp>
+      <p:sp>
+        <p:nvSpPr>
+          <p:cNvPr id="28" name="Lekerekített téglalap 66">
+            <a:extLst>
+              <a:ext uri="{FF2B5EF4-FFF2-40B4-BE49-F238E27FC236}">
+                <a16:creationId xmlns:a16="http://schemas.microsoft.com/office/drawing/2014/main" id="{AC9615C6-89CC-43A1-AA1E-B77AC04E51DC}"/>
+              </a:ext>
+            </a:extLst>
+          </p:cNvPr>
+          <p:cNvSpPr/>
+          <p:nvPr/>
+        </p:nvSpPr>
+        <p:spPr>
+          <a:xfrm>
+            <a:off x="3265960" y="1270722"/>
+            <a:ext cx="3745616" cy="939603"/>
+          </a:xfrm>
+          <a:prstGeom prst="roundRect">
+            <a:avLst/>
+          </a:prstGeom>
+          <a:noFill/>
+          <a:ln w="19050">
+            <a:solidFill>
+              <a:schemeClr val="tx1"/>
+            </a:solidFill>
+            <a:prstDash val="dash"/>
+          </a:ln>
+          <a:effectLst/>
+        </p:spPr>
+        <p:style>
+          <a:lnRef idx="2">
+            <a:schemeClr val="accent4">
+              <a:shade val="50000"/>
+            </a:schemeClr>
+          </a:lnRef>
+          <a:fillRef idx="1">
+            <a:schemeClr val="accent4"/>
+          </a:fillRef>
+          <a:effectRef idx="0">
+            <a:schemeClr val="accent4"/>
+          </a:effectRef>
+          <a:fontRef idx="minor">
+            <a:schemeClr val="lt1"/>
+          </a:fontRef>
+        </p:style>
+        <p:txBody>
+          <a:bodyPr rot="0" spcFirstLastPara="0" vertOverflow="overflow" horzOverflow="overflow" vert="horz" wrap="square" lIns="91440" tIns="45720" rIns="91440" bIns="45720" numCol="1" spcCol="0" rtlCol="0" fromWordArt="0" anchor="ctr" anchorCtr="0" forceAA="0" compatLnSpc="1">
+            <a:prstTxWarp prst="textNoShape">
+              <a:avLst/>
+            </a:prstTxWarp>
+            <a:noAutofit/>
+          </a:bodyPr>
+          <a:lstStyle/>
+          <a:p>
+            <a:pPr algn="ctr"/>
+            <a:endParaRPr lang="hu-HU" sz="2000" dirty="0">
+              <a:solidFill>
+                <a:schemeClr val="tx1"/>
+              </a:solidFill>
+            </a:endParaRPr>
+          </a:p>
+        </p:txBody>
+      </p:sp>
+      <p:cxnSp>
+        <p:nvCxnSpPr>
+          <p:cNvPr id="29" name="Szögletes összekötő 167">
+            <a:extLst>
+              <a:ext uri="{FF2B5EF4-FFF2-40B4-BE49-F238E27FC236}">
+                <a16:creationId xmlns:a16="http://schemas.microsoft.com/office/drawing/2014/main" id="{0C74E167-EB25-4EE5-8BAF-E43A0DF0D30B}"/>
+              </a:ext>
+            </a:extLst>
+          </p:cNvPr>
+          <p:cNvCxnSpPr>
+            <a:cxnSpLocks/>
+            <a:stCxn id="15" idx="1"/>
+            <a:endCxn id="5" idx="3"/>
+          </p:cNvCxnSpPr>
+          <p:nvPr/>
+        </p:nvCxnSpPr>
+        <p:spPr>
+          <a:xfrm rot="10800000">
+            <a:off x="2381386" y="5540536"/>
+            <a:ext cx="825206" cy="1"/>
+          </a:xfrm>
+          <a:prstGeom prst="bentConnector3">
+            <a:avLst>
+              <a:gd name="adj1" fmla="val 50000"/>
+            </a:avLst>
+          </a:prstGeom>
+          <a:ln w="19050" cmpd="sng">
+            <a:solidFill>
+              <a:schemeClr val="tx1"/>
+            </a:solidFill>
+            <a:prstDash val="solid"/>
+            <a:tailEnd type="triangle" w="lg" len="lg"/>
+          </a:ln>
+        </p:spPr>
+        <p:style>
+          <a:lnRef idx="1">
+            <a:schemeClr val="accent1"/>
+          </a:lnRef>
+          <a:fillRef idx="0">
+            <a:schemeClr val="accent1"/>
+          </a:fillRef>
+          <a:effectRef idx="0">
+            <a:schemeClr val="accent1"/>
+          </a:effectRef>
+          <a:fontRef idx="minor">
+            <a:schemeClr val="tx1"/>
+          </a:fontRef>
+        </p:style>
+      </p:cxnSp>
+      <p:cxnSp>
+        <p:nvCxnSpPr>
+          <p:cNvPr id="30" name="Szögletes összekötő 170">
+            <a:extLst>
+              <a:ext uri="{FF2B5EF4-FFF2-40B4-BE49-F238E27FC236}">
+                <a16:creationId xmlns:a16="http://schemas.microsoft.com/office/drawing/2014/main" id="{FD5FDB93-D19C-42C5-8827-59F1B7634044}"/>
+              </a:ext>
+            </a:extLst>
+          </p:cNvPr>
+          <p:cNvCxnSpPr>
+            <a:stCxn id="28" idx="1"/>
+            <a:endCxn id="7" idx="3"/>
+          </p:cNvCxnSpPr>
+          <p:nvPr/>
+        </p:nvCxnSpPr>
+        <p:spPr>
+          <a:xfrm rot="10800000" flipV="1">
+            <a:off x="2377668" y="1740523"/>
+            <a:ext cx="888292" cy="1265371"/>
+          </a:xfrm>
+          <a:prstGeom prst="bentConnector3">
+            <a:avLst>
+              <a:gd name="adj1" fmla="val 31312"/>
+            </a:avLst>
+          </a:prstGeom>
+          <a:ln w="19050">
+            <a:solidFill>
+              <a:schemeClr val="tx1"/>
+            </a:solidFill>
+            <a:prstDash val="solid"/>
+            <a:tailEnd type="triangle" w="lg" len="lg"/>
+          </a:ln>
+        </p:spPr>
+        <p:style>
+          <a:lnRef idx="1">
+            <a:schemeClr val="accent1"/>
+          </a:lnRef>
+          <a:fillRef idx="0">
+            <a:schemeClr val="accent1"/>
+          </a:fillRef>
+          <a:effectRef idx="0">
+            <a:schemeClr val="accent1"/>
+          </a:effectRef>
+          <a:fontRef idx="minor">
+            <a:schemeClr val="tx1"/>
+          </a:fontRef>
+        </p:style>
+      </p:cxnSp>
+      <p:sp>
+        <p:nvSpPr>
+          <p:cNvPr id="32" name="Szövegdoboz 31">
+            <a:extLst>
+              <a:ext uri="{FF2B5EF4-FFF2-40B4-BE49-F238E27FC236}">
+                <a16:creationId xmlns:a16="http://schemas.microsoft.com/office/drawing/2014/main" id="{8A9EEEE8-91B7-4B72-B244-477F7CBF46C6}"/>
+              </a:ext>
+            </a:extLst>
+          </p:cNvPr>
+          <p:cNvSpPr txBox="1"/>
+          <p:nvPr/>
+        </p:nvSpPr>
+        <p:spPr>
+          <a:xfrm rot="16200000">
+            <a:off x="2059730" y="4444306"/>
+            <a:ext cx="1412887" cy="369332"/>
+          </a:xfrm>
+          <a:prstGeom prst="rect">
+            <a:avLst/>
+          </a:prstGeom>
+          <a:noFill/>
+        </p:spPr>
+        <p:txBody>
+          <a:bodyPr wrap="square" rtlCol="0">
+            <a:spAutoFit/>
+          </a:bodyPr>
+          <a:lstStyle/>
+          <a:p>
+            <a:r>
+              <a:rPr lang="hu-HU" dirty="0" err="1"/>
+              <a:t>Xtend</a:t>
+            </a:r>
+            <a:endParaRPr lang="hu-HU" dirty="0"/>
+          </a:p>
+        </p:txBody>
+      </p:sp>
+      <p:cxnSp>
+        <p:nvCxnSpPr>
+          <p:cNvPr id="33" name="Szögletes összekötő 170">
+            <a:extLst>
+              <a:ext uri="{FF2B5EF4-FFF2-40B4-BE49-F238E27FC236}">
+                <a16:creationId xmlns:a16="http://schemas.microsoft.com/office/drawing/2014/main" id="{4BF8141F-FA19-4855-9E0E-26CBBF2CC246}"/>
+              </a:ext>
+            </a:extLst>
+          </p:cNvPr>
+          <p:cNvCxnSpPr>
+            <a:endCxn id="27" idx="0"/>
+          </p:cNvCxnSpPr>
+          <p:nvPr/>
+        </p:nvCxnSpPr>
+        <p:spPr>
+          <a:xfrm>
+            <a:off x="7820418" y="4594659"/>
+            <a:ext cx="0" cy="432724"/>
+          </a:xfrm>
+          <a:prstGeom prst="straightConnector1">
+            <a:avLst/>
+          </a:prstGeom>
+          <a:ln w="19050">
+            <a:solidFill>
+              <a:schemeClr val="tx1"/>
+            </a:solidFill>
+            <a:prstDash val="solid"/>
+            <a:tailEnd type="triangle" w="lg" len="lg"/>
+          </a:ln>
+        </p:spPr>
+        <p:style>
+          <a:lnRef idx="1">
+            <a:schemeClr val="accent1"/>
+          </a:lnRef>
+          <a:fillRef idx="0">
+            <a:schemeClr val="accent1"/>
+          </a:fillRef>
+          <a:effectRef idx="0">
+            <a:schemeClr val="accent1"/>
+          </a:effectRef>
+          <a:fontRef idx="minor">
+            <a:schemeClr val="tx1"/>
+          </a:fontRef>
+        </p:style>
+      </p:cxnSp>
+      <p:sp>
+        <p:nvSpPr>
+          <p:cNvPr id="34" name="Beszédbuborék: lekerekített sarkú téglalap 5">
+            <a:extLst>
+              <a:ext uri="{FF2B5EF4-FFF2-40B4-BE49-F238E27FC236}">
+                <a16:creationId xmlns:a16="http://schemas.microsoft.com/office/drawing/2014/main" id="{4ED50537-13CA-4626-AD3A-B2591EAE4FDA}"/>
+              </a:ext>
+            </a:extLst>
+          </p:cNvPr>
+          <p:cNvSpPr/>
+          <p:nvPr/>
+        </p:nvSpPr>
+        <p:spPr>
+          <a:xfrm rot="5400000">
+            <a:off x="7388073" y="3245549"/>
+            <a:ext cx="2211489" cy="486732"/>
+          </a:xfrm>
+          <a:prstGeom prst="roundRect">
+            <a:avLst/>
+          </a:prstGeom>
+          <a:ln w="19050">
+            <a:solidFill>
+              <a:schemeClr val="tx1"/>
+            </a:solidFill>
+          </a:ln>
+        </p:spPr>
+        <p:style>
+          <a:lnRef idx="1">
+            <a:schemeClr val="accent2"/>
+          </a:lnRef>
+          <a:fillRef idx="3">
+            <a:schemeClr val="accent2"/>
+          </a:fillRef>
+          <a:effectRef idx="2">
+            <a:schemeClr val="accent2"/>
+          </a:effectRef>
+          <a:fontRef idx="minor">
+            <a:schemeClr val="lt1"/>
+          </a:fontRef>
+        </p:style>
+        <p:txBody>
+          <a:bodyPr rtlCol="0" anchor="ctr"/>
+          <a:lstStyle/>
+          <a:p>
+            <a:pPr algn="ctr" defTabSz="457200"/>
+            <a:r>
+              <a:rPr lang="hu-HU">
+                <a:latin typeface="Segoe UI" panose="020B0502040204020203" pitchFamily="34" charset="0"/>
+                <a:cs typeface="Segoe UI" panose="020B0502040204020203" pitchFamily="34" charset="0"/>
+              </a:rPr>
+              <a:t>VIATRA</a:t>
+            </a:r>
+            <a:endParaRPr lang="en-US" dirty="0" err="1">
+              <a:latin typeface="Segoe UI" panose="020B0502040204020203" pitchFamily="34" charset="0"/>
+              <a:cs typeface="Segoe UI" panose="020B0502040204020203" pitchFamily="34" charset="0"/>
+            </a:endParaRPr>
+          </a:p>
+        </p:txBody>
+      </p:sp>
+      <p:sp>
+        <p:nvSpPr>
+          <p:cNvPr id="31" name="Dia számának helye 30">
+            <a:extLst>
+              <a:ext uri="{FF2B5EF4-FFF2-40B4-BE49-F238E27FC236}">
+                <a16:creationId xmlns:a16="http://schemas.microsoft.com/office/drawing/2014/main" id="{2E9C6FE8-763F-4BEC-872E-F0A1966EE265}"/>
               </a:ext>
             </a:extLst>
           </p:cNvPr>
@@ -37544,7 +39721,7 @@
     </p:spTree>
     <p:extLst>
       <p:ext uri="{BB962C8B-B14F-4D97-AF65-F5344CB8AC3E}">
-        <p14:creationId xmlns:p14="http://schemas.microsoft.com/office/powerpoint/2010/main" val="1935620616"/>
+        <p14:creationId xmlns:p14="http://schemas.microsoft.com/office/powerpoint/2010/main" val="1132779880"/>
       </p:ext>
     </p:extLst>
   </p:cSld>
@@ -37593,6 +39770,239 @@
           <a:p>
             <a:r>
               <a:rPr lang="hu-HU" dirty="0" err="1"/>
+              <a:t>Summary</a:t>
+            </a:r>
+            <a:endParaRPr lang="en-US" dirty="0"/>
+          </a:p>
+        </p:txBody>
+      </p:sp>
+      <p:sp>
+        <p:nvSpPr>
+          <p:cNvPr id="3" name="Szöveg helye 2"/>
+          <p:cNvSpPr>
+            <a:spLocks noGrp="1"/>
+          </p:cNvSpPr>
+          <p:nvPr>
+            <p:ph type="body" sz="quarter" idx="13"/>
+          </p:nvPr>
+        </p:nvSpPr>
+        <p:spPr>
+          <a:xfrm>
+            <a:off x="628649" y="1455938"/>
+            <a:ext cx="8013545" cy="4732140"/>
+          </a:xfrm>
+        </p:spPr>
+        <p:txBody>
+          <a:bodyPr>
+            <a:normAutofit/>
+          </a:bodyPr>
+          <a:lstStyle/>
+          <a:p>
+            <a:r>
+              <a:rPr lang="hu-HU" dirty="0"/>
+              <a:t>Gamma </a:t>
+            </a:r>
+            <a:r>
+              <a:rPr lang="hu-HU" dirty="0" err="1"/>
+              <a:t>Statechart</a:t>
+            </a:r>
+            <a:r>
+              <a:rPr lang="hu-HU" dirty="0"/>
+              <a:t> </a:t>
+            </a:r>
+            <a:r>
+              <a:rPr lang="hu-HU" dirty="0" err="1"/>
+              <a:t>Composition</a:t>
+            </a:r>
+            <a:r>
+              <a:rPr lang="hu-HU" dirty="0"/>
+              <a:t> Framework</a:t>
+            </a:r>
+          </a:p>
+          <a:p>
+            <a:pPr lvl="1"/>
+            <a:r>
+              <a:rPr lang="hu-HU" dirty="0"/>
+              <a:t>Design </a:t>
+            </a:r>
+            <a:r>
+              <a:rPr lang="hu-HU" dirty="0" err="1"/>
+              <a:t>support</a:t>
+            </a:r>
+            <a:endParaRPr lang="hu-HU" dirty="0"/>
+          </a:p>
+          <a:p>
+            <a:pPr lvl="1"/>
+            <a:r>
+              <a:rPr lang="hu-HU" dirty="0" err="1"/>
+              <a:t>Code</a:t>
+            </a:r>
+            <a:r>
+              <a:rPr lang="hu-HU" dirty="0"/>
+              <a:t> </a:t>
+            </a:r>
+            <a:r>
+              <a:rPr lang="hu-HU" dirty="0" err="1"/>
+              <a:t>generation</a:t>
+            </a:r>
+            <a:endParaRPr lang="hu-HU" dirty="0"/>
+          </a:p>
+          <a:p>
+            <a:pPr lvl="1"/>
+            <a:r>
+              <a:rPr lang="hu-HU" dirty="0"/>
+              <a:t>V&amp;V (</a:t>
+            </a:r>
+            <a:r>
+              <a:rPr lang="hu-HU" dirty="0" err="1"/>
+              <a:t>model-checking</a:t>
+            </a:r>
+            <a:r>
+              <a:rPr lang="hu-HU" dirty="0"/>
+              <a:t>)</a:t>
+            </a:r>
+          </a:p>
+          <a:p>
+            <a:r>
+              <a:rPr lang="hu-HU" dirty="0" err="1"/>
+              <a:t>Extension</a:t>
+            </a:r>
+            <a:r>
+              <a:rPr lang="hu-HU" dirty="0"/>
+              <a:t> of </a:t>
+            </a:r>
+            <a:r>
+              <a:rPr lang="hu-HU" dirty="0" err="1"/>
+              <a:t>the</a:t>
+            </a:r>
+            <a:r>
+              <a:rPr lang="hu-HU" dirty="0"/>
+              <a:t> </a:t>
+            </a:r>
+            <a:r>
+              <a:rPr lang="hu-HU" dirty="0" err="1"/>
+              <a:t>compsosititon</a:t>
+            </a:r>
+            <a:r>
+              <a:rPr lang="hu-HU" dirty="0"/>
+              <a:t> </a:t>
+            </a:r>
+            <a:r>
+              <a:rPr lang="hu-HU" dirty="0" err="1"/>
+              <a:t>language</a:t>
+            </a:r>
+            <a:endParaRPr lang="hu-HU" dirty="0"/>
+          </a:p>
+          <a:p>
+            <a:pPr lvl="1"/>
+            <a:r>
+              <a:rPr lang="hu-HU" sz="2400" dirty="0" err="1"/>
+              <a:t>Asynchronous</a:t>
+            </a:r>
+            <a:endParaRPr lang="hu-HU" sz="2400" dirty="0"/>
+          </a:p>
+          <a:p>
+            <a:pPr lvl="1"/>
+            <a:r>
+              <a:rPr lang="hu-HU" sz="2400" dirty="0" err="1"/>
+              <a:t>Synchronous</a:t>
+            </a:r>
+            <a:endParaRPr lang="hu-HU" sz="2400" dirty="0"/>
+          </a:p>
+          <a:p>
+            <a:pPr lvl="1"/>
+            <a:r>
+              <a:rPr lang="hu-HU" sz="2400" dirty="0" err="1"/>
+              <a:t>Cascade</a:t>
+            </a:r>
+            <a:endParaRPr lang="hu-HU" sz="2400" dirty="0"/>
+          </a:p>
+          <a:p>
+            <a:endParaRPr lang="hu-HU" dirty="0"/>
+          </a:p>
+        </p:txBody>
+      </p:sp>
+      <p:sp>
+        <p:nvSpPr>
+          <p:cNvPr id="8" name="Dia számának helye 7">
+            <a:extLst>
+              <a:ext uri="{FF2B5EF4-FFF2-40B4-BE49-F238E27FC236}">
+                <a16:creationId xmlns:a16="http://schemas.microsoft.com/office/drawing/2014/main" id="{21242BF0-91F6-4FCB-B17E-595A1837653F}"/>
+              </a:ext>
+            </a:extLst>
+          </p:cNvPr>
+          <p:cNvSpPr>
+            <a:spLocks noGrp="1"/>
+          </p:cNvSpPr>
+          <p:nvPr>
+            <p:ph type="sldNum" sz="quarter" idx="12"/>
+          </p:nvPr>
+        </p:nvSpPr>
+        <p:spPr/>
+        <p:txBody>
+          <a:bodyPr/>
+          <a:lstStyle/>
+          <a:p>
+            <a:fld id="{8B04355B-F8E2-45B6-9C9F-1BA606DD0B1C}" type="slidenum">
+              <a:rPr lang="en-US" smtClean="0"/>
+              <a:t>24</a:t>
+            </a:fld>
+            <a:endParaRPr lang="en-US"/>
+          </a:p>
+        </p:txBody>
+      </p:sp>
+    </p:spTree>
+    <p:extLst>
+      <p:ext uri="{BB962C8B-B14F-4D97-AF65-F5344CB8AC3E}">
+        <p14:creationId xmlns:p14="http://schemas.microsoft.com/office/powerpoint/2010/main" val="1935620616"/>
+      </p:ext>
+    </p:extLst>
+  </p:cSld>
+  <p:clrMapOvr>
+    <a:masterClrMapping/>
+  </p:clrMapOvr>
+</p:sld>
+</file>
+
+<file path=ppt/slides/slide25.xml><?xml version="1.0" encoding="utf-8"?>
+<p:sld xmlns:a="http://schemas.openxmlformats.org/drawingml/2006/main" xmlns:r="http://schemas.openxmlformats.org/officeDocument/2006/relationships" xmlns:p="http://schemas.openxmlformats.org/presentationml/2006/main">
+  <p:cSld>
+    <p:spTree>
+      <p:nvGrpSpPr>
+        <p:cNvPr id="1" name=""/>
+        <p:cNvGrpSpPr/>
+        <p:nvPr/>
+      </p:nvGrpSpPr>
+      <p:grpSpPr>
+        <a:xfrm>
+          <a:off x="0" y="0"/>
+          <a:ext cx="0" cy="0"/>
+          <a:chOff x="0" y="0"/>
+          <a:chExt cx="0" cy="0"/>
+        </a:xfrm>
+      </p:grpSpPr>
+      <p:sp>
+        <p:nvSpPr>
+          <p:cNvPr id="2" name="Cím 1"/>
+          <p:cNvSpPr>
+            <a:spLocks noGrp="1"/>
+          </p:cNvSpPr>
+          <p:nvPr>
+            <p:ph type="title"/>
+          </p:nvPr>
+        </p:nvSpPr>
+        <p:spPr>
+          <a:xfrm>
+            <a:off x="628651" y="365127"/>
+            <a:ext cx="7886699" cy="877748"/>
+          </a:xfrm>
+        </p:spPr>
+        <p:txBody>
+          <a:bodyPr/>
+          <a:lstStyle/>
+          <a:p>
+            <a:r>
+              <a:rPr lang="hu-HU" dirty="0" err="1"/>
               <a:t>Future</a:t>
             </a:r>
             <a:r>
@@ -37843,7 +40253,7 @@
           <a:p>
             <a:fld id="{8B04355B-F8E2-45B6-9C9F-1BA606DD0B1C}" type="slidenum">
               <a:rPr lang="en-US" smtClean="0"/>
-              <a:t>24</a:t>
+              <a:t>25</a:t>
             </a:fld>
             <a:endParaRPr lang="en-US"/>
           </a:p>
@@ -37862,7 +40272,7 @@
 </p:sld>
 </file>
 
-<file path=ppt/slides/slide25.xml><?xml version="1.0" encoding="utf-8"?>
+<file path=ppt/slides/slide26.xml><?xml version="1.0" encoding="utf-8"?>
 <p:sld xmlns:a="http://schemas.openxmlformats.org/drawingml/2006/main" xmlns:r="http://schemas.openxmlformats.org/officeDocument/2006/relationships" xmlns:p="http://schemas.openxmlformats.org/presentationml/2006/main">
   <p:cSld>
     <p:spTree>
